--- a/문서/졸업작품 게임 기획서 초안.pptx
+++ b/문서/졸업작품 게임 기획서 초안.pptx
@@ -4407,6 +4407,45 @@
           </a:p>
         </p:txBody>
       </p:sp>
+      <p:pic>
+        <p:nvPicPr>
+          <p:cNvPr id="14" name="그래픽 13" descr="집">
+            <a:extLst>
+              <a:ext uri="{FF2B5EF4-FFF2-40B4-BE49-F238E27FC236}">
+                <a16:creationId xmlns:a16="http://schemas.microsoft.com/office/drawing/2014/main" id="{143FBA7A-4035-413A-9C66-8920AB818236}"/>
+              </a:ext>
+            </a:extLst>
+          </p:cNvPr>
+          <p:cNvPicPr>
+            <a:picLocks noChangeAspect="1"/>
+          </p:cNvPicPr>
+          <p:nvPr/>
+        </p:nvPicPr>
+        <p:blipFill>
+          <a:blip r:embed="rId5">
+            <a:extLst>
+              <a:ext uri="{28A0092B-C50C-407E-A947-70E740481C1C}">
+                <a14:useLocalDpi xmlns:a14="http://schemas.microsoft.com/office/drawing/2010/main" val="0"/>
+              </a:ext>
+              <a:ext uri="{96DAC541-7B7A-43D3-8B79-37D633B846F1}">
+                <asvg:svgBlip xmlns:asvg="http://schemas.microsoft.com/office/drawing/2016/SVG/main" r:embed="rId6"/>
+              </a:ext>
+            </a:extLst>
+          </a:blip>
+          <a:stretch>
+            <a:fillRect/>
+          </a:stretch>
+        </p:blipFill>
+        <p:spPr>
+          <a:xfrm>
+            <a:off x="4977251" y="1770367"/>
+            <a:ext cx="610871" cy="610871"/>
+          </a:xfrm>
+          <a:prstGeom prst="rect">
+            <a:avLst/>
+          </a:prstGeom>
+        </p:spPr>
+      </p:pic>
     </p:spTree>
     <p:extLst>
       <p:ext uri="{BB962C8B-B14F-4D97-AF65-F5344CB8AC3E}">
@@ -5676,6 +5715,292 @@
           </a:p>
         </p:txBody>
       </p:sp>
+      <p:sp>
+        <p:nvSpPr>
+          <p:cNvPr id="18" name="TextBox 17">
+            <a:extLst>
+              <a:ext uri="{FF2B5EF4-FFF2-40B4-BE49-F238E27FC236}">
+                <a16:creationId xmlns:a16="http://schemas.microsoft.com/office/drawing/2014/main" id="{F60A9A1F-C28B-4987-ABDD-88FC94F957A3}"/>
+              </a:ext>
+            </a:extLst>
+          </p:cNvPr>
+          <p:cNvSpPr txBox="1"/>
+          <p:nvPr/>
+        </p:nvSpPr>
+        <p:spPr>
+          <a:xfrm>
+            <a:off x="7880012" y="2803526"/>
+            <a:ext cx="2425664" cy="369332"/>
+          </a:xfrm>
+          <a:prstGeom prst="rect">
+            <a:avLst/>
+          </a:prstGeom>
+          <a:noFill/>
+        </p:spPr>
+        <p:txBody>
+          <a:bodyPr wrap="none" rtlCol="0">
+            <a:spAutoFit/>
+          </a:bodyPr>
+          <a:lstStyle/>
+          <a:p>
+            <a:pPr algn="ctr"/>
+            <a:r>
+              <a:rPr lang="en-US" altLang="ko-KR" dirty="0">
+                <a:latin typeface="HY견고딕" panose="02030600000101010101" pitchFamily="18" charset="-127"/>
+                <a:ea typeface="HY견고딕" panose="02030600000101010101" pitchFamily="18" charset="-127"/>
+              </a:rPr>
+              <a:t>IOCP </a:t>
+            </a:r>
+            <a:r>
+              <a:rPr lang="ko-KR" altLang="en-US" dirty="0">
+                <a:latin typeface="HY견고딕" panose="02030600000101010101" pitchFamily="18" charset="-127"/>
+                <a:ea typeface="HY견고딕" panose="02030600000101010101" pitchFamily="18" charset="-127"/>
+              </a:rPr>
+              <a:t>다중 접속 서버</a:t>
+            </a:r>
+          </a:p>
+        </p:txBody>
+      </p:sp>
+      <p:sp>
+        <p:nvSpPr>
+          <p:cNvPr id="19" name="TextBox 18">
+            <a:extLst>
+              <a:ext uri="{FF2B5EF4-FFF2-40B4-BE49-F238E27FC236}">
+                <a16:creationId xmlns:a16="http://schemas.microsoft.com/office/drawing/2014/main" id="{8FC07485-4A66-496F-B990-06DD9E8AB13C}"/>
+              </a:ext>
+            </a:extLst>
+          </p:cNvPr>
+          <p:cNvSpPr txBox="1"/>
+          <p:nvPr/>
+        </p:nvSpPr>
+        <p:spPr>
+          <a:xfrm>
+            <a:off x="2268232" y="2771161"/>
+            <a:ext cx="1877438" cy="369332"/>
+          </a:xfrm>
+          <a:prstGeom prst="rect">
+            <a:avLst/>
+          </a:prstGeom>
+          <a:noFill/>
+        </p:spPr>
+        <p:txBody>
+          <a:bodyPr wrap="none" rtlCol="0">
+            <a:spAutoFit/>
+          </a:bodyPr>
+          <a:lstStyle/>
+          <a:p>
+            <a:pPr algn="ctr"/>
+            <a:r>
+              <a:rPr lang="ko-KR" altLang="en-US" dirty="0">
+                <a:latin typeface="HY견고딕" panose="02030600000101010101" pitchFamily="18" charset="-127"/>
+                <a:ea typeface="HY견고딕" panose="02030600000101010101" pitchFamily="18" charset="-127"/>
+              </a:rPr>
+              <a:t>프레임워크 제작</a:t>
+            </a:r>
+          </a:p>
+        </p:txBody>
+      </p:sp>
+      <p:sp>
+        <p:nvSpPr>
+          <p:cNvPr id="24" name="직사각형 23">
+            <a:extLst>
+              <a:ext uri="{FF2B5EF4-FFF2-40B4-BE49-F238E27FC236}">
+                <a16:creationId xmlns:a16="http://schemas.microsoft.com/office/drawing/2014/main" id="{35858D0A-90D7-49ED-B825-0E1FEA43B807}"/>
+              </a:ext>
+            </a:extLst>
+          </p:cNvPr>
+          <p:cNvSpPr/>
+          <p:nvPr/>
+        </p:nvSpPr>
+        <p:spPr>
+          <a:xfrm>
+            <a:off x="565609" y="1594305"/>
+            <a:ext cx="1781376" cy="948807"/>
+          </a:xfrm>
+          <a:prstGeom prst="rect">
+            <a:avLst/>
+          </a:prstGeom>
+          <a:solidFill>
+            <a:schemeClr val="bg1"/>
+          </a:solidFill>
+          <a:ln>
+            <a:solidFill>
+              <a:schemeClr val="bg1"/>
+            </a:solidFill>
+          </a:ln>
+        </p:spPr>
+        <p:style>
+          <a:lnRef idx="2">
+            <a:schemeClr val="accent1">
+              <a:shade val="50000"/>
+            </a:schemeClr>
+          </a:lnRef>
+          <a:fillRef idx="1">
+            <a:schemeClr val="accent1"/>
+          </a:fillRef>
+          <a:effectRef idx="0">
+            <a:schemeClr val="accent1"/>
+          </a:effectRef>
+          <a:fontRef idx="minor">
+            <a:schemeClr val="lt1"/>
+          </a:fontRef>
+        </p:style>
+        <p:txBody>
+          <a:bodyPr rtlCol="0" anchor="ctr"/>
+          <a:lstStyle/>
+          <a:p>
+            <a:pPr algn="ctr"/>
+            <a:endParaRPr lang="ko-KR" altLang="en-US"/>
+          </a:p>
+        </p:txBody>
+      </p:sp>
+      <p:pic>
+        <p:nvPicPr>
+          <p:cNvPr id="12" name="그래픽 11" descr="현미경">
+            <a:extLst>
+              <a:ext uri="{FF2B5EF4-FFF2-40B4-BE49-F238E27FC236}">
+                <a16:creationId xmlns:a16="http://schemas.microsoft.com/office/drawing/2014/main" id="{8DB88670-35E0-40E2-8AC8-8EF141CC1C25}"/>
+              </a:ext>
+            </a:extLst>
+          </p:cNvPr>
+          <p:cNvPicPr>
+            <a:picLocks noChangeAspect="1"/>
+          </p:cNvPicPr>
+          <p:nvPr/>
+        </p:nvPicPr>
+        <p:blipFill>
+          <a:blip r:embed="rId2">
+            <a:extLst>
+              <a:ext uri="{28A0092B-C50C-407E-A947-70E740481C1C}">
+                <a14:useLocalDpi xmlns:a14="http://schemas.microsoft.com/office/drawing/2010/main" val="0"/>
+              </a:ext>
+              <a:ext uri="{96DAC541-7B7A-43D3-8B79-37D633B846F1}">
+                <asvg:svgBlip xmlns:asvg="http://schemas.microsoft.com/office/drawing/2016/SVG/main" r:embed="rId3"/>
+              </a:ext>
+            </a:extLst>
+          </a:blip>
+          <a:stretch>
+            <a:fillRect/>
+          </a:stretch>
+        </p:blipFill>
+        <p:spPr>
+          <a:xfrm>
+            <a:off x="1623893" y="1628712"/>
+            <a:ext cx="914400" cy="914400"/>
+          </a:xfrm>
+          <a:prstGeom prst="rect">
+            <a:avLst/>
+          </a:prstGeom>
+        </p:spPr>
+      </p:pic>
+      <p:sp>
+        <p:nvSpPr>
+          <p:cNvPr id="29" name="직사각형 28">
+            <a:extLst>
+              <a:ext uri="{FF2B5EF4-FFF2-40B4-BE49-F238E27FC236}">
+                <a16:creationId xmlns:a16="http://schemas.microsoft.com/office/drawing/2014/main" id="{1EB52445-61F1-4AA5-8890-46330E9E4655}"/>
+              </a:ext>
+            </a:extLst>
+          </p:cNvPr>
+          <p:cNvSpPr/>
+          <p:nvPr/>
+        </p:nvSpPr>
+        <p:spPr>
+          <a:xfrm>
+            <a:off x="4371046" y="2332541"/>
+            <a:ext cx="558443" cy="2913426"/>
+          </a:xfrm>
+          <a:prstGeom prst="rect">
+            <a:avLst/>
+          </a:prstGeom>
+          <a:solidFill>
+            <a:schemeClr val="bg1"/>
+          </a:solidFill>
+          <a:ln>
+            <a:solidFill>
+              <a:schemeClr val="bg1"/>
+            </a:solidFill>
+          </a:ln>
+        </p:spPr>
+        <p:style>
+          <a:lnRef idx="2">
+            <a:schemeClr val="accent1">
+              <a:shade val="50000"/>
+            </a:schemeClr>
+          </a:lnRef>
+          <a:fillRef idx="1">
+            <a:schemeClr val="accent1"/>
+          </a:fillRef>
+          <a:effectRef idx="0">
+            <a:schemeClr val="accent1"/>
+          </a:effectRef>
+          <a:fontRef idx="minor">
+            <a:schemeClr val="lt1"/>
+          </a:fontRef>
+        </p:style>
+        <p:txBody>
+          <a:bodyPr rtlCol="0" anchor="ctr"/>
+          <a:lstStyle/>
+          <a:p>
+            <a:pPr algn="ctr"/>
+            <a:endParaRPr lang="ko-KR" altLang="en-US"/>
+          </a:p>
+        </p:txBody>
+      </p:sp>
+      <p:sp>
+        <p:nvSpPr>
+          <p:cNvPr id="30" name="직사각형 29">
+            <a:extLst>
+              <a:ext uri="{FF2B5EF4-FFF2-40B4-BE49-F238E27FC236}">
+                <a16:creationId xmlns:a16="http://schemas.microsoft.com/office/drawing/2014/main" id="{8455D215-328C-4D4C-AADC-D7A3CCDFA0D2}"/>
+              </a:ext>
+            </a:extLst>
+          </p:cNvPr>
+          <p:cNvSpPr/>
+          <p:nvPr/>
+        </p:nvSpPr>
+        <p:spPr>
+          <a:xfrm>
+            <a:off x="7319044" y="2332539"/>
+            <a:ext cx="558443" cy="2913426"/>
+          </a:xfrm>
+          <a:prstGeom prst="rect">
+            <a:avLst/>
+          </a:prstGeom>
+          <a:solidFill>
+            <a:schemeClr val="bg1"/>
+          </a:solidFill>
+          <a:ln>
+            <a:solidFill>
+              <a:schemeClr val="bg1"/>
+            </a:solidFill>
+          </a:ln>
+        </p:spPr>
+        <p:style>
+          <a:lnRef idx="2">
+            <a:schemeClr val="accent1">
+              <a:shade val="50000"/>
+            </a:schemeClr>
+          </a:lnRef>
+          <a:fillRef idx="1">
+            <a:schemeClr val="accent1"/>
+          </a:fillRef>
+          <a:effectRef idx="0">
+            <a:schemeClr val="accent1"/>
+          </a:effectRef>
+          <a:fontRef idx="minor">
+            <a:schemeClr val="lt1"/>
+          </a:fontRef>
+        </p:style>
+        <p:txBody>
+          <a:bodyPr rtlCol="0" anchor="ctr"/>
+          <a:lstStyle/>
+          <a:p>
+            <a:pPr algn="ctr"/>
+            <a:endParaRPr lang="ko-KR" altLang="en-US"/>
+          </a:p>
+        </p:txBody>
+      </p:sp>
     </p:spTree>
     <p:extLst>
       <p:ext uri="{BB962C8B-B14F-4D97-AF65-F5344CB8AC3E}">
@@ -6876,48 +7201,6 @@
           </a:fontRef>
         </p:style>
       </p:cxnSp>
-      <p:sp>
-        <p:nvSpPr>
-          <p:cNvPr id="22" name="TextBox 21">
-            <a:extLst>
-              <a:ext uri="{FF2B5EF4-FFF2-40B4-BE49-F238E27FC236}">
-                <a16:creationId xmlns:a16="http://schemas.microsoft.com/office/drawing/2014/main" id="{3998C577-24BD-4F54-9421-A4A2E64BF298}"/>
-              </a:ext>
-            </a:extLst>
-          </p:cNvPr>
-          <p:cNvSpPr txBox="1"/>
-          <p:nvPr/>
-        </p:nvSpPr>
-        <p:spPr>
-          <a:xfrm>
-            <a:off x="10207499" y="6283173"/>
-            <a:ext cx="636713" cy="369332"/>
-          </a:xfrm>
-          <a:prstGeom prst="rect">
-            <a:avLst/>
-          </a:prstGeom>
-          <a:noFill/>
-        </p:spPr>
-        <p:txBody>
-          <a:bodyPr wrap="none" rtlCol="0">
-            <a:spAutoFit/>
-          </a:bodyPr>
-          <a:lstStyle/>
-          <a:p>
-            <a:r>
-              <a:rPr lang="en-US" altLang="ko-KR" dirty="0">
-                <a:latin typeface="HY헤드라인M" panose="02030600000101010101" pitchFamily="18" charset="-127"/>
-                <a:ea typeface="HY헤드라인M" panose="02030600000101010101" pitchFamily="18" charset="-127"/>
-              </a:rPr>
-              <a:t>02/..</a:t>
-            </a:r>
-            <a:endParaRPr lang="ko-KR" altLang="en-US" dirty="0">
-              <a:latin typeface="HY헤드라인M" panose="02030600000101010101" pitchFamily="18" charset="-127"/>
-              <a:ea typeface="HY헤드라인M" panose="02030600000101010101" pitchFamily="18" charset="-127"/>
-            </a:endParaRPr>
-          </a:p>
-        </p:txBody>
-      </p:sp>
       <p:sp>
         <p:nvSpPr>
           <p:cNvPr id="21" name="TextBox 20">
@@ -9222,6 +9505,45 @@
           <a:chExt cx="0" cy="0"/>
         </a:xfrm>
       </p:grpSpPr>
+      <p:pic>
+        <p:nvPicPr>
+          <p:cNvPr id="11" name="그래픽 10" descr="사람">
+            <a:extLst>
+              <a:ext uri="{FF2B5EF4-FFF2-40B4-BE49-F238E27FC236}">
+                <a16:creationId xmlns:a16="http://schemas.microsoft.com/office/drawing/2014/main" id="{7F0666B8-0C20-4C11-B93E-83C06928E127}"/>
+              </a:ext>
+            </a:extLst>
+          </p:cNvPr>
+          <p:cNvPicPr>
+            <a:picLocks noChangeAspect="1"/>
+          </p:cNvPicPr>
+          <p:nvPr/>
+        </p:nvPicPr>
+        <p:blipFill>
+          <a:blip r:embed="rId2">
+            <a:extLst>
+              <a:ext uri="{28A0092B-C50C-407E-A947-70E740481C1C}">
+                <a14:useLocalDpi xmlns:a14="http://schemas.microsoft.com/office/drawing/2010/main" val="0"/>
+              </a:ext>
+              <a:ext uri="{96DAC541-7B7A-43D3-8B79-37D633B846F1}">
+                <asvg:svgBlip xmlns:asvg="http://schemas.microsoft.com/office/drawing/2016/SVG/main" r:embed="rId3"/>
+              </a:ext>
+            </a:extLst>
+          </a:blip>
+          <a:stretch>
+            <a:fillRect/>
+          </a:stretch>
+        </p:blipFill>
+        <p:spPr>
+          <a:xfrm>
+            <a:off x="1079727" y="1706520"/>
+            <a:ext cx="4153809" cy="4153809"/>
+          </a:xfrm>
+          <a:prstGeom prst="rect">
+            <a:avLst/>
+          </a:prstGeom>
+        </p:spPr>
+      </p:pic>
       <p:cxnSp>
         <p:nvCxnSpPr>
           <p:cNvPr id="2" name="직선 연결선 1">
@@ -9499,42 +9821,6 @@
           </a:fontRef>
         </p:style>
       </p:cxnSp>
-      <p:pic>
-        <p:nvPicPr>
-          <p:cNvPr id="8" name="그림 7" descr="남자, 실외, 사람, 의류이(가) 표시된 사진&#10;&#10;자동 생성된 설명">
-            <a:extLst>
-              <a:ext uri="{FF2B5EF4-FFF2-40B4-BE49-F238E27FC236}">
-                <a16:creationId xmlns:a16="http://schemas.microsoft.com/office/drawing/2014/main" id="{DA5BDB19-6BAD-43C8-B4C4-1DC44BFE7674}"/>
-              </a:ext>
-            </a:extLst>
-          </p:cNvPr>
-          <p:cNvPicPr>
-            <a:picLocks noChangeAspect="1"/>
-          </p:cNvPicPr>
-          <p:nvPr/>
-        </p:nvPicPr>
-        <p:blipFill>
-          <a:blip r:embed="rId2">
-            <a:extLst>
-              <a:ext uri="{28A0092B-C50C-407E-A947-70E740481C1C}">
-                <a14:useLocalDpi xmlns:a14="http://schemas.microsoft.com/office/drawing/2010/main" val="0"/>
-              </a:ext>
-            </a:extLst>
-          </a:blip>
-          <a:stretch>
-            <a:fillRect/>
-          </a:stretch>
-        </p:blipFill>
-        <p:spPr>
-          <a:xfrm>
-            <a:off x="2179906" y="1706520"/>
-            <a:ext cx="2849922" cy="4274883"/>
-          </a:xfrm>
-          <a:prstGeom prst="rect">
-            <a:avLst/>
-          </a:prstGeom>
-        </p:spPr>
-      </p:pic>
       <p:sp>
         <p:nvSpPr>
           <p:cNvPr id="9" name="TextBox 8">

--- a/문서/졸업작품 게임 기획서 초안.pptx
+++ b/문서/졸업작품 게임 기획서 초안.pptx
@@ -210,7 +210,7 @@
           <a:p>
             <a:fld id="{DBDB22E9-0CC6-4890-8C54-391ABE8EAAB2}" type="datetimeFigureOut">
               <a:rPr lang="ko-KR" altLang="en-US" smtClean="0"/>
-              <a:t>2019-10-13</a:t>
+              <a:t>2019-10-14</a:t>
             </a:fld>
             <a:endParaRPr lang="ko-KR" altLang="en-US"/>
           </a:p>
@@ -624,7 +624,7 @@
           <a:p>
             <a:fld id="{733DF88E-EEC7-4590-8394-8F97695D91F0}" type="datetimeFigureOut">
               <a:rPr lang="ko-KR" altLang="en-US" smtClean="0"/>
-              <a:t>2019-10-13</a:t>
+              <a:t>2019-10-14</a:t>
             </a:fld>
             <a:endParaRPr lang="ko-KR" altLang="en-US"/>
           </a:p>
@@ -822,7 +822,7 @@
           <a:p>
             <a:fld id="{733DF88E-EEC7-4590-8394-8F97695D91F0}" type="datetimeFigureOut">
               <a:rPr lang="ko-KR" altLang="en-US" smtClean="0"/>
-              <a:t>2019-10-13</a:t>
+              <a:t>2019-10-14</a:t>
             </a:fld>
             <a:endParaRPr lang="ko-KR" altLang="en-US"/>
           </a:p>
@@ -1030,7 +1030,7 @@
           <a:p>
             <a:fld id="{733DF88E-EEC7-4590-8394-8F97695D91F0}" type="datetimeFigureOut">
               <a:rPr lang="ko-KR" altLang="en-US" smtClean="0"/>
-              <a:t>2019-10-13</a:t>
+              <a:t>2019-10-14</a:t>
             </a:fld>
             <a:endParaRPr lang="ko-KR" altLang="en-US"/>
           </a:p>
@@ -1228,7 +1228,7 @@
           <a:p>
             <a:fld id="{733DF88E-EEC7-4590-8394-8F97695D91F0}" type="datetimeFigureOut">
               <a:rPr lang="ko-KR" altLang="en-US" smtClean="0"/>
-              <a:t>2019-10-13</a:t>
+              <a:t>2019-10-14</a:t>
             </a:fld>
             <a:endParaRPr lang="ko-KR" altLang="en-US"/>
           </a:p>
@@ -1503,7 +1503,7 @@
           <a:p>
             <a:fld id="{733DF88E-EEC7-4590-8394-8F97695D91F0}" type="datetimeFigureOut">
               <a:rPr lang="ko-KR" altLang="en-US" smtClean="0"/>
-              <a:t>2019-10-13</a:t>
+              <a:t>2019-10-14</a:t>
             </a:fld>
             <a:endParaRPr lang="ko-KR" altLang="en-US"/>
           </a:p>
@@ -1768,7 +1768,7 @@
           <a:p>
             <a:fld id="{733DF88E-EEC7-4590-8394-8F97695D91F0}" type="datetimeFigureOut">
               <a:rPr lang="ko-KR" altLang="en-US" smtClean="0"/>
-              <a:t>2019-10-13</a:t>
+              <a:t>2019-10-14</a:t>
             </a:fld>
             <a:endParaRPr lang="ko-KR" altLang="en-US"/>
           </a:p>
@@ -2180,7 +2180,7 @@
           <a:p>
             <a:fld id="{733DF88E-EEC7-4590-8394-8F97695D91F0}" type="datetimeFigureOut">
               <a:rPr lang="ko-KR" altLang="en-US" smtClean="0"/>
-              <a:t>2019-10-13</a:t>
+              <a:t>2019-10-14</a:t>
             </a:fld>
             <a:endParaRPr lang="ko-KR" altLang="en-US"/>
           </a:p>
@@ -2321,7 +2321,7 @@
           <a:p>
             <a:fld id="{733DF88E-EEC7-4590-8394-8F97695D91F0}" type="datetimeFigureOut">
               <a:rPr lang="ko-KR" altLang="en-US" smtClean="0"/>
-              <a:t>2019-10-13</a:t>
+              <a:t>2019-10-14</a:t>
             </a:fld>
             <a:endParaRPr lang="ko-KR" altLang="en-US"/>
           </a:p>
@@ -2434,7 +2434,7 @@
           <a:p>
             <a:fld id="{733DF88E-EEC7-4590-8394-8F97695D91F0}" type="datetimeFigureOut">
               <a:rPr lang="ko-KR" altLang="en-US" smtClean="0"/>
-              <a:t>2019-10-13</a:t>
+              <a:t>2019-10-14</a:t>
             </a:fld>
             <a:endParaRPr lang="ko-KR" altLang="en-US"/>
           </a:p>
@@ -2745,7 +2745,7 @@
           <a:p>
             <a:fld id="{733DF88E-EEC7-4590-8394-8F97695D91F0}" type="datetimeFigureOut">
               <a:rPr lang="ko-KR" altLang="en-US" smtClean="0"/>
-              <a:t>2019-10-13</a:t>
+              <a:t>2019-10-14</a:t>
             </a:fld>
             <a:endParaRPr lang="ko-KR" altLang="en-US"/>
           </a:p>
@@ -3033,7 +3033,7 @@
           <a:p>
             <a:fld id="{733DF88E-EEC7-4590-8394-8F97695D91F0}" type="datetimeFigureOut">
               <a:rPr lang="ko-KR" altLang="en-US" smtClean="0"/>
-              <a:t>2019-10-13</a:t>
+              <a:t>2019-10-14</a:t>
             </a:fld>
             <a:endParaRPr lang="ko-KR" altLang="en-US"/>
           </a:p>
@@ -3274,7 +3274,7 @@
           <a:p>
             <a:fld id="{733DF88E-EEC7-4590-8394-8F97695D91F0}" type="datetimeFigureOut">
               <a:rPr lang="ko-KR" altLang="en-US" smtClean="0"/>
-              <a:t>2019-10-13</a:t>
+              <a:t>2019-10-14</a:t>
             </a:fld>
             <a:endParaRPr lang="ko-KR" altLang="en-US"/>
           </a:p>
@@ -5802,10 +5802,10 @@
       </p:sp>
       <p:sp>
         <p:nvSpPr>
-          <p:cNvPr id="24" name="직사각형 23">
-            <a:extLst>
-              <a:ext uri="{FF2B5EF4-FFF2-40B4-BE49-F238E27FC236}">
-                <a16:creationId xmlns:a16="http://schemas.microsoft.com/office/drawing/2014/main" id="{35858D0A-90D7-49ED-B825-0E1FEA43B807}"/>
+          <p:cNvPr id="29" name="직사각형 28">
+            <a:extLst>
+              <a:ext uri="{FF2B5EF4-FFF2-40B4-BE49-F238E27FC236}">
+                <a16:creationId xmlns:a16="http://schemas.microsoft.com/office/drawing/2014/main" id="{1EB52445-61F1-4AA5-8890-46330E9E4655}"/>
               </a:ext>
             </a:extLst>
           </p:cNvPr>
@@ -5814,101 +5814,8 @@
         </p:nvSpPr>
         <p:spPr>
           <a:xfrm>
-            <a:off x="565609" y="1594305"/>
-            <a:ext cx="1781376" cy="948807"/>
-          </a:xfrm>
-          <a:prstGeom prst="rect">
-            <a:avLst/>
-          </a:prstGeom>
-          <a:solidFill>
-            <a:schemeClr val="bg1"/>
-          </a:solidFill>
-          <a:ln>
-            <a:solidFill>
-              <a:schemeClr val="bg1"/>
-            </a:solidFill>
-          </a:ln>
-        </p:spPr>
-        <p:style>
-          <a:lnRef idx="2">
-            <a:schemeClr val="accent1">
-              <a:shade val="50000"/>
-            </a:schemeClr>
-          </a:lnRef>
-          <a:fillRef idx="1">
-            <a:schemeClr val="accent1"/>
-          </a:fillRef>
-          <a:effectRef idx="0">
-            <a:schemeClr val="accent1"/>
-          </a:effectRef>
-          <a:fontRef idx="minor">
-            <a:schemeClr val="lt1"/>
-          </a:fontRef>
-        </p:style>
-        <p:txBody>
-          <a:bodyPr rtlCol="0" anchor="ctr"/>
-          <a:lstStyle/>
-          <a:p>
-            <a:pPr algn="ctr"/>
-            <a:endParaRPr lang="ko-KR" altLang="en-US"/>
-          </a:p>
-        </p:txBody>
-      </p:sp>
-      <p:pic>
-        <p:nvPicPr>
-          <p:cNvPr id="12" name="그래픽 11" descr="현미경">
-            <a:extLst>
-              <a:ext uri="{FF2B5EF4-FFF2-40B4-BE49-F238E27FC236}">
-                <a16:creationId xmlns:a16="http://schemas.microsoft.com/office/drawing/2014/main" id="{8DB88670-35E0-40E2-8AC8-8EF141CC1C25}"/>
-              </a:ext>
-            </a:extLst>
-          </p:cNvPr>
-          <p:cNvPicPr>
-            <a:picLocks noChangeAspect="1"/>
-          </p:cNvPicPr>
-          <p:nvPr/>
-        </p:nvPicPr>
-        <p:blipFill>
-          <a:blip r:embed="rId2">
-            <a:extLst>
-              <a:ext uri="{28A0092B-C50C-407E-A947-70E740481C1C}">
-                <a14:useLocalDpi xmlns:a14="http://schemas.microsoft.com/office/drawing/2010/main" val="0"/>
-              </a:ext>
-              <a:ext uri="{96DAC541-7B7A-43D3-8B79-37D633B846F1}">
-                <asvg:svgBlip xmlns:asvg="http://schemas.microsoft.com/office/drawing/2016/SVG/main" r:embed="rId3"/>
-              </a:ext>
-            </a:extLst>
-          </a:blip>
-          <a:stretch>
-            <a:fillRect/>
-          </a:stretch>
-        </p:blipFill>
-        <p:spPr>
-          <a:xfrm>
-            <a:off x="1623893" y="1628712"/>
-            <a:ext cx="914400" cy="914400"/>
-          </a:xfrm>
-          <a:prstGeom prst="rect">
-            <a:avLst/>
-          </a:prstGeom>
-        </p:spPr>
-      </p:pic>
-      <p:sp>
-        <p:nvSpPr>
-          <p:cNvPr id="29" name="직사각형 28">
-            <a:extLst>
-              <a:ext uri="{FF2B5EF4-FFF2-40B4-BE49-F238E27FC236}">
-                <a16:creationId xmlns:a16="http://schemas.microsoft.com/office/drawing/2014/main" id="{1EB52445-61F1-4AA5-8890-46330E9E4655}"/>
-              </a:ext>
-            </a:extLst>
-          </p:cNvPr>
-          <p:cNvSpPr/>
-          <p:nvPr/>
-        </p:nvSpPr>
-        <p:spPr>
-          <a:xfrm>
             <a:off x="4371046" y="2332541"/>
-            <a:ext cx="558443" cy="2913426"/>
+            <a:ext cx="558443" cy="2913424"/>
           </a:xfrm>
           <a:prstGeom prst="rect">
             <a:avLst/>

--- a/문서/졸업작품 게임 기획서 초안.pptx
+++ b/문서/졸업작품 게임 기획서 초안.pptx
@@ -1,27 +1,27 @@
 
 <file path=ppt/presentation.xml><?xml version="1.0" encoding="utf-8"?>
-<p:presentation xmlns:a="http://schemas.openxmlformats.org/drawingml/2006/main" xmlns:r="http://schemas.openxmlformats.org/officeDocument/2006/relationships" xmlns:p="http://schemas.openxmlformats.org/presentationml/2006/main" saveSubsetFonts="1">
+<p:presentation xmlns:r="http://schemas.openxmlformats.org/officeDocument/2006/relationships" xmlns:c="http://schemas.openxmlformats.org/drawingml/2006/chart" xmlns:a="http://schemas.openxmlformats.org/drawingml/2006/main" xmlns:dgm="http://schemas.openxmlformats.org/drawingml/2006/diagram" xmlns:dsp="http://schemas.microsoft.com/office/drawing/2008/diagram" xmlns:p="http://schemas.openxmlformats.org/presentationml/2006/main">
   <p:sldMasterIdLst>
-    <p:sldMasterId id="2147483648" r:id="rId1"/>
+    <p:sldMasterId id="2147483661" r:id="rId1"/>
   </p:sldMasterIdLst>
   <p:notesMasterIdLst>
-    <p:notesMasterId r:id="rId16"/>
+    <p:notesMasterId r:id="rId2"/>
   </p:notesMasterIdLst>
   <p:sldIdLst>
-    <p:sldId id="256" r:id="rId2"/>
-    <p:sldId id="257" r:id="rId3"/>
-    <p:sldId id="258" r:id="rId4"/>
-    <p:sldId id="259" r:id="rId5"/>
-    <p:sldId id="260" r:id="rId6"/>
-    <p:sldId id="263" r:id="rId7"/>
+    <p:sldId id="256" r:id="rId3"/>
+    <p:sldId id="257" r:id="rId4"/>
+    <p:sldId id="258" r:id="rId5"/>
+    <p:sldId id="259" r:id="rId6"/>
+    <p:sldId id="260" r:id="rId7"/>
     <p:sldId id="261" r:id="rId8"/>
     <p:sldId id="262" r:id="rId9"/>
-    <p:sldId id="264" r:id="rId10"/>
-    <p:sldId id="265" r:id="rId11"/>
-    <p:sldId id="266" r:id="rId12"/>
-    <p:sldId id="267" r:id="rId13"/>
-    <p:sldId id="268" r:id="rId14"/>
-    <p:sldId id="269" r:id="rId15"/>
+    <p:sldId id="263" r:id="rId10"/>
+    <p:sldId id="264" r:id="rId11"/>
+    <p:sldId id="265" r:id="rId12"/>
+    <p:sldId id="266" r:id="rId13"/>
+    <p:sldId id="267" r:id="rId14"/>
+    <p:sldId id="268" r:id="rId15"/>
+    <p:sldId id="269" r:id="rId16"/>
   </p:sldIdLst>
   <p:sldSz cx="12192000" cy="6858000"/>
   <p:notesSz cx="6858000" cy="9144000"/>
@@ -120,16 +120,11 @@
       </a:defRPr>
     </a:lvl9pPr>
   </p:defaultTextStyle>
-  <p:extLst>
-    <p:ext uri="{EFAFB233-063F-42B5-8137-9DF3F51BA10A}">
-      <p15:sldGuideLst xmlns:p15="http://schemas.microsoft.com/office/powerpoint/2012/main"/>
-    </p:ext>
-  </p:extLst>
 </p:presentation>
 </file>
 
 <file path=ppt/notesMasters/notesMaster1.xml><?xml version="1.0" encoding="utf-8"?>
-<p:notesMaster xmlns:a="http://schemas.openxmlformats.org/drawingml/2006/main" xmlns:r="http://schemas.openxmlformats.org/officeDocument/2006/relationships" xmlns:p="http://schemas.openxmlformats.org/presentationml/2006/main">
+<p:notesMaster xmlns:r="http://schemas.openxmlformats.org/officeDocument/2006/relationships" xmlns:c="http://schemas.openxmlformats.org/drawingml/2006/chart" xmlns:a="http://schemas.openxmlformats.org/drawingml/2006/main" xmlns:dgm="http://schemas.openxmlformats.org/drawingml/2006/diagram" xmlns:dsp="http://schemas.microsoft.com/office/drawing/2008/diagram" xmlns:p="http://schemas.openxmlformats.org/presentationml/2006/main">
   <p:cSld>
     <p:bg>
       <p:bgRef idx="1001">
@@ -157,7 +152,7 @@
             <a:spLocks noGrp="1"/>
           </p:cNvSpPr>
           <p:nvPr>
-            <p:ph type="hdr" sz="quarter"/>
+            <p:ph type="hdr" sz="quarter" idx="0"/>
           </p:nvPr>
         </p:nvSpPr>
         <p:spPr>
@@ -170,13 +165,20 @@
           </a:prstGeom>
         </p:spPr>
         <p:txBody>
-          <a:bodyPr vert="horz" lIns="91440" tIns="45720" rIns="91440" bIns="45720" rtlCol="0"/>
+          <a:bodyPr vert="horz" lIns="91440" tIns="45720" rIns="91440" bIns="45720"/>
           <a:lstStyle>
             <a:lvl1pPr algn="l">
               <a:defRPr sz="1200"/>
             </a:lvl1pPr>
           </a:lstStyle>
           <a:p>
+            <a:pPr lvl="0">
+              <a:defRPr/>
+            </a:pPr>
+            <a:r>
+              <a:rPr lang="ko-KR" altLang="en-US"/>
+              <a:t/>
+            </a:r>
             <a:endParaRPr lang="ko-KR" altLang="en-US"/>
           </a:p>
         </p:txBody>
@@ -201,16 +203,22 @@
           </a:prstGeom>
         </p:spPr>
         <p:txBody>
-          <a:bodyPr vert="horz" lIns="91440" tIns="45720" rIns="91440" bIns="45720" rtlCol="0"/>
+          <a:bodyPr vert="horz" lIns="91440" tIns="45720" rIns="91440" bIns="45720"/>
           <a:lstStyle>
             <a:lvl1pPr algn="r">
               <a:defRPr sz="1200"/>
             </a:lvl1pPr>
           </a:lstStyle>
           <a:p>
-            <a:fld id="{DBDB22E9-0CC6-4890-8C54-391ABE8EAAB2}" type="datetimeFigureOut">
-              <a:rPr lang="ko-KR" altLang="en-US" smtClean="0"/>
-              <a:t>2019-10-14</a:t>
+            <a:pPr lvl="0">
+              <a:defRPr/>
+            </a:pPr>
+            <a:fld id="{DBDB22E9-0CC6-4890-8C54-391ABE8EAAB2}" type="datetime1">
+              <a:rPr lang="ko-KR" altLang="en-US"/>
+              <a:pPr lvl="0">
+                <a:defRPr/>
+              </a:pPr>
+              <a:t>2019-10-15</a:t>
             </a:fld>
             <a:endParaRPr lang="ko-KR" altLang="en-US"/>
           </a:p>
@@ -220,7 +228,7 @@
         <p:nvSpPr>
           <p:cNvPr id="4" name="슬라이드 이미지 개체 틀 3"/>
           <p:cNvSpPr>
-            <a:spLocks noGrp="1" noRot="1" noChangeAspect="1"/>
+            <a:spLocks noGrp="1" noRot="1" noChangeAspect="1" noTextEdit="1"/>
           </p:cNvSpPr>
           <p:nvPr>
             <p:ph type="sldImg" idx="2"/>
@@ -242,9 +250,12 @@
           </a:ln>
         </p:spPr>
         <p:txBody>
-          <a:bodyPr vert="horz" lIns="91440" tIns="45720" rIns="91440" bIns="45720" rtlCol="0" anchor="ctr"/>
-          <a:lstStyle/>
-          <a:p>
+          <a:bodyPr vert="horz" lIns="91440" tIns="45720" rIns="91440" bIns="45720" anchor="ctr"/>
+          <a:lstStyle/>
+          <a:p>
+            <a:pPr lvl="0">
+              <a:defRPr/>
+            </a:pPr>
             <a:endParaRPr lang="ko-KR" altLang="en-US"/>
           </a:p>
         </p:txBody>
@@ -269,42 +280,57 @@
           </a:prstGeom>
         </p:spPr>
         <p:txBody>
-          <a:bodyPr vert="horz" lIns="91440" tIns="45720" rIns="91440" bIns="45720" rtlCol="0"/>
-          <a:lstStyle/>
-          <a:p>
-            <a:pPr lvl="0"/>
+          <a:bodyPr vert="horz" lIns="91440" tIns="45720" rIns="91440" bIns="45720"/>
+          <a:lstStyle/>
+          <a:p>
+            <a:pPr lvl="0">
+              <a:defRPr/>
+            </a:pPr>
             <a:r>
               <a:rPr lang="ko-KR" altLang="en-US"/>
               <a:t>마스터 텍스트 스타일을 편집하려면 클릭</a:t>
             </a:r>
-          </a:p>
-          <a:p>
-            <a:pPr lvl="1"/>
+            <a:endParaRPr lang="ko-KR" altLang="en-US"/>
+          </a:p>
+          <a:p>
+            <a:pPr lvl="1">
+              <a:defRPr/>
+            </a:pPr>
             <a:r>
               <a:rPr lang="ko-KR" altLang="en-US"/>
               <a:t>두 번째 수준</a:t>
             </a:r>
-          </a:p>
-          <a:p>
-            <a:pPr lvl="2"/>
+            <a:endParaRPr lang="ko-KR" altLang="en-US"/>
+          </a:p>
+          <a:p>
+            <a:pPr lvl="2">
+              <a:defRPr/>
+            </a:pPr>
             <a:r>
               <a:rPr lang="ko-KR" altLang="en-US"/>
               <a:t>세 번째 수준</a:t>
             </a:r>
-          </a:p>
-          <a:p>
-            <a:pPr lvl="3"/>
+            <a:endParaRPr lang="ko-KR" altLang="en-US"/>
+          </a:p>
+          <a:p>
+            <a:pPr lvl="3">
+              <a:defRPr/>
+            </a:pPr>
             <a:r>
               <a:rPr lang="ko-KR" altLang="en-US"/>
               <a:t>네 번째 수준</a:t>
             </a:r>
-          </a:p>
-          <a:p>
-            <a:pPr lvl="4"/>
+            <a:endParaRPr lang="ko-KR" altLang="en-US"/>
+          </a:p>
+          <a:p>
+            <a:pPr lvl="4">
+              <a:defRPr/>
+            </a:pPr>
             <a:r>
               <a:rPr lang="ko-KR" altLang="en-US"/>
               <a:t>다섯 번째 수준</a:t>
             </a:r>
+            <a:endParaRPr lang="ko-KR" altLang="en-US"/>
           </a:p>
         </p:txBody>
       </p:sp>
@@ -328,13 +354,20 @@
           </a:prstGeom>
         </p:spPr>
         <p:txBody>
-          <a:bodyPr vert="horz" lIns="91440" tIns="45720" rIns="91440" bIns="45720" rtlCol="0" anchor="b"/>
+          <a:bodyPr vert="horz" lIns="91440" tIns="45720" rIns="91440" bIns="45720" anchor="b"/>
           <a:lstStyle>
             <a:lvl1pPr algn="l">
               <a:defRPr sz="1200"/>
             </a:lvl1pPr>
           </a:lstStyle>
           <a:p>
+            <a:pPr lvl="0">
+              <a:defRPr/>
+            </a:pPr>
+            <a:r>
+              <a:rPr lang="ko-KR" altLang="en-US"/>
+              <a:t/>
+            </a:r>
             <a:endParaRPr lang="ko-KR" altLang="en-US"/>
           </a:p>
         </p:txBody>
@@ -359,15 +392,21 @@
           </a:prstGeom>
         </p:spPr>
         <p:txBody>
-          <a:bodyPr vert="horz" lIns="91440" tIns="45720" rIns="91440" bIns="45720" rtlCol="0" anchor="b"/>
+          <a:bodyPr vert="horz" lIns="91440" tIns="45720" rIns="91440" bIns="45720" anchor="b"/>
           <a:lstStyle>
             <a:lvl1pPr algn="r">
               <a:defRPr sz="1200"/>
             </a:lvl1pPr>
           </a:lstStyle>
           <a:p>
+            <a:pPr lvl="0">
+              <a:defRPr/>
+            </a:pPr>
             <a:fld id="{21945FDD-0EC6-4932-9AD1-3E4C469C93E6}" type="slidenum">
-              <a:rPr lang="ko-KR" altLang="en-US" smtClean="0"/>
+              <a:rPr lang="ko-KR" altLang="en-US"/>
+              <a:pPr lvl="0">
+                <a:defRPr/>
+              </a:pPr>
               <a:t>‹#›</a:t>
             </a:fld>
             <a:endParaRPr lang="ko-KR" altLang="en-US"/>
@@ -375,13 +414,9 @@
         </p:txBody>
       </p:sp>
     </p:spTree>
-    <p:extLst>
-      <p:ext uri="{BB962C8B-B14F-4D97-AF65-F5344CB8AC3E}">
-        <p14:creationId xmlns:p14="http://schemas.microsoft.com/office/powerpoint/2010/main" val="538808575"/>
-      </p:ext>
-    </p:extLst>
   </p:cSld>
   <p:clrMap bg1="lt1" tx1="dk1" bg2="lt2" tx2="dk2" accent1="accent1" accent2="accent2" accent3="accent3" accent4="accent4" accent5="accent5" accent6="accent6" hlink="hlink" folHlink="folHlink"/>
+  <p:hf hdr="0" ftr="0" dt="0"/>
   <p:notesStyle>
     <a:lvl1pPr marL="0" algn="l" defTabSz="914400" rtl="0" eaLnBrk="1" latinLnBrk="1" hangingPunct="1">
       <a:defRPr sz="1200" kern="1200">
@@ -4767,7 +4802,7 @@
 </file>
 
 <file path=ppt/slides/slide12.xml><?xml version="1.0" encoding="utf-8"?>
-<p:sld xmlns:a="http://schemas.openxmlformats.org/drawingml/2006/main" xmlns:r="http://schemas.openxmlformats.org/officeDocument/2006/relationships" xmlns:p="http://schemas.openxmlformats.org/presentationml/2006/main">
+<p:sld xmlns:r="http://schemas.openxmlformats.org/officeDocument/2006/relationships" xmlns:c="http://schemas.openxmlformats.org/drawingml/2006/chart" xmlns:a="http://schemas.openxmlformats.org/drawingml/2006/main" xmlns:dgm="http://schemas.openxmlformats.org/drawingml/2006/diagram" xmlns:dsp="http://schemas.microsoft.com/office/drawing/2008/diagram" xmlns:p="http://schemas.openxmlformats.org/presentationml/2006/main">
   <p:cSld>
     <p:spTree>
       <p:nvGrpSpPr>
@@ -4785,16 +4820,8 @@
       </p:grpSpPr>
       <p:cxnSp>
         <p:nvCxnSpPr>
-          <p:cNvPr id="2" name="직선 연결선 1">
-            <a:extLst>
-              <a:ext uri="{FF2B5EF4-FFF2-40B4-BE49-F238E27FC236}">
-                <a16:creationId xmlns:a16="http://schemas.microsoft.com/office/drawing/2014/main" id="{F489D314-C637-4E9E-947D-448763FA3CE1}"/>
-              </a:ext>
-            </a:extLst>
-          </p:cNvPr>
-          <p:cNvCxnSpPr>
-            <a:cxnSpLocks/>
-          </p:cNvCxnSpPr>
+          <p:cNvPr id="2" name="직선 연결선 1"/>
+          <p:cNvCxnSpPr/>
           <p:nvPr/>
         </p:nvCxnSpPr>
         <p:spPr>
@@ -4828,13 +4855,7 @@
       </p:cxnSp>
       <p:sp>
         <p:nvSpPr>
-          <p:cNvPr id="3" name="TextBox 2">
-            <a:extLst>
-              <a:ext uri="{FF2B5EF4-FFF2-40B4-BE49-F238E27FC236}">
-                <a16:creationId xmlns:a16="http://schemas.microsoft.com/office/drawing/2014/main" id="{D5266936-5F5A-4942-B5DC-638A5ECB4501}"/>
-              </a:ext>
-            </a:extLst>
-          </p:cNvPr>
+          <p:cNvPr id="3" name="TextBox 2"/>
           <p:cNvSpPr txBox="1"/>
           <p:nvPr/>
         </p:nvSpPr>
@@ -4849,30 +4870,31 @@
           <a:noFill/>
         </p:spPr>
         <p:txBody>
-          <a:bodyPr wrap="none" rtlCol="0">
+          <a:bodyPr wrap="none">
             <a:spAutoFit/>
           </a:bodyPr>
           <a:lstStyle/>
           <a:p>
-            <a:r>
-              <a:rPr lang="ko-KR" altLang="en-US" sz="4000" dirty="0">
-                <a:latin typeface="HY헤드라인M" panose="02030600000101010101" pitchFamily="18" charset="-127"/>
-                <a:ea typeface="HY헤드라인M" panose="02030600000101010101" pitchFamily="18" charset="-127"/>
+            <a:pPr lvl="0">
+              <a:defRPr/>
+            </a:pPr>
+            <a:r>
+              <a:rPr lang="ko-KR" altLang="en-US" sz="4000">
+                <a:latin typeface="HY헤드라인M"/>
+                <a:ea typeface="HY헤드라인M"/>
               </a:rPr>
               <a:t>서버 기술요소</a:t>
             </a:r>
-          </a:p>
-        </p:txBody>
-      </p:sp>
-      <p:sp>
-        <p:nvSpPr>
-          <p:cNvPr id="4" name="TextBox 3">
-            <a:extLst>
-              <a:ext uri="{FF2B5EF4-FFF2-40B4-BE49-F238E27FC236}">
-                <a16:creationId xmlns:a16="http://schemas.microsoft.com/office/drawing/2014/main" id="{BF07602F-6AE9-44B4-BE0F-55FE2EDFDD1C}"/>
-              </a:ext>
-            </a:extLst>
-          </p:cNvPr>
+            <a:endParaRPr lang="ko-KR" altLang="en-US" sz="4000">
+              <a:latin typeface="HY헤드라인M"/>
+              <a:ea typeface="HY헤드라인M"/>
+            </a:endParaRPr>
+          </a:p>
+        </p:txBody>
+      </p:sp>
+      <p:sp>
+        <p:nvSpPr>
+          <p:cNvPr id="4" name="TextBox 3"/>
           <p:cNvSpPr txBox="1"/>
           <p:nvPr/>
         </p:nvSpPr>
@@ -4887,55 +4909,52 @@
           <a:noFill/>
         </p:spPr>
         <p:txBody>
-          <a:bodyPr wrap="none" rtlCol="0">
+          <a:bodyPr wrap="none">
             <a:spAutoFit/>
           </a:bodyPr>
           <a:lstStyle/>
           <a:p>
-            <a:r>
-              <a:rPr lang="en-US" altLang="ko-KR" sz="2800" dirty="0">
-                <a:latin typeface="HY헤드라인M" panose="02030600000101010101" pitchFamily="18" charset="-127"/>
-                <a:ea typeface="HY헤드라인M" panose="02030600000101010101" pitchFamily="18" charset="-127"/>
+            <a:pPr lvl="0">
+              <a:defRPr/>
+            </a:pPr>
+            <a:r>
+              <a:rPr lang="en-US" altLang="ko-KR" sz="2800">
+                <a:latin typeface="HY헤드라인M"/>
+                <a:ea typeface="HY헤드라인M"/>
               </a:rPr>
               <a:t>The Island</a:t>
             </a:r>
             <a:r>
-              <a:rPr lang="en-US" altLang="ko-KR" sz="1050" dirty="0">
-                <a:latin typeface="HY헤드라인M" panose="02030600000101010101" pitchFamily="18" charset="-127"/>
-                <a:ea typeface="HY헤드라인M" panose="02030600000101010101" pitchFamily="18" charset="-127"/>
+              <a:rPr lang="en-US" altLang="ko-KR" sz="1050">
+                <a:latin typeface="HY헤드라인M"/>
+                <a:ea typeface="HY헤드라인M"/>
               </a:rPr>
               <a:t>(</a:t>
             </a:r>
             <a:r>
-              <a:rPr lang="ko-KR" altLang="en-US" sz="1050" dirty="0">
-                <a:latin typeface="HY헤드라인M" panose="02030600000101010101" pitchFamily="18" charset="-127"/>
-                <a:ea typeface="HY헤드라인M" panose="02030600000101010101" pitchFamily="18" charset="-127"/>
+              <a:rPr lang="ko-KR" altLang="en-US" sz="1050">
+                <a:latin typeface="HY헤드라인M"/>
+                <a:ea typeface="HY헤드라인M"/>
               </a:rPr>
               <a:t>가제</a:t>
             </a:r>
             <a:r>
-              <a:rPr lang="en-US" altLang="ko-KR" sz="1050" dirty="0">
-                <a:latin typeface="HY헤드라인M" panose="02030600000101010101" pitchFamily="18" charset="-127"/>
-                <a:ea typeface="HY헤드라인M" panose="02030600000101010101" pitchFamily="18" charset="-127"/>
+              <a:rPr lang="en-US" altLang="ko-KR" sz="1050">
+                <a:latin typeface="HY헤드라인M"/>
+                <a:ea typeface="HY헤드라인M"/>
               </a:rPr>
               <a:t>)</a:t>
             </a:r>
-            <a:endParaRPr lang="ko-KR" altLang="en-US" sz="2800" dirty="0">
-              <a:latin typeface="HY헤드라인M" panose="02030600000101010101" pitchFamily="18" charset="-127"/>
-              <a:ea typeface="HY헤드라인M" panose="02030600000101010101" pitchFamily="18" charset="-127"/>
+            <a:endParaRPr lang="ko-KR" altLang="en-US" sz="2800">
+              <a:latin typeface="HY헤드라인M"/>
+              <a:ea typeface="HY헤드라인M"/>
             </a:endParaRPr>
           </a:p>
         </p:txBody>
       </p:sp>
       <p:sp>
         <p:nvSpPr>
-          <p:cNvPr id="5" name="TextBox 4">
-            <a:extLst>
-              <a:ext uri="{FF2B5EF4-FFF2-40B4-BE49-F238E27FC236}">
-                <a16:creationId xmlns:a16="http://schemas.microsoft.com/office/drawing/2014/main" id="{8B8A36FB-13F6-49E8-A86D-6CF420F297BC}"/>
-              </a:ext>
-            </a:extLst>
-          </p:cNvPr>
+          <p:cNvPr id="5" name="TextBox 4"/>
           <p:cNvSpPr txBox="1"/>
           <p:nvPr/>
         </p:nvSpPr>
@@ -4950,40 +4969,37 @@
           <a:noFill/>
         </p:spPr>
         <p:txBody>
-          <a:bodyPr wrap="none" rtlCol="0">
+          <a:bodyPr wrap="none">
             <a:spAutoFit/>
           </a:bodyPr>
           <a:lstStyle/>
           <a:p>
-            <a:r>
-              <a:rPr lang="en-US" altLang="ko-KR" sz="4400" dirty="0">
+            <a:pPr lvl="0">
+              <a:defRPr/>
+            </a:pPr>
+            <a:r>
+              <a:rPr lang="en-US" altLang="ko-KR" sz="4400">
                 <a:solidFill>
                   <a:schemeClr val="accent1"/>
                 </a:solidFill>
-                <a:latin typeface="HY헤드라인M" panose="02030600000101010101" pitchFamily="18" charset="-127"/>
-                <a:ea typeface="HY헤드라인M" panose="02030600000101010101" pitchFamily="18" charset="-127"/>
+                <a:latin typeface="HY헤드라인M"/>
+                <a:ea typeface="HY헤드라인M"/>
               </a:rPr>
               <a:t>HOW</a:t>
             </a:r>
-            <a:endParaRPr lang="ko-KR" altLang="en-US" sz="4400" dirty="0">
+            <a:endParaRPr lang="ko-KR" altLang="en-US" sz="4400">
               <a:solidFill>
                 <a:schemeClr val="accent1"/>
               </a:solidFill>
-              <a:latin typeface="HY헤드라인M" panose="02030600000101010101" pitchFamily="18" charset="-127"/>
-              <a:ea typeface="HY헤드라인M" panose="02030600000101010101" pitchFamily="18" charset="-127"/>
+              <a:latin typeface="HY헤드라인M"/>
+              <a:ea typeface="HY헤드라인M"/>
             </a:endParaRPr>
           </a:p>
         </p:txBody>
       </p:sp>
       <p:sp>
         <p:nvSpPr>
-          <p:cNvPr id="6" name="TextBox 5">
-            <a:extLst>
-              <a:ext uri="{FF2B5EF4-FFF2-40B4-BE49-F238E27FC236}">
-                <a16:creationId xmlns:a16="http://schemas.microsoft.com/office/drawing/2014/main" id="{30644E1A-CD8E-4E97-B44E-498BA04E0B37}"/>
-              </a:ext>
-            </a:extLst>
-          </p:cNvPr>
+          <p:cNvPr id="6" name="TextBox 5"/>
           <p:cNvSpPr txBox="1"/>
           <p:nvPr/>
         </p:nvSpPr>
@@ -4998,37 +5014,32 @@
           <a:noFill/>
         </p:spPr>
         <p:txBody>
-          <a:bodyPr wrap="none" rtlCol="0">
+          <a:bodyPr wrap="none">
             <a:spAutoFit/>
           </a:bodyPr>
           <a:lstStyle/>
           <a:p>
-            <a:r>
-              <a:rPr lang="en-US" altLang="ko-KR" dirty="0">
-                <a:latin typeface="HY헤드라인M" panose="02030600000101010101" pitchFamily="18" charset="-127"/>
-                <a:ea typeface="HY헤드라인M" panose="02030600000101010101" pitchFamily="18" charset="-127"/>
+            <a:pPr lvl="0">
+              <a:defRPr/>
+            </a:pPr>
+            <a:r>
+              <a:rPr lang="en-US" altLang="ko-KR">
+                <a:latin typeface="HY헤드라인M"/>
+                <a:ea typeface="HY헤드라인M"/>
               </a:rPr>
               <a:t>12/..</a:t>
             </a:r>
-            <a:endParaRPr lang="ko-KR" altLang="en-US" dirty="0">
-              <a:latin typeface="HY헤드라인M" panose="02030600000101010101" pitchFamily="18" charset="-127"/>
-              <a:ea typeface="HY헤드라인M" panose="02030600000101010101" pitchFamily="18" charset="-127"/>
+            <a:endParaRPr lang="ko-KR" altLang="en-US">
+              <a:latin typeface="HY헤드라인M"/>
+              <a:ea typeface="HY헤드라인M"/>
             </a:endParaRPr>
           </a:p>
         </p:txBody>
       </p:sp>
       <p:cxnSp>
         <p:nvCxnSpPr>
-          <p:cNvPr id="7" name="직선 연결선 6">
-            <a:extLst>
-              <a:ext uri="{FF2B5EF4-FFF2-40B4-BE49-F238E27FC236}">
-                <a16:creationId xmlns:a16="http://schemas.microsoft.com/office/drawing/2014/main" id="{1213C020-10BD-47FA-8004-EF392DA9F117}"/>
-              </a:ext>
-            </a:extLst>
-          </p:cNvPr>
-          <p:cNvCxnSpPr>
-            <a:cxnSpLocks/>
-          </p:cNvCxnSpPr>
+          <p:cNvPr id="7" name="직선 연결선 6"/>
+          <p:cNvCxnSpPr/>
           <p:nvPr/>
         </p:nvCxnSpPr>
         <p:spPr>
@@ -5060,16 +5071,336 @@
           </a:fontRef>
         </p:style>
       </p:cxnSp>
+      <p:sp>
+        <p:nvSpPr>
+          <p:cNvPr id="8" name=""/>
+          <p:cNvSpPr txBox="1"/>
+          <p:nvPr/>
+        </p:nvSpPr>
+        <p:spPr>
+          <a:xfrm>
+            <a:off x="1452479" y="1849855"/>
+            <a:ext cx="9491580" cy="548540"/>
+          </a:xfrm>
+          <a:prstGeom prst="rect">
+            <a:avLst/>
+          </a:prstGeom>
+        </p:spPr>
+        <p:txBody>
+          <a:bodyPr wrap="square">
+            <a:spAutoFit/>
+          </a:bodyPr>
+          <a:p>
+            <a:pPr marL="0" indent="0" algn="l" defTabSz="914400" rtl="0" eaLnBrk="1" latinLnBrk="1" hangingPunct="1">
+              <a:lnSpc>
+                <a:spcPct val="100000"/>
+              </a:lnSpc>
+              <a:spcBef>
+                <a:spcPct val="0"/>
+              </a:spcBef>
+              <a:spcAft>
+                <a:spcPts val="0"/>
+              </a:spcAft>
+              <a:buNone/>
+              <a:defRPr/>
+            </a:pPr>
+            <a:r>
+              <a:rPr xmlns:mc="http://schemas.openxmlformats.org/markup-compatibility/2006" xmlns:hp="http://schemas.haansoft.com/office/presentation/8.0" kumimoji="0" lang="ko-KR" altLang="en-US" sz="3000" b="1" i="0" u="none" strike="noStrike" kern="1200" cap="none" spc="0" normalizeH="0" baseline="0" mc:Ignorable="hp" hp:hslEmbossed="0">
+                <a:solidFill>
+                  <a:srgbClr val="000000"/>
+                </a:solidFill>
+                <a:latin typeface="맑은 고딕"/>
+                <a:ea typeface="맑은 고딕"/>
+                <a:cs typeface="맑은 고딕"/>
+              </a:rPr>
+              <a:t>· </a:t>
+            </a:r>
+            <a:r>
+              <a:rPr lang="en-US" altLang="ko-KR" sz="3000" b="1"/>
+              <a:t>3D</a:t>
+            </a:r>
+            <a:r>
+              <a:rPr lang="ko-KR" altLang="en-US" sz="3000" b="1"/>
+              <a:t> 환경의 클라이언트</a:t>
+            </a:r>
+            <a:r>
+              <a:rPr lang="en-US" altLang="ko-KR" sz="3000" b="1"/>
+              <a:t>,</a:t>
+            </a:r>
+            <a:r>
+              <a:rPr lang="ko-KR" altLang="en-US" sz="3000" b="1"/>
+              <a:t> 서버간 네트워크 기능 숙달</a:t>
+            </a:r>
+            <a:endParaRPr lang="ko-KR" altLang="en-US" sz="3000" b="1"/>
+          </a:p>
+        </p:txBody>
+      </p:sp>
+      <p:sp>
+        <p:nvSpPr>
+          <p:cNvPr id="9" name=""/>
+          <p:cNvSpPr txBox="1"/>
+          <p:nvPr/>
+        </p:nvSpPr>
+        <p:spPr>
+          <a:xfrm>
+            <a:off x="1452479" y="2829314"/>
+            <a:ext cx="9525001" cy="541689"/>
+          </a:xfrm>
+          <a:prstGeom prst="rect">
+            <a:avLst/>
+          </a:prstGeom>
+        </p:spPr>
+        <p:txBody>
+          <a:bodyPr wrap="square">
+            <a:spAutoFit/>
+          </a:bodyPr>
+          <a:p>
+            <a:pPr marL="0" indent="0" algn="l" defTabSz="914400" rtl="0" eaLnBrk="1" latinLnBrk="1" hangingPunct="1">
+              <a:lnSpc>
+                <a:spcPct val="100000"/>
+              </a:lnSpc>
+              <a:spcBef>
+                <a:spcPct val="0"/>
+              </a:spcBef>
+              <a:spcAft>
+                <a:spcPts val="0"/>
+              </a:spcAft>
+              <a:buNone/>
+              <a:defRPr/>
+            </a:pPr>
+            <a:r>
+              <a:rPr xmlns:mc="http://schemas.openxmlformats.org/markup-compatibility/2006" xmlns:hp="http://schemas.haansoft.com/office/presentation/8.0" kumimoji="0" lang="ko-KR" altLang="en-US" sz="3000" b="1" i="0" u="none" strike="noStrike" kern="1200" cap="none" spc="0" normalizeH="0" baseline="0" mc:Ignorable="hp" hp:hslEmbossed="0">
+                <a:solidFill>
+                  <a:srgbClr val="000000"/>
+                </a:solidFill>
+                <a:latin typeface="맑은 고딕"/>
+                <a:ea typeface="맑은 고딕"/>
+                <a:cs typeface="맑은 고딕"/>
+              </a:rPr>
+              <a:t>· </a:t>
+            </a:r>
+            <a:r>
+              <a:rPr xmlns:mc="http://schemas.openxmlformats.org/markup-compatibility/2006" xmlns:hp="http://schemas.haansoft.com/office/presentation/8.0" kumimoji="0" lang="en-US" altLang="ko-KR" sz="3000" b="1" i="0" u="none" strike="noStrike" kern="1200" cap="none" spc="0" normalizeH="0" baseline="0" mc:Ignorable="hp" hp:hslEmbossed="0">
+                <a:solidFill>
+                  <a:srgbClr val="000000"/>
+                </a:solidFill>
+                <a:latin typeface="맑은 고딕"/>
+                <a:ea typeface="맑은 고딕"/>
+                <a:cs typeface="맑은 고딕"/>
+              </a:rPr>
+              <a:t>‘IOCP</a:t>
+            </a:r>
+            <a:r>
+              <a:rPr xmlns:mc="http://schemas.openxmlformats.org/markup-compatibility/2006" xmlns:hp="http://schemas.haansoft.com/office/presentation/8.0" kumimoji="0" lang="ko-KR" altLang="en-US" sz="3000" b="1" i="0" u="none" strike="noStrike" kern="1200" cap="none" spc="0" normalizeH="0" baseline="0" mc:Ignorable="hp" hp:hslEmbossed="0">
+                <a:solidFill>
+                  <a:srgbClr val="000000"/>
+                </a:solidFill>
+                <a:latin typeface="맑은 고딕"/>
+                <a:ea typeface="맑은 고딕"/>
+                <a:cs typeface="맑은 고딕"/>
+              </a:rPr>
+              <a:t> 소켓 입출력 모델</a:t>
+            </a:r>
+            <a:r>
+              <a:rPr xmlns:mc="http://schemas.openxmlformats.org/markup-compatibility/2006" xmlns:hp="http://schemas.haansoft.com/office/presentation/8.0" kumimoji="0" lang="en-US" altLang="ko-KR" sz="3000" b="1" i="0" u="none" strike="noStrike" kern="1200" cap="none" spc="0" normalizeH="0" baseline="0" mc:Ignorable="hp" hp:hslEmbossed="0">
+                <a:solidFill>
+                  <a:srgbClr val="000000"/>
+                </a:solidFill>
+                <a:latin typeface="맑은 고딕"/>
+                <a:ea typeface="맑은 고딕"/>
+                <a:cs typeface="맑은 고딕"/>
+              </a:rPr>
+              <a:t>’</a:t>
+            </a:r>
+            <a:r>
+              <a:rPr xmlns:mc="http://schemas.openxmlformats.org/markup-compatibility/2006" xmlns:hp="http://schemas.haansoft.com/office/presentation/8.0" kumimoji="0" lang="ko-KR" altLang="en-US" sz="3000" b="1" i="0" u="none" strike="noStrike" kern="1200" cap="none" spc="0" normalizeH="0" baseline="0" mc:Ignorable="hp" hp:hslEmbossed="0">
+                <a:solidFill>
+                  <a:srgbClr val="000000"/>
+                </a:solidFill>
+                <a:latin typeface="맑은 고딕"/>
+                <a:ea typeface="맑은 고딕"/>
+                <a:cs typeface="맑은 고딕"/>
+              </a:rPr>
+              <a:t>을 통한 다중 접속 서버</a:t>
+            </a:r>
+            <a:endParaRPr xmlns:mc="http://schemas.openxmlformats.org/markup-compatibility/2006" xmlns:hp="http://schemas.haansoft.com/office/presentation/8.0" kumimoji="0" lang="ko-KR" altLang="en-US" sz="3000" b="1" i="0" u="none" strike="noStrike" kern="1200" cap="none" spc="0" normalizeH="0" baseline="0" mc:Ignorable="hp" hp:hslEmbossed="0">
+              <a:solidFill>
+                <a:srgbClr val="000000"/>
+              </a:solidFill>
+              <a:latin typeface="맑은 고딕"/>
+              <a:ea typeface="맑은 고딕"/>
+              <a:cs typeface="맑은 고딕"/>
+            </a:endParaRPr>
+          </a:p>
+        </p:txBody>
+      </p:sp>
+      <p:sp>
+        <p:nvSpPr>
+          <p:cNvPr id="10" name=""/>
+          <p:cNvSpPr txBox="1"/>
+          <p:nvPr/>
+        </p:nvSpPr>
+        <p:spPr>
+          <a:xfrm>
+            <a:off x="1452479" y="4775032"/>
+            <a:ext cx="8338555" cy="547538"/>
+          </a:xfrm>
+          <a:prstGeom prst="rect">
+            <a:avLst/>
+          </a:prstGeom>
+        </p:spPr>
+        <p:txBody>
+          <a:bodyPr wrap="square">
+            <a:spAutoFit/>
+          </a:bodyPr>
+          <a:p>
+            <a:pPr marL="0" indent="0" algn="l" defTabSz="914400" rtl="0" eaLnBrk="1" latinLnBrk="1" hangingPunct="1">
+              <a:lnSpc>
+                <a:spcPct val="100000"/>
+              </a:lnSpc>
+              <a:spcBef>
+                <a:spcPct val="0"/>
+              </a:spcBef>
+              <a:spcAft>
+                <a:spcPts val="0"/>
+              </a:spcAft>
+              <a:buNone/>
+              <a:defRPr/>
+            </a:pPr>
+            <a:r>
+              <a:rPr xmlns:mc="http://schemas.openxmlformats.org/markup-compatibility/2006" xmlns:hp="http://schemas.haansoft.com/office/presentation/8.0" kumimoji="0" lang="ko-KR" altLang="en-US" sz="3000" b="1" i="0" u="none" strike="noStrike" kern="1200" cap="none" spc="0" normalizeH="0" baseline="0" mc:Ignorable="hp" hp:hslEmbossed="0">
+                <a:solidFill>
+                  <a:srgbClr val="000000"/>
+                </a:solidFill>
+                <a:latin typeface="맑은 고딕"/>
+                <a:ea typeface="맑은 고딕"/>
+                <a:cs typeface="맑은 고딕"/>
+              </a:rPr>
+              <a:t>· 플레이어 간의 시야 처리 및 충돌 처리</a:t>
+            </a:r>
+            <a:endParaRPr xmlns:mc="http://schemas.openxmlformats.org/markup-compatibility/2006" xmlns:hp="http://schemas.haansoft.com/office/presentation/8.0" kumimoji="0" lang="ko-KR" altLang="en-US" sz="3000" b="1" i="0" u="none" strike="noStrike" kern="1200" cap="none" spc="0" normalizeH="0" baseline="0" mc:Ignorable="hp" hp:hslEmbossed="0">
+              <a:solidFill>
+                <a:srgbClr val="000000"/>
+              </a:solidFill>
+              <a:latin typeface="맑은 고딕"/>
+              <a:ea typeface="맑은 고딕"/>
+              <a:cs typeface="맑은 고딕"/>
+            </a:endParaRPr>
+          </a:p>
+        </p:txBody>
+      </p:sp>
+      <p:sp>
+        <p:nvSpPr>
+          <p:cNvPr id="11" name=""/>
+          <p:cNvSpPr txBox="1"/>
+          <p:nvPr/>
+        </p:nvSpPr>
+        <p:spPr>
+          <a:xfrm>
+            <a:off x="1452479" y="3801922"/>
+            <a:ext cx="8338555" cy="542191"/>
+          </a:xfrm>
+          <a:prstGeom prst="rect">
+            <a:avLst/>
+          </a:prstGeom>
+        </p:spPr>
+        <p:txBody>
+          <a:bodyPr wrap="square">
+            <a:spAutoFit/>
+          </a:bodyPr>
+          <a:p>
+            <a:pPr marL="0" indent="0" algn="l" defTabSz="914400" rtl="0" eaLnBrk="1" latinLnBrk="1" hangingPunct="1">
+              <a:lnSpc>
+                <a:spcPct val="100000"/>
+              </a:lnSpc>
+              <a:spcBef>
+                <a:spcPct val="0"/>
+              </a:spcBef>
+              <a:spcAft>
+                <a:spcPts val="0"/>
+              </a:spcAft>
+              <a:buNone/>
+              <a:defRPr/>
+            </a:pPr>
+            <a:r>
+              <a:rPr xmlns:mc="http://schemas.openxmlformats.org/markup-compatibility/2006" xmlns:hp="http://schemas.haansoft.com/office/presentation/8.0" kumimoji="0" lang="ko-KR" altLang="en-US" sz="3000" b="1" i="0" u="none" strike="noStrike" kern="1200" cap="none" spc="0" normalizeH="0" baseline="0" mc:Ignorable="hp" hp:hslEmbossed="0">
+                <a:solidFill>
+                  <a:srgbClr val="000000"/>
+                </a:solidFill>
+                <a:latin typeface="맑은 고딕"/>
+                <a:ea typeface="맑은 고딕"/>
+                <a:cs typeface="맑은 고딕"/>
+              </a:rPr>
+              <a:t>· </a:t>
+            </a:r>
+            <a:r>
+              <a:rPr xmlns:mc="http://schemas.openxmlformats.org/markup-compatibility/2006" xmlns:hp="http://schemas.haansoft.com/office/presentation/8.0" kumimoji="0" lang="en-US" altLang="ko-KR" sz="3000" b="1" i="0" u="none" strike="noStrike" kern="1200" cap="none" spc="0" normalizeH="0" baseline="0" mc:Ignorable="hp" hp:hslEmbossed="0">
+                <a:solidFill>
+                  <a:srgbClr val="000000"/>
+                </a:solidFill>
+                <a:latin typeface="맑은 고딕"/>
+                <a:ea typeface="맑은 고딕"/>
+                <a:cs typeface="맑은 고딕"/>
+              </a:rPr>
+              <a:t>‘</a:t>
+            </a:r>
+            <a:r>
+              <a:rPr xmlns:mc="http://schemas.openxmlformats.org/markup-compatibility/2006" xmlns:hp="http://schemas.haansoft.com/office/presentation/8.0" kumimoji="0" lang="ko-KR" altLang="en-US" sz="3000" b="1" i="0" u="none" strike="noStrike" kern="1200" cap="none" spc="0" normalizeH="0" baseline="0" mc:Ignorable="hp" hp:hslEmbossed="0">
+                <a:solidFill>
+                  <a:srgbClr val="000000"/>
+                </a:solidFill>
+                <a:latin typeface="맑은 고딕"/>
+                <a:ea typeface="맑은 고딕"/>
+                <a:cs typeface="맑은 고딕"/>
+              </a:rPr>
+              <a:t>데드레커닝</a:t>
+            </a:r>
+            <a:r>
+              <a:rPr xmlns:mc="http://schemas.openxmlformats.org/markup-compatibility/2006" xmlns:hp="http://schemas.haansoft.com/office/presentation/8.0" kumimoji="0" lang="en-US" altLang="ko-KR" sz="3000" b="1" i="0" u="none" strike="noStrike" kern="1200" cap="none" spc="0" normalizeH="0" baseline="0" mc:Ignorable="hp" hp:hslEmbossed="0">
+                <a:solidFill>
+                  <a:srgbClr val="000000"/>
+                </a:solidFill>
+                <a:latin typeface="맑은 고딕"/>
+                <a:ea typeface="맑은 고딕"/>
+                <a:cs typeface="맑은 고딕"/>
+              </a:rPr>
+              <a:t>’</a:t>
+            </a:r>
+            <a:r>
+              <a:rPr xmlns:mc="http://schemas.openxmlformats.org/markup-compatibility/2006" xmlns:hp="http://schemas.haansoft.com/office/presentation/8.0" kumimoji="0" lang="ko-KR" altLang="en-US" sz="3000" b="1" i="0" u="none" strike="noStrike" kern="1200" cap="none" spc="0" normalizeH="0" baseline="0" mc:Ignorable="hp" hp:hslEmbossed="0">
+                <a:solidFill>
+                  <a:srgbClr val="000000"/>
+                </a:solidFill>
+                <a:latin typeface="맑은 고딕"/>
+                <a:ea typeface="맑은 고딕"/>
+                <a:cs typeface="맑은 고딕"/>
+              </a:rPr>
+              <a:t>기법을 적용한 이동</a:t>
+            </a:r>
+            <a:endParaRPr xmlns:mc="http://schemas.openxmlformats.org/markup-compatibility/2006" xmlns:hp="http://schemas.haansoft.com/office/presentation/8.0" kumimoji="0" lang="ko-KR" altLang="en-US" sz="3000" b="1" i="0" u="none" strike="noStrike" kern="1200" cap="none" spc="0" normalizeH="0" baseline="0" mc:Ignorable="hp" hp:hslEmbossed="0">
+              <a:solidFill>
+                <a:srgbClr val="000000"/>
+              </a:solidFill>
+              <a:latin typeface="맑은 고딕"/>
+              <a:ea typeface="맑은 고딕"/>
+              <a:cs typeface="맑은 고딕"/>
+            </a:endParaRPr>
+          </a:p>
+        </p:txBody>
+      </p:sp>
     </p:spTree>
-    <p:extLst>
-      <p:ext uri="{BB962C8B-B14F-4D97-AF65-F5344CB8AC3E}">
-        <p14:creationId xmlns:p14="http://schemas.microsoft.com/office/powerpoint/2010/main" val="398379473"/>
-      </p:ext>
-    </p:extLst>
   </p:cSld>
   <p:clrMapOvr>
     <a:masterClrMapping/>
   </p:clrMapOvr>
+  <mc:AlternateContent xmlns:mc="http://schemas.openxmlformats.org/markup-compatibility/2006">
+    <mc:Choice xmlns:p14="http://schemas.microsoft.com/office/powerpoint/2010/main" Requires="p14">
+      <p:transition xmlns:mc="http://schemas.openxmlformats.org/markup-compatibility/2006" xmlns:p14="http://schemas.microsoft.com/office/powerpoint/2010/main" mc:Ignorable="p14" p14:dur="500"/>
+    </mc:Choice>
+    <mc:Fallback>
+      <p:transition/>
+    </mc:Fallback>
+  </mc:AlternateContent>
 </p:sld>
 </file>
 
@@ -11997,44 +12328,44 @@
 </file>
 
 <file path=ppt/theme/theme1.xml><?xml version="1.0" encoding="utf-8"?>
-<a:theme xmlns:a="http://schemas.openxmlformats.org/drawingml/2006/main" name="Office 테마">
+<a:theme xmlns:r="http://schemas.openxmlformats.org/officeDocument/2006/relationships" xmlns:c="http://schemas.openxmlformats.org/drawingml/2006/chart" xmlns:dgm="http://schemas.openxmlformats.org/drawingml/2006/diagram" xmlns:dsp="http://schemas.microsoft.com/office/drawing/2008/diagram" xmlns:a="http://schemas.openxmlformats.org/drawingml/2006/main" xmlns:pic="http://schemas.openxmlformats.org/drawingml/2006/picture" xmlns:wp="http://schemas.openxmlformats.org/drawingml/2006/wordprocessingDrawing" xmlns:xdr="http://schemas.openxmlformats.org/drawingml/2006/spreadsheetDrawing" xmlns:lc="http://schemas.openxmlformats.org/drawingml/2006/lockedCanvas" xmlns:p="http://schemas.openxmlformats.org/presentationml/2006/main" name="Office 테마">
   <a:themeElements>
     <a:clrScheme name="Office">
       <a:dk1>
         <a:sysClr val="windowText" lastClr="000000"/>
       </a:dk1>
       <a:lt1>
-        <a:sysClr val="window" lastClr="FFFFFF"/>
+        <a:sysClr val="window" lastClr="ffffff"/>
       </a:lt1>
       <a:dk2>
-        <a:srgbClr val="44546A"/>
+        <a:srgbClr val="44546a"/>
       </a:dk2>
       <a:lt2>
-        <a:srgbClr val="E7E6E6"/>
+        <a:srgbClr val="e7e6e6"/>
       </a:lt2>
       <a:accent1>
-        <a:srgbClr val="4472C4"/>
+        <a:srgbClr val="4472c4"/>
       </a:accent1>
       <a:accent2>
-        <a:srgbClr val="ED7D31"/>
+        <a:srgbClr val="ed7d31"/>
       </a:accent2>
       <a:accent3>
-        <a:srgbClr val="A5A5A5"/>
+        <a:srgbClr val="a5a5a5"/>
       </a:accent3>
       <a:accent4>
-        <a:srgbClr val="FFC000"/>
+        <a:srgbClr val="ffc000"/>
       </a:accent4>
       <a:accent5>
-        <a:srgbClr val="5B9BD5"/>
+        <a:srgbClr val="5b9bd5"/>
       </a:accent5>
       <a:accent6>
-        <a:srgbClr val="70AD47"/>
+        <a:srgbClr val="70ad47"/>
       </a:accent6>
       <a:hlink>
-        <a:srgbClr val="0563C1"/>
+        <a:srgbClr val="0563c1"/>
       </a:hlink>
       <a:folHlink>
-        <a:srgbClr val="954F72"/>
+        <a:srgbClr val="954f72"/>
       </a:folHlink>
     </a:clrScheme>
     <a:fontScheme name="Office">
@@ -12042,7 +12373,7 @@
         <a:latin typeface="맑은 고딕" panose="020F0302020204030204"/>
         <a:ea typeface=""/>
         <a:cs typeface=""/>
-        <a:font script="Jpan" typeface="游ゴシック Light"/>
+        <a:font script="Jpan" typeface="Yu Gothic Light"/>
         <a:font script="Hang" typeface="맑은 고딕"/>
         <a:font script="Hans" typeface="等线 Light"/>
         <a:font script="Hant" typeface="新細明體"/>
@@ -12094,7 +12425,7 @@
         <a:latin typeface="맑은 고딕" panose="020F0502020204030204"/>
         <a:ea typeface=""/>
         <a:cs typeface=""/>
-        <a:font script="Jpan" typeface="游ゴシック"/>
+        <a:font script="Jpan" typeface="Yu Gothic"/>
         <a:font script="Hang" typeface="맑은 고딕"/>
         <a:font script="Hans" typeface="等线"/>
         <a:font script="Hant" typeface="新細明體"/>
@@ -12207,21 +12538,21 @@
             <a:schemeClr val="phClr"/>
           </a:solidFill>
           <a:prstDash val="solid"/>
-          <a:miter lim="800000"/>
+          <a:miter/>
         </a:ln>
         <a:ln w="12700" cap="flat" cmpd="sng" algn="ctr">
           <a:solidFill>
             <a:schemeClr val="phClr"/>
           </a:solidFill>
           <a:prstDash val="solid"/>
-          <a:miter lim="800000"/>
+          <a:miter/>
         </a:ln>
         <a:ln w="19050" cap="flat" cmpd="sng" algn="ctr">
           <a:solidFill>
             <a:schemeClr val="phClr"/>
           </a:solidFill>
           <a:prstDash val="solid"/>
-          <a:miter lim="800000"/>
+          <a:miter/>
         </a:ln>
       </a:lnStyleLst>
       <a:effectStyleLst>
@@ -12281,55 +12612,48 @@
       </a:bgFillStyleLst>
     </a:fmtScheme>
   </a:themeElements>
-  <a:objectDefaults/>
-  <a:extraClrSchemeLst/>
-  <a:extLst>
-    <a:ext uri="{05A4C25C-085E-4340-85A3-A5531E510DB2}">
-      <thm15:themeFamily xmlns:thm15="http://schemas.microsoft.com/office/thememl/2012/main" name="Office Theme" id="{62F939B6-93AF-4DB8-9C6B-D6C7DFDC589F}" vid="{4A3C46E8-61CC-4603-A589-7422A47A8E4A}"/>
-    </a:ext>
-  </a:extLst>
 </a:theme>
 </file>
 
 <file path=ppt/theme/theme2.xml><?xml version="1.0" encoding="utf-8"?>
-<a:theme xmlns:a="http://schemas.openxmlformats.org/drawingml/2006/main" name="Office 테마">
+<a:theme xmlns:r="http://schemas.openxmlformats.org/officeDocument/2006/relationships" xmlns:c="http://schemas.openxmlformats.org/drawingml/2006/chart" xmlns:dgm="http://schemas.openxmlformats.org/drawingml/2006/diagram" xmlns:dsp="http://schemas.microsoft.com/office/drawing/2008/diagram" xmlns:a="http://schemas.openxmlformats.org/drawingml/2006/main" xmlns:pic="http://schemas.openxmlformats.org/drawingml/2006/picture" xmlns:wp="http://schemas.openxmlformats.org/drawingml/2006/wordprocessingDrawing" xmlns:xdr="http://schemas.openxmlformats.org/drawingml/2006/spreadsheetDrawing" xmlns:lc="http://schemas.openxmlformats.org/drawingml/2006/lockedCanvas" xmlns:p="http://schemas.openxmlformats.org/presentationml/2006/main" name="Office 테마">
   <a:themeElements>
     <a:clrScheme name="Office">
       <a:dk1>
         <a:sysClr val="windowText" lastClr="000000"/>
       </a:dk1>
       <a:lt1>
-        <a:sysClr val="window" lastClr="FFFFFF"/>
+        <a:sysClr val="window" lastClr="ffffff"/>
       </a:lt1>
       <a:dk2>
-        <a:srgbClr val="44546A"/>
+        <a:srgbClr val="44546a"/>
       </a:dk2>
       <a:lt2>
-        <a:srgbClr val="E7E6E6"/>
+        <a:srgbClr val="e7e6e6"/>
       </a:lt2>
       <a:accent1>
-        <a:srgbClr val="4472C4"/>
+        <a:srgbClr val="4472c4"/>
       </a:accent1>
       <a:accent2>
-        <a:srgbClr val="ED7D31"/>
+        <a:srgbClr val="ed7d31"/>
       </a:accent2>
       <a:accent3>
-        <a:srgbClr val="A5A5A5"/>
+        <a:srgbClr val="a5a5a5"/>
       </a:accent3>
       <a:accent4>
-        <a:srgbClr val="FFC000"/>
+        <a:srgbClr val="ffc000"/>
       </a:accent4>
       <a:accent5>
-        <a:srgbClr val="5B9BD5"/>
+        <a:srgbClr val="5b9bd5"/>
       </a:accent5>
       <a:accent6>
-        <a:srgbClr val="70AD47"/>
+        <a:srgbClr val="70ad47"/>
       </a:accent6>
       <a:hlink>
-        <a:srgbClr val="0563C1"/>
+        <a:srgbClr val="0563c1"/>
       </a:hlink>
       <a:folHlink>
-        <a:srgbClr val="954F72"/>
+        <a:srgbClr val="954f72"/>
       </a:folHlink>
     </a:clrScheme>
     <a:fontScheme name="Office">
@@ -12337,7 +12661,7 @@
         <a:latin typeface="맑은 고딕" panose="020F0302020204030204"/>
         <a:ea typeface=""/>
         <a:cs typeface=""/>
-        <a:font script="Jpan" typeface="游ゴシック Light"/>
+        <a:font script="Jpan" typeface="Yu Gothic Light"/>
         <a:font script="Hang" typeface="맑은 고딕"/>
         <a:font script="Hans" typeface="等线 Light"/>
         <a:font script="Hant" typeface="新細明體"/>
@@ -12389,7 +12713,7 @@
         <a:latin typeface="맑은 고딕" panose="020F0502020204030204"/>
         <a:ea typeface=""/>
         <a:cs typeface=""/>
-        <a:font script="Jpan" typeface="游ゴシック"/>
+        <a:font script="Jpan" typeface="Yu Gothic"/>
         <a:font script="Hang" typeface="맑은 고딕"/>
         <a:font script="Hans" typeface="等线"/>
         <a:font script="Hant" typeface="新細明體"/>
@@ -12502,21 +12826,21 @@
             <a:schemeClr val="phClr"/>
           </a:solidFill>
           <a:prstDash val="solid"/>
-          <a:miter lim="800000"/>
+          <a:miter/>
         </a:ln>
         <a:ln w="12700" cap="flat" cmpd="sng" algn="ctr">
           <a:solidFill>
             <a:schemeClr val="phClr"/>
           </a:solidFill>
           <a:prstDash val="solid"/>
-          <a:miter lim="800000"/>
+          <a:miter/>
         </a:ln>
         <a:ln w="19050" cap="flat" cmpd="sng" algn="ctr">
           <a:solidFill>
             <a:schemeClr val="phClr"/>
           </a:solidFill>
           <a:prstDash val="solid"/>
-          <a:miter lim="800000"/>
+          <a:miter/>
         </a:ln>
       </a:lnStyleLst>
       <a:effectStyleLst>
@@ -12576,12 +12900,5 @@
       </a:bgFillStyleLst>
     </a:fmtScheme>
   </a:themeElements>
-  <a:objectDefaults/>
-  <a:extraClrSchemeLst/>
-  <a:extLst>
-    <a:ext uri="{05A4C25C-085E-4340-85A3-A5531E510DB2}">
-      <thm15:themeFamily xmlns:thm15="http://schemas.microsoft.com/office/thememl/2012/main" name="Office Theme" id="{62F939B6-93AF-4DB8-9C6B-D6C7DFDC589F}" vid="{4A3C46E8-61CC-4603-A589-7422A47A8E4A}"/>
-    </a:ext>
-  </a:extLst>
 </a:theme>
 </file>
--- a/문서/졸업작품 게임 기획서 초안.pptx
+++ b/문서/졸업작품 게임 기획서 초안.pptx
@@ -1,27 +1,32 @@
 
 <file path=ppt/presentation.xml><?xml version="1.0" encoding="utf-8"?>
-<p:presentation xmlns:r="http://schemas.openxmlformats.org/officeDocument/2006/relationships" xmlns:c="http://schemas.openxmlformats.org/drawingml/2006/chart" xmlns:a="http://schemas.openxmlformats.org/drawingml/2006/main" xmlns:dgm="http://schemas.openxmlformats.org/drawingml/2006/diagram" xmlns:dsp="http://schemas.microsoft.com/office/drawing/2008/diagram" xmlns:p="http://schemas.openxmlformats.org/presentationml/2006/main">
+<p:presentation xmlns:a="http://schemas.openxmlformats.org/drawingml/2006/main" xmlns:r="http://schemas.openxmlformats.org/officeDocument/2006/relationships" xmlns:p="http://schemas.openxmlformats.org/presentationml/2006/main">
   <p:sldMasterIdLst>
     <p:sldMasterId id="2147483661" r:id="rId1"/>
   </p:sldMasterIdLst>
   <p:notesMasterIdLst>
-    <p:notesMasterId r:id="rId2"/>
+    <p:notesMasterId r:id="rId21"/>
   </p:notesMasterIdLst>
   <p:sldIdLst>
-    <p:sldId id="256" r:id="rId3"/>
-    <p:sldId id="257" r:id="rId4"/>
-    <p:sldId id="258" r:id="rId5"/>
-    <p:sldId id="259" r:id="rId6"/>
-    <p:sldId id="260" r:id="rId7"/>
-    <p:sldId id="261" r:id="rId8"/>
-    <p:sldId id="262" r:id="rId9"/>
-    <p:sldId id="263" r:id="rId10"/>
-    <p:sldId id="264" r:id="rId11"/>
-    <p:sldId id="265" r:id="rId12"/>
-    <p:sldId id="266" r:id="rId13"/>
+    <p:sldId id="256" r:id="rId2"/>
+    <p:sldId id="257" r:id="rId3"/>
+    <p:sldId id="258" r:id="rId4"/>
+    <p:sldId id="259" r:id="rId5"/>
+    <p:sldId id="260" r:id="rId6"/>
+    <p:sldId id="261" r:id="rId7"/>
+    <p:sldId id="262" r:id="rId8"/>
+    <p:sldId id="263" r:id="rId9"/>
+    <p:sldId id="264" r:id="rId10"/>
+    <p:sldId id="265" r:id="rId11"/>
+    <p:sldId id="266" r:id="rId12"/>
+    <p:sldId id="272" r:id="rId13"/>
     <p:sldId id="267" r:id="rId14"/>
     <p:sldId id="268" r:id="rId15"/>
-    <p:sldId id="269" r:id="rId16"/>
+    <p:sldId id="270" r:id="rId16"/>
+    <p:sldId id="271" r:id="rId17"/>
+    <p:sldId id="269" r:id="rId18"/>
+    <p:sldId id="273" r:id="rId19"/>
+    <p:sldId id="274" r:id="rId20"/>
   </p:sldIdLst>
   <p:sldSz cx="12192000" cy="6858000"/>
   <p:notesSz cx="6858000" cy="9144000"/>
@@ -120,11 +125,27 @@
       </a:defRPr>
     </a:lvl9pPr>
   </p:defaultTextStyle>
+  <p:extLst>
+    <p:ext uri="{EFAFB233-063F-42B5-8137-9DF3F51BA10A}">
+      <p15:sldGuideLst xmlns:p15="http://schemas.microsoft.com/office/powerpoint/2012/main">
+        <p15:guide id="1" orient="horz" pos="2159">
+          <p15:clr>
+            <a:srgbClr val="A4A3A4"/>
+          </p15:clr>
+        </p15:guide>
+        <p15:guide id="2" pos="3839">
+          <p15:clr>
+            <a:srgbClr val="A4A3A4"/>
+          </p15:clr>
+        </p15:guide>
+      </p15:sldGuideLst>
+    </p:ext>
+  </p:extLst>
 </p:presentation>
 </file>
 
 <file path=ppt/notesMasters/notesMaster1.xml><?xml version="1.0" encoding="utf-8"?>
-<p:notesMaster xmlns:r="http://schemas.openxmlformats.org/officeDocument/2006/relationships" xmlns:c="http://schemas.openxmlformats.org/drawingml/2006/chart" xmlns:a="http://schemas.openxmlformats.org/drawingml/2006/main" xmlns:dgm="http://schemas.openxmlformats.org/drawingml/2006/diagram" xmlns:dsp="http://schemas.microsoft.com/office/drawing/2008/diagram" xmlns:p="http://schemas.openxmlformats.org/presentationml/2006/main">
+<p:notesMaster xmlns:a="http://schemas.openxmlformats.org/drawingml/2006/main" xmlns:r="http://schemas.openxmlformats.org/officeDocument/2006/relationships" xmlns:p="http://schemas.openxmlformats.org/presentationml/2006/main">
   <p:cSld>
     <p:bg>
       <p:bgRef idx="1001">
@@ -152,7 +173,7 @@
             <a:spLocks noGrp="1"/>
           </p:cNvSpPr>
           <p:nvPr>
-            <p:ph type="hdr" sz="quarter" idx="0"/>
+            <p:ph type="hdr" sz="quarter"/>
           </p:nvPr>
         </p:nvSpPr>
         <p:spPr>
@@ -175,10 +196,6 @@
             <a:pPr lvl="0">
               <a:defRPr/>
             </a:pPr>
-            <a:r>
-              <a:rPr lang="ko-KR" altLang="en-US"/>
-              <a:t/>
-            </a:r>
             <a:endParaRPr lang="ko-KR" altLang="en-US"/>
           </a:p>
         </p:txBody>
@@ -218,7 +235,7 @@
               <a:pPr lvl="0">
                 <a:defRPr/>
               </a:pPr>
-              <a:t>2019-10-15</a:t>
+              <a:t>2019-11-17</a:t>
             </a:fld>
             <a:endParaRPr lang="ko-KR" altLang="en-US"/>
           </a:p>
@@ -290,7 +307,6 @@
               <a:rPr lang="ko-KR" altLang="en-US"/>
               <a:t>마스터 텍스트 스타일을 편집하려면 클릭</a:t>
             </a:r>
-            <a:endParaRPr lang="ko-KR" altLang="en-US"/>
           </a:p>
           <a:p>
             <a:pPr lvl="1">
@@ -300,7 +316,6 @@
               <a:rPr lang="ko-KR" altLang="en-US"/>
               <a:t>두 번째 수준</a:t>
             </a:r>
-            <a:endParaRPr lang="ko-KR" altLang="en-US"/>
           </a:p>
           <a:p>
             <a:pPr lvl="2">
@@ -310,7 +325,6 @@
               <a:rPr lang="ko-KR" altLang="en-US"/>
               <a:t>세 번째 수준</a:t>
             </a:r>
-            <a:endParaRPr lang="ko-KR" altLang="en-US"/>
           </a:p>
           <a:p>
             <a:pPr lvl="3">
@@ -320,7 +334,6 @@
               <a:rPr lang="ko-KR" altLang="en-US"/>
               <a:t>네 번째 수준</a:t>
             </a:r>
-            <a:endParaRPr lang="ko-KR" altLang="en-US"/>
           </a:p>
           <a:p>
             <a:pPr lvl="4">
@@ -330,7 +343,6 @@
               <a:rPr lang="ko-KR" altLang="en-US"/>
               <a:t>다섯 번째 수준</a:t>
             </a:r>
-            <a:endParaRPr lang="ko-KR" altLang="en-US"/>
           </a:p>
         </p:txBody>
       </p:sp>
@@ -364,10 +376,6 @@
             <a:pPr lvl="0">
               <a:defRPr/>
             </a:pPr>
-            <a:r>
-              <a:rPr lang="ko-KR" altLang="en-US"/>
-              <a:t/>
-            </a:r>
             <a:endParaRPr lang="ko-KR" altLang="en-US"/>
           </a:p>
         </p:txBody>
@@ -659,7 +667,7 @@
           <a:p>
             <a:fld id="{733DF88E-EEC7-4590-8394-8F97695D91F0}" type="datetimeFigureOut">
               <a:rPr lang="ko-KR" altLang="en-US" smtClean="0"/>
-              <a:t>2019-10-14</a:t>
+              <a:t>2019-11-17</a:t>
             </a:fld>
             <a:endParaRPr lang="ko-KR" altLang="en-US"/>
           </a:p>
@@ -857,7 +865,7 @@
           <a:p>
             <a:fld id="{733DF88E-EEC7-4590-8394-8F97695D91F0}" type="datetimeFigureOut">
               <a:rPr lang="ko-KR" altLang="en-US" smtClean="0"/>
-              <a:t>2019-10-14</a:t>
+              <a:t>2019-11-17</a:t>
             </a:fld>
             <a:endParaRPr lang="ko-KR" altLang="en-US"/>
           </a:p>
@@ -1065,7 +1073,7 @@
           <a:p>
             <a:fld id="{733DF88E-EEC7-4590-8394-8F97695D91F0}" type="datetimeFigureOut">
               <a:rPr lang="ko-KR" altLang="en-US" smtClean="0"/>
-              <a:t>2019-10-14</a:t>
+              <a:t>2019-11-17</a:t>
             </a:fld>
             <a:endParaRPr lang="ko-KR" altLang="en-US"/>
           </a:p>
@@ -1263,7 +1271,7 @@
           <a:p>
             <a:fld id="{733DF88E-EEC7-4590-8394-8F97695D91F0}" type="datetimeFigureOut">
               <a:rPr lang="ko-KR" altLang="en-US" smtClean="0"/>
-              <a:t>2019-10-14</a:t>
+              <a:t>2019-11-17</a:t>
             </a:fld>
             <a:endParaRPr lang="ko-KR" altLang="en-US"/>
           </a:p>
@@ -1538,7 +1546,7 @@
           <a:p>
             <a:fld id="{733DF88E-EEC7-4590-8394-8F97695D91F0}" type="datetimeFigureOut">
               <a:rPr lang="ko-KR" altLang="en-US" smtClean="0"/>
-              <a:t>2019-10-14</a:t>
+              <a:t>2019-11-17</a:t>
             </a:fld>
             <a:endParaRPr lang="ko-KR" altLang="en-US"/>
           </a:p>
@@ -1803,7 +1811,7 @@
           <a:p>
             <a:fld id="{733DF88E-EEC7-4590-8394-8F97695D91F0}" type="datetimeFigureOut">
               <a:rPr lang="ko-KR" altLang="en-US" smtClean="0"/>
-              <a:t>2019-10-14</a:t>
+              <a:t>2019-11-17</a:t>
             </a:fld>
             <a:endParaRPr lang="ko-KR" altLang="en-US"/>
           </a:p>
@@ -2215,7 +2223,7 @@
           <a:p>
             <a:fld id="{733DF88E-EEC7-4590-8394-8F97695D91F0}" type="datetimeFigureOut">
               <a:rPr lang="ko-KR" altLang="en-US" smtClean="0"/>
-              <a:t>2019-10-14</a:t>
+              <a:t>2019-11-17</a:t>
             </a:fld>
             <a:endParaRPr lang="ko-KR" altLang="en-US"/>
           </a:p>
@@ -2356,7 +2364,7 @@
           <a:p>
             <a:fld id="{733DF88E-EEC7-4590-8394-8F97695D91F0}" type="datetimeFigureOut">
               <a:rPr lang="ko-KR" altLang="en-US" smtClean="0"/>
-              <a:t>2019-10-14</a:t>
+              <a:t>2019-11-17</a:t>
             </a:fld>
             <a:endParaRPr lang="ko-KR" altLang="en-US"/>
           </a:p>
@@ -2469,7 +2477,7 @@
           <a:p>
             <a:fld id="{733DF88E-EEC7-4590-8394-8F97695D91F0}" type="datetimeFigureOut">
               <a:rPr lang="ko-KR" altLang="en-US" smtClean="0"/>
-              <a:t>2019-10-14</a:t>
+              <a:t>2019-11-17</a:t>
             </a:fld>
             <a:endParaRPr lang="ko-KR" altLang="en-US"/>
           </a:p>
@@ -2780,7 +2788,7 @@
           <a:p>
             <a:fld id="{733DF88E-EEC7-4590-8394-8F97695D91F0}" type="datetimeFigureOut">
               <a:rPr lang="ko-KR" altLang="en-US" smtClean="0"/>
-              <a:t>2019-10-14</a:t>
+              <a:t>2019-11-17</a:t>
             </a:fld>
             <a:endParaRPr lang="ko-KR" altLang="en-US"/>
           </a:p>
@@ -3068,7 +3076,7 @@
           <a:p>
             <a:fld id="{733DF88E-EEC7-4590-8394-8F97695D91F0}" type="datetimeFigureOut">
               <a:rPr lang="ko-KR" altLang="en-US" smtClean="0"/>
-              <a:t>2019-10-14</a:t>
+              <a:t>2019-11-17</a:t>
             </a:fld>
             <a:endParaRPr lang="ko-KR" altLang="en-US"/>
           </a:p>
@@ -3309,7 +3317,7 @@
           <a:p>
             <a:fld id="{733DF88E-EEC7-4590-8394-8F97695D91F0}" type="datetimeFigureOut">
               <a:rPr lang="ko-KR" altLang="en-US" smtClean="0"/>
-              <a:t>2019-10-14</a:t>
+              <a:t>2019-11-17</a:t>
             </a:fld>
             <a:endParaRPr lang="ko-KR" altLang="en-US"/>
           </a:p>
@@ -4281,7 +4289,7 @@
           <p:nvPr/>
         </p:nvPicPr>
         <p:blipFill>
-          <a:blip r:embed="rId3">
+          <a:blip r:embed="rId3" cstate="print">
             <a:extLst>
               <a:ext uri="{28A0092B-C50C-407E-A947-70E740481C1C}">
                 <a14:useLocalDpi xmlns:a14="http://schemas.microsoft.com/office/drawing/2010/main" val="0"/>
@@ -4316,7 +4324,7 @@
           <p:nvPr/>
         </p:nvPicPr>
         <p:blipFill>
-          <a:blip r:embed="rId4">
+          <a:blip r:embed="rId4" cstate="print">
             <a:extLst>
               <a:ext uri="{28A0092B-C50C-407E-A947-70E740481C1C}">
                 <a14:useLocalDpi xmlns:a14="http://schemas.microsoft.com/office/drawing/2010/main" val="0"/>
@@ -4350,8 +4358,8 @@
         </p:nvSpPr>
         <p:spPr>
           <a:xfrm>
-            <a:off x="5588122" y="1956830"/>
-            <a:ext cx="954107" cy="400110"/>
+            <a:off x="5417401" y="1953580"/>
+            <a:ext cx="1295547" cy="400110"/>
           </a:xfrm>
           <a:prstGeom prst="rect">
             <a:avLst/>
@@ -4365,6 +4373,13 @@
           <a:lstStyle/>
           <a:p>
             <a:pPr algn="ctr"/>
+            <a:r>
+              <a:rPr lang="en-US" altLang="ko-KR" sz="2000" dirty="0">
+                <a:latin typeface="HY견고딕" panose="02030600000101010101" pitchFamily="18" charset="-127"/>
+                <a:ea typeface="HY견고딕" panose="02030600000101010101" pitchFamily="18" charset="-127"/>
+              </a:rPr>
+              <a:t>1. </a:t>
+            </a:r>
             <a:r>
               <a:rPr lang="ko-KR" altLang="en-US" sz="2000" dirty="0">
                 <a:latin typeface="HY견고딕" panose="02030600000101010101" pitchFamily="18" charset="-127"/>
@@ -4442,45 +4457,6 @@
           </a:p>
         </p:txBody>
       </p:sp>
-      <p:pic>
-        <p:nvPicPr>
-          <p:cNvPr id="14" name="그래픽 13" descr="집">
-            <a:extLst>
-              <a:ext uri="{FF2B5EF4-FFF2-40B4-BE49-F238E27FC236}">
-                <a16:creationId xmlns:a16="http://schemas.microsoft.com/office/drawing/2014/main" id="{143FBA7A-4035-413A-9C66-8920AB818236}"/>
-              </a:ext>
-            </a:extLst>
-          </p:cNvPr>
-          <p:cNvPicPr>
-            <a:picLocks noChangeAspect="1"/>
-          </p:cNvPicPr>
-          <p:nvPr/>
-        </p:nvPicPr>
-        <p:blipFill>
-          <a:blip r:embed="rId5">
-            <a:extLst>
-              <a:ext uri="{28A0092B-C50C-407E-A947-70E740481C1C}">
-                <a14:useLocalDpi xmlns:a14="http://schemas.microsoft.com/office/drawing/2010/main" val="0"/>
-              </a:ext>
-              <a:ext uri="{96DAC541-7B7A-43D3-8B79-37D633B846F1}">
-                <asvg:svgBlip xmlns:asvg="http://schemas.microsoft.com/office/drawing/2016/SVG/main" r:embed="rId6"/>
-              </a:ext>
-            </a:extLst>
-          </a:blip>
-          <a:stretch>
-            <a:fillRect/>
-          </a:stretch>
-        </p:blipFill>
-        <p:spPr>
-          <a:xfrm>
-            <a:off x="4977251" y="1770367"/>
-            <a:ext cx="610871" cy="610871"/>
-          </a:xfrm>
-          <a:prstGeom prst="rect">
-            <a:avLst/>
-          </a:prstGeom>
-        </p:spPr>
-      </p:pic>
     </p:spTree>
     <p:extLst>
       <p:ext uri="{BB962C8B-B14F-4D97-AF65-F5344CB8AC3E}">
@@ -4788,6 +4764,318 @@
           </a:fontRef>
         </p:style>
       </p:cxnSp>
+      <p:pic>
+        <p:nvPicPr>
+          <p:cNvPr id="9" name="그림 8" descr="건물, 절반, 음식, 벽돌이(가) 표시된 사진&#10;&#10;자동 생성된 설명">
+            <a:extLst>
+              <a:ext uri="{FF2B5EF4-FFF2-40B4-BE49-F238E27FC236}">
+                <a16:creationId xmlns:a16="http://schemas.microsoft.com/office/drawing/2014/main" id="{0DCC595C-445A-489F-9DDF-6E1438F64D94}"/>
+              </a:ext>
+            </a:extLst>
+          </p:cNvPr>
+          <p:cNvPicPr>
+            <a:picLocks noChangeAspect="1"/>
+          </p:cNvPicPr>
+          <p:nvPr/>
+        </p:nvPicPr>
+        <p:blipFill>
+          <a:blip r:embed="rId2">
+            <a:extLst>
+              <a:ext uri="{28A0092B-C50C-407E-A947-70E740481C1C}">
+                <a14:useLocalDpi xmlns:a14="http://schemas.microsoft.com/office/drawing/2010/main" val="0"/>
+              </a:ext>
+            </a:extLst>
+          </a:blip>
+          <a:stretch>
+            <a:fillRect/>
+          </a:stretch>
+        </p:blipFill>
+        <p:spPr>
+          <a:xfrm>
+            <a:off x="1791407" y="2532985"/>
+            <a:ext cx="2957703" cy="2070392"/>
+          </a:xfrm>
+          <a:prstGeom prst="rect">
+            <a:avLst/>
+          </a:prstGeom>
+        </p:spPr>
+      </p:pic>
+      <p:sp>
+        <p:nvSpPr>
+          <p:cNvPr id="10" name="TextBox 9">
+            <a:extLst>
+              <a:ext uri="{FF2B5EF4-FFF2-40B4-BE49-F238E27FC236}">
+                <a16:creationId xmlns:a16="http://schemas.microsoft.com/office/drawing/2014/main" id="{91CCC584-08F0-4E77-AE75-71FEC2DB3051}"/>
+              </a:ext>
+            </a:extLst>
+          </p:cNvPr>
+          <p:cNvSpPr txBox="1"/>
+          <p:nvPr/>
+        </p:nvSpPr>
+        <p:spPr>
+          <a:xfrm>
+            <a:off x="2305539" y="2118585"/>
+            <a:ext cx="1893468" cy="400110"/>
+          </a:xfrm>
+          <a:prstGeom prst="rect">
+            <a:avLst/>
+          </a:prstGeom>
+          <a:noFill/>
+        </p:spPr>
+        <p:txBody>
+          <a:bodyPr wrap="none" rtlCol="0">
+            <a:spAutoFit/>
+          </a:bodyPr>
+          <a:lstStyle/>
+          <a:p>
+            <a:pPr algn="ctr"/>
+            <a:r>
+              <a:rPr lang="en-US" altLang="ko-KR" sz="2000" dirty="0">
+                <a:latin typeface="HY견고딕" panose="02030600000101010101" pitchFamily="18" charset="-127"/>
+                <a:ea typeface="HY견고딕" panose="02030600000101010101" pitchFamily="18" charset="-127"/>
+              </a:rPr>
+              <a:t>2. </a:t>
+            </a:r>
+            <a:r>
+              <a:rPr lang="ko-KR" altLang="en-US" sz="2000" dirty="0">
+                <a:latin typeface="HY견고딕" panose="02030600000101010101" pitchFamily="18" charset="-127"/>
+                <a:ea typeface="HY견고딕" panose="02030600000101010101" pitchFamily="18" charset="-127"/>
+              </a:rPr>
+              <a:t>그림자 매핑</a:t>
+            </a:r>
+          </a:p>
+        </p:txBody>
+      </p:sp>
+      <p:pic>
+        <p:nvPicPr>
+          <p:cNvPr id="12" name="그림 11" descr="벽돌, 앉아있는, 모니터, 사진이(가) 표시된 사진&#10;&#10;자동 생성된 설명">
+            <a:extLst>
+              <a:ext uri="{FF2B5EF4-FFF2-40B4-BE49-F238E27FC236}">
+                <a16:creationId xmlns:a16="http://schemas.microsoft.com/office/drawing/2014/main" id="{1D4F508A-FA3E-462F-B9FA-38C0B8AA2F18}"/>
+              </a:ext>
+            </a:extLst>
+          </p:cNvPr>
+          <p:cNvPicPr>
+            <a:picLocks noChangeAspect="1"/>
+          </p:cNvPicPr>
+          <p:nvPr/>
+        </p:nvPicPr>
+        <p:blipFill rotWithShape="1">
+          <a:blip r:embed="rId3">
+            <a:extLst>
+              <a:ext uri="{28A0092B-C50C-407E-A947-70E740481C1C}">
+                <a14:useLocalDpi xmlns:a14="http://schemas.microsoft.com/office/drawing/2010/main" val="0"/>
+              </a:ext>
+            </a:extLst>
+          </a:blip>
+          <a:srcRect l="8609" t="6429" r="16202" b="4480"/>
+          <a:stretch/>
+        </p:blipFill>
+        <p:spPr>
+          <a:xfrm>
+            <a:off x="5232903" y="2532985"/>
+            <a:ext cx="2230611" cy="2070392"/>
+          </a:xfrm>
+          <a:prstGeom prst="rect">
+            <a:avLst/>
+          </a:prstGeom>
+        </p:spPr>
+      </p:pic>
+      <p:sp>
+        <p:nvSpPr>
+          <p:cNvPr id="13" name="TextBox 12">
+            <a:extLst>
+              <a:ext uri="{FF2B5EF4-FFF2-40B4-BE49-F238E27FC236}">
+                <a16:creationId xmlns:a16="http://schemas.microsoft.com/office/drawing/2014/main" id="{B2D26FAC-DBA9-4053-A0B0-631DF7F75641}"/>
+              </a:ext>
+            </a:extLst>
+          </p:cNvPr>
+          <p:cNvSpPr txBox="1"/>
+          <p:nvPr/>
+        </p:nvSpPr>
+        <p:spPr>
+          <a:xfrm>
+            <a:off x="5511731" y="2121071"/>
+            <a:ext cx="1636987" cy="400110"/>
+          </a:xfrm>
+          <a:prstGeom prst="rect">
+            <a:avLst/>
+          </a:prstGeom>
+          <a:noFill/>
+        </p:spPr>
+        <p:txBody>
+          <a:bodyPr wrap="none" rtlCol="0">
+            <a:spAutoFit/>
+          </a:bodyPr>
+          <a:lstStyle/>
+          <a:p>
+            <a:pPr algn="ctr"/>
+            <a:r>
+              <a:rPr lang="en-US" altLang="ko-KR" sz="2000" dirty="0">
+                <a:latin typeface="HY견고딕" panose="02030600000101010101" pitchFamily="18" charset="-127"/>
+                <a:ea typeface="HY견고딕" panose="02030600000101010101" pitchFamily="18" charset="-127"/>
+              </a:rPr>
+              <a:t>3. </a:t>
+            </a:r>
+            <a:r>
+              <a:rPr lang="ko-KR" altLang="en-US" sz="2000" dirty="0" err="1">
+                <a:latin typeface="HY견고딕" panose="02030600000101010101" pitchFamily="18" charset="-127"/>
+                <a:ea typeface="HY견고딕" panose="02030600000101010101" pitchFamily="18" charset="-127"/>
+              </a:rPr>
+              <a:t>노멀</a:t>
+            </a:r>
+            <a:r>
+              <a:rPr lang="ko-KR" altLang="en-US" sz="2000" dirty="0">
+                <a:latin typeface="HY견고딕" panose="02030600000101010101" pitchFamily="18" charset="-127"/>
+                <a:ea typeface="HY견고딕" panose="02030600000101010101" pitchFamily="18" charset="-127"/>
+              </a:rPr>
+              <a:t> 매핑</a:t>
+            </a:r>
+          </a:p>
+        </p:txBody>
+      </p:sp>
+      <p:pic>
+        <p:nvPicPr>
+          <p:cNvPr id="15" name="그림 14" descr="벽돌, 건물, 앉아있는, 음식이(가) 표시된 사진&#10;&#10;자동 생성된 설명">
+            <a:extLst>
+              <a:ext uri="{FF2B5EF4-FFF2-40B4-BE49-F238E27FC236}">
+                <a16:creationId xmlns:a16="http://schemas.microsoft.com/office/drawing/2014/main" id="{C40936DB-81A0-4527-AEED-D7004D8327CF}"/>
+              </a:ext>
+            </a:extLst>
+          </p:cNvPr>
+          <p:cNvPicPr>
+            <a:picLocks noChangeAspect="1"/>
+          </p:cNvPicPr>
+          <p:nvPr/>
+        </p:nvPicPr>
+        <p:blipFill>
+          <a:blip r:embed="rId4">
+            <a:extLst>
+              <a:ext uri="{28A0092B-C50C-407E-A947-70E740481C1C}">
+                <a14:useLocalDpi xmlns:a14="http://schemas.microsoft.com/office/drawing/2010/main" val="0"/>
+              </a:ext>
+            </a:extLst>
+          </a:blip>
+          <a:stretch>
+            <a:fillRect/>
+          </a:stretch>
+        </p:blipFill>
+        <p:spPr>
+          <a:xfrm>
+            <a:off x="7931045" y="2532984"/>
+            <a:ext cx="2587989" cy="2070391"/>
+          </a:xfrm>
+          <a:prstGeom prst="rect">
+            <a:avLst/>
+          </a:prstGeom>
+        </p:spPr>
+      </p:pic>
+      <p:sp>
+        <p:nvSpPr>
+          <p:cNvPr id="16" name="TextBox 15">
+            <a:extLst>
+              <a:ext uri="{FF2B5EF4-FFF2-40B4-BE49-F238E27FC236}">
+                <a16:creationId xmlns:a16="http://schemas.microsoft.com/office/drawing/2014/main" id="{57048539-5646-4E42-9753-B1FF8527B8F0}"/>
+              </a:ext>
+            </a:extLst>
+          </p:cNvPr>
+          <p:cNvSpPr txBox="1"/>
+          <p:nvPr/>
+        </p:nvSpPr>
+        <p:spPr>
+          <a:xfrm>
+            <a:off x="8516801" y="2118584"/>
+            <a:ext cx="1380507" cy="400110"/>
+          </a:xfrm>
+          <a:prstGeom prst="rect">
+            <a:avLst/>
+          </a:prstGeom>
+          <a:noFill/>
+        </p:spPr>
+        <p:txBody>
+          <a:bodyPr wrap="none" rtlCol="0">
+            <a:spAutoFit/>
+          </a:bodyPr>
+          <a:lstStyle/>
+          <a:p>
+            <a:pPr algn="ctr"/>
+            <a:r>
+              <a:rPr lang="en-US" altLang="ko-KR" sz="2000" dirty="0">
+                <a:latin typeface="HY견고딕" panose="02030600000101010101" pitchFamily="18" charset="-127"/>
+                <a:ea typeface="HY견고딕" panose="02030600000101010101" pitchFamily="18" charset="-127"/>
+              </a:rPr>
+              <a:t>4. </a:t>
+            </a:r>
+            <a:r>
+              <a:rPr lang="ko-KR" altLang="en-US" sz="2000" dirty="0">
+                <a:latin typeface="HY견고딕" panose="02030600000101010101" pitchFamily="18" charset="-127"/>
+                <a:ea typeface="HY견고딕" panose="02030600000101010101" pitchFamily="18" charset="-127"/>
+              </a:rPr>
+              <a:t>물 표현</a:t>
+            </a:r>
+          </a:p>
+        </p:txBody>
+      </p:sp>
+      <p:sp>
+        <p:nvSpPr>
+          <p:cNvPr id="17" name="TextBox 16">
+            <a:extLst>
+              <a:ext uri="{FF2B5EF4-FFF2-40B4-BE49-F238E27FC236}">
+                <a16:creationId xmlns:a16="http://schemas.microsoft.com/office/drawing/2014/main" id="{7D8FF188-A240-47A9-9C4C-4140A11442ED}"/>
+              </a:ext>
+            </a:extLst>
+          </p:cNvPr>
+          <p:cNvSpPr txBox="1"/>
+          <p:nvPr/>
+        </p:nvSpPr>
+        <p:spPr>
+          <a:xfrm>
+            <a:off x="2305539" y="5029579"/>
+            <a:ext cx="7580921" cy="369332"/>
+          </a:xfrm>
+          <a:prstGeom prst="rect">
+            <a:avLst/>
+          </a:prstGeom>
+          <a:noFill/>
+        </p:spPr>
+        <p:txBody>
+          <a:bodyPr wrap="none" rtlCol="0">
+            <a:spAutoFit/>
+          </a:bodyPr>
+          <a:lstStyle/>
+          <a:p>
+            <a:pPr algn="ctr"/>
+            <a:r>
+              <a:rPr lang="ko-KR" altLang="en-US" dirty="0">
+                <a:latin typeface="HY견고딕" panose="02030600000101010101" pitchFamily="18" charset="-127"/>
+                <a:ea typeface="HY견고딕" panose="02030600000101010101" pitchFamily="18" charset="-127"/>
+              </a:rPr>
+              <a:t>그림자 효과와 </a:t>
+            </a:r>
+            <a:r>
+              <a:rPr lang="ko-KR" altLang="en-US" dirty="0" err="1">
+                <a:latin typeface="HY견고딕" panose="02030600000101010101" pitchFamily="18" charset="-127"/>
+                <a:ea typeface="HY견고딕" panose="02030600000101010101" pitchFamily="18" charset="-127"/>
+              </a:rPr>
+              <a:t>범프매핑</a:t>
+            </a:r>
+            <a:r>
+              <a:rPr lang="en-US" altLang="ko-KR" dirty="0">
+                <a:latin typeface="HY견고딕" panose="02030600000101010101" pitchFamily="18" charset="-127"/>
+                <a:ea typeface="HY견고딕" panose="02030600000101010101" pitchFamily="18" charset="-127"/>
+              </a:rPr>
+              <a:t>, </a:t>
+            </a:r>
+            <a:r>
+              <a:rPr lang="ko-KR" altLang="en-US" dirty="0">
+                <a:latin typeface="HY견고딕" panose="02030600000101010101" pitchFamily="18" charset="-127"/>
+                <a:ea typeface="HY견고딕" panose="02030600000101010101" pitchFamily="18" charset="-127"/>
+              </a:rPr>
+              <a:t>물 등을 구현하여 사실적인 플레이경험을 제공</a:t>
+            </a:r>
+          </a:p>
+        </p:txBody>
+      </p:sp>
     </p:spTree>
     <p:extLst>
       <p:ext uri="{BB962C8B-B14F-4D97-AF65-F5344CB8AC3E}">
@@ -4802,7 +5090,7 @@
 </file>
 
 <file path=ppt/slides/slide12.xml><?xml version="1.0" encoding="utf-8"?>
-<p:sld xmlns:r="http://schemas.openxmlformats.org/officeDocument/2006/relationships" xmlns:c="http://schemas.openxmlformats.org/drawingml/2006/chart" xmlns:a="http://schemas.openxmlformats.org/drawingml/2006/main" xmlns:dgm="http://schemas.openxmlformats.org/drawingml/2006/diagram" xmlns:dsp="http://schemas.microsoft.com/office/drawing/2008/diagram" xmlns:p="http://schemas.openxmlformats.org/presentationml/2006/main">
+<p:sld xmlns:a="http://schemas.openxmlformats.org/drawingml/2006/main" xmlns:r="http://schemas.openxmlformats.org/officeDocument/2006/relationships" xmlns:p="http://schemas.openxmlformats.org/presentationml/2006/main">
   <p:cSld>
     <p:spTree>
       <p:nvGrpSpPr>
@@ -4820,8 +5108,16 @@
       </p:grpSpPr>
       <p:cxnSp>
         <p:nvCxnSpPr>
-          <p:cNvPr id="2" name="직선 연결선 1"/>
-          <p:cNvCxnSpPr/>
+          <p:cNvPr id="2" name="직선 연결선 1">
+            <a:extLst>
+              <a:ext uri="{FF2B5EF4-FFF2-40B4-BE49-F238E27FC236}">
+                <a16:creationId xmlns:a16="http://schemas.microsoft.com/office/drawing/2014/main" id="{F489D314-C637-4E9E-947D-448763FA3CE1}"/>
+              </a:ext>
+            </a:extLst>
+          </p:cNvPr>
+          <p:cNvCxnSpPr>
+            <a:cxnSpLocks/>
+          </p:cNvCxnSpPr>
           <p:nvPr/>
         </p:nvCxnSpPr>
         <p:spPr>
@@ -4855,14 +5151,20 @@
       </p:cxnSp>
       <p:sp>
         <p:nvSpPr>
-          <p:cNvPr id="3" name="TextBox 2"/>
+          <p:cNvPr id="3" name="TextBox 2">
+            <a:extLst>
+              <a:ext uri="{FF2B5EF4-FFF2-40B4-BE49-F238E27FC236}">
+                <a16:creationId xmlns:a16="http://schemas.microsoft.com/office/drawing/2014/main" id="{D5266936-5F5A-4942-B5DC-638A5ECB4501}"/>
+              </a:ext>
+            </a:extLst>
+          </p:cNvPr>
           <p:cNvSpPr txBox="1"/>
           <p:nvPr/>
         </p:nvSpPr>
         <p:spPr>
           <a:xfrm>
             <a:off x="1347787" y="876597"/>
-            <a:ext cx="3433953" cy="707886"/>
+            <a:ext cx="4972836" cy="707886"/>
           </a:xfrm>
           <a:prstGeom prst="rect">
             <a:avLst/>
@@ -4870,31 +5172,30 @@
           <a:noFill/>
         </p:spPr>
         <p:txBody>
-          <a:bodyPr wrap="none">
+          <a:bodyPr wrap="none" rtlCol="0">
             <a:spAutoFit/>
           </a:bodyPr>
           <a:lstStyle/>
           <a:p>
-            <a:pPr lvl="0">
-              <a:defRPr/>
-            </a:pPr>
-            <a:r>
-              <a:rPr lang="ko-KR" altLang="en-US" sz="4000">
-                <a:latin typeface="HY헤드라인M"/>
-                <a:ea typeface="HY헤드라인M"/>
-              </a:rPr>
-              <a:t>서버 기술요소</a:t>
-            </a:r>
-            <a:endParaRPr lang="ko-KR" altLang="en-US" sz="4000">
-              <a:latin typeface="HY헤드라인M"/>
-              <a:ea typeface="HY헤드라인M"/>
-            </a:endParaRPr>
-          </a:p>
-        </p:txBody>
-      </p:sp>
-      <p:sp>
-        <p:nvSpPr>
-          <p:cNvPr id="4" name="TextBox 3"/>
+            <a:r>
+              <a:rPr lang="ko-KR" altLang="en-US" sz="4000" dirty="0">
+                <a:latin typeface="HY헤드라인M" panose="02030600000101010101" pitchFamily="18" charset="-127"/>
+                <a:ea typeface="HY헤드라인M" panose="02030600000101010101" pitchFamily="18" charset="-127"/>
+              </a:rPr>
+              <a:t>클라이언트 기술요소</a:t>
+            </a:r>
+          </a:p>
+        </p:txBody>
+      </p:sp>
+      <p:sp>
+        <p:nvSpPr>
+          <p:cNvPr id="4" name="TextBox 3">
+            <a:extLst>
+              <a:ext uri="{FF2B5EF4-FFF2-40B4-BE49-F238E27FC236}">
+                <a16:creationId xmlns:a16="http://schemas.microsoft.com/office/drawing/2014/main" id="{BF07602F-6AE9-44B4-BE0F-55FE2EDFDD1C}"/>
+              </a:ext>
+            </a:extLst>
+          </p:cNvPr>
           <p:cNvSpPr txBox="1"/>
           <p:nvPr/>
         </p:nvSpPr>
@@ -4909,52 +5210,55 @@
           <a:noFill/>
         </p:spPr>
         <p:txBody>
-          <a:bodyPr wrap="none">
+          <a:bodyPr wrap="none" rtlCol="0">
             <a:spAutoFit/>
           </a:bodyPr>
           <a:lstStyle/>
           <a:p>
-            <a:pPr lvl="0">
-              <a:defRPr/>
-            </a:pPr>
-            <a:r>
-              <a:rPr lang="en-US" altLang="ko-KR" sz="2800">
-                <a:latin typeface="HY헤드라인M"/>
-                <a:ea typeface="HY헤드라인M"/>
+            <a:r>
+              <a:rPr lang="en-US" altLang="ko-KR" sz="2800" dirty="0">
+                <a:latin typeface="HY헤드라인M" panose="02030600000101010101" pitchFamily="18" charset="-127"/>
+                <a:ea typeface="HY헤드라인M" panose="02030600000101010101" pitchFamily="18" charset="-127"/>
               </a:rPr>
               <a:t>The Island</a:t>
             </a:r>
             <a:r>
-              <a:rPr lang="en-US" altLang="ko-KR" sz="1050">
-                <a:latin typeface="HY헤드라인M"/>
-                <a:ea typeface="HY헤드라인M"/>
+              <a:rPr lang="en-US" altLang="ko-KR" sz="1050" dirty="0">
+                <a:latin typeface="HY헤드라인M" panose="02030600000101010101" pitchFamily="18" charset="-127"/>
+                <a:ea typeface="HY헤드라인M" panose="02030600000101010101" pitchFamily="18" charset="-127"/>
               </a:rPr>
               <a:t>(</a:t>
             </a:r>
             <a:r>
-              <a:rPr lang="ko-KR" altLang="en-US" sz="1050">
-                <a:latin typeface="HY헤드라인M"/>
-                <a:ea typeface="HY헤드라인M"/>
+              <a:rPr lang="ko-KR" altLang="en-US" sz="1050" dirty="0">
+                <a:latin typeface="HY헤드라인M" panose="02030600000101010101" pitchFamily="18" charset="-127"/>
+                <a:ea typeface="HY헤드라인M" panose="02030600000101010101" pitchFamily="18" charset="-127"/>
               </a:rPr>
               <a:t>가제</a:t>
             </a:r>
             <a:r>
-              <a:rPr lang="en-US" altLang="ko-KR" sz="1050">
-                <a:latin typeface="HY헤드라인M"/>
-                <a:ea typeface="HY헤드라인M"/>
+              <a:rPr lang="en-US" altLang="ko-KR" sz="1050" dirty="0">
+                <a:latin typeface="HY헤드라인M" panose="02030600000101010101" pitchFamily="18" charset="-127"/>
+                <a:ea typeface="HY헤드라인M" panose="02030600000101010101" pitchFamily="18" charset="-127"/>
               </a:rPr>
               <a:t>)</a:t>
             </a:r>
-            <a:endParaRPr lang="ko-KR" altLang="en-US" sz="2800">
-              <a:latin typeface="HY헤드라인M"/>
-              <a:ea typeface="HY헤드라인M"/>
+            <a:endParaRPr lang="ko-KR" altLang="en-US" sz="2800" dirty="0">
+              <a:latin typeface="HY헤드라인M" panose="02030600000101010101" pitchFamily="18" charset="-127"/>
+              <a:ea typeface="HY헤드라인M" panose="02030600000101010101" pitchFamily="18" charset="-127"/>
             </a:endParaRPr>
           </a:p>
         </p:txBody>
       </p:sp>
       <p:sp>
         <p:nvSpPr>
-          <p:cNvPr id="5" name="TextBox 4"/>
+          <p:cNvPr id="5" name="TextBox 4">
+            <a:extLst>
+              <a:ext uri="{FF2B5EF4-FFF2-40B4-BE49-F238E27FC236}">
+                <a16:creationId xmlns:a16="http://schemas.microsoft.com/office/drawing/2014/main" id="{8B8A36FB-13F6-49E8-A86D-6CF420F297BC}"/>
+              </a:ext>
+            </a:extLst>
+          </p:cNvPr>
           <p:cNvSpPr txBox="1"/>
           <p:nvPr/>
         </p:nvSpPr>
@@ -4969,37 +5273,40 @@
           <a:noFill/>
         </p:spPr>
         <p:txBody>
-          <a:bodyPr wrap="none">
+          <a:bodyPr wrap="none" rtlCol="0">
             <a:spAutoFit/>
           </a:bodyPr>
           <a:lstStyle/>
           <a:p>
-            <a:pPr lvl="0">
-              <a:defRPr/>
-            </a:pPr>
-            <a:r>
-              <a:rPr lang="en-US" altLang="ko-KR" sz="4400">
+            <a:r>
+              <a:rPr lang="en-US" altLang="ko-KR" sz="4400" dirty="0">
                 <a:solidFill>
                   <a:schemeClr val="accent1"/>
                 </a:solidFill>
-                <a:latin typeface="HY헤드라인M"/>
-                <a:ea typeface="HY헤드라인M"/>
+                <a:latin typeface="HY헤드라인M" panose="02030600000101010101" pitchFamily="18" charset="-127"/>
+                <a:ea typeface="HY헤드라인M" panose="02030600000101010101" pitchFamily="18" charset="-127"/>
               </a:rPr>
               <a:t>HOW</a:t>
             </a:r>
-            <a:endParaRPr lang="ko-KR" altLang="en-US" sz="4400">
+            <a:endParaRPr lang="ko-KR" altLang="en-US" sz="4400" dirty="0">
               <a:solidFill>
                 <a:schemeClr val="accent1"/>
               </a:solidFill>
-              <a:latin typeface="HY헤드라인M"/>
-              <a:ea typeface="HY헤드라인M"/>
+              <a:latin typeface="HY헤드라인M" panose="02030600000101010101" pitchFamily="18" charset="-127"/>
+              <a:ea typeface="HY헤드라인M" panose="02030600000101010101" pitchFamily="18" charset="-127"/>
             </a:endParaRPr>
           </a:p>
         </p:txBody>
       </p:sp>
       <p:sp>
         <p:nvSpPr>
-          <p:cNvPr id="6" name="TextBox 5"/>
+          <p:cNvPr id="6" name="TextBox 5">
+            <a:extLst>
+              <a:ext uri="{FF2B5EF4-FFF2-40B4-BE49-F238E27FC236}">
+                <a16:creationId xmlns:a16="http://schemas.microsoft.com/office/drawing/2014/main" id="{30644E1A-CD8E-4E97-B44E-498BA04E0B37}"/>
+              </a:ext>
+            </a:extLst>
+          </p:cNvPr>
           <p:cNvSpPr txBox="1"/>
           <p:nvPr/>
         </p:nvSpPr>
@@ -5014,32 +5321,37 @@
           <a:noFill/>
         </p:spPr>
         <p:txBody>
-          <a:bodyPr wrap="none">
+          <a:bodyPr wrap="none" rtlCol="0">
             <a:spAutoFit/>
           </a:bodyPr>
           <a:lstStyle/>
           <a:p>
-            <a:pPr lvl="0">
-              <a:defRPr/>
-            </a:pPr>
-            <a:r>
-              <a:rPr lang="en-US" altLang="ko-KR">
-                <a:latin typeface="HY헤드라인M"/>
-                <a:ea typeface="HY헤드라인M"/>
+            <a:r>
+              <a:rPr lang="en-US" altLang="ko-KR" dirty="0">
+                <a:latin typeface="HY헤드라인M" panose="02030600000101010101" pitchFamily="18" charset="-127"/>
+                <a:ea typeface="HY헤드라인M" panose="02030600000101010101" pitchFamily="18" charset="-127"/>
               </a:rPr>
               <a:t>12/..</a:t>
             </a:r>
-            <a:endParaRPr lang="ko-KR" altLang="en-US">
-              <a:latin typeface="HY헤드라인M"/>
-              <a:ea typeface="HY헤드라인M"/>
+            <a:endParaRPr lang="ko-KR" altLang="en-US" dirty="0">
+              <a:latin typeface="HY헤드라인M" panose="02030600000101010101" pitchFamily="18" charset="-127"/>
+              <a:ea typeface="HY헤드라인M" panose="02030600000101010101" pitchFamily="18" charset="-127"/>
             </a:endParaRPr>
           </a:p>
         </p:txBody>
       </p:sp>
       <p:cxnSp>
         <p:nvCxnSpPr>
-          <p:cNvPr id="7" name="직선 연결선 6"/>
-          <p:cNvCxnSpPr/>
+          <p:cNvPr id="7" name="직선 연결선 6">
+            <a:extLst>
+              <a:ext uri="{FF2B5EF4-FFF2-40B4-BE49-F238E27FC236}">
+                <a16:creationId xmlns:a16="http://schemas.microsoft.com/office/drawing/2014/main" id="{1213C020-10BD-47FA-8004-EF392DA9F117}"/>
+              </a:ext>
+            </a:extLst>
+          </p:cNvPr>
+          <p:cNvCxnSpPr>
+            <a:cxnSpLocks/>
+          </p:cNvCxnSpPr>
           <p:nvPr/>
         </p:nvCxnSpPr>
         <p:spPr>
@@ -5073,334 +5385,213 @@
       </p:cxnSp>
       <p:sp>
         <p:nvSpPr>
-          <p:cNvPr id="8" name=""/>
+          <p:cNvPr id="13" name="TextBox 12">
+            <a:extLst>
+              <a:ext uri="{FF2B5EF4-FFF2-40B4-BE49-F238E27FC236}">
+                <a16:creationId xmlns:a16="http://schemas.microsoft.com/office/drawing/2014/main" id="{B2D26FAC-DBA9-4053-A0B0-631DF7F75641}"/>
+              </a:ext>
+            </a:extLst>
+          </p:cNvPr>
           <p:cNvSpPr txBox="1"/>
           <p:nvPr/>
         </p:nvSpPr>
         <p:spPr>
           <a:xfrm>
-            <a:off x="1452479" y="1849855"/>
-            <a:ext cx="9491580" cy="548540"/>
-          </a:xfrm>
-          <a:prstGeom prst="rect">
-            <a:avLst/>
-          </a:prstGeom>
-        </p:spPr>
-        <p:txBody>
-          <a:bodyPr wrap="square">
+            <a:off x="5040625" y="1822948"/>
+            <a:ext cx="1893468" cy="400110"/>
+          </a:xfrm>
+          <a:prstGeom prst="rect">
+            <a:avLst/>
+          </a:prstGeom>
+          <a:noFill/>
+        </p:spPr>
+        <p:txBody>
+          <a:bodyPr wrap="none" rtlCol="0">
             <a:spAutoFit/>
           </a:bodyPr>
-          <a:p>
-            <a:pPr marL="0" indent="0" algn="l" defTabSz="914400" rtl="0" eaLnBrk="1" latinLnBrk="1" hangingPunct="1">
-              <a:lnSpc>
-                <a:spcPct val="100000"/>
-              </a:lnSpc>
-              <a:spcBef>
-                <a:spcPct val="0"/>
-              </a:spcBef>
-              <a:spcAft>
-                <a:spcPts val="0"/>
-              </a:spcAft>
-              <a:buNone/>
-              <a:defRPr/>
-            </a:pPr>
-            <a:r>
-              <a:rPr xmlns:mc="http://schemas.openxmlformats.org/markup-compatibility/2006" xmlns:hp="http://schemas.haansoft.com/office/presentation/8.0" kumimoji="0" lang="ko-KR" altLang="en-US" sz="3000" b="1" i="0" u="none" strike="noStrike" kern="1200" cap="none" spc="0" normalizeH="0" baseline="0" mc:Ignorable="hp" hp:hslEmbossed="0">
-                <a:solidFill>
-                  <a:srgbClr val="000000"/>
-                </a:solidFill>
-                <a:latin typeface="맑은 고딕"/>
-                <a:ea typeface="맑은 고딕"/>
-                <a:cs typeface="맑은 고딕"/>
-              </a:rPr>
-              <a:t>· </a:t>
-            </a:r>
-            <a:r>
-              <a:rPr lang="en-US" altLang="ko-KR" sz="3000" b="1"/>
-              <a:t>3D</a:t>
-            </a:r>
-            <a:r>
-              <a:rPr lang="ko-KR" altLang="en-US" sz="3000" b="1"/>
-              <a:t> 환경의 클라이언트</a:t>
-            </a:r>
-            <a:r>
-              <a:rPr lang="en-US" altLang="ko-KR" sz="3000" b="1"/>
-              <a:t>,</a:t>
-            </a:r>
-            <a:r>
-              <a:rPr lang="ko-KR" altLang="en-US" sz="3000" b="1"/>
-              <a:t> 서버간 네트워크 기능 숙달</a:t>
-            </a:r>
-            <a:endParaRPr lang="ko-KR" altLang="en-US" sz="3000" b="1"/>
-          </a:p>
-        </p:txBody>
-      </p:sp>
-      <p:sp>
-        <p:nvSpPr>
-          <p:cNvPr id="9" name=""/>
+          <a:lstStyle/>
+          <a:p>
+            <a:pPr algn="ctr"/>
+            <a:r>
+              <a:rPr lang="en-US" altLang="ko-KR" sz="2000" dirty="0">
+                <a:latin typeface="HY견고딕" panose="02030600000101010101" pitchFamily="18" charset="-127"/>
+                <a:ea typeface="HY견고딕" panose="02030600000101010101" pitchFamily="18" charset="-127"/>
+              </a:rPr>
+              <a:t>5. </a:t>
+            </a:r>
+            <a:r>
+              <a:rPr lang="ko-KR" altLang="en-US" sz="2000" dirty="0" err="1">
+                <a:latin typeface="HY견고딕" panose="02030600000101010101" pitchFamily="18" charset="-127"/>
+                <a:ea typeface="HY견고딕" panose="02030600000101010101" pitchFamily="18" charset="-127"/>
+              </a:rPr>
+              <a:t>데칼</a:t>
+            </a:r>
+            <a:r>
+              <a:rPr lang="ko-KR" altLang="en-US" sz="2000" dirty="0">
+                <a:latin typeface="HY견고딕" panose="02030600000101010101" pitchFamily="18" charset="-127"/>
+                <a:ea typeface="HY견고딕" panose="02030600000101010101" pitchFamily="18" charset="-127"/>
+              </a:rPr>
+              <a:t> 이미지</a:t>
+            </a:r>
+          </a:p>
+        </p:txBody>
+      </p:sp>
+      <p:sp>
+        <p:nvSpPr>
+          <p:cNvPr id="17" name="TextBox 16">
+            <a:extLst>
+              <a:ext uri="{FF2B5EF4-FFF2-40B4-BE49-F238E27FC236}">
+                <a16:creationId xmlns:a16="http://schemas.microsoft.com/office/drawing/2014/main" id="{7D8FF188-A240-47A9-9C4C-4140A11442ED}"/>
+              </a:ext>
+            </a:extLst>
+          </p:cNvPr>
           <p:cNvSpPr txBox="1"/>
           <p:nvPr/>
         </p:nvSpPr>
         <p:spPr>
           <a:xfrm>
-            <a:off x="1452479" y="2829314"/>
-            <a:ext cx="9525001" cy="541689"/>
-          </a:xfrm>
-          <a:prstGeom prst="rect">
-            <a:avLst/>
-          </a:prstGeom>
-        </p:spPr>
-        <p:txBody>
-          <a:bodyPr wrap="square">
+            <a:off x="2656597" y="4761256"/>
+            <a:ext cx="6878806" cy="646331"/>
+          </a:xfrm>
+          <a:prstGeom prst="rect">
+            <a:avLst/>
+          </a:prstGeom>
+          <a:noFill/>
+        </p:spPr>
+        <p:txBody>
+          <a:bodyPr wrap="none" rtlCol="0">
             <a:spAutoFit/>
           </a:bodyPr>
-          <a:p>
-            <a:pPr marL="0" indent="0" algn="l" defTabSz="914400" rtl="0" eaLnBrk="1" latinLnBrk="1" hangingPunct="1">
-              <a:lnSpc>
-                <a:spcPct val="100000"/>
-              </a:lnSpc>
-              <a:spcBef>
-                <a:spcPct val="0"/>
-              </a:spcBef>
-              <a:spcAft>
-                <a:spcPts val="0"/>
-              </a:spcAft>
-              <a:buNone/>
-              <a:defRPr/>
-            </a:pPr>
-            <a:r>
-              <a:rPr xmlns:mc="http://schemas.openxmlformats.org/markup-compatibility/2006" xmlns:hp="http://schemas.haansoft.com/office/presentation/8.0" kumimoji="0" lang="ko-KR" altLang="en-US" sz="3000" b="1" i="0" u="none" strike="noStrike" kern="1200" cap="none" spc="0" normalizeH="0" baseline="0" mc:Ignorable="hp" hp:hslEmbossed="0">
-                <a:solidFill>
-                  <a:srgbClr val="000000"/>
-                </a:solidFill>
-                <a:latin typeface="맑은 고딕"/>
-                <a:ea typeface="맑은 고딕"/>
-                <a:cs typeface="맑은 고딕"/>
-              </a:rPr>
-              <a:t>· </a:t>
-            </a:r>
-            <a:r>
-              <a:rPr xmlns:mc="http://schemas.openxmlformats.org/markup-compatibility/2006" xmlns:hp="http://schemas.haansoft.com/office/presentation/8.0" kumimoji="0" lang="en-US" altLang="ko-KR" sz="3000" b="1" i="0" u="none" strike="noStrike" kern="1200" cap="none" spc="0" normalizeH="0" baseline="0" mc:Ignorable="hp" hp:hslEmbossed="0">
-                <a:solidFill>
-                  <a:srgbClr val="000000"/>
-                </a:solidFill>
-                <a:latin typeface="맑은 고딕"/>
-                <a:ea typeface="맑은 고딕"/>
-                <a:cs typeface="맑은 고딕"/>
-              </a:rPr>
-              <a:t>‘IOCP</a:t>
-            </a:r>
-            <a:r>
-              <a:rPr xmlns:mc="http://schemas.openxmlformats.org/markup-compatibility/2006" xmlns:hp="http://schemas.haansoft.com/office/presentation/8.0" kumimoji="0" lang="ko-KR" altLang="en-US" sz="3000" b="1" i="0" u="none" strike="noStrike" kern="1200" cap="none" spc="0" normalizeH="0" baseline="0" mc:Ignorable="hp" hp:hslEmbossed="0">
-                <a:solidFill>
-                  <a:srgbClr val="000000"/>
-                </a:solidFill>
-                <a:latin typeface="맑은 고딕"/>
-                <a:ea typeface="맑은 고딕"/>
-                <a:cs typeface="맑은 고딕"/>
-              </a:rPr>
-              <a:t> 소켓 입출력 모델</a:t>
-            </a:r>
-            <a:r>
-              <a:rPr xmlns:mc="http://schemas.openxmlformats.org/markup-compatibility/2006" xmlns:hp="http://schemas.haansoft.com/office/presentation/8.0" kumimoji="0" lang="en-US" altLang="ko-KR" sz="3000" b="1" i="0" u="none" strike="noStrike" kern="1200" cap="none" spc="0" normalizeH="0" baseline="0" mc:Ignorable="hp" hp:hslEmbossed="0">
-                <a:solidFill>
-                  <a:srgbClr val="000000"/>
-                </a:solidFill>
-                <a:latin typeface="맑은 고딕"/>
-                <a:ea typeface="맑은 고딕"/>
-                <a:cs typeface="맑은 고딕"/>
-              </a:rPr>
-              <a:t>’</a:t>
-            </a:r>
-            <a:r>
-              <a:rPr xmlns:mc="http://schemas.openxmlformats.org/markup-compatibility/2006" xmlns:hp="http://schemas.haansoft.com/office/presentation/8.0" kumimoji="0" lang="ko-KR" altLang="en-US" sz="3000" b="1" i="0" u="none" strike="noStrike" kern="1200" cap="none" spc="0" normalizeH="0" baseline="0" mc:Ignorable="hp" hp:hslEmbossed="0">
-                <a:solidFill>
-                  <a:srgbClr val="000000"/>
-                </a:solidFill>
-                <a:latin typeface="맑은 고딕"/>
-                <a:ea typeface="맑은 고딕"/>
-                <a:cs typeface="맑은 고딕"/>
-              </a:rPr>
-              <a:t>을 통한 다중 접속 서버</a:t>
-            </a:r>
-            <a:endParaRPr xmlns:mc="http://schemas.openxmlformats.org/markup-compatibility/2006" xmlns:hp="http://schemas.haansoft.com/office/presentation/8.0" kumimoji="0" lang="ko-KR" altLang="en-US" sz="3000" b="1" i="0" u="none" strike="noStrike" kern="1200" cap="none" spc="0" normalizeH="0" baseline="0" mc:Ignorable="hp" hp:hslEmbossed="0">
-              <a:solidFill>
-                <a:srgbClr val="000000"/>
-              </a:solidFill>
-              <a:latin typeface="맑은 고딕"/>
-              <a:ea typeface="맑은 고딕"/>
-              <a:cs typeface="맑은 고딕"/>
+          <a:lstStyle/>
+          <a:p>
+            <a:pPr algn="ctr"/>
+            <a:r>
+              <a:rPr lang="ko-KR" altLang="en-US" dirty="0" err="1">
+                <a:latin typeface="HY견고딕" panose="02030600000101010101" pitchFamily="18" charset="-127"/>
+                <a:ea typeface="HY견고딕" panose="02030600000101010101" pitchFamily="18" charset="-127"/>
+              </a:rPr>
+              <a:t>데칼</a:t>
+            </a:r>
+            <a:r>
+              <a:rPr lang="ko-KR" altLang="en-US" dirty="0">
+                <a:latin typeface="HY견고딕" panose="02030600000101010101" pitchFamily="18" charset="-127"/>
+                <a:ea typeface="HY견고딕" panose="02030600000101010101" pitchFamily="18" charset="-127"/>
+              </a:rPr>
+              <a:t> 이미지를 통하여 지형 오브젝트 등에 </a:t>
+            </a:r>
+            <a:r>
+              <a:rPr lang="ko-KR" altLang="en-US" dirty="0" err="1">
+                <a:latin typeface="HY견고딕" panose="02030600000101010101" pitchFamily="18" charset="-127"/>
+                <a:ea typeface="HY견고딕" panose="02030600000101010101" pitchFamily="18" charset="-127"/>
+              </a:rPr>
+              <a:t>음푹</a:t>
+            </a:r>
+            <a:r>
+              <a:rPr lang="ko-KR" altLang="en-US" dirty="0">
+                <a:latin typeface="HY견고딕" panose="02030600000101010101" pitchFamily="18" charset="-127"/>
+                <a:ea typeface="HY견고딕" panose="02030600000101010101" pitchFamily="18" charset="-127"/>
+              </a:rPr>
+              <a:t> 패인 이미지 등을</a:t>
+            </a:r>
+            <a:endParaRPr lang="en-US" altLang="ko-KR" dirty="0">
+              <a:latin typeface="HY견고딕" panose="02030600000101010101" pitchFamily="18" charset="-127"/>
+              <a:ea typeface="HY견고딕" panose="02030600000101010101" pitchFamily="18" charset="-127"/>
             </a:endParaRPr>
           </a:p>
-        </p:txBody>
-      </p:sp>
-      <p:sp>
-        <p:nvSpPr>
-          <p:cNvPr id="10" name=""/>
-          <p:cNvSpPr txBox="1"/>
-          <p:nvPr/>
-        </p:nvSpPr>
-        <p:spPr>
-          <a:xfrm>
-            <a:off x="1452479" y="4775032"/>
-            <a:ext cx="8338555" cy="547538"/>
-          </a:xfrm>
-          <a:prstGeom prst="rect">
-            <a:avLst/>
-          </a:prstGeom>
-        </p:spPr>
-        <p:txBody>
-          <a:bodyPr wrap="square">
-            <a:spAutoFit/>
-          </a:bodyPr>
-          <a:p>
-            <a:pPr marL="0" indent="0" algn="l" defTabSz="914400" rtl="0" eaLnBrk="1" latinLnBrk="1" hangingPunct="1">
-              <a:lnSpc>
-                <a:spcPct val="100000"/>
-              </a:lnSpc>
-              <a:spcBef>
-                <a:spcPct val="0"/>
-              </a:spcBef>
-              <a:spcAft>
-                <a:spcPts val="0"/>
-              </a:spcAft>
-              <a:buNone/>
-              <a:defRPr/>
-            </a:pPr>
-            <a:r>
-              <a:rPr xmlns:mc="http://schemas.openxmlformats.org/markup-compatibility/2006" xmlns:hp="http://schemas.haansoft.com/office/presentation/8.0" kumimoji="0" lang="ko-KR" altLang="en-US" sz="3000" b="1" i="0" u="none" strike="noStrike" kern="1200" cap="none" spc="0" normalizeH="0" baseline="0" mc:Ignorable="hp" hp:hslEmbossed="0">
-                <a:solidFill>
-                  <a:srgbClr val="000000"/>
-                </a:solidFill>
-                <a:latin typeface="맑은 고딕"/>
-                <a:ea typeface="맑은 고딕"/>
-                <a:cs typeface="맑은 고딕"/>
-              </a:rPr>
-              <a:t>· 플레이어 간의 시야 처리 및 충돌 처리</a:t>
-            </a:r>
-            <a:endParaRPr xmlns:mc="http://schemas.openxmlformats.org/markup-compatibility/2006" xmlns:hp="http://schemas.haansoft.com/office/presentation/8.0" kumimoji="0" lang="ko-KR" altLang="en-US" sz="3000" b="1" i="0" u="none" strike="noStrike" kern="1200" cap="none" spc="0" normalizeH="0" baseline="0" mc:Ignorable="hp" hp:hslEmbossed="0">
-              <a:solidFill>
-                <a:srgbClr val="000000"/>
-              </a:solidFill>
-              <a:latin typeface="맑은 고딕"/>
-              <a:ea typeface="맑은 고딕"/>
-              <a:cs typeface="맑은 고딕"/>
-            </a:endParaRPr>
-          </a:p>
-        </p:txBody>
-      </p:sp>
-      <p:sp>
-        <p:nvSpPr>
-          <p:cNvPr id="11" name=""/>
-          <p:cNvSpPr txBox="1"/>
-          <p:nvPr/>
-        </p:nvSpPr>
-        <p:spPr>
-          <a:xfrm>
-            <a:off x="1452479" y="3801922"/>
-            <a:ext cx="8338555" cy="542191"/>
-          </a:xfrm>
-          <a:prstGeom prst="rect">
-            <a:avLst/>
-          </a:prstGeom>
-        </p:spPr>
-        <p:txBody>
-          <a:bodyPr wrap="square">
-            <a:spAutoFit/>
-          </a:bodyPr>
-          <a:p>
-            <a:pPr marL="0" indent="0" algn="l" defTabSz="914400" rtl="0" eaLnBrk="1" latinLnBrk="1" hangingPunct="1">
-              <a:lnSpc>
-                <a:spcPct val="100000"/>
-              </a:lnSpc>
-              <a:spcBef>
-                <a:spcPct val="0"/>
-              </a:spcBef>
-              <a:spcAft>
-                <a:spcPts val="0"/>
-              </a:spcAft>
-              <a:buNone/>
-              <a:defRPr/>
-            </a:pPr>
-            <a:r>
-              <a:rPr xmlns:mc="http://schemas.openxmlformats.org/markup-compatibility/2006" xmlns:hp="http://schemas.haansoft.com/office/presentation/8.0" kumimoji="0" lang="ko-KR" altLang="en-US" sz="3000" b="1" i="0" u="none" strike="noStrike" kern="1200" cap="none" spc="0" normalizeH="0" baseline="0" mc:Ignorable="hp" hp:hslEmbossed="0">
-                <a:solidFill>
-                  <a:srgbClr val="000000"/>
-                </a:solidFill>
-                <a:latin typeface="맑은 고딕"/>
-                <a:ea typeface="맑은 고딕"/>
-                <a:cs typeface="맑은 고딕"/>
-              </a:rPr>
-              <a:t>· </a:t>
-            </a:r>
-            <a:r>
-              <a:rPr xmlns:mc="http://schemas.openxmlformats.org/markup-compatibility/2006" xmlns:hp="http://schemas.haansoft.com/office/presentation/8.0" kumimoji="0" lang="en-US" altLang="ko-KR" sz="3000" b="1" i="0" u="none" strike="noStrike" kern="1200" cap="none" spc="0" normalizeH="0" baseline="0" mc:Ignorable="hp" hp:hslEmbossed="0">
-                <a:solidFill>
-                  <a:srgbClr val="000000"/>
-                </a:solidFill>
-                <a:latin typeface="맑은 고딕"/>
-                <a:ea typeface="맑은 고딕"/>
-                <a:cs typeface="맑은 고딕"/>
-              </a:rPr>
-              <a:t>‘</a:t>
-            </a:r>
-            <a:r>
-              <a:rPr xmlns:mc="http://schemas.openxmlformats.org/markup-compatibility/2006" xmlns:hp="http://schemas.haansoft.com/office/presentation/8.0" kumimoji="0" lang="ko-KR" altLang="en-US" sz="3000" b="1" i="0" u="none" strike="noStrike" kern="1200" cap="none" spc="0" normalizeH="0" baseline="0" mc:Ignorable="hp" hp:hslEmbossed="0">
-                <a:solidFill>
-                  <a:srgbClr val="000000"/>
-                </a:solidFill>
-                <a:latin typeface="맑은 고딕"/>
-                <a:ea typeface="맑은 고딕"/>
-                <a:cs typeface="맑은 고딕"/>
-              </a:rPr>
-              <a:t>데드레커닝</a:t>
-            </a:r>
-            <a:r>
-              <a:rPr xmlns:mc="http://schemas.openxmlformats.org/markup-compatibility/2006" xmlns:hp="http://schemas.haansoft.com/office/presentation/8.0" kumimoji="0" lang="en-US" altLang="ko-KR" sz="3000" b="1" i="0" u="none" strike="noStrike" kern="1200" cap="none" spc="0" normalizeH="0" baseline="0" mc:Ignorable="hp" hp:hslEmbossed="0">
-                <a:solidFill>
-                  <a:srgbClr val="000000"/>
-                </a:solidFill>
-                <a:latin typeface="맑은 고딕"/>
-                <a:ea typeface="맑은 고딕"/>
-                <a:cs typeface="맑은 고딕"/>
-              </a:rPr>
-              <a:t>’</a:t>
-            </a:r>
-            <a:r>
-              <a:rPr xmlns:mc="http://schemas.openxmlformats.org/markup-compatibility/2006" xmlns:hp="http://schemas.haansoft.com/office/presentation/8.0" kumimoji="0" lang="ko-KR" altLang="en-US" sz="3000" b="1" i="0" u="none" strike="noStrike" kern="1200" cap="none" spc="0" normalizeH="0" baseline="0" mc:Ignorable="hp" hp:hslEmbossed="0">
-                <a:solidFill>
-                  <a:srgbClr val="000000"/>
-                </a:solidFill>
-                <a:latin typeface="맑은 고딕"/>
-                <a:ea typeface="맑은 고딕"/>
-                <a:cs typeface="맑은 고딕"/>
-              </a:rPr>
-              <a:t>기법을 적용한 이동</a:t>
-            </a:r>
-            <a:endParaRPr xmlns:mc="http://schemas.openxmlformats.org/markup-compatibility/2006" xmlns:hp="http://schemas.haansoft.com/office/presentation/8.0" kumimoji="0" lang="ko-KR" altLang="en-US" sz="3000" b="1" i="0" u="none" strike="noStrike" kern="1200" cap="none" spc="0" normalizeH="0" baseline="0" mc:Ignorable="hp" hp:hslEmbossed="0">
-              <a:solidFill>
-                <a:srgbClr val="000000"/>
-              </a:solidFill>
-              <a:latin typeface="맑은 고딕"/>
-              <a:ea typeface="맑은 고딕"/>
-              <a:cs typeface="맑은 고딕"/>
-            </a:endParaRPr>
-          </a:p>
-        </p:txBody>
-      </p:sp>
+          <a:p>
+            <a:pPr algn="ctr"/>
+            <a:r>
+              <a:rPr lang="ko-KR" altLang="en-US" dirty="0">
+                <a:latin typeface="HY견고딕" panose="02030600000101010101" pitchFamily="18" charset="-127"/>
+                <a:ea typeface="HY견고딕" panose="02030600000101010101" pitchFamily="18" charset="-127"/>
+              </a:rPr>
+              <a:t>추가하여 플레이어에게 좀더 명확한 피드백을 제공</a:t>
+            </a:r>
+          </a:p>
+        </p:txBody>
+      </p:sp>
+      <p:pic>
+        <p:nvPicPr>
+          <p:cNvPr id="11" name="그림 10" descr="실내, 검은색, 대형, 방이(가) 표시된 사진&#10;&#10;자동 생성된 설명">
+            <a:extLst>
+              <a:ext uri="{FF2B5EF4-FFF2-40B4-BE49-F238E27FC236}">
+                <a16:creationId xmlns:a16="http://schemas.microsoft.com/office/drawing/2014/main" id="{D141A138-F042-4668-8D3E-01965F00DD70}"/>
+              </a:ext>
+            </a:extLst>
+          </p:cNvPr>
+          <p:cNvPicPr>
+            <a:picLocks noChangeAspect="1"/>
+          </p:cNvPicPr>
+          <p:nvPr/>
+        </p:nvPicPr>
+        <p:blipFill>
+          <a:blip r:embed="rId2">
+            <a:extLst>
+              <a:ext uri="{28A0092B-C50C-407E-A947-70E740481C1C}">
+                <a14:useLocalDpi xmlns:a14="http://schemas.microsoft.com/office/drawing/2010/main" val="0"/>
+              </a:ext>
+            </a:extLst>
+          </a:blip>
+          <a:stretch>
+            <a:fillRect/>
+          </a:stretch>
+        </p:blipFill>
+        <p:spPr>
+          <a:xfrm>
+            <a:off x="6095999" y="2396663"/>
+            <a:ext cx="3586426" cy="1996218"/>
+          </a:xfrm>
+          <a:prstGeom prst="rect">
+            <a:avLst/>
+          </a:prstGeom>
+        </p:spPr>
+      </p:pic>
+      <p:pic>
+        <p:nvPicPr>
+          <p:cNvPr id="18" name="그림 17" descr="실내, 바닥, 테이블, 카페트이(가) 표시된 사진&#10;&#10;자동 생성된 설명">
+            <a:extLst>
+              <a:ext uri="{FF2B5EF4-FFF2-40B4-BE49-F238E27FC236}">
+                <a16:creationId xmlns:a16="http://schemas.microsoft.com/office/drawing/2014/main" id="{83824680-4944-4312-909C-535D61E724FB}"/>
+              </a:ext>
+            </a:extLst>
+          </p:cNvPr>
+          <p:cNvPicPr>
+            <a:picLocks noChangeAspect="1"/>
+          </p:cNvPicPr>
+          <p:nvPr/>
+        </p:nvPicPr>
+        <p:blipFill>
+          <a:blip r:embed="rId3">
+            <a:extLst>
+              <a:ext uri="{28A0092B-C50C-407E-A947-70E740481C1C}">
+                <a14:useLocalDpi xmlns:a14="http://schemas.microsoft.com/office/drawing/2010/main" val="0"/>
+              </a:ext>
+            </a:extLst>
+          </a:blip>
+          <a:stretch>
+            <a:fillRect/>
+          </a:stretch>
+        </p:blipFill>
+        <p:spPr>
+          <a:xfrm>
+            <a:off x="2729899" y="2392335"/>
+            <a:ext cx="3106969" cy="2004874"/>
+          </a:xfrm>
+          <a:prstGeom prst="rect">
+            <a:avLst/>
+          </a:prstGeom>
+        </p:spPr>
+      </p:pic>
     </p:spTree>
+    <p:extLst>
+      <p:ext uri="{BB962C8B-B14F-4D97-AF65-F5344CB8AC3E}">
+        <p14:creationId xmlns:p14="http://schemas.microsoft.com/office/powerpoint/2010/main" val="3299542492"/>
+      </p:ext>
+    </p:extLst>
   </p:cSld>
   <p:clrMapOvr>
     <a:masterClrMapping/>
   </p:clrMapOvr>
-  <mc:AlternateContent xmlns:mc="http://schemas.openxmlformats.org/markup-compatibility/2006">
-    <mc:Choice xmlns:p14="http://schemas.microsoft.com/office/powerpoint/2010/main" Requires="p14">
-      <p:transition xmlns:mc="http://schemas.openxmlformats.org/markup-compatibility/2006" xmlns:p14="http://schemas.microsoft.com/office/powerpoint/2010/main" mc:Ignorable="p14" p14:dur="500"/>
-    </mc:Choice>
-    <mc:Fallback>
-      <p:transition/>
-    </mc:Fallback>
-  </mc:AlternateContent>
 </p:sld>
 </file>
 
@@ -5423,16 +5614,8 @@
       </p:grpSpPr>
       <p:cxnSp>
         <p:nvCxnSpPr>
-          <p:cNvPr id="2" name="직선 연결선 1">
-            <a:extLst>
-              <a:ext uri="{FF2B5EF4-FFF2-40B4-BE49-F238E27FC236}">
-                <a16:creationId xmlns:a16="http://schemas.microsoft.com/office/drawing/2014/main" id="{F489D314-C637-4E9E-947D-448763FA3CE1}"/>
-              </a:ext>
-            </a:extLst>
-          </p:cNvPr>
-          <p:cNvCxnSpPr>
-            <a:cxnSpLocks/>
-          </p:cNvCxnSpPr>
+          <p:cNvPr id="2" name="직선 연결선 1"/>
+          <p:cNvCxnSpPr/>
           <p:nvPr/>
         </p:nvCxnSpPr>
         <p:spPr>
@@ -5466,20 +5649,14 @@
       </p:cxnSp>
       <p:sp>
         <p:nvSpPr>
-          <p:cNvPr id="3" name="TextBox 2">
-            <a:extLst>
-              <a:ext uri="{FF2B5EF4-FFF2-40B4-BE49-F238E27FC236}">
-                <a16:creationId xmlns:a16="http://schemas.microsoft.com/office/drawing/2014/main" id="{D5266936-5F5A-4942-B5DC-638A5ECB4501}"/>
-              </a:ext>
-            </a:extLst>
-          </p:cNvPr>
+          <p:cNvPr id="3" name="TextBox 2"/>
           <p:cNvSpPr txBox="1"/>
           <p:nvPr/>
         </p:nvSpPr>
         <p:spPr>
           <a:xfrm>
             <a:off x="1347787" y="876597"/>
-            <a:ext cx="3605474" cy="707886"/>
+            <a:ext cx="3433953" cy="707886"/>
           </a:xfrm>
           <a:prstGeom prst="rect">
             <a:avLst/>
@@ -5487,30 +5664,27 @@
           <a:noFill/>
         </p:spPr>
         <p:txBody>
-          <a:bodyPr wrap="none" rtlCol="0">
+          <a:bodyPr wrap="none">
             <a:spAutoFit/>
           </a:bodyPr>
           <a:lstStyle/>
           <a:p>
-            <a:r>
-              <a:rPr lang="ko-KR" altLang="en-US" sz="4000" dirty="0">
-                <a:latin typeface="HY헤드라인M" panose="02030600000101010101" pitchFamily="18" charset="-127"/>
-                <a:ea typeface="HY헤드라인M" panose="02030600000101010101" pitchFamily="18" charset="-127"/>
-              </a:rPr>
-              <a:t>중점 연구 분야</a:t>
-            </a:r>
-          </a:p>
-        </p:txBody>
-      </p:sp>
-      <p:sp>
-        <p:nvSpPr>
-          <p:cNvPr id="4" name="TextBox 3">
-            <a:extLst>
-              <a:ext uri="{FF2B5EF4-FFF2-40B4-BE49-F238E27FC236}">
-                <a16:creationId xmlns:a16="http://schemas.microsoft.com/office/drawing/2014/main" id="{BF07602F-6AE9-44B4-BE0F-55FE2EDFDD1C}"/>
-              </a:ext>
-            </a:extLst>
-          </p:cNvPr>
+            <a:pPr lvl="0">
+              <a:defRPr/>
+            </a:pPr>
+            <a:r>
+              <a:rPr lang="ko-KR" altLang="en-US" sz="4000">
+                <a:latin typeface="HY헤드라인M"/>
+                <a:ea typeface="HY헤드라인M"/>
+              </a:rPr>
+              <a:t>서버 기술요소</a:t>
+            </a:r>
+          </a:p>
+        </p:txBody>
+      </p:sp>
+      <p:sp>
+        <p:nvSpPr>
+          <p:cNvPr id="4" name="TextBox 3"/>
           <p:cNvSpPr txBox="1"/>
           <p:nvPr/>
         </p:nvSpPr>
@@ -5525,55 +5699,52 @@
           <a:noFill/>
         </p:spPr>
         <p:txBody>
-          <a:bodyPr wrap="none" rtlCol="0">
+          <a:bodyPr wrap="none">
             <a:spAutoFit/>
           </a:bodyPr>
           <a:lstStyle/>
           <a:p>
-            <a:r>
-              <a:rPr lang="en-US" altLang="ko-KR" sz="2800" dirty="0">
-                <a:latin typeface="HY헤드라인M" panose="02030600000101010101" pitchFamily="18" charset="-127"/>
-                <a:ea typeface="HY헤드라인M" panose="02030600000101010101" pitchFamily="18" charset="-127"/>
+            <a:pPr lvl="0">
+              <a:defRPr/>
+            </a:pPr>
+            <a:r>
+              <a:rPr lang="en-US" altLang="ko-KR" sz="2800">
+                <a:latin typeface="HY헤드라인M"/>
+                <a:ea typeface="HY헤드라인M"/>
               </a:rPr>
               <a:t>The Island</a:t>
             </a:r>
             <a:r>
-              <a:rPr lang="en-US" altLang="ko-KR" sz="1050" dirty="0">
-                <a:latin typeface="HY헤드라인M" panose="02030600000101010101" pitchFamily="18" charset="-127"/>
-                <a:ea typeface="HY헤드라인M" panose="02030600000101010101" pitchFamily="18" charset="-127"/>
+              <a:rPr lang="en-US" altLang="ko-KR" sz="1050">
+                <a:latin typeface="HY헤드라인M"/>
+                <a:ea typeface="HY헤드라인M"/>
               </a:rPr>
               <a:t>(</a:t>
             </a:r>
             <a:r>
-              <a:rPr lang="ko-KR" altLang="en-US" sz="1050" dirty="0">
-                <a:latin typeface="HY헤드라인M" panose="02030600000101010101" pitchFamily="18" charset="-127"/>
-                <a:ea typeface="HY헤드라인M" panose="02030600000101010101" pitchFamily="18" charset="-127"/>
+              <a:rPr lang="ko-KR" altLang="en-US" sz="1050">
+                <a:latin typeface="HY헤드라인M"/>
+                <a:ea typeface="HY헤드라인M"/>
               </a:rPr>
               <a:t>가제</a:t>
             </a:r>
             <a:r>
-              <a:rPr lang="en-US" altLang="ko-KR" sz="1050" dirty="0">
-                <a:latin typeface="HY헤드라인M" panose="02030600000101010101" pitchFamily="18" charset="-127"/>
-                <a:ea typeface="HY헤드라인M" panose="02030600000101010101" pitchFamily="18" charset="-127"/>
+              <a:rPr lang="en-US" altLang="ko-KR" sz="1050">
+                <a:latin typeface="HY헤드라인M"/>
+                <a:ea typeface="HY헤드라인M"/>
               </a:rPr>
               <a:t>)</a:t>
             </a:r>
-            <a:endParaRPr lang="ko-KR" altLang="en-US" sz="2800" dirty="0">
-              <a:latin typeface="HY헤드라인M" panose="02030600000101010101" pitchFamily="18" charset="-127"/>
-              <a:ea typeface="HY헤드라인M" panose="02030600000101010101" pitchFamily="18" charset="-127"/>
+            <a:endParaRPr lang="ko-KR" altLang="en-US" sz="2800">
+              <a:latin typeface="HY헤드라인M"/>
+              <a:ea typeface="HY헤드라인M"/>
             </a:endParaRPr>
           </a:p>
         </p:txBody>
       </p:sp>
       <p:sp>
         <p:nvSpPr>
-          <p:cNvPr id="5" name="TextBox 4">
-            <a:extLst>
-              <a:ext uri="{FF2B5EF4-FFF2-40B4-BE49-F238E27FC236}">
-                <a16:creationId xmlns:a16="http://schemas.microsoft.com/office/drawing/2014/main" id="{8B8A36FB-13F6-49E8-A86D-6CF420F297BC}"/>
-              </a:ext>
-            </a:extLst>
-          </p:cNvPr>
+          <p:cNvPr id="5" name="TextBox 4"/>
           <p:cNvSpPr txBox="1"/>
           <p:nvPr/>
         </p:nvSpPr>
@@ -5588,40 +5759,37 @@
           <a:noFill/>
         </p:spPr>
         <p:txBody>
-          <a:bodyPr wrap="none" rtlCol="0">
+          <a:bodyPr wrap="none">
             <a:spAutoFit/>
           </a:bodyPr>
           <a:lstStyle/>
           <a:p>
-            <a:r>
-              <a:rPr lang="en-US" altLang="ko-KR" sz="4400" dirty="0">
+            <a:pPr lvl="0">
+              <a:defRPr/>
+            </a:pPr>
+            <a:r>
+              <a:rPr lang="en-US" altLang="ko-KR" sz="4400">
                 <a:solidFill>
                   <a:schemeClr val="accent1"/>
                 </a:solidFill>
-                <a:latin typeface="HY헤드라인M" panose="02030600000101010101" pitchFamily="18" charset="-127"/>
-                <a:ea typeface="HY헤드라인M" panose="02030600000101010101" pitchFamily="18" charset="-127"/>
+                <a:latin typeface="HY헤드라인M"/>
+                <a:ea typeface="HY헤드라인M"/>
               </a:rPr>
               <a:t>HOW</a:t>
             </a:r>
-            <a:endParaRPr lang="ko-KR" altLang="en-US" sz="4400" dirty="0">
+            <a:endParaRPr lang="ko-KR" altLang="en-US" sz="4400">
               <a:solidFill>
                 <a:schemeClr val="accent1"/>
               </a:solidFill>
-              <a:latin typeface="HY헤드라인M" panose="02030600000101010101" pitchFamily="18" charset="-127"/>
-              <a:ea typeface="HY헤드라인M" panose="02030600000101010101" pitchFamily="18" charset="-127"/>
+              <a:latin typeface="HY헤드라인M"/>
+              <a:ea typeface="HY헤드라인M"/>
             </a:endParaRPr>
           </a:p>
         </p:txBody>
       </p:sp>
       <p:sp>
         <p:nvSpPr>
-          <p:cNvPr id="6" name="TextBox 5">
-            <a:extLst>
-              <a:ext uri="{FF2B5EF4-FFF2-40B4-BE49-F238E27FC236}">
-                <a16:creationId xmlns:a16="http://schemas.microsoft.com/office/drawing/2014/main" id="{30644E1A-CD8E-4E97-B44E-498BA04E0B37}"/>
-              </a:ext>
-            </a:extLst>
-          </p:cNvPr>
+          <p:cNvPr id="6" name="TextBox 5"/>
           <p:cNvSpPr txBox="1"/>
           <p:nvPr/>
         </p:nvSpPr>
@@ -5636,37 +5804,32 @@
           <a:noFill/>
         </p:spPr>
         <p:txBody>
-          <a:bodyPr wrap="none" rtlCol="0">
+          <a:bodyPr wrap="none">
             <a:spAutoFit/>
           </a:bodyPr>
           <a:lstStyle/>
           <a:p>
+            <a:pPr lvl="0">
+              <a:defRPr/>
+            </a:pPr>
             <a:r>
               <a:rPr lang="en-US" altLang="ko-KR" dirty="0">
-                <a:latin typeface="HY헤드라인M" panose="02030600000101010101" pitchFamily="18" charset="-127"/>
-                <a:ea typeface="HY헤드라인M" panose="02030600000101010101" pitchFamily="18" charset="-127"/>
+                <a:latin typeface="HY헤드라인M"/>
+                <a:ea typeface="HY헤드라인M"/>
               </a:rPr>
               <a:t>13/..</a:t>
             </a:r>
             <a:endParaRPr lang="ko-KR" altLang="en-US" dirty="0">
-              <a:latin typeface="HY헤드라인M" panose="02030600000101010101" pitchFamily="18" charset="-127"/>
-              <a:ea typeface="HY헤드라인M" panose="02030600000101010101" pitchFamily="18" charset="-127"/>
+              <a:latin typeface="HY헤드라인M"/>
+              <a:ea typeface="HY헤드라인M"/>
             </a:endParaRPr>
           </a:p>
         </p:txBody>
       </p:sp>
       <p:cxnSp>
         <p:nvCxnSpPr>
-          <p:cNvPr id="7" name="직선 연결선 6">
-            <a:extLst>
-              <a:ext uri="{FF2B5EF4-FFF2-40B4-BE49-F238E27FC236}">
-                <a16:creationId xmlns:a16="http://schemas.microsoft.com/office/drawing/2014/main" id="{1213C020-10BD-47FA-8004-EF392DA9F117}"/>
-              </a:ext>
-            </a:extLst>
-          </p:cNvPr>
-          <p:cNvCxnSpPr>
-            <a:cxnSpLocks/>
-          </p:cNvCxnSpPr>
+          <p:cNvPr id="7" name="직선 연결선 6"/>
+          <p:cNvCxnSpPr/>
           <p:nvPr/>
         </p:nvCxnSpPr>
         <p:spPr>
@@ -5700,555 +5863,325 @@
       </p:cxnSp>
       <p:sp>
         <p:nvSpPr>
-          <p:cNvPr id="8" name="TextBox 7">
-            <a:extLst>
-              <a:ext uri="{FF2B5EF4-FFF2-40B4-BE49-F238E27FC236}">
-                <a16:creationId xmlns:a16="http://schemas.microsoft.com/office/drawing/2014/main" id="{7A612A51-3AF6-43F8-BC7C-00E4C9F335CF}"/>
-              </a:ext>
-            </a:extLst>
-          </p:cNvPr>
+          <p:cNvPr id="8" name="TextBox 7"/>
           <p:cNvSpPr txBox="1"/>
           <p:nvPr/>
         </p:nvSpPr>
         <p:spPr>
           <a:xfrm>
-            <a:off x="2729897" y="2143002"/>
-            <a:ext cx="954107" cy="400110"/>
-          </a:xfrm>
-          <a:prstGeom prst="rect">
-            <a:avLst/>
-          </a:prstGeom>
-          <a:noFill/>
-        </p:spPr>
-        <p:txBody>
-          <a:bodyPr wrap="none" rtlCol="0">
+            <a:off x="1504730" y="1997901"/>
+            <a:ext cx="9491580" cy="523220"/>
+          </a:xfrm>
+          <a:prstGeom prst="rect">
+            <a:avLst/>
+          </a:prstGeom>
+        </p:spPr>
+        <p:txBody>
+          <a:bodyPr wrap="square">
             <a:spAutoFit/>
           </a:bodyPr>
           <a:lstStyle/>
           <a:p>
-            <a:pPr algn="ctr"/>
-            <a:r>
-              <a:rPr lang="ko-KR" altLang="en-US" sz="2000" dirty="0" err="1">
-                <a:latin typeface="HY견고딕" panose="02030600000101010101" pitchFamily="18" charset="-127"/>
-                <a:ea typeface="HY견고딕" panose="02030600000101010101" pitchFamily="18" charset="-127"/>
-              </a:rPr>
-              <a:t>김하윤</a:t>
-            </a:r>
-            <a:endParaRPr lang="ko-KR" altLang="en-US" sz="2000" dirty="0">
-              <a:latin typeface="HY견고딕" panose="02030600000101010101" pitchFamily="18" charset="-127"/>
-              <a:ea typeface="HY견고딕" panose="02030600000101010101" pitchFamily="18" charset="-127"/>
-            </a:endParaRPr>
-          </a:p>
-        </p:txBody>
-      </p:sp>
-      <p:sp>
-        <p:nvSpPr>
-          <p:cNvPr id="9" name="TextBox 8">
-            <a:extLst>
-              <a:ext uri="{FF2B5EF4-FFF2-40B4-BE49-F238E27FC236}">
-                <a16:creationId xmlns:a16="http://schemas.microsoft.com/office/drawing/2014/main" id="{35819DF1-8655-4F12-8239-2F1D457A33EB}"/>
-              </a:ext>
-            </a:extLst>
-          </p:cNvPr>
+            <a:pPr marL="0" indent="0" algn="l" defTabSz="914400" rtl="0" eaLnBrk="1" latinLnBrk="1" hangingPunct="1">
+              <a:lnSpc>
+                <a:spcPct val="100000"/>
+              </a:lnSpc>
+              <a:spcBef>
+                <a:spcPct val="0"/>
+              </a:spcBef>
+              <a:spcAft>
+                <a:spcPts val="0"/>
+              </a:spcAft>
+              <a:buNone/>
+              <a:defRPr/>
+            </a:pPr>
+            <a:r>
+              <a:rPr kumimoji="0" lang="ko-KR" altLang="en-US" sz="2800" i="0" u="none" strike="noStrike" kern="1200" cap="none" spc="0" normalizeH="0" baseline="0" dirty="0">
+                <a:solidFill>
+                  <a:srgbClr val="000000"/>
+                </a:solidFill>
+                <a:latin typeface="HY견고딕" panose="02030600000101010101" pitchFamily="18" charset="-127"/>
+                <a:ea typeface="HY견고딕" panose="02030600000101010101" pitchFamily="18" charset="-127"/>
+                <a:cs typeface="맑은 고딕"/>
+              </a:rPr>
+              <a:t>· </a:t>
+            </a:r>
+            <a:r>
+              <a:rPr lang="en-US" altLang="ko-KR" sz="2800" dirty="0">
+                <a:latin typeface="HY견고딕" panose="02030600000101010101" pitchFamily="18" charset="-127"/>
+                <a:ea typeface="HY견고딕" panose="02030600000101010101" pitchFamily="18" charset="-127"/>
+              </a:rPr>
+              <a:t>3D</a:t>
+            </a:r>
+            <a:r>
+              <a:rPr lang="ko-KR" altLang="en-US" sz="2800" dirty="0">
+                <a:latin typeface="HY견고딕" panose="02030600000101010101" pitchFamily="18" charset="-127"/>
+                <a:ea typeface="HY견고딕" panose="02030600000101010101" pitchFamily="18" charset="-127"/>
+              </a:rPr>
+              <a:t> 환경의 클라이언트</a:t>
+            </a:r>
+            <a:r>
+              <a:rPr lang="en-US" altLang="ko-KR" sz="2800" dirty="0">
+                <a:latin typeface="HY견고딕" panose="02030600000101010101" pitchFamily="18" charset="-127"/>
+                <a:ea typeface="HY견고딕" panose="02030600000101010101" pitchFamily="18" charset="-127"/>
+              </a:rPr>
+              <a:t>,</a:t>
+            </a:r>
+            <a:r>
+              <a:rPr lang="ko-KR" altLang="en-US" sz="2800" dirty="0">
+                <a:latin typeface="HY견고딕" panose="02030600000101010101" pitchFamily="18" charset="-127"/>
+                <a:ea typeface="HY견고딕" panose="02030600000101010101" pitchFamily="18" charset="-127"/>
+              </a:rPr>
+              <a:t> 서버간 네트워크 기능 숙달</a:t>
+            </a:r>
+          </a:p>
+        </p:txBody>
+      </p:sp>
+      <p:sp>
+        <p:nvSpPr>
+          <p:cNvPr id="9" name="TextBox 8"/>
           <p:cNvSpPr txBox="1"/>
           <p:nvPr/>
         </p:nvSpPr>
         <p:spPr>
           <a:xfrm>
-            <a:off x="5675370" y="2143002"/>
-            <a:ext cx="954107" cy="400110"/>
-          </a:xfrm>
-          <a:prstGeom prst="rect">
-            <a:avLst/>
-          </a:prstGeom>
-          <a:noFill/>
-        </p:spPr>
-        <p:txBody>
-          <a:bodyPr wrap="none" rtlCol="0">
+            <a:off x="1504730" y="2977360"/>
+            <a:ext cx="9525001" cy="523220"/>
+          </a:xfrm>
+          <a:prstGeom prst="rect">
+            <a:avLst/>
+          </a:prstGeom>
+        </p:spPr>
+        <p:txBody>
+          <a:bodyPr wrap="square">
             <a:spAutoFit/>
           </a:bodyPr>
           <a:lstStyle/>
           <a:p>
-            <a:pPr algn="ctr"/>
-            <a:r>
-              <a:rPr lang="ko-KR" altLang="en-US" sz="2000" dirty="0">
-                <a:latin typeface="HY견고딕" panose="02030600000101010101" pitchFamily="18" charset="-127"/>
-                <a:ea typeface="HY견고딕" panose="02030600000101010101" pitchFamily="18" charset="-127"/>
-              </a:rPr>
-              <a:t>이동규</a:t>
-            </a:r>
-          </a:p>
-        </p:txBody>
-      </p:sp>
-      <p:sp>
-        <p:nvSpPr>
-          <p:cNvPr id="10" name="TextBox 9">
-            <a:extLst>
-              <a:ext uri="{FF2B5EF4-FFF2-40B4-BE49-F238E27FC236}">
-                <a16:creationId xmlns:a16="http://schemas.microsoft.com/office/drawing/2014/main" id="{1C7B1DE1-3E0A-4AD9-915F-60585650B166}"/>
-              </a:ext>
-            </a:extLst>
-          </p:cNvPr>
+            <a:pPr marL="0" indent="0" algn="l" defTabSz="914400" rtl="0" eaLnBrk="1" latinLnBrk="1" hangingPunct="1">
+              <a:lnSpc>
+                <a:spcPct val="100000"/>
+              </a:lnSpc>
+              <a:spcBef>
+                <a:spcPct val="0"/>
+              </a:spcBef>
+              <a:spcAft>
+                <a:spcPts val="0"/>
+              </a:spcAft>
+              <a:buNone/>
+              <a:defRPr/>
+            </a:pPr>
+            <a:r>
+              <a:rPr kumimoji="0" lang="ko-KR" altLang="en-US" sz="2800" i="0" u="none" strike="noStrike" kern="1200" cap="none" spc="0" normalizeH="0" baseline="0" dirty="0">
+                <a:solidFill>
+                  <a:srgbClr val="000000"/>
+                </a:solidFill>
+                <a:latin typeface="HY견고딕" panose="02030600000101010101" pitchFamily="18" charset="-127"/>
+                <a:ea typeface="HY견고딕" panose="02030600000101010101" pitchFamily="18" charset="-127"/>
+                <a:cs typeface="맑은 고딕"/>
+              </a:rPr>
+              <a:t>· </a:t>
+            </a:r>
+            <a:r>
+              <a:rPr kumimoji="0" lang="en-US" altLang="ko-KR" sz="2800" i="0" u="none" strike="noStrike" kern="1200" cap="none" spc="0" normalizeH="0" baseline="0" dirty="0">
+                <a:solidFill>
+                  <a:srgbClr val="000000"/>
+                </a:solidFill>
+                <a:latin typeface="HY견고딕" panose="02030600000101010101" pitchFamily="18" charset="-127"/>
+                <a:ea typeface="HY견고딕" panose="02030600000101010101" pitchFamily="18" charset="-127"/>
+                <a:cs typeface="맑은 고딕"/>
+              </a:rPr>
+              <a:t>‘IOCP</a:t>
+            </a:r>
+            <a:r>
+              <a:rPr kumimoji="0" lang="ko-KR" altLang="en-US" sz="2800" i="0" u="none" strike="noStrike" kern="1200" cap="none" spc="0" normalizeH="0" baseline="0" dirty="0">
+                <a:solidFill>
+                  <a:srgbClr val="000000"/>
+                </a:solidFill>
+                <a:latin typeface="HY견고딕" panose="02030600000101010101" pitchFamily="18" charset="-127"/>
+                <a:ea typeface="HY견고딕" panose="02030600000101010101" pitchFamily="18" charset="-127"/>
+                <a:cs typeface="맑은 고딕"/>
+              </a:rPr>
+              <a:t> 소켓 입출력 모델</a:t>
+            </a:r>
+            <a:r>
+              <a:rPr kumimoji="0" lang="en-US" altLang="ko-KR" sz="2800" i="0" u="none" strike="noStrike" kern="1200" cap="none" spc="0" normalizeH="0" baseline="0" dirty="0">
+                <a:solidFill>
+                  <a:srgbClr val="000000"/>
+                </a:solidFill>
+                <a:latin typeface="HY견고딕" panose="02030600000101010101" pitchFamily="18" charset="-127"/>
+                <a:ea typeface="HY견고딕" panose="02030600000101010101" pitchFamily="18" charset="-127"/>
+                <a:cs typeface="맑은 고딕"/>
+              </a:rPr>
+              <a:t>’</a:t>
+            </a:r>
+            <a:r>
+              <a:rPr kumimoji="0" lang="ko-KR" altLang="en-US" sz="2800" i="0" u="none" strike="noStrike" kern="1200" cap="none" spc="0" normalizeH="0" baseline="0" dirty="0">
+                <a:solidFill>
+                  <a:srgbClr val="000000"/>
+                </a:solidFill>
+                <a:latin typeface="HY견고딕" panose="02030600000101010101" pitchFamily="18" charset="-127"/>
+                <a:ea typeface="HY견고딕" panose="02030600000101010101" pitchFamily="18" charset="-127"/>
+                <a:cs typeface="맑은 고딕"/>
+              </a:rPr>
+              <a:t>을 통한 다중 접속 서버</a:t>
+            </a:r>
+          </a:p>
+        </p:txBody>
+      </p:sp>
+      <p:sp>
+        <p:nvSpPr>
+          <p:cNvPr id="10" name="TextBox 9"/>
           <p:cNvSpPr txBox="1"/>
           <p:nvPr/>
         </p:nvSpPr>
         <p:spPr>
           <a:xfrm>
-            <a:off x="8620843" y="2143002"/>
-            <a:ext cx="954107" cy="400110"/>
-          </a:xfrm>
-          <a:prstGeom prst="rect">
-            <a:avLst/>
-          </a:prstGeom>
-          <a:noFill/>
-        </p:spPr>
-        <p:txBody>
-          <a:bodyPr wrap="none" rtlCol="0">
+            <a:off x="1504730" y="4923078"/>
+            <a:ext cx="8338555" cy="523220"/>
+          </a:xfrm>
+          <a:prstGeom prst="rect">
+            <a:avLst/>
+          </a:prstGeom>
+        </p:spPr>
+        <p:txBody>
+          <a:bodyPr wrap="square">
             <a:spAutoFit/>
           </a:bodyPr>
           <a:lstStyle/>
           <a:p>
-            <a:pPr algn="ctr"/>
-            <a:r>
-              <a:rPr lang="ko-KR" altLang="en-US" sz="2000" dirty="0" err="1">
-                <a:latin typeface="HY견고딕" panose="02030600000101010101" pitchFamily="18" charset="-127"/>
-                <a:ea typeface="HY견고딕" panose="02030600000101010101" pitchFamily="18" charset="-127"/>
-              </a:rPr>
-              <a:t>이득유</a:t>
-            </a:r>
-            <a:endParaRPr lang="ko-KR" altLang="en-US" sz="2000" dirty="0">
-              <a:latin typeface="HY견고딕" panose="02030600000101010101" pitchFamily="18" charset="-127"/>
-              <a:ea typeface="HY견고딕" panose="02030600000101010101" pitchFamily="18" charset="-127"/>
-            </a:endParaRPr>
-          </a:p>
-        </p:txBody>
-      </p:sp>
-      <p:sp>
-        <p:nvSpPr>
-          <p:cNvPr id="15" name="사각형: 둥근 모서리 14">
-            <a:extLst>
-              <a:ext uri="{FF2B5EF4-FFF2-40B4-BE49-F238E27FC236}">
-                <a16:creationId xmlns:a16="http://schemas.microsoft.com/office/drawing/2014/main" id="{42AC6AEA-C537-4334-8518-49F43F32AE20}"/>
-              </a:ext>
-            </a:extLst>
-          </p:cNvPr>
-          <p:cNvSpPr/>
-          <p:nvPr/>
-        </p:nvSpPr>
-        <p:spPr>
-          <a:xfrm>
-            <a:off x="1736738" y="1882588"/>
-            <a:ext cx="2940423" cy="3830032"/>
-          </a:xfrm>
-          <a:prstGeom prst="roundRect">
-            <a:avLst/>
-          </a:prstGeom>
-          <a:noFill/>
-          <a:ln w="25400" cmpd="sng">
-            <a:solidFill>
-              <a:schemeClr val="tx1"/>
-            </a:solidFill>
-          </a:ln>
-        </p:spPr>
-        <p:style>
-          <a:lnRef idx="2">
-            <a:schemeClr val="accent1">
-              <a:shade val="50000"/>
-            </a:schemeClr>
-          </a:lnRef>
-          <a:fillRef idx="1">
-            <a:schemeClr val="accent1"/>
-          </a:fillRef>
-          <a:effectRef idx="0">
-            <a:schemeClr val="accent1"/>
-          </a:effectRef>
-          <a:fontRef idx="minor">
-            <a:schemeClr val="lt1"/>
-          </a:fontRef>
-        </p:style>
-        <p:txBody>
-          <a:bodyPr rtlCol="0" anchor="ctr"/>
-          <a:lstStyle/>
-          <a:p>
-            <a:pPr algn="ctr"/>
-            <a:endParaRPr lang="ko-KR" altLang="en-US"/>
-          </a:p>
-        </p:txBody>
-      </p:sp>
-      <p:sp>
-        <p:nvSpPr>
-          <p:cNvPr id="16" name="사각형: 둥근 모서리 15">
-            <a:extLst>
-              <a:ext uri="{FF2B5EF4-FFF2-40B4-BE49-F238E27FC236}">
-                <a16:creationId xmlns:a16="http://schemas.microsoft.com/office/drawing/2014/main" id="{A680FFAE-6A3C-47EC-8A2C-8ABAC911650E}"/>
-              </a:ext>
-            </a:extLst>
-          </p:cNvPr>
-          <p:cNvSpPr/>
-          <p:nvPr/>
-        </p:nvSpPr>
-        <p:spPr>
-          <a:xfrm>
-            <a:off x="4682211" y="1882588"/>
-            <a:ext cx="2940423" cy="3830032"/>
-          </a:xfrm>
-          <a:prstGeom prst="roundRect">
-            <a:avLst/>
-          </a:prstGeom>
-          <a:noFill/>
-          <a:ln w="25400" cmpd="sng">
-            <a:solidFill>
-              <a:schemeClr val="tx1"/>
-            </a:solidFill>
-          </a:ln>
-        </p:spPr>
-        <p:style>
-          <a:lnRef idx="2">
-            <a:schemeClr val="accent1">
-              <a:shade val="50000"/>
-            </a:schemeClr>
-          </a:lnRef>
-          <a:fillRef idx="1">
-            <a:schemeClr val="accent1"/>
-          </a:fillRef>
-          <a:effectRef idx="0">
-            <a:schemeClr val="accent1"/>
-          </a:effectRef>
-          <a:fontRef idx="minor">
-            <a:schemeClr val="lt1"/>
-          </a:fontRef>
-        </p:style>
-        <p:txBody>
-          <a:bodyPr rtlCol="0" anchor="ctr"/>
-          <a:lstStyle/>
-          <a:p>
-            <a:pPr algn="ctr"/>
-            <a:endParaRPr lang="ko-KR" altLang="en-US"/>
-          </a:p>
-        </p:txBody>
-      </p:sp>
-      <p:sp>
-        <p:nvSpPr>
-          <p:cNvPr id="17" name="사각형: 둥근 모서리 16">
-            <a:extLst>
-              <a:ext uri="{FF2B5EF4-FFF2-40B4-BE49-F238E27FC236}">
-                <a16:creationId xmlns:a16="http://schemas.microsoft.com/office/drawing/2014/main" id="{6A55E696-7320-42E1-8AB6-F5B0F7211587}"/>
-              </a:ext>
-            </a:extLst>
-          </p:cNvPr>
-          <p:cNvSpPr/>
-          <p:nvPr/>
-        </p:nvSpPr>
-        <p:spPr>
-          <a:xfrm>
-            <a:off x="7627684" y="1882588"/>
-            <a:ext cx="2940423" cy="3830032"/>
-          </a:xfrm>
-          <a:prstGeom prst="roundRect">
-            <a:avLst/>
-          </a:prstGeom>
-          <a:noFill/>
-          <a:ln w="25400" cmpd="sng">
-            <a:solidFill>
-              <a:schemeClr val="tx1"/>
-            </a:solidFill>
-          </a:ln>
-        </p:spPr>
-        <p:style>
-          <a:lnRef idx="2">
-            <a:schemeClr val="accent1">
-              <a:shade val="50000"/>
-            </a:schemeClr>
-          </a:lnRef>
-          <a:fillRef idx="1">
-            <a:schemeClr val="accent1"/>
-          </a:fillRef>
-          <a:effectRef idx="0">
-            <a:schemeClr val="accent1"/>
-          </a:effectRef>
-          <a:fontRef idx="minor">
-            <a:schemeClr val="lt1"/>
-          </a:fontRef>
-        </p:style>
-        <p:txBody>
-          <a:bodyPr rtlCol="0" anchor="ctr"/>
-          <a:lstStyle/>
-          <a:p>
-            <a:pPr algn="ctr"/>
-            <a:endParaRPr lang="ko-KR" altLang="en-US"/>
-          </a:p>
-        </p:txBody>
-      </p:sp>
-      <p:sp>
-        <p:nvSpPr>
-          <p:cNvPr id="14" name="TextBox 13">
-            <a:extLst>
-              <a:ext uri="{FF2B5EF4-FFF2-40B4-BE49-F238E27FC236}">
-                <a16:creationId xmlns:a16="http://schemas.microsoft.com/office/drawing/2014/main" id="{2870AD53-AC1D-4B3C-9FA8-F6760784052F}"/>
-              </a:ext>
-            </a:extLst>
-          </p:cNvPr>
+            <a:pPr marL="0" indent="0" algn="l" defTabSz="914400" rtl="0" eaLnBrk="1" latinLnBrk="1" hangingPunct="1">
+              <a:lnSpc>
+                <a:spcPct val="100000"/>
+              </a:lnSpc>
+              <a:spcBef>
+                <a:spcPct val="0"/>
+              </a:spcBef>
+              <a:spcAft>
+                <a:spcPts val="0"/>
+              </a:spcAft>
+              <a:buNone/>
+              <a:defRPr/>
+            </a:pPr>
+            <a:r>
+              <a:rPr kumimoji="0" lang="ko-KR" altLang="en-US" sz="2800" i="0" u="none" strike="noStrike" kern="1200" cap="none" spc="0" normalizeH="0" baseline="0">
+                <a:solidFill>
+                  <a:srgbClr val="000000"/>
+                </a:solidFill>
+                <a:latin typeface="HY견고딕" panose="02030600000101010101" pitchFamily="18" charset="-127"/>
+                <a:ea typeface="HY견고딕" panose="02030600000101010101" pitchFamily="18" charset="-127"/>
+                <a:cs typeface="맑은 고딕"/>
+              </a:rPr>
+              <a:t>· 플레이어 간의 시야 처리 및 충돌 처리</a:t>
+            </a:r>
+          </a:p>
+        </p:txBody>
+      </p:sp>
+      <p:sp>
+        <p:nvSpPr>
+          <p:cNvPr id="11" name="TextBox 10"/>
           <p:cNvSpPr txBox="1"/>
           <p:nvPr/>
         </p:nvSpPr>
         <p:spPr>
           <a:xfrm>
-            <a:off x="5059815" y="2803526"/>
-            <a:ext cx="2185214" cy="923330"/>
-          </a:xfrm>
-          <a:prstGeom prst="rect">
-            <a:avLst/>
-          </a:prstGeom>
-          <a:noFill/>
-        </p:spPr>
-        <p:txBody>
-          <a:bodyPr wrap="none" rtlCol="0">
+            <a:off x="1504730" y="3949968"/>
+            <a:ext cx="8338555" cy="523220"/>
+          </a:xfrm>
+          <a:prstGeom prst="rect">
+            <a:avLst/>
+          </a:prstGeom>
+        </p:spPr>
+        <p:txBody>
+          <a:bodyPr wrap="square">
             <a:spAutoFit/>
           </a:bodyPr>
           <a:lstStyle/>
           <a:p>
-            <a:pPr algn="ctr"/>
-            <a:r>
-              <a:rPr lang="ko-KR" altLang="en-US" dirty="0">
-                <a:latin typeface="HY견고딕" panose="02030600000101010101" pitchFamily="18" charset="-127"/>
-                <a:ea typeface="HY견고딕" panose="02030600000101010101" pitchFamily="18" charset="-127"/>
-              </a:rPr>
-              <a:t>하우징 컨텐츠 구현</a:t>
-            </a:r>
-            <a:endParaRPr lang="en-US" altLang="ko-KR" dirty="0">
-              <a:latin typeface="HY견고딕" panose="02030600000101010101" pitchFamily="18" charset="-127"/>
-              <a:ea typeface="HY견고딕" panose="02030600000101010101" pitchFamily="18" charset="-127"/>
-            </a:endParaRPr>
-          </a:p>
-          <a:p>
-            <a:pPr algn="ctr"/>
-            <a:endParaRPr lang="en-US" altLang="ko-KR" dirty="0">
-              <a:latin typeface="HY견고딕" panose="02030600000101010101" pitchFamily="18" charset="-127"/>
-              <a:ea typeface="HY견고딕" panose="02030600000101010101" pitchFamily="18" charset="-127"/>
-            </a:endParaRPr>
-          </a:p>
-          <a:p>
-            <a:pPr algn="ctr"/>
-            <a:r>
-              <a:rPr lang="ko-KR" altLang="en-US" dirty="0" err="1">
-                <a:latin typeface="HY견고딕" panose="02030600000101010101" pitchFamily="18" charset="-127"/>
-                <a:ea typeface="HY견고딕" panose="02030600000101010101" pitchFamily="18" charset="-127"/>
-              </a:rPr>
-              <a:t>쉐이더</a:t>
-            </a:r>
-            <a:r>
-              <a:rPr lang="ko-KR" altLang="en-US" dirty="0">
-                <a:latin typeface="HY견고딕" panose="02030600000101010101" pitchFamily="18" charset="-127"/>
-                <a:ea typeface="HY견고딕" panose="02030600000101010101" pitchFamily="18" charset="-127"/>
-              </a:rPr>
-              <a:t> 프로그래밍</a:t>
-            </a:r>
-          </a:p>
-        </p:txBody>
-      </p:sp>
-      <p:sp>
-        <p:nvSpPr>
-          <p:cNvPr id="18" name="TextBox 17">
-            <a:extLst>
-              <a:ext uri="{FF2B5EF4-FFF2-40B4-BE49-F238E27FC236}">
-                <a16:creationId xmlns:a16="http://schemas.microsoft.com/office/drawing/2014/main" id="{F60A9A1F-C28B-4987-ABDD-88FC94F957A3}"/>
-              </a:ext>
-            </a:extLst>
-          </p:cNvPr>
-          <p:cNvSpPr txBox="1"/>
-          <p:nvPr/>
-        </p:nvSpPr>
-        <p:spPr>
-          <a:xfrm>
-            <a:off x="7880012" y="2803526"/>
-            <a:ext cx="2425664" cy="369332"/>
-          </a:xfrm>
-          <a:prstGeom prst="rect">
-            <a:avLst/>
-          </a:prstGeom>
-          <a:noFill/>
-        </p:spPr>
-        <p:txBody>
-          <a:bodyPr wrap="none" rtlCol="0">
-            <a:spAutoFit/>
-          </a:bodyPr>
-          <a:lstStyle/>
-          <a:p>
-            <a:pPr algn="ctr"/>
-            <a:r>
-              <a:rPr lang="en-US" altLang="ko-KR" dirty="0">
-                <a:latin typeface="HY견고딕" panose="02030600000101010101" pitchFamily="18" charset="-127"/>
-                <a:ea typeface="HY견고딕" panose="02030600000101010101" pitchFamily="18" charset="-127"/>
-              </a:rPr>
-              <a:t>IOCP </a:t>
-            </a:r>
-            <a:r>
-              <a:rPr lang="ko-KR" altLang="en-US" dirty="0">
-                <a:latin typeface="HY견고딕" panose="02030600000101010101" pitchFamily="18" charset="-127"/>
-                <a:ea typeface="HY견고딕" panose="02030600000101010101" pitchFamily="18" charset="-127"/>
-              </a:rPr>
-              <a:t>다중 접속 서버</a:t>
-            </a:r>
-          </a:p>
-        </p:txBody>
-      </p:sp>
-      <p:sp>
-        <p:nvSpPr>
-          <p:cNvPr id="19" name="TextBox 18">
-            <a:extLst>
-              <a:ext uri="{FF2B5EF4-FFF2-40B4-BE49-F238E27FC236}">
-                <a16:creationId xmlns:a16="http://schemas.microsoft.com/office/drawing/2014/main" id="{8FC07485-4A66-496F-B990-06DD9E8AB13C}"/>
-              </a:ext>
-            </a:extLst>
-          </p:cNvPr>
-          <p:cNvSpPr txBox="1"/>
-          <p:nvPr/>
-        </p:nvSpPr>
-        <p:spPr>
-          <a:xfrm>
-            <a:off x="2268232" y="2771161"/>
-            <a:ext cx="1877438" cy="369332"/>
-          </a:xfrm>
-          <a:prstGeom prst="rect">
-            <a:avLst/>
-          </a:prstGeom>
-          <a:noFill/>
-        </p:spPr>
-        <p:txBody>
-          <a:bodyPr wrap="none" rtlCol="0">
-            <a:spAutoFit/>
-          </a:bodyPr>
-          <a:lstStyle/>
-          <a:p>
-            <a:pPr algn="ctr"/>
-            <a:r>
-              <a:rPr lang="ko-KR" altLang="en-US" dirty="0">
-                <a:latin typeface="HY견고딕" panose="02030600000101010101" pitchFamily="18" charset="-127"/>
-                <a:ea typeface="HY견고딕" panose="02030600000101010101" pitchFamily="18" charset="-127"/>
-              </a:rPr>
-              <a:t>프레임워크 제작</a:t>
-            </a:r>
-          </a:p>
-        </p:txBody>
-      </p:sp>
-      <p:sp>
-        <p:nvSpPr>
-          <p:cNvPr id="29" name="직사각형 28">
-            <a:extLst>
-              <a:ext uri="{FF2B5EF4-FFF2-40B4-BE49-F238E27FC236}">
-                <a16:creationId xmlns:a16="http://schemas.microsoft.com/office/drawing/2014/main" id="{1EB52445-61F1-4AA5-8890-46330E9E4655}"/>
-              </a:ext>
-            </a:extLst>
-          </p:cNvPr>
-          <p:cNvSpPr/>
-          <p:nvPr/>
-        </p:nvSpPr>
-        <p:spPr>
-          <a:xfrm>
-            <a:off x="4371046" y="2332541"/>
-            <a:ext cx="558443" cy="2913424"/>
-          </a:xfrm>
-          <a:prstGeom prst="rect">
-            <a:avLst/>
-          </a:prstGeom>
-          <a:solidFill>
-            <a:schemeClr val="bg1"/>
-          </a:solidFill>
-          <a:ln>
-            <a:solidFill>
-              <a:schemeClr val="bg1"/>
-            </a:solidFill>
-          </a:ln>
-        </p:spPr>
-        <p:style>
-          <a:lnRef idx="2">
-            <a:schemeClr val="accent1">
-              <a:shade val="50000"/>
-            </a:schemeClr>
-          </a:lnRef>
-          <a:fillRef idx="1">
-            <a:schemeClr val="accent1"/>
-          </a:fillRef>
-          <a:effectRef idx="0">
-            <a:schemeClr val="accent1"/>
-          </a:effectRef>
-          <a:fontRef idx="minor">
-            <a:schemeClr val="lt1"/>
-          </a:fontRef>
-        </p:style>
-        <p:txBody>
-          <a:bodyPr rtlCol="0" anchor="ctr"/>
-          <a:lstStyle/>
-          <a:p>
-            <a:pPr algn="ctr"/>
-            <a:endParaRPr lang="ko-KR" altLang="en-US"/>
-          </a:p>
-        </p:txBody>
-      </p:sp>
-      <p:sp>
-        <p:nvSpPr>
-          <p:cNvPr id="30" name="직사각형 29">
-            <a:extLst>
-              <a:ext uri="{FF2B5EF4-FFF2-40B4-BE49-F238E27FC236}">
-                <a16:creationId xmlns:a16="http://schemas.microsoft.com/office/drawing/2014/main" id="{8455D215-328C-4D4C-AADC-D7A3CCDFA0D2}"/>
-              </a:ext>
-            </a:extLst>
-          </p:cNvPr>
-          <p:cNvSpPr/>
-          <p:nvPr/>
-        </p:nvSpPr>
-        <p:spPr>
-          <a:xfrm>
-            <a:off x="7319044" y="2332539"/>
-            <a:ext cx="558443" cy="2913426"/>
-          </a:xfrm>
-          <a:prstGeom prst="rect">
-            <a:avLst/>
-          </a:prstGeom>
-          <a:solidFill>
-            <a:schemeClr val="bg1"/>
-          </a:solidFill>
-          <a:ln>
-            <a:solidFill>
-              <a:schemeClr val="bg1"/>
-            </a:solidFill>
-          </a:ln>
-        </p:spPr>
-        <p:style>
-          <a:lnRef idx="2">
-            <a:schemeClr val="accent1">
-              <a:shade val="50000"/>
-            </a:schemeClr>
-          </a:lnRef>
-          <a:fillRef idx="1">
-            <a:schemeClr val="accent1"/>
-          </a:fillRef>
-          <a:effectRef idx="0">
-            <a:schemeClr val="accent1"/>
-          </a:effectRef>
-          <a:fontRef idx="minor">
-            <a:schemeClr val="lt1"/>
-          </a:fontRef>
-        </p:style>
-        <p:txBody>
-          <a:bodyPr rtlCol="0" anchor="ctr"/>
-          <a:lstStyle/>
-          <a:p>
-            <a:pPr algn="ctr"/>
-            <a:endParaRPr lang="ko-KR" altLang="en-US"/>
+            <a:pPr marL="0" indent="0" algn="l" defTabSz="914400" rtl="0" eaLnBrk="1" latinLnBrk="1" hangingPunct="1">
+              <a:lnSpc>
+                <a:spcPct val="100000"/>
+              </a:lnSpc>
+              <a:spcBef>
+                <a:spcPct val="0"/>
+              </a:spcBef>
+              <a:spcAft>
+                <a:spcPts val="0"/>
+              </a:spcAft>
+              <a:buNone/>
+              <a:defRPr/>
+            </a:pPr>
+            <a:r>
+              <a:rPr kumimoji="0" lang="ko-KR" altLang="en-US" sz="2800" i="0" u="none" strike="noStrike" kern="1200" cap="none" spc="0" normalizeH="0" baseline="0" dirty="0">
+                <a:solidFill>
+                  <a:srgbClr val="000000"/>
+                </a:solidFill>
+                <a:latin typeface="HY견고딕" panose="02030600000101010101" pitchFamily="18" charset="-127"/>
+                <a:ea typeface="HY견고딕" panose="02030600000101010101" pitchFamily="18" charset="-127"/>
+                <a:cs typeface="맑은 고딕"/>
+              </a:rPr>
+              <a:t>· </a:t>
+            </a:r>
+            <a:r>
+              <a:rPr kumimoji="0" lang="en-US" altLang="ko-KR" sz="2800" i="0" u="none" strike="noStrike" kern="1200" cap="none" spc="0" normalizeH="0" baseline="0" dirty="0">
+                <a:solidFill>
+                  <a:srgbClr val="000000"/>
+                </a:solidFill>
+                <a:latin typeface="HY견고딕" panose="02030600000101010101" pitchFamily="18" charset="-127"/>
+                <a:ea typeface="HY견고딕" panose="02030600000101010101" pitchFamily="18" charset="-127"/>
+                <a:cs typeface="맑은 고딕"/>
+              </a:rPr>
+              <a:t>‘</a:t>
+            </a:r>
+            <a:r>
+              <a:rPr kumimoji="0" lang="ko-KR" altLang="en-US" sz="2800" i="0" u="none" strike="noStrike" kern="1200" cap="none" spc="0" normalizeH="0" baseline="0" dirty="0" err="1">
+                <a:solidFill>
+                  <a:srgbClr val="000000"/>
+                </a:solidFill>
+                <a:latin typeface="HY견고딕" panose="02030600000101010101" pitchFamily="18" charset="-127"/>
+                <a:ea typeface="HY견고딕" panose="02030600000101010101" pitchFamily="18" charset="-127"/>
+                <a:cs typeface="맑은 고딕"/>
+              </a:rPr>
+              <a:t>데드레커닝</a:t>
+            </a:r>
+            <a:r>
+              <a:rPr kumimoji="0" lang="en-US" altLang="ko-KR" sz="2800" i="0" u="none" strike="noStrike" kern="1200" cap="none" spc="0" normalizeH="0" baseline="0" dirty="0">
+                <a:solidFill>
+                  <a:srgbClr val="000000"/>
+                </a:solidFill>
+                <a:latin typeface="HY견고딕" panose="02030600000101010101" pitchFamily="18" charset="-127"/>
+                <a:ea typeface="HY견고딕" panose="02030600000101010101" pitchFamily="18" charset="-127"/>
+                <a:cs typeface="맑은 고딕"/>
+              </a:rPr>
+              <a:t>’</a:t>
+            </a:r>
+            <a:r>
+              <a:rPr kumimoji="0" lang="ko-KR" altLang="en-US" sz="2800" i="0" u="none" strike="noStrike" kern="1200" cap="none" spc="0" normalizeH="0" baseline="0" dirty="0">
+                <a:solidFill>
+                  <a:srgbClr val="000000"/>
+                </a:solidFill>
+                <a:latin typeface="HY견고딕" panose="02030600000101010101" pitchFamily="18" charset="-127"/>
+                <a:ea typeface="HY견고딕" panose="02030600000101010101" pitchFamily="18" charset="-127"/>
+                <a:cs typeface="맑은 고딕"/>
+              </a:rPr>
+              <a:t>기법을 적용한 이동</a:t>
+            </a:r>
           </a:p>
         </p:txBody>
       </p:sp>
     </p:spTree>
-    <p:extLst>
-      <p:ext uri="{BB962C8B-B14F-4D97-AF65-F5344CB8AC3E}">
-        <p14:creationId xmlns:p14="http://schemas.microsoft.com/office/powerpoint/2010/main" val="698071044"/>
-      </p:ext>
-    </p:extLst>
   </p:cSld>
   <p:clrMapOvr>
     <a:masterClrMapping/>
   </p:clrMapOvr>
+  <mc:AlternateContent xmlns:mc="http://schemas.openxmlformats.org/markup-compatibility/2006" xmlns:p14="http://schemas.microsoft.com/office/powerpoint/2010/main">
+    <mc:Choice Requires="p14">
+      <p:transition/>
+    </mc:Choice>
+    <mc:Fallback xmlns:dsp="http://schemas.microsoft.com/office/drawing/2008/diagram" xmlns:dgm="http://schemas.openxmlformats.org/drawingml/2006/diagram" xmlns:c="http://schemas.openxmlformats.org/drawingml/2006/chart" xmlns="">
+      <p:transition/>
+    </mc:Fallback>
+  </mc:AlternateContent>
 </p:sld>
 </file>
 
@@ -6327,7 +6260,7 @@
         <p:spPr>
           <a:xfrm>
             <a:off x="1347787" y="876597"/>
-            <a:ext cx="2236510" cy="707886"/>
+            <a:ext cx="4118435" cy="707886"/>
           </a:xfrm>
           <a:prstGeom prst="rect">
             <a:avLst/>
@@ -6345,7 +6278,7 @@
                 <a:latin typeface="HY헤드라인M" panose="02030600000101010101" pitchFamily="18" charset="-127"/>
                 <a:ea typeface="HY헤드라인M" panose="02030600000101010101" pitchFamily="18" charset="-127"/>
               </a:rPr>
-              <a:t>개발일정</a:t>
+              <a:t>개인별 준비 현황</a:t>
             </a:r>
           </a:p>
         </p:txBody>
@@ -6428,7 +6361,7 @@
         <p:spPr>
           <a:xfrm>
             <a:off x="1347787" y="59067"/>
-            <a:ext cx="1640193" cy="769441"/>
+            <a:ext cx="1382110" cy="769441"/>
           </a:xfrm>
           <a:prstGeom prst="rect">
             <a:avLst/>
@@ -6449,7 +6382,7 @@
                 <a:latin typeface="HY헤드라인M" panose="02030600000101010101" pitchFamily="18" charset="-127"/>
                 <a:ea typeface="HY헤드라인M" panose="02030600000101010101" pitchFamily="18" charset="-127"/>
               </a:rPr>
-              <a:t>WHEN</a:t>
+              <a:t>HOW</a:t>
             </a:r>
             <a:endParaRPr lang="ko-KR" altLang="en-US" sz="4400" dirty="0">
               <a:solidFill>
@@ -6495,6 +6428,2914 @@
                 <a:ea typeface="HY헤드라인M" panose="02030600000101010101" pitchFamily="18" charset="-127"/>
               </a:rPr>
               <a:t>14/..</a:t>
+            </a:r>
+            <a:endParaRPr lang="ko-KR" altLang="en-US" dirty="0">
+              <a:latin typeface="HY헤드라인M" panose="02030600000101010101" pitchFamily="18" charset="-127"/>
+              <a:ea typeface="HY헤드라인M" panose="02030600000101010101" pitchFamily="18" charset="-127"/>
+            </a:endParaRPr>
+          </a:p>
+        </p:txBody>
+      </p:sp>
+      <p:cxnSp>
+        <p:nvCxnSpPr>
+          <p:cNvPr id="7" name="직선 연결선 6">
+            <a:extLst>
+              <a:ext uri="{FF2B5EF4-FFF2-40B4-BE49-F238E27FC236}">
+                <a16:creationId xmlns:a16="http://schemas.microsoft.com/office/drawing/2014/main" id="{1213C020-10BD-47FA-8004-EF392DA9F117}"/>
+              </a:ext>
+            </a:extLst>
+          </p:cNvPr>
+          <p:cNvCxnSpPr>
+            <a:cxnSpLocks/>
+          </p:cNvCxnSpPr>
+          <p:nvPr/>
+        </p:nvCxnSpPr>
+        <p:spPr>
+          <a:xfrm>
+            <a:off x="1347787" y="6263528"/>
+            <a:ext cx="9496425" cy="19645"/>
+          </a:xfrm>
+          <a:prstGeom prst="line">
+            <a:avLst/>
+          </a:prstGeom>
+          <a:ln w="25400">
+            <a:solidFill>
+              <a:schemeClr val="tx1"/>
+            </a:solidFill>
+          </a:ln>
+        </p:spPr>
+        <p:style>
+          <a:lnRef idx="1">
+            <a:schemeClr val="accent1"/>
+          </a:lnRef>
+          <a:fillRef idx="0">
+            <a:schemeClr val="accent1"/>
+          </a:fillRef>
+          <a:effectRef idx="0">
+            <a:schemeClr val="accent1"/>
+          </a:effectRef>
+          <a:fontRef idx="minor">
+            <a:schemeClr val="tx1"/>
+          </a:fontRef>
+        </p:style>
+      </p:cxnSp>
+      <p:sp>
+        <p:nvSpPr>
+          <p:cNvPr id="8" name="TextBox 7">
+            <a:extLst>
+              <a:ext uri="{FF2B5EF4-FFF2-40B4-BE49-F238E27FC236}">
+                <a16:creationId xmlns:a16="http://schemas.microsoft.com/office/drawing/2014/main" id="{7A612A51-3AF6-43F8-BC7C-00E4C9F335CF}"/>
+              </a:ext>
+            </a:extLst>
+          </p:cNvPr>
+          <p:cNvSpPr txBox="1"/>
+          <p:nvPr/>
+        </p:nvSpPr>
+        <p:spPr>
+          <a:xfrm>
+            <a:off x="2729897" y="2143002"/>
+            <a:ext cx="954107" cy="400110"/>
+          </a:xfrm>
+          <a:prstGeom prst="rect">
+            <a:avLst/>
+          </a:prstGeom>
+          <a:noFill/>
+        </p:spPr>
+        <p:txBody>
+          <a:bodyPr wrap="none" rtlCol="0">
+            <a:spAutoFit/>
+          </a:bodyPr>
+          <a:lstStyle/>
+          <a:p>
+            <a:pPr algn="ctr"/>
+            <a:r>
+              <a:rPr lang="ko-KR" altLang="en-US" sz="2000" dirty="0" err="1">
+                <a:latin typeface="HY견고딕" panose="02030600000101010101" pitchFamily="18" charset="-127"/>
+                <a:ea typeface="HY견고딕" panose="02030600000101010101" pitchFamily="18" charset="-127"/>
+              </a:rPr>
+              <a:t>김하윤</a:t>
+            </a:r>
+            <a:endParaRPr lang="ko-KR" altLang="en-US" sz="2000" dirty="0">
+              <a:latin typeface="HY견고딕" panose="02030600000101010101" pitchFamily="18" charset="-127"/>
+              <a:ea typeface="HY견고딕" panose="02030600000101010101" pitchFamily="18" charset="-127"/>
+            </a:endParaRPr>
+          </a:p>
+        </p:txBody>
+      </p:sp>
+      <p:sp>
+        <p:nvSpPr>
+          <p:cNvPr id="9" name="TextBox 8">
+            <a:extLst>
+              <a:ext uri="{FF2B5EF4-FFF2-40B4-BE49-F238E27FC236}">
+                <a16:creationId xmlns:a16="http://schemas.microsoft.com/office/drawing/2014/main" id="{35819DF1-8655-4F12-8239-2F1D457A33EB}"/>
+              </a:ext>
+            </a:extLst>
+          </p:cNvPr>
+          <p:cNvSpPr txBox="1"/>
+          <p:nvPr/>
+        </p:nvSpPr>
+        <p:spPr>
+          <a:xfrm>
+            <a:off x="5675370" y="2143002"/>
+            <a:ext cx="954107" cy="400110"/>
+          </a:xfrm>
+          <a:prstGeom prst="rect">
+            <a:avLst/>
+          </a:prstGeom>
+          <a:noFill/>
+        </p:spPr>
+        <p:txBody>
+          <a:bodyPr wrap="none" rtlCol="0">
+            <a:spAutoFit/>
+          </a:bodyPr>
+          <a:lstStyle/>
+          <a:p>
+            <a:pPr algn="ctr"/>
+            <a:r>
+              <a:rPr lang="ko-KR" altLang="en-US" sz="2000" dirty="0">
+                <a:latin typeface="HY견고딕" panose="02030600000101010101" pitchFamily="18" charset="-127"/>
+                <a:ea typeface="HY견고딕" panose="02030600000101010101" pitchFamily="18" charset="-127"/>
+              </a:rPr>
+              <a:t>이동규</a:t>
+            </a:r>
+          </a:p>
+        </p:txBody>
+      </p:sp>
+      <p:sp>
+        <p:nvSpPr>
+          <p:cNvPr id="10" name="TextBox 9">
+            <a:extLst>
+              <a:ext uri="{FF2B5EF4-FFF2-40B4-BE49-F238E27FC236}">
+                <a16:creationId xmlns:a16="http://schemas.microsoft.com/office/drawing/2014/main" id="{1C7B1DE1-3E0A-4AD9-915F-60585650B166}"/>
+              </a:ext>
+            </a:extLst>
+          </p:cNvPr>
+          <p:cNvSpPr txBox="1"/>
+          <p:nvPr/>
+        </p:nvSpPr>
+        <p:spPr>
+          <a:xfrm>
+            <a:off x="8620843" y="2143002"/>
+            <a:ext cx="954107" cy="400110"/>
+          </a:xfrm>
+          <a:prstGeom prst="rect">
+            <a:avLst/>
+          </a:prstGeom>
+          <a:noFill/>
+        </p:spPr>
+        <p:txBody>
+          <a:bodyPr wrap="none" rtlCol="0">
+            <a:spAutoFit/>
+          </a:bodyPr>
+          <a:lstStyle/>
+          <a:p>
+            <a:pPr algn="ctr"/>
+            <a:r>
+              <a:rPr lang="ko-KR" altLang="en-US" sz="2000" dirty="0" err="1">
+                <a:latin typeface="HY견고딕" panose="02030600000101010101" pitchFamily="18" charset="-127"/>
+                <a:ea typeface="HY견고딕" panose="02030600000101010101" pitchFamily="18" charset="-127"/>
+              </a:rPr>
+              <a:t>이득유</a:t>
+            </a:r>
+            <a:endParaRPr lang="ko-KR" altLang="en-US" sz="2000" dirty="0">
+              <a:latin typeface="HY견고딕" panose="02030600000101010101" pitchFamily="18" charset="-127"/>
+              <a:ea typeface="HY견고딕" panose="02030600000101010101" pitchFamily="18" charset="-127"/>
+            </a:endParaRPr>
+          </a:p>
+        </p:txBody>
+      </p:sp>
+      <p:sp>
+        <p:nvSpPr>
+          <p:cNvPr id="15" name="사각형: 둥근 모서리 14">
+            <a:extLst>
+              <a:ext uri="{FF2B5EF4-FFF2-40B4-BE49-F238E27FC236}">
+                <a16:creationId xmlns:a16="http://schemas.microsoft.com/office/drawing/2014/main" id="{42AC6AEA-C537-4334-8518-49F43F32AE20}"/>
+              </a:ext>
+            </a:extLst>
+          </p:cNvPr>
+          <p:cNvSpPr/>
+          <p:nvPr/>
+        </p:nvSpPr>
+        <p:spPr>
+          <a:xfrm>
+            <a:off x="1736738" y="1882588"/>
+            <a:ext cx="2940423" cy="3830032"/>
+          </a:xfrm>
+          <a:prstGeom prst="roundRect">
+            <a:avLst/>
+          </a:prstGeom>
+          <a:noFill/>
+          <a:ln w="25400" cmpd="sng">
+            <a:solidFill>
+              <a:schemeClr val="tx1"/>
+            </a:solidFill>
+          </a:ln>
+        </p:spPr>
+        <p:style>
+          <a:lnRef idx="2">
+            <a:schemeClr val="accent1">
+              <a:shade val="50000"/>
+            </a:schemeClr>
+          </a:lnRef>
+          <a:fillRef idx="1">
+            <a:schemeClr val="accent1"/>
+          </a:fillRef>
+          <a:effectRef idx="0">
+            <a:schemeClr val="accent1"/>
+          </a:effectRef>
+          <a:fontRef idx="minor">
+            <a:schemeClr val="lt1"/>
+          </a:fontRef>
+        </p:style>
+        <p:txBody>
+          <a:bodyPr rtlCol="0" anchor="ctr"/>
+          <a:lstStyle/>
+          <a:p>
+            <a:pPr algn="ctr"/>
+            <a:endParaRPr lang="ko-KR" altLang="en-US"/>
+          </a:p>
+        </p:txBody>
+      </p:sp>
+      <p:sp>
+        <p:nvSpPr>
+          <p:cNvPr id="16" name="사각형: 둥근 모서리 15">
+            <a:extLst>
+              <a:ext uri="{FF2B5EF4-FFF2-40B4-BE49-F238E27FC236}">
+                <a16:creationId xmlns:a16="http://schemas.microsoft.com/office/drawing/2014/main" id="{A680FFAE-6A3C-47EC-8A2C-8ABAC911650E}"/>
+              </a:ext>
+            </a:extLst>
+          </p:cNvPr>
+          <p:cNvSpPr/>
+          <p:nvPr/>
+        </p:nvSpPr>
+        <p:spPr>
+          <a:xfrm>
+            <a:off x="4682211" y="1882588"/>
+            <a:ext cx="2940423" cy="3830032"/>
+          </a:xfrm>
+          <a:prstGeom prst="roundRect">
+            <a:avLst/>
+          </a:prstGeom>
+          <a:noFill/>
+          <a:ln w="25400" cmpd="sng">
+            <a:solidFill>
+              <a:schemeClr val="tx1"/>
+            </a:solidFill>
+          </a:ln>
+        </p:spPr>
+        <p:style>
+          <a:lnRef idx="2">
+            <a:schemeClr val="accent1">
+              <a:shade val="50000"/>
+            </a:schemeClr>
+          </a:lnRef>
+          <a:fillRef idx="1">
+            <a:schemeClr val="accent1"/>
+          </a:fillRef>
+          <a:effectRef idx="0">
+            <a:schemeClr val="accent1"/>
+          </a:effectRef>
+          <a:fontRef idx="minor">
+            <a:schemeClr val="lt1"/>
+          </a:fontRef>
+        </p:style>
+        <p:txBody>
+          <a:bodyPr rtlCol="0" anchor="ctr"/>
+          <a:lstStyle/>
+          <a:p>
+            <a:pPr algn="ctr"/>
+            <a:endParaRPr lang="ko-KR" altLang="en-US"/>
+          </a:p>
+        </p:txBody>
+      </p:sp>
+      <p:sp>
+        <p:nvSpPr>
+          <p:cNvPr id="17" name="사각형: 둥근 모서리 16">
+            <a:extLst>
+              <a:ext uri="{FF2B5EF4-FFF2-40B4-BE49-F238E27FC236}">
+                <a16:creationId xmlns:a16="http://schemas.microsoft.com/office/drawing/2014/main" id="{6A55E696-7320-42E1-8AB6-F5B0F7211587}"/>
+              </a:ext>
+            </a:extLst>
+          </p:cNvPr>
+          <p:cNvSpPr/>
+          <p:nvPr/>
+        </p:nvSpPr>
+        <p:spPr>
+          <a:xfrm>
+            <a:off x="7627684" y="1882588"/>
+            <a:ext cx="2940423" cy="3830032"/>
+          </a:xfrm>
+          <a:prstGeom prst="roundRect">
+            <a:avLst/>
+          </a:prstGeom>
+          <a:noFill/>
+          <a:ln w="25400" cmpd="sng">
+            <a:solidFill>
+              <a:schemeClr val="tx1"/>
+            </a:solidFill>
+          </a:ln>
+        </p:spPr>
+        <p:style>
+          <a:lnRef idx="2">
+            <a:schemeClr val="accent1">
+              <a:shade val="50000"/>
+            </a:schemeClr>
+          </a:lnRef>
+          <a:fillRef idx="1">
+            <a:schemeClr val="accent1"/>
+          </a:fillRef>
+          <a:effectRef idx="0">
+            <a:schemeClr val="accent1"/>
+          </a:effectRef>
+          <a:fontRef idx="minor">
+            <a:schemeClr val="lt1"/>
+          </a:fontRef>
+        </p:style>
+        <p:txBody>
+          <a:bodyPr rtlCol="0" anchor="ctr"/>
+          <a:lstStyle/>
+          <a:p>
+            <a:pPr algn="ctr"/>
+            <a:endParaRPr lang="ko-KR" altLang="en-US"/>
+          </a:p>
+        </p:txBody>
+      </p:sp>
+      <p:sp>
+        <p:nvSpPr>
+          <p:cNvPr id="14" name="TextBox 13">
+            <a:extLst>
+              <a:ext uri="{FF2B5EF4-FFF2-40B4-BE49-F238E27FC236}">
+                <a16:creationId xmlns:a16="http://schemas.microsoft.com/office/drawing/2014/main" id="{2870AD53-AC1D-4B3C-9FA8-F6760784052F}"/>
+              </a:ext>
+            </a:extLst>
+          </p:cNvPr>
+          <p:cNvSpPr txBox="1"/>
+          <p:nvPr/>
+        </p:nvSpPr>
+        <p:spPr>
+          <a:xfrm>
+            <a:off x="5193669" y="2803526"/>
+            <a:ext cx="1917512" cy="2462213"/>
+          </a:xfrm>
+          <a:prstGeom prst="rect">
+            <a:avLst/>
+          </a:prstGeom>
+          <a:noFill/>
+        </p:spPr>
+        <p:txBody>
+          <a:bodyPr wrap="none" rtlCol="0">
+            <a:spAutoFit/>
+          </a:bodyPr>
+          <a:lstStyle/>
+          <a:p>
+            <a:pPr algn="ctr"/>
+            <a:r>
+              <a:rPr lang="en-US" altLang="ko-KR" sz="1400" dirty="0">
+                <a:latin typeface="HY헤드라인M" panose="02030600000101010101" pitchFamily="18" charset="-127"/>
+                <a:ea typeface="HY헤드라인M" panose="02030600000101010101" pitchFamily="18" charset="-127"/>
+              </a:rPr>
+              <a:t>C/C++</a:t>
+            </a:r>
+          </a:p>
+          <a:p>
+            <a:pPr algn="ctr"/>
+            <a:r>
+              <a:rPr lang="en-US" altLang="ko-KR" sz="1400" dirty="0">
+                <a:latin typeface="HY헤드라인M" panose="02030600000101010101" pitchFamily="18" charset="-127"/>
+                <a:ea typeface="HY헤드라인M" panose="02030600000101010101" pitchFamily="18" charset="-127"/>
+              </a:rPr>
+              <a:t>WIN API</a:t>
+            </a:r>
+          </a:p>
+          <a:p>
+            <a:pPr algn="ctr"/>
+            <a:r>
+              <a:rPr lang="ko-KR" altLang="en-US" sz="1400" dirty="0">
+                <a:latin typeface="HY헤드라인M" panose="02030600000101010101" pitchFamily="18" charset="-127"/>
+                <a:ea typeface="HY헤드라인M" panose="02030600000101010101" pitchFamily="18" charset="-127"/>
+              </a:rPr>
+              <a:t>자료구조</a:t>
+            </a:r>
+            <a:r>
+              <a:rPr lang="en-US" altLang="ko-KR" sz="1400" dirty="0">
+                <a:latin typeface="HY헤드라인M" panose="02030600000101010101" pitchFamily="18" charset="-127"/>
+                <a:ea typeface="HY헤드라인M" panose="02030600000101010101" pitchFamily="18" charset="-127"/>
+              </a:rPr>
+              <a:t>/</a:t>
+            </a:r>
+            <a:r>
+              <a:rPr lang="ko-KR" altLang="en-US" sz="1400" dirty="0">
+                <a:latin typeface="HY헤드라인M" panose="02030600000101010101" pitchFamily="18" charset="-127"/>
+                <a:ea typeface="HY헤드라인M" panose="02030600000101010101" pitchFamily="18" charset="-127"/>
+              </a:rPr>
+              <a:t>알고리즘</a:t>
+            </a:r>
+            <a:endParaRPr lang="en-US" altLang="ko-KR" sz="1400" dirty="0">
+              <a:latin typeface="HY헤드라인M" panose="02030600000101010101" pitchFamily="18" charset="-127"/>
+              <a:ea typeface="HY헤드라인M" panose="02030600000101010101" pitchFamily="18" charset="-127"/>
+            </a:endParaRPr>
+          </a:p>
+          <a:p>
+            <a:pPr algn="ctr"/>
+            <a:r>
+              <a:rPr lang="en-US" altLang="ko-KR" sz="1400" dirty="0">
+                <a:latin typeface="HY헤드라인M" panose="02030600000101010101" pitchFamily="18" charset="-127"/>
+                <a:ea typeface="HY헤드라인M" panose="02030600000101010101" pitchFamily="18" charset="-127"/>
+              </a:rPr>
+              <a:t>OpenGL</a:t>
+            </a:r>
+          </a:p>
+          <a:p>
+            <a:pPr algn="ctr"/>
+            <a:r>
+              <a:rPr lang="en-US" altLang="ko-KR" sz="1400" dirty="0">
+                <a:latin typeface="HY헤드라인M" panose="02030600000101010101" pitchFamily="18" charset="-127"/>
+                <a:ea typeface="HY헤드라인M" panose="02030600000101010101" pitchFamily="18" charset="-127"/>
+              </a:rPr>
+              <a:t>STL</a:t>
+            </a:r>
+          </a:p>
+          <a:p>
+            <a:pPr algn="ctr"/>
+            <a:r>
+              <a:rPr lang="en-US" altLang="ko-KR" sz="1400" dirty="0">
+                <a:latin typeface="HY헤드라인M" panose="02030600000101010101" pitchFamily="18" charset="-127"/>
+                <a:ea typeface="HY헤드라인M" panose="02030600000101010101" pitchFamily="18" charset="-127"/>
+              </a:rPr>
+              <a:t>DirectX 12</a:t>
+            </a:r>
+          </a:p>
+          <a:p>
+            <a:pPr algn="ctr"/>
+            <a:endParaRPr lang="en-US" altLang="ko-KR" sz="1400" dirty="0">
+              <a:latin typeface="HY헤드라인M" panose="02030600000101010101" pitchFamily="18" charset="-127"/>
+              <a:ea typeface="HY헤드라인M" panose="02030600000101010101" pitchFamily="18" charset="-127"/>
+            </a:endParaRPr>
+          </a:p>
+          <a:p>
+            <a:pPr algn="ctr"/>
+            <a:r>
+              <a:rPr lang="en-US" altLang="ko-KR" sz="1400" dirty="0">
+                <a:latin typeface="HY헤드라인M" panose="02030600000101010101" pitchFamily="18" charset="-127"/>
+                <a:ea typeface="HY헤드라인M" panose="02030600000101010101" pitchFamily="18" charset="-127"/>
+              </a:rPr>
+              <a:t>DirectX 2D </a:t>
+            </a:r>
+            <a:r>
+              <a:rPr lang="ko-KR" altLang="en-US" sz="1400" dirty="0">
+                <a:latin typeface="HY헤드라인M" panose="02030600000101010101" pitchFamily="18" charset="-127"/>
+                <a:ea typeface="HY헤드라인M" panose="02030600000101010101" pitchFamily="18" charset="-127"/>
+              </a:rPr>
+              <a:t>제작 경험</a:t>
+            </a:r>
+            <a:endParaRPr lang="en-US" altLang="ko-KR" sz="1400" dirty="0">
+              <a:latin typeface="HY헤드라인M" panose="02030600000101010101" pitchFamily="18" charset="-127"/>
+              <a:ea typeface="HY헤드라인M" panose="02030600000101010101" pitchFamily="18" charset="-127"/>
+            </a:endParaRPr>
+          </a:p>
+          <a:p>
+            <a:pPr algn="ctr"/>
+            <a:r>
+              <a:rPr lang="en-US" altLang="ko-KR" sz="1400" dirty="0">
+                <a:latin typeface="HY헤드라인M" panose="02030600000101010101" pitchFamily="18" charset="-127"/>
+                <a:ea typeface="HY헤드라인M" panose="02030600000101010101" pitchFamily="18" charset="-127"/>
+              </a:rPr>
+              <a:t>DirectX12 </a:t>
+            </a:r>
+            <a:r>
+              <a:rPr lang="ko-KR" altLang="en-US" sz="1400" dirty="0" err="1">
+                <a:latin typeface="HY헤드라인M" panose="02030600000101010101" pitchFamily="18" charset="-127"/>
+                <a:ea typeface="HY헤드라인M" panose="02030600000101010101" pitchFamily="18" charset="-127"/>
+              </a:rPr>
+              <a:t>피킹</a:t>
+            </a:r>
+            <a:r>
+              <a:rPr lang="ko-KR" altLang="en-US" sz="1400" dirty="0">
+                <a:latin typeface="HY헤드라인M" panose="02030600000101010101" pitchFamily="18" charset="-127"/>
+                <a:ea typeface="HY헤드라인M" panose="02030600000101010101" pitchFamily="18" charset="-127"/>
+              </a:rPr>
+              <a:t> 구현</a:t>
+            </a:r>
+            <a:endParaRPr lang="en-US" altLang="ko-KR" sz="1400" dirty="0">
+              <a:latin typeface="HY헤드라인M" panose="02030600000101010101" pitchFamily="18" charset="-127"/>
+              <a:ea typeface="HY헤드라인M" panose="02030600000101010101" pitchFamily="18" charset="-127"/>
+            </a:endParaRPr>
+          </a:p>
+          <a:p>
+            <a:pPr algn="ctr"/>
+            <a:r>
+              <a:rPr lang="en-US" altLang="ko-KR" sz="1400" dirty="0">
+                <a:latin typeface="HY헤드라인M" panose="02030600000101010101" pitchFamily="18" charset="-127"/>
+                <a:ea typeface="HY헤드라인M" panose="02030600000101010101" pitchFamily="18" charset="-127"/>
+              </a:rPr>
+              <a:t>UNITY</a:t>
+            </a:r>
+            <a:r>
+              <a:rPr lang="ko-KR" altLang="en-US" sz="1400" dirty="0">
+                <a:latin typeface="HY헤드라인M" panose="02030600000101010101" pitchFamily="18" charset="-127"/>
+                <a:ea typeface="HY헤드라인M" panose="02030600000101010101" pitchFamily="18" charset="-127"/>
+              </a:rPr>
+              <a:t> 제작 경험</a:t>
+            </a:r>
+            <a:endParaRPr lang="en-US" altLang="ko-KR" sz="1400" dirty="0">
+              <a:latin typeface="HY헤드라인M" panose="02030600000101010101" pitchFamily="18" charset="-127"/>
+              <a:ea typeface="HY헤드라인M" panose="02030600000101010101" pitchFamily="18" charset="-127"/>
+            </a:endParaRPr>
+          </a:p>
+          <a:p>
+            <a:pPr algn="ctr"/>
+            <a:r>
+              <a:rPr lang="ko-KR" altLang="en-US" sz="1400" dirty="0">
+                <a:latin typeface="HY헤드라인M" panose="02030600000101010101" pitchFamily="18" charset="-127"/>
+                <a:ea typeface="HY헤드라인M" panose="02030600000101010101" pitchFamily="18" charset="-127"/>
+              </a:rPr>
+              <a:t>등등</a:t>
+            </a:r>
+            <a:r>
+              <a:rPr lang="en-US" altLang="ko-KR" sz="1400" dirty="0">
+                <a:latin typeface="HY헤드라인M" panose="02030600000101010101" pitchFamily="18" charset="-127"/>
+                <a:ea typeface="HY헤드라인M" panose="02030600000101010101" pitchFamily="18" charset="-127"/>
+              </a:rPr>
+              <a:t>?</a:t>
+            </a:r>
+          </a:p>
+        </p:txBody>
+      </p:sp>
+      <p:sp>
+        <p:nvSpPr>
+          <p:cNvPr id="29" name="직사각형 28">
+            <a:extLst>
+              <a:ext uri="{FF2B5EF4-FFF2-40B4-BE49-F238E27FC236}">
+                <a16:creationId xmlns:a16="http://schemas.microsoft.com/office/drawing/2014/main" id="{1EB52445-61F1-4AA5-8890-46330E9E4655}"/>
+              </a:ext>
+            </a:extLst>
+          </p:cNvPr>
+          <p:cNvSpPr/>
+          <p:nvPr/>
+        </p:nvSpPr>
+        <p:spPr>
+          <a:xfrm>
+            <a:off x="4371046" y="2332541"/>
+            <a:ext cx="558443" cy="2913424"/>
+          </a:xfrm>
+          <a:prstGeom prst="rect">
+            <a:avLst/>
+          </a:prstGeom>
+          <a:solidFill>
+            <a:schemeClr val="bg1"/>
+          </a:solidFill>
+          <a:ln>
+            <a:solidFill>
+              <a:schemeClr val="bg1"/>
+            </a:solidFill>
+          </a:ln>
+        </p:spPr>
+        <p:style>
+          <a:lnRef idx="2">
+            <a:schemeClr val="accent1">
+              <a:shade val="50000"/>
+            </a:schemeClr>
+          </a:lnRef>
+          <a:fillRef idx="1">
+            <a:schemeClr val="accent1"/>
+          </a:fillRef>
+          <a:effectRef idx="0">
+            <a:schemeClr val="accent1"/>
+          </a:effectRef>
+          <a:fontRef idx="minor">
+            <a:schemeClr val="lt1"/>
+          </a:fontRef>
+        </p:style>
+        <p:txBody>
+          <a:bodyPr rtlCol="0" anchor="ctr"/>
+          <a:lstStyle/>
+          <a:p>
+            <a:pPr algn="ctr"/>
+            <a:endParaRPr lang="ko-KR" altLang="en-US"/>
+          </a:p>
+        </p:txBody>
+      </p:sp>
+      <p:sp>
+        <p:nvSpPr>
+          <p:cNvPr id="30" name="직사각형 29">
+            <a:extLst>
+              <a:ext uri="{FF2B5EF4-FFF2-40B4-BE49-F238E27FC236}">
+                <a16:creationId xmlns:a16="http://schemas.microsoft.com/office/drawing/2014/main" id="{8455D215-328C-4D4C-AADC-D7A3CCDFA0D2}"/>
+              </a:ext>
+            </a:extLst>
+          </p:cNvPr>
+          <p:cNvSpPr/>
+          <p:nvPr/>
+        </p:nvSpPr>
+        <p:spPr>
+          <a:xfrm>
+            <a:off x="7319044" y="2332539"/>
+            <a:ext cx="558443" cy="2913426"/>
+          </a:xfrm>
+          <a:prstGeom prst="rect">
+            <a:avLst/>
+          </a:prstGeom>
+          <a:solidFill>
+            <a:schemeClr val="bg1"/>
+          </a:solidFill>
+          <a:ln>
+            <a:solidFill>
+              <a:schemeClr val="bg1"/>
+            </a:solidFill>
+          </a:ln>
+        </p:spPr>
+        <p:style>
+          <a:lnRef idx="2">
+            <a:schemeClr val="accent1">
+              <a:shade val="50000"/>
+            </a:schemeClr>
+          </a:lnRef>
+          <a:fillRef idx="1">
+            <a:schemeClr val="accent1"/>
+          </a:fillRef>
+          <a:effectRef idx="0">
+            <a:schemeClr val="accent1"/>
+          </a:effectRef>
+          <a:fontRef idx="minor">
+            <a:schemeClr val="lt1"/>
+          </a:fontRef>
+        </p:style>
+        <p:txBody>
+          <a:bodyPr rtlCol="0" anchor="ctr"/>
+          <a:lstStyle/>
+          <a:p>
+            <a:pPr algn="ctr"/>
+            <a:endParaRPr lang="ko-KR" altLang="en-US"/>
+          </a:p>
+        </p:txBody>
+      </p:sp>
+      <p:sp>
+        <p:nvSpPr>
+          <p:cNvPr id="20" name="TextBox 19">
+            <a:extLst>
+              <a:ext uri="{FF2B5EF4-FFF2-40B4-BE49-F238E27FC236}">
+                <a16:creationId xmlns:a16="http://schemas.microsoft.com/office/drawing/2014/main" id="{4F5CEC82-83EB-440A-A9E4-3B6BA157EAFB}"/>
+              </a:ext>
+            </a:extLst>
+          </p:cNvPr>
+          <p:cNvSpPr txBox="1"/>
+          <p:nvPr/>
+        </p:nvSpPr>
+        <p:spPr>
+          <a:xfrm>
+            <a:off x="2723366" y="2841217"/>
+            <a:ext cx="962123" cy="307777"/>
+          </a:xfrm>
+          <a:prstGeom prst="rect">
+            <a:avLst/>
+          </a:prstGeom>
+          <a:noFill/>
+        </p:spPr>
+        <p:txBody>
+          <a:bodyPr wrap="none" rtlCol="0">
+            <a:spAutoFit/>
+          </a:bodyPr>
+          <a:lstStyle/>
+          <a:p>
+            <a:pPr algn="ctr"/>
+            <a:r>
+              <a:rPr lang="ko-KR" altLang="en-US" sz="1400" dirty="0">
+                <a:latin typeface="HY헤드라인M" panose="02030600000101010101" pitchFamily="18" charset="-127"/>
+                <a:ea typeface="HY헤드라인M" panose="02030600000101010101" pitchFamily="18" charset="-127"/>
+              </a:rPr>
+              <a:t>추가 바람</a:t>
+            </a:r>
+            <a:endParaRPr lang="en-US" altLang="ko-KR" sz="1400" dirty="0">
+              <a:latin typeface="HY헤드라인M" panose="02030600000101010101" pitchFamily="18" charset="-127"/>
+              <a:ea typeface="HY헤드라인M" panose="02030600000101010101" pitchFamily="18" charset="-127"/>
+            </a:endParaRPr>
+          </a:p>
+        </p:txBody>
+      </p:sp>
+      <p:sp>
+        <p:nvSpPr>
+          <p:cNvPr id="21" name="TextBox 20">
+            <a:extLst>
+              <a:ext uri="{FF2B5EF4-FFF2-40B4-BE49-F238E27FC236}">
+                <a16:creationId xmlns:a16="http://schemas.microsoft.com/office/drawing/2014/main" id="{EE719E11-A58E-4A21-A2EE-9FB697631FA0}"/>
+              </a:ext>
+            </a:extLst>
+          </p:cNvPr>
+          <p:cNvSpPr txBox="1"/>
+          <p:nvPr/>
+        </p:nvSpPr>
+        <p:spPr>
+          <a:xfrm>
+            <a:off x="8616835" y="2841217"/>
+            <a:ext cx="962123" cy="307777"/>
+          </a:xfrm>
+          <a:prstGeom prst="rect">
+            <a:avLst/>
+          </a:prstGeom>
+          <a:noFill/>
+        </p:spPr>
+        <p:txBody>
+          <a:bodyPr wrap="none" rtlCol="0">
+            <a:spAutoFit/>
+          </a:bodyPr>
+          <a:lstStyle/>
+          <a:p>
+            <a:pPr algn="ctr"/>
+            <a:r>
+              <a:rPr lang="ko-KR" altLang="en-US" sz="1400" dirty="0">
+                <a:latin typeface="HY헤드라인M" panose="02030600000101010101" pitchFamily="18" charset="-127"/>
+                <a:ea typeface="HY헤드라인M" panose="02030600000101010101" pitchFamily="18" charset="-127"/>
+              </a:rPr>
+              <a:t>추가 바람</a:t>
+            </a:r>
+            <a:endParaRPr lang="en-US" altLang="ko-KR" sz="1400" dirty="0">
+              <a:latin typeface="HY헤드라인M" panose="02030600000101010101" pitchFamily="18" charset="-127"/>
+              <a:ea typeface="HY헤드라인M" panose="02030600000101010101" pitchFamily="18" charset="-127"/>
+            </a:endParaRPr>
+          </a:p>
+        </p:txBody>
+      </p:sp>
+    </p:spTree>
+    <p:extLst>
+      <p:ext uri="{BB962C8B-B14F-4D97-AF65-F5344CB8AC3E}">
+        <p14:creationId xmlns:p14="http://schemas.microsoft.com/office/powerpoint/2010/main" val="698071044"/>
+      </p:ext>
+    </p:extLst>
+  </p:cSld>
+  <p:clrMapOvr>
+    <a:masterClrMapping/>
+  </p:clrMapOvr>
+</p:sld>
+</file>
+
+<file path=ppt/slides/slide15.xml><?xml version="1.0" encoding="utf-8"?>
+<p:sld xmlns:a="http://schemas.openxmlformats.org/drawingml/2006/main" xmlns:r="http://schemas.openxmlformats.org/officeDocument/2006/relationships" xmlns:p="http://schemas.openxmlformats.org/presentationml/2006/main">
+  <p:cSld>
+    <p:spTree>
+      <p:nvGrpSpPr>
+        <p:cNvPr id="1" name=""/>
+        <p:cNvGrpSpPr/>
+        <p:nvPr/>
+      </p:nvGrpSpPr>
+      <p:grpSpPr>
+        <a:xfrm>
+          <a:off x="0" y="0"/>
+          <a:ext cx="0" cy="0"/>
+          <a:chOff x="0" y="0"/>
+          <a:chExt cx="0" cy="0"/>
+        </a:xfrm>
+      </p:grpSpPr>
+      <p:cxnSp>
+        <p:nvCxnSpPr>
+          <p:cNvPr id="2" name="직선 연결선 1">
+            <a:extLst>
+              <a:ext uri="{FF2B5EF4-FFF2-40B4-BE49-F238E27FC236}">
+                <a16:creationId xmlns:a16="http://schemas.microsoft.com/office/drawing/2014/main" id="{F489D314-C637-4E9E-947D-448763FA3CE1}"/>
+              </a:ext>
+            </a:extLst>
+          </p:cNvPr>
+          <p:cNvCxnSpPr>
+            <a:cxnSpLocks/>
+          </p:cNvCxnSpPr>
+          <p:nvPr/>
+        </p:nvCxnSpPr>
+        <p:spPr>
+          <a:xfrm>
+            <a:off x="1347787" y="866775"/>
+            <a:ext cx="9496425" cy="19645"/>
+          </a:xfrm>
+          <a:prstGeom prst="line">
+            <a:avLst/>
+          </a:prstGeom>
+          <a:ln w="25400">
+            <a:solidFill>
+              <a:schemeClr val="tx1"/>
+            </a:solidFill>
+          </a:ln>
+        </p:spPr>
+        <p:style>
+          <a:lnRef idx="1">
+            <a:schemeClr val="accent1"/>
+          </a:lnRef>
+          <a:fillRef idx="0">
+            <a:schemeClr val="accent1"/>
+          </a:fillRef>
+          <a:effectRef idx="0">
+            <a:schemeClr val="accent1"/>
+          </a:effectRef>
+          <a:fontRef idx="minor">
+            <a:schemeClr val="tx1"/>
+          </a:fontRef>
+        </p:style>
+      </p:cxnSp>
+      <p:sp>
+        <p:nvSpPr>
+          <p:cNvPr id="3" name="TextBox 2">
+            <a:extLst>
+              <a:ext uri="{FF2B5EF4-FFF2-40B4-BE49-F238E27FC236}">
+                <a16:creationId xmlns:a16="http://schemas.microsoft.com/office/drawing/2014/main" id="{D5266936-5F5A-4942-B5DC-638A5ECB4501}"/>
+              </a:ext>
+            </a:extLst>
+          </p:cNvPr>
+          <p:cNvSpPr txBox="1"/>
+          <p:nvPr/>
+        </p:nvSpPr>
+        <p:spPr>
+          <a:xfrm>
+            <a:off x="1347787" y="876597"/>
+            <a:ext cx="3605474" cy="707886"/>
+          </a:xfrm>
+          <a:prstGeom prst="rect">
+            <a:avLst/>
+          </a:prstGeom>
+          <a:noFill/>
+        </p:spPr>
+        <p:txBody>
+          <a:bodyPr wrap="none" rtlCol="0">
+            <a:spAutoFit/>
+          </a:bodyPr>
+          <a:lstStyle/>
+          <a:p>
+            <a:r>
+              <a:rPr lang="ko-KR" altLang="en-US" sz="4000" dirty="0">
+                <a:latin typeface="HY헤드라인M" panose="02030600000101010101" pitchFamily="18" charset="-127"/>
+                <a:ea typeface="HY헤드라인M" panose="02030600000101010101" pitchFamily="18" charset="-127"/>
+              </a:rPr>
+              <a:t>중점 연구 분야</a:t>
+            </a:r>
+          </a:p>
+        </p:txBody>
+      </p:sp>
+      <p:sp>
+        <p:nvSpPr>
+          <p:cNvPr id="4" name="TextBox 3">
+            <a:extLst>
+              <a:ext uri="{FF2B5EF4-FFF2-40B4-BE49-F238E27FC236}">
+                <a16:creationId xmlns:a16="http://schemas.microsoft.com/office/drawing/2014/main" id="{BF07602F-6AE9-44B4-BE0F-55FE2EDFDD1C}"/>
+              </a:ext>
+            </a:extLst>
+          </p:cNvPr>
+          <p:cNvSpPr txBox="1"/>
+          <p:nvPr/>
+        </p:nvSpPr>
+        <p:spPr>
+          <a:xfrm>
+            <a:off x="8671112" y="443788"/>
+            <a:ext cx="2287806" cy="523220"/>
+          </a:xfrm>
+          <a:prstGeom prst="rect">
+            <a:avLst/>
+          </a:prstGeom>
+          <a:noFill/>
+        </p:spPr>
+        <p:txBody>
+          <a:bodyPr wrap="none" rtlCol="0">
+            <a:spAutoFit/>
+          </a:bodyPr>
+          <a:lstStyle/>
+          <a:p>
+            <a:r>
+              <a:rPr lang="en-US" altLang="ko-KR" sz="2800" dirty="0">
+                <a:latin typeface="HY헤드라인M" panose="02030600000101010101" pitchFamily="18" charset="-127"/>
+                <a:ea typeface="HY헤드라인M" panose="02030600000101010101" pitchFamily="18" charset="-127"/>
+              </a:rPr>
+              <a:t>The Island</a:t>
+            </a:r>
+            <a:r>
+              <a:rPr lang="en-US" altLang="ko-KR" sz="1050" dirty="0">
+                <a:latin typeface="HY헤드라인M" panose="02030600000101010101" pitchFamily="18" charset="-127"/>
+                <a:ea typeface="HY헤드라인M" panose="02030600000101010101" pitchFamily="18" charset="-127"/>
+              </a:rPr>
+              <a:t>(</a:t>
+            </a:r>
+            <a:r>
+              <a:rPr lang="ko-KR" altLang="en-US" sz="1050" dirty="0">
+                <a:latin typeface="HY헤드라인M" panose="02030600000101010101" pitchFamily="18" charset="-127"/>
+                <a:ea typeface="HY헤드라인M" panose="02030600000101010101" pitchFamily="18" charset="-127"/>
+              </a:rPr>
+              <a:t>가제</a:t>
+            </a:r>
+            <a:r>
+              <a:rPr lang="en-US" altLang="ko-KR" sz="1050" dirty="0">
+                <a:latin typeface="HY헤드라인M" panose="02030600000101010101" pitchFamily="18" charset="-127"/>
+                <a:ea typeface="HY헤드라인M" panose="02030600000101010101" pitchFamily="18" charset="-127"/>
+              </a:rPr>
+              <a:t>)</a:t>
+            </a:r>
+            <a:endParaRPr lang="ko-KR" altLang="en-US" sz="2800" dirty="0">
+              <a:latin typeface="HY헤드라인M" panose="02030600000101010101" pitchFamily="18" charset="-127"/>
+              <a:ea typeface="HY헤드라인M" panose="02030600000101010101" pitchFamily="18" charset="-127"/>
+            </a:endParaRPr>
+          </a:p>
+        </p:txBody>
+      </p:sp>
+      <p:sp>
+        <p:nvSpPr>
+          <p:cNvPr id="5" name="TextBox 4">
+            <a:extLst>
+              <a:ext uri="{FF2B5EF4-FFF2-40B4-BE49-F238E27FC236}">
+                <a16:creationId xmlns:a16="http://schemas.microsoft.com/office/drawing/2014/main" id="{8B8A36FB-13F6-49E8-A86D-6CF420F297BC}"/>
+              </a:ext>
+            </a:extLst>
+          </p:cNvPr>
+          <p:cNvSpPr txBox="1"/>
+          <p:nvPr/>
+        </p:nvSpPr>
+        <p:spPr>
+          <a:xfrm>
+            <a:off x="1347787" y="59067"/>
+            <a:ext cx="1382110" cy="769441"/>
+          </a:xfrm>
+          <a:prstGeom prst="rect">
+            <a:avLst/>
+          </a:prstGeom>
+          <a:noFill/>
+        </p:spPr>
+        <p:txBody>
+          <a:bodyPr wrap="none" rtlCol="0">
+            <a:spAutoFit/>
+          </a:bodyPr>
+          <a:lstStyle/>
+          <a:p>
+            <a:r>
+              <a:rPr lang="en-US" altLang="ko-KR" sz="4400" dirty="0">
+                <a:solidFill>
+                  <a:schemeClr val="accent1"/>
+                </a:solidFill>
+                <a:latin typeface="HY헤드라인M" panose="02030600000101010101" pitchFamily="18" charset="-127"/>
+                <a:ea typeface="HY헤드라인M" panose="02030600000101010101" pitchFamily="18" charset="-127"/>
+              </a:rPr>
+              <a:t>HOW</a:t>
+            </a:r>
+            <a:endParaRPr lang="ko-KR" altLang="en-US" sz="4400" dirty="0">
+              <a:solidFill>
+                <a:schemeClr val="accent1"/>
+              </a:solidFill>
+              <a:latin typeface="HY헤드라인M" panose="02030600000101010101" pitchFamily="18" charset="-127"/>
+              <a:ea typeface="HY헤드라인M" panose="02030600000101010101" pitchFamily="18" charset="-127"/>
+            </a:endParaRPr>
+          </a:p>
+        </p:txBody>
+      </p:sp>
+      <p:sp>
+        <p:nvSpPr>
+          <p:cNvPr id="6" name="TextBox 5">
+            <a:extLst>
+              <a:ext uri="{FF2B5EF4-FFF2-40B4-BE49-F238E27FC236}">
+                <a16:creationId xmlns:a16="http://schemas.microsoft.com/office/drawing/2014/main" id="{30644E1A-CD8E-4E97-B44E-498BA04E0B37}"/>
+              </a:ext>
+            </a:extLst>
+          </p:cNvPr>
+          <p:cNvSpPr txBox="1"/>
+          <p:nvPr/>
+        </p:nvSpPr>
+        <p:spPr>
+          <a:xfrm>
+            <a:off x="10207499" y="6283173"/>
+            <a:ext cx="636713" cy="369332"/>
+          </a:xfrm>
+          <a:prstGeom prst="rect">
+            <a:avLst/>
+          </a:prstGeom>
+          <a:noFill/>
+        </p:spPr>
+        <p:txBody>
+          <a:bodyPr wrap="none" rtlCol="0">
+            <a:spAutoFit/>
+          </a:bodyPr>
+          <a:lstStyle/>
+          <a:p>
+            <a:r>
+              <a:rPr lang="en-US" altLang="ko-KR" dirty="0">
+                <a:latin typeface="HY헤드라인M" panose="02030600000101010101" pitchFamily="18" charset="-127"/>
+                <a:ea typeface="HY헤드라인M" panose="02030600000101010101" pitchFamily="18" charset="-127"/>
+              </a:rPr>
+              <a:t>15/..</a:t>
+            </a:r>
+            <a:endParaRPr lang="ko-KR" altLang="en-US" dirty="0">
+              <a:latin typeface="HY헤드라인M" panose="02030600000101010101" pitchFamily="18" charset="-127"/>
+              <a:ea typeface="HY헤드라인M" panose="02030600000101010101" pitchFamily="18" charset="-127"/>
+            </a:endParaRPr>
+          </a:p>
+        </p:txBody>
+      </p:sp>
+      <p:cxnSp>
+        <p:nvCxnSpPr>
+          <p:cNvPr id="7" name="직선 연결선 6">
+            <a:extLst>
+              <a:ext uri="{FF2B5EF4-FFF2-40B4-BE49-F238E27FC236}">
+                <a16:creationId xmlns:a16="http://schemas.microsoft.com/office/drawing/2014/main" id="{1213C020-10BD-47FA-8004-EF392DA9F117}"/>
+              </a:ext>
+            </a:extLst>
+          </p:cNvPr>
+          <p:cNvCxnSpPr>
+            <a:cxnSpLocks/>
+          </p:cNvCxnSpPr>
+          <p:nvPr/>
+        </p:nvCxnSpPr>
+        <p:spPr>
+          <a:xfrm>
+            <a:off x="1347787" y="6263528"/>
+            <a:ext cx="9496425" cy="19645"/>
+          </a:xfrm>
+          <a:prstGeom prst="line">
+            <a:avLst/>
+          </a:prstGeom>
+          <a:ln w="25400">
+            <a:solidFill>
+              <a:schemeClr val="tx1"/>
+            </a:solidFill>
+          </a:ln>
+        </p:spPr>
+        <p:style>
+          <a:lnRef idx="1">
+            <a:schemeClr val="accent1"/>
+          </a:lnRef>
+          <a:fillRef idx="0">
+            <a:schemeClr val="accent1"/>
+          </a:fillRef>
+          <a:effectRef idx="0">
+            <a:schemeClr val="accent1"/>
+          </a:effectRef>
+          <a:fontRef idx="minor">
+            <a:schemeClr val="tx1"/>
+          </a:fontRef>
+        </p:style>
+      </p:cxnSp>
+      <p:sp>
+        <p:nvSpPr>
+          <p:cNvPr id="8" name="TextBox 7">
+            <a:extLst>
+              <a:ext uri="{FF2B5EF4-FFF2-40B4-BE49-F238E27FC236}">
+                <a16:creationId xmlns:a16="http://schemas.microsoft.com/office/drawing/2014/main" id="{7A612A51-3AF6-43F8-BC7C-00E4C9F335CF}"/>
+              </a:ext>
+            </a:extLst>
+          </p:cNvPr>
+          <p:cNvSpPr txBox="1"/>
+          <p:nvPr/>
+        </p:nvSpPr>
+        <p:spPr>
+          <a:xfrm>
+            <a:off x="2729897" y="2143002"/>
+            <a:ext cx="954107" cy="400110"/>
+          </a:xfrm>
+          <a:prstGeom prst="rect">
+            <a:avLst/>
+          </a:prstGeom>
+          <a:noFill/>
+        </p:spPr>
+        <p:txBody>
+          <a:bodyPr wrap="none" rtlCol="0">
+            <a:spAutoFit/>
+          </a:bodyPr>
+          <a:lstStyle/>
+          <a:p>
+            <a:pPr algn="ctr"/>
+            <a:r>
+              <a:rPr lang="ko-KR" altLang="en-US" sz="2000" dirty="0" err="1">
+                <a:latin typeface="HY견고딕" panose="02030600000101010101" pitchFamily="18" charset="-127"/>
+                <a:ea typeface="HY견고딕" panose="02030600000101010101" pitchFamily="18" charset="-127"/>
+              </a:rPr>
+              <a:t>김하윤</a:t>
+            </a:r>
+            <a:endParaRPr lang="ko-KR" altLang="en-US" sz="2000" dirty="0">
+              <a:latin typeface="HY견고딕" panose="02030600000101010101" pitchFamily="18" charset="-127"/>
+              <a:ea typeface="HY견고딕" panose="02030600000101010101" pitchFamily="18" charset="-127"/>
+            </a:endParaRPr>
+          </a:p>
+        </p:txBody>
+      </p:sp>
+      <p:sp>
+        <p:nvSpPr>
+          <p:cNvPr id="9" name="TextBox 8">
+            <a:extLst>
+              <a:ext uri="{FF2B5EF4-FFF2-40B4-BE49-F238E27FC236}">
+                <a16:creationId xmlns:a16="http://schemas.microsoft.com/office/drawing/2014/main" id="{35819DF1-8655-4F12-8239-2F1D457A33EB}"/>
+              </a:ext>
+            </a:extLst>
+          </p:cNvPr>
+          <p:cNvSpPr txBox="1"/>
+          <p:nvPr/>
+        </p:nvSpPr>
+        <p:spPr>
+          <a:xfrm>
+            <a:off x="5675370" y="2143002"/>
+            <a:ext cx="954107" cy="400110"/>
+          </a:xfrm>
+          <a:prstGeom prst="rect">
+            <a:avLst/>
+          </a:prstGeom>
+          <a:noFill/>
+        </p:spPr>
+        <p:txBody>
+          <a:bodyPr wrap="none" rtlCol="0">
+            <a:spAutoFit/>
+          </a:bodyPr>
+          <a:lstStyle/>
+          <a:p>
+            <a:pPr algn="ctr"/>
+            <a:r>
+              <a:rPr lang="ko-KR" altLang="en-US" sz="2000" dirty="0">
+                <a:latin typeface="HY견고딕" panose="02030600000101010101" pitchFamily="18" charset="-127"/>
+                <a:ea typeface="HY견고딕" panose="02030600000101010101" pitchFamily="18" charset="-127"/>
+              </a:rPr>
+              <a:t>이동규</a:t>
+            </a:r>
+          </a:p>
+        </p:txBody>
+      </p:sp>
+      <p:sp>
+        <p:nvSpPr>
+          <p:cNvPr id="10" name="TextBox 9">
+            <a:extLst>
+              <a:ext uri="{FF2B5EF4-FFF2-40B4-BE49-F238E27FC236}">
+                <a16:creationId xmlns:a16="http://schemas.microsoft.com/office/drawing/2014/main" id="{1C7B1DE1-3E0A-4AD9-915F-60585650B166}"/>
+              </a:ext>
+            </a:extLst>
+          </p:cNvPr>
+          <p:cNvSpPr txBox="1"/>
+          <p:nvPr/>
+        </p:nvSpPr>
+        <p:spPr>
+          <a:xfrm>
+            <a:off x="8620843" y="2143002"/>
+            <a:ext cx="954107" cy="400110"/>
+          </a:xfrm>
+          <a:prstGeom prst="rect">
+            <a:avLst/>
+          </a:prstGeom>
+          <a:noFill/>
+        </p:spPr>
+        <p:txBody>
+          <a:bodyPr wrap="none" rtlCol="0">
+            <a:spAutoFit/>
+          </a:bodyPr>
+          <a:lstStyle/>
+          <a:p>
+            <a:pPr algn="ctr"/>
+            <a:r>
+              <a:rPr lang="ko-KR" altLang="en-US" sz="2000" dirty="0" err="1">
+                <a:latin typeface="HY견고딕" panose="02030600000101010101" pitchFamily="18" charset="-127"/>
+                <a:ea typeface="HY견고딕" panose="02030600000101010101" pitchFamily="18" charset="-127"/>
+              </a:rPr>
+              <a:t>이득유</a:t>
+            </a:r>
+            <a:endParaRPr lang="ko-KR" altLang="en-US" sz="2000" dirty="0">
+              <a:latin typeface="HY견고딕" panose="02030600000101010101" pitchFamily="18" charset="-127"/>
+              <a:ea typeface="HY견고딕" panose="02030600000101010101" pitchFamily="18" charset="-127"/>
+            </a:endParaRPr>
+          </a:p>
+        </p:txBody>
+      </p:sp>
+      <p:sp>
+        <p:nvSpPr>
+          <p:cNvPr id="15" name="사각형: 둥근 모서리 14">
+            <a:extLst>
+              <a:ext uri="{FF2B5EF4-FFF2-40B4-BE49-F238E27FC236}">
+                <a16:creationId xmlns:a16="http://schemas.microsoft.com/office/drawing/2014/main" id="{42AC6AEA-C537-4334-8518-49F43F32AE20}"/>
+              </a:ext>
+            </a:extLst>
+          </p:cNvPr>
+          <p:cNvSpPr/>
+          <p:nvPr/>
+        </p:nvSpPr>
+        <p:spPr>
+          <a:xfrm>
+            <a:off x="1736738" y="1882588"/>
+            <a:ext cx="2940423" cy="3830032"/>
+          </a:xfrm>
+          <a:prstGeom prst="roundRect">
+            <a:avLst/>
+          </a:prstGeom>
+          <a:noFill/>
+          <a:ln w="25400" cmpd="sng">
+            <a:solidFill>
+              <a:schemeClr val="tx1"/>
+            </a:solidFill>
+          </a:ln>
+        </p:spPr>
+        <p:style>
+          <a:lnRef idx="2">
+            <a:schemeClr val="accent1">
+              <a:shade val="50000"/>
+            </a:schemeClr>
+          </a:lnRef>
+          <a:fillRef idx="1">
+            <a:schemeClr val="accent1"/>
+          </a:fillRef>
+          <a:effectRef idx="0">
+            <a:schemeClr val="accent1"/>
+          </a:effectRef>
+          <a:fontRef idx="minor">
+            <a:schemeClr val="lt1"/>
+          </a:fontRef>
+        </p:style>
+        <p:txBody>
+          <a:bodyPr rtlCol="0" anchor="ctr"/>
+          <a:lstStyle/>
+          <a:p>
+            <a:pPr algn="ctr"/>
+            <a:endParaRPr lang="ko-KR" altLang="en-US"/>
+          </a:p>
+        </p:txBody>
+      </p:sp>
+      <p:sp>
+        <p:nvSpPr>
+          <p:cNvPr id="16" name="사각형: 둥근 모서리 15">
+            <a:extLst>
+              <a:ext uri="{FF2B5EF4-FFF2-40B4-BE49-F238E27FC236}">
+                <a16:creationId xmlns:a16="http://schemas.microsoft.com/office/drawing/2014/main" id="{A680FFAE-6A3C-47EC-8A2C-8ABAC911650E}"/>
+              </a:ext>
+            </a:extLst>
+          </p:cNvPr>
+          <p:cNvSpPr/>
+          <p:nvPr/>
+        </p:nvSpPr>
+        <p:spPr>
+          <a:xfrm>
+            <a:off x="4682211" y="1882588"/>
+            <a:ext cx="2940423" cy="3830032"/>
+          </a:xfrm>
+          <a:prstGeom prst="roundRect">
+            <a:avLst/>
+          </a:prstGeom>
+          <a:noFill/>
+          <a:ln w="25400" cmpd="sng">
+            <a:solidFill>
+              <a:schemeClr val="tx1"/>
+            </a:solidFill>
+          </a:ln>
+        </p:spPr>
+        <p:style>
+          <a:lnRef idx="2">
+            <a:schemeClr val="accent1">
+              <a:shade val="50000"/>
+            </a:schemeClr>
+          </a:lnRef>
+          <a:fillRef idx="1">
+            <a:schemeClr val="accent1"/>
+          </a:fillRef>
+          <a:effectRef idx="0">
+            <a:schemeClr val="accent1"/>
+          </a:effectRef>
+          <a:fontRef idx="minor">
+            <a:schemeClr val="lt1"/>
+          </a:fontRef>
+        </p:style>
+        <p:txBody>
+          <a:bodyPr rtlCol="0" anchor="ctr"/>
+          <a:lstStyle/>
+          <a:p>
+            <a:pPr algn="ctr"/>
+            <a:endParaRPr lang="ko-KR" altLang="en-US"/>
+          </a:p>
+        </p:txBody>
+      </p:sp>
+      <p:sp>
+        <p:nvSpPr>
+          <p:cNvPr id="17" name="사각형: 둥근 모서리 16">
+            <a:extLst>
+              <a:ext uri="{FF2B5EF4-FFF2-40B4-BE49-F238E27FC236}">
+                <a16:creationId xmlns:a16="http://schemas.microsoft.com/office/drawing/2014/main" id="{6A55E696-7320-42E1-8AB6-F5B0F7211587}"/>
+              </a:ext>
+            </a:extLst>
+          </p:cNvPr>
+          <p:cNvSpPr/>
+          <p:nvPr/>
+        </p:nvSpPr>
+        <p:spPr>
+          <a:xfrm>
+            <a:off x="7627684" y="1882588"/>
+            <a:ext cx="2940423" cy="3830032"/>
+          </a:xfrm>
+          <a:prstGeom prst="roundRect">
+            <a:avLst/>
+          </a:prstGeom>
+          <a:noFill/>
+          <a:ln w="25400" cmpd="sng">
+            <a:solidFill>
+              <a:schemeClr val="tx1"/>
+            </a:solidFill>
+          </a:ln>
+        </p:spPr>
+        <p:style>
+          <a:lnRef idx="2">
+            <a:schemeClr val="accent1">
+              <a:shade val="50000"/>
+            </a:schemeClr>
+          </a:lnRef>
+          <a:fillRef idx="1">
+            <a:schemeClr val="accent1"/>
+          </a:fillRef>
+          <a:effectRef idx="0">
+            <a:schemeClr val="accent1"/>
+          </a:effectRef>
+          <a:fontRef idx="minor">
+            <a:schemeClr val="lt1"/>
+          </a:fontRef>
+        </p:style>
+        <p:txBody>
+          <a:bodyPr rtlCol="0" anchor="ctr"/>
+          <a:lstStyle/>
+          <a:p>
+            <a:pPr algn="ctr"/>
+            <a:endParaRPr lang="ko-KR" altLang="en-US"/>
+          </a:p>
+        </p:txBody>
+      </p:sp>
+      <p:sp>
+        <p:nvSpPr>
+          <p:cNvPr id="14" name="TextBox 13">
+            <a:extLst>
+              <a:ext uri="{FF2B5EF4-FFF2-40B4-BE49-F238E27FC236}">
+                <a16:creationId xmlns:a16="http://schemas.microsoft.com/office/drawing/2014/main" id="{2870AD53-AC1D-4B3C-9FA8-F6760784052F}"/>
+              </a:ext>
+            </a:extLst>
+          </p:cNvPr>
+          <p:cNvSpPr txBox="1"/>
+          <p:nvPr/>
+        </p:nvSpPr>
+        <p:spPr>
+          <a:xfrm>
+            <a:off x="5098287" y="2803526"/>
+            <a:ext cx="2108269" cy="2031325"/>
+          </a:xfrm>
+          <a:prstGeom prst="rect">
+            <a:avLst/>
+          </a:prstGeom>
+          <a:noFill/>
+        </p:spPr>
+        <p:txBody>
+          <a:bodyPr wrap="none" rtlCol="0">
+            <a:spAutoFit/>
+          </a:bodyPr>
+          <a:lstStyle/>
+          <a:p>
+            <a:pPr algn="ctr"/>
+            <a:r>
+              <a:rPr lang="ko-KR" altLang="en-US" dirty="0">
+                <a:latin typeface="HY견고딕" panose="02030600000101010101" pitchFamily="18" charset="-127"/>
+                <a:ea typeface="HY견고딕" panose="02030600000101010101" pitchFamily="18" charset="-127"/>
+              </a:rPr>
+              <a:t>하우징</a:t>
+            </a:r>
+            <a:endParaRPr lang="en-US" altLang="ko-KR" dirty="0">
+              <a:latin typeface="HY견고딕" panose="02030600000101010101" pitchFamily="18" charset="-127"/>
+              <a:ea typeface="HY견고딕" panose="02030600000101010101" pitchFamily="18" charset="-127"/>
+            </a:endParaRPr>
+          </a:p>
+          <a:p>
+            <a:pPr algn="ctr"/>
+            <a:endParaRPr lang="en-US" altLang="ko-KR" dirty="0">
+              <a:latin typeface="HY견고딕" panose="02030600000101010101" pitchFamily="18" charset="-127"/>
+              <a:ea typeface="HY견고딕" panose="02030600000101010101" pitchFamily="18" charset="-127"/>
+            </a:endParaRPr>
+          </a:p>
+          <a:p>
+            <a:pPr algn="ctr"/>
+            <a:r>
+              <a:rPr lang="ko-KR" altLang="en-US" dirty="0">
+                <a:latin typeface="HY견고딕" panose="02030600000101010101" pitchFamily="18" charset="-127"/>
+                <a:ea typeface="HY견고딕" panose="02030600000101010101" pitchFamily="18" charset="-127"/>
+              </a:rPr>
+              <a:t>그림자</a:t>
+            </a:r>
+            <a:endParaRPr lang="en-US" altLang="ko-KR" dirty="0">
+              <a:latin typeface="HY견고딕" panose="02030600000101010101" pitchFamily="18" charset="-127"/>
+              <a:ea typeface="HY견고딕" panose="02030600000101010101" pitchFamily="18" charset="-127"/>
+            </a:endParaRPr>
+          </a:p>
+          <a:p>
+            <a:pPr algn="ctr"/>
+            <a:endParaRPr lang="en-US" altLang="ko-KR" dirty="0">
+              <a:latin typeface="HY견고딕" panose="02030600000101010101" pitchFamily="18" charset="-127"/>
+              <a:ea typeface="HY견고딕" panose="02030600000101010101" pitchFamily="18" charset="-127"/>
+            </a:endParaRPr>
+          </a:p>
+          <a:p>
+            <a:pPr algn="ctr"/>
+            <a:r>
+              <a:rPr lang="ko-KR" altLang="en-US" dirty="0" err="1">
+                <a:latin typeface="HY견고딕" panose="02030600000101010101" pitchFamily="18" charset="-127"/>
+                <a:ea typeface="HY견고딕" panose="02030600000101010101" pitchFamily="18" charset="-127"/>
+              </a:rPr>
+              <a:t>쉐이더</a:t>
+            </a:r>
+            <a:r>
+              <a:rPr lang="ko-KR" altLang="en-US" dirty="0">
+                <a:latin typeface="HY견고딕" panose="02030600000101010101" pitchFamily="18" charset="-127"/>
+                <a:ea typeface="HY견고딕" panose="02030600000101010101" pitchFamily="18" charset="-127"/>
+              </a:rPr>
+              <a:t> 프로그래밍</a:t>
+            </a:r>
+            <a:endParaRPr lang="en-US" altLang="ko-KR" dirty="0">
+              <a:latin typeface="HY견고딕" panose="02030600000101010101" pitchFamily="18" charset="-127"/>
+              <a:ea typeface="HY견고딕" panose="02030600000101010101" pitchFamily="18" charset="-127"/>
+            </a:endParaRPr>
+          </a:p>
+          <a:p>
+            <a:pPr algn="ctr"/>
+            <a:endParaRPr lang="en-US" altLang="ko-KR" dirty="0">
+              <a:latin typeface="HY견고딕" panose="02030600000101010101" pitchFamily="18" charset="-127"/>
+              <a:ea typeface="HY견고딕" panose="02030600000101010101" pitchFamily="18" charset="-127"/>
+            </a:endParaRPr>
+          </a:p>
+          <a:p>
+            <a:pPr algn="ctr"/>
+            <a:r>
+              <a:rPr lang="ko-KR" altLang="en-US" dirty="0">
+                <a:latin typeface="HY견고딕" panose="02030600000101010101" pitchFamily="18" charset="-127"/>
+                <a:ea typeface="HY견고딕" panose="02030600000101010101" pitchFamily="18" charset="-127"/>
+              </a:rPr>
+              <a:t>추가 바람</a:t>
+            </a:r>
+          </a:p>
+        </p:txBody>
+      </p:sp>
+      <p:sp>
+        <p:nvSpPr>
+          <p:cNvPr id="18" name="TextBox 17">
+            <a:extLst>
+              <a:ext uri="{FF2B5EF4-FFF2-40B4-BE49-F238E27FC236}">
+                <a16:creationId xmlns:a16="http://schemas.microsoft.com/office/drawing/2014/main" id="{F60A9A1F-C28B-4987-ABDD-88FC94F957A3}"/>
+              </a:ext>
+            </a:extLst>
+          </p:cNvPr>
+          <p:cNvSpPr txBox="1"/>
+          <p:nvPr/>
+        </p:nvSpPr>
+        <p:spPr>
+          <a:xfrm>
+            <a:off x="7880012" y="2803526"/>
+            <a:ext cx="2425664" cy="923330"/>
+          </a:xfrm>
+          <a:prstGeom prst="rect">
+            <a:avLst/>
+          </a:prstGeom>
+          <a:noFill/>
+        </p:spPr>
+        <p:txBody>
+          <a:bodyPr wrap="none" rtlCol="0">
+            <a:spAutoFit/>
+          </a:bodyPr>
+          <a:lstStyle/>
+          <a:p>
+            <a:pPr algn="ctr"/>
+            <a:r>
+              <a:rPr lang="en-US" altLang="ko-KR" dirty="0">
+                <a:latin typeface="HY견고딕" panose="02030600000101010101" pitchFamily="18" charset="-127"/>
+                <a:ea typeface="HY견고딕" panose="02030600000101010101" pitchFamily="18" charset="-127"/>
+              </a:rPr>
+              <a:t>IOCP </a:t>
+            </a:r>
+            <a:r>
+              <a:rPr lang="ko-KR" altLang="en-US" dirty="0">
+                <a:latin typeface="HY견고딕" panose="02030600000101010101" pitchFamily="18" charset="-127"/>
+                <a:ea typeface="HY견고딕" panose="02030600000101010101" pitchFamily="18" charset="-127"/>
+              </a:rPr>
+              <a:t>다중 접속 서버</a:t>
+            </a:r>
+            <a:endParaRPr lang="en-US" altLang="ko-KR" dirty="0">
+              <a:latin typeface="HY견고딕" panose="02030600000101010101" pitchFamily="18" charset="-127"/>
+              <a:ea typeface="HY견고딕" panose="02030600000101010101" pitchFamily="18" charset="-127"/>
+            </a:endParaRPr>
+          </a:p>
+          <a:p>
+            <a:pPr algn="ctr"/>
+            <a:endParaRPr lang="en-US" altLang="ko-KR" dirty="0">
+              <a:latin typeface="HY견고딕" panose="02030600000101010101" pitchFamily="18" charset="-127"/>
+              <a:ea typeface="HY견고딕" panose="02030600000101010101" pitchFamily="18" charset="-127"/>
+            </a:endParaRPr>
+          </a:p>
+          <a:p>
+            <a:pPr algn="ctr"/>
+            <a:r>
+              <a:rPr lang="ko-KR" altLang="en-US" dirty="0">
+                <a:latin typeface="HY견고딕" panose="02030600000101010101" pitchFamily="18" charset="-127"/>
+                <a:ea typeface="HY견고딕" panose="02030600000101010101" pitchFamily="18" charset="-127"/>
+              </a:rPr>
+              <a:t>추가 바람</a:t>
+            </a:r>
+          </a:p>
+        </p:txBody>
+      </p:sp>
+      <p:sp>
+        <p:nvSpPr>
+          <p:cNvPr id="19" name="TextBox 18">
+            <a:extLst>
+              <a:ext uri="{FF2B5EF4-FFF2-40B4-BE49-F238E27FC236}">
+                <a16:creationId xmlns:a16="http://schemas.microsoft.com/office/drawing/2014/main" id="{8FC07485-4A66-496F-B990-06DD9E8AB13C}"/>
+              </a:ext>
+            </a:extLst>
+          </p:cNvPr>
+          <p:cNvSpPr txBox="1"/>
+          <p:nvPr/>
+        </p:nvSpPr>
+        <p:spPr>
+          <a:xfrm>
+            <a:off x="2152816" y="2771161"/>
+            <a:ext cx="2108269" cy="2585323"/>
+          </a:xfrm>
+          <a:prstGeom prst="rect">
+            <a:avLst/>
+          </a:prstGeom>
+          <a:noFill/>
+        </p:spPr>
+        <p:txBody>
+          <a:bodyPr wrap="none" rtlCol="0">
+            <a:spAutoFit/>
+          </a:bodyPr>
+          <a:lstStyle/>
+          <a:p>
+            <a:pPr algn="ctr"/>
+            <a:r>
+              <a:rPr lang="ko-KR" altLang="en-US" dirty="0">
+                <a:latin typeface="HY견고딕" panose="02030600000101010101" pitchFamily="18" charset="-127"/>
+                <a:ea typeface="HY견고딕" panose="02030600000101010101" pitchFamily="18" charset="-127"/>
+              </a:rPr>
+              <a:t>프레임워크</a:t>
+            </a:r>
+            <a:endParaRPr lang="en-US" altLang="ko-KR" dirty="0">
+              <a:latin typeface="HY견고딕" panose="02030600000101010101" pitchFamily="18" charset="-127"/>
+              <a:ea typeface="HY견고딕" panose="02030600000101010101" pitchFamily="18" charset="-127"/>
+            </a:endParaRPr>
+          </a:p>
+          <a:p>
+            <a:pPr algn="ctr"/>
+            <a:endParaRPr lang="en-US" altLang="ko-KR" dirty="0">
+              <a:latin typeface="HY견고딕" panose="02030600000101010101" pitchFamily="18" charset="-127"/>
+              <a:ea typeface="HY견고딕" panose="02030600000101010101" pitchFamily="18" charset="-127"/>
+            </a:endParaRPr>
+          </a:p>
+          <a:p>
+            <a:pPr algn="ctr"/>
+            <a:r>
+              <a:rPr lang="ko-KR" altLang="en-US" dirty="0">
+                <a:latin typeface="HY견고딕" panose="02030600000101010101" pitchFamily="18" charset="-127"/>
+                <a:ea typeface="HY견고딕" panose="02030600000101010101" pitchFamily="18" charset="-127"/>
+              </a:rPr>
+              <a:t>애니메이션</a:t>
+            </a:r>
+            <a:endParaRPr lang="en-US" altLang="ko-KR" dirty="0">
+              <a:latin typeface="HY견고딕" panose="02030600000101010101" pitchFamily="18" charset="-127"/>
+              <a:ea typeface="HY견고딕" panose="02030600000101010101" pitchFamily="18" charset="-127"/>
+            </a:endParaRPr>
+          </a:p>
+          <a:p>
+            <a:pPr algn="ctr"/>
+            <a:endParaRPr lang="en-US" altLang="ko-KR" dirty="0">
+              <a:latin typeface="HY견고딕" panose="02030600000101010101" pitchFamily="18" charset="-127"/>
+              <a:ea typeface="HY견고딕" panose="02030600000101010101" pitchFamily="18" charset="-127"/>
+            </a:endParaRPr>
+          </a:p>
+          <a:p>
+            <a:pPr algn="ctr"/>
+            <a:r>
+              <a:rPr lang="ko-KR" altLang="en-US" dirty="0">
+                <a:latin typeface="HY견고딕" panose="02030600000101010101" pitchFamily="18" charset="-127"/>
+                <a:ea typeface="HY견고딕" panose="02030600000101010101" pitchFamily="18" charset="-127"/>
+              </a:rPr>
+              <a:t>그림자</a:t>
+            </a:r>
+            <a:endParaRPr lang="en-US" altLang="ko-KR" dirty="0">
+              <a:latin typeface="HY견고딕" panose="02030600000101010101" pitchFamily="18" charset="-127"/>
+              <a:ea typeface="HY견고딕" panose="02030600000101010101" pitchFamily="18" charset="-127"/>
+            </a:endParaRPr>
+          </a:p>
+          <a:p>
+            <a:pPr algn="ctr"/>
+            <a:endParaRPr lang="en-US" altLang="ko-KR" dirty="0">
+              <a:latin typeface="HY견고딕" panose="02030600000101010101" pitchFamily="18" charset="-127"/>
+              <a:ea typeface="HY견고딕" panose="02030600000101010101" pitchFamily="18" charset="-127"/>
+            </a:endParaRPr>
+          </a:p>
+          <a:p>
+            <a:pPr algn="ctr"/>
+            <a:r>
+              <a:rPr lang="ko-KR" altLang="en-US" dirty="0" err="1">
+                <a:latin typeface="HY견고딕" panose="02030600000101010101" pitchFamily="18" charset="-127"/>
+                <a:ea typeface="HY견고딕" panose="02030600000101010101" pitchFamily="18" charset="-127"/>
+              </a:rPr>
+              <a:t>쉐이더</a:t>
+            </a:r>
+            <a:r>
+              <a:rPr lang="ko-KR" altLang="en-US" dirty="0">
+                <a:latin typeface="HY견고딕" panose="02030600000101010101" pitchFamily="18" charset="-127"/>
+                <a:ea typeface="HY견고딕" panose="02030600000101010101" pitchFamily="18" charset="-127"/>
+              </a:rPr>
+              <a:t> 프로그래밍</a:t>
+            </a:r>
+            <a:endParaRPr lang="en-US" altLang="ko-KR" dirty="0">
+              <a:latin typeface="HY견고딕" panose="02030600000101010101" pitchFamily="18" charset="-127"/>
+              <a:ea typeface="HY견고딕" panose="02030600000101010101" pitchFamily="18" charset="-127"/>
+            </a:endParaRPr>
+          </a:p>
+          <a:p>
+            <a:pPr algn="ctr"/>
+            <a:endParaRPr lang="en-US" altLang="ko-KR" dirty="0">
+              <a:latin typeface="HY견고딕" panose="02030600000101010101" pitchFamily="18" charset="-127"/>
+              <a:ea typeface="HY견고딕" panose="02030600000101010101" pitchFamily="18" charset="-127"/>
+            </a:endParaRPr>
+          </a:p>
+          <a:p>
+            <a:pPr algn="ctr"/>
+            <a:r>
+              <a:rPr lang="ko-KR" altLang="en-US" dirty="0">
+                <a:latin typeface="HY견고딕" panose="02030600000101010101" pitchFamily="18" charset="-127"/>
+                <a:ea typeface="HY견고딕" panose="02030600000101010101" pitchFamily="18" charset="-127"/>
+              </a:rPr>
+              <a:t>추가 바람</a:t>
+            </a:r>
+          </a:p>
+        </p:txBody>
+      </p:sp>
+      <p:sp>
+        <p:nvSpPr>
+          <p:cNvPr id="29" name="직사각형 28">
+            <a:extLst>
+              <a:ext uri="{FF2B5EF4-FFF2-40B4-BE49-F238E27FC236}">
+                <a16:creationId xmlns:a16="http://schemas.microsoft.com/office/drawing/2014/main" id="{1EB52445-61F1-4AA5-8890-46330E9E4655}"/>
+              </a:ext>
+            </a:extLst>
+          </p:cNvPr>
+          <p:cNvSpPr/>
+          <p:nvPr/>
+        </p:nvSpPr>
+        <p:spPr>
+          <a:xfrm>
+            <a:off x="4371046" y="2332541"/>
+            <a:ext cx="558443" cy="2913424"/>
+          </a:xfrm>
+          <a:prstGeom prst="rect">
+            <a:avLst/>
+          </a:prstGeom>
+          <a:solidFill>
+            <a:schemeClr val="bg1"/>
+          </a:solidFill>
+          <a:ln>
+            <a:solidFill>
+              <a:schemeClr val="bg1"/>
+            </a:solidFill>
+          </a:ln>
+        </p:spPr>
+        <p:style>
+          <a:lnRef idx="2">
+            <a:schemeClr val="accent1">
+              <a:shade val="50000"/>
+            </a:schemeClr>
+          </a:lnRef>
+          <a:fillRef idx="1">
+            <a:schemeClr val="accent1"/>
+          </a:fillRef>
+          <a:effectRef idx="0">
+            <a:schemeClr val="accent1"/>
+          </a:effectRef>
+          <a:fontRef idx="minor">
+            <a:schemeClr val="lt1"/>
+          </a:fontRef>
+        </p:style>
+        <p:txBody>
+          <a:bodyPr rtlCol="0" anchor="ctr"/>
+          <a:lstStyle/>
+          <a:p>
+            <a:pPr algn="ctr"/>
+            <a:endParaRPr lang="ko-KR" altLang="en-US"/>
+          </a:p>
+        </p:txBody>
+      </p:sp>
+      <p:sp>
+        <p:nvSpPr>
+          <p:cNvPr id="30" name="직사각형 29">
+            <a:extLst>
+              <a:ext uri="{FF2B5EF4-FFF2-40B4-BE49-F238E27FC236}">
+                <a16:creationId xmlns:a16="http://schemas.microsoft.com/office/drawing/2014/main" id="{8455D215-328C-4D4C-AADC-D7A3CCDFA0D2}"/>
+              </a:ext>
+            </a:extLst>
+          </p:cNvPr>
+          <p:cNvSpPr/>
+          <p:nvPr/>
+        </p:nvSpPr>
+        <p:spPr>
+          <a:xfrm>
+            <a:off x="7319044" y="2332539"/>
+            <a:ext cx="558443" cy="2913426"/>
+          </a:xfrm>
+          <a:prstGeom prst="rect">
+            <a:avLst/>
+          </a:prstGeom>
+          <a:solidFill>
+            <a:schemeClr val="bg1"/>
+          </a:solidFill>
+          <a:ln>
+            <a:solidFill>
+              <a:schemeClr val="bg1"/>
+            </a:solidFill>
+          </a:ln>
+        </p:spPr>
+        <p:style>
+          <a:lnRef idx="2">
+            <a:schemeClr val="accent1">
+              <a:shade val="50000"/>
+            </a:schemeClr>
+          </a:lnRef>
+          <a:fillRef idx="1">
+            <a:schemeClr val="accent1"/>
+          </a:fillRef>
+          <a:effectRef idx="0">
+            <a:schemeClr val="accent1"/>
+          </a:effectRef>
+          <a:fontRef idx="minor">
+            <a:schemeClr val="lt1"/>
+          </a:fontRef>
+        </p:style>
+        <p:txBody>
+          <a:bodyPr rtlCol="0" anchor="ctr"/>
+          <a:lstStyle/>
+          <a:p>
+            <a:pPr algn="ctr"/>
+            <a:endParaRPr lang="ko-KR" altLang="en-US"/>
+          </a:p>
+        </p:txBody>
+      </p:sp>
+    </p:spTree>
+    <p:extLst>
+      <p:ext uri="{BB962C8B-B14F-4D97-AF65-F5344CB8AC3E}">
+        <p14:creationId xmlns:p14="http://schemas.microsoft.com/office/powerpoint/2010/main" val="2449327308"/>
+      </p:ext>
+    </p:extLst>
+  </p:cSld>
+  <p:clrMapOvr>
+    <a:masterClrMapping/>
+  </p:clrMapOvr>
+</p:sld>
+</file>
+
+<file path=ppt/slides/slide16.xml><?xml version="1.0" encoding="utf-8"?>
+<p:sld xmlns:a="http://schemas.openxmlformats.org/drawingml/2006/main" xmlns:r="http://schemas.openxmlformats.org/officeDocument/2006/relationships" xmlns:p="http://schemas.openxmlformats.org/presentationml/2006/main">
+  <p:cSld>
+    <p:spTree>
+      <p:nvGrpSpPr>
+        <p:cNvPr id="1" name=""/>
+        <p:cNvGrpSpPr/>
+        <p:nvPr/>
+      </p:nvGrpSpPr>
+      <p:grpSpPr>
+        <a:xfrm>
+          <a:off x="0" y="0"/>
+          <a:ext cx="0" cy="0"/>
+          <a:chOff x="0" y="0"/>
+          <a:chExt cx="0" cy="0"/>
+        </a:xfrm>
+      </p:grpSpPr>
+      <p:cxnSp>
+        <p:nvCxnSpPr>
+          <p:cNvPr id="2" name="직선 연결선 1">
+            <a:extLst>
+              <a:ext uri="{FF2B5EF4-FFF2-40B4-BE49-F238E27FC236}">
+                <a16:creationId xmlns:a16="http://schemas.microsoft.com/office/drawing/2014/main" id="{F489D314-C637-4E9E-947D-448763FA3CE1}"/>
+              </a:ext>
+            </a:extLst>
+          </p:cNvPr>
+          <p:cNvCxnSpPr>
+            <a:cxnSpLocks/>
+          </p:cNvCxnSpPr>
+          <p:nvPr/>
+        </p:nvCxnSpPr>
+        <p:spPr>
+          <a:xfrm>
+            <a:off x="1347787" y="866775"/>
+            <a:ext cx="9496425" cy="19645"/>
+          </a:xfrm>
+          <a:prstGeom prst="line">
+            <a:avLst/>
+          </a:prstGeom>
+          <a:ln w="25400">
+            <a:solidFill>
+              <a:schemeClr val="tx1"/>
+            </a:solidFill>
+          </a:ln>
+        </p:spPr>
+        <p:style>
+          <a:lnRef idx="1">
+            <a:schemeClr val="accent1"/>
+          </a:lnRef>
+          <a:fillRef idx="0">
+            <a:schemeClr val="accent1"/>
+          </a:fillRef>
+          <a:effectRef idx="0">
+            <a:schemeClr val="accent1"/>
+          </a:effectRef>
+          <a:fontRef idx="minor">
+            <a:schemeClr val="tx1"/>
+          </a:fontRef>
+        </p:style>
+      </p:cxnSp>
+      <p:sp>
+        <p:nvSpPr>
+          <p:cNvPr id="3" name="TextBox 2">
+            <a:extLst>
+              <a:ext uri="{FF2B5EF4-FFF2-40B4-BE49-F238E27FC236}">
+                <a16:creationId xmlns:a16="http://schemas.microsoft.com/office/drawing/2014/main" id="{D5266936-5F5A-4942-B5DC-638A5ECB4501}"/>
+              </a:ext>
+            </a:extLst>
+          </p:cNvPr>
+          <p:cNvSpPr txBox="1"/>
+          <p:nvPr/>
+        </p:nvSpPr>
+        <p:spPr>
+          <a:xfrm>
+            <a:off x="1347787" y="876597"/>
+            <a:ext cx="4118435" cy="707886"/>
+          </a:xfrm>
+          <a:prstGeom prst="rect">
+            <a:avLst/>
+          </a:prstGeom>
+          <a:noFill/>
+        </p:spPr>
+        <p:txBody>
+          <a:bodyPr wrap="none" rtlCol="0">
+            <a:spAutoFit/>
+          </a:bodyPr>
+          <a:lstStyle/>
+          <a:p>
+            <a:r>
+              <a:rPr lang="ko-KR" altLang="en-US" sz="4000" dirty="0">
+                <a:latin typeface="HY헤드라인M" panose="02030600000101010101" pitchFamily="18" charset="-127"/>
+                <a:ea typeface="HY헤드라인M" panose="02030600000101010101" pitchFamily="18" charset="-127"/>
+              </a:rPr>
+              <a:t>구성원 역할 분담</a:t>
+            </a:r>
+          </a:p>
+        </p:txBody>
+      </p:sp>
+      <p:sp>
+        <p:nvSpPr>
+          <p:cNvPr id="4" name="TextBox 3">
+            <a:extLst>
+              <a:ext uri="{FF2B5EF4-FFF2-40B4-BE49-F238E27FC236}">
+                <a16:creationId xmlns:a16="http://schemas.microsoft.com/office/drawing/2014/main" id="{BF07602F-6AE9-44B4-BE0F-55FE2EDFDD1C}"/>
+              </a:ext>
+            </a:extLst>
+          </p:cNvPr>
+          <p:cNvSpPr txBox="1"/>
+          <p:nvPr/>
+        </p:nvSpPr>
+        <p:spPr>
+          <a:xfrm>
+            <a:off x="8671112" y="443788"/>
+            <a:ext cx="2287806" cy="523220"/>
+          </a:xfrm>
+          <a:prstGeom prst="rect">
+            <a:avLst/>
+          </a:prstGeom>
+          <a:noFill/>
+        </p:spPr>
+        <p:txBody>
+          <a:bodyPr wrap="none" rtlCol="0">
+            <a:spAutoFit/>
+          </a:bodyPr>
+          <a:lstStyle/>
+          <a:p>
+            <a:r>
+              <a:rPr lang="en-US" altLang="ko-KR" sz="2800" dirty="0">
+                <a:latin typeface="HY헤드라인M" panose="02030600000101010101" pitchFamily="18" charset="-127"/>
+                <a:ea typeface="HY헤드라인M" panose="02030600000101010101" pitchFamily="18" charset="-127"/>
+              </a:rPr>
+              <a:t>The Island</a:t>
+            </a:r>
+            <a:r>
+              <a:rPr lang="en-US" altLang="ko-KR" sz="1050" dirty="0">
+                <a:latin typeface="HY헤드라인M" panose="02030600000101010101" pitchFamily="18" charset="-127"/>
+                <a:ea typeface="HY헤드라인M" panose="02030600000101010101" pitchFamily="18" charset="-127"/>
+              </a:rPr>
+              <a:t>(</a:t>
+            </a:r>
+            <a:r>
+              <a:rPr lang="ko-KR" altLang="en-US" sz="1050" dirty="0">
+                <a:latin typeface="HY헤드라인M" panose="02030600000101010101" pitchFamily="18" charset="-127"/>
+                <a:ea typeface="HY헤드라인M" panose="02030600000101010101" pitchFamily="18" charset="-127"/>
+              </a:rPr>
+              <a:t>가제</a:t>
+            </a:r>
+            <a:r>
+              <a:rPr lang="en-US" altLang="ko-KR" sz="1050" dirty="0">
+                <a:latin typeface="HY헤드라인M" panose="02030600000101010101" pitchFamily="18" charset="-127"/>
+                <a:ea typeface="HY헤드라인M" panose="02030600000101010101" pitchFamily="18" charset="-127"/>
+              </a:rPr>
+              <a:t>)</a:t>
+            </a:r>
+            <a:endParaRPr lang="ko-KR" altLang="en-US" sz="2800" dirty="0">
+              <a:latin typeface="HY헤드라인M" panose="02030600000101010101" pitchFamily="18" charset="-127"/>
+              <a:ea typeface="HY헤드라인M" panose="02030600000101010101" pitchFamily="18" charset="-127"/>
+            </a:endParaRPr>
+          </a:p>
+        </p:txBody>
+      </p:sp>
+      <p:sp>
+        <p:nvSpPr>
+          <p:cNvPr id="5" name="TextBox 4">
+            <a:extLst>
+              <a:ext uri="{FF2B5EF4-FFF2-40B4-BE49-F238E27FC236}">
+                <a16:creationId xmlns:a16="http://schemas.microsoft.com/office/drawing/2014/main" id="{8B8A36FB-13F6-49E8-A86D-6CF420F297BC}"/>
+              </a:ext>
+            </a:extLst>
+          </p:cNvPr>
+          <p:cNvSpPr txBox="1"/>
+          <p:nvPr/>
+        </p:nvSpPr>
+        <p:spPr>
+          <a:xfrm>
+            <a:off x="1347787" y="59067"/>
+            <a:ext cx="1382110" cy="769441"/>
+          </a:xfrm>
+          <a:prstGeom prst="rect">
+            <a:avLst/>
+          </a:prstGeom>
+          <a:noFill/>
+        </p:spPr>
+        <p:txBody>
+          <a:bodyPr wrap="none" rtlCol="0">
+            <a:spAutoFit/>
+          </a:bodyPr>
+          <a:lstStyle/>
+          <a:p>
+            <a:r>
+              <a:rPr lang="en-US" altLang="ko-KR" sz="4400" dirty="0">
+                <a:solidFill>
+                  <a:schemeClr val="accent1"/>
+                </a:solidFill>
+                <a:latin typeface="HY헤드라인M" panose="02030600000101010101" pitchFamily="18" charset="-127"/>
+                <a:ea typeface="HY헤드라인M" panose="02030600000101010101" pitchFamily="18" charset="-127"/>
+              </a:rPr>
+              <a:t>HOW</a:t>
+            </a:r>
+            <a:endParaRPr lang="ko-KR" altLang="en-US" sz="4400" dirty="0">
+              <a:solidFill>
+                <a:schemeClr val="accent1"/>
+              </a:solidFill>
+              <a:latin typeface="HY헤드라인M" panose="02030600000101010101" pitchFamily="18" charset="-127"/>
+              <a:ea typeface="HY헤드라인M" panose="02030600000101010101" pitchFamily="18" charset="-127"/>
+            </a:endParaRPr>
+          </a:p>
+        </p:txBody>
+      </p:sp>
+      <p:sp>
+        <p:nvSpPr>
+          <p:cNvPr id="6" name="TextBox 5">
+            <a:extLst>
+              <a:ext uri="{FF2B5EF4-FFF2-40B4-BE49-F238E27FC236}">
+                <a16:creationId xmlns:a16="http://schemas.microsoft.com/office/drawing/2014/main" id="{30644E1A-CD8E-4E97-B44E-498BA04E0B37}"/>
+              </a:ext>
+            </a:extLst>
+          </p:cNvPr>
+          <p:cNvSpPr txBox="1"/>
+          <p:nvPr/>
+        </p:nvSpPr>
+        <p:spPr>
+          <a:xfrm>
+            <a:off x="10207499" y="6283173"/>
+            <a:ext cx="636713" cy="369332"/>
+          </a:xfrm>
+          <a:prstGeom prst="rect">
+            <a:avLst/>
+          </a:prstGeom>
+          <a:noFill/>
+        </p:spPr>
+        <p:txBody>
+          <a:bodyPr wrap="none" rtlCol="0">
+            <a:spAutoFit/>
+          </a:bodyPr>
+          <a:lstStyle/>
+          <a:p>
+            <a:r>
+              <a:rPr lang="en-US" altLang="ko-KR" dirty="0">
+                <a:latin typeface="HY헤드라인M" panose="02030600000101010101" pitchFamily="18" charset="-127"/>
+                <a:ea typeface="HY헤드라인M" panose="02030600000101010101" pitchFamily="18" charset="-127"/>
+              </a:rPr>
+              <a:t>16/..</a:t>
+            </a:r>
+            <a:endParaRPr lang="ko-KR" altLang="en-US" dirty="0">
+              <a:latin typeface="HY헤드라인M" panose="02030600000101010101" pitchFamily="18" charset="-127"/>
+              <a:ea typeface="HY헤드라인M" panose="02030600000101010101" pitchFamily="18" charset="-127"/>
+            </a:endParaRPr>
+          </a:p>
+        </p:txBody>
+      </p:sp>
+      <p:cxnSp>
+        <p:nvCxnSpPr>
+          <p:cNvPr id="7" name="직선 연결선 6">
+            <a:extLst>
+              <a:ext uri="{FF2B5EF4-FFF2-40B4-BE49-F238E27FC236}">
+                <a16:creationId xmlns:a16="http://schemas.microsoft.com/office/drawing/2014/main" id="{1213C020-10BD-47FA-8004-EF392DA9F117}"/>
+              </a:ext>
+            </a:extLst>
+          </p:cNvPr>
+          <p:cNvCxnSpPr>
+            <a:cxnSpLocks/>
+          </p:cNvCxnSpPr>
+          <p:nvPr/>
+        </p:nvCxnSpPr>
+        <p:spPr>
+          <a:xfrm>
+            <a:off x="1347787" y="6263528"/>
+            <a:ext cx="9496425" cy="19645"/>
+          </a:xfrm>
+          <a:prstGeom prst="line">
+            <a:avLst/>
+          </a:prstGeom>
+          <a:ln w="25400">
+            <a:solidFill>
+              <a:schemeClr val="tx1"/>
+            </a:solidFill>
+          </a:ln>
+        </p:spPr>
+        <p:style>
+          <a:lnRef idx="1">
+            <a:schemeClr val="accent1"/>
+          </a:lnRef>
+          <a:fillRef idx="0">
+            <a:schemeClr val="accent1"/>
+          </a:fillRef>
+          <a:effectRef idx="0">
+            <a:schemeClr val="accent1"/>
+          </a:effectRef>
+          <a:fontRef idx="minor">
+            <a:schemeClr val="tx1"/>
+          </a:fontRef>
+        </p:style>
+      </p:cxnSp>
+      <p:sp>
+        <p:nvSpPr>
+          <p:cNvPr id="8" name="타원 7">
+            <a:extLst>
+              <a:ext uri="{FF2B5EF4-FFF2-40B4-BE49-F238E27FC236}">
+                <a16:creationId xmlns:a16="http://schemas.microsoft.com/office/drawing/2014/main" id="{3C976926-F763-4126-8014-00223B85DB11}"/>
+              </a:ext>
+            </a:extLst>
+          </p:cNvPr>
+          <p:cNvSpPr/>
+          <p:nvPr/>
+        </p:nvSpPr>
+        <p:spPr>
+          <a:xfrm>
+            <a:off x="2987039" y="3138554"/>
+            <a:ext cx="3108960" cy="3044386"/>
+          </a:xfrm>
+          <a:prstGeom prst="ellipse">
+            <a:avLst/>
+          </a:prstGeom>
+          <a:solidFill>
+            <a:schemeClr val="accent6">
+              <a:alpha val="50000"/>
+            </a:schemeClr>
+          </a:solidFill>
+          <a:ln w="22225">
+            <a:solidFill>
+              <a:schemeClr val="tx1"/>
+            </a:solidFill>
+          </a:ln>
+        </p:spPr>
+        <p:style>
+          <a:lnRef idx="2">
+            <a:schemeClr val="accent1">
+              <a:shade val="50000"/>
+            </a:schemeClr>
+          </a:lnRef>
+          <a:fillRef idx="1">
+            <a:schemeClr val="accent1"/>
+          </a:fillRef>
+          <a:effectRef idx="0">
+            <a:schemeClr val="accent1"/>
+          </a:effectRef>
+          <a:fontRef idx="minor">
+            <a:schemeClr val="lt1"/>
+          </a:fontRef>
+        </p:style>
+        <p:txBody>
+          <a:bodyPr rtlCol="0" anchor="ctr"/>
+          <a:lstStyle/>
+          <a:p>
+            <a:pPr algn="ctr"/>
+            <a:endParaRPr lang="ko-KR" altLang="en-US"/>
+          </a:p>
+        </p:txBody>
+      </p:sp>
+      <p:sp>
+        <p:nvSpPr>
+          <p:cNvPr id="9" name="타원 8">
+            <a:extLst>
+              <a:ext uri="{FF2B5EF4-FFF2-40B4-BE49-F238E27FC236}">
+                <a16:creationId xmlns:a16="http://schemas.microsoft.com/office/drawing/2014/main" id="{C0210A40-3C1F-48BE-91EA-2E2CE97D5CA6}"/>
+              </a:ext>
+            </a:extLst>
+          </p:cNvPr>
+          <p:cNvSpPr/>
+          <p:nvPr/>
+        </p:nvSpPr>
+        <p:spPr>
+          <a:xfrm>
+            <a:off x="6095999" y="3138554"/>
+            <a:ext cx="3108960" cy="3044386"/>
+          </a:xfrm>
+          <a:prstGeom prst="ellipse">
+            <a:avLst/>
+          </a:prstGeom>
+          <a:solidFill>
+            <a:schemeClr val="accent1">
+              <a:alpha val="50000"/>
+            </a:schemeClr>
+          </a:solidFill>
+          <a:ln w="22225">
+            <a:solidFill>
+              <a:schemeClr val="tx1"/>
+            </a:solidFill>
+          </a:ln>
+        </p:spPr>
+        <p:style>
+          <a:lnRef idx="2">
+            <a:schemeClr val="accent1">
+              <a:shade val="50000"/>
+            </a:schemeClr>
+          </a:lnRef>
+          <a:fillRef idx="1">
+            <a:schemeClr val="accent1"/>
+          </a:fillRef>
+          <a:effectRef idx="0">
+            <a:schemeClr val="accent1"/>
+          </a:effectRef>
+          <a:fontRef idx="minor">
+            <a:schemeClr val="lt1"/>
+          </a:fontRef>
+        </p:style>
+        <p:txBody>
+          <a:bodyPr rtlCol="0" anchor="ctr"/>
+          <a:lstStyle/>
+          <a:p>
+            <a:pPr algn="ctr"/>
+            <a:endParaRPr lang="ko-KR" altLang="en-US"/>
+          </a:p>
+        </p:txBody>
+      </p:sp>
+      <p:sp>
+        <p:nvSpPr>
+          <p:cNvPr id="10" name="타원 9">
+            <a:extLst>
+              <a:ext uri="{FF2B5EF4-FFF2-40B4-BE49-F238E27FC236}">
+                <a16:creationId xmlns:a16="http://schemas.microsoft.com/office/drawing/2014/main" id="{CC07527E-5EA3-4461-8BF1-803AC48C5E9B}"/>
+              </a:ext>
+            </a:extLst>
+          </p:cNvPr>
+          <p:cNvSpPr/>
+          <p:nvPr/>
+        </p:nvSpPr>
+        <p:spPr>
+          <a:xfrm>
+            <a:off x="4541519" y="1703749"/>
+            <a:ext cx="3108960" cy="3044386"/>
+          </a:xfrm>
+          <a:prstGeom prst="ellipse">
+            <a:avLst/>
+          </a:prstGeom>
+          <a:solidFill>
+            <a:srgbClr val="FF0000">
+              <a:alpha val="50000"/>
+            </a:srgbClr>
+          </a:solidFill>
+          <a:ln w="22225">
+            <a:solidFill>
+              <a:schemeClr val="tx1"/>
+            </a:solidFill>
+          </a:ln>
+        </p:spPr>
+        <p:style>
+          <a:lnRef idx="2">
+            <a:schemeClr val="accent1">
+              <a:shade val="50000"/>
+            </a:schemeClr>
+          </a:lnRef>
+          <a:fillRef idx="1">
+            <a:schemeClr val="accent1"/>
+          </a:fillRef>
+          <a:effectRef idx="0">
+            <a:schemeClr val="accent1"/>
+          </a:effectRef>
+          <a:fontRef idx="minor">
+            <a:schemeClr val="lt1"/>
+          </a:fontRef>
+        </p:style>
+        <p:txBody>
+          <a:bodyPr rtlCol="0" anchor="ctr"/>
+          <a:lstStyle/>
+          <a:p>
+            <a:pPr algn="ctr"/>
+            <a:endParaRPr lang="ko-KR" altLang="en-US"/>
+          </a:p>
+        </p:txBody>
+      </p:sp>
+      <p:sp>
+        <p:nvSpPr>
+          <p:cNvPr id="12" name="TextBox 11">
+            <a:extLst>
+              <a:ext uri="{FF2B5EF4-FFF2-40B4-BE49-F238E27FC236}">
+                <a16:creationId xmlns:a16="http://schemas.microsoft.com/office/drawing/2014/main" id="{0A50CB3D-9C55-4EF2-9879-FD35B4F646F6}"/>
+              </a:ext>
+            </a:extLst>
+          </p:cNvPr>
+          <p:cNvSpPr txBox="1"/>
+          <p:nvPr/>
+        </p:nvSpPr>
+        <p:spPr>
+          <a:xfrm>
+            <a:off x="2934528" y="4660747"/>
+            <a:ext cx="3213981" cy="646331"/>
+          </a:xfrm>
+          <a:prstGeom prst="rect">
+            <a:avLst/>
+          </a:prstGeom>
+          <a:noFill/>
+        </p:spPr>
+        <p:txBody>
+          <a:bodyPr wrap="square" rtlCol="0">
+            <a:spAutoFit/>
+          </a:bodyPr>
+          <a:lstStyle/>
+          <a:p>
+            <a:pPr algn="ctr"/>
+            <a:r>
+              <a:rPr lang="ko-KR" altLang="en-US" dirty="0">
+                <a:latin typeface="HY견고딕" panose="02030600000101010101" pitchFamily="18" charset="-127"/>
+                <a:ea typeface="HY견고딕" panose="02030600000101010101" pitchFamily="18" charset="-127"/>
+              </a:rPr>
+              <a:t>클라이언트</a:t>
+            </a:r>
+            <a:endParaRPr lang="en-US" altLang="ko-KR" dirty="0">
+              <a:latin typeface="HY견고딕" panose="02030600000101010101" pitchFamily="18" charset="-127"/>
+              <a:ea typeface="HY견고딕" panose="02030600000101010101" pitchFamily="18" charset="-127"/>
+            </a:endParaRPr>
+          </a:p>
+          <a:p>
+            <a:pPr algn="ctr"/>
+            <a:r>
+              <a:rPr lang="ko-KR" altLang="en-US" dirty="0">
+                <a:latin typeface="HY견고딕" panose="02030600000101010101" pitchFamily="18" charset="-127"/>
+                <a:ea typeface="HY견고딕" panose="02030600000101010101" pitchFamily="18" charset="-127"/>
+              </a:rPr>
+              <a:t>하우징 및 메인 컨텐츠 구현</a:t>
+            </a:r>
+          </a:p>
+        </p:txBody>
+      </p:sp>
+      <p:sp>
+        <p:nvSpPr>
+          <p:cNvPr id="13" name="TextBox 12">
+            <a:extLst>
+              <a:ext uri="{FF2B5EF4-FFF2-40B4-BE49-F238E27FC236}">
+                <a16:creationId xmlns:a16="http://schemas.microsoft.com/office/drawing/2014/main" id="{E042F343-05D8-4A31-A936-F555E046A184}"/>
+              </a:ext>
+            </a:extLst>
+          </p:cNvPr>
+          <p:cNvSpPr txBox="1"/>
+          <p:nvPr/>
+        </p:nvSpPr>
+        <p:spPr>
+          <a:xfrm>
+            <a:off x="4709040" y="2163160"/>
+            <a:ext cx="2773917" cy="923330"/>
+          </a:xfrm>
+          <a:prstGeom prst="rect">
+            <a:avLst/>
+          </a:prstGeom>
+          <a:noFill/>
+        </p:spPr>
+        <p:txBody>
+          <a:bodyPr wrap="square" rtlCol="0">
+            <a:spAutoFit/>
+          </a:bodyPr>
+          <a:lstStyle/>
+          <a:p>
+            <a:pPr algn="ctr"/>
+            <a:r>
+              <a:rPr lang="ko-KR" altLang="en-US" dirty="0">
+                <a:latin typeface="HY견고딕" panose="02030600000101010101" pitchFamily="18" charset="-127"/>
+                <a:ea typeface="HY견고딕" panose="02030600000101010101" pitchFamily="18" charset="-127"/>
+              </a:rPr>
+              <a:t>클라이언트 </a:t>
+            </a:r>
+            <a:r>
+              <a:rPr lang="en-US" altLang="ko-KR" dirty="0">
+                <a:latin typeface="HY견고딕" panose="02030600000101010101" pitchFamily="18" charset="-127"/>
+                <a:ea typeface="HY견고딕" panose="02030600000101010101" pitchFamily="18" charset="-127"/>
+              </a:rPr>
+              <a:t>&amp; </a:t>
+            </a:r>
+            <a:r>
+              <a:rPr lang="ko-KR" altLang="en-US" dirty="0">
+                <a:latin typeface="HY견고딕" panose="02030600000101010101" pitchFamily="18" charset="-127"/>
+                <a:ea typeface="HY견고딕" panose="02030600000101010101" pitchFamily="18" charset="-127"/>
+              </a:rPr>
+              <a:t>서버</a:t>
+            </a:r>
+            <a:endParaRPr lang="en-US" altLang="ko-KR" dirty="0">
+              <a:latin typeface="HY견고딕" panose="02030600000101010101" pitchFamily="18" charset="-127"/>
+              <a:ea typeface="HY견고딕" panose="02030600000101010101" pitchFamily="18" charset="-127"/>
+            </a:endParaRPr>
+          </a:p>
+          <a:p>
+            <a:pPr algn="ctr"/>
+            <a:r>
+              <a:rPr lang="ko-KR" altLang="en-US" dirty="0">
+                <a:latin typeface="HY견고딕" panose="02030600000101010101" pitchFamily="18" charset="-127"/>
+                <a:ea typeface="HY견고딕" panose="02030600000101010101" pitchFamily="18" charset="-127"/>
+              </a:rPr>
+              <a:t>메인 프레임워크 제작</a:t>
+            </a:r>
+            <a:endParaRPr lang="en-US" altLang="ko-KR" dirty="0">
+              <a:latin typeface="HY견고딕" panose="02030600000101010101" pitchFamily="18" charset="-127"/>
+              <a:ea typeface="HY견고딕" panose="02030600000101010101" pitchFamily="18" charset="-127"/>
+            </a:endParaRPr>
+          </a:p>
+          <a:p>
+            <a:pPr algn="ctr"/>
+            <a:r>
+              <a:rPr lang="ko-KR" altLang="en-US" dirty="0">
+                <a:latin typeface="HY견고딕" panose="02030600000101010101" pitchFamily="18" charset="-127"/>
+                <a:ea typeface="HY견고딕" panose="02030600000101010101" pitchFamily="18" charset="-127"/>
+              </a:rPr>
+              <a:t>클라이언트 컨텐츠 구현</a:t>
+            </a:r>
+          </a:p>
+        </p:txBody>
+      </p:sp>
+      <p:sp>
+        <p:nvSpPr>
+          <p:cNvPr id="14" name="TextBox 13">
+            <a:extLst>
+              <a:ext uri="{FF2B5EF4-FFF2-40B4-BE49-F238E27FC236}">
+                <a16:creationId xmlns:a16="http://schemas.microsoft.com/office/drawing/2014/main" id="{8FE4A3BD-EF11-4286-A5C8-7A111A8409EB}"/>
+              </a:ext>
+            </a:extLst>
+          </p:cNvPr>
+          <p:cNvSpPr txBox="1"/>
+          <p:nvPr/>
+        </p:nvSpPr>
+        <p:spPr>
+          <a:xfrm>
+            <a:off x="4732979" y="3449680"/>
+            <a:ext cx="1160827" cy="923330"/>
+          </a:xfrm>
+          <a:prstGeom prst="rect">
+            <a:avLst/>
+          </a:prstGeom>
+          <a:noFill/>
+        </p:spPr>
+        <p:txBody>
+          <a:bodyPr wrap="square" rtlCol="0">
+            <a:spAutoFit/>
+          </a:bodyPr>
+          <a:lstStyle/>
+          <a:p>
+            <a:r>
+              <a:rPr lang="ko-KR" altLang="en-US" dirty="0" err="1">
+                <a:latin typeface="HY견고딕" panose="02030600000101010101" pitchFamily="18" charset="-127"/>
+                <a:ea typeface="HY견고딕" panose="02030600000101010101" pitchFamily="18" charset="-127"/>
+              </a:rPr>
+              <a:t>쉐이더</a:t>
+            </a:r>
+            <a:r>
+              <a:rPr lang="en-US" altLang="ko-KR" dirty="0">
+                <a:latin typeface="HY견고딕" panose="02030600000101010101" pitchFamily="18" charset="-127"/>
+                <a:ea typeface="HY견고딕" panose="02030600000101010101" pitchFamily="18" charset="-127"/>
+              </a:rPr>
+              <a:t>,</a:t>
+            </a:r>
+          </a:p>
+          <a:p>
+            <a:r>
+              <a:rPr lang="en-US" altLang="ko-KR" dirty="0">
+                <a:latin typeface="HY견고딕" panose="02030600000101010101" pitchFamily="18" charset="-127"/>
+                <a:ea typeface="HY견고딕" panose="02030600000101010101" pitchFamily="18" charset="-127"/>
+              </a:rPr>
+              <a:t>  </a:t>
+            </a:r>
+            <a:r>
+              <a:rPr lang="ko-KR" altLang="en-US" dirty="0">
+                <a:latin typeface="HY견고딕" panose="02030600000101010101" pitchFamily="18" charset="-127"/>
+                <a:ea typeface="HY견고딕" panose="02030600000101010101" pitchFamily="18" charset="-127"/>
+              </a:rPr>
+              <a:t>그림자</a:t>
+            </a:r>
+            <a:endParaRPr lang="en-US" altLang="ko-KR" dirty="0">
+              <a:latin typeface="HY견고딕" panose="02030600000101010101" pitchFamily="18" charset="-127"/>
+              <a:ea typeface="HY견고딕" panose="02030600000101010101" pitchFamily="18" charset="-127"/>
+            </a:endParaRPr>
+          </a:p>
+          <a:p>
+            <a:r>
+              <a:rPr lang="en-US" altLang="ko-KR" dirty="0">
+                <a:latin typeface="HY견고딕" panose="02030600000101010101" pitchFamily="18" charset="-127"/>
+                <a:ea typeface="HY견고딕" panose="02030600000101010101" pitchFamily="18" charset="-127"/>
+              </a:rPr>
+              <a:t>     </a:t>
+            </a:r>
+            <a:r>
+              <a:rPr lang="ko-KR" altLang="en-US" dirty="0">
+                <a:latin typeface="HY견고딕" panose="02030600000101010101" pitchFamily="18" charset="-127"/>
+                <a:ea typeface="HY견고딕" panose="02030600000101010101" pitchFamily="18" charset="-127"/>
+              </a:rPr>
+              <a:t>등등</a:t>
+            </a:r>
+          </a:p>
+        </p:txBody>
+      </p:sp>
+      <p:sp>
+        <p:nvSpPr>
+          <p:cNvPr id="15" name="TextBox 14">
+            <a:extLst>
+              <a:ext uri="{FF2B5EF4-FFF2-40B4-BE49-F238E27FC236}">
+                <a16:creationId xmlns:a16="http://schemas.microsoft.com/office/drawing/2014/main" id="{A1062DB6-E206-456D-A7F2-1D7DC0417A2F}"/>
+              </a:ext>
+            </a:extLst>
+          </p:cNvPr>
+          <p:cNvSpPr txBox="1"/>
+          <p:nvPr/>
+        </p:nvSpPr>
+        <p:spPr>
+          <a:xfrm>
+            <a:off x="6401271" y="3600840"/>
+            <a:ext cx="1279558" cy="646331"/>
+          </a:xfrm>
+          <a:prstGeom prst="rect">
+            <a:avLst/>
+          </a:prstGeom>
+          <a:noFill/>
+        </p:spPr>
+        <p:txBody>
+          <a:bodyPr wrap="square" rtlCol="0">
+            <a:spAutoFit/>
+          </a:bodyPr>
+          <a:lstStyle/>
+          <a:p>
+            <a:r>
+              <a:rPr lang="ko-KR" altLang="en-US" dirty="0">
+                <a:latin typeface="HY견고딕" panose="02030600000101010101" pitchFamily="18" charset="-127"/>
+                <a:ea typeface="HY견고딕" panose="02030600000101010101" pitchFamily="18" charset="-127"/>
+              </a:rPr>
+              <a:t>서버 연결</a:t>
+            </a:r>
+            <a:endParaRPr lang="en-US" altLang="ko-KR" dirty="0">
+              <a:latin typeface="HY견고딕" panose="02030600000101010101" pitchFamily="18" charset="-127"/>
+              <a:ea typeface="HY견고딕" panose="02030600000101010101" pitchFamily="18" charset="-127"/>
+            </a:endParaRPr>
+          </a:p>
+          <a:p>
+            <a:r>
+              <a:rPr lang="ko-KR" altLang="en-US" dirty="0">
+                <a:latin typeface="HY견고딕" panose="02030600000101010101" pitchFamily="18" charset="-127"/>
+                <a:ea typeface="HY견고딕" panose="02030600000101010101" pitchFamily="18" charset="-127"/>
+              </a:rPr>
+              <a:t> 등</a:t>
+            </a:r>
+          </a:p>
+        </p:txBody>
+      </p:sp>
+      <p:sp>
+        <p:nvSpPr>
+          <p:cNvPr id="16" name="TextBox 15">
+            <a:extLst>
+              <a:ext uri="{FF2B5EF4-FFF2-40B4-BE49-F238E27FC236}">
+                <a16:creationId xmlns:a16="http://schemas.microsoft.com/office/drawing/2014/main" id="{F9D25498-125C-4724-8EDA-AF5D53FFEAE4}"/>
+              </a:ext>
+            </a:extLst>
+          </p:cNvPr>
+          <p:cNvSpPr txBox="1"/>
+          <p:nvPr/>
+        </p:nvSpPr>
+        <p:spPr>
+          <a:xfrm>
+            <a:off x="6148509" y="4660747"/>
+            <a:ext cx="3108960" cy="646331"/>
+          </a:xfrm>
+          <a:prstGeom prst="rect">
+            <a:avLst/>
+          </a:prstGeom>
+          <a:noFill/>
+        </p:spPr>
+        <p:txBody>
+          <a:bodyPr wrap="square" rtlCol="0">
+            <a:spAutoFit/>
+          </a:bodyPr>
+          <a:lstStyle/>
+          <a:p>
+            <a:pPr algn="ctr"/>
+            <a:r>
+              <a:rPr lang="ko-KR" altLang="en-US" dirty="0">
+                <a:latin typeface="HY견고딕" panose="02030600000101010101" pitchFamily="18" charset="-127"/>
+                <a:ea typeface="HY견고딕" panose="02030600000101010101" pitchFamily="18" charset="-127"/>
+              </a:rPr>
+              <a:t>서버</a:t>
+            </a:r>
+            <a:endParaRPr lang="en-US" altLang="ko-KR" dirty="0">
+              <a:latin typeface="HY견고딕" panose="02030600000101010101" pitchFamily="18" charset="-127"/>
+              <a:ea typeface="HY견고딕" panose="02030600000101010101" pitchFamily="18" charset="-127"/>
+            </a:endParaRPr>
+          </a:p>
+          <a:p>
+            <a:pPr algn="ctr"/>
+            <a:r>
+              <a:rPr lang="en-US" altLang="ko-KR" dirty="0">
+                <a:latin typeface="HY견고딕" panose="02030600000101010101" pitchFamily="18" charset="-127"/>
+                <a:ea typeface="HY견고딕" panose="02030600000101010101" pitchFamily="18" charset="-127"/>
+              </a:rPr>
+              <a:t>IOCP </a:t>
+            </a:r>
+            <a:r>
+              <a:rPr lang="ko-KR" altLang="en-US" dirty="0">
+                <a:latin typeface="HY견고딕" panose="02030600000101010101" pitchFamily="18" charset="-127"/>
+                <a:ea typeface="HY견고딕" panose="02030600000101010101" pitchFamily="18" charset="-127"/>
+              </a:rPr>
+              <a:t>다중 접속 서버 구현</a:t>
+            </a:r>
+          </a:p>
+        </p:txBody>
+      </p:sp>
+      <p:sp>
+        <p:nvSpPr>
+          <p:cNvPr id="17" name="TextBox 16">
+            <a:extLst>
+              <a:ext uri="{FF2B5EF4-FFF2-40B4-BE49-F238E27FC236}">
+                <a16:creationId xmlns:a16="http://schemas.microsoft.com/office/drawing/2014/main" id="{95081DE3-2FFC-4318-AF3A-3D7217FD522F}"/>
+              </a:ext>
+            </a:extLst>
+          </p:cNvPr>
+          <p:cNvSpPr txBox="1"/>
+          <p:nvPr/>
+        </p:nvSpPr>
+        <p:spPr>
+          <a:xfrm>
+            <a:off x="2564448" y="3225942"/>
+            <a:ext cx="1292081" cy="400110"/>
+          </a:xfrm>
+          <a:prstGeom prst="rect">
+            <a:avLst/>
+          </a:prstGeom>
+          <a:noFill/>
+        </p:spPr>
+        <p:txBody>
+          <a:bodyPr wrap="square" rtlCol="0">
+            <a:spAutoFit/>
+          </a:bodyPr>
+          <a:lstStyle/>
+          <a:p>
+            <a:r>
+              <a:rPr lang="ko-KR" altLang="en-US" sz="2000" dirty="0">
+                <a:latin typeface="HY헤드라인M" panose="02030600000101010101" pitchFamily="18" charset="-127"/>
+                <a:ea typeface="HY헤드라인M" panose="02030600000101010101" pitchFamily="18" charset="-127"/>
+              </a:rPr>
+              <a:t>이동규</a:t>
+            </a:r>
+          </a:p>
+        </p:txBody>
+      </p:sp>
+      <p:sp>
+        <p:nvSpPr>
+          <p:cNvPr id="19" name="TextBox 18">
+            <a:extLst>
+              <a:ext uri="{FF2B5EF4-FFF2-40B4-BE49-F238E27FC236}">
+                <a16:creationId xmlns:a16="http://schemas.microsoft.com/office/drawing/2014/main" id="{3ABAF4C3-D1E0-49B4-BACD-6E9FBC57DB77}"/>
+              </a:ext>
+            </a:extLst>
+          </p:cNvPr>
+          <p:cNvSpPr txBox="1"/>
+          <p:nvPr/>
+        </p:nvSpPr>
+        <p:spPr>
+          <a:xfrm>
+            <a:off x="6797630" y="1503694"/>
+            <a:ext cx="1292081" cy="400110"/>
+          </a:xfrm>
+          <a:prstGeom prst="rect">
+            <a:avLst/>
+          </a:prstGeom>
+          <a:noFill/>
+        </p:spPr>
+        <p:txBody>
+          <a:bodyPr wrap="square" rtlCol="0">
+            <a:spAutoFit/>
+          </a:bodyPr>
+          <a:lstStyle/>
+          <a:p>
+            <a:r>
+              <a:rPr lang="ko-KR" altLang="en-US" sz="2000">
+                <a:latin typeface="HY헤드라인M" panose="02030600000101010101" pitchFamily="18" charset="-127"/>
+                <a:ea typeface="HY헤드라인M" panose="02030600000101010101" pitchFamily="18" charset="-127"/>
+              </a:rPr>
+              <a:t>김하윤</a:t>
+            </a:r>
+            <a:endParaRPr lang="ko-KR" altLang="en-US" sz="2000" dirty="0">
+              <a:latin typeface="HY헤드라인M" panose="02030600000101010101" pitchFamily="18" charset="-127"/>
+              <a:ea typeface="HY헤드라인M" panose="02030600000101010101" pitchFamily="18" charset="-127"/>
+            </a:endParaRPr>
+          </a:p>
+        </p:txBody>
+      </p:sp>
+      <p:sp>
+        <p:nvSpPr>
+          <p:cNvPr id="20" name="TextBox 19">
+            <a:extLst>
+              <a:ext uri="{FF2B5EF4-FFF2-40B4-BE49-F238E27FC236}">
+                <a16:creationId xmlns:a16="http://schemas.microsoft.com/office/drawing/2014/main" id="{D4C5D1FD-36E0-4071-A82E-3E40F7BEE457}"/>
+              </a:ext>
+            </a:extLst>
+          </p:cNvPr>
+          <p:cNvSpPr txBox="1"/>
+          <p:nvPr/>
+        </p:nvSpPr>
+        <p:spPr>
+          <a:xfrm>
+            <a:off x="8674942" y="3225942"/>
+            <a:ext cx="1292081" cy="400110"/>
+          </a:xfrm>
+          <a:prstGeom prst="rect">
+            <a:avLst/>
+          </a:prstGeom>
+          <a:noFill/>
+        </p:spPr>
+        <p:txBody>
+          <a:bodyPr wrap="square" rtlCol="0">
+            <a:spAutoFit/>
+          </a:bodyPr>
+          <a:lstStyle/>
+          <a:p>
+            <a:r>
+              <a:rPr lang="ko-KR" altLang="en-US" sz="2000" dirty="0" err="1">
+                <a:latin typeface="HY헤드라인M" panose="02030600000101010101" pitchFamily="18" charset="-127"/>
+                <a:ea typeface="HY헤드라인M" panose="02030600000101010101" pitchFamily="18" charset="-127"/>
+              </a:rPr>
+              <a:t>이득유</a:t>
+            </a:r>
+            <a:endParaRPr lang="ko-KR" altLang="en-US" sz="2000" dirty="0">
+              <a:latin typeface="HY헤드라인M" panose="02030600000101010101" pitchFamily="18" charset="-127"/>
+              <a:ea typeface="HY헤드라인M" panose="02030600000101010101" pitchFamily="18" charset="-127"/>
+            </a:endParaRPr>
+          </a:p>
+        </p:txBody>
+      </p:sp>
+    </p:spTree>
+    <p:extLst>
+      <p:ext uri="{BB962C8B-B14F-4D97-AF65-F5344CB8AC3E}">
+        <p14:creationId xmlns:p14="http://schemas.microsoft.com/office/powerpoint/2010/main" val="826654576"/>
+      </p:ext>
+    </p:extLst>
+  </p:cSld>
+  <p:clrMapOvr>
+    <a:masterClrMapping/>
+  </p:clrMapOvr>
+</p:sld>
+</file>
+
+<file path=ppt/slides/slide17.xml><?xml version="1.0" encoding="utf-8"?>
+<p:sld xmlns:a="http://schemas.openxmlformats.org/drawingml/2006/main" xmlns:r="http://schemas.openxmlformats.org/officeDocument/2006/relationships" xmlns:p="http://schemas.openxmlformats.org/presentationml/2006/main">
+  <p:cSld>
+    <p:spTree>
+      <p:nvGrpSpPr>
+        <p:cNvPr id="1" name=""/>
+        <p:cNvGrpSpPr/>
+        <p:nvPr/>
+      </p:nvGrpSpPr>
+      <p:grpSpPr>
+        <a:xfrm>
+          <a:off x="0" y="0"/>
+          <a:ext cx="0" cy="0"/>
+          <a:chOff x="0" y="0"/>
+          <a:chExt cx="0" cy="0"/>
+        </a:xfrm>
+      </p:grpSpPr>
+      <p:cxnSp>
+        <p:nvCxnSpPr>
+          <p:cNvPr id="2" name="직선 연결선 1">
+            <a:extLst>
+              <a:ext uri="{FF2B5EF4-FFF2-40B4-BE49-F238E27FC236}">
+                <a16:creationId xmlns:a16="http://schemas.microsoft.com/office/drawing/2014/main" id="{F489D314-C637-4E9E-947D-448763FA3CE1}"/>
+              </a:ext>
+            </a:extLst>
+          </p:cNvPr>
+          <p:cNvCxnSpPr>
+            <a:cxnSpLocks/>
+          </p:cNvCxnSpPr>
+          <p:nvPr/>
+        </p:nvCxnSpPr>
+        <p:spPr>
+          <a:xfrm>
+            <a:off x="1347787" y="866775"/>
+            <a:ext cx="9496425" cy="19645"/>
+          </a:xfrm>
+          <a:prstGeom prst="line">
+            <a:avLst/>
+          </a:prstGeom>
+          <a:ln w="25400">
+            <a:solidFill>
+              <a:schemeClr val="tx1"/>
+            </a:solidFill>
+          </a:ln>
+        </p:spPr>
+        <p:style>
+          <a:lnRef idx="1">
+            <a:schemeClr val="accent1"/>
+          </a:lnRef>
+          <a:fillRef idx="0">
+            <a:schemeClr val="accent1"/>
+          </a:fillRef>
+          <a:effectRef idx="0">
+            <a:schemeClr val="accent1"/>
+          </a:effectRef>
+          <a:fontRef idx="minor">
+            <a:schemeClr val="tx1"/>
+          </a:fontRef>
+        </p:style>
+      </p:cxnSp>
+      <p:sp>
+        <p:nvSpPr>
+          <p:cNvPr id="3" name="TextBox 2">
+            <a:extLst>
+              <a:ext uri="{FF2B5EF4-FFF2-40B4-BE49-F238E27FC236}">
+                <a16:creationId xmlns:a16="http://schemas.microsoft.com/office/drawing/2014/main" id="{D5266936-5F5A-4942-B5DC-638A5ECB4501}"/>
+              </a:ext>
+            </a:extLst>
+          </p:cNvPr>
+          <p:cNvSpPr txBox="1"/>
+          <p:nvPr/>
+        </p:nvSpPr>
+        <p:spPr>
+          <a:xfrm>
+            <a:off x="1347787" y="876597"/>
+            <a:ext cx="2236510" cy="707886"/>
+          </a:xfrm>
+          <a:prstGeom prst="rect">
+            <a:avLst/>
+          </a:prstGeom>
+          <a:noFill/>
+        </p:spPr>
+        <p:txBody>
+          <a:bodyPr wrap="none" rtlCol="0">
+            <a:spAutoFit/>
+          </a:bodyPr>
+          <a:lstStyle/>
+          <a:p>
+            <a:r>
+              <a:rPr lang="ko-KR" altLang="en-US" sz="4000" dirty="0">
+                <a:latin typeface="HY헤드라인M" panose="02030600000101010101" pitchFamily="18" charset="-127"/>
+                <a:ea typeface="HY헤드라인M" panose="02030600000101010101" pitchFamily="18" charset="-127"/>
+              </a:rPr>
+              <a:t>개발일정</a:t>
+            </a:r>
+          </a:p>
+        </p:txBody>
+      </p:sp>
+      <p:sp>
+        <p:nvSpPr>
+          <p:cNvPr id="4" name="TextBox 3">
+            <a:extLst>
+              <a:ext uri="{FF2B5EF4-FFF2-40B4-BE49-F238E27FC236}">
+                <a16:creationId xmlns:a16="http://schemas.microsoft.com/office/drawing/2014/main" id="{BF07602F-6AE9-44B4-BE0F-55FE2EDFDD1C}"/>
+              </a:ext>
+            </a:extLst>
+          </p:cNvPr>
+          <p:cNvSpPr txBox="1"/>
+          <p:nvPr/>
+        </p:nvSpPr>
+        <p:spPr>
+          <a:xfrm>
+            <a:off x="8671112" y="443788"/>
+            <a:ext cx="2287806" cy="523220"/>
+          </a:xfrm>
+          <a:prstGeom prst="rect">
+            <a:avLst/>
+          </a:prstGeom>
+          <a:noFill/>
+        </p:spPr>
+        <p:txBody>
+          <a:bodyPr wrap="none" rtlCol="0">
+            <a:spAutoFit/>
+          </a:bodyPr>
+          <a:lstStyle/>
+          <a:p>
+            <a:r>
+              <a:rPr lang="en-US" altLang="ko-KR" sz="2800" dirty="0">
+                <a:latin typeface="HY헤드라인M" panose="02030600000101010101" pitchFamily="18" charset="-127"/>
+                <a:ea typeface="HY헤드라인M" panose="02030600000101010101" pitchFamily="18" charset="-127"/>
+              </a:rPr>
+              <a:t>The Island</a:t>
+            </a:r>
+            <a:r>
+              <a:rPr lang="en-US" altLang="ko-KR" sz="1050" dirty="0">
+                <a:latin typeface="HY헤드라인M" panose="02030600000101010101" pitchFamily="18" charset="-127"/>
+                <a:ea typeface="HY헤드라인M" panose="02030600000101010101" pitchFamily="18" charset="-127"/>
+              </a:rPr>
+              <a:t>(</a:t>
+            </a:r>
+            <a:r>
+              <a:rPr lang="ko-KR" altLang="en-US" sz="1050" dirty="0">
+                <a:latin typeface="HY헤드라인M" panose="02030600000101010101" pitchFamily="18" charset="-127"/>
+                <a:ea typeface="HY헤드라인M" panose="02030600000101010101" pitchFamily="18" charset="-127"/>
+              </a:rPr>
+              <a:t>가제</a:t>
+            </a:r>
+            <a:r>
+              <a:rPr lang="en-US" altLang="ko-KR" sz="1050" dirty="0">
+                <a:latin typeface="HY헤드라인M" panose="02030600000101010101" pitchFamily="18" charset="-127"/>
+                <a:ea typeface="HY헤드라인M" panose="02030600000101010101" pitchFamily="18" charset="-127"/>
+              </a:rPr>
+              <a:t>)</a:t>
+            </a:r>
+            <a:endParaRPr lang="ko-KR" altLang="en-US" sz="2800" dirty="0">
+              <a:latin typeface="HY헤드라인M" panose="02030600000101010101" pitchFamily="18" charset="-127"/>
+              <a:ea typeface="HY헤드라인M" panose="02030600000101010101" pitchFamily="18" charset="-127"/>
+            </a:endParaRPr>
+          </a:p>
+        </p:txBody>
+      </p:sp>
+      <p:sp>
+        <p:nvSpPr>
+          <p:cNvPr id="5" name="TextBox 4">
+            <a:extLst>
+              <a:ext uri="{FF2B5EF4-FFF2-40B4-BE49-F238E27FC236}">
+                <a16:creationId xmlns:a16="http://schemas.microsoft.com/office/drawing/2014/main" id="{8B8A36FB-13F6-49E8-A86D-6CF420F297BC}"/>
+              </a:ext>
+            </a:extLst>
+          </p:cNvPr>
+          <p:cNvSpPr txBox="1"/>
+          <p:nvPr/>
+        </p:nvSpPr>
+        <p:spPr>
+          <a:xfrm>
+            <a:off x="1347787" y="59067"/>
+            <a:ext cx="1640193" cy="769441"/>
+          </a:xfrm>
+          <a:prstGeom prst="rect">
+            <a:avLst/>
+          </a:prstGeom>
+          <a:noFill/>
+        </p:spPr>
+        <p:txBody>
+          <a:bodyPr wrap="none" rtlCol="0">
+            <a:spAutoFit/>
+          </a:bodyPr>
+          <a:lstStyle/>
+          <a:p>
+            <a:r>
+              <a:rPr lang="en-US" altLang="ko-KR" sz="4400" dirty="0">
+                <a:solidFill>
+                  <a:schemeClr val="accent1"/>
+                </a:solidFill>
+                <a:latin typeface="HY헤드라인M" panose="02030600000101010101" pitchFamily="18" charset="-127"/>
+                <a:ea typeface="HY헤드라인M" panose="02030600000101010101" pitchFamily="18" charset="-127"/>
+              </a:rPr>
+              <a:t>WHEN</a:t>
+            </a:r>
+            <a:endParaRPr lang="ko-KR" altLang="en-US" sz="4400" dirty="0">
+              <a:solidFill>
+                <a:schemeClr val="accent1"/>
+              </a:solidFill>
+              <a:latin typeface="HY헤드라인M" panose="02030600000101010101" pitchFamily="18" charset="-127"/>
+              <a:ea typeface="HY헤드라인M" panose="02030600000101010101" pitchFamily="18" charset="-127"/>
+            </a:endParaRPr>
+          </a:p>
+        </p:txBody>
+      </p:sp>
+      <p:sp>
+        <p:nvSpPr>
+          <p:cNvPr id="6" name="TextBox 5">
+            <a:extLst>
+              <a:ext uri="{FF2B5EF4-FFF2-40B4-BE49-F238E27FC236}">
+                <a16:creationId xmlns:a16="http://schemas.microsoft.com/office/drawing/2014/main" id="{30644E1A-CD8E-4E97-B44E-498BA04E0B37}"/>
+              </a:ext>
+            </a:extLst>
+          </p:cNvPr>
+          <p:cNvSpPr txBox="1"/>
+          <p:nvPr/>
+        </p:nvSpPr>
+        <p:spPr>
+          <a:xfrm>
+            <a:off x="10207499" y="6283173"/>
+            <a:ext cx="636713" cy="369332"/>
+          </a:xfrm>
+          <a:prstGeom prst="rect">
+            <a:avLst/>
+          </a:prstGeom>
+          <a:noFill/>
+        </p:spPr>
+        <p:txBody>
+          <a:bodyPr wrap="none" rtlCol="0">
+            <a:spAutoFit/>
+          </a:bodyPr>
+          <a:lstStyle/>
+          <a:p>
+            <a:r>
+              <a:rPr lang="en-US" altLang="ko-KR" dirty="0">
+                <a:latin typeface="HY헤드라인M" panose="02030600000101010101" pitchFamily="18" charset="-127"/>
+                <a:ea typeface="HY헤드라인M" panose="02030600000101010101" pitchFamily="18" charset="-127"/>
+              </a:rPr>
+              <a:t>17/..</a:t>
             </a:r>
             <a:endParaRPr lang="ko-KR" altLang="en-US" dirty="0">
               <a:latin typeface="HY헤드라인M" panose="02030600000101010101" pitchFamily="18" charset="-127"/>
@@ -6550,6 +9391,460 @@
     <p:extLst>
       <p:ext uri="{BB962C8B-B14F-4D97-AF65-F5344CB8AC3E}">
         <p14:creationId xmlns:p14="http://schemas.microsoft.com/office/powerpoint/2010/main" val="819861720"/>
+      </p:ext>
+    </p:extLst>
+  </p:cSld>
+  <p:clrMapOvr>
+    <a:masterClrMapping/>
+  </p:clrMapOvr>
+</p:sld>
+</file>
+
+<file path=ppt/slides/slide18.xml><?xml version="1.0" encoding="utf-8"?>
+<p:sld xmlns:a="http://schemas.openxmlformats.org/drawingml/2006/main" xmlns:r="http://schemas.openxmlformats.org/officeDocument/2006/relationships" xmlns:p="http://schemas.openxmlformats.org/presentationml/2006/main">
+  <p:cSld>
+    <p:spTree>
+      <p:nvGrpSpPr>
+        <p:cNvPr id="1" name=""/>
+        <p:cNvGrpSpPr/>
+        <p:nvPr/>
+      </p:nvGrpSpPr>
+      <p:grpSpPr>
+        <a:xfrm>
+          <a:off x="0" y="0"/>
+          <a:ext cx="0" cy="0"/>
+          <a:chOff x="0" y="0"/>
+          <a:chExt cx="0" cy="0"/>
+        </a:xfrm>
+      </p:grpSpPr>
+      <p:cxnSp>
+        <p:nvCxnSpPr>
+          <p:cNvPr id="2" name="직선 연결선 1">
+            <a:extLst>
+              <a:ext uri="{FF2B5EF4-FFF2-40B4-BE49-F238E27FC236}">
+                <a16:creationId xmlns:a16="http://schemas.microsoft.com/office/drawing/2014/main" id="{F489D314-C637-4E9E-947D-448763FA3CE1}"/>
+              </a:ext>
+            </a:extLst>
+          </p:cNvPr>
+          <p:cNvCxnSpPr>
+            <a:cxnSpLocks/>
+          </p:cNvCxnSpPr>
+          <p:nvPr/>
+        </p:nvCxnSpPr>
+        <p:spPr>
+          <a:xfrm>
+            <a:off x="1347787" y="2903804"/>
+            <a:ext cx="9496425" cy="19645"/>
+          </a:xfrm>
+          <a:prstGeom prst="line">
+            <a:avLst/>
+          </a:prstGeom>
+          <a:ln w="25400">
+            <a:solidFill>
+              <a:schemeClr val="tx1"/>
+            </a:solidFill>
+          </a:ln>
+        </p:spPr>
+        <p:style>
+          <a:lnRef idx="1">
+            <a:schemeClr val="accent1"/>
+          </a:lnRef>
+          <a:fillRef idx="0">
+            <a:schemeClr val="accent1"/>
+          </a:fillRef>
+          <a:effectRef idx="0">
+            <a:schemeClr val="accent1"/>
+          </a:effectRef>
+          <a:fontRef idx="minor">
+            <a:schemeClr val="tx1"/>
+          </a:fontRef>
+        </p:style>
+      </p:cxnSp>
+      <p:sp>
+        <p:nvSpPr>
+          <p:cNvPr id="4" name="TextBox 3">
+            <a:extLst>
+              <a:ext uri="{FF2B5EF4-FFF2-40B4-BE49-F238E27FC236}">
+                <a16:creationId xmlns:a16="http://schemas.microsoft.com/office/drawing/2014/main" id="{BF07602F-6AE9-44B4-BE0F-55FE2EDFDD1C}"/>
+              </a:ext>
+            </a:extLst>
+          </p:cNvPr>
+          <p:cNvSpPr txBox="1"/>
+          <p:nvPr/>
+        </p:nvSpPr>
+        <p:spPr>
+          <a:xfrm>
+            <a:off x="8671112" y="2480817"/>
+            <a:ext cx="2287806" cy="523220"/>
+          </a:xfrm>
+          <a:prstGeom prst="rect">
+            <a:avLst/>
+          </a:prstGeom>
+          <a:noFill/>
+        </p:spPr>
+        <p:txBody>
+          <a:bodyPr wrap="none" rtlCol="0">
+            <a:spAutoFit/>
+          </a:bodyPr>
+          <a:lstStyle/>
+          <a:p>
+            <a:r>
+              <a:rPr lang="en-US" altLang="ko-KR" sz="2800" dirty="0">
+                <a:latin typeface="HY헤드라인M" panose="02030600000101010101" pitchFamily="18" charset="-127"/>
+                <a:ea typeface="HY헤드라인M" panose="02030600000101010101" pitchFamily="18" charset="-127"/>
+              </a:rPr>
+              <a:t>The Island</a:t>
+            </a:r>
+            <a:r>
+              <a:rPr lang="en-US" altLang="ko-KR" sz="1050" dirty="0">
+                <a:latin typeface="HY헤드라인M" panose="02030600000101010101" pitchFamily="18" charset="-127"/>
+                <a:ea typeface="HY헤드라인M" panose="02030600000101010101" pitchFamily="18" charset="-127"/>
+              </a:rPr>
+              <a:t>(</a:t>
+            </a:r>
+            <a:r>
+              <a:rPr lang="ko-KR" altLang="en-US" sz="1050" dirty="0">
+                <a:latin typeface="HY헤드라인M" panose="02030600000101010101" pitchFamily="18" charset="-127"/>
+                <a:ea typeface="HY헤드라인M" panose="02030600000101010101" pitchFamily="18" charset="-127"/>
+              </a:rPr>
+              <a:t>가제</a:t>
+            </a:r>
+            <a:r>
+              <a:rPr lang="en-US" altLang="ko-KR" sz="1050" dirty="0">
+                <a:latin typeface="HY헤드라인M" panose="02030600000101010101" pitchFamily="18" charset="-127"/>
+                <a:ea typeface="HY헤드라인M" panose="02030600000101010101" pitchFamily="18" charset="-127"/>
+              </a:rPr>
+              <a:t>)</a:t>
+            </a:r>
+            <a:endParaRPr lang="ko-KR" altLang="en-US" sz="2800" dirty="0">
+              <a:latin typeface="HY헤드라인M" panose="02030600000101010101" pitchFamily="18" charset="-127"/>
+              <a:ea typeface="HY헤드라인M" panose="02030600000101010101" pitchFamily="18" charset="-127"/>
+            </a:endParaRPr>
+          </a:p>
+        </p:txBody>
+      </p:sp>
+      <p:sp>
+        <p:nvSpPr>
+          <p:cNvPr id="5" name="TextBox 4">
+            <a:extLst>
+              <a:ext uri="{FF2B5EF4-FFF2-40B4-BE49-F238E27FC236}">
+                <a16:creationId xmlns:a16="http://schemas.microsoft.com/office/drawing/2014/main" id="{8B8A36FB-13F6-49E8-A86D-6CF420F297BC}"/>
+              </a:ext>
+            </a:extLst>
+          </p:cNvPr>
+          <p:cNvSpPr txBox="1"/>
+          <p:nvPr/>
+        </p:nvSpPr>
+        <p:spPr>
+          <a:xfrm>
+            <a:off x="5311169" y="2903804"/>
+            <a:ext cx="1569660" cy="769441"/>
+          </a:xfrm>
+          <a:prstGeom prst="rect">
+            <a:avLst/>
+          </a:prstGeom>
+          <a:noFill/>
+        </p:spPr>
+        <p:txBody>
+          <a:bodyPr wrap="none" rtlCol="0">
+            <a:spAutoFit/>
+          </a:bodyPr>
+          <a:lstStyle/>
+          <a:p>
+            <a:r>
+              <a:rPr lang="en-US" altLang="ko-KR" sz="4400" dirty="0">
+                <a:solidFill>
+                  <a:schemeClr val="accent1"/>
+                </a:solidFill>
+                <a:latin typeface="HY헤드라인M" panose="02030600000101010101" pitchFamily="18" charset="-127"/>
+                <a:ea typeface="HY헤드라인M" panose="02030600000101010101" pitchFamily="18" charset="-127"/>
+              </a:rPr>
+              <a:t>Q &amp; A</a:t>
+            </a:r>
+            <a:endParaRPr lang="ko-KR" altLang="en-US" sz="4400" dirty="0">
+              <a:solidFill>
+                <a:schemeClr val="accent1"/>
+              </a:solidFill>
+              <a:latin typeface="HY헤드라인M" panose="02030600000101010101" pitchFamily="18" charset="-127"/>
+              <a:ea typeface="HY헤드라인M" panose="02030600000101010101" pitchFamily="18" charset="-127"/>
+            </a:endParaRPr>
+          </a:p>
+        </p:txBody>
+      </p:sp>
+      <p:cxnSp>
+        <p:nvCxnSpPr>
+          <p:cNvPr id="7" name="직선 연결선 6">
+            <a:extLst>
+              <a:ext uri="{FF2B5EF4-FFF2-40B4-BE49-F238E27FC236}">
+                <a16:creationId xmlns:a16="http://schemas.microsoft.com/office/drawing/2014/main" id="{1213C020-10BD-47FA-8004-EF392DA9F117}"/>
+              </a:ext>
+            </a:extLst>
+          </p:cNvPr>
+          <p:cNvCxnSpPr>
+            <a:cxnSpLocks/>
+          </p:cNvCxnSpPr>
+          <p:nvPr/>
+        </p:nvCxnSpPr>
+        <p:spPr>
+          <a:xfrm>
+            <a:off x="1347787" y="3737611"/>
+            <a:ext cx="9496425" cy="19645"/>
+          </a:xfrm>
+          <a:prstGeom prst="line">
+            <a:avLst/>
+          </a:prstGeom>
+          <a:ln w="25400">
+            <a:solidFill>
+              <a:schemeClr val="tx1"/>
+            </a:solidFill>
+          </a:ln>
+        </p:spPr>
+        <p:style>
+          <a:lnRef idx="1">
+            <a:schemeClr val="accent1"/>
+          </a:lnRef>
+          <a:fillRef idx="0">
+            <a:schemeClr val="accent1"/>
+          </a:fillRef>
+          <a:effectRef idx="0">
+            <a:schemeClr val="accent1"/>
+          </a:effectRef>
+          <a:fontRef idx="minor">
+            <a:schemeClr val="tx1"/>
+          </a:fontRef>
+        </p:style>
+      </p:cxnSp>
+    </p:spTree>
+    <p:extLst>
+      <p:ext uri="{BB962C8B-B14F-4D97-AF65-F5344CB8AC3E}">
+        <p14:creationId xmlns:p14="http://schemas.microsoft.com/office/powerpoint/2010/main" val="2396139971"/>
+      </p:ext>
+    </p:extLst>
+  </p:cSld>
+  <p:clrMapOvr>
+    <a:masterClrMapping/>
+  </p:clrMapOvr>
+</p:sld>
+</file>
+
+<file path=ppt/slides/slide19.xml><?xml version="1.0" encoding="utf-8"?>
+<p:sld xmlns:a="http://schemas.openxmlformats.org/drawingml/2006/main" xmlns:r="http://schemas.openxmlformats.org/officeDocument/2006/relationships" xmlns:p="http://schemas.openxmlformats.org/presentationml/2006/main">
+  <p:cSld>
+    <p:spTree>
+      <p:nvGrpSpPr>
+        <p:cNvPr id="1" name=""/>
+        <p:cNvGrpSpPr/>
+        <p:nvPr/>
+      </p:nvGrpSpPr>
+      <p:grpSpPr>
+        <a:xfrm>
+          <a:off x="0" y="0"/>
+          <a:ext cx="0" cy="0"/>
+          <a:chOff x="0" y="0"/>
+          <a:chExt cx="0" cy="0"/>
+        </a:xfrm>
+      </p:grpSpPr>
+      <p:cxnSp>
+        <p:nvCxnSpPr>
+          <p:cNvPr id="2" name="직선 연결선 1">
+            <a:extLst>
+              <a:ext uri="{FF2B5EF4-FFF2-40B4-BE49-F238E27FC236}">
+                <a16:creationId xmlns:a16="http://schemas.microsoft.com/office/drawing/2014/main" id="{F489D314-C637-4E9E-947D-448763FA3CE1}"/>
+              </a:ext>
+            </a:extLst>
+          </p:cNvPr>
+          <p:cNvCxnSpPr>
+            <a:cxnSpLocks/>
+          </p:cNvCxnSpPr>
+          <p:nvPr/>
+        </p:nvCxnSpPr>
+        <p:spPr>
+          <a:xfrm>
+            <a:off x="1347787" y="2903804"/>
+            <a:ext cx="9496425" cy="19645"/>
+          </a:xfrm>
+          <a:prstGeom prst="line">
+            <a:avLst/>
+          </a:prstGeom>
+          <a:ln w="25400">
+            <a:solidFill>
+              <a:schemeClr val="tx1"/>
+            </a:solidFill>
+          </a:ln>
+        </p:spPr>
+        <p:style>
+          <a:lnRef idx="1">
+            <a:schemeClr val="accent1"/>
+          </a:lnRef>
+          <a:fillRef idx="0">
+            <a:schemeClr val="accent1"/>
+          </a:fillRef>
+          <a:effectRef idx="0">
+            <a:schemeClr val="accent1"/>
+          </a:effectRef>
+          <a:fontRef idx="minor">
+            <a:schemeClr val="tx1"/>
+          </a:fontRef>
+        </p:style>
+      </p:cxnSp>
+      <p:sp>
+        <p:nvSpPr>
+          <p:cNvPr id="4" name="TextBox 3">
+            <a:extLst>
+              <a:ext uri="{FF2B5EF4-FFF2-40B4-BE49-F238E27FC236}">
+                <a16:creationId xmlns:a16="http://schemas.microsoft.com/office/drawing/2014/main" id="{BF07602F-6AE9-44B4-BE0F-55FE2EDFDD1C}"/>
+              </a:ext>
+            </a:extLst>
+          </p:cNvPr>
+          <p:cNvSpPr txBox="1"/>
+          <p:nvPr/>
+        </p:nvSpPr>
+        <p:spPr>
+          <a:xfrm>
+            <a:off x="8671112" y="2480817"/>
+            <a:ext cx="2287806" cy="523220"/>
+          </a:xfrm>
+          <a:prstGeom prst="rect">
+            <a:avLst/>
+          </a:prstGeom>
+          <a:noFill/>
+        </p:spPr>
+        <p:txBody>
+          <a:bodyPr wrap="none" rtlCol="0">
+            <a:spAutoFit/>
+          </a:bodyPr>
+          <a:lstStyle/>
+          <a:p>
+            <a:r>
+              <a:rPr lang="en-US" altLang="ko-KR" sz="2800" dirty="0">
+                <a:latin typeface="HY헤드라인M" panose="02030600000101010101" pitchFamily="18" charset="-127"/>
+                <a:ea typeface="HY헤드라인M" panose="02030600000101010101" pitchFamily="18" charset="-127"/>
+              </a:rPr>
+              <a:t>The Island</a:t>
+            </a:r>
+            <a:r>
+              <a:rPr lang="en-US" altLang="ko-KR" sz="1050" dirty="0">
+                <a:latin typeface="HY헤드라인M" panose="02030600000101010101" pitchFamily="18" charset="-127"/>
+                <a:ea typeface="HY헤드라인M" panose="02030600000101010101" pitchFamily="18" charset="-127"/>
+              </a:rPr>
+              <a:t>(</a:t>
+            </a:r>
+            <a:r>
+              <a:rPr lang="ko-KR" altLang="en-US" sz="1050" dirty="0">
+                <a:latin typeface="HY헤드라인M" panose="02030600000101010101" pitchFamily="18" charset="-127"/>
+                <a:ea typeface="HY헤드라인M" panose="02030600000101010101" pitchFamily="18" charset="-127"/>
+              </a:rPr>
+              <a:t>가제</a:t>
+            </a:r>
+            <a:r>
+              <a:rPr lang="en-US" altLang="ko-KR" sz="1050" dirty="0">
+                <a:latin typeface="HY헤드라인M" panose="02030600000101010101" pitchFamily="18" charset="-127"/>
+                <a:ea typeface="HY헤드라인M" panose="02030600000101010101" pitchFamily="18" charset="-127"/>
+              </a:rPr>
+              <a:t>)</a:t>
+            </a:r>
+            <a:endParaRPr lang="ko-KR" altLang="en-US" sz="2800" dirty="0">
+              <a:latin typeface="HY헤드라인M" panose="02030600000101010101" pitchFamily="18" charset="-127"/>
+              <a:ea typeface="HY헤드라인M" panose="02030600000101010101" pitchFamily="18" charset="-127"/>
+            </a:endParaRPr>
+          </a:p>
+        </p:txBody>
+      </p:sp>
+      <p:sp>
+        <p:nvSpPr>
+          <p:cNvPr id="5" name="TextBox 4">
+            <a:extLst>
+              <a:ext uri="{FF2B5EF4-FFF2-40B4-BE49-F238E27FC236}">
+                <a16:creationId xmlns:a16="http://schemas.microsoft.com/office/drawing/2014/main" id="{8B8A36FB-13F6-49E8-A86D-6CF420F297BC}"/>
+              </a:ext>
+            </a:extLst>
+          </p:cNvPr>
+          <p:cNvSpPr txBox="1"/>
+          <p:nvPr/>
+        </p:nvSpPr>
+        <p:spPr>
+          <a:xfrm>
+            <a:off x="4442341" y="2903804"/>
+            <a:ext cx="3307316" cy="769441"/>
+          </a:xfrm>
+          <a:prstGeom prst="rect">
+            <a:avLst/>
+          </a:prstGeom>
+          <a:noFill/>
+        </p:spPr>
+        <p:txBody>
+          <a:bodyPr wrap="none" rtlCol="0">
+            <a:spAutoFit/>
+          </a:bodyPr>
+          <a:lstStyle/>
+          <a:p>
+            <a:r>
+              <a:rPr lang="en-US" altLang="ko-KR" sz="4400" dirty="0">
+                <a:solidFill>
+                  <a:schemeClr val="accent1"/>
+                </a:solidFill>
+                <a:latin typeface="HY헤드라인M" panose="02030600000101010101" pitchFamily="18" charset="-127"/>
+                <a:ea typeface="HY헤드라인M" panose="02030600000101010101" pitchFamily="18" charset="-127"/>
+              </a:rPr>
+              <a:t>THANKS YOU</a:t>
+            </a:r>
+            <a:endParaRPr lang="ko-KR" altLang="en-US" sz="4400" dirty="0">
+              <a:solidFill>
+                <a:schemeClr val="accent1"/>
+              </a:solidFill>
+              <a:latin typeface="HY헤드라인M" panose="02030600000101010101" pitchFamily="18" charset="-127"/>
+              <a:ea typeface="HY헤드라인M" panose="02030600000101010101" pitchFamily="18" charset="-127"/>
+            </a:endParaRPr>
+          </a:p>
+        </p:txBody>
+      </p:sp>
+      <p:cxnSp>
+        <p:nvCxnSpPr>
+          <p:cNvPr id="7" name="직선 연결선 6">
+            <a:extLst>
+              <a:ext uri="{FF2B5EF4-FFF2-40B4-BE49-F238E27FC236}">
+                <a16:creationId xmlns:a16="http://schemas.microsoft.com/office/drawing/2014/main" id="{1213C020-10BD-47FA-8004-EF392DA9F117}"/>
+              </a:ext>
+            </a:extLst>
+          </p:cNvPr>
+          <p:cNvCxnSpPr>
+            <a:cxnSpLocks/>
+          </p:cNvCxnSpPr>
+          <p:nvPr/>
+        </p:nvCxnSpPr>
+        <p:spPr>
+          <a:xfrm>
+            <a:off x="1347787" y="3737611"/>
+            <a:ext cx="9496425" cy="19645"/>
+          </a:xfrm>
+          <a:prstGeom prst="line">
+            <a:avLst/>
+          </a:prstGeom>
+          <a:ln w="25400">
+            <a:solidFill>
+              <a:schemeClr val="tx1"/>
+            </a:solidFill>
+          </a:ln>
+        </p:spPr>
+        <p:style>
+          <a:lnRef idx="1">
+            <a:schemeClr val="accent1"/>
+          </a:lnRef>
+          <a:fillRef idx="0">
+            <a:schemeClr val="accent1"/>
+          </a:fillRef>
+          <a:effectRef idx="0">
+            <a:schemeClr val="accent1"/>
+          </a:effectRef>
+          <a:fontRef idx="minor">
+            <a:schemeClr val="tx1"/>
+          </a:fontRef>
+        </p:style>
+      </p:cxnSp>
+    </p:spTree>
+    <p:extLst>
+      <p:ext uri="{BB962C8B-B14F-4D97-AF65-F5344CB8AC3E}">
+        <p14:creationId xmlns:p14="http://schemas.microsoft.com/office/powerpoint/2010/main" val="130463107"/>
       </p:ext>
     </p:extLst>
   </p:cSld>
@@ -6714,7 +10009,7 @@
         <p:spPr>
           <a:xfrm>
             <a:off x="7054653" y="1680835"/>
-            <a:ext cx="2685351" cy="646331"/>
+            <a:ext cx="2300630" cy="646331"/>
           </a:xfrm>
           <a:prstGeom prst="rect">
             <a:avLst/>
@@ -6735,7 +10030,7 @@
                 <a:latin typeface="HY견고딕" panose="02030600000101010101" pitchFamily="18" charset="-127"/>
                 <a:ea typeface="HY견고딕" panose="02030600000101010101" pitchFamily="18" charset="-127"/>
               </a:rPr>
-              <a:t>연구목적</a:t>
+              <a:t>게임소개 및 특징</a:t>
             </a:r>
             <a:endParaRPr lang="en-US" altLang="ko-KR" dirty="0">
               <a:latin typeface="HY견고딕" panose="02030600000101010101" pitchFamily="18" charset="-127"/>
@@ -6751,7 +10046,7 @@
                 <a:latin typeface="HY견고딕" panose="02030600000101010101" pitchFamily="18" charset="-127"/>
                 <a:ea typeface="HY견고딕" panose="02030600000101010101" pitchFamily="18" charset="-127"/>
               </a:rPr>
-              <a:t>기존게임과의 차별성</a:t>
+              <a:t>타 게임과의 비교</a:t>
             </a:r>
           </a:p>
         </p:txBody>
@@ -7149,7 +10444,7 @@
         </p:nvSpPr>
         <p:spPr>
           <a:xfrm>
-            <a:off x="2894331" y="4643707"/>
+            <a:off x="2894331" y="4892634"/>
             <a:ext cx="1156086" cy="369332"/>
           </a:xfrm>
           <a:prstGeom prst="rect">
@@ -7192,7 +10487,7 @@
         <p:spPr>
           <a:xfrm>
             <a:off x="7054654" y="4643707"/>
-            <a:ext cx="1915909" cy="369332"/>
+            <a:ext cx="2300630" cy="923330"/>
           </a:xfrm>
           <a:prstGeom prst="rect">
             <a:avLst/>
@@ -7213,13 +10508,45 @@
                 <a:latin typeface="HY견고딕" panose="02030600000101010101" pitchFamily="18" charset="-127"/>
                 <a:ea typeface="HY견고딕" panose="02030600000101010101" pitchFamily="18" charset="-127"/>
               </a:rPr>
-              <a:t>중점연구분야</a:t>
+              <a:t>개인별 준비 현황</a:t>
             </a:r>
             <a:endParaRPr lang="en-US" altLang="ko-KR" dirty="0">
               <a:latin typeface="HY견고딕" panose="02030600000101010101" pitchFamily="18" charset="-127"/>
               <a:ea typeface="HY견고딕" panose="02030600000101010101" pitchFamily="18" charset="-127"/>
             </a:endParaRPr>
           </a:p>
+          <a:p>
+            <a:pPr marL="342900" indent="-342900">
+              <a:buAutoNum type="arabicPeriod"/>
+            </a:pPr>
+            <a:r>
+              <a:rPr lang="ko-KR" altLang="en-US" dirty="0">
+                <a:latin typeface="HY견고딕" panose="02030600000101010101" pitchFamily="18" charset="-127"/>
+                <a:ea typeface="HY견고딕" panose="02030600000101010101" pitchFamily="18" charset="-127"/>
+              </a:rPr>
+              <a:t>중점 연구분야</a:t>
+            </a:r>
+            <a:endParaRPr lang="en-US" altLang="ko-KR" dirty="0">
+              <a:latin typeface="HY견고딕" panose="02030600000101010101" pitchFamily="18" charset="-127"/>
+              <a:ea typeface="HY견고딕" panose="02030600000101010101" pitchFamily="18" charset="-127"/>
+            </a:endParaRPr>
+          </a:p>
+          <a:p>
+            <a:pPr marL="342900" indent="-342900">
+              <a:buAutoNum type="arabicPeriod"/>
+            </a:pPr>
+            <a:r>
+              <a:rPr lang="ko-KR" altLang="en-US" dirty="0">
+                <a:latin typeface="HY견고딕" panose="02030600000101010101" pitchFamily="18" charset="-127"/>
+                <a:ea typeface="HY견고딕" panose="02030600000101010101" pitchFamily="18" charset="-127"/>
+              </a:rPr>
+              <a:t>구성원 역할 분담</a:t>
+            </a:r>
+            <a:endParaRPr lang="en-US" altLang="ko-KR" dirty="0">
+              <a:latin typeface="HY견고딕" panose="02030600000101010101" pitchFamily="18" charset="-127"/>
+              <a:ea typeface="HY견고딕" panose="02030600000101010101" pitchFamily="18" charset="-127"/>
+            </a:endParaRPr>
+          </a:p>
         </p:txBody>
       </p:sp>
       <p:cxnSp>
@@ -7238,7 +10565,7 @@
         </p:nvCxnSpPr>
         <p:spPr>
           <a:xfrm>
-            <a:off x="1347787" y="5047871"/>
+            <a:off x="1396523" y="5545726"/>
             <a:ext cx="9496425" cy="19645"/>
           </a:xfrm>
           <a:prstGeom prst="line">
@@ -7279,7 +10606,7 @@
         </p:nvSpPr>
         <p:spPr>
           <a:xfrm>
-            <a:off x="2894330" y="5102348"/>
+            <a:off x="2894331" y="5604371"/>
             <a:ext cx="1309974" cy="369332"/>
           </a:xfrm>
           <a:prstGeom prst="rect">
@@ -7321,7 +10648,7 @@
         </p:nvSpPr>
         <p:spPr>
           <a:xfrm>
-            <a:off x="7054653" y="5102348"/>
+            <a:off x="7054653" y="5565371"/>
             <a:ext cx="1531188" cy="369332"/>
           </a:xfrm>
           <a:prstGeom prst="rect">
@@ -7368,7 +10695,7 @@
         </p:nvCxnSpPr>
         <p:spPr>
           <a:xfrm>
-            <a:off x="1347786" y="5506512"/>
+            <a:off x="1356828" y="5965153"/>
             <a:ext cx="9496425" cy="19645"/>
           </a:xfrm>
           <a:prstGeom prst="line">
@@ -7410,9 +10737,9 @@
           <p:nvPr/>
         </p:nvCxnSpPr>
         <p:spPr>
-          <a:xfrm>
-            <a:off x="6105041" y="1661223"/>
-            <a:ext cx="0" cy="3887560"/>
+          <a:xfrm flipH="1">
+            <a:off x="6105040" y="1661223"/>
+            <a:ext cx="1" cy="4303930"/>
           </a:xfrm>
           <a:prstGeom prst="line">
             <a:avLst/>
@@ -7633,7 +10960,7 @@
         <p:spPr>
           <a:xfrm>
             <a:off x="1347787" y="876597"/>
-            <a:ext cx="2236510" cy="707886"/>
+            <a:ext cx="4118435" cy="707886"/>
           </a:xfrm>
           <a:prstGeom prst="rect">
             <a:avLst/>
@@ -7651,7 +10978,7 @@
                 <a:latin typeface="HY헤드라인M" panose="02030600000101010101" pitchFamily="18" charset="-127"/>
                 <a:ea typeface="HY헤드라인M" panose="02030600000101010101" pitchFamily="18" charset="-127"/>
               </a:rPr>
-              <a:t>연구목적</a:t>
+              <a:t>게임소개 및 특징</a:t>
             </a:r>
           </a:p>
         </p:txBody>
@@ -7752,7 +11079,7 @@
                 <a:latin typeface="HY견고딕" panose="02030600000101010101" pitchFamily="18" charset="-127"/>
                 <a:ea typeface="HY견고딕" panose="02030600000101010101" pitchFamily="18" charset="-127"/>
               </a:rPr>
-              <a:t>Direct X 12 </a:t>
+              <a:t>Direct X 11 </a:t>
             </a:r>
             <a:r>
               <a:rPr lang="ko-KR" altLang="en-US" dirty="0">
@@ -8148,7 +11475,7 @@
         <p:spPr>
           <a:xfrm>
             <a:off x="1347787" y="876597"/>
-            <a:ext cx="4972836" cy="707886"/>
+            <a:ext cx="4118435" cy="707886"/>
           </a:xfrm>
           <a:prstGeom prst="rect">
             <a:avLst/>
@@ -8166,7 +11493,7 @@
                 <a:latin typeface="HY헤드라인M" panose="02030600000101010101" pitchFamily="18" charset="-127"/>
                 <a:ea typeface="HY헤드라인M" panose="02030600000101010101" pitchFamily="18" charset="-127"/>
               </a:rPr>
-              <a:t>기존게임과의 차별성</a:t>
+              <a:t>타 게임과의 비교</a:t>
             </a:r>
           </a:p>
         </p:txBody>
@@ -8381,8 +11708,8 @@
         </p:nvSpPr>
         <p:spPr>
           <a:xfrm>
-            <a:off x="2335397" y="2491883"/>
-            <a:ext cx="7970452" cy="2246769"/>
+            <a:off x="2237047" y="1989924"/>
+            <a:ext cx="7970452" cy="3170099"/>
           </a:xfrm>
           <a:prstGeom prst="rect">
             <a:avLst/>
@@ -8400,7 +11727,7 @@
                 <a:latin typeface="HY견고딕" panose="02030600000101010101" pitchFamily="18" charset="-127"/>
                 <a:ea typeface="HY견고딕" panose="02030600000101010101" pitchFamily="18" charset="-127"/>
               </a:rPr>
-              <a:t>무인도에서 직접 하나하나 자원을 수집하여 살아남는 과정</a:t>
+              <a:t>무인도에서 직접 하나하나 자원을 수집하여 살아남는 경험 제공</a:t>
             </a:r>
             <a:endParaRPr lang="en-US" altLang="ko-KR" sz="2000" dirty="0">
               <a:latin typeface="HY견고딕" panose="02030600000101010101" pitchFamily="18" charset="-127"/>
@@ -8414,13 +11741,38 @@
             </a:endParaRPr>
           </a:p>
           <a:p>
+            <a:endParaRPr lang="en-US" altLang="ko-KR" sz="2000" dirty="0">
+              <a:latin typeface="HY견고딕" panose="02030600000101010101" pitchFamily="18" charset="-127"/>
+              <a:ea typeface="HY견고딕" panose="02030600000101010101" pitchFamily="18" charset="-127"/>
+            </a:endParaRPr>
+          </a:p>
+          <a:p>
             <a:r>
               <a:rPr lang="ko-KR" altLang="en-US" sz="2000" dirty="0">
                 <a:latin typeface="HY견고딕" panose="02030600000101010101" pitchFamily="18" charset="-127"/>
                 <a:ea typeface="HY견고딕" panose="02030600000101010101" pitchFamily="18" charset="-127"/>
               </a:rPr>
+              <a:t>비현실적인 타 게임에 비해 현실적인 생존 과정을 추구</a:t>
+            </a:r>
+            <a:endParaRPr lang="en-US" altLang="ko-KR" sz="2000" dirty="0">
+              <a:latin typeface="HY견고딕" panose="02030600000101010101" pitchFamily="18" charset="-127"/>
+              <a:ea typeface="HY견고딕" panose="02030600000101010101" pitchFamily="18" charset="-127"/>
+            </a:endParaRPr>
+          </a:p>
+          <a:p>
+            <a:r>
+              <a:rPr lang="ko-KR" altLang="en-US" sz="2000" dirty="0">
+                <a:latin typeface="HY견고딕" panose="02030600000101010101" pitchFamily="18" charset="-127"/>
+                <a:ea typeface="HY견고딕" panose="02030600000101010101" pitchFamily="18" charset="-127"/>
+              </a:rPr>
               <a:t> </a:t>
             </a:r>
+            <a:endParaRPr lang="en-US" altLang="ko-KR" sz="2000" dirty="0">
+              <a:latin typeface="HY견고딕" panose="02030600000101010101" pitchFamily="18" charset="-127"/>
+              <a:ea typeface="HY견고딕" panose="02030600000101010101" pitchFamily="18" charset="-127"/>
+            </a:endParaRPr>
+          </a:p>
+          <a:p>
             <a:endParaRPr lang="en-US" altLang="ko-KR" sz="2000" dirty="0">
               <a:latin typeface="HY견고딕" panose="02030600000101010101" pitchFamily="18" charset="-127"/>
               <a:ea typeface="HY견고딕" panose="02030600000101010101" pitchFamily="18" charset="-127"/>
@@ -8864,7 +12216,7 @@
           <p:nvPr/>
         </p:nvPicPr>
         <p:blipFill>
-          <a:blip r:embed="rId2">
+          <a:blip r:embed="rId2" cstate="print">
             <a:extLst>
               <a:ext uri="{28A0092B-C50C-407E-A947-70E740481C1C}">
                 <a14:useLocalDpi xmlns:a14="http://schemas.microsoft.com/office/drawing/2010/main" val="0"/>
@@ -8900,7 +12252,7 @@
           <p:nvPr/>
         </p:nvPicPr>
         <p:blipFill>
-          <a:blip r:embed="rId3">
+          <a:blip r:embed="rId3" cstate="print">
             <a:extLst>
               <a:ext uri="{28A0092B-C50C-407E-A947-70E740481C1C}">
                 <a14:useLocalDpi xmlns:a14="http://schemas.microsoft.com/office/drawing/2010/main" val="0"/>
@@ -8974,7 +12326,7 @@
           <p:nvPr/>
         </p:nvPicPr>
         <p:blipFill>
-          <a:blip r:embed="rId4">
+          <a:blip r:embed="rId4" cstate="print">
             <a:extLst>
               <a:ext uri="{28A0092B-C50C-407E-A947-70E740481C1C}">
                 <a14:useLocalDpi xmlns:a14="http://schemas.microsoft.com/office/drawing/2010/main" val="0"/>
@@ -9010,7 +12362,7 @@
           <p:nvPr/>
         </p:nvPicPr>
         <p:blipFill rotWithShape="1">
-          <a:blip r:embed="rId2">
+          <a:blip r:embed="rId5">
             <a:extLst>
               <a:ext uri="{28A0092B-C50C-407E-A947-70E740481C1C}">
                 <a14:useLocalDpi xmlns:a14="http://schemas.microsoft.com/office/drawing/2010/main" val="0"/>
@@ -9083,7 +12435,7 @@
           <p:nvPr/>
         </p:nvPicPr>
         <p:blipFill>
-          <a:blip r:embed="rId5">
+          <a:blip r:embed="rId6" cstate="print">
             <a:extLst>
               <a:ext uri="{28A0092B-C50C-407E-A947-70E740481C1C}">
                 <a14:useLocalDpi xmlns:a14="http://schemas.microsoft.com/office/drawing/2010/main" val="0"/>
@@ -9119,7 +12471,7 @@
           <p:nvPr/>
         </p:nvPicPr>
         <p:blipFill>
-          <a:blip r:embed="rId6">
+          <a:blip r:embed="rId7" cstate="print">
             <a:extLst>
               <a:ext uri="{28A0092B-C50C-407E-A947-70E740481C1C}">
                 <a14:useLocalDpi xmlns:a14="http://schemas.microsoft.com/office/drawing/2010/main" val="0"/>
@@ -12133,7 +15485,7 @@
                 <a:latin typeface="HY견고딕" panose="02030600000101010101" pitchFamily="18" charset="-127"/>
                 <a:ea typeface="HY견고딕" panose="02030600000101010101" pitchFamily="18" charset="-127"/>
               </a:rPr>
-              <a:t>Direct X 12</a:t>
+              <a:t>Direct X 11</a:t>
             </a:r>
           </a:p>
           <a:p>
@@ -12328,44 +15680,44 @@
 </file>
 
 <file path=ppt/theme/theme1.xml><?xml version="1.0" encoding="utf-8"?>
-<a:theme xmlns:r="http://schemas.openxmlformats.org/officeDocument/2006/relationships" xmlns:c="http://schemas.openxmlformats.org/drawingml/2006/chart" xmlns:dgm="http://schemas.openxmlformats.org/drawingml/2006/diagram" xmlns:dsp="http://schemas.microsoft.com/office/drawing/2008/diagram" xmlns:a="http://schemas.openxmlformats.org/drawingml/2006/main" xmlns:pic="http://schemas.openxmlformats.org/drawingml/2006/picture" xmlns:wp="http://schemas.openxmlformats.org/drawingml/2006/wordprocessingDrawing" xmlns:xdr="http://schemas.openxmlformats.org/drawingml/2006/spreadsheetDrawing" xmlns:lc="http://schemas.openxmlformats.org/drawingml/2006/lockedCanvas" xmlns:p="http://schemas.openxmlformats.org/presentationml/2006/main" name="Office 테마">
+<a:theme xmlns:a="http://schemas.openxmlformats.org/drawingml/2006/main" name="Office 테마">
   <a:themeElements>
     <a:clrScheme name="Office">
       <a:dk1>
         <a:sysClr val="windowText" lastClr="000000"/>
       </a:dk1>
       <a:lt1>
-        <a:sysClr val="window" lastClr="ffffff"/>
+        <a:sysClr val="window" lastClr="FFFFFF"/>
       </a:lt1>
       <a:dk2>
-        <a:srgbClr val="44546a"/>
+        <a:srgbClr val="44546A"/>
       </a:dk2>
       <a:lt2>
-        <a:srgbClr val="e7e6e6"/>
+        <a:srgbClr val="E7E6E6"/>
       </a:lt2>
       <a:accent1>
-        <a:srgbClr val="4472c4"/>
+        <a:srgbClr val="4472C4"/>
       </a:accent1>
       <a:accent2>
-        <a:srgbClr val="ed7d31"/>
+        <a:srgbClr val="ED7D31"/>
       </a:accent2>
       <a:accent3>
-        <a:srgbClr val="a5a5a5"/>
+        <a:srgbClr val="A5A5A5"/>
       </a:accent3>
       <a:accent4>
-        <a:srgbClr val="ffc000"/>
+        <a:srgbClr val="FFC000"/>
       </a:accent4>
       <a:accent5>
-        <a:srgbClr val="5b9bd5"/>
+        <a:srgbClr val="5B9BD5"/>
       </a:accent5>
       <a:accent6>
-        <a:srgbClr val="70ad47"/>
+        <a:srgbClr val="70AD47"/>
       </a:accent6>
       <a:hlink>
-        <a:srgbClr val="0563c1"/>
+        <a:srgbClr val="0563C1"/>
       </a:hlink>
       <a:folHlink>
-        <a:srgbClr val="954f72"/>
+        <a:srgbClr val="954F72"/>
       </a:folHlink>
     </a:clrScheme>
     <a:fontScheme name="Office">
@@ -12612,48 +15964,50 @@
       </a:bgFillStyleLst>
     </a:fmtScheme>
   </a:themeElements>
+  <a:objectDefaults/>
+  <a:extraClrSchemeLst/>
 </a:theme>
 </file>
 
 <file path=ppt/theme/theme2.xml><?xml version="1.0" encoding="utf-8"?>
-<a:theme xmlns:r="http://schemas.openxmlformats.org/officeDocument/2006/relationships" xmlns:c="http://schemas.openxmlformats.org/drawingml/2006/chart" xmlns:dgm="http://schemas.openxmlformats.org/drawingml/2006/diagram" xmlns:dsp="http://schemas.microsoft.com/office/drawing/2008/diagram" xmlns:a="http://schemas.openxmlformats.org/drawingml/2006/main" xmlns:pic="http://schemas.openxmlformats.org/drawingml/2006/picture" xmlns:wp="http://schemas.openxmlformats.org/drawingml/2006/wordprocessingDrawing" xmlns:xdr="http://schemas.openxmlformats.org/drawingml/2006/spreadsheetDrawing" xmlns:lc="http://schemas.openxmlformats.org/drawingml/2006/lockedCanvas" xmlns:p="http://schemas.openxmlformats.org/presentationml/2006/main" name="Office 테마">
+<a:theme xmlns:a="http://schemas.openxmlformats.org/drawingml/2006/main" name="Office 테마">
   <a:themeElements>
     <a:clrScheme name="Office">
       <a:dk1>
         <a:sysClr val="windowText" lastClr="000000"/>
       </a:dk1>
       <a:lt1>
-        <a:sysClr val="window" lastClr="ffffff"/>
+        <a:sysClr val="window" lastClr="FFFFFF"/>
       </a:lt1>
       <a:dk2>
-        <a:srgbClr val="44546a"/>
+        <a:srgbClr val="44546A"/>
       </a:dk2>
       <a:lt2>
-        <a:srgbClr val="e7e6e6"/>
+        <a:srgbClr val="E7E6E6"/>
       </a:lt2>
       <a:accent1>
-        <a:srgbClr val="4472c4"/>
+        <a:srgbClr val="4472C4"/>
       </a:accent1>
       <a:accent2>
-        <a:srgbClr val="ed7d31"/>
+        <a:srgbClr val="ED7D31"/>
       </a:accent2>
       <a:accent3>
-        <a:srgbClr val="a5a5a5"/>
+        <a:srgbClr val="A5A5A5"/>
       </a:accent3>
       <a:accent4>
-        <a:srgbClr val="ffc000"/>
+        <a:srgbClr val="FFC000"/>
       </a:accent4>
       <a:accent5>
-        <a:srgbClr val="5b9bd5"/>
+        <a:srgbClr val="5B9BD5"/>
       </a:accent5>
       <a:accent6>
-        <a:srgbClr val="70ad47"/>
+        <a:srgbClr val="70AD47"/>
       </a:accent6>
       <a:hlink>
-        <a:srgbClr val="0563c1"/>
+        <a:srgbClr val="0563C1"/>
       </a:hlink>
       <a:folHlink>
-        <a:srgbClr val="954f72"/>
+        <a:srgbClr val="954F72"/>
       </a:folHlink>
     </a:clrScheme>
     <a:fontScheme name="Office">
@@ -12900,5 +16254,7 @@
       </a:bgFillStyleLst>
     </a:fmtScheme>
   </a:themeElements>
+  <a:objectDefaults/>
+  <a:extraClrSchemeLst/>
 </a:theme>
 </file>
--- a/문서/졸업작품 게임 기획서 초안.pptx
+++ b/문서/졸업작품 게임 기획서 초안.pptx
@@ -1,32 +1,32 @@
 
 <file path=ppt/presentation.xml><?xml version="1.0" encoding="utf-8"?>
-<p:presentation xmlns:a="http://schemas.openxmlformats.org/drawingml/2006/main" xmlns:r="http://schemas.openxmlformats.org/officeDocument/2006/relationships" xmlns:p="http://schemas.openxmlformats.org/presentationml/2006/main">
+<p:presentation xmlns:r="http://schemas.openxmlformats.org/officeDocument/2006/relationships" xmlns:c="http://schemas.openxmlformats.org/drawingml/2006/chart" xmlns:a="http://schemas.openxmlformats.org/drawingml/2006/main" xmlns:dgm="http://schemas.openxmlformats.org/drawingml/2006/diagram" xmlns:dsp="http://schemas.microsoft.com/office/drawing/2008/diagram" xmlns:p="http://schemas.openxmlformats.org/presentationml/2006/main">
   <p:sldMasterIdLst>
     <p:sldMasterId id="2147483661" r:id="rId1"/>
   </p:sldMasterIdLst>
   <p:notesMasterIdLst>
-    <p:notesMasterId r:id="rId21"/>
+    <p:notesMasterId r:id="rId2"/>
   </p:notesMasterIdLst>
   <p:sldIdLst>
-    <p:sldId id="256" r:id="rId2"/>
-    <p:sldId id="257" r:id="rId3"/>
-    <p:sldId id="258" r:id="rId4"/>
-    <p:sldId id="259" r:id="rId5"/>
-    <p:sldId id="260" r:id="rId6"/>
-    <p:sldId id="261" r:id="rId7"/>
-    <p:sldId id="262" r:id="rId8"/>
-    <p:sldId id="263" r:id="rId9"/>
-    <p:sldId id="264" r:id="rId10"/>
-    <p:sldId id="265" r:id="rId11"/>
-    <p:sldId id="266" r:id="rId12"/>
-    <p:sldId id="272" r:id="rId13"/>
+    <p:sldId id="256" r:id="rId3"/>
+    <p:sldId id="257" r:id="rId4"/>
+    <p:sldId id="258" r:id="rId5"/>
+    <p:sldId id="259" r:id="rId6"/>
+    <p:sldId id="260" r:id="rId7"/>
+    <p:sldId id="261" r:id="rId8"/>
+    <p:sldId id="262" r:id="rId9"/>
+    <p:sldId id="263" r:id="rId10"/>
+    <p:sldId id="264" r:id="rId11"/>
+    <p:sldId id="265" r:id="rId12"/>
+    <p:sldId id="266" r:id="rId13"/>
     <p:sldId id="267" r:id="rId14"/>
     <p:sldId id="268" r:id="rId15"/>
-    <p:sldId id="270" r:id="rId16"/>
-    <p:sldId id="271" r:id="rId17"/>
-    <p:sldId id="269" r:id="rId18"/>
-    <p:sldId id="273" r:id="rId19"/>
-    <p:sldId id="274" r:id="rId20"/>
+    <p:sldId id="269" r:id="rId16"/>
+    <p:sldId id="270" r:id="rId17"/>
+    <p:sldId id="271" r:id="rId18"/>
+    <p:sldId id="272" r:id="rId19"/>
+    <p:sldId id="273" r:id="rId20"/>
+    <p:sldId id="274" r:id="rId21"/>
   </p:sldIdLst>
   <p:sldSz cx="12192000" cy="6858000"/>
   <p:notesSz cx="6858000" cy="9144000"/>
@@ -125,27 +125,11 @@
       </a:defRPr>
     </a:lvl9pPr>
   </p:defaultTextStyle>
-  <p:extLst>
-    <p:ext uri="{EFAFB233-063F-42B5-8137-9DF3F51BA10A}">
-      <p15:sldGuideLst xmlns:p15="http://schemas.microsoft.com/office/powerpoint/2012/main">
-        <p15:guide id="1" orient="horz" pos="2159">
-          <p15:clr>
-            <a:srgbClr val="A4A3A4"/>
-          </p15:clr>
-        </p15:guide>
-        <p15:guide id="2" pos="3839">
-          <p15:clr>
-            <a:srgbClr val="A4A3A4"/>
-          </p15:clr>
-        </p15:guide>
-      </p15:sldGuideLst>
-    </p:ext>
-  </p:extLst>
 </p:presentation>
 </file>
 
 <file path=ppt/notesMasters/notesMaster1.xml><?xml version="1.0" encoding="utf-8"?>
-<p:notesMaster xmlns:a="http://schemas.openxmlformats.org/drawingml/2006/main" xmlns:r="http://schemas.openxmlformats.org/officeDocument/2006/relationships" xmlns:p="http://schemas.openxmlformats.org/presentationml/2006/main">
+<p:notesMaster xmlns:r="http://schemas.openxmlformats.org/officeDocument/2006/relationships" xmlns:c="http://schemas.openxmlformats.org/drawingml/2006/chart" xmlns:a="http://schemas.openxmlformats.org/drawingml/2006/main" xmlns:dgm="http://schemas.openxmlformats.org/drawingml/2006/diagram" xmlns:dsp="http://schemas.microsoft.com/office/drawing/2008/diagram" xmlns:p="http://schemas.openxmlformats.org/presentationml/2006/main">
   <p:cSld>
     <p:bg>
       <p:bgRef idx="1001">
@@ -173,7 +157,7 @@
             <a:spLocks noGrp="1"/>
           </p:cNvSpPr>
           <p:nvPr>
-            <p:ph type="hdr" sz="quarter"/>
+            <p:ph type="hdr" sz="quarter" idx="0"/>
           </p:nvPr>
         </p:nvSpPr>
         <p:spPr>
@@ -196,6 +180,10 @@
             <a:pPr lvl="0">
               <a:defRPr/>
             </a:pPr>
+            <a:r>
+              <a:rPr lang="ko-KR" altLang="en-US"/>
+              <a:t/>
+            </a:r>
             <a:endParaRPr lang="ko-KR" altLang="en-US"/>
           </a:p>
         </p:txBody>
@@ -235,7 +223,7 @@
               <a:pPr lvl="0">
                 <a:defRPr/>
               </a:pPr>
-              <a:t>2019-11-17</a:t>
+              <a:t>2019-11-18</a:t>
             </a:fld>
             <a:endParaRPr lang="ko-KR" altLang="en-US"/>
           </a:p>
@@ -307,6 +295,7 @@
               <a:rPr lang="ko-KR" altLang="en-US"/>
               <a:t>마스터 텍스트 스타일을 편집하려면 클릭</a:t>
             </a:r>
+            <a:endParaRPr lang="ko-KR" altLang="en-US"/>
           </a:p>
           <a:p>
             <a:pPr lvl="1">
@@ -316,6 +305,7 @@
               <a:rPr lang="ko-KR" altLang="en-US"/>
               <a:t>두 번째 수준</a:t>
             </a:r>
+            <a:endParaRPr lang="ko-KR" altLang="en-US"/>
           </a:p>
           <a:p>
             <a:pPr lvl="2">
@@ -325,6 +315,7 @@
               <a:rPr lang="ko-KR" altLang="en-US"/>
               <a:t>세 번째 수준</a:t>
             </a:r>
+            <a:endParaRPr lang="ko-KR" altLang="en-US"/>
           </a:p>
           <a:p>
             <a:pPr lvl="3">
@@ -334,6 +325,7 @@
               <a:rPr lang="ko-KR" altLang="en-US"/>
               <a:t>네 번째 수준</a:t>
             </a:r>
+            <a:endParaRPr lang="ko-KR" altLang="en-US"/>
           </a:p>
           <a:p>
             <a:pPr lvl="4">
@@ -343,6 +335,7 @@
               <a:rPr lang="ko-KR" altLang="en-US"/>
               <a:t>다섯 번째 수준</a:t>
             </a:r>
+            <a:endParaRPr lang="ko-KR" altLang="en-US"/>
           </a:p>
         </p:txBody>
       </p:sp>
@@ -376,6 +369,10 @@
             <a:pPr lvl="0">
               <a:defRPr/>
             </a:pPr>
+            <a:r>
+              <a:rPr lang="ko-KR" altLang="en-US"/>
+              <a:t/>
+            </a:r>
             <a:endParaRPr lang="ko-KR" altLang="en-US"/>
           </a:p>
         </p:txBody>
@@ -6186,7 +6183,7 @@
 </file>
 
 <file path=ppt/slides/slide14.xml><?xml version="1.0" encoding="utf-8"?>
-<p:sld xmlns:a="http://schemas.openxmlformats.org/drawingml/2006/main" xmlns:r="http://schemas.openxmlformats.org/officeDocument/2006/relationships" xmlns:p="http://schemas.openxmlformats.org/presentationml/2006/main">
+<p:sld xmlns:r="http://schemas.openxmlformats.org/officeDocument/2006/relationships" xmlns:c="http://schemas.openxmlformats.org/drawingml/2006/chart" xmlns:a="http://schemas.openxmlformats.org/drawingml/2006/main" xmlns:dgm="http://schemas.openxmlformats.org/drawingml/2006/diagram" xmlns:dsp="http://schemas.microsoft.com/office/drawing/2008/diagram" xmlns:p="http://schemas.openxmlformats.org/presentationml/2006/main">
   <p:cSld>
     <p:spTree>
       <p:nvGrpSpPr>
@@ -6204,16 +6201,8 @@
       </p:grpSpPr>
       <p:cxnSp>
         <p:nvCxnSpPr>
-          <p:cNvPr id="2" name="직선 연결선 1">
-            <a:extLst>
-              <a:ext uri="{FF2B5EF4-FFF2-40B4-BE49-F238E27FC236}">
-                <a16:creationId xmlns:a16="http://schemas.microsoft.com/office/drawing/2014/main" id="{F489D314-C637-4E9E-947D-448763FA3CE1}"/>
-              </a:ext>
-            </a:extLst>
-          </p:cNvPr>
-          <p:cNvCxnSpPr>
-            <a:cxnSpLocks/>
-          </p:cNvCxnSpPr>
+          <p:cNvPr id="2" name="직선 연결선 1"/>
+          <p:cNvCxnSpPr/>
           <p:nvPr/>
         </p:nvCxnSpPr>
         <p:spPr>
@@ -6247,13 +6236,7 @@
       </p:cxnSp>
       <p:sp>
         <p:nvSpPr>
-          <p:cNvPr id="3" name="TextBox 2">
-            <a:extLst>
-              <a:ext uri="{FF2B5EF4-FFF2-40B4-BE49-F238E27FC236}">
-                <a16:creationId xmlns:a16="http://schemas.microsoft.com/office/drawing/2014/main" id="{D5266936-5F5A-4942-B5DC-638A5ECB4501}"/>
-              </a:ext>
-            </a:extLst>
-          </p:cNvPr>
+          <p:cNvPr id="3" name="TextBox 2"/>
           <p:cNvSpPr txBox="1"/>
           <p:nvPr/>
         </p:nvSpPr>
@@ -6268,30 +6251,31 @@
           <a:noFill/>
         </p:spPr>
         <p:txBody>
-          <a:bodyPr wrap="none" rtlCol="0">
+          <a:bodyPr wrap="none">
             <a:spAutoFit/>
           </a:bodyPr>
           <a:lstStyle/>
           <a:p>
-            <a:r>
-              <a:rPr lang="ko-KR" altLang="en-US" sz="4000" dirty="0">
-                <a:latin typeface="HY헤드라인M" panose="02030600000101010101" pitchFamily="18" charset="-127"/>
-                <a:ea typeface="HY헤드라인M" panose="02030600000101010101" pitchFamily="18" charset="-127"/>
+            <a:pPr lvl="0">
+              <a:defRPr/>
+            </a:pPr>
+            <a:r>
+              <a:rPr lang="ko-KR" altLang="en-US" sz="4000">
+                <a:latin typeface="HY헤드라인M"/>
+                <a:ea typeface="HY헤드라인M"/>
               </a:rPr>
               <a:t>개인별 준비 현황</a:t>
             </a:r>
-          </a:p>
-        </p:txBody>
-      </p:sp>
-      <p:sp>
-        <p:nvSpPr>
-          <p:cNvPr id="4" name="TextBox 3">
-            <a:extLst>
-              <a:ext uri="{FF2B5EF4-FFF2-40B4-BE49-F238E27FC236}">
-                <a16:creationId xmlns:a16="http://schemas.microsoft.com/office/drawing/2014/main" id="{BF07602F-6AE9-44B4-BE0F-55FE2EDFDD1C}"/>
-              </a:ext>
-            </a:extLst>
-          </p:cNvPr>
+            <a:endParaRPr lang="ko-KR" altLang="en-US" sz="4000">
+              <a:latin typeface="HY헤드라인M"/>
+              <a:ea typeface="HY헤드라인M"/>
+            </a:endParaRPr>
+          </a:p>
+        </p:txBody>
+      </p:sp>
+      <p:sp>
+        <p:nvSpPr>
+          <p:cNvPr id="4" name="TextBox 3"/>
           <p:cNvSpPr txBox="1"/>
           <p:nvPr/>
         </p:nvSpPr>
@@ -6306,55 +6290,52 @@
           <a:noFill/>
         </p:spPr>
         <p:txBody>
-          <a:bodyPr wrap="none" rtlCol="0">
+          <a:bodyPr wrap="none">
             <a:spAutoFit/>
           </a:bodyPr>
           <a:lstStyle/>
           <a:p>
-            <a:r>
-              <a:rPr lang="en-US" altLang="ko-KR" sz="2800" dirty="0">
-                <a:latin typeface="HY헤드라인M" panose="02030600000101010101" pitchFamily="18" charset="-127"/>
-                <a:ea typeface="HY헤드라인M" panose="02030600000101010101" pitchFamily="18" charset="-127"/>
+            <a:pPr lvl="0">
+              <a:defRPr/>
+            </a:pPr>
+            <a:r>
+              <a:rPr lang="en-US" altLang="ko-KR" sz="2800">
+                <a:latin typeface="HY헤드라인M"/>
+                <a:ea typeface="HY헤드라인M"/>
               </a:rPr>
               <a:t>The Island</a:t>
             </a:r>
             <a:r>
-              <a:rPr lang="en-US" altLang="ko-KR" sz="1050" dirty="0">
-                <a:latin typeface="HY헤드라인M" panose="02030600000101010101" pitchFamily="18" charset="-127"/>
-                <a:ea typeface="HY헤드라인M" panose="02030600000101010101" pitchFamily="18" charset="-127"/>
+              <a:rPr lang="en-US" altLang="ko-KR" sz="1050">
+                <a:latin typeface="HY헤드라인M"/>
+                <a:ea typeface="HY헤드라인M"/>
               </a:rPr>
               <a:t>(</a:t>
             </a:r>
             <a:r>
-              <a:rPr lang="ko-KR" altLang="en-US" sz="1050" dirty="0">
-                <a:latin typeface="HY헤드라인M" panose="02030600000101010101" pitchFamily="18" charset="-127"/>
-                <a:ea typeface="HY헤드라인M" panose="02030600000101010101" pitchFamily="18" charset="-127"/>
+              <a:rPr lang="ko-KR" altLang="en-US" sz="1050">
+                <a:latin typeface="HY헤드라인M"/>
+                <a:ea typeface="HY헤드라인M"/>
               </a:rPr>
               <a:t>가제</a:t>
             </a:r>
             <a:r>
-              <a:rPr lang="en-US" altLang="ko-KR" sz="1050" dirty="0">
-                <a:latin typeface="HY헤드라인M" panose="02030600000101010101" pitchFamily="18" charset="-127"/>
-                <a:ea typeface="HY헤드라인M" panose="02030600000101010101" pitchFamily="18" charset="-127"/>
+              <a:rPr lang="en-US" altLang="ko-KR" sz="1050">
+                <a:latin typeface="HY헤드라인M"/>
+                <a:ea typeface="HY헤드라인M"/>
               </a:rPr>
               <a:t>)</a:t>
             </a:r>
-            <a:endParaRPr lang="ko-KR" altLang="en-US" sz="2800" dirty="0">
-              <a:latin typeface="HY헤드라인M" panose="02030600000101010101" pitchFamily="18" charset="-127"/>
-              <a:ea typeface="HY헤드라인M" panose="02030600000101010101" pitchFamily="18" charset="-127"/>
-            </a:endParaRPr>
-          </a:p>
-        </p:txBody>
-      </p:sp>
-      <p:sp>
-        <p:nvSpPr>
-          <p:cNvPr id="5" name="TextBox 4">
-            <a:extLst>
-              <a:ext uri="{FF2B5EF4-FFF2-40B4-BE49-F238E27FC236}">
-                <a16:creationId xmlns:a16="http://schemas.microsoft.com/office/drawing/2014/main" id="{8B8A36FB-13F6-49E8-A86D-6CF420F297BC}"/>
-              </a:ext>
-            </a:extLst>
-          </p:cNvPr>
+            <a:endParaRPr lang="ko-KR" altLang="en-US" sz="2800">
+              <a:latin typeface="HY헤드라인M"/>
+              <a:ea typeface="HY헤드라인M"/>
+            </a:endParaRPr>
+          </a:p>
+        </p:txBody>
+      </p:sp>
+      <p:sp>
+        <p:nvSpPr>
+          <p:cNvPr id="5" name="TextBox 4"/>
           <p:cNvSpPr txBox="1"/>
           <p:nvPr/>
         </p:nvSpPr>
@@ -6369,40 +6350,37 @@
           <a:noFill/>
         </p:spPr>
         <p:txBody>
-          <a:bodyPr wrap="none" rtlCol="0">
+          <a:bodyPr wrap="none">
             <a:spAutoFit/>
           </a:bodyPr>
           <a:lstStyle/>
           <a:p>
-            <a:r>
-              <a:rPr lang="en-US" altLang="ko-KR" sz="4400" dirty="0">
+            <a:pPr lvl="0">
+              <a:defRPr/>
+            </a:pPr>
+            <a:r>
+              <a:rPr lang="en-US" altLang="ko-KR" sz="4400">
                 <a:solidFill>
                   <a:schemeClr val="accent1"/>
                 </a:solidFill>
-                <a:latin typeface="HY헤드라인M" panose="02030600000101010101" pitchFamily="18" charset="-127"/>
-                <a:ea typeface="HY헤드라인M" panose="02030600000101010101" pitchFamily="18" charset="-127"/>
+                <a:latin typeface="HY헤드라인M"/>
+                <a:ea typeface="HY헤드라인M"/>
               </a:rPr>
               <a:t>HOW</a:t>
             </a:r>
-            <a:endParaRPr lang="ko-KR" altLang="en-US" sz="4400" dirty="0">
+            <a:endParaRPr lang="ko-KR" altLang="en-US" sz="4400">
               <a:solidFill>
                 <a:schemeClr val="accent1"/>
               </a:solidFill>
-              <a:latin typeface="HY헤드라인M" panose="02030600000101010101" pitchFamily="18" charset="-127"/>
-              <a:ea typeface="HY헤드라인M" panose="02030600000101010101" pitchFamily="18" charset="-127"/>
-            </a:endParaRPr>
-          </a:p>
-        </p:txBody>
-      </p:sp>
-      <p:sp>
-        <p:nvSpPr>
-          <p:cNvPr id="6" name="TextBox 5">
-            <a:extLst>
-              <a:ext uri="{FF2B5EF4-FFF2-40B4-BE49-F238E27FC236}">
-                <a16:creationId xmlns:a16="http://schemas.microsoft.com/office/drawing/2014/main" id="{30644E1A-CD8E-4E97-B44E-498BA04E0B37}"/>
-              </a:ext>
-            </a:extLst>
-          </p:cNvPr>
+              <a:latin typeface="HY헤드라인M"/>
+              <a:ea typeface="HY헤드라인M"/>
+            </a:endParaRPr>
+          </a:p>
+        </p:txBody>
+      </p:sp>
+      <p:sp>
+        <p:nvSpPr>
+          <p:cNvPr id="6" name="TextBox 5"/>
           <p:cNvSpPr txBox="1"/>
           <p:nvPr/>
         </p:nvSpPr>
@@ -6417,37 +6395,32 @@
           <a:noFill/>
         </p:spPr>
         <p:txBody>
-          <a:bodyPr wrap="none" rtlCol="0">
+          <a:bodyPr wrap="none">
             <a:spAutoFit/>
           </a:bodyPr>
           <a:lstStyle/>
           <a:p>
-            <a:r>
-              <a:rPr lang="en-US" altLang="ko-KR" dirty="0">
-                <a:latin typeface="HY헤드라인M" panose="02030600000101010101" pitchFamily="18" charset="-127"/>
-                <a:ea typeface="HY헤드라인M" panose="02030600000101010101" pitchFamily="18" charset="-127"/>
+            <a:pPr lvl="0">
+              <a:defRPr/>
+            </a:pPr>
+            <a:r>
+              <a:rPr lang="en-US" altLang="ko-KR">
+                <a:latin typeface="HY헤드라인M"/>
+                <a:ea typeface="HY헤드라인M"/>
               </a:rPr>
               <a:t>14/..</a:t>
             </a:r>
-            <a:endParaRPr lang="ko-KR" altLang="en-US" dirty="0">
-              <a:latin typeface="HY헤드라인M" panose="02030600000101010101" pitchFamily="18" charset="-127"/>
-              <a:ea typeface="HY헤드라인M" panose="02030600000101010101" pitchFamily="18" charset="-127"/>
+            <a:endParaRPr lang="ko-KR" altLang="en-US">
+              <a:latin typeface="HY헤드라인M"/>
+              <a:ea typeface="HY헤드라인M"/>
             </a:endParaRPr>
           </a:p>
         </p:txBody>
       </p:sp>
       <p:cxnSp>
         <p:nvCxnSpPr>
-          <p:cNvPr id="7" name="직선 연결선 6">
-            <a:extLst>
-              <a:ext uri="{FF2B5EF4-FFF2-40B4-BE49-F238E27FC236}">
-                <a16:creationId xmlns:a16="http://schemas.microsoft.com/office/drawing/2014/main" id="{1213C020-10BD-47FA-8004-EF392DA9F117}"/>
-              </a:ext>
-            </a:extLst>
-          </p:cNvPr>
-          <p:cNvCxnSpPr>
-            <a:cxnSpLocks/>
-          </p:cNvCxnSpPr>
+          <p:cNvPr id="7" name="직선 연결선 6"/>
+          <p:cNvCxnSpPr/>
           <p:nvPr/>
         </p:nvCxnSpPr>
         <p:spPr>
@@ -6481,13 +6454,7 @@
       </p:cxnSp>
       <p:sp>
         <p:nvSpPr>
-          <p:cNvPr id="8" name="TextBox 7">
-            <a:extLst>
-              <a:ext uri="{FF2B5EF4-FFF2-40B4-BE49-F238E27FC236}">
-                <a16:creationId xmlns:a16="http://schemas.microsoft.com/office/drawing/2014/main" id="{7A612A51-3AF6-43F8-BC7C-00E4C9F335CF}"/>
-              </a:ext>
-            </a:extLst>
-          </p:cNvPr>
+          <p:cNvPr id="8" name="TextBox 7"/>
           <p:cNvSpPr txBox="1"/>
           <p:nvPr/>
         </p:nvSpPr>
@@ -6502,35 +6469,31 @@
           <a:noFill/>
         </p:spPr>
         <p:txBody>
-          <a:bodyPr wrap="none" rtlCol="0">
+          <a:bodyPr wrap="none">
             <a:spAutoFit/>
           </a:bodyPr>
           <a:lstStyle/>
           <a:p>
-            <a:pPr algn="ctr"/>
-            <a:r>
-              <a:rPr lang="ko-KR" altLang="en-US" sz="2000" dirty="0" err="1">
-                <a:latin typeface="HY견고딕" panose="02030600000101010101" pitchFamily="18" charset="-127"/>
-                <a:ea typeface="HY견고딕" panose="02030600000101010101" pitchFamily="18" charset="-127"/>
+            <a:pPr algn="ctr">
+              <a:defRPr/>
+            </a:pPr>
+            <a:r>
+              <a:rPr lang="ko-KR" altLang="en-US" sz="2000">
+                <a:latin typeface="HY견고딕"/>
+                <a:ea typeface="HY견고딕"/>
               </a:rPr>
               <a:t>김하윤</a:t>
             </a:r>
-            <a:endParaRPr lang="ko-KR" altLang="en-US" sz="2000" dirty="0">
-              <a:latin typeface="HY견고딕" panose="02030600000101010101" pitchFamily="18" charset="-127"/>
-              <a:ea typeface="HY견고딕" panose="02030600000101010101" pitchFamily="18" charset="-127"/>
-            </a:endParaRPr>
-          </a:p>
-        </p:txBody>
-      </p:sp>
-      <p:sp>
-        <p:nvSpPr>
-          <p:cNvPr id="9" name="TextBox 8">
-            <a:extLst>
-              <a:ext uri="{FF2B5EF4-FFF2-40B4-BE49-F238E27FC236}">
-                <a16:creationId xmlns:a16="http://schemas.microsoft.com/office/drawing/2014/main" id="{35819DF1-8655-4F12-8239-2F1D457A33EB}"/>
-              </a:ext>
-            </a:extLst>
-          </p:cNvPr>
+            <a:endParaRPr lang="ko-KR" altLang="en-US" sz="2000">
+              <a:latin typeface="HY견고딕"/>
+              <a:ea typeface="HY견고딕"/>
+            </a:endParaRPr>
+          </a:p>
+        </p:txBody>
+      </p:sp>
+      <p:sp>
+        <p:nvSpPr>
+          <p:cNvPr id="9" name="TextBox 8"/>
           <p:cNvSpPr txBox="1"/>
           <p:nvPr/>
         </p:nvSpPr>
@@ -6545,31 +6508,31 @@
           <a:noFill/>
         </p:spPr>
         <p:txBody>
-          <a:bodyPr wrap="none" rtlCol="0">
+          <a:bodyPr wrap="none">
             <a:spAutoFit/>
           </a:bodyPr>
           <a:lstStyle/>
           <a:p>
-            <a:pPr algn="ctr"/>
-            <a:r>
-              <a:rPr lang="ko-KR" altLang="en-US" sz="2000" dirty="0">
-                <a:latin typeface="HY견고딕" panose="02030600000101010101" pitchFamily="18" charset="-127"/>
-                <a:ea typeface="HY견고딕" panose="02030600000101010101" pitchFamily="18" charset="-127"/>
+            <a:pPr algn="ctr">
+              <a:defRPr/>
+            </a:pPr>
+            <a:r>
+              <a:rPr lang="ko-KR" altLang="en-US" sz="2000">
+                <a:latin typeface="HY견고딕"/>
+                <a:ea typeface="HY견고딕"/>
               </a:rPr>
               <a:t>이동규</a:t>
             </a:r>
-          </a:p>
-        </p:txBody>
-      </p:sp>
-      <p:sp>
-        <p:nvSpPr>
-          <p:cNvPr id="10" name="TextBox 9">
-            <a:extLst>
-              <a:ext uri="{FF2B5EF4-FFF2-40B4-BE49-F238E27FC236}">
-                <a16:creationId xmlns:a16="http://schemas.microsoft.com/office/drawing/2014/main" id="{1C7B1DE1-3E0A-4AD9-915F-60585650B166}"/>
-              </a:ext>
-            </a:extLst>
-          </p:cNvPr>
+            <a:endParaRPr lang="ko-KR" altLang="en-US" sz="2000">
+              <a:latin typeface="HY견고딕"/>
+              <a:ea typeface="HY견고딕"/>
+            </a:endParaRPr>
+          </a:p>
+        </p:txBody>
+      </p:sp>
+      <p:sp>
+        <p:nvSpPr>
+          <p:cNvPr id="10" name="TextBox 9"/>
           <p:cNvSpPr txBox="1"/>
           <p:nvPr/>
         </p:nvSpPr>
@@ -6584,35 +6547,31 @@
           <a:noFill/>
         </p:spPr>
         <p:txBody>
-          <a:bodyPr wrap="none" rtlCol="0">
+          <a:bodyPr wrap="none">
             <a:spAutoFit/>
           </a:bodyPr>
           <a:lstStyle/>
           <a:p>
-            <a:pPr algn="ctr"/>
-            <a:r>
-              <a:rPr lang="ko-KR" altLang="en-US" sz="2000" dirty="0" err="1">
-                <a:latin typeface="HY견고딕" panose="02030600000101010101" pitchFamily="18" charset="-127"/>
-                <a:ea typeface="HY견고딕" panose="02030600000101010101" pitchFamily="18" charset="-127"/>
+            <a:pPr algn="ctr">
+              <a:defRPr/>
+            </a:pPr>
+            <a:r>
+              <a:rPr lang="ko-KR" altLang="en-US" sz="2000">
+                <a:latin typeface="HY견고딕"/>
+                <a:ea typeface="HY견고딕"/>
               </a:rPr>
               <a:t>이득유</a:t>
             </a:r>
-            <a:endParaRPr lang="ko-KR" altLang="en-US" sz="2000" dirty="0">
-              <a:latin typeface="HY견고딕" panose="02030600000101010101" pitchFamily="18" charset="-127"/>
-              <a:ea typeface="HY견고딕" panose="02030600000101010101" pitchFamily="18" charset="-127"/>
-            </a:endParaRPr>
-          </a:p>
-        </p:txBody>
-      </p:sp>
-      <p:sp>
-        <p:nvSpPr>
-          <p:cNvPr id="15" name="사각형: 둥근 모서리 14">
-            <a:extLst>
-              <a:ext uri="{FF2B5EF4-FFF2-40B4-BE49-F238E27FC236}">
-                <a16:creationId xmlns:a16="http://schemas.microsoft.com/office/drawing/2014/main" id="{42AC6AEA-C537-4334-8518-49F43F32AE20}"/>
-              </a:ext>
-            </a:extLst>
-          </p:cNvPr>
+            <a:endParaRPr lang="ko-KR" altLang="en-US" sz="2000">
+              <a:latin typeface="HY견고딕"/>
+              <a:ea typeface="HY견고딕"/>
+            </a:endParaRPr>
+          </a:p>
+        </p:txBody>
+      </p:sp>
+      <p:sp>
+        <p:nvSpPr>
+          <p:cNvPr id="15" name="사각형: 둥근 모서리 14"/>
           <p:cNvSpPr/>
           <p:nvPr/>
         </p:nvSpPr>
@@ -6622,7 +6581,9 @@
             <a:ext cx="2940423" cy="3830032"/>
           </a:xfrm>
           <a:prstGeom prst="roundRect">
-            <a:avLst/>
+            <a:avLst>
+              <a:gd name="adj" fmla="val 16667"/>
+            </a:avLst>
           </a:prstGeom>
           <a:noFill/>
           <a:ln w="25400" cmpd="sng">
@@ -6648,23 +6609,19 @@
           </a:fontRef>
         </p:style>
         <p:txBody>
-          <a:bodyPr rtlCol="0" anchor="ctr"/>
-          <a:lstStyle/>
-          <a:p>
-            <a:pPr algn="ctr"/>
+          <a:bodyPr anchor="ctr"/>
+          <a:lstStyle/>
+          <a:p>
+            <a:pPr algn="ctr">
+              <a:defRPr/>
+            </a:pPr>
             <a:endParaRPr lang="ko-KR" altLang="en-US"/>
           </a:p>
         </p:txBody>
       </p:sp>
       <p:sp>
         <p:nvSpPr>
-          <p:cNvPr id="16" name="사각형: 둥근 모서리 15">
-            <a:extLst>
-              <a:ext uri="{FF2B5EF4-FFF2-40B4-BE49-F238E27FC236}">
-                <a16:creationId xmlns:a16="http://schemas.microsoft.com/office/drawing/2014/main" id="{A680FFAE-6A3C-47EC-8A2C-8ABAC911650E}"/>
-              </a:ext>
-            </a:extLst>
-          </p:cNvPr>
+          <p:cNvPr id="16" name="사각형: 둥근 모서리 15"/>
           <p:cNvSpPr/>
           <p:nvPr/>
         </p:nvSpPr>
@@ -6674,7 +6631,9 @@
             <a:ext cx="2940423" cy="3830032"/>
           </a:xfrm>
           <a:prstGeom prst="roundRect">
-            <a:avLst/>
+            <a:avLst>
+              <a:gd name="adj" fmla="val 16667"/>
+            </a:avLst>
           </a:prstGeom>
           <a:noFill/>
           <a:ln w="25400" cmpd="sng">
@@ -6700,23 +6659,19 @@
           </a:fontRef>
         </p:style>
         <p:txBody>
-          <a:bodyPr rtlCol="0" anchor="ctr"/>
-          <a:lstStyle/>
-          <a:p>
-            <a:pPr algn="ctr"/>
+          <a:bodyPr anchor="ctr"/>
+          <a:lstStyle/>
+          <a:p>
+            <a:pPr algn="ctr">
+              <a:defRPr/>
+            </a:pPr>
             <a:endParaRPr lang="ko-KR" altLang="en-US"/>
           </a:p>
         </p:txBody>
       </p:sp>
       <p:sp>
         <p:nvSpPr>
-          <p:cNvPr id="17" name="사각형: 둥근 모서리 16">
-            <a:extLst>
-              <a:ext uri="{FF2B5EF4-FFF2-40B4-BE49-F238E27FC236}">
-                <a16:creationId xmlns:a16="http://schemas.microsoft.com/office/drawing/2014/main" id="{6A55E696-7320-42E1-8AB6-F5B0F7211587}"/>
-              </a:ext>
-            </a:extLst>
-          </p:cNvPr>
+          <p:cNvPr id="17" name="사각형: 둥근 모서리 16"/>
           <p:cNvSpPr/>
           <p:nvPr/>
         </p:nvSpPr>
@@ -6726,7 +6681,9 @@
             <a:ext cx="2940423" cy="3830032"/>
           </a:xfrm>
           <a:prstGeom prst="roundRect">
-            <a:avLst/>
+            <a:avLst>
+              <a:gd name="adj" fmla="val 16667"/>
+            </a:avLst>
           </a:prstGeom>
           <a:noFill/>
           <a:ln w="25400" cmpd="sng">
@@ -6752,23 +6709,19 @@
           </a:fontRef>
         </p:style>
         <p:txBody>
-          <a:bodyPr rtlCol="0" anchor="ctr"/>
-          <a:lstStyle/>
-          <a:p>
-            <a:pPr algn="ctr"/>
+          <a:bodyPr anchor="ctr"/>
+          <a:lstStyle/>
+          <a:p>
+            <a:pPr algn="ctr">
+              <a:defRPr/>
+            </a:pPr>
             <a:endParaRPr lang="ko-KR" altLang="en-US"/>
           </a:p>
         </p:txBody>
       </p:sp>
       <p:sp>
         <p:nvSpPr>
-          <p:cNvPr id="14" name="TextBox 13">
-            <a:extLst>
-              <a:ext uri="{FF2B5EF4-FFF2-40B4-BE49-F238E27FC236}">
-                <a16:creationId xmlns:a16="http://schemas.microsoft.com/office/drawing/2014/main" id="{2870AD53-AC1D-4B3C-9FA8-F6760784052F}"/>
-              </a:ext>
-            </a:extLst>
-          </p:cNvPr>
+          <p:cNvPr id="14" name="TextBox 13"/>
           <p:cNvSpPr txBox="1"/>
           <p:nvPr/>
         </p:nvSpPr>
@@ -6783,193 +6736,226 @@
           <a:noFill/>
         </p:spPr>
         <p:txBody>
-          <a:bodyPr wrap="none" rtlCol="0">
+          <a:bodyPr wrap="none">
             <a:spAutoFit/>
           </a:bodyPr>
           <a:lstStyle/>
           <a:p>
-            <a:pPr algn="ctr"/>
-            <a:r>
-              <a:rPr lang="en-US" altLang="ko-KR" sz="1400" dirty="0">
-                <a:latin typeface="HY헤드라인M" panose="02030600000101010101" pitchFamily="18" charset="-127"/>
-                <a:ea typeface="HY헤드라인M" panose="02030600000101010101" pitchFamily="18" charset="-127"/>
+            <a:pPr algn="ctr">
+              <a:defRPr/>
+            </a:pPr>
+            <a:r>
+              <a:rPr lang="en-US" altLang="ko-KR" sz="1400">
+                <a:latin typeface="HY헤드라인M"/>
+                <a:ea typeface="HY헤드라인M"/>
               </a:rPr>
               <a:t>C/C++</a:t>
             </a:r>
-          </a:p>
-          <a:p>
-            <a:pPr algn="ctr"/>
-            <a:r>
-              <a:rPr lang="en-US" altLang="ko-KR" sz="1400" dirty="0">
-                <a:latin typeface="HY헤드라인M" panose="02030600000101010101" pitchFamily="18" charset="-127"/>
-                <a:ea typeface="HY헤드라인M" panose="02030600000101010101" pitchFamily="18" charset="-127"/>
+            <a:endParaRPr lang="en-US" altLang="ko-KR" sz="1400">
+              <a:latin typeface="HY헤드라인M"/>
+              <a:ea typeface="HY헤드라인M"/>
+            </a:endParaRPr>
+          </a:p>
+          <a:p>
+            <a:pPr algn="ctr">
+              <a:defRPr/>
+            </a:pPr>
+            <a:r>
+              <a:rPr lang="en-US" altLang="ko-KR" sz="1400">
+                <a:latin typeface="HY헤드라인M"/>
+                <a:ea typeface="HY헤드라인M"/>
               </a:rPr>
               <a:t>WIN API</a:t>
             </a:r>
-          </a:p>
-          <a:p>
-            <a:pPr algn="ctr"/>
-            <a:r>
-              <a:rPr lang="ko-KR" altLang="en-US" sz="1400" dirty="0">
-                <a:latin typeface="HY헤드라인M" panose="02030600000101010101" pitchFamily="18" charset="-127"/>
-                <a:ea typeface="HY헤드라인M" panose="02030600000101010101" pitchFamily="18" charset="-127"/>
+            <a:endParaRPr lang="en-US" altLang="ko-KR" sz="1400">
+              <a:latin typeface="HY헤드라인M"/>
+              <a:ea typeface="HY헤드라인M"/>
+            </a:endParaRPr>
+          </a:p>
+          <a:p>
+            <a:pPr algn="ctr">
+              <a:defRPr/>
+            </a:pPr>
+            <a:r>
+              <a:rPr lang="ko-KR" altLang="en-US" sz="1400">
+                <a:latin typeface="HY헤드라인M"/>
+                <a:ea typeface="HY헤드라인M"/>
               </a:rPr>
               <a:t>자료구조</a:t>
             </a:r>
             <a:r>
-              <a:rPr lang="en-US" altLang="ko-KR" sz="1400" dirty="0">
-                <a:latin typeface="HY헤드라인M" panose="02030600000101010101" pitchFamily="18" charset="-127"/>
-                <a:ea typeface="HY헤드라인M" panose="02030600000101010101" pitchFamily="18" charset="-127"/>
+              <a:rPr lang="en-US" altLang="ko-KR" sz="1400">
+                <a:latin typeface="HY헤드라인M"/>
+                <a:ea typeface="HY헤드라인M"/>
               </a:rPr>
               <a:t>/</a:t>
             </a:r>
             <a:r>
-              <a:rPr lang="ko-KR" altLang="en-US" sz="1400" dirty="0">
-                <a:latin typeface="HY헤드라인M" panose="02030600000101010101" pitchFamily="18" charset="-127"/>
-                <a:ea typeface="HY헤드라인M" panose="02030600000101010101" pitchFamily="18" charset="-127"/>
+              <a:rPr lang="ko-KR" altLang="en-US" sz="1400">
+                <a:latin typeface="HY헤드라인M"/>
+                <a:ea typeface="HY헤드라인M"/>
               </a:rPr>
               <a:t>알고리즘</a:t>
             </a:r>
-            <a:endParaRPr lang="en-US" altLang="ko-KR" sz="1400" dirty="0">
-              <a:latin typeface="HY헤드라인M" panose="02030600000101010101" pitchFamily="18" charset="-127"/>
-              <a:ea typeface="HY헤드라인M" panose="02030600000101010101" pitchFamily="18" charset="-127"/>
-            </a:endParaRPr>
-          </a:p>
-          <a:p>
-            <a:pPr algn="ctr"/>
-            <a:r>
-              <a:rPr lang="en-US" altLang="ko-KR" sz="1400" dirty="0">
-                <a:latin typeface="HY헤드라인M" panose="02030600000101010101" pitchFamily="18" charset="-127"/>
-                <a:ea typeface="HY헤드라인M" panose="02030600000101010101" pitchFamily="18" charset="-127"/>
+            <a:endParaRPr lang="ko-KR" altLang="en-US" sz="1400">
+              <a:latin typeface="HY헤드라인M"/>
+              <a:ea typeface="HY헤드라인M"/>
+            </a:endParaRPr>
+          </a:p>
+          <a:p>
+            <a:pPr algn="ctr">
+              <a:defRPr/>
+            </a:pPr>
+            <a:r>
+              <a:rPr lang="en-US" altLang="ko-KR" sz="1400">
+                <a:latin typeface="HY헤드라인M"/>
+                <a:ea typeface="HY헤드라인M"/>
               </a:rPr>
               <a:t>OpenGL</a:t>
             </a:r>
-          </a:p>
-          <a:p>
-            <a:pPr algn="ctr"/>
-            <a:r>
-              <a:rPr lang="en-US" altLang="ko-KR" sz="1400" dirty="0">
-                <a:latin typeface="HY헤드라인M" panose="02030600000101010101" pitchFamily="18" charset="-127"/>
-                <a:ea typeface="HY헤드라인M" panose="02030600000101010101" pitchFamily="18" charset="-127"/>
+            <a:endParaRPr lang="en-US" altLang="ko-KR" sz="1400">
+              <a:latin typeface="HY헤드라인M"/>
+              <a:ea typeface="HY헤드라인M"/>
+            </a:endParaRPr>
+          </a:p>
+          <a:p>
+            <a:pPr algn="ctr">
+              <a:defRPr/>
+            </a:pPr>
+            <a:r>
+              <a:rPr lang="en-US" altLang="ko-KR" sz="1400">
+                <a:latin typeface="HY헤드라인M"/>
+                <a:ea typeface="HY헤드라인M"/>
               </a:rPr>
               <a:t>STL</a:t>
             </a:r>
-          </a:p>
-          <a:p>
-            <a:pPr algn="ctr"/>
-            <a:r>
-              <a:rPr lang="en-US" altLang="ko-KR" sz="1400" dirty="0">
-                <a:latin typeface="HY헤드라인M" panose="02030600000101010101" pitchFamily="18" charset="-127"/>
-                <a:ea typeface="HY헤드라인M" panose="02030600000101010101" pitchFamily="18" charset="-127"/>
+            <a:endParaRPr lang="en-US" altLang="ko-KR" sz="1400">
+              <a:latin typeface="HY헤드라인M"/>
+              <a:ea typeface="HY헤드라인M"/>
+            </a:endParaRPr>
+          </a:p>
+          <a:p>
+            <a:pPr algn="ctr">
+              <a:defRPr/>
+            </a:pPr>
+            <a:r>
+              <a:rPr lang="en-US" altLang="ko-KR" sz="1400">
+                <a:latin typeface="HY헤드라인M"/>
+                <a:ea typeface="HY헤드라인M"/>
               </a:rPr>
               <a:t>DirectX 12</a:t>
             </a:r>
-          </a:p>
-          <a:p>
-            <a:pPr algn="ctr"/>
-            <a:endParaRPr lang="en-US" altLang="ko-KR" sz="1400" dirty="0">
-              <a:latin typeface="HY헤드라인M" panose="02030600000101010101" pitchFamily="18" charset="-127"/>
-              <a:ea typeface="HY헤드라인M" panose="02030600000101010101" pitchFamily="18" charset="-127"/>
-            </a:endParaRPr>
-          </a:p>
-          <a:p>
-            <a:pPr algn="ctr"/>
-            <a:r>
-              <a:rPr lang="en-US" altLang="ko-KR" sz="1400" dirty="0">
-                <a:latin typeface="HY헤드라인M" panose="02030600000101010101" pitchFamily="18" charset="-127"/>
-                <a:ea typeface="HY헤드라인M" panose="02030600000101010101" pitchFamily="18" charset="-127"/>
+            <a:endParaRPr lang="en-US" altLang="ko-KR" sz="1400">
+              <a:latin typeface="HY헤드라인M"/>
+              <a:ea typeface="HY헤드라인M"/>
+            </a:endParaRPr>
+          </a:p>
+          <a:p>
+            <a:pPr algn="ctr">
+              <a:defRPr/>
+            </a:pPr>
+            <a:endParaRPr lang="en-US" altLang="ko-KR" sz="1400">
+              <a:latin typeface="HY헤드라인M"/>
+              <a:ea typeface="HY헤드라인M"/>
+            </a:endParaRPr>
+          </a:p>
+          <a:p>
+            <a:pPr algn="ctr">
+              <a:defRPr/>
+            </a:pPr>
+            <a:r>
+              <a:rPr lang="en-US" altLang="ko-KR" sz="1400">
+                <a:latin typeface="HY헤드라인M"/>
+                <a:ea typeface="HY헤드라인M"/>
               </a:rPr>
               <a:t>DirectX 2D </a:t>
             </a:r>
             <a:r>
-              <a:rPr lang="ko-KR" altLang="en-US" sz="1400" dirty="0">
-                <a:latin typeface="HY헤드라인M" panose="02030600000101010101" pitchFamily="18" charset="-127"/>
-                <a:ea typeface="HY헤드라인M" panose="02030600000101010101" pitchFamily="18" charset="-127"/>
+              <a:rPr lang="ko-KR" altLang="en-US" sz="1400">
+                <a:latin typeface="HY헤드라인M"/>
+                <a:ea typeface="HY헤드라인M"/>
               </a:rPr>
               <a:t>제작 경험</a:t>
             </a:r>
-            <a:endParaRPr lang="en-US" altLang="ko-KR" sz="1400" dirty="0">
-              <a:latin typeface="HY헤드라인M" panose="02030600000101010101" pitchFamily="18" charset="-127"/>
-              <a:ea typeface="HY헤드라인M" panose="02030600000101010101" pitchFamily="18" charset="-127"/>
-            </a:endParaRPr>
-          </a:p>
-          <a:p>
-            <a:pPr algn="ctr"/>
-            <a:r>
-              <a:rPr lang="en-US" altLang="ko-KR" sz="1400" dirty="0">
-                <a:latin typeface="HY헤드라인M" panose="02030600000101010101" pitchFamily="18" charset="-127"/>
-                <a:ea typeface="HY헤드라인M" panose="02030600000101010101" pitchFamily="18" charset="-127"/>
+            <a:endParaRPr lang="ko-KR" altLang="en-US" sz="1400">
+              <a:latin typeface="HY헤드라인M"/>
+              <a:ea typeface="HY헤드라인M"/>
+            </a:endParaRPr>
+          </a:p>
+          <a:p>
+            <a:pPr algn="ctr">
+              <a:defRPr/>
+            </a:pPr>
+            <a:r>
+              <a:rPr lang="en-US" altLang="ko-KR" sz="1400">
+                <a:latin typeface="HY헤드라인M"/>
+                <a:ea typeface="HY헤드라인M"/>
               </a:rPr>
               <a:t>DirectX12 </a:t>
             </a:r>
             <a:r>
-              <a:rPr lang="ko-KR" altLang="en-US" sz="1400" dirty="0" err="1">
-                <a:latin typeface="HY헤드라인M" panose="02030600000101010101" pitchFamily="18" charset="-127"/>
-                <a:ea typeface="HY헤드라인M" panose="02030600000101010101" pitchFamily="18" charset="-127"/>
-              </a:rPr>
-              <a:t>피킹</a:t>
-            </a:r>
-            <a:r>
-              <a:rPr lang="ko-KR" altLang="en-US" sz="1400" dirty="0">
-                <a:latin typeface="HY헤드라인M" panose="02030600000101010101" pitchFamily="18" charset="-127"/>
-                <a:ea typeface="HY헤드라인M" panose="02030600000101010101" pitchFamily="18" charset="-127"/>
-              </a:rPr>
-              <a:t> 구현</a:t>
-            </a:r>
-            <a:endParaRPr lang="en-US" altLang="ko-KR" sz="1400" dirty="0">
-              <a:latin typeface="HY헤드라인M" panose="02030600000101010101" pitchFamily="18" charset="-127"/>
-              <a:ea typeface="HY헤드라인M" panose="02030600000101010101" pitchFamily="18" charset="-127"/>
-            </a:endParaRPr>
-          </a:p>
-          <a:p>
-            <a:pPr algn="ctr"/>
-            <a:r>
-              <a:rPr lang="en-US" altLang="ko-KR" sz="1400" dirty="0">
-                <a:latin typeface="HY헤드라인M" panose="02030600000101010101" pitchFamily="18" charset="-127"/>
-                <a:ea typeface="HY헤드라인M" panose="02030600000101010101" pitchFamily="18" charset="-127"/>
+              <a:rPr lang="ko-KR" altLang="en-US" sz="1400">
+                <a:latin typeface="HY헤드라인M"/>
+                <a:ea typeface="HY헤드라인M"/>
+              </a:rPr>
+              <a:t>피킹 구현</a:t>
+            </a:r>
+            <a:endParaRPr lang="ko-KR" altLang="en-US" sz="1400">
+              <a:latin typeface="HY헤드라인M"/>
+              <a:ea typeface="HY헤드라인M"/>
+            </a:endParaRPr>
+          </a:p>
+          <a:p>
+            <a:pPr algn="ctr">
+              <a:defRPr/>
+            </a:pPr>
+            <a:r>
+              <a:rPr lang="en-US" altLang="ko-KR" sz="1400">
+                <a:latin typeface="HY헤드라인M"/>
+                <a:ea typeface="HY헤드라인M"/>
               </a:rPr>
               <a:t>UNITY</a:t>
             </a:r>
             <a:r>
-              <a:rPr lang="ko-KR" altLang="en-US" sz="1400" dirty="0">
-                <a:latin typeface="HY헤드라인M" panose="02030600000101010101" pitchFamily="18" charset="-127"/>
-                <a:ea typeface="HY헤드라인M" panose="02030600000101010101" pitchFamily="18" charset="-127"/>
+              <a:rPr lang="ko-KR" altLang="en-US" sz="1400">
+                <a:latin typeface="HY헤드라인M"/>
+                <a:ea typeface="HY헤드라인M"/>
               </a:rPr>
               <a:t> 제작 경험</a:t>
             </a:r>
-            <a:endParaRPr lang="en-US" altLang="ko-KR" sz="1400" dirty="0">
-              <a:latin typeface="HY헤드라인M" panose="02030600000101010101" pitchFamily="18" charset="-127"/>
-              <a:ea typeface="HY헤드라인M" panose="02030600000101010101" pitchFamily="18" charset="-127"/>
-            </a:endParaRPr>
-          </a:p>
-          <a:p>
-            <a:pPr algn="ctr"/>
-            <a:r>
-              <a:rPr lang="ko-KR" altLang="en-US" sz="1400" dirty="0">
-                <a:latin typeface="HY헤드라인M" panose="02030600000101010101" pitchFamily="18" charset="-127"/>
-                <a:ea typeface="HY헤드라인M" panose="02030600000101010101" pitchFamily="18" charset="-127"/>
+            <a:endParaRPr lang="ko-KR" altLang="en-US" sz="1400">
+              <a:latin typeface="HY헤드라인M"/>
+              <a:ea typeface="HY헤드라인M"/>
+            </a:endParaRPr>
+          </a:p>
+          <a:p>
+            <a:pPr algn="ctr">
+              <a:defRPr/>
+            </a:pPr>
+            <a:r>
+              <a:rPr lang="ko-KR" altLang="en-US" sz="1400">
+                <a:latin typeface="HY헤드라인M"/>
+                <a:ea typeface="HY헤드라인M"/>
               </a:rPr>
               <a:t>등등</a:t>
             </a:r>
             <a:r>
-              <a:rPr lang="en-US" altLang="ko-KR" sz="1400" dirty="0">
-                <a:latin typeface="HY헤드라인M" panose="02030600000101010101" pitchFamily="18" charset="-127"/>
-                <a:ea typeface="HY헤드라인M" panose="02030600000101010101" pitchFamily="18" charset="-127"/>
+              <a:rPr lang="en-US" altLang="ko-KR" sz="1400">
+                <a:latin typeface="HY헤드라인M"/>
+                <a:ea typeface="HY헤드라인M"/>
               </a:rPr>
               <a:t>?</a:t>
             </a:r>
-          </a:p>
-        </p:txBody>
-      </p:sp>
-      <p:sp>
-        <p:nvSpPr>
-          <p:cNvPr id="29" name="직사각형 28">
-            <a:extLst>
-              <a:ext uri="{FF2B5EF4-FFF2-40B4-BE49-F238E27FC236}">
-                <a16:creationId xmlns:a16="http://schemas.microsoft.com/office/drawing/2014/main" id="{1EB52445-61F1-4AA5-8890-46330E9E4655}"/>
-              </a:ext>
-            </a:extLst>
-          </p:cNvPr>
+            <a:endParaRPr lang="en-US" altLang="ko-KR" sz="1400">
+              <a:latin typeface="HY헤드라인M"/>
+              <a:ea typeface="HY헤드라인M"/>
+            </a:endParaRPr>
+          </a:p>
+        </p:txBody>
+      </p:sp>
+      <p:sp>
+        <p:nvSpPr>
+          <p:cNvPr id="29" name="직사각형 28"/>
           <p:cNvSpPr/>
           <p:nvPr/>
         </p:nvSpPr>
@@ -7007,23 +6993,19 @@
           </a:fontRef>
         </p:style>
         <p:txBody>
-          <a:bodyPr rtlCol="0" anchor="ctr"/>
-          <a:lstStyle/>
-          <a:p>
-            <a:pPr algn="ctr"/>
+          <a:bodyPr anchor="ctr"/>
+          <a:lstStyle/>
+          <a:p>
+            <a:pPr algn="ctr">
+              <a:defRPr/>
+            </a:pPr>
             <a:endParaRPr lang="ko-KR" altLang="en-US"/>
           </a:p>
         </p:txBody>
       </p:sp>
       <p:sp>
         <p:nvSpPr>
-          <p:cNvPr id="30" name="직사각형 29">
-            <a:extLst>
-              <a:ext uri="{FF2B5EF4-FFF2-40B4-BE49-F238E27FC236}">
-                <a16:creationId xmlns:a16="http://schemas.microsoft.com/office/drawing/2014/main" id="{8455D215-328C-4D4C-AADC-D7A3CCDFA0D2}"/>
-              </a:ext>
-            </a:extLst>
-          </p:cNvPr>
+          <p:cNvPr id="30" name="직사각형 29"/>
           <p:cNvSpPr/>
           <p:nvPr/>
         </p:nvSpPr>
@@ -7061,23 +7043,19 @@
           </a:fontRef>
         </p:style>
         <p:txBody>
-          <a:bodyPr rtlCol="0" anchor="ctr"/>
-          <a:lstStyle/>
-          <a:p>
-            <a:pPr algn="ctr"/>
+          <a:bodyPr anchor="ctr"/>
+          <a:lstStyle/>
+          <a:p>
+            <a:pPr algn="ctr">
+              <a:defRPr/>
+            </a:pPr>
             <a:endParaRPr lang="ko-KR" altLang="en-US"/>
           </a:p>
         </p:txBody>
       </p:sp>
       <p:sp>
         <p:nvSpPr>
-          <p:cNvPr id="20" name="TextBox 19">
-            <a:extLst>
-              <a:ext uri="{FF2B5EF4-FFF2-40B4-BE49-F238E27FC236}">
-                <a16:creationId xmlns:a16="http://schemas.microsoft.com/office/drawing/2014/main" id="{4F5CEC82-83EB-440A-A9E4-3B6BA157EAFB}"/>
-              </a:ext>
-            </a:extLst>
-          </p:cNvPr>
+          <p:cNvPr id="20" name="TextBox 19"/>
           <p:cNvSpPr txBox="1"/>
           <p:nvPr/>
         </p:nvSpPr>
@@ -7092,42 +7070,38 @@
           <a:noFill/>
         </p:spPr>
         <p:txBody>
-          <a:bodyPr wrap="none" rtlCol="0">
+          <a:bodyPr wrap="none">
             <a:spAutoFit/>
           </a:bodyPr>
           <a:lstStyle/>
           <a:p>
-            <a:pPr algn="ctr"/>
-            <a:r>
-              <a:rPr lang="ko-KR" altLang="en-US" sz="1400" dirty="0">
-                <a:latin typeface="HY헤드라인M" panose="02030600000101010101" pitchFamily="18" charset="-127"/>
-                <a:ea typeface="HY헤드라인M" panose="02030600000101010101" pitchFamily="18" charset="-127"/>
+            <a:pPr algn="ctr">
+              <a:defRPr/>
+            </a:pPr>
+            <a:r>
+              <a:rPr lang="ko-KR" altLang="en-US" sz="1400">
+                <a:latin typeface="HY헤드라인M"/>
+                <a:ea typeface="HY헤드라인M"/>
               </a:rPr>
               <a:t>추가 바람</a:t>
             </a:r>
-            <a:endParaRPr lang="en-US" altLang="ko-KR" sz="1400" dirty="0">
-              <a:latin typeface="HY헤드라인M" panose="02030600000101010101" pitchFamily="18" charset="-127"/>
-              <a:ea typeface="HY헤드라인M" panose="02030600000101010101" pitchFamily="18" charset="-127"/>
-            </a:endParaRPr>
-          </a:p>
-        </p:txBody>
-      </p:sp>
-      <p:sp>
-        <p:nvSpPr>
-          <p:cNvPr id="21" name="TextBox 20">
-            <a:extLst>
-              <a:ext uri="{FF2B5EF4-FFF2-40B4-BE49-F238E27FC236}">
-                <a16:creationId xmlns:a16="http://schemas.microsoft.com/office/drawing/2014/main" id="{EE719E11-A58E-4A21-A2EE-9FB697631FA0}"/>
-              </a:ext>
-            </a:extLst>
-          </p:cNvPr>
+            <a:endParaRPr lang="en-US" altLang="ko-KR" sz="1400">
+              <a:latin typeface="HY헤드라인M"/>
+              <a:ea typeface="HY헤드라인M"/>
+            </a:endParaRPr>
+          </a:p>
+        </p:txBody>
+      </p:sp>
+      <p:sp>
+        <p:nvSpPr>
+          <p:cNvPr id="21" name="TextBox 20"/>
           <p:cNvSpPr txBox="1"/>
           <p:nvPr/>
         </p:nvSpPr>
         <p:spPr>
           <a:xfrm>
-            <a:off x="8616835" y="2841217"/>
-            <a:ext cx="962123" cy="307777"/>
+            <a:off x="7880983" y="2841217"/>
+            <a:ext cx="2278382" cy="2224178"/>
           </a:xfrm>
           <a:prstGeom prst="rect">
             <a:avLst/>
@@ -7135,41 +7109,211 @@
           <a:noFill/>
         </p:spPr>
         <p:txBody>
-          <a:bodyPr wrap="none" rtlCol="0">
+          <a:bodyPr wrap="none">
             <a:spAutoFit/>
           </a:bodyPr>
           <a:lstStyle/>
           <a:p>
-            <a:pPr algn="ctr"/>
-            <a:r>
-              <a:rPr lang="ko-KR" altLang="en-US" sz="1400" dirty="0">
-                <a:latin typeface="HY헤드라인M" panose="02030600000101010101" pitchFamily="18" charset="-127"/>
-                <a:ea typeface="HY헤드라인M" panose="02030600000101010101" pitchFamily="18" charset="-127"/>
-              </a:rPr>
-              <a:t>추가 바람</a:t>
-            </a:r>
-            <a:endParaRPr lang="en-US" altLang="ko-KR" sz="1400" dirty="0">
-              <a:latin typeface="HY헤드라인M" panose="02030600000101010101" pitchFamily="18" charset="-127"/>
-              <a:ea typeface="HY헤드라인M" panose="02030600000101010101" pitchFamily="18" charset="-127"/>
+            <a:pPr algn="ctr">
+              <a:defRPr/>
+            </a:pPr>
+            <a:r>
+              <a:rPr lang="en-US" altLang="ko-KR" sz="1400">
+                <a:latin typeface="HY헤드라인M"/>
+                <a:ea typeface="HY헤드라인M"/>
+              </a:rPr>
+              <a:t>C/C++</a:t>
+            </a:r>
+            <a:endParaRPr lang="en-US" altLang="ko-KR" sz="1400">
+              <a:latin typeface="HY헤드라인M"/>
+              <a:ea typeface="HY헤드라인M"/>
+            </a:endParaRPr>
+          </a:p>
+          <a:p>
+            <a:pPr algn="ctr">
+              <a:defRPr/>
+            </a:pPr>
+            <a:r>
+              <a:rPr lang="en-US" altLang="ko-KR" sz="1400">
+                <a:latin typeface="HY헤드라인M"/>
+                <a:ea typeface="HY헤드라인M"/>
+              </a:rPr>
+              <a:t>WIN API</a:t>
+            </a:r>
+            <a:endParaRPr lang="en-US" altLang="ko-KR" sz="1400">
+              <a:latin typeface="HY헤드라인M"/>
+              <a:ea typeface="HY헤드라인M"/>
+            </a:endParaRPr>
+          </a:p>
+          <a:p>
+            <a:pPr algn="ctr">
+              <a:defRPr/>
+            </a:pPr>
+            <a:r>
+              <a:rPr lang="ko-KR" altLang="en-US" sz="1400">
+                <a:latin typeface="HY헤드라인M"/>
+                <a:ea typeface="HY헤드라인M"/>
+              </a:rPr>
+              <a:t>자료구조</a:t>
+            </a:r>
+            <a:r>
+              <a:rPr lang="en-US" altLang="ko-KR" sz="1400">
+                <a:latin typeface="HY헤드라인M"/>
+                <a:ea typeface="HY헤드라인M"/>
+              </a:rPr>
+              <a:t>/</a:t>
+            </a:r>
+            <a:r>
+              <a:rPr lang="ko-KR" altLang="en-US" sz="1400">
+                <a:latin typeface="HY헤드라인M"/>
+                <a:ea typeface="HY헤드라인M"/>
+              </a:rPr>
+              <a:t>알고리즘</a:t>
+            </a:r>
+            <a:endParaRPr lang="ko-KR" altLang="en-US" sz="1400">
+              <a:latin typeface="HY헤드라인M"/>
+              <a:ea typeface="HY헤드라인M"/>
+            </a:endParaRPr>
+          </a:p>
+          <a:p>
+            <a:pPr algn="ctr">
+              <a:defRPr/>
+            </a:pPr>
+            <a:r>
+              <a:rPr lang="en-US" altLang="ko-KR" sz="1400">
+                <a:latin typeface="HY헤드라인M"/>
+                <a:ea typeface="HY헤드라인M"/>
+              </a:rPr>
+              <a:t>OpenGL</a:t>
+            </a:r>
+            <a:endParaRPr lang="en-US" altLang="ko-KR" sz="1400">
+              <a:latin typeface="HY헤드라인M"/>
+              <a:ea typeface="HY헤드라인M"/>
+            </a:endParaRPr>
+          </a:p>
+          <a:p>
+            <a:pPr algn="ctr">
+              <a:defRPr/>
+            </a:pPr>
+            <a:r>
+              <a:rPr lang="en-US" altLang="ko-KR" sz="1400">
+                <a:latin typeface="HY헤드라인M"/>
+                <a:ea typeface="HY헤드라인M"/>
+              </a:rPr>
+              <a:t>STL</a:t>
+            </a:r>
+            <a:endParaRPr lang="en-US" altLang="ko-KR" sz="1400">
+              <a:latin typeface="HY헤드라인M"/>
+              <a:ea typeface="HY헤드라인M"/>
+            </a:endParaRPr>
+          </a:p>
+          <a:p>
+            <a:pPr algn="ctr">
+              <a:defRPr/>
+            </a:pPr>
+            <a:r>
+              <a:rPr lang="en-US" altLang="ko-KR" sz="1400">
+                <a:latin typeface="HY헤드라인M"/>
+                <a:ea typeface="HY헤드라인M"/>
+              </a:rPr>
+              <a:t>IOCP</a:t>
+            </a:r>
+            <a:endParaRPr lang="en-US" altLang="ko-KR" sz="1400">
+              <a:latin typeface="HY헤드라인M"/>
+              <a:ea typeface="HY헤드라인M"/>
+            </a:endParaRPr>
+          </a:p>
+          <a:p>
+            <a:pPr algn="ctr">
+              <a:defRPr/>
+            </a:pPr>
+            <a:r>
+              <a:rPr lang="en-US" altLang="ko-KR" sz="1400">
+                <a:latin typeface="HY헤드라인M"/>
+                <a:ea typeface="HY헤드라인M"/>
+              </a:rPr>
+              <a:t>Multi-Core Programming</a:t>
+            </a:r>
+            <a:endParaRPr lang="en-US" altLang="ko-KR" sz="1400">
+              <a:latin typeface="HY헤드라인M"/>
+              <a:ea typeface="HY헤드라인M"/>
+            </a:endParaRPr>
+          </a:p>
+          <a:p>
+            <a:pPr algn="ctr">
+              <a:defRPr/>
+            </a:pPr>
+            <a:endParaRPr lang="en-US" altLang="ko-KR" sz="1400">
+              <a:latin typeface="HY헤드라인M"/>
+              <a:ea typeface="HY헤드라인M"/>
+            </a:endParaRPr>
+          </a:p>
+          <a:p>
+            <a:pPr algn="ctr">
+              <a:defRPr/>
+            </a:pPr>
+            <a:r>
+              <a:rPr lang="en-US" altLang="ko-KR" sz="1400">
+                <a:latin typeface="HY헤드라인M"/>
+                <a:ea typeface="HY헤드라인M"/>
+              </a:rPr>
+              <a:t>IOCP Server</a:t>
+            </a:r>
+            <a:r>
+              <a:rPr lang="ko-KR" altLang="en-US" sz="1400">
+                <a:latin typeface="HY헤드라인M"/>
+                <a:ea typeface="HY헤드라인M"/>
+              </a:rPr>
+              <a:t> 제작 경험</a:t>
+            </a:r>
+            <a:endParaRPr lang="ko-KR" altLang="en-US" sz="1400">
+              <a:latin typeface="HY헤드라인M"/>
+              <a:ea typeface="HY헤드라인M"/>
+            </a:endParaRPr>
+          </a:p>
+          <a:p>
+            <a:pPr algn="ctr">
+              <a:defRPr/>
+            </a:pPr>
+            <a:r>
+              <a:rPr lang="en-US" altLang="ko-KR" sz="1400">
+                <a:latin typeface="HY헤드라인M"/>
+                <a:ea typeface="HY헤드라인M"/>
+              </a:rPr>
+              <a:t>UNITY</a:t>
+            </a:r>
+            <a:r>
+              <a:rPr lang="ko-KR" altLang="en-US" sz="1400">
+                <a:latin typeface="HY헤드라인M"/>
+                <a:ea typeface="HY헤드라인M"/>
+              </a:rPr>
+              <a:t> 제작 경험</a:t>
+            </a:r>
+            <a:endParaRPr lang="ko-KR" altLang="en-US" sz="1400">
+              <a:latin typeface="HY헤드라인M"/>
+              <a:ea typeface="HY헤드라인M"/>
             </a:endParaRPr>
           </a:p>
         </p:txBody>
       </p:sp>
     </p:spTree>
-    <p:extLst>
-      <p:ext uri="{BB962C8B-B14F-4D97-AF65-F5344CB8AC3E}">
-        <p14:creationId xmlns:p14="http://schemas.microsoft.com/office/powerpoint/2010/main" val="698071044"/>
-      </p:ext>
-    </p:extLst>
   </p:cSld>
   <p:clrMapOvr>
     <a:masterClrMapping/>
   </p:clrMapOvr>
+  <mc:AlternateContent xmlns:mc="http://schemas.openxmlformats.org/markup-compatibility/2006">
+    <mc:Choice xmlns:p14="http://schemas.microsoft.com/office/powerpoint/2010/main" Requires="p14">
+      <p:transition xmlns:mc="http://schemas.openxmlformats.org/markup-compatibility/2006" xmlns:p14="http://schemas.microsoft.com/office/powerpoint/2010/main" mc:Ignorable="p14" p14:dur="500"/>
+    </mc:Choice>
+    <mc:Fallback>
+      <p:transition/>
+    </mc:Fallback>
+  </mc:AlternateContent>
 </p:sld>
 </file>
 
 <file path=ppt/slides/slide15.xml><?xml version="1.0" encoding="utf-8"?>
-<p:sld xmlns:a="http://schemas.openxmlformats.org/drawingml/2006/main" xmlns:r="http://schemas.openxmlformats.org/officeDocument/2006/relationships" xmlns:p="http://schemas.openxmlformats.org/presentationml/2006/main">
+<p:sld xmlns:r="http://schemas.openxmlformats.org/officeDocument/2006/relationships" xmlns:c="http://schemas.openxmlformats.org/drawingml/2006/chart" xmlns:a="http://schemas.openxmlformats.org/drawingml/2006/main" xmlns:dgm="http://schemas.openxmlformats.org/drawingml/2006/diagram" xmlns:dsp="http://schemas.microsoft.com/office/drawing/2008/diagram" xmlns:p="http://schemas.openxmlformats.org/presentationml/2006/main">
   <p:cSld>
     <p:spTree>
       <p:nvGrpSpPr>
@@ -7187,16 +7331,8 @@
       </p:grpSpPr>
       <p:cxnSp>
         <p:nvCxnSpPr>
-          <p:cNvPr id="2" name="직선 연결선 1">
-            <a:extLst>
-              <a:ext uri="{FF2B5EF4-FFF2-40B4-BE49-F238E27FC236}">
-                <a16:creationId xmlns:a16="http://schemas.microsoft.com/office/drawing/2014/main" id="{F489D314-C637-4E9E-947D-448763FA3CE1}"/>
-              </a:ext>
-            </a:extLst>
-          </p:cNvPr>
-          <p:cNvCxnSpPr>
-            <a:cxnSpLocks/>
-          </p:cNvCxnSpPr>
+          <p:cNvPr id="2" name="직선 연결선 1"/>
+          <p:cNvCxnSpPr/>
           <p:nvPr/>
         </p:nvCxnSpPr>
         <p:spPr>
@@ -7230,13 +7366,7 @@
       </p:cxnSp>
       <p:sp>
         <p:nvSpPr>
-          <p:cNvPr id="3" name="TextBox 2">
-            <a:extLst>
-              <a:ext uri="{FF2B5EF4-FFF2-40B4-BE49-F238E27FC236}">
-                <a16:creationId xmlns:a16="http://schemas.microsoft.com/office/drawing/2014/main" id="{D5266936-5F5A-4942-B5DC-638A5ECB4501}"/>
-              </a:ext>
-            </a:extLst>
-          </p:cNvPr>
+          <p:cNvPr id="3" name="TextBox 2"/>
           <p:cNvSpPr txBox="1"/>
           <p:nvPr/>
         </p:nvSpPr>
@@ -7251,30 +7381,31 @@
           <a:noFill/>
         </p:spPr>
         <p:txBody>
-          <a:bodyPr wrap="none" rtlCol="0">
+          <a:bodyPr wrap="none">
             <a:spAutoFit/>
           </a:bodyPr>
           <a:lstStyle/>
           <a:p>
-            <a:r>
-              <a:rPr lang="ko-KR" altLang="en-US" sz="4000" dirty="0">
-                <a:latin typeface="HY헤드라인M" panose="02030600000101010101" pitchFamily="18" charset="-127"/>
-                <a:ea typeface="HY헤드라인M" panose="02030600000101010101" pitchFamily="18" charset="-127"/>
+            <a:pPr lvl="0">
+              <a:defRPr/>
+            </a:pPr>
+            <a:r>
+              <a:rPr lang="ko-KR" altLang="en-US" sz="4000">
+                <a:latin typeface="HY헤드라인M"/>
+                <a:ea typeface="HY헤드라인M"/>
               </a:rPr>
               <a:t>중점 연구 분야</a:t>
             </a:r>
-          </a:p>
-        </p:txBody>
-      </p:sp>
-      <p:sp>
-        <p:nvSpPr>
-          <p:cNvPr id="4" name="TextBox 3">
-            <a:extLst>
-              <a:ext uri="{FF2B5EF4-FFF2-40B4-BE49-F238E27FC236}">
-                <a16:creationId xmlns:a16="http://schemas.microsoft.com/office/drawing/2014/main" id="{BF07602F-6AE9-44B4-BE0F-55FE2EDFDD1C}"/>
-              </a:ext>
-            </a:extLst>
-          </p:cNvPr>
+            <a:endParaRPr lang="ko-KR" altLang="en-US" sz="4000">
+              <a:latin typeface="HY헤드라인M"/>
+              <a:ea typeface="HY헤드라인M"/>
+            </a:endParaRPr>
+          </a:p>
+        </p:txBody>
+      </p:sp>
+      <p:sp>
+        <p:nvSpPr>
+          <p:cNvPr id="4" name="TextBox 3"/>
           <p:cNvSpPr txBox="1"/>
           <p:nvPr/>
         </p:nvSpPr>
@@ -7289,55 +7420,52 @@
           <a:noFill/>
         </p:spPr>
         <p:txBody>
-          <a:bodyPr wrap="none" rtlCol="0">
+          <a:bodyPr wrap="none">
             <a:spAutoFit/>
           </a:bodyPr>
           <a:lstStyle/>
           <a:p>
-            <a:r>
-              <a:rPr lang="en-US" altLang="ko-KR" sz="2800" dirty="0">
-                <a:latin typeface="HY헤드라인M" panose="02030600000101010101" pitchFamily="18" charset="-127"/>
-                <a:ea typeface="HY헤드라인M" panose="02030600000101010101" pitchFamily="18" charset="-127"/>
+            <a:pPr lvl="0">
+              <a:defRPr/>
+            </a:pPr>
+            <a:r>
+              <a:rPr lang="en-US" altLang="ko-KR" sz="2800">
+                <a:latin typeface="HY헤드라인M"/>
+                <a:ea typeface="HY헤드라인M"/>
               </a:rPr>
               <a:t>The Island</a:t>
             </a:r>
             <a:r>
-              <a:rPr lang="en-US" altLang="ko-KR" sz="1050" dirty="0">
-                <a:latin typeface="HY헤드라인M" panose="02030600000101010101" pitchFamily="18" charset="-127"/>
-                <a:ea typeface="HY헤드라인M" panose="02030600000101010101" pitchFamily="18" charset="-127"/>
+              <a:rPr lang="en-US" altLang="ko-KR" sz="1050">
+                <a:latin typeface="HY헤드라인M"/>
+                <a:ea typeface="HY헤드라인M"/>
               </a:rPr>
               <a:t>(</a:t>
             </a:r>
             <a:r>
-              <a:rPr lang="ko-KR" altLang="en-US" sz="1050" dirty="0">
-                <a:latin typeface="HY헤드라인M" panose="02030600000101010101" pitchFamily="18" charset="-127"/>
-                <a:ea typeface="HY헤드라인M" panose="02030600000101010101" pitchFamily="18" charset="-127"/>
+              <a:rPr lang="ko-KR" altLang="en-US" sz="1050">
+                <a:latin typeface="HY헤드라인M"/>
+                <a:ea typeface="HY헤드라인M"/>
               </a:rPr>
               <a:t>가제</a:t>
             </a:r>
             <a:r>
-              <a:rPr lang="en-US" altLang="ko-KR" sz="1050" dirty="0">
-                <a:latin typeface="HY헤드라인M" panose="02030600000101010101" pitchFamily="18" charset="-127"/>
-                <a:ea typeface="HY헤드라인M" panose="02030600000101010101" pitchFamily="18" charset="-127"/>
+              <a:rPr lang="en-US" altLang="ko-KR" sz="1050">
+                <a:latin typeface="HY헤드라인M"/>
+                <a:ea typeface="HY헤드라인M"/>
               </a:rPr>
               <a:t>)</a:t>
             </a:r>
-            <a:endParaRPr lang="ko-KR" altLang="en-US" sz="2800" dirty="0">
-              <a:latin typeface="HY헤드라인M" panose="02030600000101010101" pitchFamily="18" charset="-127"/>
-              <a:ea typeface="HY헤드라인M" panose="02030600000101010101" pitchFamily="18" charset="-127"/>
-            </a:endParaRPr>
-          </a:p>
-        </p:txBody>
-      </p:sp>
-      <p:sp>
-        <p:nvSpPr>
-          <p:cNvPr id="5" name="TextBox 4">
-            <a:extLst>
-              <a:ext uri="{FF2B5EF4-FFF2-40B4-BE49-F238E27FC236}">
-                <a16:creationId xmlns:a16="http://schemas.microsoft.com/office/drawing/2014/main" id="{8B8A36FB-13F6-49E8-A86D-6CF420F297BC}"/>
-              </a:ext>
-            </a:extLst>
-          </p:cNvPr>
+            <a:endParaRPr lang="ko-KR" altLang="en-US" sz="2800">
+              <a:latin typeface="HY헤드라인M"/>
+              <a:ea typeface="HY헤드라인M"/>
+            </a:endParaRPr>
+          </a:p>
+        </p:txBody>
+      </p:sp>
+      <p:sp>
+        <p:nvSpPr>
+          <p:cNvPr id="5" name="TextBox 4"/>
           <p:cNvSpPr txBox="1"/>
           <p:nvPr/>
         </p:nvSpPr>
@@ -7352,40 +7480,37 @@
           <a:noFill/>
         </p:spPr>
         <p:txBody>
-          <a:bodyPr wrap="none" rtlCol="0">
+          <a:bodyPr wrap="none">
             <a:spAutoFit/>
           </a:bodyPr>
           <a:lstStyle/>
           <a:p>
-            <a:r>
-              <a:rPr lang="en-US" altLang="ko-KR" sz="4400" dirty="0">
+            <a:pPr lvl="0">
+              <a:defRPr/>
+            </a:pPr>
+            <a:r>
+              <a:rPr lang="en-US" altLang="ko-KR" sz="4400">
                 <a:solidFill>
                   <a:schemeClr val="accent1"/>
                 </a:solidFill>
-                <a:latin typeface="HY헤드라인M" panose="02030600000101010101" pitchFamily="18" charset="-127"/>
-                <a:ea typeface="HY헤드라인M" panose="02030600000101010101" pitchFamily="18" charset="-127"/>
+                <a:latin typeface="HY헤드라인M"/>
+                <a:ea typeface="HY헤드라인M"/>
               </a:rPr>
               <a:t>HOW</a:t>
             </a:r>
-            <a:endParaRPr lang="ko-KR" altLang="en-US" sz="4400" dirty="0">
+            <a:endParaRPr lang="ko-KR" altLang="en-US" sz="4400">
               <a:solidFill>
                 <a:schemeClr val="accent1"/>
               </a:solidFill>
-              <a:latin typeface="HY헤드라인M" panose="02030600000101010101" pitchFamily="18" charset="-127"/>
-              <a:ea typeface="HY헤드라인M" panose="02030600000101010101" pitchFamily="18" charset="-127"/>
-            </a:endParaRPr>
-          </a:p>
-        </p:txBody>
-      </p:sp>
-      <p:sp>
-        <p:nvSpPr>
-          <p:cNvPr id="6" name="TextBox 5">
-            <a:extLst>
-              <a:ext uri="{FF2B5EF4-FFF2-40B4-BE49-F238E27FC236}">
-                <a16:creationId xmlns:a16="http://schemas.microsoft.com/office/drawing/2014/main" id="{30644E1A-CD8E-4E97-B44E-498BA04E0B37}"/>
-              </a:ext>
-            </a:extLst>
-          </p:cNvPr>
+              <a:latin typeface="HY헤드라인M"/>
+              <a:ea typeface="HY헤드라인M"/>
+            </a:endParaRPr>
+          </a:p>
+        </p:txBody>
+      </p:sp>
+      <p:sp>
+        <p:nvSpPr>
+          <p:cNvPr id="6" name="TextBox 5"/>
           <p:cNvSpPr txBox="1"/>
           <p:nvPr/>
         </p:nvSpPr>
@@ -7400,37 +7525,32 @@
           <a:noFill/>
         </p:spPr>
         <p:txBody>
-          <a:bodyPr wrap="none" rtlCol="0">
+          <a:bodyPr wrap="none">
             <a:spAutoFit/>
           </a:bodyPr>
           <a:lstStyle/>
           <a:p>
-            <a:r>
-              <a:rPr lang="en-US" altLang="ko-KR" dirty="0">
-                <a:latin typeface="HY헤드라인M" panose="02030600000101010101" pitchFamily="18" charset="-127"/>
-                <a:ea typeface="HY헤드라인M" panose="02030600000101010101" pitchFamily="18" charset="-127"/>
+            <a:pPr lvl="0">
+              <a:defRPr/>
+            </a:pPr>
+            <a:r>
+              <a:rPr lang="en-US" altLang="ko-KR">
+                <a:latin typeface="HY헤드라인M"/>
+                <a:ea typeface="HY헤드라인M"/>
               </a:rPr>
               <a:t>15/..</a:t>
             </a:r>
-            <a:endParaRPr lang="ko-KR" altLang="en-US" dirty="0">
-              <a:latin typeface="HY헤드라인M" panose="02030600000101010101" pitchFamily="18" charset="-127"/>
-              <a:ea typeface="HY헤드라인M" panose="02030600000101010101" pitchFamily="18" charset="-127"/>
+            <a:endParaRPr lang="ko-KR" altLang="en-US">
+              <a:latin typeface="HY헤드라인M"/>
+              <a:ea typeface="HY헤드라인M"/>
             </a:endParaRPr>
           </a:p>
         </p:txBody>
       </p:sp>
       <p:cxnSp>
         <p:nvCxnSpPr>
-          <p:cNvPr id="7" name="직선 연결선 6">
-            <a:extLst>
-              <a:ext uri="{FF2B5EF4-FFF2-40B4-BE49-F238E27FC236}">
-                <a16:creationId xmlns:a16="http://schemas.microsoft.com/office/drawing/2014/main" id="{1213C020-10BD-47FA-8004-EF392DA9F117}"/>
-              </a:ext>
-            </a:extLst>
-          </p:cNvPr>
-          <p:cNvCxnSpPr>
-            <a:cxnSpLocks/>
-          </p:cNvCxnSpPr>
+          <p:cNvPr id="7" name="직선 연결선 6"/>
+          <p:cNvCxnSpPr/>
           <p:nvPr/>
         </p:nvCxnSpPr>
         <p:spPr>
@@ -7464,13 +7584,7 @@
       </p:cxnSp>
       <p:sp>
         <p:nvSpPr>
-          <p:cNvPr id="8" name="TextBox 7">
-            <a:extLst>
-              <a:ext uri="{FF2B5EF4-FFF2-40B4-BE49-F238E27FC236}">
-                <a16:creationId xmlns:a16="http://schemas.microsoft.com/office/drawing/2014/main" id="{7A612A51-3AF6-43F8-BC7C-00E4C9F335CF}"/>
-              </a:ext>
-            </a:extLst>
-          </p:cNvPr>
+          <p:cNvPr id="8" name="TextBox 7"/>
           <p:cNvSpPr txBox="1"/>
           <p:nvPr/>
         </p:nvSpPr>
@@ -7485,35 +7599,31 @@
           <a:noFill/>
         </p:spPr>
         <p:txBody>
-          <a:bodyPr wrap="none" rtlCol="0">
+          <a:bodyPr wrap="none">
             <a:spAutoFit/>
           </a:bodyPr>
           <a:lstStyle/>
           <a:p>
-            <a:pPr algn="ctr"/>
-            <a:r>
-              <a:rPr lang="ko-KR" altLang="en-US" sz="2000" dirty="0" err="1">
-                <a:latin typeface="HY견고딕" panose="02030600000101010101" pitchFamily="18" charset="-127"/>
-                <a:ea typeface="HY견고딕" panose="02030600000101010101" pitchFamily="18" charset="-127"/>
+            <a:pPr algn="ctr">
+              <a:defRPr/>
+            </a:pPr>
+            <a:r>
+              <a:rPr lang="ko-KR" altLang="en-US" sz="2000">
+                <a:latin typeface="HY견고딕"/>
+                <a:ea typeface="HY견고딕"/>
               </a:rPr>
               <a:t>김하윤</a:t>
             </a:r>
-            <a:endParaRPr lang="ko-KR" altLang="en-US" sz="2000" dirty="0">
-              <a:latin typeface="HY견고딕" panose="02030600000101010101" pitchFamily="18" charset="-127"/>
-              <a:ea typeface="HY견고딕" panose="02030600000101010101" pitchFamily="18" charset="-127"/>
-            </a:endParaRPr>
-          </a:p>
-        </p:txBody>
-      </p:sp>
-      <p:sp>
-        <p:nvSpPr>
-          <p:cNvPr id="9" name="TextBox 8">
-            <a:extLst>
-              <a:ext uri="{FF2B5EF4-FFF2-40B4-BE49-F238E27FC236}">
-                <a16:creationId xmlns:a16="http://schemas.microsoft.com/office/drawing/2014/main" id="{35819DF1-8655-4F12-8239-2F1D457A33EB}"/>
-              </a:ext>
-            </a:extLst>
-          </p:cNvPr>
+            <a:endParaRPr lang="ko-KR" altLang="en-US" sz="2000">
+              <a:latin typeface="HY견고딕"/>
+              <a:ea typeface="HY견고딕"/>
+            </a:endParaRPr>
+          </a:p>
+        </p:txBody>
+      </p:sp>
+      <p:sp>
+        <p:nvSpPr>
+          <p:cNvPr id="9" name="TextBox 8"/>
           <p:cNvSpPr txBox="1"/>
           <p:nvPr/>
         </p:nvSpPr>
@@ -7528,31 +7638,31 @@
           <a:noFill/>
         </p:spPr>
         <p:txBody>
-          <a:bodyPr wrap="none" rtlCol="0">
+          <a:bodyPr wrap="none">
             <a:spAutoFit/>
           </a:bodyPr>
           <a:lstStyle/>
           <a:p>
-            <a:pPr algn="ctr"/>
-            <a:r>
-              <a:rPr lang="ko-KR" altLang="en-US" sz="2000" dirty="0">
-                <a:latin typeface="HY견고딕" panose="02030600000101010101" pitchFamily="18" charset="-127"/>
-                <a:ea typeface="HY견고딕" panose="02030600000101010101" pitchFamily="18" charset="-127"/>
+            <a:pPr algn="ctr">
+              <a:defRPr/>
+            </a:pPr>
+            <a:r>
+              <a:rPr lang="ko-KR" altLang="en-US" sz="2000">
+                <a:latin typeface="HY견고딕"/>
+                <a:ea typeface="HY견고딕"/>
               </a:rPr>
               <a:t>이동규</a:t>
             </a:r>
-          </a:p>
-        </p:txBody>
-      </p:sp>
-      <p:sp>
-        <p:nvSpPr>
-          <p:cNvPr id="10" name="TextBox 9">
-            <a:extLst>
-              <a:ext uri="{FF2B5EF4-FFF2-40B4-BE49-F238E27FC236}">
-                <a16:creationId xmlns:a16="http://schemas.microsoft.com/office/drawing/2014/main" id="{1C7B1DE1-3E0A-4AD9-915F-60585650B166}"/>
-              </a:ext>
-            </a:extLst>
-          </p:cNvPr>
+            <a:endParaRPr lang="ko-KR" altLang="en-US" sz="2000">
+              <a:latin typeface="HY견고딕"/>
+              <a:ea typeface="HY견고딕"/>
+            </a:endParaRPr>
+          </a:p>
+        </p:txBody>
+      </p:sp>
+      <p:sp>
+        <p:nvSpPr>
+          <p:cNvPr id="10" name="TextBox 9"/>
           <p:cNvSpPr txBox="1"/>
           <p:nvPr/>
         </p:nvSpPr>
@@ -7567,35 +7677,31 @@
           <a:noFill/>
         </p:spPr>
         <p:txBody>
-          <a:bodyPr wrap="none" rtlCol="0">
+          <a:bodyPr wrap="none">
             <a:spAutoFit/>
           </a:bodyPr>
           <a:lstStyle/>
           <a:p>
-            <a:pPr algn="ctr"/>
-            <a:r>
-              <a:rPr lang="ko-KR" altLang="en-US" sz="2000" dirty="0" err="1">
-                <a:latin typeface="HY견고딕" panose="02030600000101010101" pitchFamily="18" charset="-127"/>
-                <a:ea typeface="HY견고딕" panose="02030600000101010101" pitchFamily="18" charset="-127"/>
+            <a:pPr algn="ctr">
+              <a:defRPr/>
+            </a:pPr>
+            <a:r>
+              <a:rPr lang="ko-KR" altLang="en-US" sz="2000">
+                <a:latin typeface="HY견고딕"/>
+                <a:ea typeface="HY견고딕"/>
               </a:rPr>
               <a:t>이득유</a:t>
             </a:r>
-            <a:endParaRPr lang="ko-KR" altLang="en-US" sz="2000" dirty="0">
-              <a:latin typeface="HY견고딕" panose="02030600000101010101" pitchFamily="18" charset="-127"/>
-              <a:ea typeface="HY견고딕" panose="02030600000101010101" pitchFamily="18" charset="-127"/>
-            </a:endParaRPr>
-          </a:p>
-        </p:txBody>
-      </p:sp>
-      <p:sp>
-        <p:nvSpPr>
-          <p:cNvPr id="15" name="사각형: 둥근 모서리 14">
-            <a:extLst>
-              <a:ext uri="{FF2B5EF4-FFF2-40B4-BE49-F238E27FC236}">
-                <a16:creationId xmlns:a16="http://schemas.microsoft.com/office/drawing/2014/main" id="{42AC6AEA-C537-4334-8518-49F43F32AE20}"/>
-              </a:ext>
-            </a:extLst>
-          </p:cNvPr>
+            <a:endParaRPr lang="ko-KR" altLang="en-US" sz="2000">
+              <a:latin typeface="HY견고딕"/>
+              <a:ea typeface="HY견고딕"/>
+            </a:endParaRPr>
+          </a:p>
+        </p:txBody>
+      </p:sp>
+      <p:sp>
+        <p:nvSpPr>
+          <p:cNvPr id="15" name="사각형: 둥근 모서리 14"/>
           <p:cNvSpPr/>
           <p:nvPr/>
         </p:nvSpPr>
@@ -7605,7 +7711,9 @@
             <a:ext cx="2940423" cy="3830032"/>
           </a:xfrm>
           <a:prstGeom prst="roundRect">
-            <a:avLst/>
+            <a:avLst>
+              <a:gd name="adj" fmla="val 16667"/>
+            </a:avLst>
           </a:prstGeom>
           <a:noFill/>
           <a:ln w="25400" cmpd="sng">
@@ -7631,23 +7739,19 @@
           </a:fontRef>
         </p:style>
         <p:txBody>
-          <a:bodyPr rtlCol="0" anchor="ctr"/>
-          <a:lstStyle/>
-          <a:p>
-            <a:pPr algn="ctr"/>
+          <a:bodyPr anchor="ctr"/>
+          <a:lstStyle/>
+          <a:p>
+            <a:pPr algn="ctr">
+              <a:defRPr/>
+            </a:pPr>
             <a:endParaRPr lang="ko-KR" altLang="en-US"/>
           </a:p>
         </p:txBody>
       </p:sp>
       <p:sp>
         <p:nvSpPr>
-          <p:cNvPr id="16" name="사각형: 둥근 모서리 15">
-            <a:extLst>
-              <a:ext uri="{FF2B5EF4-FFF2-40B4-BE49-F238E27FC236}">
-                <a16:creationId xmlns:a16="http://schemas.microsoft.com/office/drawing/2014/main" id="{A680FFAE-6A3C-47EC-8A2C-8ABAC911650E}"/>
-              </a:ext>
-            </a:extLst>
-          </p:cNvPr>
+          <p:cNvPr id="16" name="사각형: 둥근 모서리 15"/>
           <p:cNvSpPr/>
           <p:nvPr/>
         </p:nvSpPr>
@@ -7657,7 +7761,9 @@
             <a:ext cx="2940423" cy="3830032"/>
           </a:xfrm>
           <a:prstGeom prst="roundRect">
-            <a:avLst/>
+            <a:avLst>
+              <a:gd name="adj" fmla="val 16667"/>
+            </a:avLst>
           </a:prstGeom>
           <a:noFill/>
           <a:ln w="25400" cmpd="sng">
@@ -7683,23 +7789,19 @@
           </a:fontRef>
         </p:style>
         <p:txBody>
-          <a:bodyPr rtlCol="0" anchor="ctr"/>
-          <a:lstStyle/>
-          <a:p>
-            <a:pPr algn="ctr"/>
+          <a:bodyPr anchor="ctr"/>
+          <a:lstStyle/>
+          <a:p>
+            <a:pPr algn="ctr">
+              <a:defRPr/>
+            </a:pPr>
             <a:endParaRPr lang="ko-KR" altLang="en-US"/>
           </a:p>
         </p:txBody>
       </p:sp>
       <p:sp>
         <p:nvSpPr>
-          <p:cNvPr id="17" name="사각형: 둥근 모서리 16">
-            <a:extLst>
-              <a:ext uri="{FF2B5EF4-FFF2-40B4-BE49-F238E27FC236}">
-                <a16:creationId xmlns:a16="http://schemas.microsoft.com/office/drawing/2014/main" id="{6A55E696-7320-42E1-8AB6-F5B0F7211587}"/>
-              </a:ext>
-            </a:extLst>
-          </p:cNvPr>
+          <p:cNvPr id="17" name="사각형: 둥근 모서리 16"/>
           <p:cNvSpPr/>
           <p:nvPr/>
         </p:nvSpPr>
@@ -7709,7 +7811,9 @@
             <a:ext cx="2940423" cy="3830032"/>
           </a:xfrm>
           <a:prstGeom prst="roundRect">
-            <a:avLst/>
+            <a:avLst>
+              <a:gd name="adj" fmla="val 16667"/>
+            </a:avLst>
           </a:prstGeom>
           <a:noFill/>
           <a:ln w="25400" cmpd="sng">
@@ -7735,23 +7839,19 @@
           </a:fontRef>
         </p:style>
         <p:txBody>
-          <a:bodyPr rtlCol="0" anchor="ctr"/>
-          <a:lstStyle/>
-          <a:p>
-            <a:pPr algn="ctr"/>
+          <a:bodyPr anchor="ctr"/>
+          <a:lstStyle/>
+          <a:p>
+            <a:pPr algn="ctr">
+              <a:defRPr/>
+            </a:pPr>
             <a:endParaRPr lang="ko-KR" altLang="en-US"/>
           </a:p>
         </p:txBody>
       </p:sp>
       <p:sp>
         <p:nvSpPr>
-          <p:cNvPr id="14" name="TextBox 13">
-            <a:extLst>
-              <a:ext uri="{FF2B5EF4-FFF2-40B4-BE49-F238E27FC236}">
-                <a16:creationId xmlns:a16="http://schemas.microsoft.com/office/drawing/2014/main" id="{2870AD53-AC1D-4B3C-9FA8-F6760784052F}"/>
-              </a:ext>
-            </a:extLst>
-          </p:cNvPr>
+          <p:cNvPr id="14" name="TextBox 13"/>
           <p:cNvSpPr txBox="1"/>
           <p:nvPr/>
         </p:nvSpPr>
@@ -7766,108 +7866,113 @@
           <a:noFill/>
         </p:spPr>
         <p:txBody>
-          <a:bodyPr wrap="none" rtlCol="0">
+          <a:bodyPr wrap="none">
             <a:spAutoFit/>
           </a:bodyPr>
           <a:lstStyle/>
           <a:p>
-            <a:pPr algn="ctr"/>
-            <a:r>
-              <a:rPr lang="ko-KR" altLang="en-US" dirty="0">
-                <a:latin typeface="HY견고딕" panose="02030600000101010101" pitchFamily="18" charset="-127"/>
-                <a:ea typeface="HY견고딕" panose="02030600000101010101" pitchFamily="18" charset="-127"/>
+            <a:pPr algn="ctr">
+              <a:defRPr/>
+            </a:pPr>
+            <a:r>
+              <a:rPr lang="ko-KR" altLang="en-US">
+                <a:latin typeface="HY견고딕"/>
+                <a:ea typeface="HY견고딕"/>
               </a:rPr>
               <a:t>하우징</a:t>
             </a:r>
-            <a:endParaRPr lang="en-US" altLang="ko-KR" dirty="0">
-              <a:latin typeface="HY견고딕" panose="02030600000101010101" pitchFamily="18" charset="-127"/>
-              <a:ea typeface="HY견고딕" panose="02030600000101010101" pitchFamily="18" charset="-127"/>
-            </a:endParaRPr>
-          </a:p>
-          <a:p>
-            <a:pPr algn="ctr"/>
-            <a:endParaRPr lang="en-US" altLang="ko-KR" dirty="0">
-              <a:latin typeface="HY견고딕" panose="02030600000101010101" pitchFamily="18" charset="-127"/>
-              <a:ea typeface="HY견고딕" panose="02030600000101010101" pitchFamily="18" charset="-127"/>
-            </a:endParaRPr>
-          </a:p>
-          <a:p>
-            <a:pPr algn="ctr"/>
-            <a:r>
-              <a:rPr lang="ko-KR" altLang="en-US" dirty="0">
-                <a:latin typeface="HY견고딕" panose="02030600000101010101" pitchFamily="18" charset="-127"/>
-                <a:ea typeface="HY견고딕" panose="02030600000101010101" pitchFamily="18" charset="-127"/>
+            <a:endParaRPr lang="ko-KR" altLang="en-US">
+              <a:latin typeface="HY견고딕"/>
+              <a:ea typeface="HY견고딕"/>
+            </a:endParaRPr>
+          </a:p>
+          <a:p>
+            <a:pPr algn="ctr">
+              <a:defRPr/>
+            </a:pPr>
+            <a:endParaRPr lang="en-US" altLang="ko-KR">
+              <a:latin typeface="HY견고딕"/>
+              <a:ea typeface="HY견고딕"/>
+            </a:endParaRPr>
+          </a:p>
+          <a:p>
+            <a:pPr algn="ctr">
+              <a:defRPr/>
+            </a:pPr>
+            <a:r>
+              <a:rPr lang="ko-KR" altLang="en-US">
+                <a:latin typeface="HY견고딕"/>
+                <a:ea typeface="HY견고딕"/>
               </a:rPr>
               <a:t>그림자</a:t>
             </a:r>
-            <a:endParaRPr lang="en-US" altLang="ko-KR" dirty="0">
-              <a:latin typeface="HY견고딕" panose="02030600000101010101" pitchFamily="18" charset="-127"/>
-              <a:ea typeface="HY견고딕" panose="02030600000101010101" pitchFamily="18" charset="-127"/>
-            </a:endParaRPr>
-          </a:p>
-          <a:p>
-            <a:pPr algn="ctr"/>
-            <a:endParaRPr lang="en-US" altLang="ko-KR" dirty="0">
-              <a:latin typeface="HY견고딕" panose="02030600000101010101" pitchFamily="18" charset="-127"/>
-              <a:ea typeface="HY견고딕" panose="02030600000101010101" pitchFamily="18" charset="-127"/>
-            </a:endParaRPr>
-          </a:p>
-          <a:p>
-            <a:pPr algn="ctr"/>
-            <a:r>
-              <a:rPr lang="ko-KR" altLang="en-US" dirty="0" err="1">
-                <a:latin typeface="HY견고딕" panose="02030600000101010101" pitchFamily="18" charset="-127"/>
-                <a:ea typeface="HY견고딕" panose="02030600000101010101" pitchFamily="18" charset="-127"/>
-              </a:rPr>
-              <a:t>쉐이더</a:t>
-            </a:r>
-            <a:r>
-              <a:rPr lang="ko-KR" altLang="en-US" dirty="0">
-                <a:latin typeface="HY견고딕" panose="02030600000101010101" pitchFamily="18" charset="-127"/>
-                <a:ea typeface="HY견고딕" panose="02030600000101010101" pitchFamily="18" charset="-127"/>
-              </a:rPr>
-              <a:t> 프로그래밍</a:t>
-            </a:r>
-            <a:endParaRPr lang="en-US" altLang="ko-KR" dirty="0">
-              <a:latin typeface="HY견고딕" panose="02030600000101010101" pitchFamily="18" charset="-127"/>
-              <a:ea typeface="HY견고딕" panose="02030600000101010101" pitchFamily="18" charset="-127"/>
-            </a:endParaRPr>
-          </a:p>
-          <a:p>
-            <a:pPr algn="ctr"/>
-            <a:endParaRPr lang="en-US" altLang="ko-KR" dirty="0">
-              <a:latin typeface="HY견고딕" panose="02030600000101010101" pitchFamily="18" charset="-127"/>
-              <a:ea typeface="HY견고딕" panose="02030600000101010101" pitchFamily="18" charset="-127"/>
-            </a:endParaRPr>
-          </a:p>
-          <a:p>
-            <a:pPr algn="ctr"/>
-            <a:r>
-              <a:rPr lang="ko-KR" altLang="en-US" dirty="0">
-                <a:latin typeface="HY견고딕" panose="02030600000101010101" pitchFamily="18" charset="-127"/>
-                <a:ea typeface="HY견고딕" panose="02030600000101010101" pitchFamily="18" charset="-127"/>
+            <a:endParaRPr lang="ko-KR" altLang="en-US">
+              <a:latin typeface="HY견고딕"/>
+              <a:ea typeface="HY견고딕"/>
+            </a:endParaRPr>
+          </a:p>
+          <a:p>
+            <a:pPr algn="ctr">
+              <a:defRPr/>
+            </a:pPr>
+            <a:endParaRPr lang="en-US" altLang="ko-KR">
+              <a:latin typeface="HY견고딕"/>
+              <a:ea typeface="HY견고딕"/>
+            </a:endParaRPr>
+          </a:p>
+          <a:p>
+            <a:pPr algn="ctr">
+              <a:defRPr/>
+            </a:pPr>
+            <a:r>
+              <a:rPr lang="ko-KR" altLang="en-US">
+                <a:latin typeface="HY견고딕"/>
+                <a:ea typeface="HY견고딕"/>
+              </a:rPr>
+              <a:t>쉐이더 프로그래밍</a:t>
+            </a:r>
+            <a:endParaRPr lang="ko-KR" altLang="en-US">
+              <a:latin typeface="HY견고딕"/>
+              <a:ea typeface="HY견고딕"/>
+            </a:endParaRPr>
+          </a:p>
+          <a:p>
+            <a:pPr algn="ctr">
+              <a:defRPr/>
+            </a:pPr>
+            <a:endParaRPr lang="en-US" altLang="ko-KR">
+              <a:latin typeface="HY견고딕"/>
+              <a:ea typeface="HY견고딕"/>
+            </a:endParaRPr>
+          </a:p>
+          <a:p>
+            <a:pPr algn="ctr">
+              <a:defRPr/>
+            </a:pPr>
+            <a:r>
+              <a:rPr lang="ko-KR" altLang="en-US">
+                <a:latin typeface="HY견고딕"/>
+                <a:ea typeface="HY견고딕"/>
               </a:rPr>
               <a:t>추가 바람</a:t>
             </a:r>
-          </a:p>
-        </p:txBody>
-      </p:sp>
-      <p:sp>
-        <p:nvSpPr>
-          <p:cNvPr id="18" name="TextBox 17">
-            <a:extLst>
-              <a:ext uri="{FF2B5EF4-FFF2-40B4-BE49-F238E27FC236}">
-                <a16:creationId xmlns:a16="http://schemas.microsoft.com/office/drawing/2014/main" id="{F60A9A1F-C28B-4987-ABDD-88FC94F957A3}"/>
-              </a:ext>
-            </a:extLst>
-          </p:cNvPr>
+            <a:endParaRPr lang="ko-KR" altLang="en-US">
+              <a:latin typeface="HY견고딕"/>
+              <a:ea typeface="HY견고딕"/>
+            </a:endParaRPr>
+          </a:p>
+        </p:txBody>
+      </p:sp>
+      <p:sp>
+        <p:nvSpPr>
+          <p:cNvPr id="18" name="TextBox 17"/>
           <p:cNvSpPr txBox="1"/>
           <p:nvPr/>
         </p:nvSpPr>
         <p:spPr>
           <a:xfrm>
-            <a:off x="7880012" y="2803526"/>
-            <a:ext cx="2425664" cy="923330"/>
+            <a:off x="7880985" y="2803526"/>
+            <a:ext cx="2411730" cy="1461769"/>
           </a:xfrm>
           <a:prstGeom prst="rect">
             <a:avLst/>
@@ -7875,59 +7980,88 @@
           <a:noFill/>
         </p:spPr>
         <p:txBody>
-          <a:bodyPr wrap="none" rtlCol="0">
+          <a:bodyPr wrap="none">
             <a:spAutoFit/>
           </a:bodyPr>
           <a:lstStyle/>
           <a:p>
-            <a:pPr algn="ctr"/>
-            <a:r>
-              <a:rPr lang="en-US" altLang="ko-KR" dirty="0">
-                <a:latin typeface="HY견고딕" panose="02030600000101010101" pitchFamily="18" charset="-127"/>
-                <a:ea typeface="HY견고딕" panose="02030600000101010101" pitchFamily="18" charset="-127"/>
+            <a:pPr algn="ctr">
+              <a:defRPr/>
+            </a:pPr>
+            <a:r>
+              <a:rPr lang="en-US" altLang="ko-KR">
+                <a:latin typeface="HY견고딕"/>
+                <a:ea typeface="HY견고딕"/>
               </a:rPr>
               <a:t>IOCP </a:t>
             </a:r>
             <a:r>
-              <a:rPr lang="ko-KR" altLang="en-US" dirty="0">
-                <a:latin typeface="HY견고딕" panose="02030600000101010101" pitchFamily="18" charset="-127"/>
-                <a:ea typeface="HY견고딕" panose="02030600000101010101" pitchFamily="18" charset="-127"/>
+              <a:rPr lang="ko-KR" altLang="en-US">
+                <a:latin typeface="HY견고딕"/>
+                <a:ea typeface="HY견고딕"/>
               </a:rPr>
               <a:t>다중 접속 서버</a:t>
             </a:r>
-            <a:endParaRPr lang="en-US" altLang="ko-KR" dirty="0">
-              <a:latin typeface="HY견고딕" panose="02030600000101010101" pitchFamily="18" charset="-127"/>
-              <a:ea typeface="HY견고딕" panose="02030600000101010101" pitchFamily="18" charset="-127"/>
-            </a:endParaRPr>
-          </a:p>
-          <a:p>
-            <a:pPr algn="ctr"/>
-            <a:endParaRPr lang="en-US" altLang="ko-KR" dirty="0">
-              <a:latin typeface="HY견고딕" panose="02030600000101010101" pitchFamily="18" charset="-127"/>
-              <a:ea typeface="HY견고딕" panose="02030600000101010101" pitchFamily="18" charset="-127"/>
-            </a:endParaRPr>
-          </a:p>
-          <a:p>
-            <a:pPr algn="ctr"/>
-            <a:r>
-              <a:rPr lang="ko-KR" altLang="en-US" dirty="0">
-                <a:latin typeface="HY견고딕" panose="02030600000101010101" pitchFamily="18" charset="-127"/>
-                <a:ea typeface="HY견고딕" panose="02030600000101010101" pitchFamily="18" charset="-127"/>
-              </a:rPr>
-              <a:t>추가 바람</a:t>
-            </a:r>
-          </a:p>
-        </p:txBody>
-      </p:sp>
-      <p:sp>
-        <p:nvSpPr>
-          <p:cNvPr id="19" name="TextBox 18">
-            <a:extLst>
-              <a:ext uri="{FF2B5EF4-FFF2-40B4-BE49-F238E27FC236}">
-                <a16:creationId xmlns:a16="http://schemas.microsoft.com/office/drawing/2014/main" id="{8FC07485-4A66-496F-B990-06DD9E8AB13C}"/>
-              </a:ext>
-            </a:extLst>
-          </p:cNvPr>
+            <a:endParaRPr lang="ko-KR" altLang="en-US">
+              <a:latin typeface="HY견고딕"/>
+              <a:ea typeface="HY견고딕"/>
+            </a:endParaRPr>
+          </a:p>
+          <a:p>
+            <a:pPr algn="ctr">
+              <a:defRPr/>
+            </a:pPr>
+            <a:endParaRPr lang="en-US" altLang="ko-KR">
+              <a:latin typeface="HY견고딕"/>
+              <a:ea typeface="HY견고딕"/>
+            </a:endParaRPr>
+          </a:p>
+          <a:p>
+            <a:pPr algn="ctr">
+              <a:defRPr/>
+            </a:pPr>
+            <a:r>
+              <a:rPr lang="ko-KR" altLang="en-US">
+                <a:latin typeface="HY견고딕"/>
+                <a:ea typeface="HY견고딕"/>
+              </a:rPr>
+              <a:t>프레임워크</a:t>
+            </a:r>
+            <a:endParaRPr lang="ko-KR" altLang="en-US">
+              <a:latin typeface="HY견고딕"/>
+              <a:ea typeface="HY견고딕"/>
+            </a:endParaRPr>
+          </a:p>
+          <a:p>
+            <a:pPr algn="ctr">
+              <a:defRPr/>
+            </a:pPr>
+            <a:endParaRPr lang="ko-KR" altLang="en-US">
+              <a:latin typeface="HY견고딕"/>
+              <a:ea typeface="HY견고딕"/>
+            </a:endParaRPr>
+          </a:p>
+          <a:p>
+            <a:pPr algn="ctr">
+              <a:defRPr/>
+            </a:pPr>
+            <a:r>
+              <a:rPr lang="ko-KR" altLang="en-US">
+                <a:latin typeface="HY견고딕"/>
+                <a:ea typeface="HY견고딕"/>
+              </a:rPr>
+              <a:t>서버 최적화</a:t>
+            </a:r>
+            <a:endParaRPr lang="ko-KR" altLang="en-US">
+              <a:latin typeface="HY견고딕"/>
+              <a:ea typeface="HY견고딕"/>
+            </a:endParaRPr>
+          </a:p>
+        </p:txBody>
+      </p:sp>
+      <p:sp>
+        <p:nvSpPr>
+          <p:cNvPr id="19" name="TextBox 18"/>
           <p:cNvSpPr txBox="1"/>
           <p:nvPr/>
         </p:nvSpPr>
@@ -7942,122 +8076,131 @@
           <a:noFill/>
         </p:spPr>
         <p:txBody>
-          <a:bodyPr wrap="none" rtlCol="0">
+          <a:bodyPr wrap="none">
             <a:spAutoFit/>
           </a:bodyPr>
           <a:lstStyle/>
           <a:p>
-            <a:pPr algn="ctr"/>
-            <a:r>
-              <a:rPr lang="ko-KR" altLang="en-US" dirty="0">
-                <a:latin typeface="HY견고딕" panose="02030600000101010101" pitchFamily="18" charset="-127"/>
-                <a:ea typeface="HY견고딕" panose="02030600000101010101" pitchFamily="18" charset="-127"/>
+            <a:pPr algn="ctr">
+              <a:defRPr/>
+            </a:pPr>
+            <a:r>
+              <a:rPr lang="ko-KR" altLang="en-US">
+                <a:latin typeface="HY견고딕"/>
+                <a:ea typeface="HY견고딕"/>
               </a:rPr>
               <a:t>프레임워크</a:t>
             </a:r>
-            <a:endParaRPr lang="en-US" altLang="ko-KR" dirty="0">
-              <a:latin typeface="HY견고딕" panose="02030600000101010101" pitchFamily="18" charset="-127"/>
-              <a:ea typeface="HY견고딕" panose="02030600000101010101" pitchFamily="18" charset="-127"/>
-            </a:endParaRPr>
-          </a:p>
-          <a:p>
-            <a:pPr algn="ctr"/>
-            <a:endParaRPr lang="en-US" altLang="ko-KR" dirty="0">
-              <a:latin typeface="HY견고딕" panose="02030600000101010101" pitchFamily="18" charset="-127"/>
-              <a:ea typeface="HY견고딕" panose="02030600000101010101" pitchFamily="18" charset="-127"/>
-            </a:endParaRPr>
-          </a:p>
-          <a:p>
-            <a:pPr algn="ctr"/>
-            <a:r>
-              <a:rPr lang="ko-KR" altLang="en-US" dirty="0">
-                <a:latin typeface="HY견고딕" panose="02030600000101010101" pitchFamily="18" charset="-127"/>
-                <a:ea typeface="HY견고딕" panose="02030600000101010101" pitchFamily="18" charset="-127"/>
+            <a:endParaRPr lang="ko-KR" altLang="en-US">
+              <a:latin typeface="HY견고딕"/>
+              <a:ea typeface="HY견고딕"/>
+            </a:endParaRPr>
+          </a:p>
+          <a:p>
+            <a:pPr algn="ctr">
+              <a:defRPr/>
+            </a:pPr>
+            <a:endParaRPr lang="en-US" altLang="ko-KR">
+              <a:latin typeface="HY견고딕"/>
+              <a:ea typeface="HY견고딕"/>
+            </a:endParaRPr>
+          </a:p>
+          <a:p>
+            <a:pPr algn="ctr">
+              <a:defRPr/>
+            </a:pPr>
+            <a:r>
+              <a:rPr lang="ko-KR" altLang="en-US">
+                <a:latin typeface="HY견고딕"/>
+                <a:ea typeface="HY견고딕"/>
               </a:rPr>
               <a:t>애니메이션</a:t>
             </a:r>
-            <a:endParaRPr lang="en-US" altLang="ko-KR" dirty="0">
-              <a:latin typeface="HY견고딕" panose="02030600000101010101" pitchFamily="18" charset="-127"/>
-              <a:ea typeface="HY견고딕" panose="02030600000101010101" pitchFamily="18" charset="-127"/>
-            </a:endParaRPr>
-          </a:p>
-          <a:p>
-            <a:pPr algn="ctr"/>
-            <a:endParaRPr lang="en-US" altLang="ko-KR" dirty="0">
-              <a:latin typeface="HY견고딕" panose="02030600000101010101" pitchFamily="18" charset="-127"/>
-              <a:ea typeface="HY견고딕" panose="02030600000101010101" pitchFamily="18" charset="-127"/>
-            </a:endParaRPr>
-          </a:p>
-          <a:p>
-            <a:pPr algn="ctr"/>
-            <a:r>
-              <a:rPr lang="ko-KR" altLang="en-US" dirty="0">
-                <a:latin typeface="HY견고딕" panose="02030600000101010101" pitchFamily="18" charset="-127"/>
-                <a:ea typeface="HY견고딕" panose="02030600000101010101" pitchFamily="18" charset="-127"/>
+            <a:endParaRPr lang="ko-KR" altLang="en-US">
+              <a:latin typeface="HY견고딕"/>
+              <a:ea typeface="HY견고딕"/>
+            </a:endParaRPr>
+          </a:p>
+          <a:p>
+            <a:pPr algn="ctr">
+              <a:defRPr/>
+            </a:pPr>
+            <a:endParaRPr lang="en-US" altLang="ko-KR">
+              <a:latin typeface="HY견고딕"/>
+              <a:ea typeface="HY견고딕"/>
+            </a:endParaRPr>
+          </a:p>
+          <a:p>
+            <a:pPr algn="ctr">
+              <a:defRPr/>
+            </a:pPr>
+            <a:r>
+              <a:rPr lang="ko-KR" altLang="en-US">
+                <a:latin typeface="HY견고딕"/>
+                <a:ea typeface="HY견고딕"/>
               </a:rPr>
               <a:t>그림자</a:t>
             </a:r>
-            <a:endParaRPr lang="en-US" altLang="ko-KR" dirty="0">
-              <a:latin typeface="HY견고딕" panose="02030600000101010101" pitchFamily="18" charset="-127"/>
-              <a:ea typeface="HY견고딕" panose="02030600000101010101" pitchFamily="18" charset="-127"/>
-            </a:endParaRPr>
-          </a:p>
-          <a:p>
-            <a:pPr algn="ctr"/>
-            <a:endParaRPr lang="en-US" altLang="ko-KR" dirty="0">
-              <a:latin typeface="HY견고딕" panose="02030600000101010101" pitchFamily="18" charset="-127"/>
-              <a:ea typeface="HY견고딕" panose="02030600000101010101" pitchFamily="18" charset="-127"/>
-            </a:endParaRPr>
-          </a:p>
-          <a:p>
-            <a:pPr algn="ctr"/>
-            <a:r>
-              <a:rPr lang="ko-KR" altLang="en-US" dirty="0" err="1">
-                <a:latin typeface="HY견고딕" panose="02030600000101010101" pitchFamily="18" charset="-127"/>
-                <a:ea typeface="HY견고딕" panose="02030600000101010101" pitchFamily="18" charset="-127"/>
-              </a:rPr>
-              <a:t>쉐이더</a:t>
-            </a:r>
-            <a:r>
-              <a:rPr lang="ko-KR" altLang="en-US" dirty="0">
-                <a:latin typeface="HY견고딕" panose="02030600000101010101" pitchFamily="18" charset="-127"/>
-                <a:ea typeface="HY견고딕" panose="02030600000101010101" pitchFamily="18" charset="-127"/>
-              </a:rPr>
-              <a:t> 프로그래밍</a:t>
-            </a:r>
-            <a:endParaRPr lang="en-US" altLang="ko-KR" dirty="0">
-              <a:latin typeface="HY견고딕" panose="02030600000101010101" pitchFamily="18" charset="-127"/>
-              <a:ea typeface="HY견고딕" panose="02030600000101010101" pitchFamily="18" charset="-127"/>
-            </a:endParaRPr>
-          </a:p>
-          <a:p>
-            <a:pPr algn="ctr"/>
-            <a:endParaRPr lang="en-US" altLang="ko-KR" dirty="0">
-              <a:latin typeface="HY견고딕" panose="02030600000101010101" pitchFamily="18" charset="-127"/>
-              <a:ea typeface="HY견고딕" panose="02030600000101010101" pitchFamily="18" charset="-127"/>
-            </a:endParaRPr>
-          </a:p>
-          <a:p>
-            <a:pPr algn="ctr"/>
-            <a:r>
-              <a:rPr lang="ko-KR" altLang="en-US" dirty="0">
-                <a:latin typeface="HY견고딕" panose="02030600000101010101" pitchFamily="18" charset="-127"/>
-                <a:ea typeface="HY견고딕" panose="02030600000101010101" pitchFamily="18" charset="-127"/>
+            <a:endParaRPr lang="ko-KR" altLang="en-US">
+              <a:latin typeface="HY견고딕"/>
+              <a:ea typeface="HY견고딕"/>
+            </a:endParaRPr>
+          </a:p>
+          <a:p>
+            <a:pPr algn="ctr">
+              <a:defRPr/>
+            </a:pPr>
+            <a:endParaRPr lang="en-US" altLang="ko-KR">
+              <a:latin typeface="HY견고딕"/>
+              <a:ea typeface="HY견고딕"/>
+            </a:endParaRPr>
+          </a:p>
+          <a:p>
+            <a:pPr algn="ctr">
+              <a:defRPr/>
+            </a:pPr>
+            <a:r>
+              <a:rPr lang="ko-KR" altLang="en-US">
+                <a:latin typeface="HY견고딕"/>
+                <a:ea typeface="HY견고딕"/>
+              </a:rPr>
+              <a:t>쉐이더 프로그래밍</a:t>
+            </a:r>
+            <a:endParaRPr lang="ko-KR" altLang="en-US">
+              <a:latin typeface="HY견고딕"/>
+              <a:ea typeface="HY견고딕"/>
+            </a:endParaRPr>
+          </a:p>
+          <a:p>
+            <a:pPr algn="ctr">
+              <a:defRPr/>
+            </a:pPr>
+            <a:endParaRPr lang="en-US" altLang="ko-KR">
+              <a:latin typeface="HY견고딕"/>
+              <a:ea typeface="HY견고딕"/>
+            </a:endParaRPr>
+          </a:p>
+          <a:p>
+            <a:pPr algn="ctr">
+              <a:defRPr/>
+            </a:pPr>
+            <a:r>
+              <a:rPr lang="ko-KR" altLang="en-US">
+                <a:latin typeface="HY견고딕"/>
+                <a:ea typeface="HY견고딕"/>
               </a:rPr>
               <a:t>추가 바람</a:t>
             </a:r>
-          </a:p>
-        </p:txBody>
-      </p:sp>
-      <p:sp>
-        <p:nvSpPr>
-          <p:cNvPr id="29" name="직사각형 28">
-            <a:extLst>
-              <a:ext uri="{FF2B5EF4-FFF2-40B4-BE49-F238E27FC236}">
-                <a16:creationId xmlns:a16="http://schemas.microsoft.com/office/drawing/2014/main" id="{1EB52445-61F1-4AA5-8890-46330E9E4655}"/>
-              </a:ext>
-            </a:extLst>
-          </p:cNvPr>
+            <a:endParaRPr lang="ko-KR" altLang="en-US">
+              <a:latin typeface="HY견고딕"/>
+              <a:ea typeface="HY견고딕"/>
+            </a:endParaRPr>
+          </a:p>
+        </p:txBody>
+      </p:sp>
+      <p:sp>
+        <p:nvSpPr>
+          <p:cNvPr id="29" name="직사각형 28"/>
           <p:cNvSpPr/>
           <p:nvPr/>
         </p:nvSpPr>
@@ -8095,23 +8238,19 @@
           </a:fontRef>
         </p:style>
         <p:txBody>
-          <a:bodyPr rtlCol="0" anchor="ctr"/>
-          <a:lstStyle/>
-          <a:p>
-            <a:pPr algn="ctr"/>
+          <a:bodyPr anchor="ctr"/>
+          <a:lstStyle/>
+          <a:p>
+            <a:pPr algn="ctr">
+              <a:defRPr/>
+            </a:pPr>
             <a:endParaRPr lang="ko-KR" altLang="en-US"/>
           </a:p>
         </p:txBody>
       </p:sp>
       <p:sp>
         <p:nvSpPr>
-          <p:cNvPr id="30" name="직사각형 29">
-            <a:extLst>
-              <a:ext uri="{FF2B5EF4-FFF2-40B4-BE49-F238E27FC236}">
-                <a16:creationId xmlns:a16="http://schemas.microsoft.com/office/drawing/2014/main" id="{8455D215-328C-4D4C-AADC-D7A3CCDFA0D2}"/>
-              </a:ext>
-            </a:extLst>
-          </p:cNvPr>
+          <p:cNvPr id="30" name="직사각형 29"/>
           <p:cNvSpPr/>
           <p:nvPr/>
         </p:nvSpPr>
@@ -8149,29 +8288,34 @@
           </a:fontRef>
         </p:style>
         <p:txBody>
-          <a:bodyPr rtlCol="0" anchor="ctr"/>
-          <a:lstStyle/>
-          <a:p>
-            <a:pPr algn="ctr"/>
+          <a:bodyPr anchor="ctr"/>
+          <a:lstStyle/>
+          <a:p>
+            <a:pPr algn="ctr">
+              <a:defRPr/>
+            </a:pPr>
             <a:endParaRPr lang="ko-KR" altLang="en-US"/>
           </a:p>
         </p:txBody>
       </p:sp>
     </p:spTree>
-    <p:extLst>
-      <p:ext uri="{BB962C8B-B14F-4D97-AF65-F5344CB8AC3E}">
-        <p14:creationId xmlns:p14="http://schemas.microsoft.com/office/powerpoint/2010/main" val="2449327308"/>
-      </p:ext>
-    </p:extLst>
   </p:cSld>
   <p:clrMapOvr>
     <a:masterClrMapping/>
   </p:clrMapOvr>
+  <mc:AlternateContent xmlns:mc="http://schemas.openxmlformats.org/markup-compatibility/2006">
+    <mc:Choice xmlns:p14="http://schemas.microsoft.com/office/powerpoint/2010/main" Requires="p14">
+      <p:transition xmlns:mc="http://schemas.openxmlformats.org/markup-compatibility/2006" xmlns:p14="http://schemas.microsoft.com/office/powerpoint/2010/main" mc:Ignorable="p14" p14:dur="500"/>
+    </mc:Choice>
+    <mc:Fallback>
+      <p:transition/>
+    </mc:Fallback>
+  </mc:AlternateContent>
 </p:sld>
 </file>
 
 <file path=ppt/slides/slide16.xml><?xml version="1.0" encoding="utf-8"?>
-<p:sld xmlns:a="http://schemas.openxmlformats.org/drawingml/2006/main" xmlns:r="http://schemas.openxmlformats.org/officeDocument/2006/relationships" xmlns:p="http://schemas.openxmlformats.org/presentationml/2006/main">
+<p:sld xmlns:r="http://schemas.openxmlformats.org/officeDocument/2006/relationships" xmlns:c="http://schemas.openxmlformats.org/drawingml/2006/chart" xmlns:a="http://schemas.openxmlformats.org/drawingml/2006/main" xmlns:dgm="http://schemas.openxmlformats.org/drawingml/2006/diagram" xmlns:dsp="http://schemas.microsoft.com/office/drawing/2008/diagram" xmlns:p="http://schemas.openxmlformats.org/presentationml/2006/main">
   <p:cSld>
     <p:spTree>
       <p:nvGrpSpPr>
@@ -8189,16 +8333,8 @@
       </p:grpSpPr>
       <p:cxnSp>
         <p:nvCxnSpPr>
-          <p:cNvPr id="2" name="직선 연결선 1">
-            <a:extLst>
-              <a:ext uri="{FF2B5EF4-FFF2-40B4-BE49-F238E27FC236}">
-                <a16:creationId xmlns:a16="http://schemas.microsoft.com/office/drawing/2014/main" id="{F489D314-C637-4E9E-947D-448763FA3CE1}"/>
-              </a:ext>
-            </a:extLst>
-          </p:cNvPr>
-          <p:cNvCxnSpPr>
-            <a:cxnSpLocks/>
-          </p:cNvCxnSpPr>
+          <p:cNvPr id="2" name="직선 연결선 1"/>
+          <p:cNvCxnSpPr/>
           <p:nvPr/>
         </p:nvCxnSpPr>
         <p:spPr>
@@ -8232,13 +8368,7 @@
       </p:cxnSp>
       <p:sp>
         <p:nvSpPr>
-          <p:cNvPr id="3" name="TextBox 2">
-            <a:extLst>
-              <a:ext uri="{FF2B5EF4-FFF2-40B4-BE49-F238E27FC236}">
-                <a16:creationId xmlns:a16="http://schemas.microsoft.com/office/drawing/2014/main" id="{D5266936-5F5A-4942-B5DC-638A5ECB4501}"/>
-              </a:ext>
-            </a:extLst>
-          </p:cNvPr>
+          <p:cNvPr id="3" name="TextBox 2"/>
           <p:cNvSpPr txBox="1"/>
           <p:nvPr/>
         </p:nvSpPr>
@@ -8253,30 +8383,31 @@
           <a:noFill/>
         </p:spPr>
         <p:txBody>
-          <a:bodyPr wrap="none" rtlCol="0">
+          <a:bodyPr wrap="none">
             <a:spAutoFit/>
           </a:bodyPr>
           <a:lstStyle/>
           <a:p>
-            <a:r>
-              <a:rPr lang="ko-KR" altLang="en-US" sz="4000" dirty="0">
-                <a:latin typeface="HY헤드라인M" panose="02030600000101010101" pitchFamily="18" charset="-127"/>
-                <a:ea typeface="HY헤드라인M" panose="02030600000101010101" pitchFamily="18" charset="-127"/>
+            <a:pPr lvl="0">
+              <a:defRPr/>
+            </a:pPr>
+            <a:r>
+              <a:rPr lang="ko-KR" altLang="en-US" sz="4000">
+                <a:latin typeface="HY헤드라인M"/>
+                <a:ea typeface="HY헤드라인M"/>
               </a:rPr>
               <a:t>구성원 역할 분담</a:t>
             </a:r>
-          </a:p>
-        </p:txBody>
-      </p:sp>
-      <p:sp>
-        <p:nvSpPr>
-          <p:cNvPr id="4" name="TextBox 3">
-            <a:extLst>
-              <a:ext uri="{FF2B5EF4-FFF2-40B4-BE49-F238E27FC236}">
-                <a16:creationId xmlns:a16="http://schemas.microsoft.com/office/drawing/2014/main" id="{BF07602F-6AE9-44B4-BE0F-55FE2EDFDD1C}"/>
-              </a:ext>
-            </a:extLst>
-          </p:cNvPr>
+            <a:endParaRPr lang="ko-KR" altLang="en-US" sz="4000">
+              <a:latin typeface="HY헤드라인M"/>
+              <a:ea typeface="HY헤드라인M"/>
+            </a:endParaRPr>
+          </a:p>
+        </p:txBody>
+      </p:sp>
+      <p:sp>
+        <p:nvSpPr>
+          <p:cNvPr id="4" name="TextBox 3"/>
           <p:cNvSpPr txBox="1"/>
           <p:nvPr/>
         </p:nvSpPr>
@@ -8291,55 +8422,52 @@
           <a:noFill/>
         </p:spPr>
         <p:txBody>
-          <a:bodyPr wrap="none" rtlCol="0">
+          <a:bodyPr wrap="none">
             <a:spAutoFit/>
           </a:bodyPr>
           <a:lstStyle/>
           <a:p>
-            <a:r>
-              <a:rPr lang="en-US" altLang="ko-KR" sz="2800" dirty="0">
-                <a:latin typeface="HY헤드라인M" panose="02030600000101010101" pitchFamily="18" charset="-127"/>
-                <a:ea typeface="HY헤드라인M" panose="02030600000101010101" pitchFamily="18" charset="-127"/>
+            <a:pPr lvl="0">
+              <a:defRPr/>
+            </a:pPr>
+            <a:r>
+              <a:rPr lang="en-US" altLang="ko-KR" sz="2800">
+                <a:latin typeface="HY헤드라인M"/>
+                <a:ea typeface="HY헤드라인M"/>
               </a:rPr>
               <a:t>The Island</a:t>
             </a:r>
             <a:r>
-              <a:rPr lang="en-US" altLang="ko-KR" sz="1050" dirty="0">
-                <a:latin typeface="HY헤드라인M" panose="02030600000101010101" pitchFamily="18" charset="-127"/>
-                <a:ea typeface="HY헤드라인M" panose="02030600000101010101" pitchFamily="18" charset="-127"/>
+              <a:rPr lang="en-US" altLang="ko-KR" sz="1050">
+                <a:latin typeface="HY헤드라인M"/>
+                <a:ea typeface="HY헤드라인M"/>
               </a:rPr>
               <a:t>(</a:t>
             </a:r>
             <a:r>
-              <a:rPr lang="ko-KR" altLang="en-US" sz="1050" dirty="0">
-                <a:latin typeface="HY헤드라인M" panose="02030600000101010101" pitchFamily="18" charset="-127"/>
-                <a:ea typeface="HY헤드라인M" panose="02030600000101010101" pitchFamily="18" charset="-127"/>
+              <a:rPr lang="ko-KR" altLang="en-US" sz="1050">
+                <a:latin typeface="HY헤드라인M"/>
+                <a:ea typeface="HY헤드라인M"/>
               </a:rPr>
               <a:t>가제</a:t>
             </a:r>
             <a:r>
-              <a:rPr lang="en-US" altLang="ko-KR" sz="1050" dirty="0">
-                <a:latin typeface="HY헤드라인M" panose="02030600000101010101" pitchFamily="18" charset="-127"/>
-                <a:ea typeface="HY헤드라인M" panose="02030600000101010101" pitchFamily="18" charset="-127"/>
+              <a:rPr lang="en-US" altLang="ko-KR" sz="1050">
+                <a:latin typeface="HY헤드라인M"/>
+                <a:ea typeface="HY헤드라인M"/>
               </a:rPr>
               <a:t>)</a:t>
             </a:r>
-            <a:endParaRPr lang="ko-KR" altLang="en-US" sz="2800" dirty="0">
-              <a:latin typeface="HY헤드라인M" panose="02030600000101010101" pitchFamily="18" charset="-127"/>
-              <a:ea typeface="HY헤드라인M" panose="02030600000101010101" pitchFamily="18" charset="-127"/>
-            </a:endParaRPr>
-          </a:p>
-        </p:txBody>
-      </p:sp>
-      <p:sp>
-        <p:nvSpPr>
-          <p:cNvPr id="5" name="TextBox 4">
-            <a:extLst>
-              <a:ext uri="{FF2B5EF4-FFF2-40B4-BE49-F238E27FC236}">
-                <a16:creationId xmlns:a16="http://schemas.microsoft.com/office/drawing/2014/main" id="{8B8A36FB-13F6-49E8-A86D-6CF420F297BC}"/>
-              </a:ext>
-            </a:extLst>
-          </p:cNvPr>
+            <a:endParaRPr lang="ko-KR" altLang="en-US" sz="2800">
+              <a:latin typeface="HY헤드라인M"/>
+              <a:ea typeface="HY헤드라인M"/>
+            </a:endParaRPr>
+          </a:p>
+        </p:txBody>
+      </p:sp>
+      <p:sp>
+        <p:nvSpPr>
+          <p:cNvPr id="5" name="TextBox 4"/>
           <p:cNvSpPr txBox="1"/>
           <p:nvPr/>
         </p:nvSpPr>
@@ -8354,40 +8482,37 @@
           <a:noFill/>
         </p:spPr>
         <p:txBody>
-          <a:bodyPr wrap="none" rtlCol="0">
+          <a:bodyPr wrap="none">
             <a:spAutoFit/>
           </a:bodyPr>
           <a:lstStyle/>
           <a:p>
-            <a:r>
-              <a:rPr lang="en-US" altLang="ko-KR" sz="4400" dirty="0">
+            <a:pPr lvl="0">
+              <a:defRPr/>
+            </a:pPr>
+            <a:r>
+              <a:rPr lang="en-US" altLang="ko-KR" sz="4400">
                 <a:solidFill>
                   <a:schemeClr val="accent1"/>
                 </a:solidFill>
-                <a:latin typeface="HY헤드라인M" panose="02030600000101010101" pitchFamily="18" charset="-127"/>
-                <a:ea typeface="HY헤드라인M" panose="02030600000101010101" pitchFamily="18" charset="-127"/>
+                <a:latin typeface="HY헤드라인M"/>
+                <a:ea typeface="HY헤드라인M"/>
               </a:rPr>
               <a:t>HOW</a:t>
             </a:r>
-            <a:endParaRPr lang="ko-KR" altLang="en-US" sz="4400" dirty="0">
+            <a:endParaRPr lang="ko-KR" altLang="en-US" sz="4400">
               <a:solidFill>
                 <a:schemeClr val="accent1"/>
               </a:solidFill>
-              <a:latin typeface="HY헤드라인M" panose="02030600000101010101" pitchFamily="18" charset="-127"/>
-              <a:ea typeface="HY헤드라인M" panose="02030600000101010101" pitchFamily="18" charset="-127"/>
-            </a:endParaRPr>
-          </a:p>
-        </p:txBody>
-      </p:sp>
-      <p:sp>
-        <p:nvSpPr>
-          <p:cNvPr id="6" name="TextBox 5">
-            <a:extLst>
-              <a:ext uri="{FF2B5EF4-FFF2-40B4-BE49-F238E27FC236}">
-                <a16:creationId xmlns:a16="http://schemas.microsoft.com/office/drawing/2014/main" id="{30644E1A-CD8E-4E97-B44E-498BA04E0B37}"/>
-              </a:ext>
-            </a:extLst>
-          </p:cNvPr>
+              <a:latin typeface="HY헤드라인M"/>
+              <a:ea typeface="HY헤드라인M"/>
+            </a:endParaRPr>
+          </a:p>
+        </p:txBody>
+      </p:sp>
+      <p:sp>
+        <p:nvSpPr>
+          <p:cNvPr id="6" name="TextBox 5"/>
           <p:cNvSpPr txBox="1"/>
           <p:nvPr/>
         </p:nvSpPr>
@@ -8402,37 +8527,32 @@
           <a:noFill/>
         </p:spPr>
         <p:txBody>
-          <a:bodyPr wrap="none" rtlCol="0">
+          <a:bodyPr wrap="none">
             <a:spAutoFit/>
           </a:bodyPr>
           <a:lstStyle/>
           <a:p>
-            <a:r>
-              <a:rPr lang="en-US" altLang="ko-KR" dirty="0">
-                <a:latin typeface="HY헤드라인M" panose="02030600000101010101" pitchFamily="18" charset="-127"/>
-                <a:ea typeface="HY헤드라인M" panose="02030600000101010101" pitchFamily="18" charset="-127"/>
+            <a:pPr lvl="0">
+              <a:defRPr/>
+            </a:pPr>
+            <a:r>
+              <a:rPr lang="en-US" altLang="ko-KR">
+                <a:latin typeface="HY헤드라인M"/>
+                <a:ea typeface="HY헤드라인M"/>
               </a:rPr>
               <a:t>16/..</a:t>
             </a:r>
-            <a:endParaRPr lang="ko-KR" altLang="en-US" dirty="0">
-              <a:latin typeface="HY헤드라인M" panose="02030600000101010101" pitchFamily="18" charset="-127"/>
-              <a:ea typeface="HY헤드라인M" panose="02030600000101010101" pitchFamily="18" charset="-127"/>
+            <a:endParaRPr lang="ko-KR" altLang="en-US">
+              <a:latin typeface="HY헤드라인M"/>
+              <a:ea typeface="HY헤드라인M"/>
             </a:endParaRPr>
           </a:p>
         </p:txBody>
       </p:sp>
       <p:cxnSp>
         <p:nvCxnSpPr>
-          <p:cNvPr id="7" name="직선 연결선 6">
-            <a:extLst>
-              <a:ext uri="{FF2B5EF4-FFF2-40B4-BE49-F238E27FC236}">
-                <a16:creationId xmlns:a16="http://schemas.microsoft.com/office/drawing/2014/main" id="{1213C020-10BD-47FA-8004-EF392DA9F117}"/>
-              </a:ext>
-            </a:extLst>
-          </p:cNvPr>
-          <p:cNvCxnSpPr>
-            <a:cxnSpLocks/>
-          </p:cNvCxnSpPr>
+          <p:cNvPr id="7" name="직선 연결선 6"/>
+          <p:cNvCxnSpPr/>
           <p:nvPr/>
         </p:nvCxnSpPr>
         <p:spPr>
@@ -8466,13 +8586,7 @@
       </p:cxnSp>
       <p:sp>
         <p:nvSpPr>
-          <p:cNvPr id="8" name="타원 7">
-            <a:extLst>
-              <a:ext uri="{FF2B5EF4-FFF2-40B4-BE49-F238E27FC236}">
-                <a16:creationId xmlns:a16="http://schemas.microsoft.com/office/drawing/2014/main" id="{3C976926-F763-4126-8014-00223B85DB11}"/>
-              </a:ext>
-            </a:extLst>
-          </p:cNvPr>
+          <p:cNvPr id="8" name="타원 7"/>
           <p:cNvSpPr/>
           <p:nvPr/>
         </p:nvSpPr>
@@ -8512,23 +8626,19 @@
           </a:fontRef>
         </p:style>
         <p:txBody>
-          <a:bodyPr rtlCol="0" anchor="ctr"/>
-          <a:lstStyle/>
-          <a:p>
-            <a:pPr algn="ctr"/>
+          <a:bodyPr anchor="ctr"/>
+          <a:lstStyle/>
+          <a:p>
+            <a:pPr algn="ctr">
+              <a:defRPr/>
+            </a:pPr>
             <a:endParaRPr lang="ko-KR" altLang="en-US"/>
           </a:p>
         </p:txBody>
       </p:sp>
       <p:sp>
         <p:nvSpPr>
-          <p:cNvPr id="9" name="타원 8">
-            <a:extLst>
-              <a:ext uri="{FF2B5EF4-FFF2-40B4-BE49-F238E27FC236}">
-                <a16:creationId xmlns:a16="http://schemas.microsoft.com/office/drawing/2014/main" id="{C0210A40-3C1F-48BE-91EA-2E2CE97D5CA6}"/>
-              </a:ext>
-            </a:extLst>
-          </p:cNvPr>
+          <p:cNvPr id="9" name="타원 8"/>
           <p:cNvSpPr/>
           <p:nvPr/>
         </p:nvSpPr>
@@ -8568,23 +8678,19 @@
           </a:fontRef>
         </p:style>
         <p:txBody>
-          <a:bodyPr rtlCol="0" anchor="ctr"/>
-          <a:lstStyle/>
-          <a:p>
-            <a:pPr algn="ctr"/>
+          <a:bodyPr anchor="ctr"/>
+          <a:lstStyle/>
+          <a:p>
+            <a:pPr algn="ctr">
+              <a:defRPr/>
+            </a:pPr>
             <a:endParaRPr lang="ko-KR" altLang="en-US"/>
           </a:p>
         </p:txBody>
       </p:sp>
       <p:sp>
         <p:nvSpPr>
-          <p:cNvPr id="10" name="타원 9">
-            <a:extLst>
-              <a:ext uri="{FF2B5EF4-FFF2-40B4-BE49-F238E27FC236}">
-                <a16:creationId xmlns:a16="http://schemas.microsoft.com/office/drawing/2014/main" id="{CC07527E-5EA3-4461-8BF1-803AC48C5E9B}"/>
-              </a:ext>
-            </a:extLst>
-          </p:cNvPr>
+          <p:cNvPr id="10" name="타원 9"/>
           <p:cNvSpPr/>
           <p:nvPr/>
         </p:nvSpPr>
@@ -8597,7 +8703,7 @@
             <a:avLst/>
           </a:prstGeom>
           <a:solidFill>
-            <a:srgbClr val="FF0000">
+            <a:srgbClr val="ff0000">
               <a:alpha val="50000"/>
             </a:srgbClr>
           </a:solidFill>
@@ -8624,23 +8730,19 @@
           </a:fontRef>
         </p:style>
         <p:txBody>
-          <a:bodyPr rtlCol="0" anchor="ctr"/>
-          <a:lstStyle/>
-          <a:p>
-            <a:pPr algn="ctr"/>
+          <a:bodyPr anchor="ctr"/>
+          <a:lstStyle/>
+          <a:p>
+            <a:pPr algn="ctr">
+              <a:defRPr/>
+            </a:pPr>
             <a:endParaRPr lang="ko-KR" altLang="en-US"/>
           </a:p>
         </p:txBody>
       </p:sp>
       <p:sp>
         <p:nvSpPr>
-          <p:cNvPr id="12" name="TextBox 11">
-            <a:extLst>
-              <a:ext uri="{FF2B5EF4-FFF2-40B4-BE49-F238E27FC236}">
-                <a16:creationId xmlns:a16="http://schemas.microsoft.com/office/drawing/2014/main" id="{0A50CB3D-9C55-4EF2-9879-FD35B4F646F6}"/>
-              </a:ext>
-            </a:extLst>
-          </p:cNvPr>
+          <p:cNvPr id="12" name="TextBox 11"/>
           <p:cNvSpPr txBox="1"/>
           <p:nvPr/>
         </p:nvSpPr>
@@ -8655,45 +8757,47 @@
           <a:noFill/>
         </p:spPr>
         <p:txBody>
-          <a:bodyPr wrap="square" rtlCol="0">
+          <a:bodyPr wrap="square">
             <a:spAutoFit/>
           </a:bodyPr>
           <a:lstStyle/>
           <a:p>
-            <a:pPr algn="ctr"/>
-            <a:r>
-              <a:rPr lang="ko-KR" altLang="en-US" dirty="0">
-                <a:latin typeface="HY견고딕" panose="02030600000101010101" pitchFamily="18" charset="-127"/>
-                <a:ea typeface="HY견고딕" panose="02030600000101010101" pitchFamily="18" charset="-127"/>
+            <a:pPr algn="ctr">
+              <a:defRPr/>
+            </a:pPr>
+            <a:r>
+              <a:rPr lang="ko-KR" altLang="en-US">
+                <a:latin typeface="HY견고딕"/>
+                <a:ea typeface="HY견고딕"/>
               </a:rPr>
               <a:t>클라이언트</a:t>
             </a:r>
-            <a:endParaRPr lang="en-US" altLang="ko-KR" dirty="0">
-              <a:latin typeface="HY견고딕" panose="02030600000101010101" pitchFamily="18" charset="-127"/>
-              <a:ea typeface="HY견고딕" panose="02030600000101010101" pitchFamily="18" charset="-127"/>
-            </a:endParaRPr>
-          </a:p>
-          <a:p>
-            <a:pPr algn="ctr"/>
-            <a:r>
-              <a:rPr lang="ko-KR" altLang="en-US" dirty="0">
-                <a:latin typeface="HY견고딕" panose="02030600000101010101" pitchFamily="18" charset="-127"/>
-                <a:ea typeface="HY견고딕" panose="02030600000101010101" pitchFamily="18" charset="-127"/>
+            <a:endParaRPr lang="ko-KR" altLang="en-US">
+              <a:latin typeface="HY견고딕"/>
+              <a:ea typeface="HY견고딕"/>
+            </a:endParaRPr>
+          </a:p>
+          <a:p>
+            <a:pPr algn="ctr">
+              <a:defRPr/>
+            </a:pPr>
+            <a:r>
+              <a:rPr lang="ko-KR" altLang="en-US">
+                <a:latin typeface="HY견고딕"/>
+                <a:ea typeface="HY견고딕"/>
               </a:rPr>
               <a:t>하우징 및 메인 컨텐츠 구현</a:t>
             </a:r>
-          </a:p>
-        </p:txBody>
-      </p:sp>
-      <p:sp>
-        <p:nvSpPr>
-          <p:cNvPr id="13" name="TextBox 12">
-            <a:extLst>
-              <a:ext uri="{FF2B5EF4-FFF2-40B4-BE49-F238E27FC236}">
-                <a16:creationId xmlns:a16="http://schemas.microsoft.com/office/drawing/2014/main" id="{E042F343-05D8-4A31-A936-F555E046A184}"/>
-              </a:ext>
-            </a:extLst>
-          </p:cNvPr>
+            <a:endParaRPr lang="ko-KR" altLang="en-US">
+              <a:latin typeface="HY견고딕"/>
+              <a:ea typeface="HY견고딕"/>
+            </a:endParaRPr>
+          </a:p>
+        </p:txBody>
+      </p:sp>
+      <p:sp>
+        <p:nvSpPr>
+          <p:cNvPr id="13" name="TextBox 12"/>
           <p:cNvSpPr txBox="1"/>
           <p:nvPr/>
         </p:nvSpPr>
@@ -8708,73 +8812,77 @@
           <a:noFill/>
         </p:spPr>
         <p:txBody>
-          <a:bodyPr wrap="square" rtlCol="0">
+          <a:bodyPr wrap="square">
             <a:spAutoFit/>
           </a:bodyPr>
           <a:lstStyle/>
           <a:p>
-            <a:pPr algn="ctr"/>
-            <a:r>
-              <a:rPr lang="ko-KR" altLang="en-US" dirty="0">
-                <a:latin typeface="HY견고딕" panose="02030600000101010101" pitchFamily="18" charset="-127"/>
-                <a:ea typeface="HY견고딕" panose="02030600000101010101" pitchFamily="18" charset="-127"/>
+            <a:pPr algn="ctr">
+              <a:defRPr/>
+            </a:pPr>
+            <a:r>
+              <a:rPr lang="ko-KR" altLang="en-US">
+                <a:latin typeface="HY견고딕"/>
+                <a:ea typeface="HY견고딕"/>
               </a:rPr>
               <a:t>클라이언트 </a:t>
             </a:r>
             <a:r>
-              <a:rPr lang="en-US" altLang="ko-KR" dirty="0">
-                <a:latin typeface="HY견고딕" panose="02030600000101010101" pitchFamily="18" charset="-127"/>
-                <a:ea typeface="HY견고딕" panose="02030600000101010101" pitchFamily="18" charset="-127"/>
+              <a:rPr lang="en-US" altLang="ko-KR">
+                <a:latin typeface="HY견고딕"/>
+                <a:ea typeface="HY견고딕"/>
               </a:rPr>
               <a:t>&amp; </a:t>
             </a:r>
             <a:r>
-              <a:rPr lang="ko-KR" altLang="en-US" dirty="0">
-                <a:latin typeface="HY견고딕" panose="02030600000101010101" pitchFamily="18" charset="-127"/>
-                <a:ea typeface="HY견고딕" panose="02030600000101010101" pitchFamily="18" charset="-127"/>
+              <a:rPr lang="ko-KR" altLang="en-US">
+                <a:latin typeface="HY견고딕"/>
+                <a:ea typeface="HY견고딕"/>
               </a:rPr>
               <a:t>서버</a:t>
             </a:r>
-            <a:endParaRPr lang="en-US" altLang="ko-KR" dirty="0">
-              <a:latin typeface="HY견고딕" panose="02030600000101010101" pitchFamily="18" charset="-127"/>
-              <a:ea typeface="HY견고딕" panose="02030600000101010101" pitchFamily="18" charset="-127"/>
-            </a:endParaRPr>
-          </a:p>
-          <a:p>
-            <a:pPr algn="ctr"/>
-            <a:r>
-              <a:rPr lang="ko-KR" altLang="en-US" dirty="0">
-                <a:latin typeface="HY견고딕" panose="02030600000101010101" pitchFamily="18" charset="-127"/>
-                <a:ea typeface="HY견고딕" panose="02030600000101010101" pitchFamily="18" charset="-127"/>
+            <a:endParaRPr lang="ko-KR" altLang="en-US">
+              <a:latin typeface="HY견고딕"/>
+              <a:ea typeface="HY견고딕"/>
+            </a:endParaRPr>
+          </a:p>
+          <a:p>
+            <a:pPr algn="ctr">
+              <a:defRPr/>
+            </a:pPr>
+            <a:r>
+              <a:rPr lang="ko-KR" altLang="en-US">
+                <a:latin typeface="HY견고딕"/>
+                <a:ea typeface="HY견고딕"/>
               </a:rPr>
               <a:t>메인 프레임워크 제작</a:t>
             </a:r>
-            <a:endParaRPr lang="en-US" altLang="ko-KR" dirty="0">
-              <a:latin typeface="HY견고딕" panose="02030600000101010101" pitchFamily="18" charset="-127"/>
-              <a:ea typeface="HY견고딕" panose="02030600000101010101" pitchFamily="18" charset="-127"/>
-            </a:endParaRPr>
-          </a:p>
-          <a:p>
-            <a:pPr algn="ctr"/>
-            <a:r>
-              <a:rPr lang="ko-KR" altLang="en-US" dirty="0">
-                <a:latin typeface="HY견고딕" panose="02030600000101010101" pitchFamily="18" charset="-127"/>
-                <a:ea typeface="HY견고딕" panose="02030600000101010101" pitchFamily="18" charset="-127"/>
+            <a:endParaRPr lang="ko-KR" altLang="en-US">
+              <a:latin typeface="HY견고딕"/>
+              <a:ea typeface="HY견고딕"/>
+            </a:endParaRPr>
+          </a:p>
+          <a:p>
+            <a:pPr algn="ctr">
+              <a:defRPr/>
+            </a:pPr>
+            <a:r>
+              <a:rPr lang="ko-KR" altLang="en-US">
+                <a:latin typeface="HY견고딕"/>
+                <a:ea typeface="HY견고딕"/>
               </a:rPr>
               <a:t>클라이언트 컨텐츠 구현</a:t>
             </a:r>
-          </a:p>
-        </p:txBody>
-      </p:sp>
-      <p:sp>
-        <p:nvSpPr>
-          <p:cNvPr id="14" name="TextBox 13">
-            <a:extLst>
-              <a:ext uri="{FF2B5EF4-FFF2-40B4-BE49-F238E27FC236}">
-                <a16:creationId xmlns:a16="http://schemas.microsoft.com/office/drawing/2014/main" id="{8FE4A3BD-EF11-4286-A5C8-7A111A8409EB}"/>
-              </a:ext>
-            </a:extLst>
-          </p:cNvPr>
+            <a:endParaRPr lang="ko-KR" altLang="en-US">
+              <a:latin typeface="HY견고딕"/>
+              <a:ea typeface="HY견고딕"/>
+            </a:endParaRPr>
+          </a:p>
+        </p:txBody>
+      </p:sp>
+      <p:sp>
+        <p:nvSpPr>
+          <p:cNvPr id="14" name="TextBox 13"/>
           <p:cNvSpPr txBox="1"/>
           <p:nvPr/>
         </p:nvSpPr>
@@ -8789,73 +8897,84 @@
           <a:noFill/>
         </p:spPr>
         <p:txBody>
-          <a:bodyPr wrap="square" rtlCol="0">
+          <a:bodyPr wrap="square">
             <a:spAutoFit/>
           </a:bodyPr>
           <a:lstStyle/>
           <a:p>
-            <a:r>
-              <a:rPr lang="ko-KR" altLang="en-US" dirty="0" err="1">
-                <a:latin typeface="HY견고딕" panose="02030600000101010101" pitchFamily="18" charset="-127"/>
-                <a:ea typeface="HY견고딕" panose="02030600000101010101" pitchFamily="18" charset="-127"/>
+            <a:pPr lvl="0">
+              <a:defRPr/>
+            </a:pPr>
+            <a:r>
+              <a:rPr lang="ko-KR" altLang="en-US">
+                <a:latin typeface="HY견고딕"/>
+                <a:ea typeface="HY견고딕"/>
               </a:rPr>
               <a:t>쉐이더</a:t>
             </a:r>
             <a:r>
-              <a:rPr lang="en-US" altLang="ko-KR" dirty="0">
-                <a:latin typeface="HY견고딕" panose="02030600000101010101" pitchFamily="18" charset="-127"/>
-                <a:ea typeface="HY견고딕" panose="02030600000101010101" pitchFamily="18" charset="-127"/>
+              <a:rPr lang="en-US" altLang="ko-KR">
+                <a:latin typeface="HY견고딕"/>
+                <a:ea typeface="HY견고딕"/>
               </a:rPr>
               <a:t>,</a:t>
             </a:r>
-          </a:p>
-          <a:p>
-            <a:r>
-              <a:rPr lang="en-US" altLang="ko-KR" dirty="0">
-                <a:latin typeface="HY견고딕" panose="02030600000101010101" pitchFamily="18" charset="-127"/>
-                <a:ea typeface="HY견고딕" panose="02030600000101010101" pitchFamily="18" charset="-127"/>
+            <a:endParaRPr lang="en-US" altLang="ko-KR">
+              <a:latin typeface="HY견고딕"/>
+              <a:ea typeface="HY견고딕"/>
+            </a:endParaRPr>
+          </a:p>
+          <a:p>
+            <a:pPr lvl="0">
+              <a:defRPr/>
+            </a:pPr>
+            <a:r>
+              <a:rPr lang="en-US" altLang="ko-KR">
+                <a:latin typeface="HY견고딕"/>
+                <a:ea typeface="HY견고딕"/>
               </a:rPr>
               <a:t>  </a:t>
             </a:r>
             <a:r>
-              <a:rPr lang="ko-KR" altLang="en-US" dirty="0">
-                <a:latin typeface="HY견고딕" panose="02030600000101010101" pitchFamily="18" charset="-127"/>
-                <a:ea typeface="HY견고딕" panose="02030600000101010101" pitchFamily="18" charset="-127"/>
+              <a:rPr lang="ko-KR" altLang="en-US">
+                <a:latin typeface="HY견고딕"/>
+                <a:ea typeface="HY견고딕"/>
               </a:rPr>
               <a:t>그림자</a:t>
             </a:r>
-            <a:endParaRPr lang="en-US" altLang="ko-KR" dirty="0">
-              <a:latin typeface="HY견고딕" panose="02030600000101010101" pitchFamily="18" charset="-127"/>
-              <a:ea typeface="HY견고딕" panose="02030600000101010101" pitchFamily="18" charset="-127"/>
-            </a:endParaRPr>
-          </a:p>
-          <a:p>
-            <a:r>
-              <a:rPr lang="en-US" altLang="ko-KR" dirty="0">
-                <a:latin typeface="HY견고딕" panose="02030600000101010101" pitchFamily="18" charset="-127"/>
-                <a:ea typeface="HY견고딕" panose="02030600000101010101" pitchFamily="18" charset="-127"/>
+            <a:endParaRPr lang="ko-KR" altLang="en-US">
+              <a:latin typeface="HY견고딕"/>
+              <a:ea typeface="HY견고딕"/>
+            </a:endParaRPr>
+          </a:p>
+          <a:p>
+            <a:pPr lvl="0">
+              <a:defRPr/>
+            </a:pPr>
+            <a:r>
+              <a:rPr lang="en-US" altLang="ko-KR">
+                <a:latin typeface="HY견고딕"/>
+                <a:ea typeface="HY견고딕"/>
               </a:rPr>
               <a:t>     </a:t>
             </a:r>
             <a:r>
-              <a:rPr lang="ko-KR" altLang="en-US" dirty="0">
-                <a:latin typeface="HY견고딕" panose="02030600000101010101" pitchFamily="18" charset="-127"/>
-                <a:ea typeface="HY견고딕" panose="02030600000101010101" pitchFamily="18" charset="-127"/>
+              <a:rPr lang="ko-KR" altLang="en-US">
+                <a:latin typeface="HY견고딕"/>
+                <a:ea typeface="HY견고딕"/>
               </a:rPr>
               <a:t>등등</a:t>
             </a:r>
-          </a:p>
-        </p:txBody>
-      </p:sp>
-      <p:sp>
-        <p:nvSpPr>
-          <p:cNvPr id="15" name="TextBox 14">
-            <a:extLst>
-              <a:ext uri="{FF2B5EF4-FFF2-40B4-BE49-F238E27FC236}">
-                <a16:creationId xmlns:a16="http://schemas.microsoft.com/office/drawing/2014/main" id="{A1062DB6-E206-456D-A7F2-1D7DC0417A2F}"/>
-              </a:ext>
-            </a:extLst>
-          </p:cNvPr>
+            <a:endParaRPr lang="ko-KR" altLang="en-US">
+              <a:latin typeface="HY견고딕"/>
+              <a:ea typeface="HY견고딕"/>
+            </a:endParaRPr>
+          </a:p>
+        </p:txBody>
+      </p:sp>
+      <p:sp>
+        <p:nvSpPr>
+          <p:cNvPr id="15" name="TextBox 14"/>
           <p:cNvSpPr txBox="1"/>
           <p:nvPr/>
         </p:nvSpPr>
@@ -8870,50 +8989,54 @@
           <a:noFill/>
         </p:spPr>
         <p:txBody>
-          <a:bodyPr wrap="square" rtlCol="0">
+          <a:bodyPr wrap="square">
             <a:spAutoFit/>
           </a:bodyPr>
           <a:lstStyle/>
           <a:p>
-            <a:r>
-              <a:rPr lang="ko-KR" altLang="en-US" dirty="0">
-                <a:latin typeface="HY견고딕" panose="02030600000101010101" pitchFamily="18" charset="-127"/>
-                <a:ea typeface="HY견고딕" panose="02030600000101010101" pitchFamily="18" charset="-127"/>
+            <a:pPr lvl="0">
+              <a:defRPr/>
+            </a:pPr>
+            <a:r>
+              <a:rPr lang="ko-KR" altLang="en-US">
+                <a:latin typeface="HY견고딕"/>
+                <a:ea typeface="HY견고딕"/>
               </a:rPr>
               <a:t>서버 연결</a:t>
             </a:r>
-            <a:endParaRPr lang="en-US" altLang="ko-KR" dirty="0">
-              <a:latin typeface="HY견고딕" panose="02030600000101010101" pitchFamily="18" charset="-127"/>
-              <a:ea typeface="HY견고딕" panose="02030600000101010101" pitchFamily="18" charset="-127"/>
-            </a:endParaRPr>
-          </a:p>
-          <a:p>
-            <a:r>
-              <a:rPr lang="ko-KR" altLang="en-US" dirty="0">
-                <a:latin typeface="HY견고딕" panose="02030600000101010101" pitchFamily="18" charset="-127"/>
-                <a:ea typeface="HY견고딕" panose="02030600000101010101" pitchFamily="18" charset="-127"/>
+            <a:endParaRPr lang="ko-KR" altLang="en-US">
+              <a:latin typeface="HY견고딕"/>
+              <a:ea typeface="HY견고딕"/>
+            </a:endParaRPr>
+          </a:p>
+          <a:p>
+            <a:pPr lvl="0">
+              <a:defRPr/>
+            </a:pPr>
+            <a:r>
+              <a:rPr lang="ko-KR" altLang="en-US">
+                <a:latin typeface="HY견고딕"/>
+                <a:ea typeface="HY견고딕"/>
               </a:rPr>
               <a:t> 등</a:t>
             </a:r>
-          </a:p>
-        </p:txBody>
-      </p:sp>
-      <p:sp>
-        <p:nvSpPr>
-          <p:cNvPr id="16" name="TextBox 15">
-            <a:extLst>
-              <a:ext uri="{FF2B5EF4-FFF2-40B4-BE49-F238E27FC236}">
-                <a16:creationId xmlns:a16="http://schemas.microsoft.com/office/drawing/2014/main" id="{F9D25498-125C-4724-8EDA-AF5D53FFEAE4}"/>
-              </a:ext>
-            </a:extLst>
-          </p:cNvPr>
+            <a:endParaRPr lang="ko-KR" altLang="en-US">
+              <a:latin typeface="HY견고딕"/>
+              <a:ea typeface="HY견고딕"/>
+            </a:endParaRPr>
+          </a:p>
+        </p:txBody>
+      </p:sp>
+      <p:sp>
+        <p:nvSpPr>
+          <p:cNvPr id="16" name="TextBox 15"/>
           <p:cNvSpPr txBox="1"/>
           <p:nvPr/>
         </p:nvSpPr>
         <p:spPr>
           <a:xfrm>
             <a:off x="6148509" y="4660747"/>
-            <a:ext cx="3108960" cy="646331"/>
+            <a:ext cx="3108960" cy="909472"/>
           </a:xfrm>
           <a:prstGeom prst="rect">
             <a:avLst/>
@@ -8921,52 +9044,63 @@
           <a:noFill/>
         </p:spPr>
         <p:txBody>
-          <a:bodyPr wrap="square" rtlCol="0">
+          <a:bodyPr wrap="square">
             <a:spAutoFit/>
           </a:bodyPr>
           <a:lstStyle/>
           <a:p>
-            <a:pPr algn="ctr"/>
-            <a:r>
-              <a:rPr lang="ko-KR" altLang="en-US" dirty="0">
-                <a:latin typeface="HY견고딕" panose="02030600000101010101" pitchFamily="18" charset="-127"/>
-                <a:ea typeface="HY견고딕" panose="02030600000101010101" pitchFamily="18" charset="-127"/>
-              </a:rPr>
-              <a:t>서버</a:t>
-            </a:r>
-            <a:endParaRPr lang="en-US" altLang="ko-KR" dirty="0">
-              <a:latin typeface="HY견고딕" panose="02030600000101010101" pitchFamily="18" charset="-127"/>
-              <a:ea typeface="HY견고딕" panose="02030600000101010101" pitchFamily="18" charset="-127"/>
-            </a:endParaRPr>
-          </a:p>
-          <a:p>
-            <a:pPr algn="ctr"/>
-            <a:r>
-              <a:rPr lang="en-US" altLang="ko-KR" dirty="0">
-                <a:latin typeface="HY견고딕" panose="02030600000101010101" pitchFamily="18" charset="-127"/>
-                <a:ea typeface="HY견고딕" panose="02030600000101010101" pitchFamily="18" charset="-127"/>
+            <a:pPr algn="ctr">
+              <a:defRPr/>
+            </a:pPr>
+            <a:r>
+              <a:rPr lang="en-US" altLang="ko-KR">
+                <a:latin typeface="HY견고딕"/>
+                <a:ea typeface="HY견고딕"/>
               </a:rPr>
               <a:t>IOCP </a:t>
             </a:r>
             <a:r>
-              <a:rPr lang="ko-KR" altLang="en-US" dirty="0">
-                <a:latin typeface="HY견고딕" panose="02030600000101010101" pitchFamily="18" charset="-127"/>
-                <a:ea typeface="HY견고딕" panose="02030600000101010101" pitchFamily="18" charset="-127"/>
+              <a:rPr lang="ko-KR" altLang="en-US">
+                <a:latin typeface="HY견고딕"/>
+                <a:ea typeface="HY견고딕"/>
               </a:rPr>
               <a:t>다중 접속 서버 구현</a:t>
             </a:r>
-          </a:p>
-        </p:txBody>
-      </p:sp>
-      <p:sp>
-        <p:nvSpPr>
-          <p:cNvPr id="17" name="TextBox 16">
-            <a:extLst>
-              <a:ext uri="{FF2B5EF4-FFF2-40B4-BE49-F238E27FC236}">
-                <a16:creationId xmlns:a16="http://schemas.microsoft.com/office/drawing/2014/main" id="{95081DE3-2FFC-4318-AF3A-3D7217FD522F}"/>
-              </a:ext>
-            </a:extLst>
-          </p:cNvPr>
+            <a:endParaRPr lang="ko-KR" altLang="en-US">
+              <a:latin typeface="HY견고딕"/>
+              <a:ea typeface="HY견고딕"/>
+            </a:endParaRPr>
+          </a:p>
+          <a:p>
+            <a:pPr algn="ctr">
+              <a:defRPr/>
+            </a:pPr>
+            <a:endParaRPr lang="ko-KR" altLang="en-US">
+              <a:latin typeface="HY견고딕"/>
+              <a:ea typeface="HY견고딕"/>
+            </a:endParaRPr>
+          </a:p>
+          <a:p>
+            <a:pPr algn="ctr">
+              <a:defRPr/>
+            </a:pPr>
+            <a:r>
+              <a:rPr lang="ko-KR" altLang="en-US">
+                <a:latin typeface="HY견고딕"/>
+                <a:ea typeface="HY견고딕"/>
+              </a:rPr>
+              <a:t>서버 프레임워크 제작</a:t>
+            </a:r>
+            <a:endParaRPr lang="ko-KR" altLang="en-US">
+              <a:latin typeface="HY견고딕"/>
+              <a:ea typeface="HY견고딕"/>
+            </a:endParaRPr>
+          </a:p>
+        </p:txBody>
+      </p:sp>
+      <p:sp>
+        <p:nvSpPr>
+          <p:cNvPr id="17" name="TextBox 16"/>
           <p:cNvSpPr txBox="1"/>
           <p:nvPr/>
         </p:nvSpPr>
@@ -8981,30 +9115,31 @@
           <a:noFill/>
         </p:spPr>
         <p:txBody>
-          <a:bodyPr wrap="square" rtlCol="0">
+          <a:bodyPr wrap="square">
             <a:spAutoFit/>
           </a:bodyPr>
           <a:lstStyle/>
           <a:p>
-            <a:r>
-              <a:rPr lang="ko-KR" altLang="en-US" sz="2000" dirty="0">
-                <a:latin typeface="HY헤드라인M" panose="02030600000101010101" pitchFamily="18" charset="-127"/>
-                <a:ea typeface="HY헤드라인M" panose="02030600000101010101" pitchFamily="18" charset="-127"/>
+            <a:pPr lvl="0">
+              <a:defRPr/>
+            </a:pPr>
+            <a:r>
+              <a:rPr lang="ko-KR" altLang="en-US" sz="2000">
+                <a:latin typeface="HY헤드라인M"/>
+                <a:ea typeface="HY헤드라인M"/>
               </a:rPr>
               <a:t>이동규</a:t>
             </a:r>
-          </a:p>
-        </p:txBody>
-      </p:sp>
-      <p:sp>
-        <p:nvSpPr>
-          <p:cNvPr id="19" name="TextBox 18">
-            <a:extLst>
-              <a:ext uri="{FF2B5EF4-FFF2-40B4-BE49-F238E27FC236}">
-                <a16:creationId xmlns:a16="http://schemas.microsoft.com/office/drawing/2014/main" id="{3ABAF4C3-D1E0-49B4-BACD-6E9FBC57DB77}"/>
-              </a:ext>
-            </a:extLst>
-          </p:cNvPr>
+            <a:endParaRPr lang="ko-KR" altLang="en-US" sz="2000">
+              <a:latin typeface="HY헤드라인M"/>
+              <a:ea typeface="HY헤드라인M"/>
+            </a:endParaRPr>
+          </a:p>
+        </p:txBody>
+      </p:sp>
+      <p:sp>
+        <p:nvSpPr>
+          <p:cNvPr id="19" name="TextBox 18"/>
           <p:cNvSpPr txBox="1"/>
           <p:nvPr/>
         </p:nvSpPr>
@@ -9019,34 +9154,31 @@
           <a:noFill/>
         </p:spPr>
         <p:txBody>
-          <a:bodyPr wrap="square" rtlCol="0">
+          <a:bodyPr wrap="square">
             <a:spAutoFit/>
           </a:bodyPr>
           <a:lstStyle/>
           <a:p>
+            <a:pPr lvl="0">
+              <a:defRPr/>
+            </a:pPr>
             <a:r>
               <a:rPr lang="ko-KR" altLang="en-US" sz="2000">
-                <a:latin typeface="HY헤드라인M" panose="02030600000101010101" pitchFamily="18" charset="-127"/>
-                <a:ea typeface="HY헤드라인M" panose="02030600000101010101" pitchFamily="18" charset="-127"/>
+                <a:latin typeface="HY헤드라인M"/>
+                <a:ea typeface="HY헤드라인M"/>
               </a:rPr>
               <a:t>김하윤</a:t>
             </a:r>
-            <a:endParaRPr lang="ko-KR" altLang="en-US" sz="2000" dirty="0">
-              <a:latin typeface="HY헤드라인M" panose="02030600000101010101" pitchFamily="18" charset="-127"/>
-              <a:ea typeface="HY헤드라인M" panose="02030600000101010101" pitchFamily="18" charset="-127"/>
-            </a:endParaRPr>
-          </a:p>
-        </p:txBody>
-      </p:sp>
-      <p:sp>
-        <p:nvSpPr>
-          <p:cNvPr id="20" name="TextBox 19">
-            <a:extLst>
-              <a:ext uri="{FF2B5EF4-FFF2-40B4-BE49-F238E27FC236}">
-                <a16:creationId xmlns:a16="http://schemas.microsoft.com/office/drawing/2014/main" id="{D4C5D1FD-36E0-4071-A82E-3E40F7BEE457}"/>
-              </a:ext>
-            </a:extLst>
-          </p:cNvPr>
+            <a:endParaRPr lang="ko-KR" altLang="en-US" sz="2000">
+              <a:latin typeface="HY헤드라인M"/>
+              <a:ea typeface="HY헤드라인M"/>
+            </a:endParaRPr>
+          </a:p>
+        </p:txBody>
+      </p:sp>
+      <p:sp>
+        <p:nvSpPr>
+          <p:cNvPr id="20" name="TextBox 19"/>
           <p:cNvSpPr txBox="1"/>
           <p:nvPr/>
         </p:nvSpPr>
@@ -9061,35 +9193,41 @@
           <a:noFill/>
         </p:spPr>
         <p:txBody>
-          <a:bodyPr wrap="square" rtlCol="0">
+          <a:bodyPr wrap="square">
             <a:spAutoFit/>
           </a:bodyPr>
           <a:lstStyle/>
           <a:p>
-            <a:r>
-              <a:rPr lang="ko-KR" altLang="en-US" sz="2000" dirty="0" err="1">
-                <a:latin typeface="HY헤드라인M" panose="02030600000101010101" pitchFamily="18" charset="-127"/>
-                <a:ea typeface="HY헤드라인M" panose="02030600000101010101" pitchFamily="18" charset="-127"/>
+            <a:pPr lvl="0">
+              <a:defRPr/>
+            </a:pPr>
+            <a:r>
+              <a:rPr lang="ko-KR" altLang="en-US" sz="2000">
+                <a:latin typeface="HY헤드라인M"/>
+                <a:ea typeface="HY헤드라인M"/>
               </a:rPr>
               <a:t>이득유</a:t>
             </a:r>
-            <a:endParaRPr lang="ko-KR" altLang="en-US" sz="2000" dirty="0">
-              <a:latin typeface="HY헤드라인M" panose="02030600000101010101" pitchFamily="18" charset="-127"/>
-              <a:ea typeface="HY헤드라인M" panose="02030600000101010101" pitchFamily="18" charset="-127"/>
+            <a:endParaRPr lang="ko-KR" altLang="en-US" sz="2000">
+              <a:latin typeface="HY헤드라인M"/>
+              <a:ea typeface="HY헤드라인M"/>
             </a:endParaRPr>
           </a:p>
         </p:txBody>
       </p:sp>
     </p:spTree>
-    <p:extLst>
-      <p:ext uri="{BB962C8B-B14F-4D97-AF65-F5344CB8AC3E}">
-        <p14:creationId xmlns:p14="http://schemas.microsoft.com/office/powerpoint/2010/main" val="826654576"/>
-      </p:ext>
-    </p:extLst>
   </p:cSld>
   <p:clrMapOvr>
     <a:masterClrMapping/>
   </p:clrMapOvr>
+  <mc:AlternateContent xmlns:mc="http://schemas.openxmlformats.org/markup-compatibility/2006">
+    <mc:Choice xmlns:p14="http://schemas.microsoft.com/office/powerpoint/2010/main" Requires="p14">
+      <p:transition xmlns:mc="http://schemas.openxmlformats.org/markup-compatibility/2006" xmlns:p14="http://schemas.microsoft.com/office/powerpoint/2010/main" mc:Ignorable="p14" p14:dur="500"/>
+    </mc:Choice>
+    <mc:Fallback>
+      <p:transition/>
+    </mc:Fallback>
+  </mc:AlternateContent>
 </p:sld>
 </file>
 
@@ -15680,44 +15818,44 @@
 </file>
 
 <file path=ppt/theme/theme1.xml><?xml version="1.0" encoding="utf-8"?>
-<a:theme xmlns:a="http://schemas.openxmlformats.org/drawingml/2006/main" name="Office 테마">
+<a:theme xmlns:r="http://schemas.openxmlformats.org/officeDocument/2006/relationships" xmlns:c="http://schemas.openxmlformats.org/drawingml/2006/chart" xmlns:dgm="http://schemas.openxmlformats.org/drawingml/2006/diagram" xmlns:dsp="http://schemas.microsoft.com/office/drawing/2008/diagram" xmlns:a="http://schemas.openxmlformats.org/drawingml/2006/main" xmlns:pic="http://schemas.openxmlformats.org/drawingml/2006/picture" xmlns:wp="http://schemas.openxmlformats.org/drawingml/2006/wordprocessingDrawing" xmlns:xdr="http://schemas.openxmlformats.org/drawingml/2006/spreadsheetDrawing" xmlns:lc="http://schemas.openxmlformats.org/drawingml/2006/lockedCanvas" xmlns:p="http://schemas.openxmlformats.org/presentationml/2006/main" name="Office 테마">
   <a:themeElements>
     <a:clrScheme name="Office">
       <a:dk1>
         <a:sysClr val="windowText" lastClr="000000"/>
       </a:dk1>
       <a:lt1>
-        <a:sysClr val="window" lastClr="FFFFFF"/>
+        <a:sysClr val="window" lastClr="ffffff"/>
       </a:lt1>
       <a:dk2>
-        <a:srgbClr val="44546A"/>
+        <a:srgbClr val="44546a"/>
       </a:dk2>
       <a:lt2>
-        <a:srgbClr val="E7E6E6"/>
+        <a:srgbClr val="e7e6e6"/>
       </a:lt2>
       <a:accent1>
-        <a:srgbClr val="4472C4"/>
+        <a:srgbClr val="4472c4"/>
       </a:accent1>
       <a:accent2>
-        <a:srgbClr val="ED7D31"/>
+        <a:srgbClr val="ed7d31"/>
       </a:accent2>
       <a:accent3>
-        <a:srgbClr val="A5A5A5"/>
+        <a:srgbClr val="a5a5a5"/>
       </a:accent3>
       <a:accent4>
-        <a:srgbClr val="FFC000"/>
+        <a:srgbClr val="ffc000"/>
       </a:accent4>
       <a:accent5>
-        <a:srgbClr val="5B9BD5"/>
+        <a:srgbClr val="5b9bd5"/>
       </a:accent5>
       <a:accent6>
-        <a:srgbClr val="70AD47"/>
+        <a:srgbClr val="70ad47"/>
       </a:accent6>
       <a:hlink>
-        <a:srgbClr val="0563C1"/>
+        <a:srgbClr val="0563c1"/>
       </a:hlink>
       <a:folHlink>
-        <a:srgbClr val="954F72"/>
+        <a:srgbClr val="954f72"/>
       </a:folHlink>
     </a:clrScheme>
     <a:fontScheme name="Office">
@@ -15964,50 +16102,48 @@
       </a:bgFillStyleLst>
     </a:fmtScheme>
   </a:themeElements>
-  <a:objectDefaults/>
-  <a:extraClrSchemeLst/>
 </a:theme>
 </file>
 
 <file path=ppt/theme/theme2.xml><?xml version="1.0" encoding="utf-8"?>
-<a:theme xmlns:a="http://schemas.openxmlformats.org/drawingml/2006/main" name="Office 테마">
+<a:theme xmlns:r="http://schemas.openxmlformats.org/officeDocument/2006/relationships" xmlns:c="http://schemas.openxmlformats.org/drawingml/2006/chart" xmlns:dgm="http://schemas.openxmlformats.org/drawingml/2006/diagram" xmlns:dsp="http://schemas.microsoft.com/office/drawing/2008/diagram" xmlns:a="http://schemas.openxmlformats.org/drawingml/2006/main" xmlns:pic="http://schemas.openxmlformats.org/drawingml/2006/picture" xmlns:wp="http://schemas.openxmlformats.org/drawingml/2006/wordprocessingDrawing" xmlns:xdr="http://schemas.openxmlformats.org/drawingml/2006/spreadsheetDrawing" xmlns:lc="http://schemas.openxmlformats.org/drawingml/2006/lockedCanvas" xmlns:p="http://schemas.openxmlformats.org/presentationml/2006/main" name="Office 테마">
   <a:themeElements>
     <a:clrScheme name="Office">
       <a:dk1>
         <a:sysClr val="windowText" lastClr="000000"/>
       </a:dk1>
       <a:lt1>
-        <a:sysClr val="window" lastClr="FFFFFF"/>
+        <a:sysClr val="window" lastClr="ffffff"/>
       </a:lt1>
       <a:dk2>
-        <a:srgbClr val="44546A"/>
+        <a:srgbClr val="44546a"/>
       </a:dk2>
       <a:lt2>
-        <a:srgbClr val="E7E6E6"/>
+        <a:srgbClr val="e7e6e6"/>
       </a:lt2>
       <a:accent1>
-        <a:srgbClr val="4472C4"/>
+        <a:srgbClr val="4472c4"/>
       </a:accent1>
       <a:accent2>
-        <a:srgbClr val="ED7D31"/>
+        <a:srgbClr val="ed7d31"/>
       </a:accent2>
       <a:accent3>
-        <a:srgbClr val="A5A5A5"/>
+        <a:srgbClr val="a5a5a5"/>
       </a:accent3>
       <a:accent4>
-        <a:srgbClr val="FFC000"/>
+        <a:srgbClr val="ffc000"/>
       </a:accent4>
       <a:accent5>
-        <a:srgbClr val="5B9BD5"/>
+        <a:srgbClr val="5b9bd5"/>
       </a:accent5>
       <a:accent6>
-        <a:srgbClr val="70AD47"/>
+        <a:srgbClr val="70ad47"/>
       </a:accent6>
       <a:hlink>
-        <a:srgbClr val="0563C1"/>
+        <a:srgbClr val="0563c1"/>
       </a:hlink>
       <a:folHlink>
-        <a:srgbClr val="954F72"/>
+        <a:srgbClr val="954f72"/>
       </a:folHlink>
     </a:clrScheme>
     <a:fontScheme name="Office">
@@ -16254,7 +16390,5 @@
       </a:bgFillStyleLst>
     </a:fmtScheme>
   </a:themeElements>
-  <a:objectDefaults/>
-  <a:extraClrSchemeLst/>
 </a:theme>
 </file>
--- a/문서/졸업작품 게임 기획서 초안.pptx
+++ b/문서/졸업작품 게임 기획서 초안.pptx
@@ -1,32 +1,32 @@
 
 <file path=ppt/presentation.xml><?xml version="1.0" encoding="utf-8"?>
-<p:presentation xmlns:r="http://schemas.openxmlformats.org/officeDocument/2006/relationships" xmlns:c="http://schemas.openxmlformats.org/drawingml/2006/chart" xmlns:a="http://schemas.openxmlformats.org/drawingml/2006/main" xmlns:dgm="http://schemas.openxmlformats.org/drawingml/2006/diagram" xmlns:dsp="http://schemas.microsoft.com/office/drawing/2008/diagram" xmlns:p="http://schemas.openxmlformats.org/presentationml/2006/main">
+<p:presentation xmlns:a="http://schemas.openxmlformats.org/drawingml/2006/main" xmlns:r="http://schemas.openxmlformats.org/officeDocument/2006/relationships" xmlns:p="http://schemas.openxmlformats.org/presentationml/2006/main">
   <p:sldMasterIdLst>
     <p:sldMasterId id="2147483661" r:id="rId1"/>
   </p:sldMasterIdLst>
   <p:notesMasterIdLst>
-    <p:notesMasterId r:id="rId2"/>
+    <p:notesMasterId r:id="rId21"/>
   </p:notesMasterIdLst>
   <p:sldIdLst>
-    <p:sldId id="256" r:id="rId3"/>
-    <p:sldId id="257" r:id="rId4"/>
-    <p:sldId id="258" r:id="rId5"/>
-    <p:sldId id="259" r:id="rId6"/>
-    <p:sldId id="260" r:id="rId7"/>
-    <p:sldId id="261" r:id="rId8"/>
-    <p:sldId id="262" r:id="rId9"/>
-    <p:sldId id="263" r:id="rId10"/>
-    <p:sldId id="264" r:id="rId11"/>
-    <p:sldId id="265" r:id="rId12"/>
-    <p:sldId id="266" r:id="rId13"/>
-    <p:sldId id="267" r:id="rId14"/>
-    <p:sldId id="268" r:id="rId15"/>
-    <p:sldId id="269" r:id="rId16"/>
-    <p:sldId id="270" r:id="rId17"/>
-    <p:sldId id="271" r:id="rId18"/>
-    <p:sldId id="272" r:id="rId19"/>
-    <p:sldId id="273" r:id="rId20"/>
-    <p:sldId id="274" r:id="rId21"/>
+    <p:sldId id="256" r:id="rId2"/>
+    <p:sldId id="257" r:id="rId3"/>
+    <p:sldId id="258" r:id="rId4"/>
+    <p:sldId id="259" r:id="rId5"/>
+    <p:sldId id="260" r:id="rId6"/>
+    <p:sldId id="261" r:id="rId7"/>
+    <p:sldId id="262" r:id="rId8"/>
+    <p:sldId id="263" r:id="rId9"/>
+    <p:sldId id="264" r:id="rId10"/>
+    <p:sldId id="265" r:id="rId11"/>
+    <p:sldId id="266" r:id="rId12"/>
+    <p:sldId id="267" r:id="rId13"/>
+    <p:sldId id="268" r:id="rId14"/>
+    <p:sldId id="269" r:id="rId15"/>
+    <p:sldId id="270" r:id="rId16"/>
+    <p:sldId id="271" r:id="rId17"/>
+    <p:sldId id="272" r:id="rId18"/>
+    <p:sldId id="273" r:id="rId19"/>
+    <p:sldId id="274" r:id="rId20"/>
   </p:sldIdLst>
   <p:sldSz cx="12192000" cy="6858000"/>
   <p:notesSz cx="6858000" cy="9144000"/>
@@ -125,11 +125,27 @@
       </a:defRPr>
     </a:lvl9pPr>
   </p:defaultTextStyle>
+  <p:extLst>
+    <p:ext uri="{EFAFB233-063F-42B5-8137-9DF3F51BA10A}">
+      <p15:sldGuideLst xmlns:p15="http://schemas.microsoft.com/office/powerpoint/2012/main">
+        <p15:guide id="1" orient="horz" pos="2158">
+          <p15:clr>
+            <a:srgbClr val="A4A3A4"/>
+          </p15:clr>
+        </p15:guide>
+        <p15:guide id="2" pos="3839">
+          <p15:clr>
+            <a:srgbClr val="A4A3A4"/>
+          </p15:clr>
+        </p15:guide>
+      </p15:sldGuideLst>
+    </p:ext>
+  </p:extLst>
 </p:presentation>
 </file>
 
 <file path=ppt/notesMasters/notesMaster1.xml><?xml version="1.0" encoding="utf-8"?>
-<p:notesMaster xmlns:r="http://schemas.openxmlformats.org/officeDocument/2006/relationships" xmlns:c="http://schemas.openxmlformats.org/drawingml/2006/chart" xmlns:a="http://schemas.openxmlformats.org/drawingml/2006/main" xmlns:dgm="http://schemas.openxmlformats.org/drawingml/2006/diagram" xmlns:dsp="http://schemas.microsoft.com/office/drawing/2008/diagram" xmlns:p="http://schemas.openxmlformats.org/presentationml/2006/main">
+<p:notesMaster xmlns:a="http://schemas.openxmlformats.org/drawingml/2006/main" xmlns:r="http://schemas.openxmlformats.org/officeDocument/2006/relationships" xmlns:p="http://schemas.openxmlformats.org/presentationml/2006/main">
   <p:cSld>
     <p:bg>
       <p:bgRef idx="1001">
@@ -157,7 +173,7 @@
             <a:spLocks noGrp="1"/>
           </p:cNvSpPr>
           <p:nvPr>
-            <p:ph type="hdr" sz="quarter" idx="0"/>
+            <p:ph type="hdr" sz="quarter"/>
           </p:nvPr>
         </p:nvSpPr>
         <p:spPr>
@@ -180,10 +196,6 @@
             <a:pPr lvl="0">
               <a:defRPr/>
             </a:pPr>
-            <a:r>
-              <a:rPr lang="ko-KR" altLang="en-US"/>
-              <a:t/>
-            </a:r>
             <a:endParaRPr lang="ko-KR" altLang="en-US"/>
           </a:p>
         </p:txBody>
@@ -223,7 +235,7 @@
               <a:pPr lvl="0">
                 <a:defRPr/>
               </a:pPr>
-              <a:t>2019-11-18</a:t>
+              <a:t>2019-11-19</a:t>
             </a:fld>
             <a:endParaRPr lang="ko-KR" altLang="en-US"/>
           </a:p>
@@ -295,7 +307,6 @@
               <a:rPr lang="ko-KR" altLang="en-US"/>
               <a:t>마스터 텍스트 스타일을 편집하려면 클릭</a:t>
             </a:r>
-            <a:endParaRPr lang="ko-KR" altLang="en-US"/>
           </a:p>
           <a:p>
             <a:pPr lvl="1">
@@ -305,7 +316,6 @@
               <a:rPr lang="ko-KR" altLang="en-US"/>
               <a:t>두 번째 수준</a:t>
             </a:r>
-            <a:endParaRPr lang="ko-KR" altLang="en-US"/>
           </a:p>
           <a:p>
             <a:pPr lvl="2">
@@ -315,7 +325,6 @@
               <a:rPr lang="ko-KR" altLang="en-US"/>
               <a:t>세 번째 수준</a:t>
             </a:r>
-            <a:endParaRPr lang="ko-KR" altLang="en-US"/>
           </a:p>
           <a:p>
             <a:pPr lvl="3">
@@ -325,7 +334,6 @@
               <a:rPr lang="ko-KR" altLang="en-US"/>
               <a:t>네 번째 수준</a:t>
             </a:r>
-            <a:endParaRPr lang="ko-KR" altLang="en-US"/>
           </a:p>
           <a:p>
             <a:pPr lvl="4">
@@ -335,7 +343,6 @@
               <a:rPr lang="ko-KR" altLang="en-US"/>
               <a:t>다섯 번째 수준</a:t>
             </a:r>
-            <a:endParaRPr lang="ko-KR" altLang="en-US"/>
           </a:p>
         </p:txBody>
       </p:sp>
@@ -369,10 +376,6 @@
             <a:pPr lvl="0">
               <a:defRPr/>
             </a:pPr>
-            <a:r>
-              <a:rPr lang="ko-KR" altLang="en-US"/>
-              <a:t/>
-            </a:r>
             <a:endParaRPr lang="ko-KR" altLang="en-US"/>
           </a:p>
         </p:txBody>
@@ -664,7 +667,7 @@
           <a:p>
             <a:fld id="{733DF88E-EEC7-4590-8394-8F97695D91F0}" type="datetimeFigureOut">
               <a:rPr lang="ko-KR" altLang="en-US" smtClean="0"/>
-              <a:t>2019-11-17</a:t>
+              <a:t>2019-11-19</a:t>
             </a:fld>
             <a:endParaRPr lang="ko-KR" altLang="en-US"/>
           </a:p>
@@ -862,7 +865,7 @@
           <a:p>
             <a:fld id="{733DF88E-EEC7-4590-8394-8F97695D91F0}" type="datetimeFigureOut">
               <a:rPr lang="ko-KR" altLang="en-US" smtClean="0"/>
-              <a:t>2019-11-17</a:t>
+              <a:t>2019-11-19</a:t>
             </a:fld>
             <a:endParaRPr lang="ko-KR" altLang="en-US"/>
           </a:p>
@@ -1070,7 +1073,7 @@
           <a:p>
             <a:fld id="{733DF88E-EEC7-4590-8394-8F97695D91F0}" type="datetimeFigureOut">
               <a:rPr lang="ko-KR" altLang="en-US" smtClean="0"/>
-              <a:t>2019-11-17</a:t>
+              <a:t>2019-11-19</a:t>
             </a:fld>
             <a:endParaRPr lang="ko-KR" altLang="en-US"/>
           </a:p>
@@ -1268,7 +1271,7 @@
           <a:p>
             <a:fld id="{733DF88E-EEC7-4590-8394-8F97695D91F0}" type="datetimeFigureOut">
               <a:rPr lang="ko-KR" altLang="en-US" smtClean="0"/>
-              <a:t>2019-11-17</a:t>
+              <a:t>2019-11-19</a:t>
             </a:fld>
             <a:endParaRPr lang="ko-KR" altLang="en-US"/>
           </a:p>
@@ -1543,7 +1546,7 @@
           <a:p>
             <a:fld id="{733DF88E-EEC7-4590-8394-8F97695D91F0}" type="datetimeFigureOut">
               <a:rPr lang="ko-KR" altLang="en-US" smtClean="0"/>
-              <a:t>2019-11-17</a:t>
+              <a:t>2019-11-19</a:t>
             </a:fld>
             <a:endParaRPr lang="ko-KR" altLang="en-US"/>
           </a:p>
@@ -1808,7 +1811,7 @@
           <a:p>
             <a:fld id="{733DF88E-EEC7-4590-8394-8F97695D91F0}" type="datetimeFigureOut">
               <a:rPr lang="ko-KR" altLang="en-US" smtClean="0"/>
-              <a:t>2019-11-17</a:t>
+              <a:t>2019-11-19</a:t>
             </a:fld>
             <a:endParaRPr lang="ko-KR" altLang="en-US"/>
           </a:p>
@@ -2220,7 +2223,7 @@
           <a:p>
             <a:fld id="{733DF88E-EEC7-4590-8394-8F97695D91F0}" type="datetimeFigureOut">
               <a:rPr lang="ko-KR" altLang="en-US" smtClean="0"/>
-              <a:t>2019-11-17</a:t>
+              <a:t>2019-11-19</a:t>
             </a:fld>
             <a:endParaRPr lang="ko-KR" altLang="en-US"/>
           </a:p>
@@ -2361,7 +2364,7 @@
           <a:p>
             <a:fld id="{733DF88E-EEC7-4590-8394-8F97695D91F0}" type="datetimeFigureOut">
               <a:rPr lang="ko-KR" altLang="en-US" smtClean="0"/>
-              <a:t>2019-11-17</a:t>
+              <a:t>2019-11-19</a:t>
             </a:fld>
             <a:endParaRPr lang="ko-KR" altLang="en-US"/>
           </a:p>
@@ -2474,7 +2477,7 @@
           <a:p>
             <a:fld id="{733DF88E-EEC7-4590-8394-8F97695D91F0}" type="datetimeFigureOut">
               <a:rPr lang="ko-KR" altLang="en-US" smtClean="0"/>
-              <a:t>2019-11-17</a:t>
+              <a:t>2019-11-19</a:t>
             </a:fld>
             <a:endParaRPr lang="ko-KR" altLang="en-US"/>
           </a:p>
@@ -2785,7 +2788,7 @@
           <a:p>
             <a:fld id="{733DF88E-EEC7-4590-8394-8F97695D91F0}" type="datetimeFigureOut">
               <a:rPr lang="ko-KR" altLang="en-US" smtClean="0"/>
-              <a:t>2019-11-17</a:t>
+              <a:t>2019-11-19</a:t>
             </a:fld>
             <a:endParaRPr lang="ko-KR" altLang="en-US"/>
           </a:p>
@@ -3073,7 +3076,7 @@
           <a:p>
             <a:fld id="{733DF88E-EEC7-4590-8394-8F97695D91F0}" type="datetimeFigureOut">
               <a:rPr lang="ko-KR" altLang="en-US" smtClean="0"/>
-              <a:t>2019-11-17</a:t>
+              <a:t>2019-11-19</a:t>
             </a:fld>
             <a:endParaRPr lang="ko-KR" altLang="en-US"/>
           </a:p>
@@ -3314,7 +3317,7 @@
           <a:p>
             <a:fld id="{733DF88E-EEC7-4590-8394-8F97695D91F0}" type="datetimeFigureOut">
               <a:rPr lang="ko-KR" altLang="en-US" smtClean="0"/>
-              <a:t>2019-11-17</a:t>
+              <a:t>2019-11-19</a:t>
             </a:fld>
             <a:endParaRPr lang="ko-KR" altLang="en-US"/>
           </a:p>
@@ -5027,8 +5030,8 @@
         </p:nvSpPr>
         <p:spPr>
           <a:xfrm>
-            <a:off x="2305539" y="5029579"/>
-            <a:ext cx="7580921" cy="369332"/>
+            <a:off x="3228870" y="5029579"/>
+            <a:ext cx="5734262" cy="646331"/>
           </a:xfrm>
           <a:prstGeom prst="rect">
             <a:avLst/>
@@ -5068,7 +5071,21 @@
                 <a:latin typeface="HY견고딕" panose="02030600000101010101" pitchFamily="18" charset="-127"/>
                 <a:ea typeface="HY견고딕" panose="02030600000101010101" pitchFamily="18" charset="-127"/>
               </a:rPr>
-              <a:t>물 등을 구현하여 사실적인 플레이경험을 제공</a:t>
+              <a:t>물 표현과 같은 환경 매핑을 </a:t>
+            </a:r>
+            <a:endParaRPr lang="en-US" altLang="ko-KR" dirty="0">
+              <a:latin typeface="HY견고딕" panose="02030600000101010101" pitchFamily="18" charset="-127"/>
+              <a:ea typeface="HY견고딕" panose="02030600000101010101" pitchFamily="18" charset="-127"/>
+            </a:endParaRPr>
+          </a:p>
+          <a:p>
+            <a:pPr algn="ctr"/>
+            <a:r>
+              <a:rPr lang="ko-KR" altLang="en-US" dirty="0">
+                <a:latin typeface="HY견고딕" panose="02030600000101010101" pitchFamily="18" charset="-127"/>
+                <a:ea typeface="HY견고딕" panose="02030600000101010101" pitchFamily="18" charset="-127"/>
+              </a:rPr>
+              <a:t>구현하여 사실적인 플레이경험을 제공</a:t>
             </a:r>
           </a:p>
         </p:txBody>
@@ -6175,7 +6192,7 @@
     <mc:Choice Requires="p14">
       <p:transition/>
     </mc:Choice>
-    <mc:Fallback xmlns:dsp="http://schemas.microsoft.com/office/drawing/2008/diagram" xmlns:dgm="http://schemas.openxmlformats.org/drawingml/2006/diagram" xmlns:c="http://schemas.openxmlformats.org/drawingml/2006/chart" xmlns="">
+    <mc:Fallback xmlns="" xmlns:c="http://schemas.openxmlformats.org/drawingml/2006/chart" xmlns:dgm="http://schemas.openxmlformats.org/drawingml/2006/diagram" xmlns:dsp="http://schemas.microsoft.com/office/drawing/2008/diagram">
       <p:transition/>
     </mc:Fallback>
   </mc:AlternateContent>
@@ -6183,7 +6200,7 @@
 </file>
 
 <file path=ppt/slides/slide14.xml><?xml version="1.0" encoding="utf-8"?>
-<p:sld xmlns:r="http://schemas.openxmlformats.org/officeDocument/2006/relationships" xmlns:c="http://schemas.openxmlformats.org/drawingml/2006/chart" xmlns:a="http://schemas.openxmlformats.org/drawingml/2006/main" xmlns:dgm="http://schemas.openxmlformats.org/drawingml/2006/diagram" xmlns:dsp="http://schemas.microsoft.com/office/drawing/2008/diagram" xmlns:p="http://schemas.openxmlformats.org/presentationml/2006/main">
+<p:sld xmlns:a="http://schemas.openxmlformats.org/drawingml/2006/main" xmlns:r="http://schemas.openxmlformats.org/officeDocument/2006/relationships" xmlns:p="http://schemas.openxmlformats.org/presentationml/2006/main">
   <p:cSld>
     <p:spTree>
       <p:nvGrpSpPr>
@@ -6266,10 +6283,6 @@
               </a:rPr>
               <a:t>개인별 준비 현황</a:t>
             </a:r>
-            <a:endParaRPr lang="ko-KR" altLang="en-US" sz="4000">
-              <a:latin typeface="HY헤드라인M"/>
-              <a:ea typeface="HY헤드라인M"/>
-            </a:endParaRPr>
           </a:p>
         </p:txBody>
       </p:sp>
@@ -6484,10 +6497,6 @@
               </a:rPr>
               <a:t>김하윤</a:t>
             </a:r>
-            <a:endParaRPr lang="ko-KR" altLang="en-US" sz="2000">
-              <a:latin typeface="HY견고딕"/>
-              <a:ea typeface="HY견고딕"/>
-            </a:endParaRPr>
           </a:p>
         </p:txBody>
       </p:sp>
@@ -6523,10 +6532,6 @@
               </a:rPr>
               <a:t>이동규</a:t>
             </a:r>
-            <a:endParaRPr lang="ko-KR" altLang="en-US" sz="2000">
-              <a:latin typeface="HY견고딕"/>
-              <a:ea typeface="HY견고딕"/>
-            </a:endParaRPr>
           </a:p>
         </p:txBody>
       </p:sp>
@@ -6562,10 +6567,6 @@
               </a:rPr>
               <a:t>이득유</a:t>
             </a:r>
-            <a:endParaRPr lang="ko-KR" altLang="en-US" sz="2000">
-              <a:latin typeface="HY견고딕"/>
-              <a:ea typeface="HY견고딕"/>
-            </a:endParaRPr>
           </a:p>
         </p:txBody>
       </p:sp>
@@ -6728,7 +6729,7 @@
         <p:spPr>
           <a:xfrm>
             <a:off x="5193669" y="2803526"/>
-            <a:ext cx="1917512" cy="2462213"/>
+            <a:ext cx="1917512" cy="2677656"/>
           </a:xfrm>
           <a:prstGeom prst="rect">
             <a:avLst/>
@@ -6745,13 +6746,92 @@
               <a:defRPr/>
             </a:pPr>
             <a:r>
-              <a:rPr lang="en-US" altLang="ko-KR" sz="1400">
+              <a:rPr lang="en-US" altLang="ko-KR" sz="1400" dirty="0">
                 <a:latin typeface="HY헤드라인M"/>
                 <a:ea typeface="HY헤드라인M"/>
               </a:rPr>
               <a:t>C/C++</a:t>
             </a:r>
-            <a:endParaRPr lang="en-US" altLang="ko-KR" sz="1400">
+          </a:p>
+          <a:p>
+            <a:pPr algn="ctr">
+              <a:defRPr/>
+            </a:pPr>
+            <a:r>
+              <a:rPr lang="en-US" altLang="ko-KR" sz="1400" dirty="0">
+                <a:latin typeface="HY헤드라인M"/>
+                <a:ea typeface="HY헤드라인M"/>
+              </a:rPr>
+              <a:t>WIN API</a:t>
+            </a:r>
+          </a:p>
+          <a:p>
+            <a:pPr algn="ctr">
+              <a:defRPr/>
+            </a:pPr>
+            <a:r>
+              <a:rPr lang="ko-KR" altLang="en-US" sz="1400" dirty="0">
+                <a:latin typeface="HY헤드라인M"/>
+                <a:ea typeface="HY헤드라인M"/>
+              </a:rPr>
+              <a:t>자료구조</a:t>
+            </a:r>
+            <a:r>
+              <a:rPr lang="en-US" altLang="ko-KR" sz="1400" dirty="0">
+                <a:latin typeface="HY헤드라인M"/>
+                <a:ea typeface="HY헤드라인M"/>
+              </a:rPr>
+              <a:t>/</a:t>
+            </a:r>
+            <a:r>
+              <a:rPr lang="ko-KR" altLang="en-US" sz="1400" dirty="0">
+                <a:latin typeface="HY헤드라인M"/>
+                <a:ea typeface="HY헤드라인M"/>
+              </a:rPr>
+              <a:t>알고리즘</a:t>
+            </a:r>
+          </a:p>
+          <a:p>
+            <a:pPr algn="ctr">
+              <a:defRPr/>
+            </a:pPr>
+            <a:r>
+              <a:rPr lang="en-US" altLang="ko-KR" sz="1400" dirty="0">
+                <a:latin typeface="HY헤드라인M"/>
+                <a:ea typeface="HY헤드라인M"/>
+              </a:rPr>
+              <a:t>OpenGL</a:t>
+            </a:r>
+          </a:p>
+          <a:p>
+            <a:pPr algn="ctr">
+              <a:defRPr/>
+            </a:pPr>
+            <a:r>
+              <a:rPr lang="en-US" altLang="ko-KR" sz="1400" dirty="0">
+                <a:latin typeface="HY헤드라인M"/>
+                <a:ea typeface="HY헤드라인M"/>
+              </a:rPr>
+              <a:t>STL</a:t>
+            </a:r>
+          </a:p>
+          <a:p>
+            <a:pPr algn="ctr">
+              <a:defRPr/>
+            </a:pPr>
+            <a:r>
+              <a:rPr lang="en-US" altLang="ko-KR" sz="1400" dirty="0">
+                <a:latin typeface="HY헤드라인M"/>
+                <a:ea typeface="HY헤드라인M"/>
+              </a:rPr>
+              <a:t>DirectX 12</a:t>
+            </a:r>
+          </a:p>
+          <a:p>
+            <a:pPr algn="ctr">
+              <a:defRPr/>
+            </a:pPr>
+            <a:endParaRPr lang="en-US" altLang="ko-KR" sz="1400" dirty="0">
               <a:latin typeface="HY헤드라인M"/>
               <a:ea typeface="HY헤드라인M"/>
             </a:endParaRPr>
@@ -6761,13 +6841,20 @@
               <a:defRPr/>
             </a:pPr>
             <a:r>
-              <a:rPr lang="en-US" altLang="ko-KR" sz="1400">
+              <a:rPr lang="en-US" altLang="ko-KR" sz="1400" dirty="0">
                 <a:latin typeface="HY헤드라인M"/>
                 <a:ea typeface="HY헤드라인M"/>
               </a:rPr>
-              <a:t>WIN API</a:t>
-            </a:r>
-            <a:endParaRPr lang="en-US" altLang="ko-KR" sz="1400">
+              <a:t>TCP/IP </a:t>
+            </a:r>
+            <a:r>
+              <a:rPr lang="ko-KR" altLang="en-US" sz="1400" dirty="0">
+                <a:latin typeface="HY헤드라인M"/>
+                <a:ea typeface="HY헤드라인M"/>
+              </a:rPr>
+              <a:t>사용 경험</a:t>
+            </a:r>
+            <a:endParaRPr lang="en-US" altLang="ko-KR" sz="1400" dirty="0">
               <a:latin typeface="HY헤드라인M"/>
               <a:ea typeface="HY헤드라인M"/>
             </a:endParaRPr>
@@ -6777,176 +6864,70 @@
               <a:defRPr/>
             </a:pPr>
             <a:r>
-              <a:rPr lang="ko-KR" altLang="en-US" sz="1400">
+              <a:rPr lang="en-US" altLang="ko-KR" sz="1400" dirty="0">
                 <a:latin typeface="HY헤드라인M"/>
                 <a:ea typeface="HY헤드라인M"/>
               </a:rPr>
-              <a:t>자료구조</a:t>
-            </a:r>
-            <a:r>
-              <a:rPr lang="en-US" altLang="ko-KR" sz="1400">
+              <a:t>DirectX 2D </a:t>
+            </a:r>
+            <a:r>
+              <a:rPr lang="ko-KR" altLang="en-US" sz="1400" dirty="0">
                 <a:latin typeface="HY헤드라인M"/>
                 <a:ea typeface="HY헤드라인M"/>
               </a:rPr>
-              <a:t>/</a:t>
-            </a:r>
-            <a:r>
-              <a:rPr lang="ko-KR" altLang="en-US" sz="1400">
-                <a:latin typeface="HY헤드라인M"/>
-                <a:ea typeface="HY헤드라인M"/>
-              </a:rPr>
-              <a:t>알고리즘</a:t>
-            </a:r>
-            <a:endParaRPr lang="ko-KR" altLang="en-US" sz="1400">
-              <a:latin typeface="HY헤드라인M"/>
-              <a:ea typeface="HY헤드라인M"/>
-            </a:endParaRPr>
+              <a:t>제작 경험</a:t>
+            </a:r>
           </a:p>
           <a:p>
             <a:pPr algn="ctr">
               <a:defRPr/>
             </a:pPr>
             <a:r>
-              <a:rPr lang="en-US" altLang="ko-KR" sz="1400">
+              <a:rPr lang="en-US" altLang="ko-KR" sz="1400" dirty="0">
                 <a:latin typeface="HY헤드라인M"/>
                 <a:ea typeface="HY헤드라인M"/>
               </a:rPr>
-              <a:t>OpenGL</a:t>
-            </a:r>
-            <a:endParaRPr lang="en-US" altLang="ko-KR" sz="1400">
-              <a:latin typeface="HY헤드라인M"/>
-              <a:ea typeface="HY헤드라인M"/>
-            </a:endParaRPr>
+              <a:t>DirectX12 </a:t>
+            </a:r>
+            <a:r>
+              <a:rPr lang="ko-KR" altLang="en-US" sz="1400" dirty="0" err="1">
+                <a:latin typeface="HY헤드라인M"/>
+                <a:ea typeface="HY헤드라인M"/>
+              </a:rPr>
+              <a:t>피킹</a:t>
+            </a:r>
+            <a:r>
+              <a:rPr lang="ko-KR" altLang="en-US" sz="1400" dirty="0">
+                <a:latin typeface="HY헤드라인M"/>
+                <a:ea typeface="HY헤드라인M"/>
+              </a:rPr>
+              <a:t> 구현</a:t>
+            </a:r>
           </a:p>
           <a:p>
             <a:pPr algn="ctr">
               <a:defRPr/>
             </a:pPr>
             <a:r>
-              <a:rPr lang="en-US" altLang="ko-KR" sz="1400">
+              <a:rPr lang="en-US" altLang="ko-KR" sz="1400" dirty="0">
                 <a:latin typeface="HY헤드라인M"/>
                 <a:ea typeface="HY헤드라인M"/>
               </a:rPr>
-              <a:t>STL</a:t>
-            </a:r>
-            <a:endParaRPr lang="en-US" altLang="ko-KR" sz="1400">
-              <a:latin typeface="HY헤드라인M"/>
-              <a:ea typeface="HY헤드라인M"/>
-            </a:endParaRPr>
+              <a:t>UNITY</a:t>
+            </a:r>
+            <a:r>
+              <a:rPr lang="ko-KR" altLang="en-US" sz="1400" dirty="0">
+                <a:latin typeface="HY헤드라인M"/>
+                <a:ea typeface="HY헤드라인M"/>
+              </a:rPr>
+              <a:t> 제작 경험</a:t>
+            </a:r>
           </a:p>
           <a:p>
             <a:pPr algn="ctr">
               <a:defRPr/>
             </a:pPr>
-            <a:r>
-              <a:rPr lang="en-US" altLang="ko-KR" sz="1400">
-                <a:latin typeface="HY헤드라인M"/>
-                <a:ea typeface="HY헤드라인M"/>
-              </a:rPr>
-              <a:t>DirectX 12</a:t>
-            </a:r>
-            <a:endParaRPr lang="en-US" altLang="ko-KR" sz="1400">
-              <a:latin typeface="HY헤드라인M"/>
-              <a:ea typeface="HY헤드라인M"/>
-            </a:endParaRPr>
-          </a:p>
-          <a:p>
-            <a:pPr algn="ctr">
-              <a:defRPr/>
-            </a:pPr>
-            <a:endParaRPr lang="en-US" altLang="ko-KR" sz="1400">
-              <a:latin typeface="HY헤드라인M"/>
-              <a:ea typeface="HY헤드라인M"/>
-            </a:endParaRPr>
-          </a:p>
-          <a:p>
-            <a:pPr algn="ctr">
-              <a:defRPr/>
-            </a:pPr>
-            <a:r>
-              <a:rPr lang="en-US" altLang="ko-KR" sz="1400">
-                <a:latin typeface="HY헤드라인M"/>
-                <a:ea typeface="HY헤드라인M"/>
-              </a:rPr>
-              <a:t>DirectX 2D </a:t>
-            </a:r>
-            <a:r>
-              <a:rPr lang="ko-KR" altLang="en-US" sz="1400">
-                <a:latin typeface="HY헤드라인M"/>
-                <a:ea typeface="HY헤드라인M"/>
-              </a:rPr>
-              <a:t>제작 경험</a:t>
-            </a:r>
-            <a:endParaRPr lang="ko-KR" altLang="en-US" sz="1400">
-              <a:latin typeface="HY헤드라인M"/>
-              <a:ea typeface="HY헤드라인M"/>
-            </a:endParaRPr>
-          </a:p>
-          <a:p>
-            <a:pPr algn="ctr">
-              <a:defRPr/>
-            </a:pPr>
-            <a:r>
-              <a:rPr lang="en-US" altLang="ko-KR" sz="1400">
-                <a:latin typeface="HY헤드라인M"/>
-                <a:ea typeface="HY헤드라인M"/>
-              </a:rPr>
-              <a:t>DirectX12 </a:t>
-            </a:r>
-            <a:r>
-              <a:rPr lang="ko-KR" altLang="en-US" sz="1400">
-                <a:latin typeface="HY헤드라인M"/>
-                <a:ea typeface="HY헤드라인M"/>
-              </a:rPr>
-              <a:t>피킹 구현</a:t>
-            </a:r>
-            <a:endParaRPr lang="ko-KR" altLang="en-US" sz="1400">
-              <a:latin typeface="HY헤드라인M"/>
-              <a:ea typeface="HY헤드라인M"/>
-            </a:endParaRPr>
-          </a:p>
-          <a:p>
-            <a:pPr algn="ctr">
-              <a:defRPr/>
-            </a:pPr>
-            <a:r>
-              <a:rPr lang="en-US" altLang="ko-KR" sz="1400">
-                <a:latin typeface="HY헤드라인M"/>
-                <a:ea typeface="HY헤드라인M"/>
-              </a:rPr>
-              <a:t>UNITY</a:t>
-            </a:r>
-            <a:r>
-              <a:rPr lang="ko-KR" altLang="en-US" sz="1400">
-                <a:latin typeface="HY헤드라인M"/>
-                <a:ea typeface="HY헤드라인M"/>
-              </a:rPr>
-              <a:t> 제작 경험</a:t>
-            </a:r>
-            <a:endParaRPr lang="ko-KR" altLang="en-US" sz="1400">
-              <a:latin typeface="HY헤드라인M"/>
-              <a:ea typeface="HY헤드라인M"/>
-            </a:endParaRPr>
-          </a:p>
-          <a:p>
-            <a:pPr algn="ctr">
-              <a:defRPr/>
-            </a:pPr>
-            <a:r>
-              <a:rPr lang="ko-KR" altLang="en-US" sz="1400">
-                <a:latin typeface="HY헤드라인M"/>
-                <a:ea typeface="HY헤드라인M"/>
-              </a:rPr>
-              <a:t>등등</a:t>
-            </a:r>
-            <a:r>
-              <a:rPr lang="en-US" altLang="ko-KR" sz="1400">
-                <a:latin typeface="HY헤드라인M"/>
-                <a:ea typeface="HY헤드라인M"/>
-              </a:rPr>
-              <a:t>?</a:t>
-            </a:r>
-            <a:endParaRPr lang="en-US" altLang="ko-KR" sz="1400">
+            <a:endParaRPr lang="en-US" altLang="ko-KR" sz="1400" dirty="0">
               <a:latin typeface="HY헤드라인M"/>
               <a:ea typeface="HY헤드라인M"/>
             </a:endParaRPr>
@@ -7055,14 +7036,14 @@
       </p:sp>
       <p:sp>
         <p:nvSpPr>
-          <p:cNvPr id="20" name="TextBox 19"/>
+          <p:cNvPr id="21" name="TextBox 20"/>
           <p:cNvSpPr txBox="1"/>
           <p:nvPr/>
         </p:nvSpPr>
         <p:spPr>
           <a:xfrm>
-            <a:off x="2723366" y="2841217"/>
-            <a:ext cx="962123" cy="307777"/>
+            <a:off x="7880983" y="2841217"/>
+            <a:ext cx="2278382" cy="2224178"/>
           </a:xfrm>
           <a:prstGeom prst="rect">
             <a:avLst/>
@@ -7079,40 +7060,51 @@
               <a:defRPr/>
             </a:pPr>
             <a:r>
+              <a:rPr lang="en-US" altLang="ko-KR" sz="1400">
+                <a:latin typeface="HY헤드라인M"/>
+                <a:ea typeface="HY헤드라인M"/>
+              </a:rPr>
+              <a:t>C/C++</a:t>
+            </a:r>
+          </a:p>
+          <a:p>
+            <a:pPr algn="ctr">
+              <a:defRPr/>
+            </a:pPr>
+            <a:r>
+              <a:rPr lang="en-US" altLang="ko-KR" sz="1400">
+                <a:latin typeface="HY헤드라인M"/>
+                <a:ea typeface="HY헤드라인M"/>
+              </a:rPr>
+              <a:t>WIN API</a:t>
+            </a:r>
+          </a:p>
+          <a:p>
+            <a:pPr algn="ctr">
+              <a:defRPr/>
+            </a:pPr>
+            <a:r>
               <a:rPr lang="ko-KR" altLang="en-US" sz="1400">
                 <a:latin typeface="HY헤드라인M"/>
                 <a:ea typeface="HY헤드라인M"/>
               </a:rPr>
-              <a:t>추가 바람</a:t>
-            </a:r>
-            <a:endParaRPr lang="en-US" altLang="ko-KR" sz="1400">
-              <a:latin typeface="HY헤드라인M"/>
-              <a:ea typeface="HY헤드라인M"/>
-            </a:endParaRPr>
-          </a:p>
-        </p:txBody>
-      </p:sp>
-      <p:sp>
-        <p:nvSpPr>
-          <p:cNvPr id="21" name="TextBox 20"/>
-          <p:cNvSpPr txBox="1"/>
-          <p:nvPr/>
-        </p:nvSpPr>
-        <p:spPr>
-          <a:xfrm>
-            <a:off x="7880983" y="2841217"/>
-            <a:ext cx="2278382" cy="2224178"/>
-          </a:xfrm>
-          <a:prstGeom prst="rect">
-            <a:avLst/>
-          </a:prstGeom>
-          <a:noFill/>
-        </p:spPr>
-        <p:txBody>
-          <a:bodyPr wrap="none">
-            <a:spAutoFit/>
-          </a:bodyPr>
-          <a:lstStyle/>
+              <a:t>자료구조</a:t>
+            </a:r>
+            <a:r>
+              <a:rPr lang="en-US" altLang="ko-KR" sz="1400">
+                <a:latin typeface="HY헤드라인M"/>
+                <a:ea typeface="HY헤드라인M"/>
+              </a:rPr>
+              <a:t>/</a:t>
+            </a:r>
+            <a:r>
+              <a:rPr lang="ko-KR" altLang="en-US" sz="1400">
+                <a:latin typeface="HY헤드라인M"/>
+                <a:ea typeface="HY헤드라인M"/>
+              </a:rPr>
+              <a:t>알고리즘</a:t>
+            </a:r>
+          </a:p>
           <a:p>
             <a:pPr algn="ctr">
               <a:defRPr/>
@@ -7122,12 +7114,8 @@
                 <a:latin typeface="HY헤드라인M"/>
                 <a:ea typeface="HY헤드라인M"/>
               </a:rPr>
-              <a:t>C/C++</a:t>
-            </a:r>
-            <a:endParaRPr lang="en-US" altLang="ko-KR" sz="1400">
-              <a:latin typeface="HY헤드라인M"/>
-              <a:ea typeface="HY헤드라인M"/>
-            </a:endParaRPr>
+              <a:t>OpenGL</a:t>
+            </a:r>
           </a:p>
           <a:p>
             <a:pPr algn="ctr">
@@ -7138,42 +7126,20 @@
                 <a:latin typeface="HY헤드라인M"/>
                 <a:ea typeface="HY헤드라인M"/>
               </a:rPr>
-              <a:t>WIN API</a:t>
-            </a:r>
-            <a:endParaRPr lang="en-US" altLang="ko-KR" sz="1400">
-              <a:latin typeface="HY헤드라인M"/>
-              <a:ea typeface="HY헤드라인M"/>
-            </a:endParaRPr>
+              <a:t>STL</a:t>
+            </a:r>
           </a:p>
           <a:p>
             <a:pPr algn="ctr">
               <a:defRPr/>
             </a:pPr>
             <a:r>
-              <a:rPr lang="ko-KR" altLang="en-US" sz="1400">
-                <a:latin typeface="HY헤드라인M"/>
-                <a:ea typeface="HY헤드라인M"/>
-              </a:rPr>
-              <a:t>자료구조</a:t>
-            </a:r>
-            <a:r>
               <a:rPr lang="en-US" altLang="ko-KR" sz="1400">
                 <a:latin typeface="HY헤드라인M"/>
                 <a:ea typeface="HY헤드라인M"/>
               </a:rPr>
-              <a:t>/</a:t>
-            </a:r>
-            <a:r>
-              <a:rPr lang="ko-KR" altLang="en-US" sz="1400">
-                <a:latin typeface="HY헤드라인M"/>
-                <a:ea typeface="HY헤드라인M"/>
-              </a:rPr>
-              <a:t>알고리즘</a:t>
-            </a:r>
-            <a:endParaRPr lang="ko-KR" altLang="en-US" sz="1400">
-              <a:latin typeface="HY헤드라인M"/>
-              <a:ea typeface="HY헤드라인M"/>
-            </a:endParaRPr>
+              <a:t>IOCP</a:t>
+            </a:r>
           </a:p>
           <a:p>
             <a:pPr algn="ctr">
@@ -7184,60 +7150,8 @@
                 <a:latin typeface="HY헤드라인M"/>
                 <a:ea typeface="HY헤드라인M"/>
               </a:rPr>
-              <a:t>OpenGL</a:t>
-            </a:r>
-            <a:endParaRPr lang="en-US" altLang="ko-KR" sz="1400">
-              <a:latin typeface="HY헤드라인M"/>
-              <a:ea typeface="HY헤드라인M"/>
-            </a:endParaRPr>
-          </a:p>
-          <a:p>
-            <a:pPr algn="ctr">
-              <a:defRPr/>
-            </a:pPr>
-            <a:r>
-              <a:rPr lang="en-US" altLang="ko-KR" sz="1400">
-                <a:latin typeface="HY헤드라인M"/>
-                <a:ea typeface="HY헤드라인M"/>
-              </a:rPr>
-              <a:t>STL</a:t>
-            </a:r>
-            <a:endParaRPr lang="en-US" altLang="ko-KR" sz="1400">
-              <a:latin typeface="HY헤드라인M"/>
-              <a:ea typeface="HY헤드라인M"/>
-            </a:endParaRPr>
-          </a:p>
-          <a:p>
-            <a:pPr algn="ctr">
-              <a:defRPr/>
-            </a:pPr>
-            <a:r>
-              <a:rPr lang="en-US" altLang="ko-KR" sz="1400">
-                <a:latin typeface="HY헤드라인M"/>
-                <a:ea typeface="HY헤드라인M"/>
-              </a:rPr>
-              <a:t>IOCP</a:t>
-            </a:r>
-            <a:endParaRPr lang="en-US" altLang="ko-KR" sz="1400">
-              <a:latin typeface="HY헤드라인M"/>
-              <a:ea typeface="HY헤드라인M"/>
-            </a:endParaRPr>
-          </a:p>
-          <a:p>
-            <a:pPr algn="ctr">
-              <a:defRPr/>
-            </a:pPr>
-            <a:r>
-              <a:rPr lang="en-US" altLang="ko-KR" sz="1400">
-                <a:latin typeface="HY헤드라인M"/>
-                <a:ea typeface="HY헤드라인M"/>
-              </a:rPr>
               <a:t>Multi-Core Programming</a:t>
             </a:r>
-            <a:endParaRPr lang="en-US" altLang="ko-KR" sz="1400">
-              <a:latin typeface="HY헤드라인M"/>
-              <a:ea typeface="HY헤드라인M"/>
-            </a:endParaRPr>
           </a:p>
           <a:p>
             <a:pPr algn="ctr">
@@ -7266,7 +7180,134 @@
               </a:rPr>
               <a:t> 제작 경험</a:t>
             </a:r>
-            <a:endParaRPr lang="ko-KR" altLang="en-US" sz="1400">
+          </a:p>
+          <a:p>
+            <a:pPr algn="ctr">
+              <a:defRPr/>
+            </a:pPr>
+            <a:r>
+              <a:rPr lang="en-US" altLang="ko-KR" sz="1400">
+                <a:latin typeface="HY헤드라인M"/>
+                <a:ea typeface="HY헤드라인M"/>
+              </a:rPr>
+              <a:t>UNITY</a:t>
+            </a:r>
+            <a:r>
+              <a:rPr lang="ko-KR" altLang="en-US" sz="1400">
+                <a:latin typeface="HY헤드라인M"/>
+                <a:ea typeface="HY헤드라인M"/>
+              </a:rPr>
+              <a:t> 제작 경험</a:t>
+            </a:r>
+          </a:p>
+        </p:txBody>
+      </p:sp>
+      <p:sp>
+        <p:nvSpPr>
+          <p:cNvPr id="19" name="TextBox 18">
+            <a:extLst>
+              <a:ext uri="{FF2B5EF4-FFF2-40B4-BE49-F238E27FC236}">
+                <a16:creationId xmlns:a16="http://schemas.microsoft.com/office/drawing/2014/main" id="{7BC4A763-8396-43A1-9B10-BA4FAFE695A2}"/>
+              </a:ext>
+            </a:extLst>
+          </p:cNvPr>
+          <p:cNvSpPr txBox="1"/>
+          <p:nvPr/>
+        </p:nvSpPr>
+        <p:spPr>
+          <a:xfrm>
+            <a:off x="2218782" y="2803526"/>
+            <a:ext cx="1986441" cy="2246769"/>
+          </a:xfrm>
+          <a:prstGeom prst="rect">
+            <a:avLst/>
+          </a:prstGeom>
+          <a:noFill/>
+        </p:spPr>
+        <p:txBody>
+          <a:bodyPr wrap="none">
+            <a:spAutoFit/>
+          </a:bodyPr>
+          <a:lstStyle/>
+          <a:p>
+            <a:pPr algn="ctr">
+              <a:defRPr/>
+            </a:pPr>
+            <a:r>
+              <a:rPr lang="en-US" altLang="ko-KR" sz="1400" dirty="0">
+                <a:latin typeface="HY헤드라인M"/>
+                <a:ea typeface="HY헤드라인M"/>
+              </a:rPr>
+              <a:t>C/C++</a:t>
+            </a:r>
+          </a:p>
+          <a:p>
+            <a:pPr algn="ctr">
+              <a:defRPr/>
+            </a:pPr>
+            <a:r>
+              <a:rPr lang="en-US" altLang="ko-KR" sz="1400" dirty="0">
+                <a:latin typeface="HY헤드라인M"/>
+                <a:ea typeface="HY헤드라인M"/>
+              </a:rPr>
+              <a:t>WIN API</a:t>
+            </a:r>
+          </a:p>
+          <a:p>
+            <a:pPr algn="ctr">
+              <a:defRPr/>
+            </a:pPr>
+            <a:r>
+              <a:rPr lang="ko-KR" altLang="en-US" sz="1400" dirty="0">
+                <a:latin typeface="HY헤드라인M"/>
+                <a:ea typeface="HY헤드라인M"/>
+              </a:rPr>
+              <a:t>자료구조</a:t>
+            </a:r>
+            <a:r>
+              <a:rPr lang="en-US" altLang="ko-KR" sz="1400" dirty="0">
+                <a:latin typeface="HY헤드라인M"/>
+                <a:ea typeface="HY헤드라인M"/>
+              </a:rPr>
+              <a:t>/</a:t>
+            </a:r>
+            <a:r>
+              <a:rPr lang="ko-KR" altLang="en-US" sz="1400" dirty="0">
+                <a:latin typeface="HY헤드라인M"/>
+                <a:ea typeface="HY헤드라인M"/>
+              </a:rPr>
+              <a:t>알고리즘</a:t>
+            </a:r>
+          </a:p>
+          <a:p>
+            <a:pPr algn="ctr">
+              <a:defRPr/>
+            </a:pPr>
+            <a:r>
+              <a:rPr lang="en-US" altLang="ko-KR" sz="1400" dirty="0">
+                <a:latin typeface="HY헤드라인M"/>
+                <a:ea typeface="HY헤드라인M"/>
+              </a:rPr>
+              <a:t>OpenGL</a:t>
+            </a:r>
+          </a:p>
+          <a:p>
+            <a:pPr algn="ctr">
+              <a:defRPr/>
+            </a:pPr>
+            <a:r>
+              <a:rPr lang="en-US" altLang="ko-KR" sz="1400" dirty="0">
+                <a:latin typeface="HY헤드라인M"/>
+                <a:ea typeface="HY헤드라인M"/>
+              </a:rPr>
+              <a:t>STL</a:t>
+            </a:r>
+          </a:p>
+          <a:p>
+            <a:pPr algn="ctr">
+              <a:defRPr/>
+            </a:pPr>
+            <a:endParaRPr lang="en-US" altLang="ko-KR" sz="1400" dirty="0">
               <a:latin typeface="HY헤드라인M"/>
               <a:ea typeface="HY헤드라인M"/>
             </a:endParaRPr>
@@ -7276,23 +7317,73 @@
               <a:defRPr/>
             </a:pPr>
             <a:r>
-              <a:rPr lang="en-US" altLang="ko-KR" sz="1400">
+              <a:rPr lang="en-US" altLang="ko-KR" sz="1400" dirty="0">
                 <a:latin typeface="HY헤드라인M"/>
                 <a:ea typeface="HY헤드라인M"/>
               </a:rPr>
-              <a:t>UNITY</a:t>
-            </a:r>
-            <a:r>
-              <a:rPr lang="ko-KR" altLang="en-US" sz="1400">
+              <a:t>DirectX 11</a:t>
+            </a:r>
+          </a:p>
+          <a:p>
+            <a:pPr algn="ctr">
+              <a:defRPr/>
+            </a:pPr>
+            <a:r>
+              <a:rPr lang="en-US" altLang="ko-KR" sz="1400" dirty="0">
                 <a:latin typeface="HY헤드라인M"/>
                 <a:ea typeface="HY헤드라인M"/>
               </a:rPr>
+              <a:t>DirectX 2D </a:t>
+            </a:r>
+            <a:r>
+              <a:rPr lang="ko-KR" altLang="en-US" sz="1400" dirty="0">
+                <a:latin typeface="HY헤드라인M"/>
+                <a:ea typeface="HY헤드라인M"/>
+              </a:rPr>
+              <a:t>제작 경험</a:t>
+            </a:r>
+          </a:p>
+          <a:p>
+            <a:pPr algn="ctr">
+              <a:defRPr/>
+            </a:pPr>
+            <a:r>
+              <a:rPr lang="en-US" altLang="ko-KR" sz="1400" dirty="0">
+                <a:latin typeface="HY헤드라인M"/>
+                <a:ea typeface="HY헤드라인M"/>
+              </a:rPr>
+              <a:t>UNITY</a:t>
+            </a:r>
+            <a:r>
+              <a:rPr lang="ko-KR" altLang="en-US" sz="1400" dirty="0">
+                <a:latin typeface="HY헤드라인M"/>
+                <a:ea typeface="HY헤드라인M"/>
+              </a:rPr>
               <a:t> 제작 경험</a:t>
             </a:r>
-            <a:endParaRPr lang="ko-KR" altLang="en-US" sz="1400">
+            <a:endParaRPr lang="en-US" altLang="ko-KR" sz="1400" dirty="0">
               <a:latin typeface="HY헤드라인M"/>
               <a:ea typeface="HY헤드라인M"/>
             </a:endParaRPr>
+          </a:p>
+          <a:p>
+            <a:pPr algn="ctr">
+              <a:defRPr/>
+            </a:pPr>
+            <a:r>
+              <a:rPr lang="en-US" altLang="ko-KR" sz="1400" dirty="0">
+                <a:latin typeface="HY헤드라인M"/>
+                <a:ea typeface="HY헤드라인M"/>
+              </a:rPr>
+              <a:t>TCP/IP, IOCP </a:t>
+            </a:r>
+            <a:r>
+              <a:rPr lang="ko-KR" altLang="en-US" sz="1400" dirty="0">
+                <a:latin typeface="HY헤드라인M"/>
+                <a:ea typeface="HY헤드라인M"/>
+              </a:rPr>
+              <a:t>사용 경험</a:t>
+            </a:r>
           </a:p>
         </p:txBody>
       </p:sp>
@@ -7301,11 +7392,11 @@
   <p:clrMapOvr>
     <a:masterClrMapping/>
   </p:clrMapOvr>
-  <mc:AlternateContent xmlns:mc="http://schemas.openxmlformats.org/markup-compatibility/2006">
-    <mc:Choice xmlns:p14="http://schemas.microsoft.com/office/powerpoint/2010/main" Requires="p14">
-      <p:transition xmlns:mc="http://schemas.openxmlformats.org/markup-compatibility/2006" xmlns:p14="http://schemas.microsoft.com/office/powerpoint/2010/main" mc:Ignorable="p14" p14:dur="500"/>
+  <mc:AlternateContent xmlns:mc="http://schemas.openxmlformats.org/markup-compatibility/2006" xmlns:p14="http://schemas.microsoft.com/office/powerpoint/2010/main">
+    <mc:Choice Requires="p14">
+      <p:transition/>
     </mc:Choice>
-    <mc:Fallback>
+    <mc:Fallback xmlns:dsp="http://schemas.microsoft.com/office/drawing/2008/diagram" xmlns:dgm="http://schemas.openxmlformats.org/drawingml/2006/diagram" xmlns:c="http://schemas.openxmlformats.org/drawingml/2006/chart" xmlns="">
       <p:transition/>
     </mc:Fallback>
   </mc:AlternateContent>
@@ -7313,7 +7404,7 @@
 </file>
 
 <file path=ppt/slides/slide15.xml><?xml version="1.0" encoding="utf-8"?>
-<p:sld xmlns:r="http://schemas.openxmlformats.org/officeDocument/2006/relationships" xmlns:c="http://schemas.openxmlformats.org/drawingml/2006/chart" xmlns:a="http://schemas.openxmlformats.org/drawingml/2006/main" xmlns:dgm="http://schemas.openxmlformats.org/drawingml/2006/diagram" xmlns:dsp="http://schemas.microsoft.com/office/drawing/2008/diagram" xmlns:p="http://schemas.openxmlformats.org/presentationml/2006/main">
+<p:sld xmlns:a="http://schemas.openxmlformats.org/drawingml/2006/main" xmlns:r="http://schemas.openxmlformats.org/officeDocument/2006/relationships" xmlns:p="http://schemas.openxmlformats.org/presentationml/2006/main">
   <p:cSld>
     <p:spTree>
       <p:nvGrpSpPr>
@@ -7396,10 +7487,6 @@
               </a:rPr>
               <a:t>중점 연구 분야</a:t>
             </a:r>
-            <a:endParaRPr lang="ko-KR" altLang="en-US" sz="4000">
-              <a:latin typeface="HY헤드라인M"/>
-              <a:ea typeface="HY헤드라인M"/>
-            </a:endParaRPr>
           </a:p>
         </p:txBody>
       </p:sp>
@@ -7608,94 +7695,86 @@
               <a:defRPr/>
             </a:pPr>
             <a:r>
+              <a:rPr lang="ko-KR" altLang="en-US" sz="2000" dirty="0">
+                <a:latin typeface="HY견고딕"/>
+                <a:ea typeface="HY견고딕"/>
+              </a:rPr>
+              <a:t>이동규</a:t>
+            </a:r>
+          </a:p>
+        </p:txBody>
+      </p:sp>
+      <p:sp>
+        <p:nvSpPr>
+          <p:cNvPr id="9" name="TextBox 8"/>
+          <p:cNvSpPr txBox="1"/>
+          <p:nvPr/>
+        </p:nvSpPr>
+        <p:spPr>
+          <a:xfrm>
+            <a:off x="5675370" y="2143002"/>
+            <a:ext cx="954107" cy="400110"/>
+          </a:xfrm>
+          <a:prstGeom prst="rect">
+            <a:avLst/>
+          </a:prstGeom>
+          <a:noFill/>
+        </p:spPr>
+        <p:txBody>
+          <a:bodyPr wrap="none">
+            <a:spAutoFit/>
+          </a:bodyPr>
+          <a:lstStyle/>
+          <a:p>
+            <a:pPr algn="ctr">
+              <a:defRPr/>
+            </a:pPr>
+            <a:r>
+              <a:rPr lang="ko-KR" altLang="en-US" sz="2000" dirty="0" err="1">
+                <a:latin typeface="HY견고딕"/>
+                <a:ea typeface="HY견고딕"/>
+              </a:rPr>
+              <a:t>김하윤</a:t>
+            </a:r>
+            <a:endParaRPr lang="ko-KR" altLang="en-US" sz="2000" dirty="0">
+              <a:latin typeface="HY견고딕"/>
+              <a:ea typeface="HY견고딕"/>
+            </a:endParaRPr>
+          </a:p>
+        </p:txBody>
+      </p:sp>
+      <p:sp>
+        <p:nvSpPr>
+          <p:cNvPr id="10" name="TextBox 9"/>
+          <p:cNvSpPr txBox="1"/>
+          <p:nvPr/>
+        </p:nvSpPr>
+        <p:spPr>
+          <a:xfrm>
+            <a:off x="8620843" y="2143002"/>
+            <a:ext cx="954107" cy="400110"/>
+          </a:xfrm>
+          <a:prstGeom prst="rect">
+            <a:avLst/>
+          </a:prstGeom>
+          <a:noFill/>
+        </p:spPr>
+        <p:txBody>
+          <a:bodyPr wrap="none">
+            <a:spAutoFit/>
+          </a:bodyPr>
+          <a:lstStyle/>
+          <a:p>
+            <a:pPr algn="ctr">
+              <a:defRPr/>
+            </a:pPr>
+            <a:r>
               <a:rPr lang="ko-KR" altLang="en-US" sz="2000">
                 <a:latin typeface="HY견고딕"/>
                 <a:ea typeface="HY견고딕"/>
               </a:rPr>
-              <a:t>김하윤</a:t>
-            </a:r>
-            <a:endParaRPr lang="ko-KR" altLang="en-US" sz="2000">
-              <a:latin typeface="HY견고딕"/>
-              <a:ea typeface="HY견고딕"/>
-            </a:endParaRPr>
-          </a:p>
-        </p:txBody>
-      </p:sp>
-      <p:sp>
-        <p:nvSpPr>
-          <p:cNvPr id="9" name="TextBox 8"/>
-          <p:cNvSpPr txBox="1"/>
-          <p:nvPr/>
-        </p:nvSpPr>
-        <p:spPr>
-          <a:xfrm>
-            <a:off x="5675370" y="2143002"/>
-            <a:ext cx="954107" cy="400110"/>
-          </a:xfrm>
-          <a:prstGeom prst="rect">
-            <a:avLst/>
-          </a:prstGeom>
-          <a:noFill/>
-        </p:spPr>
-        <p:txBody>
-          <a:bodyPr wrap="none">
-            <a:spAutoFit/>
-          </a:bodyPr>
-          <a:lstStyle/>
-          <a:p>
-            <a:pPr algn="ctr">
-              <a:defRPr/>
-            </a:pPr>
-            <a:r>
-              <a:rPr lang="ko-KR" altLang="en-US" sz="2000">
-                <a:latin typeface="HY견고딕"/>
-                <a:ea typeface="HY견고딕"/>
-              </a:rPr>
-              <a:t>이동규</a:t>
-            </a:r>
-            <a:endParaRPr lang="ko-KR" altLang="en-US" sz="2000">
-              <a:latin typeface="HY견고딕"/>
-              <a:ea typeface="HY견고딕"/>
-            </a:endParaRPr>
-          </a:p>
-        </p:txBody>
-      </p:sp>
-      <p:sp>
-        <p:nvSpPr>
-          <p:cNvPr id="10" name="TextBox 9"/>
-          <p:cNvSpPr txBox="1"/>
-          <p:nvPr/>
-        </p:nvSpPr>
-        <p:spPr>
-          <a:xfrm>
-            <a:off x="8620843" y="2143002"/>
-            <a:ext cx="954107" cy="400110"/>
-          </a:xfrm>
-          <a:prstGeom prst="rect">
-            <a:avLst/>
-          </a:prstGeom>
-          <a:noFill/>
-        </p:spPr>
-        <p:txBody>
-          <a:bodyPr wrap="none">
-            <a:spAutoFit/>
-          </a:bodyPr>
-          <a:lstStyle/>
-          <a:p>
-            <a:pPr algn="ctr">
-              <a:defRPr/>
-            </a:pPr>
-            <a:r>
-              <a:rPr lang="ko-KR" altLang="en-US" sz="2000">
-                <a:latin typeface="HY견고딕"/>
-                <a:ea typeface="HY견고딕"/>
-              </a:rPr>
               <a:t>이득유</a:t>
             </a:r>
-            <a:endParaRPr lang="ko-KR" altLang="en-US" sz="2000">
-              <a:latin typeface="HY견고딕"/>
-              <a:ea typeface="HY견고딕"/>
-            </a:endParaRPr>
           </a:p>
         </p:txBody>
       </p:sp>
@@ -7851,14 +7930,14 @@
       </p:sp>
       <p:sp>
         <p:nvSpPr>
-          <p:cNvPr id="14" name="TextBox 13"/>
+          <p:cNvPr id="18" name="TextBox 17"/>
           <p:cNvSpPr txBox="1"/>
           <p:nvPr/>
         </p:nvSpPr>
         <p:spPr>
           <a:xfrm>
-            <a:off x="5098287" y="2803526"/>
-            <a:ext cx="2108269" cy="2031325"/>
+            <a:off x="7874018" y="2803526"/>
+            <a:ext cx="2425664" cy="1477328"/>
           </a:xfrm>
           <a:prstGeom prst="rect">
             <a:avLst/>
@@ -7875,13 +7954,25 @@
               <a:defRPr/>
             </a:pPr>
             <a:r>
-              <a:rPr lang="ko-KR" altLang="en-US">
+              <a:rPr lang="en-US" altLang="ko-KR" dirty="0">
                 <a:latin typeface="HY견고딕"/>
                 <a:ea typeface="HY견고딕"/>
               </a:rPr>
-              <a:t>하우징</a:t>
-            </a:r>
-            <a:endParaRPr lang="ko-KR" altLang="en-US">
+              <a:t>IOCP </a:t>
+            </a:r>
+            <a:r>
+              <a:rPr lang="ko-KR" altLang="en-US" dirty="0">
+                <a:latin typeface="HY견고딕"/>
+                <a:ea typeface="HY견고딕"/>
+              </a:rPr>
+              <a:t>다중 접속 서버</a:t>
+            </a:r>
+          </a:p>
+          <a:p>
+            <a:pPr algn="ctr">
+              <a:defRPr/>
+            </a:pPr>
+            <a:endParaRPr lang="en-US" altLang="ko-KR" dirty="0">
               <a:latin typeface="HY견고딕"/>
               <a:ea typeface="HY견고딕"/>
             </a:endParaRPr>
@@ -7890,7 +7981,19 @@
             <a:pPr algn="ctr">
               <a:defRPr/>
             </a:pPr>
-            <a:endParaRPr lang="en-US" altLang="ko-KR">
+            <a:r>
+              <a:rPr lang="ko-KR" altLang="en-US" dirty="0">
+                <a:latin typeface="HY견고딕"/>
+                <a:ea typeface="HY견고딕"/>
+              </a:rPr>
+              <a:t>서버 프레임워크</a:t>
+            </a:r>
+          </a:p>
+          <a:p>
+            <a:pPr algn="ctr">
+              <a:defRPr/>
+            </a:pPr>
+            <a:endParaRPr lang="ko-KR" altLang="en-US" dirty="0">
               <a:latin typeface="HY견고딕"/>
               <a:ea typeface="HY견고딕"/>
             </a:endParaRPr>
@@ -7900,301 +8003,12 @@
               <a:defRPr/>
             </a:pPr>
             <a:r>
-              <a:rPr lang="ko-KR" altLang="en-US">
+              <a:rPr lang="ko-KR" altLang="en-US" dirty="0">
                 <a:latin typeface="HY견고딕"/>
                 <a:ea typeface="HY견고딕"/>
               </a:rPr>
-              <a:t>그림자</a:t>
-            </a:r>
-            <a:endParaRPr lang="ko-KR" altLang="en-US">
-              <a:latin typeface="HY견고딕"/>
-              <a:ea typeface="HY견고딕"/>
-            </a:endParaRPr>
-          </a:p>
-          <a:p>
-            <a:pPr algn="ctr">
-              <a:defRPr/>
-            </a:pPr>
-            <a:endParaRPr lang="en-US" altLang="ko-KR">
-              <a:latin typeface="HY견고딕"/>
-              <a:ea typeface="HY견고딕"/>
-            </a:endParaRPr>
-          </a:p>
-          <a:p>
-            <a:pPr algn="ctr">
-              <a:defRPr/>
-            </a:pPr>
-            <a:r>
-              <a:rPr lang="ko-KR" altLang="en-US">
-                <a:latin typeface="HY견고딕"/>
-                <a:ea typeface="HY견고딕"/>
-              </a:rPr>
-              <a:t>쉐이더 프로그래밍</a:t>
-            </a:r>
-            <a:endParaRPr lang="ko-KR" altLang="en-US">
-              <a:latin typeface="HY견고딕"/>
-              <a:ea typeface="HY견고딕"/>
-            </a:endParaRPr>
-          </a:p>
-          <a:p>
-            <a:pPr algn="ctr">
-              <a:defRPr/>
-            </a:pPr>
-            <a:endParaRPr lang="en-US" altLang="ko-KR">
-              <a:latin typeface="HY견고딕"/>
-              <a:ea typeface="HY견고딕"/>
-            </a:endParaRPr>
-          </a:p>
-          <a:p>
-            <a:pPr algn="ctr">
-              <a:defRPr/>
-            </a:pPr>
-            <a:r>
-              <a:rPr lang="ko-KR" altLang="en-US">
-                <a:latin typeface="HY견고딕"/>
-                <a:ea typeface="HY견고딕"/>
-              </a:rPr>
-              <a:t>추가 바람</a:t>
-            </a:r>
-            <a:endParaRPr lang="ko-KR" altLang="en-US">
-              <a:latin typeface="HY견고딕"/>
-              <a:ea typeface="HY견고딕"/>
-            </a:endParaRPr>
-          </a:p>
-        </p:txBody>
-      </p:sp>
-      <p:sp>
-        <p:nvSpPr>
-          <p:cNvPr id="18" name="TextBox 17"/>
-          <p:cNvSpPr txBox="1"/>
-          <p:nvPr/>
-        </p:nvSpPr>
-        <p:spPr>
-          <a:xfrm>
-            <a:off x="7880985" y="2803526"/>
-            <a:ext cx="2411730" cy="1461769"/>
-          </a:xfrm>
-          <a:prstGeom prst="rect">
-            <a:avLst/>
-          </a:prstGeom>
-          <a:noFill/>
-        </p:spPr>
-        <p:txBody>
-          <a:bodyPr wrap="none">
-            <a:spAutoFit/>
-          </a:bodyPr>
-          <a:lstStyle/>
-          <a:p>
-            <a:pPr algn="ctr">
-              <a:defRPr/>
-            </a:pPr>
-            <a:r>
-              <a:rPr lang="en-US" altLang="ko-KR">
-                <a:latin typeface="HY견고딕"/>
-                <a:ea typeface="HY견고딕"/>
-              </a:rPr>
-              <a:t>IOCP </a:t>
-            </a:r>
-            <a:r>
-              <a:rPr lang="ko-KR" altLang="en-US">
-                <a:latin typeface="HY견고딕"/>
-                <a:ea typeface="HY견고딕"/>
-              </a:rPr>
-              <a:t>다중 접속 서버</a:t>
-            </a:r>
-            <a:endParaRPr lang="ko-KR" altLang="en-US">
-              <a:latin typeface="HY견고딕"/>
-              <a:ea typeface="HY견고딕"/>
-            </a:endParaRPr>
-          </a:p>
-          <a:p>
-            <a:pPr algn="ctr">
-              <a:defRPr/>
-            </a:pPr>
-            <a:endParaRPr lang="en-US" altLang="ko-KR">
-              <a:latin typeface="HY견고딕"/>
-              <a:ea typeface="HY견고딕"/>
-            </a:endParaRPr>
-          </a:p>
-          <a:p>
-            <a:pPr algn="ctr">
-              <a:defRPr/>
-            </a:pPr>
-            <a:r>
-              <a:rPr lang="ko-KR" altLang="en-US">
-                <a:latin typeface="HY견고딕"/>
-                <a:ea typeface="HY견고딕"/>
-              </a:rPr>
-              <a:t>프레임워크</a:t>
-            </a:r>
-            <a:endParaRPr lang="ko-KR" altLang="en-US">
-              <a:latin typeface="HY견고딕"/>
-              <a:ea typeface="HY견고딕"/>
-            </a:endParaRPr>
-          </a:p>
-          <a:p>
-            <a:pPr algn="ctr">
-              <a:defRPr/>
-            </a:pPr>
-            <a:endParaRPr lang="ko-KR" altLang="en-US">
-              <a:latin typeface="HY견고딕"/>
-              <a:ea typeface="HY견고딕"/>
-            </a:endParaRPr>
-          </a:p>
-          <a:p>
-            <a:pPr algn="ctr">
-              <a:defRPr/>
-            </a:pPr>
-            <a:r>
-              <a:rPr lang="ko-KR" altLang="en-US">
-                <a:latin typeface="HY견고딕"/>
-                <a:ea typeface="HY견고딕"/>
-              </a:rPr>
               <a:t>서버 최적화</a:t>
             </a:r>
-            <a:endParaRPr lang="ko-KR" altLang="en-US">
-              <a:latin typeface="HY견고딕"/>
-              <a:ea typeface="HY견고딕"/>
-            </a:endParaRPr>
-          </a:p>
-        </p:txBody>
-      </p:sp>
-      <p:sp>
-        <p:nvSpPr>
-          <p:cNvPr id="19" name="TextBox 18"/>
-          <p:cNvSpPr txBox="1"/>
-          <p:nvPr/>
-        </p:nvSpPr>
-        <p:spPr>
-          <a:xfrm>
-            <a:off x="2152816" y="2771161"/>
-            <a:ext cx="2108269" cy="2585323"/>
-          </a:xfrm>
-          <a:prstGeom prst="rect">
-            <a:avLst/>
-          </a:prstGeom>
-          <a:noFill/>
-        </p:spPr>
-        <p:txBody>
-          <a:bodyPr wrap="none">
-            <a:spAutoFit/>
-          </a:bodyPr>
-          <a:lstStyle/>
-          <a:p>
-            <a:pPr algn="ctr">
-              <a:defRPr/>
-            </a:pPr>
-            <a:r>
-              <a:rPr lang="ko-KR" altLang="en-US">
-                <a:latin typeface="HY견고딕"/>
-                <a:ea typeface="HY견고딕"/>
-              </a:rPr>
-              <a:t>프레임워크</a:t>
-            </a:r>
-            <a:endParaRPr lang="ko-KR" altLang="en-US">
-              <a:latin typeface="HY견고딕"/>
-              <a:ea typeface="HY견고딕"/>
-            </a:endParaRPr>
-          </a:p>
-          <a:p>
-            <a:pPr algn="ctr">
-              <a:defRPr/>
-            </a:pPr>
-            <a:endParaRPr lang="en-US" altLang="ko-KR">
-              <a:latin typeface="HY견고딕"/>
-              <a:ea typeface="HY견고딕"/>
-            </a:endParaRPr>
-          </a:p>
-          <a:p>
-            <a:pPr algn="ctr">
-              <a:defRPr/>
-            </a:pPr>
-            <a:r>
-              <a:rPr lang="ko-KR" altLang="en-US">
-                <a:latin typeface="HY견고딕"/>
-                <a:ea typeface="HY견고딕"/>
-              </a:rPr>
-              <a:t>애니메이션</a:t>
-            </a:r>
-            <a:endParaRPr lang="ko-KR" altLang="en-US">
-              <a:latin typeface="HY견고딕"/>
-              <a:ea typeface="HY견고딕"/>
-            </a:endParaRPr>
-          </a:p>
-          <a:p>
-            <a:pPr algn="ctr">
-              <a:defRPr/>
-            </a:pPr>
-            <a:endParaRPr lang="en-US" altLang="ko-KR">
-              <a:latin typeface="HY견고딕"/>
-              <a:ea typeface="HY견고딕"/>
-            </a:endParaRPr>
-          </a:p>
-          <a:p>
-            <a:pPr algn="ctr">
-              <a:defRPr/>
-            </a:pPr>
-            <a:r>
-              <a:rPr lang="ko-KR" altLang="en-US">
-                <a:latin typeface="HY견고딕"/>
-                <a:ea typeface="HY견고딕"/>
-              </a:rPr>
-              <a:t>그림자</a:t>
-            </a:r>
-            <a:endParaRPr lang="ko-KR" altLang="en-US">
-              <a:latin typeface="HY견고딕"/>
-              <a:ea typeface="HY견고딕"/>
-            </a:endParaRPr>
-          </a:p>
-          <a:p>
-            <a:pPr algn="ctr">
-              <a:defRPr/>
-            </a:pPr>
-            <a:endParaRPr lang="en-US" altLang="ko-KR">
-              <a:latin typeface="HY견고딕"/>
-              <a:ea typeface="HY견고딕"/>
-            </a:endParaRPr>
-          </a:p>
-          <a:p>
-            <a:pPr algn="ctr">
-              <a:defRPr/>
-            </a:pPr>
-            <a:r>
-              <a:rPr lang="ko-KR" altLang="en-US">
-                <a:latin typeface="HY견고딕"/>
-                <a:ea typeface="HY견고딕"/>
-              </a:rPr>
-              <a:t>쉐이더 프로그래밍</a:t>
-            </a:r>
-            <a:endParaRPr lang="ko-KR" altLang="en-US">
-              <a:latin typeface="HY견고딕"/>
-              <a:ea typeface="HY견고딕"/>
-            </a:endParaRPr>
-          </a:p>
-          <a:p>
-            <a:pPr algn="ctr">
-              <a:defRPr/>
-            </a:pPr>
-            <a:endParaRPr lang="en-US" altLang="ko-KR">
-              <a:latin typeface="HY견고딕"/>
-              <a:ea typeface="HY견고딕"/>
-            </a:endParaRPr>
-          </a:p>
-          <a:p>
-            <a:pPr algn="ctr">
-              <a:defRPr/>
-            </a:pPr>
-            <a:r>
-              <a:rPr lang="ko-KR" altLang="en-US">
-                <a:latin typeface="HY견고딕"/>
-                <a:ea typeface="HY견고딕"/>
-              </a:rPr>
-              <a:t>추가 바람</a:t>
-            </a:r>
-            <a:endParaRPr lang="ko-KR" altLang="en-US">
-              <a:latin typeface="HY견고딕"/>
-              <a:ea typeface="HY견고딕"/>
-            </a:endParaRPr>
           </a:p>
         </p:txBody>
       </p:sp>
@@ -8256,7 +8070,7 @@
         </p:nvSpPr>
         <p:spPr>
           <a:xfrm>
-            <a:off x="7319044" y="2332539"/>
+            <a:off x="7206556" y="2330110"/>
             <a:ext cx="558443" cy="2913426"/>
           </a:xfrm>
           <a:prstGeom prst="rect">
@@ -8298,16 +8112,231 @@
           </a:p>
         </p:txBody>
       </p:sp>
+      <p:sp>
+        <p:nvSpPr>
+          <p:cNvPr id="19" name="TextBox 18"/>
+          <p:cNvSpPr txBox="1"/>
+          <p:nvPr/>
+        </p:nvSpPr>
+        <p:spPr>
+          <a:xfrm>
+            <a:off x="2157866" y="2543112"/>
+            <a:ext cx="5048690" cy="2585323"/>
+          </a:xfrm>
+          <a:prstGeom prst="rect">
+            <a:avLst/>
+          </a:prstGeom>
+          <a:noFill/>
+          <a:ln w="12700">
+            <a:noFill/>
+            <a:prstDash val="sysDot"/>
+          </a:ln>
+        </p:spPr>
+        <p:txBody>
+          <a:bodyPr wrap="square">
+            <a:spAutoFit/>
+          </a:bodyPr>
+          <a:lstStyle/>
+          <a:p>
+            <a:pPr algn="ctr">
+              <a:defRPr/>
+            </a:pPr>
+            <a:r>
+              <a:rPr lang="ko-KR" altLang="en-US" dirty="0">
+                <a:latin typeface="HY견고딕"/>
+                <a:ea typeface="HY견고딕"/>
+              </a:rPr>
+              <a:t>클라이언트 프레임워크</a:t>
+            </a:r>
+            <a:endParaRPr lang="en-US" altLang="ko-KR" dirty="0">
+              <a:latin typeface="HY견고딕"/>
+              <a:ea typeface="HY견고딕"/>
+            </a:endParaRPr>
+          </a:p>
+          <a:p>
+            <a:pPr algn="ctr">
+              <a:defRPr/>
+            </a:pPr>
+            <a:endParaRPr lang="en-US" altLang="ko-KR" dirty="0">
+              <a:latin typeface="HY견고딕"/>
+              <a:ea typeface="HY견고딕"/>
+            </a:endParaRPr>
+          </a:p>
+          <a:p>
+            <a:pPr algn="ctr">
+              <a:defRPr/>
+            </a:pPr>
+            <a:r>
+              <a:rPr lang="ko-KR" altLang="en-US" dirty="0">
+                <a:latin typeface="HY견고딕"/>
+                <a:ea typeface="HY견고딕"/>
+              </a:rPr>
+              <a:t>애니메이션</a:t>
+            </a:r>
+          </a:p>
+          <a:p>
+            <a:pPr algn="ctr">
+              <a:defRPr/>
+            </a:pPr>
+            <a:endParaRPr lang="en-US" altLang="ko-KR" dirty="0">
+              <a:latin typeface="HY견고딕"/>
+              <a:ea typeface="HY견고딕"/>
+            </a:endParaRPr>
+          </a:p>
+          <a:p>
+            <a:pPr algn="ctr">
+              <a:defRPr/>
+            </a:pPr>
+            <a:r>
+              <a:rPr lang="ko-KR" altLang="en-US" dirty="0">
+                <a:latin typeface="HY견고딕"/>
+                <a:ea typeface="HY견고딕"/>
+              </a:rPr>
+              <a:t>그림자 </a:t>
+            </a:r>
+            <a:r>
+              <a:rPr lang="en-US" altLang="ko-KR" dirty="0">
+                <a:latin typeface="HY견고딕"/>
+                <a:ea typeface="HY견고딕"/>
+              </a:rPr>
+              <a:t>/ </a:t>
+            </a:r>
+            <a:r>
+              <a:rPr lang="ko-KR" altLang="en-US" dirty="0" err="1">
+                <a:latin typeface="HY견고딕"/>
+                <a:ea typeface="HY견고딕"/>
+              </a:rPr>
+              <a:t>데칼</a:t>
+            </a:r>
+            <a:r>
+              <a:rPr lang="ko-KR" altLang="en-US" dirty="0">
+                <a:latin typeface="HY견고딕"/>
+                <a:ea typeface="HY견고딕"/>
+              </a:rPr>
+              <a:t> 이미지</a:t>
+            </a:r>
+            <a:endParaRPr lang="en-US" altLang="ko-KR" dirty="0">
+              <a:latin typeface="HY견고딕"/>
+              <a:ea typeface="HY견고딕"/>
+            </a:endParaRPr>
+          </a:p>
+          <a:p>
+            <a:pPr algn="ctr">
+              <a:defRPr/>
+            </a:pPr>
+            <a:r>
+              <a:rPr lang="ko-KR" altLang="en-US" dirty="0" err="1">
+                <a:latin typeface="HY견고딕"/>
+                <a:ea typeface="HY견고딕"/>
+              </a:rPr>
+              <a:t>환경매핑</a:t>
+            </a:r>
+            <a:r>
+              <a:rPr lang="en-US" altLang="ko-KR" dirty="0">
+                <a:latin typeface="HY견고딕"/>
+                <a:ea typeface="HY견고딕"/>
+              </a:rPr>
+              <a:t>(</a:t>
+            </a:r>
+            <a:r>
+              <a:rPr lang="ko-KR" altLang="en-US" dirty="0">
+                <a:latin typeface="HY견고딕"/>
+                <a:ea typeface="HY견고딕"/>
+              </a:rPr>
+              <a:t>물</a:t>
+            </a:r>
+            <a:r>
+              <a:rPr lang="en-US" altLang="ko-KR" dirty="0">
+                <a:latin typeface="HY견고딕"/>
+                <a:ea typeface="HY견고딕"/>
+              </a:rPr>
+              <a:t>) / </a:t>
+            </a:r>
+            <a:r>
+              <a:rPr lang="ko-KR" altLang="en-US" dirty="0" err="1">
+                <a:latin typeface="HY견고딕"/>
+                <a:ea typeface="HY견고딕"/>
+              </a:rPr>
+              <a:t>범프매핑</a:t>
+            </a:r>
+            <a:r>
+              <a:rPr lang="en-US" altLang="ko-KR" dirty="0">
+                <a:latin typeface="HY견고딕"/>
+                <a:ea typeface="HY견고딕"/>
+              </a:rPr>
+              <a:t>(</a:t>
+            </a:r>
+            <a:r>
+              <a:rPr lang="ko-KR" altLang="en-US" dirty="0" err="1">
+                <a:latin typeface="HY견고딕"/>
+                <a:ea typeface="HY견고딕"/>
+              </a:rPr>
+              <a:t>노멀매핑</a:t>
+            </a:r>
+            <a:r>
+              <a:rPr lang="en-US" altLang="ko-KR" dirty="0">
+                <a:latin typeface="HY견고딕"/>
+                <a:ea typeface="HY견고딕"/>
+              </a:rPr>
+              <a:t>)</a:t>
+            </a:r>
+          </a:p>
+          <a:p>
+            <a:pPr algn="ctr">
+              <a:defRPr/>
+            </a:pPr>
+            <a:r>
+              <a:rPr lang="ko-KR" altLang="en-US" dirty="0" err="1">
+                <a:latin typeface="HY견고딕"/>
+                <a:ea typeface="HY견고딕"/>
+              </a:rPr>
+              <a:t>쉐이더</a:t>
+            </a:r>
+            <a:r>
+              <a:rPr lang="ko-KR" altLang="en-US" dirty="0">
+                <a:latin typeface="HY견고딕"/>
+                <a:ea typeface="HY견고딕"/>
+              </a:rPr>
+              <a:t> 프로그래밍</a:t>
+            </a:r>
+            <a:endParaRPr lang="en-US" altLang="ko-KR" dirty="0">
+              <a:latin typeface="HY견고딕"/>
+              <a:ea typeface="HY견고딕"/>
+            </a:endParaRPr>
+          </a:p>
+          <a:p>
+            <a:pPr algn="ctr">
+              <a:defRPr/>
+            </a:pPr>
+            <a:endParaRPr lang="en-US" altLang="ko-KR" dirty="0">
+              <a:latin typeface="HY견고딕"/>
+              <a:ea typeface="HY견고딕"/>
+            </a:endParaRPr>
+          </a:p>
+          <a:p>
+            <a:pPr algn="ctr">
+              <a:defRPr/>
+            </a:pPr>
+            <a:r>
+              <a:rPr lang="ko-KR" altLang="en-US" dirty="0">
+                <a:latin typeface="HY견고딕"/>
+                <a:ea typeface="HY견고딕"/>
+              </a:rPr>
+              <a:t>하우징 컨텐츠</a:t>
+            </a:r>
+          </a:p>
+        </p:txBody>
+      </p:sp>
     </p:spTree>
   </p:cSld>
   <p:clrMapOvr>
     <a:masterClrMapping/>
   </p:clrMapOvr>
-  <mc:AlternateContent xmlns:mc="http://schemas.openxmlformats.org/markup-compatibility/2006">
-    <mc:Choice xmlns:p14="http://schemas.microsoft.com/office/powerpoint/2010/main" Requires="p14">
-      <p:transition xmlns:mc="http://schemas.openxmlformats.org/markup-compatibility/2006" xmlns:p14="http://schemas.microsoft.com/office/powerpoint/2010/main" mc:Ignorable="p14" p14:dur="500"/>
+  <mc:AlternateContent xmlns:mc="http://schemas.openxmlformats.org/markup-compatibility/2006" xmlns:p14="http://schemas.microsoft.com/office/powerpoint/2010/main">
+    <mc:Choice Requires="p14">
+      <p:transition/>
     </mc:Choice>
-    <mc:Fallback>
+    <mc:Fallback xmlns:dsp="http://schemas.microsoft.com/office/drawing/2008/diagram" xmlns:dgm="http://schemas.openxmlformats.org/drawingml/2006/diagram" xmlns:c="http://schemas.openxmlformats.org/drawingml/2006/chart" xmlns="">
       <p:transition/>
     </mc:Fallback>
   </mc:AlternateContent>
@@ -8315,7 +8344,7 @@
 </file>
 
 <file path=ppt/slides/slide16.xml><?xml version="1.0" encoding="utf-8"?>
-<p:sld xmlns:r="http://schemas.openxmlformats.org/officeDocument/2006/relationships" xmlns:c="http://schemas.openxmlformats.org/drawingml/2006/chart" xmlns:a="http://schemas.openxmlformats.org/drawingml/2006/main" xmlns:dgm="http://schemas.openxmlformats.org/drawingml/2006/diagram" xmlns:dsp="http://schemas.microsoft.com/office/drawing/2008/diagram" xmlns:p="http://schemas.openxmlformats.org/presentationml/2006/main">
+<p:sld xmlns:a="http://schemas.openxmlformats.org/drawingml/2006/main" xmlns:r="http://schemas.openxmlformats.org/officeDocument/2006/relationships" xmlns:p="http://schemas.openxmlformats.org/presentationml/2006/main">
   <p:cSld>
     <p:spTree>
       <p:nvGrpSpPr>
@@ -8398,10 +8427,6 @@
               </a:rPr>
               <a:t>구성원 역할 분담</a:t>
             </a:r>
-            <a:endParaRPr lang="ko-KR" altLang="en-US" sz="4000">
-              <a:latin typeface="HY헤드라인M"/>
-              <a:ea typeface="HY헤드라인M"/>
-            </a:endParaRPr>
           </a:p>
         </p:txBody>
       </p:sp>
@@ -8703,7 +8728,7 @@
             <a:avLst/>
           </a:prstGeom>
           <a:solidFill>
-            <a:srgbClr val="ff0000">
+            <a:srgbClr val="FF0000">
               <a:alpha val="50000"/>
             </a:srgbClr>
           </a:solidFill>
@@ -8748,8 +8773,8 @@
         </p:nvSpPr>
         <p:spPr>
           <a:xfrm>
-            <a:off x="2934528" y="4660747"/>
-            <a:ext cx="3213981" cy="646331"/>
+            <a:off x="2934528" y="4466795"/>
+            <a:ext cx="3213981" cy="923330"/>
           </a:xfrm>
           <a:prstGeom prst="rect">
             <a:avLst/>
@@ -8766,13 +8791,288 @@
               <a:defRPr/>
             </a:pPr>
             <a:r>
+              <a:rPr lang="ko-KR" altLang="en-US" dirty="0">
+                <a:latin typeface="HY견고딕"/>
+                <a:ea typeface="HY견고딕"/>
+              </a:rPr>
+              <a:t>프레임워크 제작</a:t>
+            </a:r>
+            <a:endParaRPr lang="en-US" altLang="ko-KR" dirty="0">
+              <a:latin typeface="HY견고딕"/>
+              <a:ea typeface="HY견고딕"/>
+            </a:endParaRPr>
+          </a:p>
+          <a:p>
+            <a:pPr algn="ctr">
+              <a:defRPr/>
+            </a:pPr>
+            <a:r>
+              <a:rPr lang="ko-KR" altLang="en-US" dirty="0">
+                <a:latin typeface="HY견고딕"/>
+                <a:ea typeface="HY견고딕"/>
+              </a:rPr>
+              <a:t>클라이언트</a:t>
+            </a:r>
+          </a:p>
+          <a:p>
+            <a:pPr algn="ctr">
+              <a:defRPr/>
+            </a:pPr>
+            <a:r>
+              <a:rPr lang="ko-KR" altLang="en-US" dirty="0">
+                <a:latin typeface="HY견고딕"/>
+                <a:ea typeface="HY견고딕"/>
+              </a:rPr>
+              <a:t>하우징 및 메인 컨텐츠 구현</a:t>
+            </a:r>
+          </a:p>
+        </p:txBody>
+      </p:sp>
+      <p:sp>
+        <p:nvSpPr>
+          <p:cNvPr id="13" name="TextBox 12"/>
+          <p:cNvSpPr txBox="1"/>
+          <p:nvPr/>
+        </p:nvSpPr>
+        <p:spPr>
+          <a:xfrm>
+            <a:off x="4709040" y="2163160"/>
+            <a:ext cx="2773917" cy="923330"/>
+          </a:xfrm>
+          <a:prstGeom prst="rect">
+            <a:avLst/>
+          </a:prstGeom>
+          <a:noFill/>
+        </p:spPr>
+        <p:txBody>
+          <a:bodyPr wrap="square">
+            <a:spAutoFit/>
+          </a:bodyPr>
+          <a:lstStyle/>
+          <a:p>
+            <a:pPr algn="ctr">
+              <a:defRPr/>
+            </a:pPr>
+            <a:r>
+              <a:rPr lang="ko-KR" altLang="en-US" dirty="0">
+                <a:latin typeface="HY견고딕"/>
+                <a:ea typeface="HY견고딕"/>
+              </a:rPr>
+              <a:t>클라이언트 </a:t>
+            </a:r>
+            <a:r>
+              <a:rPr lang="en-US" altLang="ko-KR" dirty="0">
+                <a:latin typeface="HY견고딕"/>
+                <a:ea typeface="HY견고딕"/>
+              </a:rPr>
+              <a:t>&amp; </a:t>
+            </a:r>
+            <a:r>
+              <a:rPr lang="ko-KR" altLang="en-US" dirty="0">
+                <a:latin typeface="HY견고딕"/>
+                <a:ea typeface="HY견고딕"/>
+              </a:rPr>
+              <a:t>서버</a:t>
+            </a:r>
+          </a:p>
+          <a:p>
+            <a:pPr algn="ctr">
+              <a:defRPr/>
+            </a:pPr>
+            <a:r>
+              <a:rPr lang="ko-KR" altLang="en-US" dirty="0">
+                <a:latin typeface="HY견고딕"/>
+                <a:ea typeface="HY견고딕"/>
+              </a:rPr>
+              <a:t>메인 프레임워크 제작</a:t>
+            </a:r>
+          </a:p>
+          <a:p>
+            <a:pPr algn="ctr">
+              <a:defRPr/>
+            </a:pPr>
+            <a:r>
+              <a:rPr lang="ko-KR" altLang="en-US" dirty="0">
+                <a:latin typeface="HY견고딕"/>
+                <a:ea typeface="HY견고딕"/>
+              </a:rPr>
+              <a:t>클라이언트 컨텐츠 구현</a:t>
+            </a:r>
+          </a:p>
+        </p:txBody>
+      </p:sp>
+      <p:sp>
+        <p:nvSpPr>
+          <p:cNvPr id="14" name="TextBox 13"/>
+          <p:cNvSpPr txBox="1"/>
+          <p:nvPr/>
+        </p:nvSpPr>
+        <p:spPr>
+          <a:xfrm>
+            <a:off x="4732979" y="3449680"/>
+            <a:ext cx="1160827" cy="923330"/>
+          </a:xfrm>
+          <a:prstGeom prst="rect">
+            <a:avLst/>
+          </a:prstGeom>
+          <a:noFill/>
+        </p:spPr>
+        <p:txBody>
+          <a:bodyPr wrap="square">
+            <a:spAutoFit/>
+          </a:bodyPr>
+          <a:lstStyle/>
+          <a:p>
+            <a:pPr lvl="0">
+              <a:defRPr/>
+            </a:pPr>
+            <a:r>
               <a:rPr lang="ko-KR" altLang="en-US">
                 <a:latin typeface="HY견고딕"/>
                 <a:ea typeface="HY견고딕"/>
               </a:rPr>
-              <a:t>클라이언트</a:t>
-            </a:r>
-            <a:endParaRPr lang="ko-KR" altLang="en-US">
+              <a:t>쉐이더</a:t>
+            </a:r>
+            <a:r>
+              <a:rPr lang="en-US" altLang="ko-KR">
+                <a:latin typeface="HY견고딕"/>
+                <a:ea typeface="HY견고딕"/>
+              </a:rPr>
+              <a:t>,</a:t>
+            </a:r>
+          </a:p>
+          <a:p>
+            <a:pPr lvl="0">
+              <a:defRPr/>
+            </a:pPr>
+            <a:r>
+              <a:rPr lang="en-US" altLang="ko-KR">
+                <a:latin typeface="HY견고딕"/>
+                <a:ea typeface="HY견고딕"/>
+              </a:rPr>
+              <a:t>  </a:t>
+            </a:r>
+            <a:r>
+              <a:rPr lang="ko-KR" altLang="en-US">
+                <a:latin typeface="HY견고딕"/>
+                <a:ea typeface="HY견고딕"/>
+              </a:rPr>
+              <a:t>그림자</a:t>
+            </a:r>
+          </a:p>
+          <a:p>
+            <a:pPr lvl="0">
+              <a:defRPr/>
+            </a:pPr>
+            <a:r>
+              <a:rPr lang="en-US" altLang="ko-KR">
+                <a:latin typeface="HY견고딕"/>
+                <a:ea typeface="HY견고딕"/>
+              </a:rPr>
+              <a:t>     </a:t>
+            </a:r>
+            <a:r>
+              <a:rPr lang="ko-KR" altLang="en-US">
+                <a:latin typeface="HY견고딕"/>
+                <a:ea typeface="HY견고딕"/>
+              </a:rPr>
+              <a:t>등등</a:t>
+            </a:r>
+          </a:p>
+        </p:txBody>
+      </p:sp>
+      <p:sp>
+        <p:nvSpPr>
+          <p:cNvPr id="15" name="TextBox 14"/>
+          <p:cNvSpPr txBox="1"/>
+          <p:nvPr/>
+        </p:nvSpPr>
+        <p:spPr>
+          <a:xfrm>
+            <a:off x="6401271" y="3600840"/>
+            <a:ext cx="1279558" cy="646331"/>
+          </a:xfrm>
+          <a:prstGeom prst="rect">
+            <a:avLst/>
+          </a:prstGeom>
+          <a:noFill/>
+        </p:spPr>
+        <p:txBody>
+          <a:bodyPr wrap="square">
+            <a:spAutoFit/>
+          </a:bodyPr>
+          <a:lstStyle/>
+          <a:p>
+            <a:pPr lvl="0">
+              <a:defRPr/>
+            </a:pPr>
+            <a:r>
+              <a:rPr lang="ko-KR" altLang="en-US" dirty="0">
+                <a:latin typeface="HY견고딕"/>
+                <a:ea typeface="HY견고딕"/>
+              </a:rPr>
+              <a:t>서버 연결</a:t>
+            </a:r>
+          </a:p>
+          <a:p>
+            <a:pPr lvl="0">
+              <a:defRPr/>
+            </a:pPr>
+            <a:r>
+              <a:rPr lang="ko-KR" altLang="en-US" dirty="0">
+                <a:latin typeface="HY견고딕"/>
+                <a:ea typeface="HY견고딕"/>
+              </a:rPr>
+              <a:t> 등</a:t>
+            </a:r>
+          </a:p>
+        </p:txBody>
+      </p:sp>
+      <p:sp>
+        <p:nvSpPr>
+          <p:cNvPr id="16" name="TextBox 15"/>
+          <p:cNvSpPr txBox="1"/>
+          <p:nvPr/>
+        </p:nvSpPr>
+        <p:spPr>
+          <a:xfrm>
+            <a:off x="6148509" y="4660747"/>
+            <a:ext cx="3108960" cy="909472"/>
+          </a:xfrm>
+          <a:prstGeom prst="rect">
+            <a:avLst/>
+          </a:prstGeom>
+          <a:noFill/>
+        </p:spPr>
+        <p:txBody>
+          <a:bodyPr wrap="square">
+            <a:spAutoFit/>
+          </a:bodyPr>
+          <a:lstStyle/>
+          <a:p>
+            <a:pPr algn="ctr">
+              <a:defRPr/>
+            </a:pPr>
+            <a:r>
+              <a:rPr lang="en-US" altLang="ko-KR" dirty="0">
+                <a:latin typeface="HY견고딕"/>
+                <a:ea typeface="HY견고딕"/>
+              </a:rPr>
+              <a:t>IOCP </a:t>
+            </a:r>
+            <a:r>
+              <a:rPr lang="ko-KR" altLang="en-US" dirty="0">
+                <a:latin typeface="HY견고딕"/>
+                <a:ea typeface="HY견고딕"/>
+              </a:rPr>
+              <a:t>다중 접속 서버 구현</a:t>
+            </a:r>
+          </a:p>
+          <a:p>
+            <a:pPr algn="ctr">
+              <a:defRPr/>
+            </a:pPr>
+            <a:endParaRPr lang="ko-KR" altLang="en-US" dirty="0">
               <a:latin typeface="HY견고딕"/>
               <a:ea typeface="HY견고딕"/>
             </a:endParaRPr>
@@ -8782,29 +9082,25 @@
               <a:defRPr/>
             </a:pPr>
             <a:r>
-              <a:rPr lang="ko-KR" altLang="en-US">
+              <a:rPr lang="ko-KR" altLang="en-US" dirty="0">
                 <a:latin typeface="HY견고딕"/>
                 <a:ea typeface="HY견고딕"/>
               </a:rPr>
-              <a:t>하우징 및 메인 컨텐츠 구현</a:t>
-            </a:r>
-            <a:endParaRPr lang="ko-KR" altLang="en-US">
-              <a:latin typeface="HY견고딕"/>
-              <a:ea typeface="HY견고딕"/>
-            </a:endParaRPr>
-          </a:p>
-        </p:txBody>
-      </p:sp>
-      <p:sp>
-        <p:nvSpPr>
-          <p:cNvPr id="13" name="TextBox 12"/>
+              <a:t>서버 프레임워크 제작</a:t>
+            </a:r>
+          </a:p>
+        </p:txBody>
+      </p:sp>
+      <p:sp>
+        <p:nvSpPr>
+          <p:cNvPr id="17" name="TextBox 16"/>
           <p:cNvSpPr txBox="1"/>
           <p:nvPr/>
         </p:nvSpPr>
         <p:spPr>
           <a:xfrm>
-            <a:off x="4709040" y="2163160"/>
-            <a:ext cx="2773917" cy="923330"/>
+            <a:off x="3490578" y="3397616"/>
+            <a:ext cx="1292081" cy="400110"/>
           </a:xfrm>
           <a:prstGeom prst="rect">
             <a:avLst/>
@@ -8817,79 +9113,29 @@
           </a:bodyPr>
           <a:lstStyle/>
           <a:p>
-            <a:pPr algn="ctr">
+            <a:pPr lvl="0">
               <a:defRPr/>
             </a:pPr>
             <a:r>
-              <a:rPr lang="ko-KR" altLang="en-US">
-                <a:latin typeface="HY견고딕"/>
-                <a:ea typeface="HY견고딕"/>
-              </a:rPr>
-              <a:t>클라이언트 </a:t>
-            </a:r>
-            <a:r>
-              <a:rPr lang="en-US" altLang="ko-KR">
-                <a:latin typeface="HY견고딕"/>
-                <a:ea typeface="HY견고딕"/>
-              </a:rPr>
-              <a:t>&amp; </a:t>
-            </a:r>
-            <a:r>
-              <a:rPr lang="ko-KR" altLang="en-US">
-                <a:latin typeface="HY견고딕"/>
-                <a:ea typeface="HY견고딕"/>
-              </a:rPr>
-              <a:t>서버</a:t>
-            </a:r>
-            <a:endParaRPr lang="ko-KR" altLang="en-US">
-              <a:latin typeface="HY견고딕"/>
-              <a:ea typeface="HY견고딕"/>
-            </a:endParaRPr>
-          </a:p>
-          <a:p>
-            <a:pPr algn="ctr">
-              <a:defRPr/>
-            </a:pPr>
-            <a:r>
-              <a:rPr lang="ko-KR" altLang="en-US">
-                <a:latin typeface="HY견고딕"/>
-                <a:ea typeface="HY견고딕"/>
-              </a:rPr>
-              <a:t>메인 프레임워크 제작</a:t>
-            </a:r>
-            <a:endParaRPr lang="ko-KR" altLang="en-US">
-              <a:latin typeface="HY견고딕"/>
-              <a:ea typeface="HY견고딕"/>
-            </a:endParaRPr>
-          </a:p>
-          <a:p>
-            <a:pPr algn="ctr">
-              <a:defRPr/>
-            </a:pPr>
-            <a:r>
-              <a:rPr lang="ko-KR" altLang="en-US">
-                <a:latin typeface="HY견고딕"/>
-                <a:ea typeface="HY견고딕"/>
-              </a:rPr>
-              <a:t>클라이언트 컨텐츠 구현</a:t>
-            </a:r>
-            <a:endParaRPr lang="ko-KR" altLang="en-US">
-              <a:latin typeface="HY견고딕"/>
-              <a:ea typeface="HY견고딕"/>
-            </a:endParaRPr>
-          </a:p>
-        </p:txBody>
-      </p:sp>
-      <p:sp>
-        <p:nvSpPr>
-          <p:cNvPr id="14" name="TextBox 13"/>
+              <a:rPr lang="ko-KR" altLang="en-US" sz="2000" b="1" dirty="0">
+                <a:latin typeface="HY헤드라인M"/>
+                <a:ea typeface="HY헤드라인M"/>
+              </a:rPr>
+              <a:t>이동규</a:t>
+            </a:r>
+          </a:p>
+        </p:txBody>
+      </p:sp>
+      <p:sp>
+        <p:nvSpPr>
+          <p:cNvPr id="19" name="TextBox 18"/>
           <p:cNvSpPr txBox="1"/>
           <p:nvPr/>
         </p:nvSpPr>
         <p:spPr>
           <a:xfrm>
-            <a:off x="4732979" y="3449680"/>
-            <a:ext cx="1160827" cy="923330"/>
+            <a:off x="5614288" y="1666074"/>
+            <a:ext cx="1292081" cy="400110"/>
           </a:xfrm>
           <a:prstGeom prst="rect">
             <a:avLst/>
@@ -8906,309 +9152,52 @@
               <a:defRPr/>
             </a:pPr>
             <a:r>
-              <a:rPr lang="ko-KR" altLang="en-US">
-                <a:latin typeface="HY견고딕"/>
-                <a:ea typeface="HY견고딕"/>
-              </a:rPr>
-              <a:t>쉐이더</a:t>
-            </a:r>
-            <a:r>
-              <a:rPr lang="en-US" altLang="ko-KR">
-                <a:latin typeface="HY견고딕"/>
-                <a:ea typeface="HY견고딕"/>
-              </a:rPr>
-              <a:t>,</a:t>
-            </a:r>
-            <a:endParaRPr lang="en-US" altLang="ko-KR">
-              <a:latin typeface="HY견고딕"/>
-              <a:ea typeface="HY견고딕"/>
+              <a:rPr lang="ko-KR" altLang="en-US" sz="2000" b="1" dirty="0" err="1">
+                <a:latin typeface="HY헤드라인M"/>
+                <a:ea typeface="HY헤드라인M"/>
+              </a:rPr>
+              <a:t>김하윤</a:t>
+            </a:r>
+            <a:endParaRPr lang="ko-KR" altLang="en-US" sz="2000" b="1" dirty="0">
+              <a:latin typeface="HY헤드라인M"/>
+              <a:ea typeface="HY헤드라인M"/>
             </a:endParaRPr>
           </a:p>
+        </p:txBody>
+      </p:sp>
+      <p:sp>
+        <p:nvSpPr>
+          <p:cNvPr id="20" name="TextBox 19"/>
+          <p:cNvSpPr txBox="1"/>
+          <p:nvPr/>
+        </p:nvSpPr>
+        <p:spPr>
+          <a:xfrm>
+            <a:off x="7702989" y="3425035"/>
+            <a:ext cx="1292081" cy="400110"/>
+          </a:xfrm>
+          <a:prstGeom prst="rect">
+            <a:avLst/>
+          </a:prstGeom>
+          <a:noFill/>
+        </p:spPr>
+        <p:txBody>
+          <a:bodyPr wrap="square">
+            <a:spAutoFit/>
+          </a:bodyPr>
+          <a:lstStyle/>
           <a:p>
             <a:pPr lvl="0">
               <a:defRPr/>
             </a:pPr>
             <a:r>
-              <a:rPr lang="en-US" altLang="ko-KR">
-                <a:latin typeface="HY견고딕"/>
-                <a:ea typeface="HY견고딕"/>
-              </a:rPr>
-              <a:t>  </a:t>
-            </a:r>
-            <a:r>
-              <a:rPr lang="ko-KR" altLang="en-US">
-                <a:latin typeface="HY견고딕"/>
-                <a:ea typeface="HY견고딕"/>
-              </a:rPr>
-              <a:t>그림자</a:t>
-            </a:r>
-            <a:endParaRPr lang="ko-KR" altLang="en-US">
-              <a:latin typeface="HY견고딕"/>
-              <a:ea typeface="HY견고딕"/>
-            </a:endParaRPr>
-          </a:p>
-          <a:p>
-            <a:pPr lvl="0">
-              <a:defRPr/>
-            </a:pPr>
-            <a:r>
-              <a:rPr lang="en-US" altLang="ko-KR">
-                <a:latin typeface="HY견고딕"/>
-                <a:ea typeface="HY견고딕"/>
-              </a:rPr>
-              <a:t>     </a:t>
-            </a:r>
-            <a:r>
-              <a:rPr lang="ko-KR" altLang="en-US">
-                <a:latin typeface="HY견고딕"/>
-                <a:ea typeface="HY견고딕"/>
-              </a:rPr>
-              <a:t>등등</a:t>
-            </a:r>
-            <a:endParaRPr lang="ko-KR" altLang="en-US">
-              <a:latin typeface="HY견고딕"/>
-              <a:ea typeface="HY견고딕"/>
-            </a:endParaRPr>
-          </a:p>
-        </p:txBody>
-      </p:sp>
-      <p:sp>
-        <p:nvSpPr>
-          <p:cNvPr id="15" name="TextBox 14"/>
-          <p:cNvSpPr txBox="1"/>
-          <p:nvPr/>
-        </p:nvSpPr>
-        <p:spPr>
-          <a:xfrm>
-            <a:off x="6401271" y="3600840"/>
-            <a:ext cx="1279558" cy="646331"/>
-          </a:xfrm>
-          <a:prstGeom prst="rect">
-            <a:avLst/>
-          </a:prstGeom>
-          <a:noFill/>
-        </p:spPr>
-        <p:txBody>
-          <a:bodyPr wrap="square">
-            <a:spAutoFit/>
-          </a:bodyPr>
-          <a:lstStyle/>
-          <a:p>
-            <a:pPr lvl="0">
-              <a:defRPr/>
-            </a:pPr>
-            <a:r>
-              <a:rPr lang="ko-KR" altLang="en-US">
-                <a:latin typeface="HY견고딕"/>
-                <a:ea typeface="HY견고딕"/>
-              </a:rPr>
-              <a:t>서버 연결</a:t>
-            </a:r>
-            <a:endParaRPr lang="ko-KR" altLang="en-US">
-              <a:latin typeface="HY견고딕"/>
-              <a:ea typeface="HY견고딕"/>
-            </a:endParaRPr>
-          </a:p>
-          <a:p>
-            <a:pPr lvl="0">
-              <a:defRPr/>
-            </a:pPr>
-            <a:r>
-              <a:rPr lang="ko-KR" altLang="en-US">
-                <a:latin typeface="HY견고딕"/>
-                <a:ea typeface="HY견고딕"/>
-              </a:rPr>
-              <a:t> 등</a:t>
-            </a:r>
-            <a:endParaRPr lang="ko-KR" altLang="en-US">
-              <a:latin typeface="HY견고딕"/>
-              <a:ea typeface="HY견고딕"/>
-            </a:endParaRPr>
-          </a:p>
-        </p:txBody>
-      </p:sp>
-      <p:sp>
-        <p:nvSpPr>
-          <p:cNvPr id="16" name="TextBox 15"/>
-          <p:cNvSpPr txBox="1"/>
-          <p:nvPr/>
-        </p:nvSpPr>
-        <p:spPr>
-          <a:xfrm>
-            <a:off x="6148509" y="4660747"/>
-            <a:ext cx="3108960" cy="909472"/>
-          </a:xfrm>
-          <a:prstGeom prst="rect">
-            <a:avLst/>
-          </a:prstGeom>
-          <a:noFill/>
-        </p:spPr>
-        <p:txBody>
-          <a:bodyPr wrap="square">
-            <a:spAutoFit/>
-          </a:bodyPr>
-          <a:lstStyle/>
-          <a:p>
-            <a:pPr algn="ctr">
-              <a:defRPr/>
-            </a:pPr>
-            <a:r>
-              <a:rPr lang="en-US" altLang="ko-KR">
-                <a:latin typeface="HY견고딕"/>
-                <a:ea typeface="HY견고딕"/>
-              </a:rPr>
-              <a:t>IOCP </a:t>
-            </a:r>
-            <a:r>
-              <a:rPr lang="ko-KR" altLang="en-US">
-                <a:latin typeface="HY견고딕"/>
-                <a:ea typeface="HY견고딕"/>
-              </a:rPr>
-              <a:t>다중 접속 서버 구현</a:t>
-            </a:r>
-            <a:endParaRPr lang="ko-KR" altLang="en-US">
-              <a:latin typeface="HY견고딕"/>
-              <a:ea typeface="HY견고딕"/>
-            </a:endParaRPr>
-          </a:p>
-          <a:p>
-            <a:pPr algn="ctr">
-              <a:defRPr/>
-            </a:pPr>
-            <a:endParaRPr lang="ko-KR" altLang="en-US">
-              <a:latin typeface="HY견고딕"/>
-              <a:ea typeface="HY견고딕"/>
-            </a:endParaRPr>
-          </a:p>
-          <a:p>
-            <a:pPr algn="ctr">
-              <a:defRPr/>
-            </a:pPr>
-            <a:r>
-              <a:rPr lang="ko-KR" altLang="en-US">
-                <a:latin typeface="HY견고딕"/>
-                <a:ea typeface="HY견고딕"/>
-              </a:rPr>
-              <a:t>서버 프레임워크 제작</a:t>
-            </a:r>
-            <a:endParaRPr lang="ko-KR" altLang="en-US">
-              <a:latin typeface="HY견고딕"/>
-              <a:ea typeface="HY견고딕"/>
-            </a:endParaRPr>
-          </a:p>
-        </p:txBody>
-      </p:sp>
-      <p:sp>
-        <p:nvSpPr>
-          <p:cNvPr id="17" name="TextBox 16"/>
-          <p:cNvSpPr txBox="1"/>
-          <p:nvPr/>
-        </p:nvSpPr>
-        <p:spPr>
-          <a:xfrm>
-            <a:off x="2564448" y="3225942"/>
-            <a:ext cx="1292081" cy="400110"/>
-          </a:xfrm>
-          <a:prstGeom prst="rect">
-            <a:avLst/>
-          </a:prstGeom>
-          <a:noFill/>
-        </p:spPr>
-        <p:txBody>
-          <a:bodyPr wrap="square">
-            <a:spAutoFit/>
-          </a:bodyPr>
-          <a:lstStyle/>
-          <a:p>
-            <a:pPr lvl="0">
-              <a:defRPr/>
-            </a:pPr>
-            <a:r>
-              <a:rPr lang="ko-KR" altLang="en-US" sz="2000">
+              <a:rPr lang="ko-KR" altLang="en-US" sz="2000" b="1" dirty="0" err="1">
                 <a:latin typeface="HY헤드라인M"/>
                 <a:ea typeface="HY헤드라인M"/>
               </a:rPr>
-              <a:t>이동규</a:t>
-            </a:r>
-            <a:endParaRPr lang="ko-KR" altLang="en-US" sz="2000">
-              <a:latin typeface="HY헤드라인M"/>
-              <a:ea typeface="HY헤드라인M"/>
-            </a:endParaRPr>
-          </a:p>
-        </p:txBody>
-      </p:sp>
-      <p:sp>
-        <p:nvSpPr>
-          <p:cNvPr id="19" name="TextBox 18"/>
-          <p:cNvSpPr txBox="1"/>
-          <p:nvPr/>
-        </p:nvSpPr>
-        <p:spPr>
-          <a:xfrm>
-            <a:off x="6797630" y="1503694"/>
-            <a:ext cx="1292081" cy="400110"/>
-          </a:xfrm>
-          <a:prstGeom prst="rect">
-            <a:avLst/>
-          </a:prstGeom>
-          <a:noFill/>
-        </p:spPr>
-        <p:txBody>
-          <a:bodyPr wrap="square">
-            <a:spAutoFit/>
-          </a:bodyPr>
-          <a:lstStyle/>
-          <a:p>
-            <a:pPr lvl="0">
-              <a:defRPr/>
-            </a:pPr>
-            <a:r>
-              <a:rPr lang="ko-KR" altLang="en-US" sz="2000">
-                <a:latin typeface="HY헤드라인M"/>
-                <a:ea typeface="HY헤드라인M"/>
-              </a:rPr>
-              <a:t>김하윤</a:t>
-            </a:r>
-            <a:endParaRPr lang="ko-KR" altLang="en-US" sz="2000">
-              <a:latin typeface="HY헤드라인M"/>
-              <a:ea typeface="HY헤드라인M"/>
-            </a:endParaRPr>
-          </a:p>
-        </p:txBody>
-      </p:sp>
-      <p:sp>
-        <p:nvSpPr>
-          <p:cNvPr id="20" name="TextBox 19"/>
-          <p:cNvSpPr txBox="1"/>
-          <p:nvPr/>
-        </p:nvSpPr>
-        <p:spPr>
-          <a:xfrm>
-            <a:off x="8674942" y="3225942"/>
-            <a:ext cx="1292081" cy="400110"/>
-          </a:xfrm>
-          <a:prstGeom prst="rect">
-            <a:avLst/>
-          </a:prstGeom>
-          <a:noFill/>
-        </p:spPr>
-        <p:txBody>
-          <a:bodyPr wrap="square">
-            <a:spAutoFit/>
-          </a:bodyPr>
-          <a:lstStyle/>
-          <a:p>
-            <a:pPr lvl="0">
-              <a:defRPr/>
-            </a:pPr>
-            <a:r>
-              <a:rPr lang="ko-KR" altLang="en-US" sz="2000">
-                <a:latin typeface="HY헤드라인M"/>
-                <a:ea typeface="HY헤드라인M"/>
-              </a:rPr>
               <a:t>이득유</a:t>
             </a:r>
-            <a:endParaRPr lang="ko-KR" altLang="en-US" sz="2000">
+            <a:endParaRPr lang="ko-KR" altLang="en-US" sz="2000" b="1" dirty="0">
               <a:latin typeface="HY헤드라인M"/>
               <a:ea typeface="HY헤드라인M"/>
             </a:endParaRPr>
@@ -9220,11 +9209,11 @@
   <p:clrMapOvr>
     <a:masterClrMapping/>
   </p:clrMapOvr>
-  <mc:AlternateContent xmlns:mc="http://schemas.openxmlformats.org/markup-compatibility/2006">
-    <mc:Choice xmlns:p14="http://schemas.microsoft.com/office/powerpoint/2010/main" Requires="p14">
-      <p:transition xmlns:mc="http://schemas.openxmlformats.org/markup-compatibility/2006" xmlns:p14="http://schemas.microsoft.com/office/powerpoint/2010/main" mc:Ignorable="p14" p14:dur="500"/>
+  <mc:AlternateContent xmlns:mc="http://schemas.openxmlformats.org/markup-compatibility/2006" xmlns:p14="http://schemas.microsoft.com/office/powerpoint/2010/main">
+    <mc:Choice Requires="p14">
+      <p:transition/>
     </mc:Choice>
-    <mc:Fallback>
+    <mc:Fallback xmlns:dsp="http://schemas.microsoft.com/office/drawing/2008/diagram" xmlns:dgm="http://schemas.openxmlformats.org/drawingml/2006/diagram" xmlns:c="http://schemas.openxmlformats.org/drawingml/2006/chart" xmlns="">
       <p:transition/>
     </mc:Fallback>
   </mc:AlternateContent>
@@ -11846,8 +11835,8 @@
         </p:nvSpPr>
         <p:spPr>
           <a:xfrm>
-            <a:off x="2237047" y="1989924"/>
-            <a:ext cx="7970452" cy="3170099"/>
+            <a:off x="1955880" y="2072109"/>
+            <a:ext cx="8569975" cy="3346283"/>
           </a:xfrm>
           <a:prstGeom prst="rect">
             <a:avLst/>
@@ -11855,7 +11844,7 @@
           <a:noFill/>
         </p:spPr>
         <p:txBody>
-          <a:bodyPr wrap="none" rtlCol="0">
+          <a:bodyPr wrap="none" tIns="72000" bIns="72000" rtlCol="0">
             <a:spAutoFit/>
           </a:bodyPr>
           <a:lstStyle/>
@@ -11890,7 +11879,38 @@
                 <a:latin typeface="HY견고딕" panose="02030600000101010101" pitchFamily="18" charset="-127"/>
                 <a:ea typeface="HY견고딕" panose="02030600000101010101" pitchFamily="18" charset="-127"/>
               </a:rPr>
-              <a:t>비현실적인 타 게임에 비해 현실적인 생존 과정을 추구</a:t>
+              <a:t>비현실적인 타 게임에 비해 </a:t>
+            </a:r>
+            <a:r>
+              <a:rPr lang="en-US" altLang="ko-KR" sz="2000" dirty="0">
+                <a:latin typeface="HY견고딕" panose="02030600000101010101" pitchFamily="18" charset="-127"/>
+                <a:ea typeface="HY견고딕" panose="02030600000101010101" pitchFamily="18" charset="-127"/>
+              </a:rPr>
+              <a:t>‘</a:t>
+            </a:r>
+            <a:r>
+              <a:rPr lang="ko-KR" altLang="en-US" sz="2400" dirty="0">
+                <a:solidFill>
+                  <a:schemeClr val="accent1"/>
+                </a:solidFill>
+                <a:latin typeface="HY견고딕" panose="02030600000101010101" pitchFamily="18" charset="-127"/>
+                <a:ea typeface="HY견고딕" panose="02030600000101010101" pitchFamily="18" charset="-127"/>
+              </a:rPr>
+              <a:t>현실적인 생존</a:t>
+            </a:r>
+            <a:r>
+              <a:rPr lang="en-US" altLang="ko-KR" sz="2000" dirty="0">
+                <a:latin typeface="HY견고딕" panose="02030600000101010101" pitchFamily="18" charset="-127"/>
+                <a:ea typeface="HY견고딕" panose="02030600000101010101" pitchFamily="18" charset="-127"/>
+              </a:rPr>
+              <a:t>’</a:t>
+            </a:r>
+            <a:r>
+              <a:rPr lang="ko-KR" altLang="en-US" sz="2000" dirty="0">
+                <a:latin typeface="HY견고딕" panose="02030600000101010101" pitchFamily="18" charset="-127"/>
+                <a:ea typeface="HY견고딕" panose="02030600000101010101" pitchFamily="18" charset="-127"/>
+              </a:rPr>
+              <a:t> 과정을 추구</a:t>
             </a:r>
             <a:endParaRPr lang="en-US" altLang="ko-KR" sz="2000" dirty="0">
               <a:latin typeface="HY견고딕" panose="02030600000101010101" pitchFamily="18" charset="-127"/>
@@ -11898,13 +11918,6 @@
             </a:endParaRPr>
           </a:p>
           <a:p>
-            <a:r>
-              <a:rPr lang="ko-KR" altLang="en-US" sz="2000" dirty="0">
-                <a:latin typeface="HY견고딕" panose="02030600000101010101" pitchFamily="18" charset="-127"/>
-                <a:ea typeface="HY견고딕" panose="02030600000101010101" pitchFamily="18" charset="-127"/>
-              </a:rPr>
-              <a:t> </a:t>
-            </a:r>
             <a:endParaRPr lang="en-US" altLang="ko-KR" sz="2000" dirty="0">
               <a:latin typeface="HY견고딕" panose="02030600000101010101" pitchFamily="18" charset="-127"/>
               <a:ea typeface="HY견고딕" panose="02030600000101010101" pitchFamily="18" charset="-127"/>
@@ -11939,18 +11952,45 @@
               <a:t>가 특징이지만 </a:t>
             </a:r>
             <a:r>
-              <a:rPr lang="ko-KR" altLang="en-US" sz="2000" dirty="0" err="1">
+              <a:rPr lang="en-US" altLang="ko-KR" sz="2000" dirty="0">
+                <a:latin typeface="HY견고딕" panose="02030600000101010101" pitchFamily="18" charset="-127"/>
+                <a:ea typeface="HY견고딕" panose="02030600000101010101" pitchFamily="18" charset="-127"/>
+              </a:rPr>
+              <a:t>‘</a:t>
+            </a:r>
+            <a:r>
+              <a:rPr lang="ko-KR" altLang="en-US" sz="2400" dirty="0" err="1">
+                <a:solidFill>
+                  <a:schemeClr val="accent1"/>
+                </a:solidFill>
                 <a:latin typeface="HY견고딕" panose="02030600000101010101" pitchFamily="18" charset="-127"/>
                 <a:ea typeface="HY견고딕" panose="02030600000101010101" pitchFamily="18" charset="-127"/>
               </a:rPr>
               <a:t>플레이어간의</a:t>
             </a:r>
             <a:r>
+              <a:rPr lang="ko-KR" altLang="en-US" sz="2400" dirty="0">
+                <a:solidFill>
+                  <a:schemeClr val="accent1"/>
+                </a:solidFill>
+                <a:latin typeface="HY견고딕" panose="02030600000101010101" pitchFamily="18" charset="-127"/>
+                <a:ea typeface="HY견고딕" panose="02030600000101010101" pitchFamily="18" charset="-127"/>
+              </a:rPr>
+              <a:t> 협동</a:t>
+            </a:r>
+            <a:r>
+              <a:rPr lang="en-US" altLang="ko-KR" sz="2000" dirty="0">
+                <a:latin typeface="HY견고딕" panose="02030600000101010101" pitchFamily="18" charset="-127"/>
+                <a:ea typeface="HY견고딕" panose="02030600000101010101" pitchFamily="18" charset="-127"/>
+              </a:rPr>
+              <a:t>’</a:t>
+            </a:r>
+            <a:r>
               <a:rPr lang="ko-KR" altLang="en-US" sz="2000" dirty="0">
                 <a:latin typeface="HY견고딕" panose="02030600000101010101" pitchFamily="18" charset="-127"/>
                 <a:ea typeface="HY견고딕" panose="02030600000101010101" pitchFamily="18" charset="-127"/>
               </a:rPr>
-              <a:t> 협동에 집중</a:t>
+              <a:t>집중</a:t>
             </a:r>
             <a:endParaRPr lang="en-US" altLang="ko-KR" sz="2000" dirty="0">
               <a:latin typeface="HY견고딕" panose="02030600000101010101" pitchFamily="18" charset="-127"/>
@@ -15818,44 +15858,44 @@
 </file>
 
 <file path=ppt/theme/theme1.xml><?xml version="1.0" encoding="utf-8"?>
-<a:theme xmlns:r="http://schemas.openxmlformats.org/officeDocument/2006/relationships" xmlns:c="http://schemas.openxmlformats.org/drawingml/2006/chart" xmlns:dgm="http://schemas.openxmlformats.org/drawingml/2006/diagram" xmlns:dsp="http://schemas.microsoft.com/office/drawing/2008/diagram" xmlns:a="http://schemas.openxmlformats.org/drawingml/2006/main" xmlns:pic="http://schemas.openxmlformats.org/drawingml/2006/picture" xmlns:wp="http://schemas.openxmlformats.org/drawingml/2006/wordprocessingDrawing" xmlns:xdr="http://schemas.openxmlformats.org/drawingml/2006/spreadsheetDrawing" xmlns:lc="http://schemas.openxmlformats.org/drawingml/2006/lockedCanvas" xmlns:p="http://schemas.openxmlformats.org/presentationml/2006/main" name="Office 테마">
+<a:theme xmlns:a="http://schemas.openxmlformats.org/drawingml/2006/main" name="Office 테마">
   <a:themeElements>
     <a:clrScheme name="Office">
       <a:dk1>
         <a:sysClr val="windowText" lastClr="000000"/>
       </a:dk1>
       <a:lt1>
-        <a:sysClr val="window" lastClr="ffffff"/>
+        <a:sysClr val="window" lastClr="FFFFFF"/>
       </a:lt1>
       <a:dk2>
-        <a:srgbClr val="44546a"/>
+        <a:srgbClr val="44546A"/>
       </a:dk2>
       <a:lt2>
-        <a:srgbClr val="e7e6e6"/>
+        <a:srgbClr val="E7E6E6"/>
       </a:lt2>
       <a:accent1>
-        <a:srgbClr val="4472c4"/>
+        <a:srgbClr val="4472C4"/>
       </a:accent1>
       <a:accent2>
-        <a:srgbClr val="ed7d31"/>
+        <a:srgbClr val="ED7D31"/>
       </a:accent2>
       <a:accent3>
-        <a:srgbClr val="a5a5a5"/>
+        <a:srgbClr val="A5A5A5"/>
       </a:accent3>
       <a:accent4>
-        <a:srgbClr val="ffc000"/>
+        <a:srgbClr val="FFC000"/>
       </a:accent4>
       <a:accent5>
-        <a:srgbClr val="5b9bd5"/>
+        <a:srgbClr val="5B9BD5"/>
       </a:accent5>
       <a:accent6>
-        <a:srgbClr val="70ad47"/>
+        <a:srgbClr val="70AD47"/>
       </a:accent6>
       <a:hlink>
-        <a:srgbClr val="0563c1"/>
+        <a:srgbClr val="0563C1"/>
       </a:hlink>
       <a:folHlink>
-        <a:srgbClr val="954f72"/>
+        <a:srgbClr val="954F72"/>
       </a:folHlink>
     </a:clrScheme>
     <a:fontScheme name="Office">
@@ -16102,48 +16142,50 @@
       </a:bgFillStyleLst>
     </a:fmtScheme>
   </a:themeElements>
+  <a:objectDefaults/>
+  <a:extraClrSchemeLst/>
 </a:theme>
 </file>
 
 <file path=ppt/theme/theme2.xml><?xml version="1.0" encoding="utf-8"?>
-<a:theme xmlns:r="http://schemas.openxmlformats.org/officeDocument/2006/relationships" xmlns:c="http://schemas.openxmlformats.org/drawingml/2006/chart" xmlns:dgm="http://schemas.openxmlformats.org/drawingml/2006/diagram" xmlns:dsp="http://schemas.microsoft.com/office/drawing/2008/diagram" xmlns:a="http://schemas.openxmlformats.org/drawingml/2006/main" xmlns:pic="http://schemas.openxmlformats.org/drawingml/2006/picture" xmlns:wp="http://schemas.openxmlformats.org/drawingml/2006/wordprocessingDrawing" xmlns:xdr="http://schemas.openxmlformats.org/drawingml/2006/spreadsheetDrawing" xmlns:lc="http://schemas.openxmlformats.org/drawingml/2006/lockedCanvas" xmlns:p="http://schemas.openxmlformats.org/presentationml/2006/main" name="Office 테마">
+<a:theme xmlns:a="http://schemas.openxmlformats.org/drawingml/2006/main" name="Office 테마">
   <a:themeElements>
     <a:clrScheme name="Office">
       <a:dk1>
         <a:sysClr val="windowText" lastClr="000000"/>
       </a:dk1>
       <a:lt1>
-        <a:sysClr val="window" lastClr="ffffff"/>
+        <a:sysClr val="window" lastClr="FFFFFF"/>
       </a:lt1>
       <a:dk2>
-        <a:srgbClr val="44546a"/>
+        <a:srgbClr val="44546A"/>
       </a:dk2>
       <a:lt2>
-        <a:srgbClr val="e7e6e6"/>
+        <a:srgbClr val="E7E6E6"/>
       </a:lt2>
       <a:accent1>
-        <a:srgbClr val="4472c4"/>
+        <a:srgbClr val="4472C4"/>
       </a:accent1>
       <a:accent2>
-        <a:srgbClr val="ed7d31"/>
+        <a:srgbClr val="ED7D31"/>
       </a:accent2>
       <a:accent3>
-        <a:srgbClr val="a5a5a5"/>
+        <a:srgbClr val="A5A5A5"/>
       </a:accent3>
       <a:accent4>
-        <a:srgbClr val="ffc000"/>
+        <a:srgbClr val="FFC000"/>
       </a:accent4>
       <a:accent5>
-        <a:srgbClr val="5b9bd5"/>
+        <a:srgbClr val="5B9BD5"/>
       </a:accent5>
       <a:accent6>
-        <a:srgbClr val="70ad47"/>
+        <a:srgbClr val="70AD47"/>
       </a:accent6>
       <a:hlink>
-        <a:srgbClr val="0563c1"/>
+        <a:srgbClr val="0563C1"/>
       </a:hlink>
       <a:folHlink>
-        <a:srgbClr val="954f72"/>
+        <a:srgbClr val="954F72"/>
       </a:folHlink>
     </a:clrScheme>
     <a:fontScheme name="Office">
@@ -16390,5 +16432,7 @@
       </a:bgFillStyleLst>
     </a:fmtScheme>
   </a:themeElements>
+  <a:objectDefaults/>
+  <a:extraClrSchemeLst/>
 </a:theme>
 </file>
--- a/문서/졸업작품 게임 기획서 초안.pptx
+++ b/문서/졸업작품 게임 기획서 초안.pptx
@@ -5,7 +5,7 @@
     <p:sldMasterId id="2147483661" r:id="rId1"/>
   </p:sldMasterIdLst>
   <p:notesMasterIdLst>
-    <p:notesMasterId r:id="rId21"/>
+    <p:notesMasterId r:id="rId22"/>
   </p:notesMasterIdLst>
   <p:sldIdLst>
     <p:sldId id="256" r:id="rId2"/>
@@ -18,15 +18,16 @@
     <p:sldId id="263" r:id="rId9"/>
     <p:sldId id="264" r:id="rId10"/>
     <p:sldId id="265" r:id="rId11"/>
-    <p:sldId id="266" r:id="rId12"/>
-    <p:sldId id="267" r:id="rId13"/>
-    <p:sldId id="268" r:id="rId14"/>
-    <p:sldId id="269" r:id="rId15"/>
-    <p:sldId id="270" r:id="rId16"/>
-    <p:sldId id="271" r:id="rId17"/>
-    <p:sldId id="272" r:id="rId18"/>
-    <p:sldId id="273" r:id="rId19"/>
-    <p:sldId id="274" r:id="rId20"/>
+    <p:sldId id="275" r:id="rId12"/>
+    <p:sldId id="266" r:id="rId13"/>
+    <p:sldId id="267" r:id="rId14"/>
+    <p:sldId id="268" r:id="rId15"/>
+    <p:sldId id="269" r:id="rId16"/>
+    <p:sldId id="270" r:id="rId17"/>
+    <p:sldId id="271" r:id="rId18"/>
+    <p:sldId id="272" r:id="rId19"/>
+    <p:sldId id="273" r:id="rId20"/>
+    <p:sldId id="274" r:id="rId21"/>
   </p:sldIdLst>
   <p:sldSz cx="12192000" cy="6858000"/>
   <p:notesSz cx="6858000" cy="9144000"/>
@@ -235,7 +236,7 @@
               <a:pPr lvl="0">
                 <a:defRPr/>
               </a:pPr>
-              <a:t>2019-11-19</a:t>
+              <a:t>2019-11-30</a:t>
             </a:fld>
             <a:endParaRPr lang="ko-KR" altLang="en-US"/>
           </a:p>
@@ -667,7 +668,7 @@
           <a:p>
             <a:fld id="{733DF88E-EEC7-4590-8394-8F97695D91F0}" type="datetimeFigureOut">
               <a:rPr lang="ko-KR" altLang="en-US" smtClean="0"/>
-              <a:t>2019-11-19</a:t>
+              <a:t>2019-11-30</a:t>
             </a:fld>
             <a:endParaRPr lang="ko-KR" altLang="en-US"/>
           </a:p>
@@ -865,7 +866,7 @@
           <a:p>
             <a:fld id="{733DF88E-EEC7-4590-8394-8F97695D91F0}" type="datetimeFigureOut">
               <a:rPr lang="ko-KR" altLang="en-US" smtClean="0"/>
-              <a:t>2019-11-19</a:t>
+              <a:t>2019-11-30</a:t>
             </a:fld>
             <a:endParaRPr lang="ko-KR" altLang="en-US"/>
           </a:p>
@@ -1073,7 +1074,7 @@
           <a:p>
             <a:fld id="{733DF88E-EEC7-4590-8394-8F97695D91F0}" type="datetimeFigureOut">
               <a:rPr lang="ko-KR" altLang="en-US" smtClean="0"/>
-              <a:t>2019-11-19</a:t>
+              <a:t>2019-11-30</a:t>
             </a:fld>
             <a:endParaRPr lang="ko-KR" altLang="en-US"/>
           </a:p>
@@ -1271,7 +1272,7 @@
           <a:p>
             <a:fld id="{733DF88E-EEC7-4590-8394-8F97695D91F0}" type="datetimeFigureOut">
               <a:rPr lang="ko-KR" altLang="en-US" smtClean="0"/>
-              <a:t>2019-11-19</a:t>
+              <a:t>2019-11-30</a:t>
             </a:fld>
             <a:endParaRPr lang="ko-KR" altLang="en-US"/>
           </a:p>
@@ -1546,7 +1547,7 @@
           <a:p>
             <a:fld id="{733DF88E-EEC7-4590-8394-8F97695D91F0}" type="datetimeFigureOut">
               <a:rPr lang="ko-KR" altLang="en-US" smtClean="0"/>
-              <a:t>2019-11-19</a:t>
+              <a:t>2019-11-30</a:t>
             </a:fld>
             <a:endParaRPr lang="ko-KR" altLang="en-US"/>
           </a:p>
@@ -1811,7 +1812,7 @@
           <a:p>
             <a:fld id="{733DF88E-EEC7-4590-8394-8F97695D91F0}" type="datetimeFigureOut">
               <a:rPr lang="ko-KR" altLang="en-US" smtClean="0"/>
-              <a:t>2019-11-19</a:t>
+              <a:t>2019-11-30</a:t>
             </a:fld>
             <a:endParaRPr lang="ko-KR" altLang="en-US"/>
           </a:p>
@@ -2223,7 +2224,7 @@
           <a:p>
             <a:fld id="{733DF88E-EEC7-4590-8394-8F97695D91F0}" type="datetimeFigureOut">
               <a:rPr lang="ko-KR" altLang="en-US" smtClean="0"/>
-              <a:t>2019-11-19</a:t>
+              <a:t>2019-11-30</a:t>
             </a:fld>
             <a:endParaRPr lang="ko-KR" altLang="en-US"/>
           </a:p>
@@ -2364,7 +2365,7 @@
           <a:p>
             <a:fld id="{733DF88E-EEC7-4590-8394-8F97695D91F0}" type="datetimeFigureOut">
               <a:rPr lang="ko-KR" altLang="en-US" smtClean="0"/>
-              <a:t>2019-11-19</a:t>
+              <a:t>2019-11-30</a:t>
             </a:fld>
             <a:endParaRPr lang="ko-KR" altLang="en-US"/>
           </a:p>
@@ -2477,7 +2478,7 @@
           <a:p>
             <a:fld id="{733DF88E-EEC7-4590-8394-8F97695D91F0}" type="datetimeFigureOut">
               <a:rPr lang="ko-KR" altLang="en-US" smtClean="0"/>
-              <a:t>2019-11-19</a:t>
+              <a:t>2019-11-30</a:t>
             </a:fld>
             <a:endParaRPr lang="ko-KR" altLang="en-US"/>
           </a:p>
@@ -2788,7 +2789,7 @@
           <a:p>
             <a:fld id="{733DF88E-EEC7-4590-8394-8F97695D91F0}" type="datetimeFigureOut">
               <a:rPr lang="ko-KR" altLang="en-US" smtClean="0"/>
-              <a:t>2019-11-19</a:t>
+              <a:t>2019-11-30</a:t>
             </a:fld>
             <a:endParaRPr lang="ko-KR" altLang="en-US"/>
           </a:p>
@@ -3076,7 +3077,7 @@
           <a:p>
             <a:fld id="{733DF88E-EEC7-4590-8394-8F97695D91F0}" type="datetimeFigureOut">
               <a:rPr lang="ko-KR" altLang="en-US" smtClean="0"/>
-              <a:t>2019-11-19</a:t>
+              <a:t>2019-11-30</a:t>
             </a:fld>
             <a:endParaRPr lang="ko-KR" altLang="en-US"/>
           </a:p>
@@ -3317,7 +3318,7 @@
           <a:p>
             <a:fld id="{733DF88E-EEC7-4590-8394-8F97695D91F0}" type="datetimeFigureOut">
               <a:rPr lang="ko-KR" altLang="en-US" smtClean="0"/>
-              <a:t>2019-11-19</a:t>
+              <a:t>2019-11-30</a:t>
             </a:fld>
             <a:endParaRPr lang="ko-KR" altLang="en-US"/>
           </a:p>
@@ -3749,7 +3750,7 @@
         <p:spPr>
           <a:xfrm>
             <a:off x="1562100" y="2505670"/>
-            <a:ext cx="4195379" cy="923330"/>
+            <a:ext cx="3531736" cy="923330"/>
           </a:xfrm>
           <a:prstGeom prst="rect">
             <a:avLst/>
@@ -3768,27 +3769,6 @@
                 <a:ea typeface="HY헤드라인M" panose="02030600000101010101" pitchFamily="18" charset="-127"/>
               </a:rPr>
               <a:t>The Island</a:t>
-            </a:r>
-            <a:r>
-              <a:rPr lang="en-US" altLang="ko-KR" sz="2000" dirty="0">
-                <a:latin typeface="HY헤드라인M" panose="02030600000101010101" pitchFamily="18" charset="-127"/>
-                <a:ea typeface="HY헤드라인M" panose="02030600000101010101" pitchFamily="18" charset="-127"/>
-              </a:rPr>
-              <a:t>(</a:t>
-            </a:r>
-            <a:r>
-              <a:rPr lang="ko-KR" altLang="en-US" sz="2000" dirty="0">
-                <a:latin typeface="HY헤드라인M" panose="02030600000101010101" pitchFamily="18" charset="-127"/>
-                <a:ea typeface="HY헤드라인M" panose="02030600000101010101" pitchFamily="18" charset="-127"/>
-              </a:rPr>
-              <a:t>가제</a:t>
-            </a:r>
-            <a:r>
-              <a:rPr lang="en-US" altLang="ko-KR" sz="2000" dirty="0">
-                <a:latin typeface="HY헤드라인M" panose="02030600000101010101" pitchFamily="18" charset="-127"/>
-                <a:ea typeface="HY헤드라인M" panose="02030600000101010101" pitchFamily="18" charset="-127"/>
-              </a:rPr>
-              <a:t>)</a:t>
             </a:r>
             <a:endParaRPr lang="ko-KR" altLang="en-US" sz="5400" dirty="0">
               <a:latin typeface="HY헤드라인M" panose="02030600000101010101" pitchFamily="18" charset="-127"/>
@@ -4093,7 +4073,7 @@
         <p:spPr>
           <a:xfrm>
             <a:off x="8671112" y="443788"/>
-            <a:ext cx="2287806" cy="523220"/>
+            <a:ext cx="1922321" cy="523220"/>
           </a:xfrm>
           <a:prstGeom prst="rect">
             <a:avLst/>
@@ -4112,27 +4092,6 @@
                 <a:ea typeface="HY헤드라인M" panose="02030600000101010101" pitchFamily="18" charset="-127"/>
               </a:rPr>
               <a:t>The Island</a:t>
-            </a:r>
-            <a:r>
-              <a:rPr lang="en-US" altLang="ko-KR" sz="1050" dirty="0">
-                <a:latin typeface="HY헤드라인M" panose="02030600000101010101" pitchFamily="18" charset="-127"/>
-                <a:ea typeface="HY헤드라인M" panose="02030600000101010101" pitchFamily="18" charset="-127"/>
-              </a:rPr>
-              <a:t>(</a:t>
-            </a:r>
-            <a:r>
-              <a:rPr lang="ko-KR" altLang="en-US" sz="1050" dirty="0">
-                <a:latin typeface="HY헤드라인M" panose="02030600000101010101" pitchFamily="18" charset="-127"/>
-                <a:ea typeface="HY헤드라인M" panose="02030600000101010101" pitchFamily="18" charset="-127"/>
-              </a:rPr>
-              <a:t>가제</a:t>
-            </a:r>
-            <a:r>
-              <a:rPr lang="en-US" altLang="ko-KR" sz="1050" dirty="0">
-                <a:latin typeface="HY헤드라인M" panose="02030600000101010101" pitchFamily="18" charset="-127"/>
-                <a:ea typeface="HY헤드라인M" panose="02030600000101010101" pitchFamily="18" charset="-127"/>
-              </a:rPr>
-              <a:t>)</a:t>
             </a:r>
             <a:endParaRPr lang="ko-KR" altLang="en-US" sz="2800" dirty="0">
               <a:latin typeface="HY헤드라인M" panose="02030600000101010101" pitchFamily="18" charset="-127"/>
@@ -4204,7 +4163,7 @@
         <p:spPr>
           <a:xfrm>
             <a:off x="10207499" y="6283173"/>
-            <a:ext cx="636713" cy="369332"/>
+            <a:ext cx="809837" cy="369332"/>
           </a:xfrm>
           <a:prstGeom prst="rect">
             <a:avLst/>
@@ -4222,7 +4181,7 @@
                 <a:latin typeface="HY헤드라인M" panose="02030600000101010101" pitchFamily="18" charset="-127"/>
                 <a:ea typeface="HY헤드라인M" panose="02030600000101010101" pitchFamily="18" charset="-127"/>
               </a:rPr>
-              <a:t>10/..</a:t>
+              <a:t>10/18</a:t>
             </a:r>
             <a:endParaRPr lang="ko-KR" altLang="en-US" dirty="0">
               <a:latin typeface="HY헤드라인M" panose="02030600000101010101" pitchFamily="18" charset="-127"/>
@@ -4583,7 +4542,7 @@
         <p:spPr>
           <a:xfrm>
             <a:off x="8671112" y="443788"/>
-            <a:ext cx="2287806" cy="523220"/>
+            <a:ext cx="1922321" cy="523220"/>
           </a:xfrm>
           <a:prstGeom prst="rect">
             <a:avLst/>
@@ -4602,27 +4561,6 @@
                 <a:ea typeface="HY헤드라인M" panose="02030600000101010101" pitchFamily="18" charset="-127"/>
               </a:rPr>
               <a:t>The Island</a:t>
-            </a:r>
-            <a:r>
-              <a:rPr lang="en-US" altLang="ko-KR" sz="1050" dirty="0">
-                <a:latin typeface="HY헤드라인M" panose="02030600000101010101" pitchFamily="18" charset="-127"/>
-                <a:ea typeface="HY헤드라인M" panose="02030600000101010101" pitchFamily="18" charset="-127"/>
-              </a:rPr>
-              <a:t>(</a:t>
-            </a:r>
-            <a:r>
-              <a:rPr lang="ko-KR" altLang="en-US" sz="1050" dirty="0">
-                <a:latin typeface="HY헤드라인M" panose="02030600000101010101" pitchFamily="18" charset="-127"/>
-                <a:ea typeface="HY헤드라인M" panose="02030600000101010101" pitchFamily="18" charset="-127"/>
-              </a:rPr>
-              <a:t>가제</a:t>
-            </a:r>
-            <a:r>
-              <a:rPr lang="en-US" altLang="ko-KR" sz="1050" dirty="0">
-                <a:latin typeface="HY헤드라인M" panose="02030600000101010101" pitchFamily="18" charset="-127"/>
-                <a:ea typeface="HY헤드라인M" panose="02030600000101010101" pitchFamily="18" charset="-127"/>
-              </a:rPr>
-              <a:t>)</a:t>
             </a:r>
             <a:endParaRPr lang="ko-KR" altLang="en-US" sz="2800" dirty="0">
               <a:latin typeface="HY헤드라인M" panose="02030600000101010101" pitchFamily="18" charset="-127"/>
@@ -4694,7 +4632,7 @@
         <p:spPr>
           <a:xfrm>
             <a:off x="10207499" y="6283173"/>
-            <a:ext cx="636713" cy="369332"/>
+            <a:ext cx="809837" cy="369332"/>
           </a:xfrm>
           <a:prstGeom prst="rect">
             <a:avLst/>
@@ -4712,7 +4650,7 @@
                 <a:latin typeface="HY헤드라인M" panose="02030600000101010101" pitchFamily="18" charset="-127"/>
                 <a:ea typeface="HY헤드라인M" panose="02030600000101010101" pitchFamily="18" charset="-127"/>
               </a:rPr>
-              <a:t>11/..</a:t>
+              <a:t>12/18</a:t>
             </a:r>
             <a:endParaRPr lang="ko-KR" altLang="en-US" dirty="0">
               <a:latin typeface="HY헤드라인M" panose="02030600000101010101" pitchFamily="18" charset="-127"/>
@@ -4764,12 +4702,189 @@
           </a:fontRef>
         </p:style>
       </p:cxnSp>
+      <p:sp>
+        <p:nvSpPr>
+          <p:cNvPr id="11" name="TextBox 10">
+            <a:extLst>
+              <a:ext uri="{FF2B5EF4-FFF2-40B4-BE49-F238E27FC236}">
+                <a16:creationId xmlns:a16="http://schemas.microsoft.com/office/drawing/2014/main" id="{254913E5-3129-49F9-B694-ADD8B0CA5542}"/>
+              </a:ext>
+            </a:extLst>
+          </p:cNvPr>
+          <p:cNvSpPr txBox="1"/>
+          <p:nvPr/>
+        </p:nvSpPr>
+        <p:spPr>
+          <a:xfrm>
+            <a:off x="5037098" y="1892637"/>
+            <a:ext cx="1784464" cy="400110"/>
+          </a:xfrm>
+          <a:prstGeom prst="rect">
+            <a:avLst/>
+          </a:prstGeom>
+          <a:noFill/>
+        </p:spPr>
+        <p:txBody>
+          <a:bodyPr wrap="none" rtlCol="0">
+            <a:spAutoFit/>
+          </a:bodyPr>
+          <a:lstStyle/>
+          <a:p>
+            <a:pPr algn="ctr"/>
+            <a:r>
+              <a:rPr lang="en-US" altLang="ko-KR" sz="2000" dirty="0">
+                <a:latin typeface="HY견고딕" panose="02030600000101010101" pitchFamily="18" charset="-127"/>
+                <a:ea typeface="HY견고딕" panose="02030600000101010101" pitchFamily="18" charset="-127"/>
+              </a:rPr>
+              <a:t>2. </a:t>
+            </a:r>
+            <a:r>
+              <a:rPr lang="ko-KR" altLang="en-US" sz="2000" dirty="0">
+                <a:latin typeface="HY견고딕" panose="02030600000101010101" pitchFamily="18" charset="-127"/>
+                <a:ea typeface="HY견고딕" panose="02030600000101010101" pitchFamily="18" charset="-127"/>
+              </a:rPr>
+              <a:t>날씨 </a:t>
+            </a:r>
+            <a:r>
+              <a:rPr lang="en-US" altLang="ko-KR" sz="2000" dirty="0">
+                <a:latin typeface="HY견고딕" panose="02030600000101010101" pitchFamily="18" charset="-127"/>
+                <a:ea typeface="HY견고딕" panose="02030600000101010101" pitchFamily="18" charset="-127"/>
+              </a:rPr>
+              <a:t>( </a:t>
+            </a:r>
+            <a:r>
+              <a:rPr lang="ko-KR" altLang="en-US" sz="2000" dirty="0">
+                <a:latin typeface="HY견고딕" panose="02030600000101010101" pitchFamily="18" charset="-127"/>
+                <a:ea typeface="HY견고딕" panose="02030600000101010101" pitchFamily="18" charset="-127"/>
+              </a:rPr>
+              <a:t>비</a:t>
+            </a:r>
+            <a:r>
+              <a:rPr lang="en-US" altLang="ko-KR" sz="2000" dirty="0">
+                <a:latin typeface="HY견고딕" panose="02030600000101010101" pitchFamily="18" charset="-127"/>
+                <a:ea typeface="HY견고딕" panose="02030600000101010101" pitchFamily="18" charset="-127"/>
+              </a:rPr>
+              <a:t> )</a:t>
+            </a:r>
+            <a:endParaRPr lang="ko-KR" altLang="en-US" sz="2000" dirty="0">
+              <a:latin typeface="HY견고딕" panose="02030600000101010101" pitchFamily="18" charset="-127"/>
+              <a:ea typeface="HY견고딕" panose="02030600000101010101" pitchFamily="18" charset="-127"/>
+            </a:endParaRPr>
+          </a:p>
+        </p:txBody>
+      </p:sp>
+      <p:sp>
+        <p:nvSpPr>
+          <p:cNvPr id="12" name="TextBox 11">
+            <a:extLst>
+              <a:ext uri="{FF2B5EF4-FFF2-40B4-BE49-F238E27FC236}">
+                <a16:creationId xmlns:a16="http://schemas.microsoft.com/office/drawing/2014/main" id="{8CE4ACD8-6AF1-4496-BBE6-5F0BF57BD60E}"/>
+              </a:ext>
+            </a:extLst>
+          </p:cNvPr>
+          <p:cNvSpPr txBox="1"/>
+          <p:nvPr/>
+        </p:nvSpPr>
+        <p:spPr>
+          <a:xfrm>
+            <a:off x="3118261" y="4999722"/>
+            <a:ext cx="5955476" cy="923330"/>
+          </a:xfrm>
+          <a:prstGeom prst="rect">
+            <a:avLst/>
+          </a:prstGeom>
+          <a:noFill/>
+        </p:spPr>
+        <p:txBody>
+          <a:bodyPr wrap="none" rtlCol="0">
+            <a:spAutoFit/>
+          </a:bodyPr>
+          <a:lstStyle/>
+          <a:p>
+            <a:pPr algn="ctr"/>
+            <a:r>
+              <a:rPr lang="ko-KR" altLang="en-US" dirty="0">
+                <a:latin typeface="HY견고딕" panose="02030600000101010101" pitchFamily="18" charset="-127"/>
+                <a:ea typeface="HY견고딕" panose="02030600000101010101" pitchFamily="18" charset="-127"/>
+              </a:rPr>
+              <a:t>기하 </a:t>
+            </a:r>
+            <a:r>
+              <a:rPr lang="ko-KR" altLang="en-US" dirty="0" err="1">
+                <a:latin typeface="HY견고딕" panose="02030600000101010101" pitchFamily="18" charset="-127"/>
+                <a:ea typeface="HY견고딕" panose="02030600000101010101" pitchFamily="18" charset="-127"/>
+              </a:rPr>
+              <a:t>쉐이더와</a:t>
+            </a:r>
+            <a:r>
+              <a:rPr lang="ko-KR" altLang="en-US" dirty="0">
+                <a:latin typeface="HY견고딕" panose="02030600000101010101" pitchFamily="18" charset="-127"/>
+                <a:ea typeface="HY견고딕" panose="02030600000101010101" pitchFamily="18" charset="-127"/>
+              </a:rPr>
+              <a:t> 스트림 출력을 사용하여 </a:t>
+            </a:r>
+            <a:r>
+              <a:rPr lang="ko-KR" altLang="en-US" dirty="0" err="1">
+                <a:latin typeface="HY견고딕" panose="02030600000101010101" pitchFamily="18" charset="-127"/>
+                <a:ea typeface="HY견고딕" panose="02030600000101010101" pitchFamily="18" charset="-127"/>
+              </a:rPr>
+              <a:t>쉐이더에서</a:t>
+            </a:r>
+            <a:r>
+              <a:rPr lang="ko-KR" altLang="en-US" dirty="0">
+                <a:latin typeface="HY견고딕" panose="02030600000101010101" pitchFamily="18" charset="-127"/>
+                <a:ea typeface="HY견고딕" panose="02030600000101010101" pitchFamily="18" charset="-127"/>
+              </a:rPr>
+              <a:t> 직접</a:t>
+            </a:r>
+            <a:endParaRPr lang="en-US" altLang="ko-KR" dirty="0">
+              <a:latin typeface="HY견고딕" panose="02030600000101010101" pitchFamily="18" charset="-127"/>
+              <a:ea typeface="HY견고딕" panose="02030600000101010101" pitchFamily="18" charset="-127"/>
+            </a:endParaRPr>
+          </a:p>
+          <a:p>
+            <a:pPr algn="ctr"/>
+            <a:r>
+              <a:rPr lang="ko-KR" altLang="en-US" dirty="0" err="1">
+                <a:latin typeface="HY견고딕" panose="02030600000101010101" pitchFamily="18" charset="-127"/>
+                <a:ea typeface="HY견고딕" panose="02030600000101010101" pitchFamily="18" charset="-127"/>
+              </a:rPr>
+              <a:t>프래그먼트를</a:t>
+            </a:r>
+            <a:r>
+              <a:rPr lang="ko-KR" altLang="en-US" dirty="0">
+                <a:latin typeface="HY견고딕" panose="02030600000101010101" pitchFamily="18" charset="-127"/>
+                <a:ea typeface="HY견고딕" panose="02030600000101010101" pitchFamily="18" charset="-127"/>
+              </a:rPr>
+              <a:t> 생성하여 비와 같은 환경을 표현</a:t>
+            </a:r>
+            <a:endParaRPr lang="en-US" altLang="ko-KR" dirty="0">
+              <a:latin typeface="HY견고딕" panose="02030600000101010101" pitchFamily="18" charset="-127"/>
+              <a:ea typeface="HY견고딕" panose="02030600000101010101" pitchFamily="18" charset="-127"/>
+            </a:endParaRPr>
+          </a:p>
+          <a:p>
+            <a:pPr algn="ctr"/>
+            <a:r>
+              <a:rPr lang="ko-KR" altLang="en-US" dirty="0">
+                <a:latin typeface="HY견고딕" panose="02030600000101010101" pitchFamily="18" charset="-127"/>
+                <a:ea typeface="HY견고딕" panose="02030600000101010101" pitchFamily="18" charset="-127"/>
+              </a:rPr>
+              <a:t>또한 시간의 흐름에 따른 낮과 밤 구현</a:t>
+            </a:r>
+            <a:endParaRPr lang="en-US" altLang="ko-KR" dirty="0">
+              <a:latin typeface="HY견고딕" panose="02030600000101010101" pitchFamily="18" charset="-127"/>
+              <a:ea typeface="HY견고딕" panose="02030600000101010101" pitchFamily="18" charset="-127"/>
+            </a:endParaRPr>
+          </a:p>
+        </p:txBody>
+      </p:sp>
       <p:pic>
         <p:nvPicPr>
-          <p:cNvPr id="9" name="그림 8" descr="건물, 절반, 음식, 벽돌이(가) 표시된 사진&#10;&#10;자동 생성된 설명">
-            <a:extLst>
-              <a:ext uri="{FF2B5EF4-FFF2-40B4-BE49-F238E27FC236}">
-                <a16:creationId xmlns:a16="http://schemas.microsoft.com/office/drawing/2014/main" id="{0DCC595C-445A-489F-9DDF-6E1438F64D94}"/>
+          <p:cNvPr id="14" name="그림 13" descr="건물, 실외, 물, 강이(가) 표시된 사진&#10;&#10;자동 생성된 설명">
+            <a:extLst>
+              <a:ext uri="{FF2B5EF4-FFF2-40B4-BE49-F238E27FC236}">
+                <a16:creationId xmlns:a16="http://schemas.microsoft.com/office/drawing/2014/main" id="{14230723-7CC9-4C8C-AA4A-E3E17DB7EFAC}"/>
               </a:ext>
             </a:extLst>
           </p:cNvPr>
@@ -4779,7 +4894,7 @@
           <p:nvPr/>
         </p:nvPicPr>
         <p:blipFill>
-          <a:blip r:embed="rId2">
+          <a:blip r:embed="rId2" cstate="print">
             <a:extLst>
               <a:ext uri="{28A0092B-C50C-407E-A947-70E740481C1C}">
                 <a14:useLocalDpi xmlns:a14="http://schemas.microsoft.com/office/drawing/2010/main" val="0"/>
@@ -4792,66 +4907,20 @@
         </p:blipFill>
         <p:spPr>
           <a:xfrm>
-            <a:off x="1791407" y="2532985"/>
-            <a:ext cx="2957703" cy="2070392"/>
+            <a:off x="1347787" y="2353689"/>
+            <a:ext cx="4138220" cy="2345327"/>
           </a:xfrm>
           <a:prstGeom prst="rect">
             <a:avLst/>
           </a:prstGeom>
         </p:spPr>
       </p:pic>
-      <p:sp>
-        <p:nvSpPr>
-          <p:cNvPr id="10" name="TextBox 9">
-            <a:extLst>
-              <a:ext uri="{FF2B5EF4-FFF2-40B4-BE49-F238E27FC236}">
-                <a16:creationId xmlns:a16="http://schemas.microsoft.com/office/drawing/2014/main" id="{91CCC584-08F0-4E77-AE75-71FEC2DB3051}"/>
-              </a:ext>
-            </a:extLst>
-          </p:cNvPr>
-          <p:cNvSpPr txBox="1"/>
-          <p:nvPr/>
-        </p:nvSpPr>
-        <p:spPr>
-          <a:xfrm>
-            <a:off x="2305539" y="2118585"/>
-            <a:ext cx="1893468" cy="400110"/>
-          </a:xfrm>
-          <a:prstGeom prst="rect">
-            <a:avLst/>
-          </a:prstGeom>
-          <a:noFill/>
-        </p:spPr>
-        <p:txBody>
-          <a:bodyPr wrap="none" rtlCol="0">
-            <a:spAutoFit/>
-          </a:bodyPr>
-          <a:lstStyle/>
-          <a:p>
-            <a:pPr algn="ctr"/>
-            <a:r>
-              <a:rPr lang="en-US" altLang="ko-KR" sz="2000" dirty="0">
-                <a:latin typeface="HY견고딕" panose="02030600000101010101" pitchFamily="18" charset="-127"/>
-                <a:ea typeface="HY견고딕" panose="02030600000101010101" pitchFamily="18" charset="-127"/>
-              </a:rPr>
-              <a:t>2. </a:t>
-            </a:r>
-            <a:r>
-              <a:rPr lang="ko-KR" altLang="en-US" sz="2000" dirty="0">
-                <a:latin typeface="HY견고딕" panose="02030600000101010101" pitchFamily="18" charset="-127"/>
-                <a:ea typeface="HY견고딕" panose="02030600000101010101" pitchFamily="18" charset="-127"/>
-              </a:rPr>
-              <a:t>그림자 매핑</a:t>
-            </a:r>
-          </a:p>
-        </p:txBody>
-      </p:sp>
       <p:pic>
         <p:nvPicPr>
-          <p:cNvPr id="12" name="그림 11" descr="벽돌, 앉아있는, 모니터, 사진이(가) 표시된 사진&#10;&#10;자동 생성된 설명">
-            <a:extLst>
-              <a:ext uri="{FF2B5EF4-FFF2-40B4-BE49-F238E27FC236}">
-                <a16:creationId xmlns:a16="http://schemas.microsoft.com/office/drawing/2014/main" id="{1D4F508A-FA3E-462F-B9FA-38C0B8AA2F18}"/>
+          <p:cNvPr id="16" name="그림 15" descr="고양이, 건물, 벽돌, 앉아있는이(가) 표시된 사진&#10;&#10;자동 생성된 설명">
+            <a:extLst>
+              <a:ext uri="{FF2B5EF4-FFF2-40B4-BE49-F238E27FC236}">
+                <a16:creationId xmlns:a16="http://schemas.microsoft.com/office/drawing/2014/main" id="{9AC8306D-C1A1-40F2-BAC9-AE070CBB9C54}"/>
               </a:ext>
             </a:extLst>
           </p:cNvPr>
@@ -4860,96 +4929,8 @@
           </p:cNvPicPr>
           <p:nvPr/>
         </p:nvPicPr>
-        <p:blipFill rotWithShape="1">
-          <a:blip r:embed="rId3">
-            <a:extLst>
-              <a:ext uri="{28A0092B-C50C-407E-A947-70E740481C1C}">
-                <a14:useLocalDpi xmlns:a14="http://schemas.microsoft.com/office/drawing/2010/main" val="0"/>
-              </a:ext>
-            </a:extLst>
-          </a:blip>
-          <a:srcRect l="8609" t="6429" r="16202" b="4480"/>
-          <a:stretch/>
-        </p:blipFill>
-        <p:spPr>
-          <a:xfrm>
-            <a:off x="5232903" y="2532985"/>
-            <a:ext cx="2230611" cy="2070392"/>
-          </a:xfrm>
-          <a:prstGeom prst="rect">
-            <a:avLst/>
-          </a:prstGeom>
-        </p:spPr>
-      </p:pic>
-      <p:sp>
-        <p:nvSpPr>
-          <p:cNvPr id="13" name="TextBox 12">
-            <a:extLst>
-              <a:ext uri="{FF2B5EF4-FFF2-40B4-BE49-F238E27FC236}">
-                <a16:creationId xmlns:a16="http://schemas.microsoft.com/office/drawing/2014/main" id="{B2D26FAC-DBA9-4053-A0B0-631DF7F75641}"/>
-              </a:ext>
-            </a:extLst>
-          </p:cNvPr>
-          <p:cNvSpPr txBox="1"/>
-          <p:nvPr/>
-        </p:nvSpPr>
-        <p:spPr>
-          <a:xfrm>
-            <a:off x="5511731" y="2121071"/>
-            <a:ext cx="1636987" cy="400110"/>
-          </a:xfrm>
-          <a:prstGeom prst="rect">
-            <a:avLst/>
-          </a:prstGeom>
-          <a:noFill/>
-        </p:spPr>
-        <p:txBody>
-          <a:bodyPr wrap="none" rtlCol="0">
-            <a:spAutoFit/>
-          </a:bodyPr>
-          <a:lstStyle/>
-          <a:p>
-            <a:pPr algn="ctr"/>
-            <a:r>
-              <a:rPr lang="en-US" altLang="ko-KR" sz="2000" dirty="0">
-                <a:latin typeface="HY견고딕" panose="02030600000101010101" pitchFamily="18" charset="-127"/>
-                <a:ea typeface="HY견고딕" panose="02030600000101010101" pitchFamily="18" charset="-127"/>
-              </a:rPr>
-              <a:t>3. </a:t>
-            </a:r>
-            <a:r>
-              <a:rPr lang="ko-KR" altLang="en-US" sz="2000" dirty="0" err="1">
-                <a:latin typeface="HY견고딕" panose="02030600000101010101" pitchFamily="18" charset="-127"/>
-                <a:ea typeface="HY견고딕" panose="02030600000101010101" pitchFamily="18" charset="-127"/>
-              </a:rPr>
-              <a:t>노멀</a:t>
-            </a:r>
-            <a:r>
-              <a:rPr lang="ko-KR" altLang="en-US" sz="2000" dirty="0">
-                <a:latin typeface="HY견고딕" panose="02030600000101010101" pitchFamily="18" charset="-127"/>
-                <a:ea typeface="HY견고딕" panose="02030600000101010101" pitchFamily="18" charset="-127"/>
-              </a:rPr>
-              <a:t> 매핑</a:t>
-            </a:r>
-          </a:p>
-        </p:txBody>
-      </p:sp>
-      <p:pic>
-        <p:nvPicPr>
-          <p:cNvPr id="15" name="그림 14" descr="벽돌, 건물, 앉아있는, 음식이(가) 표시된 사진&#10;&#10;자동 생성된 설명">
-            <a:extLst>
-              <a:ext uri="{FF2B5EF4-FFF2-40B4-BE49-F238E27FC236}">
-                <a16:creationId xmlns:a16="http://schemas.microsoft.com/office/drawing/2014/main" id="{C40936DB-81A0-4527-AEED-D7004D8327CF}"/>
-              </a:ext>
-            </a:extLst>
-          </p:cNvPr>
-          <p:cNvPicPr>
-            <a:picLocks noChangeAspect="1"/>
-          </p:cNvPicPr>
-          <p:nvPr/>
-        </p:nvPicPr>
         <p:blipFill>
-          <a:blip r:embed="rId4">
+          <a:blip r:embed="rId3" cstate="print">
             <a:extLst>
               <a:ext uri="{28A0092B-C50C-407E-A947-70E740481C1C}">
                 <a14:useLocalDpi xmlns:a14="http://schemas.microsoft.com/office/drawing/2010/main" val="0"/>
@@ -4962,138 +4943,18 @@
         </p:blipFill>
         <p:spPr>
           <a:xfrm>
-            <a:off x="7931045" y="2532984"/>
-            <a:ext cx="2587989" cy="2070391"/>
+            <a:off x="5673881" y="2373335"/>
+            <a:ext cx="5331966" cy="2325682"/>
           </a:xfrm>
           <a:prstGeom prst="rect">
             <a:avLst/>
           </a:prstGeom>
         </p:spPr>
       </p:pic>
-      <p:sp>
-        <p:nvSpPr>
-          <p:cNvPr id="16" name="TextBox 15">
-            <a:extLst>
-              <a:ext uri="{FF2B5EF4-FFF2-40B4-BE49-F238E27FC236}">
-                <a16:creationId xmlns:a16="http://schemas.microsoft.com/office/drawing/2014/main" id="{57048539-5646-4E42-9753-B1FF8527B8F0}"/>
-              </a:ext>
-            </a:extLst>
-          </p:cNvPr>
-          <p:cNvSpPr txBox="1"/>
-          <p:nvPr/>
-        </p:nvSpPr>
-        <p:spPr>
-          <a:xfrm>
-            <a:off x="8516801" y="2118584"/>
-            <a:ext cx="1380507" cy="400110"/>
-          </a:xfrm>
-          <a:prstGeom prst="rect">
-            <a:avLst/>
-          </a:prstGeom>
-          <a:noFill/>
-        </p:spPr>
-        <p:txBody>
-          <a:bodyPr wrap="none" rtlCol="0">
-            <a:spAutoFit/>
-          </a:bodyPr>
-          <a:lstStyle/>
-          <a:p>
-            <a:pPr algn="ctr"/>
-            <a:r>
-              <a:rPr lang="en-US" altLang="ko-KR" sz="2000" dirty="0">
-                <a:latin typeface="HY견고딕" panose="02030600000101010101" pitchFamily="18" charset="-127"/>
-                <a:ea typeface="HY견고딕" panose="02030600000101010101" pitchFamily="18" charset="-127"/>
-              </a:rPr>
-              <a:t>4. </a:t>
-            </a:r>
-            <a:r>
-              <a:rPr lang="ko-KR" altLang="en-US" sz="2000" dirty="0">
-                <a:latin typeface="HY견고딕" panose="02030600000101010101" pitchFamily="18" charset="-127"/>
-                <a:ea typeface="HY견고딕" panose="02030600000101010101" pitchFamily="18" charset="-127"/>
-              </a:rPr>
-              <a:t>물 표현</a:t>
-            </a:r>
-          </a:p>
-        </p:txBody>
-      </p:sp>
-      <p:sp>
-        <p:nvSpPr>
-          <p:cNvPr id="17" name="TextBox 16">
-            <a:extLst>
-              <a:ext uri="{FF2B5EF4-FFF2-40B4-BE49-F238E27FC236}">
-                <a16:creationId xmlns:a16="http://schemas.microsoft.com/office/drawing/2014/main" id="{7D8FF188-A240-47A9-9C4C-4140A11442ED}"/>
-              </a:ext>
-            </a:extLst>
-          </p:cNvPr>
-          <p:cNvSpPr txBox="1"/>
-          <p:nvPr/>
-        </p:nvSpPr>
-        <p:spPr>
-          <a:xfrm>
-            <a:off x="3228870" y="5029579"/>
-            <a:ext cx="5734262" cy="646331"/>
-          </a:xfrm>
-          <a:prstGeom prst="rect">
-            <a:avLst/>
-          </a:prstGeom>
-          <a:noFill/>
-        </p:spPr>
-        <p:txBody>
-          <a:bodyPr wrap="none" rtlCol="0">
-            <a:spAutoFit/>
-          </a:bodyPr>
-          <a:lstStyle/>
-          <a:p>
-            <a:pPr algn="ctr"/>
-            <a:r>
-              <a:rPr lang="ko-KR" altLang="en-US" dirty="0">
-                <a:latin typeface="HY견고딕" panose="02030600000101010101" pitchFamily="18" charset="-127"/>
-                <a:ea typeface="HY견고딕" panose="02030600000101010101" pitchFamily="18" charset="-127"/>
-              </a:rPr>
-              <a:t>그림자 효과와 </a:t>
-            </a:r>
-            <a:r>
-              <a:rPr lang="ko-KR" altLang="en-US" dirty="0" err="1">
-                <a:latin typeface="HY견고딕" panose="02030600000101010101" pitchFamily="18" charset="-127"/>
-                <a:ea typeface="HY견고딕" panose="02030600000101010101" pitchFamily="18" charset="-127"/>
-              </a:rPr>
-              <a:t>범프매핑</a:t>
-            </a:r>
-            <a:r>
-              <a:rPr lang="en-US" altLang="ko-KR" dirty="0">
-                <a:latin typeface="HY견고딕" panose="02030600000101010101" pitchFamily="18" charset="-127"/>
-                <a:ea typeface="HY견고딕" panose="02030600000101010101" pitchFamily="18" charset="-127"/>
-              </a:rPr>
-              <a:t>, </a:t>
-            </a:r>
-            <a:r>
-              <a:rPr lang="ko-KR" altLang="en-US" dirty="0">
-                <a:latin typeface="HY견고딕" panose="02030600000101010101" pitchFamily="18" charset="-127"/>
-                <a:ea typeface="HY견고딕" panose="02030600000101010101" pitchFamily="18" charset="-127"/>
-              </a:rPr>
-              <a:t>물 표현과 같은 환경 매핑을 </a:t>
-            </a:r>
-            <a:endParaRPr lang="en-US" altLang="ko-KR" dirty="0">
-              <a:latin typeface="HY견고딕" panose="02030600000101010101" pitchFamily="18" charset="-127"/>
-              <a:ea typeface="HY견고딕" panose="02030600000101010101" pitchFamily="18" charset="-127"/>
-            </a:endParaRPr>
-          </a:p>
-          <a:p>
-            <a:pPr algn="ctr"/>
-            <a:r>
-              <a:rPr lang="ko-KR" altLang="en-US" dirty="0">
-                <a:latin typeface="HY견고딕" panose="02030600000101010101" pitchFamily="18" charset="-127"/>
-                <a:ea typeface="HY견고딕" panose="02030600000101010101" pitchFamily="18" charset="-127"/>
-              </a:rPr>
-              <a:t>구현하여 사실적인 플레이경험을 제공</a:t>
-            </a:r>
-          </a:p>
-        </p:txBody>
-      </p:sp>
     </p:spTree>
     <p:extLst>
       <p:ext uri="{BB962C8B-B14F-4D97-AF65-F5344CB8AC3E}">
-        <p14:creationId xmlns:p14="http://schemas.microsoft.com/office/powerpoint/2010/main" val="3893836757"/>
+        <p14:creationId xmlns:p14="http://schemas.microsoft.com/office/powerpoint/2010/main" val="4039539071"/>
       </p:ext>
     </p:extLst>
   </p:cSld>
@@ -5216,7 +5077,7 @@
         <p:spPr>
           <a:xfrm>
             <a:off x="8671112" y="443788"/>
-            <a:ext cx="2287806" cy="523220"/>
+            <a:ext cx="1960793" cy="523220"/>
           </a:xfrm>
           <a:prstGeom prst="rect">
             <a:avLst/>
@@ -5235,27 +5096,6 @@
                 <a:ea typeface="HY헤드라인M" panose="02030600000101010101" pitchFamily="18" charset="-127"/>
               </a:rPr>
               <a:t>The Island</a:t>
-            </a:r>
-            <a:r>
-              <a:rPr lang="en-US" altLang="ko-KR" sz="1050" dirty="0">
-                <a:latin typeface="HY헤드라인M" panose="02030600000101010101" pitchFamily="18" charset="-127"/>
-                <a:ea typeface="HY헤드라인M" panose="02030600000101010101" pitchFamily="18" charset="-127"/>
-              </a:rPr>
-              <a:t>(</a:t>
-            </a:r>
-            <a:r>
-              <a:rPr lang="ko-KR" altLang="en-US" sz="1050" dirty="0">
-                <a:latin typeface="HY헤드라인M" panose="02030600000101010101" pitchFamily="18" charset="-127"/>
-                <a:ea typeface="HY헤드라인M" panose="02030600000101010101" pitchFamily="18" charset="-127"/>
-              </a:rPr>
-              <a:t>가제</a:t>
-            </a:r>
-            <a:r>
-              <a:rPr lang="en-US" altLang="ko-KR" sz="1050" dirty="0">
-                <a:latin typeface="HY헤드라인M" panose="02030600000101010101" pitchFamily="18" charset="-127"/>
-                <a:ea typeface="HY헤드라인M" panose="02030600000101010101" pitchFamily="18" charset="-127"/>
-              </a:rPr>
-              <a:t>)</a:t>
             </a:r>
             <a:endParaRPr lang="ko-KR" altLang="en-US" sz="2800" dirty="0">
               <a:latin typeface="HY헤드라인M" panose="02030600000101010101" pitchFamily="18" charset="-127"/>
@@ -5327,7 +5167,7 @@
         <p:spPr>
           <a:xfrm>
             <a:off x="10207499" y="6283173"/>
-            <a:ext cx="636713" cy="369332"/>
+            <a:ext cx="809837" cy="369332"/>
           </a:xfrm>
           <a:prstGeom prst="rect">
             <a:avLst/>
@@ -5345,7 +5185,7 @@
                 <a:latin typeface="HY헤드라인M" panose="02030600000101010101" pitchFamily="18" charset="-127"/>
                 <a:ea typeface="HY헤드라인M" panose="02030600000101010101" pitchFamily="18" charset="-127"/>
               </a:rPr>
-              <a:t>12/..</a:t>
+              <a:t>12/18</a:t>
             </a:r>
             <a:endParaRPr lang="ko-KR" altLang="en-US" dirty="0">
               <a:latin typeface="HY헤드라인M" panose="02030600000101010101" pitchFamily="18" charset="-127"/>
@@ -5397,139 +5237,12 @@
           </a:fontRef>
         </p:style>
       </p:cxnSp>
-      <p:sp>
-        <p:nvSpPr>
-          <p:cNvPr id="13" name="TextBox 12">
-            <a:extLst>
-              <a:ext uri="{FF2B5EF4-FFF2-40B4-BE49-F238E27FC236}">
-                <a16:creationId xmlns:a16="http://schemas.microsoft.com/office/drawing/2014/main" id="{B2D26FAC-DBA9-4053-A0B0-631DF7F75641}"/>
-              </a:ext>
-            </a:extLst>
-          </p:cNvPr>
-          <p:cNvSpPr txBox="1"/>
-          <p:nvPr/>
-        </p:nvSpPr>
-        <p:spPr>
-          <a:xfrm>
-            <a:off x="5040625" y="1822948"/>
-            <a:ext cx="1893468" cy="400110"/>
-          </a:xfrm>
-          <a:prstGeom prst="rect">
-            <a:avLst/>
-          </a:prstGeom>
-          <a:noFill/>
-        </p:spPr>
-        <p:txBody>
-          <a:bodyPr wrap="none" rtlCol="0">
-            <a:spAutoFit/>
-          </a:bodyPr>
-          <a:lstStyle/>
-          <a:p>
-            <a:pPr algn="ctr"/>
-            <a:r>
-              <a:rPr lang="en-US" altLang="ko-KR" sz="2000" dirty="0">
-                <a:latin typeface="HY견고딕" panose="02030600000101010101" pitchFamily="18" charset="-127"/>
-                <a:ea typeface="HY견고딕" panose="02030600000101010101" pitchFamily="18" charset="-127"/>
-              </a:rPr>
-              <a:t>5. </a:t>
-            </a:r>
-            <a:r>
-              <a:rPr lang="ko-KR" altLang="en-US" sz="2000" dirty="0" err="1">
-                <a:latin typeface="HY견고딕" panose="02030600000101010101" pitchFamily="18" charset="-127"/>
-                <a:ea typeface="HY견고딕" panose="02030600000101010101" pitchFamily="18" charset="-127"/>
-              </a:rPr>
-              <a:t>데칼</a:t>
-            </a:r>
-            <a:r>
-              <a:rPr lang="ko-KR" altLang="en-US" sz="2000" dirty="0">
-                <a:latin typeface="HY견고딕" panose="02030600000101010101" pitchFamily="18" charset="-127"/>
-                <a:ea typeface="HY견고딕" panose="02030600000101010101" pitchFamily="18" charset="-127"/>
-              </a:rPr>
-              <a:t> 이미지</a:t>
-            </a:r>
-          </a:p>
-        </p:txBody>
-      </p:sp>
-      <p:sp>
-        <p:nvSpPr>
-          <p:cNvPr id="17" name="TextBox 16">
-            <a:extLst>
-              <a:ext uri="{FF2B5EF4-FFF2-40B4-BE49-F238E27FC236}">
-                <a16:creationId xmlns:a16="http://schemas.microsoft.com/office/drawing/2014/main" id="{7D8FF188-A240-47A9-9C4C-4140A11442ED}"/>
-              </a:ext>
-            </a:extLst>
-          </p:cNvPr>
-          <p:cNvSpPr txBox="1"/>
-          <p:nvPr/>
-        </p:nvSpPr>
-        <p:spPr>
-          <a:xfrm>
-            <a:off x="2656597" y="4761256"/>
-            <a:ext cx="6878806" cy="646331"/>
-          </a:xfrm>
-          <a:prstGeom prst="rect">
-            <a:avLst/>
-          </a:prstGeom>
-          <a:noFill/>
-        </p:spPr>
-        <p:txBody>
-          <a:bodyPr wrap="none" rtlCol="0">
-            <a:spAutoFit/>
-          </a:bodyPr>
-          <a:lstStyle/>
-          <a:p>
-            <a:pPr algn="ctr"/>
-            <a:r>
-              <a:rPr lang="ko-KR" altLang="en-US" dirty="0" err="1">
-                <a:latin typeface="HY견고딕" panose="02030600000101010101" pitchFamily="18" charset="-127"/>
-                <a:ea typeface="HY견고딕" panose="02030600000101010101" pitchFamily="18" charset="-127"/>
-              </a:rPr>
-              <a:t>데칼</a:t>
-            </a:r>
-            <a:r>
-              <a:rPr lang="ko-KR" altLang="en-US" dirty="0">
-                <a:latin typeface="HY견고딕" panose="02030600000101010101" pitchFamily="18" charset="-127"/>
-                <a:ea typeface="HY견고딕" panose="02030600000101010101" pitchFamily="18" charset="-127"/>
-              </a:rPr>
-              <a:t> 이미지를 통하여 지형 오브젝트 등에 </a:t>
-            </a:r>
-            <a:r>
-              <a:rPr lang="ko-KR" altLang="en-US" dirty="0" err="1">
-                <a:latin typeface="HY견고딕" panose="02030600000101010101" pitchFamily="18" charset="-127"/>
-                <a:ea typeface="HY견고딕" panose="02030600000101010101" pitchFamily="18" charset="-127"/>
-              </a:rPr>
-              <a:t>음푹</a:t>
-            </a:r>
-            <a:r>
-              <a:rPr lang="ko-KR" altLang="en-US" dirty="0">
-                <a:latin typeface="HY견고딕" panose="02030600000101010101" pitchFamily="18" charset="-127"/>
-                <a:ea typeface="HY견고딕" panose="02030600000101010101" pitchFamily="18" charset="-127"/>
-              </a:rPr>
-              <a:t> 패인 이미지 등을</a:t>
-            </a:r>
-            <a:endParaRPr lang="en-US" altLang="ko-KR" dirty="0">
-              <a:latin typeface="HY견고딕" panose="02030600000101010101" pitchFamily="18" charset="-127"/>
-              <a:ea typeface="HY견고딕" panose="02030600000101010101" pitchFamily="18" charset="-127"/>
-            </a:endParaRPr>
-          </a:p>
-          <a:p>
-            <a:pPr algn="ctr"/>
-            <a:r>
-              <a:rPr lang="ko-KR" altLang="en-US" dirty="0">
-                <a:latin typeface="HY견고딕" panose="02030600000101010101" pitchFamily="18" charset="-127"/>
-                <a:ea typeface="HY견고딕" panose="02030600000101010101" pitchFamily="18" charset="-127"/>
-              </a:rPr>
-              <a:t>추가하여 플레이어에게 좀더 명확한 피드백을 제공</a:t>
-            </a:r>
-          </a:p>
-        </p:txBody>
-      </p:sp>
       <p:pic>
         <p:nvPicPr>
-          <p:cNvPr id="11" name="그림 10" descr="실내, 검은색, 대형, 방이(가) 표시된 사진&#10;&#10;자동 생성된 설명">
-            <a:extLst>
-              <a:ext uri="{FF2B5EF4-FFF2-40B4-BE49-F238E27FC236}">
-                <a16:creationId xmlns:a16="http://schemas.microsoft.com/office/drawing/2014/main" id="{D141A138-F042-4668-8D3E-01965F00DD70}"/>
+          <p:cNvPr id="9" name="그림 8" descr="건물, 절반, 음식, 벽돌이(가) 표시된 사진&#10;&#10;자동 생성된 설명">
+            <a:extLst>
+              <a:ext uri="{FF2B5EF4-FFF2-40B4-BE49-F238E27FC236}">
+                <a16:creationId xmlns:a16="http://schemas.microsoft.com/office/drawing/2014/main" id="{0DCC595C-445A-489F-9DDF-6E1438F64D94}"/>
               </a:ext>
             </a:extLst>
           </p:cNvPr>
@@ -5552,20 +5265,66 @@
         </p:blipFill>
         <p:spPr>
           <a:xfrm>
-            <a:off x="6095999" y="2396663"/>
-            <a:ext cx="3586426" cy="1996218"/>
+            <a:off x="1791407" y="2532985"/>
+            <a:ext cx="2957703" cy="2070392"/>
           </a:xfrm>
           <a:prstGeom prst="rect">
             <a:avLst/>
           </a:prstGeom>
         </p:spPr>
       </p:pic>
+      <p:sp>
+        <p:nvSpPr>
+          <p:cNvPr id="10" name="TextBox 9">
+            <a:extLst>
+              <a:ext uri="{FF2B5EF4-FFF2-40B4-BE49-F238E27FC236}">
+                <a16:creationId xmlns:a16="http://schemas.microsoft.com/office/drawing/2014/main" id="{91CCC584-08F0-4E77-AE75-71FEC2DB3051}"/>
+              </a:ext>
+            </a:extLst>
+          </p:cNvPr>
+          <p:cNvSpPr txBox="1"/>
+          <p:nvPr/>
+        </p:nvSpPr>
+        <p:spPr>
+          <a:xfrm>
+            <a:off x="2305539" y="2118585"/>
+            <a:ext cx="1893468" cy="400110"/>
+          </a:xfrm>
+          <a:prstGeom prst="rect">
+            <a:avLst/>
+          </a:prstGeom>
+          <a:noFill/>
+        </p:spPr>
+        <p:txBody>
+          <a:bodyPr wrap="none" rtlCol="0">
+            <a:spAutoFit/>
+          </a:bodyPr>
+          <a:lstStyle/>
+          <a:p>
+            <a:pPr algn="ctr"/>
+            <a:r>
+              <a:rPr lang="en-US" altLang="ko-KR" sz="2000" dirty="0">
+                <a:latin typeface="HY견고딕" panose="02030600000101010101" pitchFamily="18" charset="-127"/>
+                <a:ea typeface="HY견고딕" panose="02030600000101010101" pitchFamily="18" charset="-127"/>
+              </a:rPr>
+              <a:t>3. </a:t>
+            </a:r>
+            <a:r>
+              <a:rPr lang="ko-KR" altLang="en-US" sz="2000" dirty="0">
+                <a:latin typeface="HY견고딕" panose="02030600000101010101" pitchFamily="18" charset="-127"/>
+                <a:ea typeface="HY견고딕" panose="02030600000101010101" pitchFamily="18" charset="-127"/>
+              </a:rPr>
+              <a:t>그림자 매핑</a:t>
+            </a:r>
+          </a:p>
+        </p:txBody>
+      </p:sp>
       <p:pic>
         <p:nvPicPr>
-          <p:cNvPr id="18" name="그림 17" descr="실내, 바닥, 테이블, 카페트이(가) 표시된 사진&#10;&#10;자동 생성된 설명">
-            <a:extLst>
-              <a:ext uri="{FF2B5EF4-FFF2-40B4-BE49-F238E27FC236}">
-                <a16:creationId xmlns:a16="http://schemas.microsoft.com/office/drawing/2014/main" id="{83824680-4944-4312-909C-535D61E724FB}"/>
+          <p:cNvPr id="12" name="그림 11" descr="벽돌, 앉아있는, 모니터, 사진이(가) 표시된 사진&#10;&#10;자동 생성된 설명">
+            <a:extLst>
+              <a:ext uri="{FF2B5EF4-FFF2-40B4-BE49-F238E27FC236}">
+                <a16:creationId xmlns:a16="http://schemas.microsoft.com/office/drawing/2014/main" id="{1D4F508A-FA3E-462F-B9FA-38C0B8AA2F18}"/>
               </a:ext>
             </a:extLst>
           </p:cNvPr>
@@ -5574,8 +5333,96 @@
           </p:cNvPicPr>
           <p:nvPr/>
         </p:nvPicPr>
+        <p:blipFill rotWithShape="1">
+          <a:blip r:embed="rId3">
+            <a:extLst>
+              <a:ext uri="{28A0092B-C50C-407E-A947-70E740481C1C}">
+                <a14:useLocalDpi xmlns:a14="http://schemas.microsoft.com/office/drawing/2010/main" val="0"/>
+              </a:ext>
+            </a:extLst>
+          </a:blip>
+          <a:srcRect l="8609" t="6429" r="16202" b="4480"/>
+          <a:stretch/>
+        </p:blipFill>
+        <p:spPr>
+          <a:xfrm>
+            <a:off x="5232903" y="2532985"/>
+            <a:ext cx="2230611" cy="2070392"/>
+          </a:xfrm>
+          <a:prstGeom prst="rect">
+            <a:avLst/>
+          </a:prstGeom>
+        </p:spPr>
+      </p:pic>
+      <p:sp>
+        <p:nvSpPr>
+          <p:cNvPr id="13" name="TextBox 12">
+            <a:extLst>
+              <a:ext uri="{FF2B5EF4-FFF2-40B4-BE49-F238E27FC236}">
+                <a16:creationId xmlns:a16="http://schemas.microsoft.com/office/drawing/2014/main" id="{B2D26FAC-DBA9-4053-A0B0-631DF7F75641}"/>
+              </a:ext>
+            </a:extLst>
+          </p:cNvPr>
+          <p:cNvSpPr txBox="1"/>
+          <p:nvPr/>
+        </p:nvSpPr>
+        <p:spPr>
+          <a:xfrm>
+            <a:off x="5511731" y="2121071"/>
+            <a:ext cx="1636987" cy="400110"/>
+          </a:xfrm>
+          <a:prstGeom prst="rect">
+            <a:avLst/>
+          </a:prstGeom>
+          <a:noFill/>
+        </p:spPr>
+        <p:txBody>
+          <a:bodyPr wrap="none" rtlCol="0">
+            <a:spAutoFit/>
+          </a:bodyPr>
+          <a:lstStyle/>
+          <a:p>
+            <a:pPr algn="ctr"/>
+            <a:r>
+              <a:rPr lang="en-US" altLang="ko-KR" sz="2000" dirty="0">
+                <a:latin typeface="HY견고딕" panose="02030600000101010101" pitchFamily="18" charset="-127"/>
+                <a:ea typeface="HY견고딕" panose="02030600000101010101" pitchFamily="18" charset="-127"/>
+              </a:rPr>
+              <a:t>4. </a:t>
+            </a:r>
+            <a:r>
+              <a:rPr lang="ko-KR" altLang="en-US" sz="2000" dirty="0" err="1">
+                <a:latin typeface="HY견고딕" panose="02030600000101010101" pitchFamily="18" charset="-127"/>
+                <a:ea typeface="HY견고딕" panose="02030600000101010101" pitchFamily="18" charset="-127"/>
+              </a:rPr>
+              <a:t>노멀</a:t>
+            </a:r>
+            <a:r>
+              <a:rPr lang="ko-KR" altLang="en-US" sz="2000" dirty="0">
+                <a:latin typeface="HY견고딕" panose="02030600000101010101" pitchFamily="18" charset="-127"/>
+                <a:ea typeface="HY견고딕" panose="02030600000101010101" pitchFamily="18" charset="-127"/>
+              </a:rPr>
+              <a:t> 매핑</a:t>
+            </a:r>
+          </a:p>
+        </p:txBody>
+      </p:sp>
+      <p:pic>
+        <p:nvPicPr>
+          <p:cNvPr id="15" name="그림 14" descr="벽돌, 건물, 앉아있는, 음식이(가) 표시된 사진&#10;&#10;자동 생성된 설명">
+            <a:extLst>
+              <a:ext uri="{FF2B5EF4-FFF2-40B4-BE49-F238E27FC236}">
+                <a16:creationId xmlns:a16="http://schemas.microsoft.com/office/drawing/2014/main" id="{C40936DB-81A0-4527-AEED-D7004D8327CF}"/>
+              </a:ext>
+            </a:extLst>
+          </p:cNvPr>
+          <p:cNvPicPr>
+            <a:picLocks noChangeAspect="1"/>
+          </p:cNvPicPr>
+          <p:nvPr/>
+        </p:nvPicPr>
         <p:blipFill>
-          <a:blip r:embed="rId3">
+          <a:blip r:embed="rId4">
             <a:extLst>
               <a:ext uri="{28A0092B-C50C-407E-A947-70E740481C1C}">
                 <a14:useLocalDpi xmlns:a14="http://schemas.microsoft.com/office/drawing/2010/main" val="0"/>
@@ -5588,18 +5435,163 @@
         </p:blipFill>
         <p:spPr>
           <a:xfrm>
-            <a:off x="2729899" y="2392335"/>
-            <a:ext cx="3106969" cy="2004874"/>
+            <a:off x="7931045" y="2532984"/>
+            <a:ext cx="2587989" cy="2070391"/>
           </a:xfrm>
           <a:prstGeom prst="rect">
             <a:avLst/>
           </a:prstGeom>
         </p:spPr>
       </p:pic>
+      <p:sp>
+        <p:nvSpPr>
+          <p:cNvPr id="16" name="TextBox 15">
+            <a:extLst>
+              <a:ext uri="{FF2B5EF4-FFF2-40B4-BE49-F238E27FC236}">
+                <a16:creationId xmlns:a16="http://schemas.microsoft.com/office/drawing/2014/main" id="{57048539-5646-4E42-9753-B1FF8527B8F0}"/>
+              </a:ext>
+            </a:extLst>
+          </p:cNvPr>
+          <p:cNvSpPr txBox="1"/>
+          <p:nvPr/>
+        </p:nvSpPr>
+        <p:spPr>
+          <a:xfrm>
+            <a:off x="8015865" y="2118584"/>
+            <a:ext cx="2382383" cy="400110"/>
+          </a:xfrm>
+          <a:prstGeom prst="rect">
+            <a:avLst/>
+          </a:prstGeom>
+          <a:noFill/>
+        </p:spPr>
+        <p:txBody>
+          <a:bodyPr wrap="none" rtlCol="0">
+            <a:spAutoFit/>
+          </a:bodyPr>
+          <a:lstStyle/>
+          <a:p>
+            <a:pPr algn="ctr"/>
+            <a:r>
+              <a:rPr lang="en-US" altLang="ko-KR" sz="2000" dirty="0">
+                <a:latin typeface="HY견고딕" panose="02030600000101010101" pitchFamily="18" charset="-127"/>
+                <a:ea typeface="HY견고딕" panose="02030600000101010101" pitchFamily="18" charset="-127"/>
+              </a:rPr>
+              <a:t>5. </a:t>
+            </a:r>
+            <a:r>
+              <a:rPr lang="ko-KR" altLang="en-US" sz="2000" dirty="0">
+                <a:latin typeface="HY견고딕" panose="02030600000101010101" pitchFamily="18" charset="-127"/>
+                <a:ea typeface="HY견고딕" panose="02030600000101010101" pitchFamily="18" charset="-127"/>
+              </a:rPr>
+              <a:t>환경 매핑 </a:t>
+            </a:r>
+            <a:r>
+              <a:rPr lang="en-US" altLang="ko-KR" sz="2000" dirty="0">
+                <a:latin typeface="HY견고딕" panose="02030600000101010101" pitchFamily="18" charset="-127"/>
+                <a:ea typeface="HY견고딕" panose="02030600000101010101" pitchFamily="18" charset="-127"/>
+              </a:rPr>
+              <a:t>( </a:t>
+            </a:r>
+            <a:r>
+              <a:rPr lang="ko-KR" altLang="en-US" sz="2000" dirty="0">
+                <a:latin typeface="HY견고딕" panose="02030600000101010101" pitchFamily="18" charset="-127"/>
+                <a:ea typeface="HY견고딕" panose="02030600000101010101" pitchFamily="18" charset="-127"/>
+              </a:rPr>
+              <a:t>물 </a:t>
+            </a:r>
+            <a:r>
+              <a:rPr lang="en-US" altLang="ko-KR" sz="2000" dirty="0">
+                <a:latin typeface="HY견고딕" panose="02030600000101010101" pitchFamily="18" charset="-127"/>
+                <a:ea typeface="HY견고딕" panose="02030600000101010101" pitchFamily="18" charset="-127"/>
+              </a:rPr>
+              <a:t>)</a:t>
+            </a:r>
+            <a:endParaRPr lang="ko-KR" altLang="en-US" sz="2000" dirty="0">
+              <a:latin typeface="HY견고딕" panose="02030600000101010101" pitchFamily="18" charset="-127"/>
+              <a:ea typeface="HY견고딕" panose="02030600000101010101" pitchFamily="18" charset="-127"/>
+            </a:endParaRPr>
+          </a:p>
+        </p:txBody>
+      </p:sp>
+      <p:sp>
+        <p:nvSpPr>
+          <p:cNvPr id="17" name="TextBox 16">
+            <a:extLst>
+              <a:ext uri="{FF2B5EF4-FFF2-40B4-BE49-F238E27FC236}">
+                <a16:creationId xmlns:a16="http://schemas.microsoft.com/office/drawing/2014/main" id="{7D8FF188-A240-47A9-9C4C-4140A11442ED}"/>
+              </a:ext>
+            </a:extLst>
+          </p:cNvPr>
+          <p:cNvSpPr txBox="1"/>
+          <p:nvPr/>
+        </p:nvSpPr>
+        <p:spPr>
+          <a:xfrm>
+            <a:off x="3228870" y="5029579"/>
+            <a:ext cx="5734262" cy="646331"/>
+          </a:xfrm>
+          <a:prstGeom prst="rect">
+            <a:avLst/>
+          </a:prstGeom>
+          <a:noFill/>
+        </p:spPr>
+        <p:txBody>
+          <a:bodyPr wrap="none" rtlCol="0">
+            <a:spAutoFit/>
+          </a:bodyPr>
+          <a:lstStyle/>
+          <a:p>
+            <a:pPr algn="ctr"/>
+            <a:r>
+              <a:rPr lang="ko-KR" altLang="en-US" dirty="0">
+                <a:latin typeface="HY견고딕" panose="02030600000101010101" pitchFamily="18" charset="-127"/>
+                <a:ea typeface="HY견고딕" panose="02030600000101010101" pitchFamily="18" charset="-127"/>
+              </a:rPr>
+              <a:t>그림자 효과와 </a:t>
+            </a:r>
+            <a:r>
+              <a:rPr lang="ko-KR" altLang="en-US" dirty="0" err="1">
+                <a:latin typeface="HY견고딕" panose="02030600000101010101" pitchFamily="18" charset="-127"/>
+                <a:ea typeface="HY견고딕" panose="02030600000101010101" pitchFamily="18" charset="-127"/>
+              </a:rPr>
+              <a:t>범프매핑</a:t>
+            </a:r>
+            <a:r>
+              <a:rPr lang="en-US" altLang="ko-KR" dirty="0">
+                <a:latin typeface="HY견고딕" panose="02030600000101010101" pitchFamily="18" charset="-127"/>
+                <a:ea typeface="HY견고딕" panose="02030600000101010101" pitchFamily="18" charset="-127"/>
+              </a:rPr>
+              <a:t>, </a:t>
+            </a:r>
+            <a:r>
+              <a:rPr lang="ko-KR" altLang="en-US" dirty="0">
+                <a:latin typeface="HY견고딕" panose="02030600000101010101" pitchFamily="18" charset="-127"/>
+                <a:ea typeface="HY견고딕" panose="02030600000101010101" pitchFamily="18" charset="-127"/>
+              </a:rPr>
+              <a:t>물 표현과 같은 환경 매핑을 </a:t>
+            </a:r>
+            <a:endParaRPr lang="en-US" altLang="ko-KR" dirty="0">
+              <a:latin typeface="HY견고딕" panose="02030600000101010101" pitchFamily="18" charset="-127"/>
+              <a:ea typeface="HY견고딕" panose="02030600000101010101" pitchFamily="18" charset="-127"/>
+            </a:endParaRPr>
+          </a:p>
+          <a:p>
+            <a:pPr algn="ctr"/>
+            <a:r>
+              <a:rPr lang="ko-KR" altLang="en-US" dirty="0">
+                <a:latin typeface="HY견고딕" panose="02030600000101010101" pitchFamily="18" charset="-127"/>
+                <a:ea typeface="HY견고딕" panose="02030600000101010101" pitchFamily="18" charset="-127"/>
+              </a:rPr>
+              <a:t>구현하여 사실적인 플레이경험을 제공</a:t>
+            </a:r>
+          </a:p>
+        </p:txBody>
+      </p:sp>
     </p:spTree>
     <p:extLst>
       <p:ext uri="{BB962C8B-B14F-4D97-AF65-F5344CB8AC3E}">
-        <p14:creationId xmlns:p14="http://schemas.microsoft.com/office/powerpoint/2010/main" val="3299542492"/>
+        <p14:creationId xmlns:p14="http://schemas.microsoft.com/office/powerpoint/2010/main" val="3893836757"/>
       </p:ext>
     </p:extLst>
   </p:cSld>
@@ -5628,8 +5620,16 @@
       </p:grpSpPr>
       <p:cxnSp>
         <p:nvCxnSpPr>
-          <p:cNvPr id="2" name="직선 연결선 1"/>
-          <p:cNvCxnSpPr/>
+          <p:cNvPr id="2" name="직선 연결선 1">
+            <a:extLst>
+              <a:ext uri="{FF2B5EF4-FFF2-40B4-BE49-F238E27FC236}">
+                <a16:creationId xmlns:a16="http://schemas.microsoft.com/office/drawing/2014/main" id="{F489D314-C637-4E9E-947D-448763FA3CE1}"/>
+              </a:ext>
+            </a:extLst>
+          </p:cNvPr>
+          <p:cNvCxnSpPr>
+            <a:cxnSpLocks/>
+          </p:cNvCxnSpPr>
           <p:nvPr/>
         </p:nvCxnSpPr>
         <p:spPr>
@@ -5663,14 +5663,20 @@
       </p:cxnSp>
       <p:sp>
         <p:nvSpPr>
-          <p:cNvPr id="3" name="TextBox 2"/>
+          <p:cNvPr id="3" name="TextBox 2">
+            <a:extLst>
+              <a:ext uri="{FF2B5EF4-FFF2-40B4-BE49-F238E27FC236}">
+                <a16:creationId xmlns:a16="http://schemas.microsoft.com/office/drawing/2014/main" id="{D5266936-5F5A-4942-B5DC-638A5ECB4501}"/>
+              </a:ext>
+            </a:extLst>
+          </p:cNvPr>
           <p:cNvSpPr txBox="1"/>
           <p:nvPr/>
         </p:nvSpPr>
         <p:spPr>
           <a:xfrm>
             <a:off x="1347787" y="876597"/>
-            <a:ext cx="3433953" cy="707886"/>
+            <a:ext cx="4972836" cy="707886"/>
           </a:xfrm>
           <a:prstGeom prst="rect">
             <a:avLst/>
@@ -5678,34 +5684,37 @@
           <a:noFill/>
         </p:spPr>
         <p:txBody>
-          <a:bodyPr wrap="none">
+          <a:bodyPr wrap="none" rtlCol="0">
             <a:spAutoFit/>
           </a:bodyPr>
           <a:lstStyle/>
           <a:p>
-            <a:pPr lvl="0">
-              <a:defRPr/>
-            </a:pPr>
-            <a:r>
-              <a:rPr lang="ko-KR" altLang="en-US" sz="4000">
-                <a:latin typeface="HY헤드라인M"/>
-                <a:ea typeface="HY헤드라인M"/>
-              </a:rPr>
-              <a:t>서버 기술요소</a:t>
-            </a:r>
-          </a:p>
-        </p:txBody>
-      </p:sp>
-      <p:sp>
-        <p:nvSpPr>
-          <p:cNvPr id="4" name="TextBox 3"/>
+            <a:r>
+              <a:rPr lang="ko-KR" altLang="en-US" sz="4000" dirty="0">
+                <a:latin typeface="HY헤드라인M" panose="02030600000101010101" pitchFamily="18" charset="-127"/>
+                <a:ea typeface="HY헤드라인M" panose="02030600000101010101" pitchFamily="18" charset="-127"/>
+              </a:rPr>
+              <a:t>클라이언트 기술요소</a:t>
+            </a:r>
+          </a:p>
+        </p:txBody>
+      </p:sp>
+      <p:sp>
+        <p:nvSpPr>
+          <p:cNvPr id="4" name="TextBox 3">
+            <a:extLst>
+              <a:ext uri="{FF2B5EF4-FFF2-40B4-BE49-F238E27FC236}">
+                <a16:creationId xmlns:a16="http://schemas.microsoft.com/office/drawing/2014/main" id="{BF07602F-6AE9-44B4-BE0F-55FE2EDFDD1C}"/>
+              </a:ext>
+            </a:extLst>
+          </p:cNvPr>
           <p:cNvSpPr txBox="1"/>
           <p:nvPr/>
         </p:nvSpPr>
         <p:spPr>
           <a:xfrm>
             <a:off x="8671112" y="443788"/>
-            <a:ext cx="2287806" cy="523220"/>
+            <a:ext cx="1922321" cy="523220"/>
           </a:xfrm>
           <a:prstGeom prst="rect">
             <a:avLst/>
@@ -5713,52 +5722,34 @@
           <a:noFill/>
         </p:spPr>
         <p:txBody>
-          <a:bodyPr wrap="none">
+          <a:bodyPr wrap="none" rtlCol="0">
             <a:spAutoFit/>
           </a:bodyPr>
           <a:lstStyle/>
           <a:p>
-            <a:pPr lvl="0">
-              <a:defRPr/>
-            </a:pPr>
-            <a:r>
-              <a:rPr lang="en-US" altLang="ko-KR" sz="2800">
-                <a:latin typeface="HY헤드라인M"/>
-                <a:ea typeface="HY헤드라인M"/>
+            <a:r>
+              <a:rPr lang="en-US" altLang="ko-KR" sz="2800" dirty="0">
+                <a:latin typeface="HY헤드라인M" panose="02030600000101010101" pitchFamily="18" charset="-127"/>
+                <a:ea typeface="HY헤드라인M" panose="02030600000101010101" pitchFamily="18" charset="-127"/>
               </a:rPr>
               <a:t>The Island</a:t>
             </a:r>
-            <a:r>
-              <a:rPr lang="en-US" altLang="ko-KR" sz="1050">
-                <a:latin typeface="HY헤드라인M"/>
-                <a:ea typeface="HY헤드라인M"/>
-              </a:rPr>
-              <a:t>(</a:t>
-            </a:r>
-            <a:r>
-              <a:rPr lang="ko-KR" altLang="en-US" sz="1050">
-                <a:latin typeface="HY헤드라인M"/>
-                <a:ea typeface="HY헤드라인M"/>
-              </a:rPr>
-              <a:t>가제</a:t>
-            </a:r>
-            <a:r>
-              <a:rPr lang="en-US" altLang="ko-KR" sz="1050">
-                <a:latin typeface="HY헤드라인M"/>
-                <a:ea typeface="HY헤드라인M"/>
-              </a:rPr>
-              <a:t>)</a:t>
-            </a:r>
-            <a:endParaRPr lang="ko-KR" altLang="en-US" sz="2800">
-              <a:latin typeface="HY헤드라인M"/>
-              <a:ea typeface="HY헤드라인M"/>
+            <a:endParaRPr lang="ko-KR" altLang="en-US" sz="2800" dirty="0">
+              <a:latin typeface="HY헤드라인M" panose="02030600000101010101" pitchFamily="18" charset="-127"/>
+              <a:ea typeface="HY헤드라인M" panose="02030600000101010101" pitchFamily="18" charset="-127"/>
             </a:endParaRPr>
           </a:p>
         </p:txBody>
       </p:sp>
       <p:sp>
         <p:nvSpPr>
-          <p:cNvPr id="5" name="TextBox 4"/>
+          <p:cNvPr id="5" name="TextBox 4">
+            <a:extLst>
+              <a:ext uri="{FF2B5EF4-FFF2-40B4-BE49-F238E27FC236}">
+                <a16:creationId xmlns:a16="http://schemas.microsoft.com/office/drawing/2014/main" id="{8B8A36FB-13F6-49E8-A86D-6CF420F297BC}"/>
+              </a:ext>
+            </a:extLst>
+          </p:cNvPr>
           <p:cNvSpPr txBox="1"/>
           <p:nvPr/>
         </p:nvSpPr>
@@ -5773,44 +5764,47 @@
           <a:noFill/>
         </p:spPr>
         <p:txBody>
-          <a:bodyPr wrap="none">
+          <a:bodyPr wrap="none" rtlCol="0">
             <a:spAutoFit/>
           </a:bodyPr>
           <a:lstStyle/>
           <a:p>
-            <a:pPr lvl="0">
-              <a:defRPr/>
-            </a:pPr>
-            <a:r>
-              <a:rPr lang="en-US" altLang="ko-KR" sz="4400">
+            <a:r>
+              <a:rPr lang="en-US" altLang="ko-KR" sz="4400" dirty="0">
                 <a:solidFill>
                   <a:schemeClr val="accent1"/>
                 </a:solidFill>
-                <a:latin typeface="HY헤드라인M"/>
-                <a:ea typeface="HY헤드라인M"/>
+                <a:latin typeface="HY헤드라인M" panose="02030600000101010101" pitchFamily="18" charset="-127"/>
+                <a:ea typeface="HY헤드라인M" panose="02030600000101010101" pitchFamily="18" charset="-127"/>
               </a:rPr>
               <a:t>HOW</a:t>
             </a:r>
-            <a:endParaRPr lang="ko-KR" altLang="en-US" sz="4400">
+            <a:endParaRPr lang="ko-KR" altLang="en-US" sz="4400" dirty="0">
               <a:solidFill>
                 <a:schemeClr val="accent1"/>
               </a:solidFill>
-              <a:latin typeface="HY헤드라인M"/>
-              <a:ea typeface="HY헤드라인M"/>
+              <a:latin typeface="HY헤드라인M" panose="02030600000101010101" pitchFamily="18" charset="-127"/>
+              <a:ea typeface="HY헤드라인M" panose="02030600000101010101" pitchFamily="18" charset="-127"/>
             </a:endParaRPr>
           </a:p>
         </p:txBody>
       </p:sp>
       <p:sp>
         <p:nvSpPr>
-          <p:cNvPr id="6" name="TextBox 5"/>
+          <p:cNvPr id="6" name="TextBox 5">
+            <a:extLst>
+              <a:ext uri="{FF2B5EF4-FFF2-40B4-BE49-F238E27FC236}">
+                <a16:creationId xmlns:a16="http://schemas.microsoft.com/office/drawing/2014/main" id="{30644E1A-CD8E-4E97-B44E-498BA04E0B37}"/>
+              </a:ext>
+            </a:extLst>
+          </p:cNvPr>
           <p:cNvSpPr txBox="1"/>
           <p:nvPr/>
         </p:nvSpPr>
         <p:spPr>
           <a:xfrm>
             <a:off x="10207499" y="6283173"/>
-            <a:ext cx="636713" cy="369332"/>
+            <a:ext cx="809837" cy="369332"/>
           </a:xfrm>
           <a:prstGeom prst="rect">
             <a:avLst/>
@@ -5818,32 +5812,37 @@
           <a:noFill/>
         </p:spPr>
         <p:txBody>
-          <a:bodyPr wrap="none">
+          <a:bodyPr wrap="none" rtlCol="0">
             <a:spAutoFit/>
           </a:bodyPr>
           <a:lstStyle/>
           <a:p>
-            <a:pPr lvl="0">
-              <a:defRPr/>
-            </a:pPr>
             <a:r>
               <a:rPr lang="en-US" altLang="ko-KR" dirty="0">
-                <a:latin typeface="HY헤드라인M"/>
-                <a:ea typeface="HY헤드라인M"/>
-              </a:rPr>
-              <a:t>13/..</a:t>
+                <a:latin typeface="HY헤드라인M" panose="02030600000101010101" pitchFamily="18" charset="-127"/>
+                <a:ea typeface="HY헤드라인M" panose="02030600000101010101" pitchFamily="18" charset="-127"/>
+              </a:rPr>
+              <a:t>13/18</a:t>
             </a:r>
             <a:endParaRPr lang="ko-KR" altLang="en-US" dirty="0">
-              <a:latin typeface="HY헤드라인M"/>
-              <a:ea typeface="HY헤드라인M"/>
+              <a:latin typeface="HY헤드라인M" panose="02030600000101010101" pitchFamily="18" charset="-127"/>
+              <a:ea typeface="HY헤드라인M" panose="02030600000101010101" pitchFamily="18" charset="-127"/>
             </a:endParaRPr>
           </a:p>
         </p:txBody>
       </p:sp>
       <p:cxnSp>
         <p:nvCxnSpPr>
-          <p:cNvPr id="7" name="직선 연결선 6"/>
-          <p:cNvCxnSpPr/>
+          <p:cNvPr id="7" name="직선 연결선 6">
+            <a:extLst>
+              <a:ext uri="{FF2B5EF4-FFF2-40B4-BE49-F238E27FC236}">
+                <a16:creationId xmlns:a16="http://schemas.microsoft.com/office/drawing/2014/main" id="{1213C020-10BD-47FA-8004-EF392DA9F117}"/>
+              </a:ext>
+            </a:extLst>
+          </p:cNvPr>
+          <p:cNvCxnSpPr>
+            <a:cxnSpLocks/>
+          </p:cNvCxnSpPr>
           <p:nvPr/>
         </p:nvCxnSpPr>
         <p:spPr>
@@ -5877,325 +5876,213 @@
       </p:cxnSp>
       <p:sp>
         <p:nvSpPr>
-          <p:cNvPr id="8" name="TextBox 7"/>
+          <p:cNvPr id="13" name="TextBox 12">
+            <a:extLst>
+              <a:ext uri="{FF2B5EF4-FFF2-40B4-BE49-F238E27FC236}">
+                <a16:creationId xmlns:a16="http://schemas.microsoft.com/office/drawing/2014/main" id="{B2D26FAC-DBA9-4053-A0B0-631DF7F75641}"/>
+              </a:ext>
+            </a:extLst>
+          </p:cNvPr>
           <p:cNvSpPr txBox="1"/>
           <p:nvPr/>
         </p:nvSpPr>
         <p:spPr>
           <a:xfrm>
-            <a:off x="1504730" y="1997901"/>
-            <a:ext cx="9491580" cy="523220"/>
-          </a:xfrm>
-          <a:prstGeom prst="rect">
-            <a:avLst/>
-          </a:prstGeom>
-        </p:spPr>
-        <p:txBody>
-          <a:bodyPr wrap="square">
+            <a:off x="5040625" y="1822948"/>
+            <a:ext cx="1893468" cy="400110"/>
+          </a:xfrm>
+          <a:prstGeom prst="rect">
+            <a:avLst/>
+          </a:prstGeom>
+          <a:noFill/>
+        </p:spPr>
+        <p:txBody>
+          <a:bodyPr wrap="none" rtlCol="0">
             <a:spAutoFit/>
           </a:bodyPr>
           <a:lstStyle/>
           <a:p>
-            <a:pPr marL="0" indent="0" algn="l" defTabSz="914400" rtl="0" eaLnBrk="1" latinLnBrk="1" hangingPunct="1">
-              <a:lnSpc>
-                <a:spcPct val="100000"/>
-              </a:lnSpc>
-              <a:spcBef>
-                <a:spcPct val="0"/>
-              </a:spcBef>
-              <a:spcAft>
-                <a:spcPts val="0"/>
-              </a:spcAft>
-              <a:buNone/>
-              <a:defRPr/>
-            </a:pPr>
-            <a:r>
-              <a:rPr kumimoji="0" lang="ko-KR" altLang="en-US" sz="2800" i="0" u="none" strike="noStrike" kern="1200" cap="none" spc="0" normalizeH="0" baseline="0" dirty="0">
-                <a:solidFill>
-                  <a:srgbClr val="000000"/>
-                </a:solidFill>
-                <a:latin typeface="HY견고딕" panose="02030600000101010101" pitchFamily="18" charset="-127"/>
-                <a:ea typeface="HY견고딕" panose="02030600000101010101" pitchFamily="18" charset="-127"/>
-                <a:cs typeface="맑은 고딕"/>
-              </a:rPr>
-              <a:t>· </a:t>
-            </a:r>
-            <a:r>
-              <a:rPr lang="en-US" altLang="ko-KR" sz="2800" dirty="0">
-                <a:latin typeface="HY견고딕" panose="02030600000101010101" pitchFamily="18" charset="-127"/>
-                <a:ea typeface="HY견고딕" panose="02030600000101010101" pitchFamily="18" charset="-127"/>
-              </a:rPr>
-              <a:t>3D</a:t>
-            </a:r>
-            <a:r>
-              <a:rPr lang="ko-KR" altLang="en-US" sz="2800" dirty="0">
-                <a:latin typeface="HY견고딕" panose="02030600000101010101" pitchFamily="18" charset="-127"/>
-                <a:ea typeface="HY견고딕" panose="02030600000101010101" pitchFamily="18" charset="-127"/>
-              </a:rPr>
-              <a:t> 환경의 클라이언트</a:t>
-            </a:r>
-            <a:r>
-              <a:rPr lang="en-US" altLang="ko-KR" sz="2800" dirty="0">
-                <a:latin typeface="HY견고딕" panose="02030600000101010101" pitchFamily="18" charset="-127"/>
-                <a:ea typeface="HY견고딕" panose="02030600000101010101" pitchFamily="18" charset="-127"/>
-              </a:rPr>
-              <a:t>,</a:t>
-            </a:r>
-            <a:r>
-              <a:rPr lang="ko-KR" altLang="en-US" sz="2800" dirty="0">
-                <a:latin typeface="HY견고딕" panose="02030600000101010101" pitchFamily="18" charset="-127"/>
-                <a:ea typeface="HY견고딕" panose="02030600000101010101" pitchFamily="18" charset="-127"/>
-              </a:rPr>
-              <a:t> 서버간 네트워크 기능 숙달</a:t>
-            </a:r>
-          </a:p>
-        </p:txBody>
-      </p:sp>
-      <p:sp>
-        <p:nvSpPr>
-          <p:cNvPr id="9" name="TextBox 8"/>
+            <a:pPr algn="ctr"/>
+            <a:r>
+              <a:rPr lang="en-US" altLang="ko-KR" sz="2000" dirty="0">
+                <a:latin typeface="HY견고딕" panose="02030600000101010101" pitchFamily="18" charset="-127"/>
+                <a:ea typeface="HY견고딕" panose="02030600000101010101" pitchFamily="18" charset="-127"/>
+              </a:rPr>
+              <a:t>6. </a:t>
+            </a:r>
+            <a:r>
+              <a:rPr lang="ko-KR" altLang="en-US" sz="2000" dirty="0" err="1">
+                <a:latin typeface="HY견고딕" panose="02030600000101010101" pitchFamily="18" charset="-127"/>
+                <a:ea typeface="HY견고딕" panose="02030600000101010101" pitchFamily="18" charset="-127"/>
+              </a:rPr>
+              <a:t>데칼</a:t>
+            </a:r>
+            <a:r>
+              <a:rPr lang="ko-KR" altLang="en-US" sz="2000" dirty="0">
+                <a:latin typeface="HY견고딕" panose="02030600000101010101" pitchFamily="18" charset="-127"/>
+                <a:ea typeface="HY견고딕" panose="02030600000101010101" pitchFamily="18" charset="-127"/>
+              </a:rPr>
+              <a:t> 이미지</a:t>
+            </a:r>
+          </a:p>
+        </p:txBody>
+      </p:sp>
+      <p:sp>
+        <p:nvSpPr>
+          <p:cNvPr id="17" name="TextBox 16">
+            <a:extLst>
+              <a:ext uri="{FF2B5EF4-FFF2-40B4-BE49-F238E27FC236}">
+                <a16:creationId xmlns:a16="http://schemas.microsoft.com/office/drawing/2014/main" id="{7D8FF188-A240-47A9-9C4C-4140A11442ED}"/>
+              </a:ext>
+            </a:extLst>
+          </p:cNvPr>
           <p:cNvSpPr txBox="1"/>
           <p:nvPr/>
         </p:nvSpPr>
         <p:spPr>
           <a:xfrm>
-            <a:off x="1504730" y="2977360"/>
-            <a:ext cx="9525001" cy="523220"/>
-          </a:xfrm>
-          <a:prstGeom prst="rect">
-            <a:avLst/>
-          </a:prstGeom>
-        </p:spPr>
-        <p:txBody>
-          <a:bodyPr wrap="square">
+            <a:off x="2656597" y="4761256"/>
+            <a:ext cx="6878806" cy="646331"/>
+          </a:xfrm>
+          <a:prstGeom prst="rect">
+            <a:avLst/>
+          </a:prstGeom>
+          <a:noFill/>
+        </p:spPr>
+        <p:txBody>
+          <a:bodyPr wrap="none" rtlCol="0">
             <a:spAutoFit/>
           </a:bodyPr>
           <a:lstStyle/>
           <a:p>
-            <a:pPr marL="0" indent="0" algn="l" defTabSz="914400" rtl="0" eaLnBrk="1" latinLnBrk="1" hangingPunct="1">
-              <a:lnSpc>
-                <a:spcPct val="100000"/>
-              </a:lnSpc>
-              <a:spcBef>
-                <a:spcPct val="0"/>
-              </a:spcBef>
-              <a:spcAft>
-                <a:spcPts val="0"/>
-              </a:spcAft>
-              <a:buNone/>
-              <a:defRPr/>
-            </a:pPr>
-            <a:r>
-              <a:rPr kumimoji="0" lang="ko-KR" altLang="en-US" sz="2800" i="0" u="none" strike="noStrike" kern="1200" cap="none" spc="0" normalizeH="0" baseline="0" dirty="0">
-                <a:solidFill>
-                  <a:srgbClr val="000000"/>
-                </a:solidFill>
-                <a:latin typeface="HY견고딕" panose="02030600000101010101" pitchFamily="18" charset="-127"/>
-                <a:ea typeface="HY견고딕" panose="02030600000101010101" pitchFamily="18" charset="-127"/>
-                <a:cs typeface="맑은 고딕"/>
-              </a:rPr>
-              <a:t>· </a:t>
-            </a:r>
-            <a:r>
-              <a:rPr kumimoji="0" lang="en-US" altLang="ko-KR" sz="2800" i="0" u="none" strike="noStrike" kern="1200" cap="none" spc="0" normalizeH="0" baseline="0" dirty="0">
-                <a:solidFill>
-                  <a:srgbClr val="000000"/>
-                </a:solidFill>
-                <a:latin typeface="HY견고딕" panose="02030600000101010101" pitchFamily="18" charset="-127"/>
-                <a:ea typeface="HY견고딕" panose="02030600000101010101" pitchFamily="18" charset="-127"/>
-                <a:cs typeface="맑은 고딕"/>
-              </a:rPr>
-              <a:t>‘IOCP</a:t>
-            </a:r>
-            <a:r>
-              <a:rPr kumimoji="0" lang="ko-KR" altLang="en-US" sz="2800" i="0" u="none" strike="noStrike" kern="1200" cap="none" spc="0" normalizeH="0" baseline="0" dirty="0">
-                <a:solidFill>
-                  <a:srgbClr val="000000"/>
-                </a:solidFill>
-                <a:latin typeface="HY견고딕" panose="02030600000101010101" pitchFamily="18" charset="-127"/>
-                <a:ea typeface="HY견고딕" panose="02030600000101010101" pitchFamily="18" charset="-127"/>
-                <a:cs typeface="맑은 고딕"/>
-              </a:rPr>
-              <a:t> 소켓 입출력 모델</a:t>
-            </a:r>
-            <a:r>
-              <a:rPr kumimoji="0" lang="en-US" altLang="ko-KR" sz="2800" i="0" u="none" strike="noStrike" kern="1200" cap="none" spc="0" normalizeH="0" baseline="0" dirty="0">
-                <a:solidFill>
-                  <a:srgbClr val="000000"/>
-                </a:solidFill>
-                <a:latin typeface="HY견고딕" panose="02030600000101010101" pitchFamily="18" charset="-127"/>
-                <a:ea typeface="HY견고딕" panose="02030600000101010101" pitchFamily="18" charset="-127"/>
-                <a:cs typeface="맑은 고딕"/>
-              </a:rPr>
-              <a:t>’</a:t>
-            </a:r>
-            <a:r>
-              <a:rPr kumimoji="0" lang="ko-KR" altLang="en-US" sz="2800" i="0" u="none" strike="noStrike" kern="1200" cap="none" spc="0" normalizeH="0" baseline="0" dirty="0">
-                <a:solidFill>
-                  <a:srgbClr val="000000"/>
-                </a:solidFill>
-                <a:latin typeface="HY견고딕" panose="02030600000101010101" pitchFamily="18" charset="-127"/>
-                <a:ea typeface="HY견고딕" panose="02030600000101010101" pitchFamily="18" charset="-127"/>
-                <a:cs typeface="맑은 고딕"/>
-              </a:rPr>
-              <a:t>을 통한 다중 접속 서버</a:t>
-            </a:r>
-          </a:p>
-        </p:txBody>
-      </p:sp>
-      <p:sp>
-        <p:nvSpPr>
-          <p:cNvPr id="10" name="TextBox 9"/>
-          <p:cNvSpPr txBox="1"/>
-          <p:nvPr/>
-        </p:nvSpPr>
-        <p:spPr>
-          <a:xfrm>
-            <a:off x="1504730" y="4923078"/>
-            <a:ext cx="8338555" cy="523220"/>
-          </a:xfrm>
-          <a:prstGeom prst="rect">
-            <a:avLst/>
-          </a:prstGeom>
-        </p:spPr>
-        <p:txBody>
-          <a:bodyPr wrap="square">
-            <a:spAutoFit/>
-          </a:bodyPr>
-          <a:lstStyle/>
-          <a:p>
-            <a:pPr marL="0" indent="0" algn="l" defTabSz="914400" rtl="0" eaLnBrk="1" latinLnBrk="1" hangingPunct="1">
-              <a:lnSpc>
-                <a:spcPct val="100000"/>
-              </a:lnSpc>
-              <a:spcBef>
-                <a:spcPct val="0"/>
-              </a:spcBef>
-              <a:spcAft>
-                <a:spcPts val="0"/>
-              </a:spcAft>
-              <a:buNone/>
-              <a:defRPr/>
-            </a:pPr>
-            <a:r>
-              <a:rPr kumimoji="0" lang="ko-KR" altLang="en-US" sz="2800" i="0" u="none" strike="noStrike" kern="1200" cap="none" spc="0" normalizeH="0" baseline="0">
-                <a:solidFill>
-                  <a:srgbClr val="000000"/>
-                </a:solidFill>
-                <a:latin typeface="HY견고딕" panose="02030600000101010101" pitchFamily="18" charset="-127"/>
-                <a:ea typeface="HY견고딕" panose="02030600000101010101" pitchFamily="18" charset="-127"/>
-                <a:cs typeface="맑은 고딕"/>
-              </a:rPr>
-              <a:t>· 플레이어 간의 시야 처리 및 충돌 처리</a:t>
-            </a:r>
-          </a:p>
-        </p:txBody>
-      </p:sp>
-      <p:sp>
-        <p:nvSpPr>
-          <p:cNvPr id="11" name="TextBox 10"/>
-          <p:cNvSpPr txBox="1"/>
-          <p:nvPr/>
-        </p:nvSpPr>
-        <p:spPr>
-          <a:xfrm>
-            <a:off x="1504730" y="3949968"/>
-            <a:ext cx="8338555" cy="523220"/>
-          </a:xfrm>
-          <a:prstGeom prst="rect">
-            <a:avLst/>
-          </a:prstGeom>
-        </p:spPr>
-        <p:txBody>
-          <a:bodyPr wrap="square">
-            <a:spAutoFit/>
-          </a:bodyPr>
-          <a:lstStyle/>
-          <a:p>
-            <a:pPr marL="0" indent="0" algn="l" defTabSz="914400" rtl="0" eaLnBrk="1" latinLnBrk="1" hangingPunct="1">
-              <a:lnSpc>
-                <a:spcPct val="100000"/>
-              </a:lnSpc>
-              <a:spcBef>
-                <a:spcPct val="0"/>
-              </a:spcBef>
-              <a:spcAft>
-                <a:spcPts val="0"/>
-              </a:spcAft>
-              <a:buNone/>
-              <a:defRPr/>
-            </a:pPr>
-            <a:r>
-              <a:rPr kumimoji="0" lang="ko-KR" altLang="en-US" sz="2800" i="0" u="none" strike="noStrike" kern="1200" cap="none" spc="0" normalizeH="0" baseline="0" dirty="0">
-                <a:solidFill>
-                  <a:srgbClr val="000000"/>
-                </a:solidFill>
-                <a:latin typeface="HY견고딕" panose="02030600000101010101" pitchFamily="18" charset="-127"/>
-                <a:ea typeface="HY견고딕" panose="02030600000101010101" pitchFamily="18" charset="-127"/>
-                <a:cs typeface="맑은 고딕"/>
-              </a:rPr>
-              <a:t>· </a:t>
-            </a:r>
-            <a:r>
-              <a:rPr kumimoji="0" lang="en-US" altLang="ko-KR" sz="2800" i="0" u="none" strike="noStrike" kern="1200" cap="none" spc="0" normalizeH="0" baseline="0" dirty="0">
-                <a:solidFill>
-                  <a:srgbClr val="000000"/>
-                </a:solidFill>
-                <a:latin typeface="HY견고딕" panose="02030600000101010101" pitchFamily="18" charset="-127"/>
-                <a:ea typeface="HY견고딕" panose="02030600000101010101" pitchFamily="18" charset="-127"/>
-                <a:cs typeface="맑은 고딕"/>
-              </a:rPr>
-              <a:t>‘</a:t>
-            </a:r>
-            <a:r>
-              <a:rPr kumimoji="0" lang="ko-KR" altLang="en-US" sz="2800" i="0" u="none" strike="noStrike" kern="1200" cap="none" spc="0" normalizeH="0" baseline="0" dirty="0" err="1">
-                <a:solidFill>
-                  <a:srgbClr val="000000"/>
-                </a:solidFill>
-                <a:latin typeface="HY견고딕" panose="02030600000101010101" pitchFamily="18" charset="-127"/>
-                <a:ea typeface="HY견고딕" panose="02030600000101010101" pitchFamily="18" charset="-127"/>
-                <a:cs typeface="맑은 고딕"/>
-              </a:rPr>
-              <a:t>데드레커닝</a:t>
-            </a:r>
-            <a:r>
-              <a:rPr kumimoji="0" lang="en-US" altLang="ko-KR" sz="2800" i="0" u="none" strike="noStrike" kern="1200" cap="none" spc="0" normalizeH="0" baseline="0" dirty="0">
-                <a:solidFill>
-                  <a:srgbClr val="000000"/>
-                </a:solidFill>
-                <a:latin typeface="HY견고딕" panose="02030600000101010101" pitchFamily="18" charset="-127"/>
-                <a:ea typeface="HY견고딕" panose="02030600000101010101" pitchFamily="18" charset="-127"/>
-                <a:cs typeface="맑은 고딕"/>
-              </a:rPr>
-              <a:t>’</a:t>
-            </a:r>
-            <a:r>
-              <a:rPr kumimoji="0" lang="ko-KR" altLang="en-US" sz="2800" i="0" u="none" strike="noStrike" kern="1200" cap="none" spc="0" normalizeH="0" baseline="0" dirty="0">
-                <a:solidFill>
-                  <a:srgbClr val="000000"/>
-                </a:solidFill>
-                <a:latin typeface="HY견고딕" panose="02030600000101010101" pitchFamily="18" charset="-127"/>
-                <a:ea typeface="HY견고딕" panose="02030600000101010101" pitchFamily="18" charset="-127"/>
-                <a:cs typeface="맑은 고딕"/>
-              </a:rPr>
-              <a:t>기법을 적용한 이동</a:t>
-            </a:r>
-          </a:p>
-        </p:txBody>
-      </p:sp>
+            <a:pPr algn="ctr"/>
+            <a:r>
+              <a:rPr lang="ko-KR" altLang="en-US" dirty="0" err="1">
+                <a:latin typeface="HY견고딕" panose="02030600000101010101" pitchFamily="18" charset="-127"/>
+                <a:ea typeface="HY견고딕" panose="02030600000101010101" pitchFamily="18" charset="-127"/>
+              </a:rPr>
+              <a:t>데칼</a:t>
+            </a:r>
+            <a:r>
+              <a:rPr lang="ko-KR" altLang="en-US" dirty="0">
+                <a:latin typeface="HY견고딕" panose="02030600000101010101" pitchFamily="18" charset="-127"/>
+                <a:ea typeface="HY견고딕" panose="02030600000101010101" pitchFamily="18" charset="-127"/>
+              </a:rPr>
+              <a:t> 이미지를 통하여 지형 오브젝트 등에 </a:t>
+            </a:r>
+            <a:r>
+              <a:rPr lang="ko-KR" altLang="en-US" dirty="0" err="1">
+                <a:latin typeface="HY견고딕" panose="02030600000101010101" pitchFamily="18" charset="-127"/>
+                <a:ea typeface="HY견고딕" panose="02030600000101010101" pitchFamily="18" charset="-127"/>
+              </a:rPr>
+              <a:t>음푹</a:t>
+            </a:r>
+            <a:r>
+              <a:rPr lang="ko-KR" altLang="en-US" dirty="0">
+                <a:latin typeface="HY견고딕" panose="02030600000101010101" pitchFamily="18" charset="-127"/>
+                <a:ea typeface="HY견고딕" panose="02030600000101010101" pitchFamily="18" charset="-127"/>
+              </a:rPr>
+              <a:t> 패인 이미지 등을</a:t>
+            </a:r>
+            <a:endParaRPr lang="en-US" altLang="ko-KR" dirty="0">
+              <a:latin typeface="HY견고딕" panose="02030600000101010101" pitchFamily="18" charset="-127"/>
+              <a:ea typeface="HY견고딕" panose="02030600000101010101" pitchFamily="18" charset="-127"/>
+            </a:endParaRPr>
+          </a:p>
+          <a:p>
+            <a:pPr algn="ctr"/>
+            <a:r>
+              <a:rPr lang="ko-KR" altLang="en-US" dirty="0">
+                <a:latin typeface="HY견고딕" panose="02030600000101010101" pitchFamily="18" charset="-127"/>
+                <a:ea typeface="HY견고딕" panose="02030600000101010101" pitchFamily="18" charset="-127"/>
+              </a:rPr>
+              <a:t>추가하여 플레이어에게 좀더 명확한 피드백을 제공</a:t>
+            </a:r>
+          </a:p>
+        </p:txBody>
+      </p:sp>
+      <p:pic>
+        <p:nvPicPr>
+          <p:cNvPr id="11" name="그림 10" descr="실내, 검은색, 대형, 방이(가) 표시된 사진&#10;&#10;자동 생성된 설명">
+            <a:extLst>
+              <a:ext uri="{FF2B5EF4-FFF2-40B4-BE49-F238E27FC236}">
+                <a16:creationId xmlns:a16="http://schemas.microsoft.com/office/drawing/2014/main" id="{D141A138-F042-4668-8D3E-01965F00DD70}"/>
+              </a:ext>
+            </a:extLst>
+          </p:cNvPr>
+          <p:cNvPicPr>
+            <a:picLocks noChangeAspect="1"/>
+          </p:cNvPicPr>
+          <p:nvPr/>
+        </p:nvPicPr>
+        <p:blipFill>
+          <a:blip r:embed="rId2">
+            <a:extLst>
+              <a:ext uri="{28A0092B-C50C-407E-A947-70E740481C1C}">
+                <a14:useLocalDpi xmlns:a14="http://schemas.microsoft.com/office/drawing/2010/main" val="0"/>
+              </a:ext>
+            </a:extLst>
+          </a:blip>
+          <a:stretch>
+            <a:fillRect/>
+          </a:stretch>
+        </p:blipFill>
+        <p:spPr>
+          <a:xfrm>
+            <a:off x="6095999" y="2396663"/>
+            <a:ext cx="3586426" cy="1996218"/>
+          </a:xfrm>
+          <a:prstGeom prst="rect">
+            <a:avLst/>
+          </a:prstGeom>
+        </p:spPr>
+      </p:pic>
+      <p:pic>
+        <p:nvPicPr>
+          <p:cNvPr id="18" name="그림 17" descr="실내, 바닥, 테이블, 카페트이(가) 표시된 사진&#10;&#10;자동 생성된 설명">
+            <a:extLst>
+              <a:ext uri="{FF2B5EF4-FFF2-40B4-BE49-F238E27FC236}">
+                <a16:creationId xmlns:a16="http://schemas.microsoft.com/office/drawing/2014/main" id="{83824680-4944-4312-909C-535D61E724FB}"/>
+              </a:ext>
+            </a:extLst>
+          </p:cNvPr>
+          <p:cNvPicPr>
+            <a:picLocks noChangeAspect="1"/>
+          </p:cNvPicPr>
+          <p:nvPr/>
+        </p:nvPicPr>
+        <p:blipFill>
+          <a:blip r:embed="rId3">
+            <a:extLst>
+              <a:ext uri="{28A0092B-C50C-407E-A947-70E740481C1C}">
+                <a14:useLocalDpi xmlns:a14="http://schemas.microsoft.com/office/drawing/2010/main" val="0"/>
+              </a:ext>
+            </a:extLst>
+          </a:blip>
+          <a:stretch>
+            <a:fillRect/>
+          </a:stretch>
+        </p:blipFill>
+        <p:spPr>
+          <a:xfrm>
+            <a:off x="2729899" y="2392335"/>
+            <a:ext cx="3106969" cy="2004874"/>
+          </a:xfrm>
+          <a:prstGeom prst="rect">
+            <a:avLst/>
+          </a:prstGeom>
+        </p:spPr>
+      </p:pic>
     </p:spTree>
+    <p:extLst>
+      <p:ext uri="{BB962C8B-B14F-4D97-AF65-F5344CB8AC3E}">
+        <p14:creationId xmlns:p14="http://schemas.microsoft.com/office/powerpoint/2010/main" val="3299542492"/>
+      </p:ext>
+    </p:extLst>
   </p:cSld>
   <p:clrMapOvr>
     <a:masterClrMapping/>
   </p:clrMapOvr>
-  <mc:AlternateContent xmlns:mc="http://schemas.openxmlformats.org/markup-compatibility/2006" xmlns:p14="http://schemas.microsoft.com/office/powerpoint/2010/main">
-    <mc:Choice Requires="p14">
-      <p:transition/>
-    </mc:Choice>
-    <mc:Fallback xmlns="" xmlns:c="http://schemas.openxmlformats.org/drawingml/2006/chart" xmlns:dgm="http://schemas.openxmlformats.org/drawingml/2006/diagram" xmlns:dsp="http://schemas.microsoft.com/office/drawing/2008/diagram">
-      <p:transition/>
-    </mc:Fallback>
-  </mc:AlternateContent>
 </p:sld>
 </file>
 
@@ -6260,7 +6147,7 @@
         <p:spPr>
           <a:xfrm>
             <a:off x="1347787" y="876597"/>
-            <a:ext cx="4118435" cy="707886"/>
+            <a:ext cx="3433953" cy="707886"/>
           </a:xfrm>
           <a:prstGeom prst="rect">
             <a:avLst/>
@@ -6281,7 +6168,7 @@
                 <a:latin typeface="HY헤드라인M"/>
                 <a:ea typeface="HY헤드라인M"/>
               </a:rPr>
-              <a:t>개인별 준비 현황</a:t>
+              <a:t>서버 기술요소</a:t>
             </a:r>
           </a:p>
         </p:txBody>
@@ -6295,7 +6182,7 @@
         <p:spPr>
           <a:xfrm>
             <a:off x="8671112" y="443788"/>
-            <a:ext cx="2287806" cy="523220"/>
+            <a:ext cx="1922321" cy="523220"/>
           </a:xfrm>
           <a:prstGeom prst="rect">
             <a:avLst/>
@@ -6312,34 +6199,13 @@
               <a:defRPr/>
             </a:pPr>
             <a:r>
-              <a:rPr lang="en-US" altLang="ko-KR" sz="2800">
+              <a:rPr lang="en-US" altLang="ko-KR" sz="2800" dirty="0">
                 <a:latin typeface="HY헤드라인M"/>
                 <a:ea typeface="HY헤드라인M"/>
               </a:rPr>
               <a:t>The Island</a:t>
             </a:r>
-            <a:r>
-              <a:rPr lang="en-US" altLang="ko-KR" sz="1050">
-                <a:latin typeface="HY헤드라인M"/>
-                <a:ea typeface="HY헤드라인M"/>
-              </a:rPr>
-              <a:t>(</a:t>
-            </a:r>
-            <a:r>
-              <a:rPr lang="ko-KR" altLang="en-US" sz="1050">
-                <a:latin typeface="HY헤드라인M"/>
-                <a:ea typeface="HY헤드라인M"/>
-              </a:rPr>
-              <a:t>가제</a:t>
-            </a:r>
-            <a:r>
-              <a:rPr lang="en-US" altLang="ko-KR" sz="1050">
-                <a:latin typeface="HY헤드라인M"/>
-                <a:ea typeface="HY헤드라인M"/>
-              </a:rPr>
-              <a:t>)</a:t>
-            </a:r>
-            <a:endParaRPr lang="ko-KR" altLang="en-US" sz="2800">
+            <a:endParaRPr lang="ko-KR" altLang="en-US" sz="2800" dirty="0">
               <a:latin typeface="HY헤드라인M"/>
               <a:ea typeface="HY헤드라인M"/>
             </a:endParaRPr>
@@ -6400,7 +6266,7 @@
         <p:spPr>
           <a:xfrm>
             <a:off x="10207499" y="6283173"/>
-            <a:ext cx="636713" cy="369332"/>
+            <a:ext cx="809837" cy="369332"/>
           </a:xfrm>
           <a:prstGeom prst="rect">
             <a:avLst/>
@@ -6417,13 +6283,13 @@
               <a:defRPr/>
             </a:pPr>
             <a:r>
-              <a:rPr lang="en-US" altLang="ko-KR">
+              <a:rPr lang="en-US" altLang="ko-KR" dirty="0">
                 <a:latin typeface="HY헤드라인M"/>
                 <a:ea typeface="HY헤드라인M"/>
               </a:rPr>
-              <a:t>14/..</a:t>
-            </a:r>
-            <a:endParaRPr lang="ko-KR" altLang="en-US">
+              <a:t>14/18</a:t>
+            </a:r>
+            <a:endParaRPr lang="ko-KR" altLang="en-US" dirty="0">
               <a:latin typeface="HY헤드라인M"/>
               <a:ea typeface="HY헤드라인M"/>
             </a:endParaRPr>
@@ -6473,29 +6339,70 @@
         </p:nvSpPr>
         <p:spPr>
           <a:xfrm>
-            <a:off x="2729897" y="2143002"/>
-            <a:ext cx="954107" cy="400110"/>
-          </a:xfrm>
-          <a:prstGeom prst="rect">
-            <a:avLst/>
-          </a:prstGeom>
-          <a:noFill/>
-        </p:spPr>
-        <p:txBody>
-          <a:bodyPr wrap="none">
+            <a:off x="1504730" y="1997901"/>
+            <a:ext cx="9491580" cy="523220"/>
+          </a:xfrm>
+          <a:prstGeom prst="rect">
+            <a:avLst/>
+          </a:prstGeom>
+        </p:spPr>
+        <p:txBody>
+          <a:bodyPr wrap="square">
             <a:spAutoFit/>
           </a:bodyPr>
           <a:lstStyle/>
           <a:p>
-            <a:pPr algn="ctr">
+            <a:pPr marL="0" indent="0" algn="l" defTabSz="914400" rtl="0" eaLnBrk="1" latinLnBrk="1" hangingPunct="1">
+              <a:lnSpc>
+                <a:spcPct val="100000"/>
+              </a:lnSpc>
+              <a:spcBef>
+                <a:spcPct val="0"/>
+              </a:spcBef>
+              <a:spcAft>
+                <a:spcPts val="0"/>
+              </a:spcAft>
+              <a:buNone/>
               <a:defRPr/>
             </a:pPr>
             <a:r>
-              <a:rPr lang="ko-KR" altLang="en-US" sz="2000">
-                <a:latin typeface="HY견고딕"/>
-                <a:ea typeface="HY견고딕"/>
-              </a:rPr>
-              <a:t>김하윤</a:t>
+              <a:rPr kumimoji="0" lang="ko-KR" altLang="en-US" sz="2800" i="0" u="none" strike="noStrike" kern="1200" cap="none" spc="0" normalizeH="0" baseline="0" dirty="0">
+                <a:solidFill>
+                  <a:srgbClr val="000000"/>
+                </a:solidFill>
+                <a:latin typeface="HY견고딕" panose="02030600000101010101" pitchFamily="18" charset="-127"/>
+                <a:ea typeface="HY견고딕" panose="02030600000101010101" pitchFamily="18" charset="-127"/>
+                <a:cs typeface="맑은 고딕"/>
+              </a:rPr>
+              <a:t>· </a:t>
+            </a:r>
+            <a:r>
+              <a:rPr lang="en-US" altLang="ko-KR" sz="2800" dirty="0">
+                <a:latin typeface="HY견고딕" panose="02030600000101010101" pitchFamily="18" charset="-127"/>
+                <a:ea typeface="HY견고딕" panose="02030600000101010101" pitchFamily="18" charset="-127"/>
+              </a:rPr>
+              <a:t>3D</a:t>
+            </a:r>
+            <a:r>
+              <a:rPr lang="ko-KR" altLang="en-US" sz="2800" dirty="0">
+                <a:latin typeface="HY견고딕" panose="02030600000101010101" pitchFamily="18" charset="-127"/>
+                <a:ea typeface="HY견고딕" panose="02030600000101010101" pitchFamily="18" charset="-127"/>
+              </a:rPr>
+              <a:t> 환경의 클라이언트</a:t>
+            </a:r>
+            <a:r>
+              <a:rPr lang="en-US" altLang="ko-KR" sz="2800" dirty="0">
+                <a:latin typeface="HY견고딕" panose="02030600000101010101" pitchFamily="18" charset="-127"/>
+                <a:ea typeface="HY견고딕" panose="02030600000101010101" pitchFamily="18" charset="-127"/>
+              </a:rPr>
+              <a:t>,</a:t>
+            </a:r>
+            <a:r>
+              <a:rPr lang="ko-KR" altLang="en-US" sz="2800" dirty="0">
+                <a:latin typeface="HY견고딕" panose="02030600000101010101" pitchFamily="18" charset="-127"/>
+                <a:ea typeface="HY견고딕" panose="02030600000101010101" pitchFamily="18" charset="-127"/>
+              </a:rPr>
+              <a:t> 서버간 네트워크 기능 숙달</a:t>
             </a:r>
           </a:p>
         </p:txBody>
@@ -6508,29 +6415,86 @@
         </p:nvSpPr>
         <p:spPr>
           <a:xfrm>
-            <a:off x="5675370" y="2143002"/>
-            <a:ext cx="954107" cy="400110"/>
-          </a:xfrm>
-          <a:prstGeom prst="rect">
-            <a:avLst/>
-          </a:prstGeom>
-          <a:noFill/>
-        </p:spPr>
-        <p:txBody>
-          <a:bodyPr wrap="none">
+            <a:off x="1504730" y="2977360"/>
+            <a:ext cx="9525001" cy="523220"/>
+          </a:xfrm>
+          <a:prstGeom prst="rect">
+            <a:avLst/>
+          </a:prstGeom>
+        </p:spPr>
+        <p:txBody>
+          <a:bodyPr wrap="square">
             <a:spAutoFit/>
           </a:bodyPr>
           <a:lstStyle/>
           <a:p>
-            <a:pPr algn="ctr">
+            <a:pPr marL="0" indent="0" algn="l" defTabSz="914400" rtl="0" eaLnBrk="1" latinLnBrk="1" hangingPunct="1">
+              <a:lnSpc>
+                <a:spcPct val="100000"/>
+              </a:lnSpc>
+              <a:spcBef>
+                <a:spcPct val="0"/>
+              </a:spcBef>
+              <a:spcAft>
+                <a:spcPts val="0"/>
+              </a:spcAft>
+              <a:buNone/>
               <a:defRPr/>
             </a:pPr>
             <a:r>
-              <a:rPr lang="ko-KR" altLang="en-US" sz="2000">
-                <a:latin typeface="HY견고딕"/>
-                <a:ea typeface="HY견고딕"/>
-              </a:rPr>
-              <a:t>이동규</a:t>
+              <a:rPr kumimoji="0" lang="ko-KR" altLang="en-US" sz="2800" i="0" u="none" strike="noStrike" kern="1200" cap="none" spc="0" normalizeH="0" baseline="0" dirty="0">
+                <a:solidFill>
+                  <a:srgbClr val="000000"/>
+                </a:solidFill>
+                <a:latin typeface="HY견고딕" panose="02030600000101010101" pitchFamily="18" charset="-127"/>
+                <a:ea typeface="HY견고딕" panose="02030600000101010101" pitchFamily="18" charset="-127"/>
+                <a:cs typeface="맑은 고딕"/>
+              </a:rPr>
+              <a:t>· </a:t>
+            </a:r>
+            <a:r>
+              <a:rPr kumimoji="0" lang="en-US" altLang="ko-KR" sz="2800" i="0" u="none" strike="noStrike" kern="1200" cap="none" spc="0" normalizeH="0" baseline="0" dirty="0">
+                <a:solidFill>
+                  <a:srgbClr val="000000"/>
+                </a:solidFill>
+                <a:latin typeface="HY견고딕" panose="02030600000101010101" pitchFamily="18" charset="-127"/>
+                <a:ea typeface="HY견고딕" panose="02030600000101010101" pitchFamily="18" charset="-127"/>
+                <a:cs typeface="맑은 고딕"/>
+              </a:rPr>
+              <a:t>‘IOCP</a:t>
+            </a:r>
+            <a:r>
+              <a:rPr kumimoji="0" lang="ko-KR" altLang="en-US" sz="2800" i="0" u="none" strike="noStrike" kern="1200" cap="none" spc="0" normalizeH="0" baseline="0" dirty="0">
+                <a:solidFill>
+                  <a:srgbClr val="000000"/>
+                </a:solidFill>
+                <a:latin typeface="HY견고딕" panose="02030600000101010101" pitchFamily="18" charset="-127"/>
+                <a:ea typeface="HY견고딕" panose="02030600000101010101" pitchFamily="18" charset="-127"/>
+                <a:cs typeface="맑은 고딕"/>
+              </a:rPr>
+              <a:t> 소켓 입출력 모델</a:t>
+            </a:r>
+            <a:r>
+              <a:rPr kumimoji="0" lang="en-US" altLang="ko-KR" sz="2800" i="0" u="none" strike="noStrike" kern="1200" cap="none" spc="0" normalizeH="0" baseline="0" dirty="0">
+                <a:solidFill>
+                  <a:srgbClr val="000000"/>
+                </a:solidFill>
+                <a:latin typeface="HY견고딕" panose="02030600000101010101" pitchFamily="18" charset="-127"/>
+                <a:ea typeface="HY견고딕" panose="02030600000101010101" pitchFamily="18" charset="-127"/>
+                <a:cs typeface="맑은 고딕"/>
+              </a:rPr>
+              <a:t>’</a:t>
+            </a:r>
+            <a:r>
+              <a:rPr kumimoji="0" lang="ko-KR" altLang="en-US" sz="2800" i="0" u="none" strike="noStrike" kern="1200" cap="none" spc="0" normalizeH="0" baseline="0" dirty="0">
+                <a:solidFill>
+                  <a:srgbClr val="000000"/>
+                </a:solidFill>
+                <a:latin typeface="HY견고딕" panose="02030600000101010101" pitchFamily="18" charset="-127"/>
+                <a:ea typeface="HY견고딕" panose="02030600000101010101" pitchFamily="18" charset="-127"/>
+                <a:cs typeface="맑은 고딕"/>
+              </a:rPr>
+              <a:t>을 통한 다중 접속 서버</a:t>
             </a:r>
           </a:p>
         </p:txBody>
@@ -6543,846 +6507,134 @@
         </p:nvSpPr>
         <p:spPr>
           <a:xfrm>
-            <a:off x="8620843" y="2143002"/>
-            <a:ext cx="954107" cy="400110"/>
-          </a:xfrm>
-          <a:prstGeom prst="rect">
-            <a:avLst/>
-          </a:prstGeom>
-          <a:noFill/>
-        </p:spPr>
-        <p:txBody>
-          <a:bodyPr wrap="none">
+            <a:off x="1504730" y="4923078"/>
+            <a:ext cx="8338555" cy="523220"/>
+          </a:xfrm>
+          <a:prstGeom prst="rect">
+            <a:avLst/>
+          </a:prstGeom>
+        </p:spPr>
+        <p:txBody>
+          <a:bodyPr wrap="square">
             <a:spAutoFit/>
           </a:bodyPr>
           <a:lstStyle/>
           <a:p>
-            <a:pPr algn="ctr">
+            <a:pPr marL="0" indent="0" algn="l" defTabSz="914400" rtl="0" eaLnBrk="1" latinLnBrk="1" hangingPunct="1">
+              <a:lnSpc>
+                <a:spcPct val="100000"/>
+              </a:lnSpc>
+              <a:spcBef>
+                <a:spcPct val="0"/>
+              </a:spcBef>
+              <a:spcAft>
+                <a:spcPts val="0"/>
+              </a:spcAft>
+              <a:buNone/>
               <a:defRPr/>
             </a:pPr>
             <a:r>
-              <a:rPr lang="ko-KR" altLang="en-US" sz="2000">
-                <a:latin typeface="HY견고딕"/>
-                <a:ea typeface="HY견고딕"/>
-              </a:rPr>
-              <a:t>이득유</a:t>
-            </a:r>
-          </a:p>
-        </p:txBody>
-      </p:sp>
-      <p:sp>
-        <p:nvSpPr>
-          <p:cNvPr id="15" name="사각형: 둥근 모서리 14"/>
-          <p:cNvSpPr/>
-          <p:nvPr/>
-        </p:nvSpPr>
-        <p:spPr>
-          <a:xfrm>
-            <a:off x="1736738" y="1882588"/>
-            <a:ext cx="2940423" cy="3830032"/>
-          </a:xfrm>
-          <a:prstGeom prst="roundRect">
-            <a:avLst>
-              <a:gd name="adj" fmla="val 16667"/>
-            </a:avLst>
-          </a:prstGeom>
-          <a:noFill/>
-          <a:ln w="25400" cmpd="sng">
-            <a:solidFill>
-              <a:schemeClr val="tx1"/>
-            </a:solidFill>
-          </a:ln>
-        </p:spPr>
-        <p:style>
-          <a:lnRef idx="2">
-            <a:schemeClr val="accent1">
-              <a:shade val="50000"/>
-            </a:schemeClr>
-          </a:lnRef>
-          <a:fillRef idx="1">
-            <a:schemeClr val="accent1"/>
-          </a:fillRef>
-          <a:effectRef idx="0">
-            <a:schemeClr val="accent1"/>
-          </a:effectRef>
-          <a:fontRef idx="minor">
-            <a:schemeClr val="lt1"/>
-          </a:fontRef>
-        </p:style>
-        <p:txBody>
-          <a:bodyPr anchor="ctr"/>
-          <a:lstStyle/>
-          <a:p>
-            <a:pPr algn="ctr">
+              <a:rPr kumimoji="0" lang="ko-KR" altLang="en-US" sz="2800" i="0" u="none" strike="noStrike" kern="1200" cap="none" spc="0" normalizeH="0" baseline="0">
+                <a:solidFill>
+                  <a:srgbClr val="000000"/>
+                </a:solidFill>
+                <a:latin typeface="HY견고딕" panose="02030600000101010101" pitchFamily="18" charset="-127"/>
+                <a:ea typeface="HY견고딕" panose="02030600000101010101" pitchFamily="18" charset="-127"/>
+                <a:cs typeface="맑은 고딕"/>
+              </a:rPr>
+              <a:t>· 플레이어 간의 시야 처리 및 충돌 처리</a:t>
+            </a:r>
+          </a:p>
+        </p:txBody>
+      </p:sp>
+      <p:sp>
+        <p:nvSpPr>
+          <p:cNvPr id="11" name="TextBox 10"/>
+          <p:cNvSpPr txBox="1"/>
+          <p:nvPr/>
+        </p:nvSpPr>
+        <p:spPr>
+          <a:xfrm>
+            <a:off x="1504730" y="3949968"/>
+            <a:ext cx="8338555" cy="523220"/>
+          </a:xfrm>
+          <a:prstGeom prst="rect">
+            <a:avLst/>
+          </a:prstGeom>
+        </p:spPr>
+        <p:txBody>
+          <a:bodyPr wrap="square">
+            <a:spAutoFit/>
+          </a:bodyPr>
+          <a:lstStyle/>
+          <a:p>
+            <a:pPr marL="0" indent="0" algn="l" defTabSz="914400" rtl="0" eaLnBrk="1" latinLnBrk="1" hangingPunct="1">
+              <a:lnSpc>
+                <a:spcPct val="100000"/>
+              </a:lnSpc>
+              <a:spcBef>
+                <a:spcPct val="0"/>
+              </a:spcBef>
+              <a:spcAft>
+                <a:spcPts val="0"/>
+              </a:spcAft>
+              <a:buNone/>
               <a:defRPr/>
             </a:pPr>
-            <a:endParaRPr lang="ko-KR" altLang="en-US"/>
-          </a:p>
-        </p:txBody>
-      </p:sp>
-      <p:sp>
-        <p:nvSpPr>
-          <p:cNvPr id="16" name="사각형: 둥근 모서리 15"/>
-          <p:cNvSpPr/>
-          <p:nvPr/>
-        </p:nvSpPr>
-        <p:spPr>
-          <a:xfrm>
-            <a:off x="4682211" y="1882588"/>
-            <a:ext cx="2940423" cy="3830032"/>
-          </a:xfrm>
-          <a:prstGeom prst="roundRect">
-            <a:avLst>
-              <a:gd name="adj" fmla="val 16667"/>
-            </a:avLst>
-          </a:prstGeom>
-          <a:noFill/>
-          <a:ln w="25400" cmpd="sng">
-            <a:solidFill>
-              <a:schemeClr val="tx1"/>
-            </a:solidFill>
-          </a:ln>
-        </p:spPr>
-        <p:style>
-          <a:lnRef idx="2">
-            <a:schemeClr val="accent1">
-              <a:shade val="50000"/>
-            </a:schemeClr>
-          </a:lnRef>
-          <a:fillRef idx="1">
-            <a:schemeClr val="accent1"/>
-          </a:fillRef>
-          <a:effectRef idx="0">
-            <a:schemeClr val="accent1"/>
-          </a:effectRef>
-          <a:fontRef idx="minor">
-            <a:schemeClr val="lt1"/>
-          </a:fontRef>
-        </p:style>
-        <p:txBody>
-          <a:bodyPr anchor="ctr"/>
-          <a:lstStyle/>
-          <a:p>
-            <a:pPr algn="ctr">
-              <a:defRPr/>
-            </a:pPr>
-            <a:endParaRPr lang="ko-KR" altLang="en-US"/>
-          </a:p>
-        </p:txBody>
-      </p:sp>
-      <p:sp>
-        <p:nvSpPr>
-          <p:cNvPr id="17" name="사각형: 둥근 모서리 16"/>
-          <p:cNvSpPr/>
-          <p:nvPr/>
-        </p:nvSpPr>
-        <p:spPr>
-          <a:xfrm>
-            <a:off x="7627684" y="1882588"/>
-            <a:ext cx="2940423" cy="3830032"/>
-          </a:xfrm>
-          <a:prstGeom prst="roundRect">
-            <a:avLst>
-              <a:gd name="adj" fmla="val 16667"/>
-            </a:avLst>
-          </a:prstGeom>
-          <a:noFill/>
-          <a:ln w="25400" cmpd="sng">
-            <a:solidFill>
-              <a:schemeClr val="tx1"/>
-            </a:solidFill>
-          </a:ln>
-        </p:spPr>
-        <p:style>
-          <a:lnRef idx="2">
-            <a:schemeClr val="accent1">
-              <a:shade val="50000"/>
-            </a:schemeClr>
-          </a:lnRef>
-          <a:fillRef idx="1">
-            <a:schemeClr val="accent1"/>
-          </a:fillRef>
-          <a:effectRef idx="0">
-            <a:schemeClr val="accent1"/>
-          </a:effectRef>
-          <a:fontRef idx="minor">
-            <a:schemeClr val="lt1"/>
-          </a:fontRef>
-        </p:style>
-        <p:txBody>
-          <a:bodyPr anchor="ctr"/>
-          <a:lstStyle/>
-          <a:p>
-            <a:pPr algn="ctr">
-              <a:defRPr/>
-            </a:pPr>
-            <a:endParaRPr lang="ko-KR" altLang="en-US"/>
-          </a:p>
-        </p:txBody>
-      </p:sp>
-      <p:sp>
-        <p:nvSpPr>
-          <p:cNvPr id="14" name="TextBox 13"/>
-          <p:cNvSpPr txBox="1"/>
-          <p:nvPr/>
-        </p:nvSpPr>
-        <p:spPr>
-          <a:xfrm>
-            <a:off x="5193669" y="2803526"/>
-            <a:ext cx="1917512" cy="2677656"/>
-          </a:xfrm>
-          <a:prstGeom prst="rect">
-            <a:avLst/>
-          </a:prstGeom>
-          <a:noFill/>
-        </p:spPr>
-        <p:txBody>
-          <a:bodyPr wrap="none">
-            <a:spAutoFit/>
-          </a:bodyPr>
-          <a:lstStyle/>
-          <a:p>
-            <a:pPr algn="ctr">
-              <a:defRPr/>
-            </a:pPr>
-            <a:r>
-              <a:rPr lang="en-US" altLang="ko-KR" sz="1400" dirty="0">
-                <a:latin typeface="HY헤드라인M"/>
-                <a:ea typeface="HY헤드라인M"/>
-              </a:rPr>
-              <a:t>C/C++</a:t>
-            </a:r>
-          </a:p>
-          <a:p>
-            <a:pPr algn="ctr">
-              <a:defRPr/>
-            </a:pPr>
-            <a:r>
-              <a:rPr lang="en-US" altLang="ko-KR" sz="1400" dirty="0">
-                <a:latin typeface="HY헤드라인M"/>
-                <a:ea typeface="HY헤드라인M"/>
-              </a:rPr>
-              <a:t>WIN API</a:t>
-            </a:r>
-          </a:p>
-          <a:p>
-            <a:pPr algn="ctr">
-              <a:defRPr/>
-            </a:pPr>
-            <a:r>
-              <a:rPr lang="ko-KR" altLang="en-US" sz="1400" dirty="0">
-                <a:latin typeface="HY헤드라인M"/>
-                <a:ea typeface="HY헤드라인M"/>
-              </a:rPr>
-              <a:t>자료구조</a:t>
-            </a:r>
-            <a:r>
-              <a:rPr lang="en-US" altLang="ko-KR" sz="1400" dirty="0">
-                <a:latin typeface="HY헤드라인M"/>
-                <a:ea typeface="HY헤드라인M"/>
-              </a:rPr>
-              <a:t>/</a:t>
-            </a:r>
-            <a:r>
-              <a:rPr lang="ko-KR" altLang="en-US" sz="1400" dirty="0">
-                <a:latin typeface="HY헤드라인M"/>
-                <a:ea typeface="HY헤드라인M"/>
-              </a:rPr>
-              <a:t>알고리즘</a:t>
-            </a:r>
-          </a:p>
-          <a:p>
-            <a:pPr algn="ctr">
-              <a:defRPr/>
-            </a:pPr>
-            <a:r>
-              <a:rPr lang="en-US" altLang="ko-KR" sz="1400" dirty="0">
-                <a:latin typeface="HY헤드라인M"/>
-                <a:ea typeface="HY헤드라인M"/>
-              </a:rPr>
-              <a:t>OpenGL</a:t>
-            </a:r>
-          </a:p>
-          <a:p>
-            <a:pPr algn="ctr">
-              <a:defRPr/>
-            </a:pPr>
-            <a:r>
-              <a:rPr lang="en-US" altLang="ko-KR" sz="1400" dirty="0">
-                <a:latin typeface="HY헤드라인M"/>
-                <a:ea typeface="HY헤드라인M"/>
-              </a:rPr>
-              <a:t>STL</a:t>
-            </a:r>
-          </a:p>
-          <a:p>
-            <a:pPr algn="ctr">
-              <a:defRPr/>
-            </a:pPr>
-            <a:r>
-              <a:rPr lang="en-US" altLang="ko-KR" sz="1400" dirty="0">
-                <a:latin typeface="HY헤드라인M"/>
-                <a:ea typeface="HY헤드라인M"/>
-              </a:rPr>
-              <a:t>DirectX 12</a:t>
-            </a:r>
-          </a:p>
-          <a:p>
-            <a:pPr algn="ctr">
-              <a:defRPr/>
-            </a:pPr>
-            <a:endParaRPr lang="en-US" altLang="ko-KR" sz="1400" dirty="0">
-              <a:latin typeface="HY헤드라인M"/>
-              <a:ea typeface="HY헤드라인M"/>
-            </a:endParaRPr>
-          </a:p>
-          <a:p>
-            <a:pPr algn="ctr">
-              <a:defRPr/>
-            </a:pPr>
-            <a:r>
-              <a:rPr lang="en-US" altLang="ko-KR" sz="1400" dirty="0">
-                <a:latin typeface="HY헤드라인M"/>
-                <a:ea typeface="HY헤드라인M"/>
-              </a:rPr>
-              <a:t>TCP/IP </a:t>
-            </a:r>
-            <a:r>
-              <a:rPr lang="ko-KR" altLang="en-US" sz="1400" dirty="0">
-                <a:latin typeface="HY헤드라인M"/>
-                <a:ea typeface="HY헤드라인M"/>
-              </a:rPr>
-              <a:t>사용 경험</a:t>
-            </a:r>
-            <a:endParaRPr lang="en-US" altLang="ko-KR" sz="1400" dirty="0">
-              <a:latin typeface="HY헤드라인M"/>
-              <a:ea typeface="HY헤드라인M"/>
-            </a:endParaRPr>
-          </a:p>
-          <a:p>
-            <a:pPr algn="ctr">
-              <a:defRPr/>
-            </a:pPr>
-            <a:r>
-              <a:rPr lang="en-US" altLang="ko-KR" sz="1400" dirty="0">
-                <a:latin typeface="HY헤드라인M"/>
-                <a:ea typeface="HY헤드라인M"/>
-              </a:rPr>
-              <a:t>DirectX 2D </a:t>
-            </a:r>
-            <a:r>
-              <a:rPr lang="ko-KR" altLang="en-US" sz="1400" dirty="0">
-                <a:latin typeface="HY헤드라인M"/>
-                <a:ea typeface="HY헤드라인M"/>
-              </a:rPr>
-              <a:t>제작 경험</a:t>
-            </a:r>
-          </a:p>
-          <a:p>
-            <a:pPr algn="ctr">
-              <a:defRPr/>
-            </a:pPr>
-            <a:r>
-              <a:rPr lang="en-US" altLang="ko-KR" sz="1400" dirty="0">
-                <a:latin typeface="HY헤드라인M"/>
-                <a:ea typeface="HY헤드라인M"/>
-              </a:rPr>
-              <a:t>DirectX12 </a:t>
-            </a:r>
-            <a:r>
-              <a:rPr lang="ko-KR" altLang="en-US" sz="1400" dirty="0" err="1">
-                <a:latin typeface="HY헤드라인M"/>
-                <a:ea typeface="HY헤드라인M"/>
-              </a:rPr>
-              <a:t>피킹</a:t>
-            </a:r>
-            <a:r>
-              <a:rPr lang="ko-KR" altLang="en-US" sz="1400" dirty="0">
-                <a:latin typeface="HY헤드라인M"/>
-                <a:ea typeface="HY헤드라인M"/>
-              </a:rPr>
-              <a:t> 구현</a:t>
-            </a:r>
-          </a:p>
-          <a:p>
-            <a:pPr algn="ctr">
-              <a:defRPr/>
-            </a:pPr>
-            <a:r>
-              <a:rPr lang="en-US" altLang="ko-KR" sz="1400" dirty="0">
-                <a:latin typeface="HY헤드라인M"/>
-                <a:ea typeface="HY헤드라인M"/>
-              </a:rPr>
-              <a:t>UNITY</a:t>
-            </a:r>
-            <a:r>
-              <a:rPr lang="ko-KR" altLang="en-US" sz="1400" dirty="0">
-                <a:latin typeface="HY헤드라인M"/>
-                <a:ea typeface="HY헤드라인M"/>
-              </a:rPr>
-              <a:t> 제작 경험</a:t>
-            </a:r>
-          </a:p>
-          <a:p>
-            <a:pPr algn="ctr">
-              <a:defRPr/>
-            </a:pPr>
-            <a:endParaRPr lang="en-US" altLang="ko-KR" sz="1400" dirty="0">
-              <a:latin typeface="HY헤드라인M"/>
-              <a:ea typeface="HY헤드라인M"/>
-            </a:endParaRPr>
-          </a:p>
-        </p:txBody>
-      </p:sp>
-      <p:sp>
-        <p:nvSpPr>
-          <p:cNvPr id="29" name="직사각형 28"/>
-          <p:cNvSpPr/>
-          <p:nvPr/>
-        </p:nvSpPr>
-        <p:spPr>
-          <a:xfrm>
-            <a:off x="4371046" y="2332541"/>
-            <a:ext cx="558443" cy="2913424"/>
-          </a:xfrm>
-          <a:prstGeom prst="rect">
-            <a:avLst/>
-          </a:prstGeom>
-          <a:solidFill>
-            <a:schemeClr val="bg1"/>
-          </a:solidFill>
-          <a:ln>
-            <a:solidFill>
-              <a:schemeClr val="bg1"/>
-            </a:solidFill>
-          </a:ln>
-        </p:spPr>
-        <p:style>
-          <a:lnRef idx="2">
-            <a:schemeClr val="accent1">
-              <a:shade val="50000"/>
-            </a:schemeClr>
-          </a:lnRef>
-          <a:fillRef idx="1">
-            <a:schemeClr val="accent1"/>
-          </a:fillRef>
-          <a:effectRef idx="0">
-            <a:schemeClr val="accent1"/>
-          </a:effectRef>
-          <a:fontRef idx="minor">
-            <a:schemeClr val="lt1"/>
-          </a:fontRef>
-        </p:style>
-        <p:txBody>
-          <a:bodyPr anchor="ctr"/>
-          <a:lstStyle/>
-          <a:p>
-            <a:pPr algn="ctr">
-              <a:defRPr/>
-            </a:pPr>
-            <a:endParaRPr lang="ko-KR" altLang="en-US"/>
-          </a:p>
-        </p:txBody>
-      </p:sp>
-      <p:sp>
-        <p:nvSpPr>
-          <p:cNvPr id="30" name="직사각형 29"/>
-          <p:cNvSpPr/>
-          <p:nvPr/>
-        </p:nvSpPr>
-        <p:spPr>
-          <a:xfrm>
-            <a:off x="7319044" y="2332539"/>
-            <a:ext cx="558443" cy="2913426"/>
-          </a:xfrm>
-          <a:prstGeom prst="rect">
-            <a:avLst/>
-          </a:prstGeom>
-          <a:solidFill>
-            <a:schemeClr val="bg1"/>
-          </a:solidFill>
-          <a:ln>
-            <a:solidFill>
-              <a:schemeClr val="bg1"/>
-            </a:solidFill>
-          </a:ln>
-        </p:spPr>
-        <p:style>
-          <a:lnRef idx="2">
-            <a:schemeClr val="accent1">
-              <a:shade val="50000"/>
-            </a:schemeClr>
-          </a:lnRef>
-          <a:fillRef idx="1">
-            <a:schemeClr val="accent1"/>
-          </a:fillRef>
-          <a:effectRef idx="0">
-            <a:schemeClr val="accent1"/>
-          </a:effectRef>
-          <a:fontRef idx="minor">
-            <a:schemeClr val="lt1"/>
-          </a:fontRef>
-        </p:style>
-        <p:txBody>
-          <a:bodyPr anchor="ctr"/>
-          <a:lstStyle/>
-          <a:p>
-            <a:pPr algn="ctr">
-              <a:defRPr/>
-            </a:pPr>
-            <a:endParaRPr lang="ko-KR" altLang="en-US"/>
-          </a:p>
-        </p:txBody>
-      </p:sp>
-      <p:sp>
-        <p:nvSpPr>
-          <p:cNvPr id="21" name="TextBox 20"/>
-          <p:cNvSpPr txBox="1"/>
-          <p:nvPr/>
-        </p:nvSpPr>
-        <p:spPr>
-          <a:xfrm>
-            <a:off x="7880983" y="2841217"/>
-            <a:ext cx="2278382" cy="2224178"/>
-          </a:xfrm>
-          <a:prstGeom prst="rect">
-            <a:avLst/>
-          </a:prstGeom>
-          <a:noFill/>
-        </p:spPr>
-        <p:txBody>
-          <a:bodyPr wrap="none">
-            <a:spAutoFit/>
-          </a:bodyPr>
-          <a:lstStyle/>
-          <a:p>
-            <a:pPr algn="ctr">
-              <a:defRPr/>
-            </a:pPr>
-            <a:r>
-              <a:rPr lang="en-US" altLang="ko-KR" sz="1400">
-                <a:latin typeface="HY헤드라인M"/>
-                <a:ea typeface="HY헤드라인M"/>
-              </a:rPr>
-              <a:t>C/C++</a:t>
-            </a:r>
-          </a:p>
-          <a:p>
-            <a:pPr algn="ctr">
-              <a:defRPr/>
-            </a:pPr>
-            <a:r>
-              <a:rPr lang="en-US" altLang="ko-KR" sz="1400">
-                <a:latin typeface="HY헤드라인M"/>
-                <a:ea typeface="HY헤드라인M"/>
-              </a:rPr>
-              <a:t>WIN API</a:t>
-            </a:r>
-          </a:p>
-          <a:p>
-            <a:pPr algn="ctr">
-              <a:defRPr/>
-            </a:pPr>
-            <a:r>
-              <a:rPr lang="ko-KR" altLang="en-US" sz="1400">
-                <a:latin typeface="HY헤드라인M"/>
-                <a:ea typeface="HY헤드라인M"/>
-              </a:rPr>
-              <a:t>자료구조</a:t>
-            </a:r>
-            <a:r>
-              <a:rPr lang="en-US" altLang="ko-KR" sz="1400">
-                <a:latin typeface="HY헤드라인M"/>
-                <a:ea typeface="HY헤드라인M"/>
-              </a:rPr>
-              <a:t>/</a:t>
-            </a:r>
-            <a:r>
-              <a:rPr lang="ko-KR" altLang="en-US" sz="1400">
-                <a:latin typeface="HY헤드라인M"/>
-                <a:ea typeface="HY헤드라인M"/>
-              </a:rPr>
-              <a:t>알고리즘</a:t>
-            </a:r>
-          </a:p>
-          <a:p>
-            <a:pPr algn="ctr">
-              <a:defRPr/>
-            </a:pPr>
-            <a:r>
-              <a:rPr lang="en-US" altLang="ko-KR" sz="1400">
-                <a:latin typeface="HY헤드라인M"/>
-                <a:ea typeface="HY헤드라인M"/>
-              </a:rPr>
-              <a:t>OpenGL</a:t>
-            </a:r>
-          </a:p>
-          <a:p>
-            <a:pPr algn="ctr">
-              <a:defRPr/>
-            </a:pPr>
-            <a:r>
-              <a:rPr lang="en-US" altLang="ko-KR" sz="1400">
-                <a:latin typeface="HY헤드라인M"/>
-                <a:ea typeface="HY헤드라인M"/>
-              </a:rPr>
-              <a:t>STL</a:t>
-            </a:r>
-          </a:p>
-          <a:p>
-            <a:pPr algn="ctr">
-              <a:defRPr/>
-            </a:pPr>
-            <a:r>
-              <a:rPr lang="en-US" altLang="ko-KR" sz="1400">
-                <a:latin typeface="HY헤드라인M"/>
-                <a:ea typeface="HY헤드라인M"/>
-              </a:rPr>
-              <a:t>IOCP</a:t>
-            </a:r>
-          </a:p>
-          <a:p>
-            <a:pPr algn="ctr">
-              <a:defRPr/>
-            </a:pPr>
-            <a:r>
-              <a:rPr lang="en-US" altLang="ko-KR" sz="1400">
-                <a:latin typeface="HY헤드라인M"/>
-                <a:ea typeface="HY헤드라인M"/>
-              </a:rPr>
-              <a:t>Multi-Core Programming</a:t>
-            </a:r>
-          </a:p>
-          <a:p>
-            <a:pPr algn="ctr">
-              <a:defRPr/>
-            </a:pPr>
-            <a:endParaRPr lang="en-US" altLang="ko-KR" sz="1400">
-              <a:latin typeface="HY헤드라인M"/>
-              <a:ea typeface="HY헤드라인M"/>
-            </a:endParaRPr>
-          </a:p>
-          <a:p>
-            <a:pPr algn="ctr">
-              <a:defRPr/>
-            </a:pPr>
-            <a:r>
-              <a:rPr lang="en-US" altLang="ko-KR" sz="1400">
-                <a:latin typeface="HY헤드라인M"/>
-                <a:ea typeface="HY헤드라인M"/>
-              </a:rPr>
-              <a:t>IOCP Server</a:t>
-            </a:r>
-            <a:r>
-              <a:rPr lang="ko-KR" altLang="en-US" sz="1400">
-                <a:latin typeface="HY헤드라인M"/>
-                <a:ea typeface="HY헤드라인M"/>
-              </a:rPr>
-              <a:t> 제작 경험</a:t>
-            </a:r>
-          </a:p>
-          <a:p>
-            <a:pPr algn="ctr">
-              <a:defRPr/>
-            </a:pPr>
-            <a:r>
-              <a:rPr lang="en-US" altLang="ko-KR" sz="1400">
-                <a:latin typeface="HY헤드라인M"/>
-                <a:ea typeface="HY헤드라인M"/>
-              </a:rPr>
-              <a:t>UNITY</a:t>
-            </a:r>
-            <a:r>
-              <a:rPr lang="ko-KR" altLang="en-US" sz="1400">
-                <a:latin typeface="HY헤드라인M"/>
-                <a:ea typeface="HY헤드라인M"/>
-              </a:rPr>
-              <a:t> 제작 경험</a:t>
-            </a:r>
-          </a:p>
-        </p:txBody>
-      </p:sp>
-      <p:sp>
-        <p:nvSpPr>
-          <p:cNvPr id="19" name="TextBox 18">
-            <a:extLst>
-              <a:ext uri="{FF2B5EF4-FFF2-40B4-BE49-F238E27FC236}">
-                <a16:creationId xmlns:a16="http://schemas.microsoft.com/office/drawing/2014/main" id="{7BC4A763-8396-43A1-9B10-BA4FAFE695A2}"/>
-              </a:ext>
-            </a:extLst>
-          </p:cNvPr>
-          <p:cNvSpPr txBox="1"/>
-          <p:nvPr/>
-        </p:nvSpPr>
-        <p:spPr>
-          <a:xfrm>
-            <a:off x="2218782" y="2803526"/>
-            <a:ext cx="1986441" cy="2246769"/>
-          </a:xfrm>
-          <a:prstGeom prst="rect">
-            <a:avLst/>
-          </a:prstGeom>
-          <a:noFill/>
-        </p:spPr>
-        <p:txBody>
-          <a:bodyPr wrap="none">
-            <a:spAutoFit/>
-          </a:bodyPr>
-          <a:lstStyle/>
-          <a:p>
-            <a:pPr algn="ctr">
-              <a:defRPr/>
-            </a:pPr>
-            <a:r>
-              <a:rPr lang="en-US" altLang="ko-KR" sz="1400" dirty="0">
-                <a:latin typeface="HY헤드라인M"/>
-                <a:ea typeface="HY헤드라인M"/>
-              </a:rPr>
-              <a:t>C/C++</a:t>
-            </a:r>
-          </a:p>
-          <a:p>
-            <a:pPr algn="ctr">
-              <a:defRPr/>
-            </a:pPr>
-            <a:r>
-              <a:rPr lang="en-US" altLang="ko-KR" sz="1400" dirty="0">
-                <a:latin typeface="HY헤드라인M"/>
-                <a:ea typeface="HY헤드라인M"/>
-              </a:rPr>
-              <a:t>WIN API</a:t>
-            </a:r>
-          </a:p>
-          <a:p>
-            <a:pPr algn="ctr">
-              <a:defRPr/>
-            </a:pPr>
-            <a:r>
-              <a:rPr lang="ko-KR" altLang="en-US" sz="1400" dirty="0">
-                <a:latin typeface="HY헤드라인M"/>
-                <a:ea typeface="HY헤드라인M"/>
-              </a:rPr>
-              <a:t>자료구조</a:t>
-            </a:r>
-            <a:r>
-              <a:rPr lang="en-US" altLang="ko-KR" sz="1400" dirty="0">
-                <a:latin typeface="HY헤드라인M"/>
-                <a:ea typeface="HY헤드라인M"/>
-              </a:rPr>
-              <a:t>/</a:t>
-            </a:r>
-            <a:r>
-              <a:rPr lang="ko-KR" altLang="en-US" sz="1400" dirty="0">
-                <a:latin typeface="HY헤드라인M"/>
-                <a:ea typeface="HY헤드라인M"/>
-              </a:rPr>
-              <a:t>알고리즘</a:t>
-            </a:r>
-          </a:p>
-          <a:p>
-            <a:pPr algn="ctr">
-              <a:defRPr/>
-            </a:pPr>
-            <a:r>
-              <a:rPr lang="en-US" altLang="ko-KR" sz="1400" dirty="0">
-                <a:latin typeface="HY헤드라인M"/>
-                <a:ea typeface="HY헤드라인M"/>
-              </a:rPr>
-              <a:t>OpenGL</a:t>
-            </a:r>
-          </a:p>
-          <a:p>
-            <a:pPr algn="ctr">
-              <a:defRPr/>
-            </a:pPr>
-            <a:r>
-              <a:rPr lang="en-US" altLang="ko-KR" sz="1400" dirty="0">
-                <a:latin typeface="HY헤드라인M"/>
-                <a:ea typeface="HY헤드라인M"/>
-              </a:rPr>
-              <a:t>STL</a:t>
-            </a:r>
-          </a:p>
-          <a:p>
-            <a:pPr algn="ctr">
-              <a:defRPr/>
-            </a:pPr>
-            <a:endParaRPr lang="en-US" altLang="ko-KR" sz="1400" dirty="0">
-              <a:latin typeface="HY헤드라인M"/>
-              <a:ea typeface="HY헤드라인M"/>
-            </a:endParaRPr>
-          </a:p>
-          <a:p>
-            <a:pPr algn="ctr">
-              <a:defRPr/>
-            </a:pPr>
-            <a:r>
-              <a:rPr lang="en-US" altLang="ko-KR" sz="1400" dirty="0">
-                <a:latin typeface="HY헤드라인M"/>
-                <a:ea typeface="HY헤드라인M"/>
-              </a:rPr>
-              <a:t>DirectX 11</a:t>
-            </a:r>
-          </a:p>
-          <a:p>
-            <a:pPr algn="ctr">
-              <a:defRPr/>
-            </a:pPr>
-            <a:r>
-              <a:rPr lang="en-US" altLang="ko-KR" sz="1400" dirty="0">
-                <a:latin typeface="HY헤드라인M"/>
-                <a:ea typeface="HY헤드라인M"/>
-              </a:rPr>
-              <a:t>DirectX 2D </a:t>
-            </a:r>
-            <a:r>
-              <a:rPr lang="ko-KR" altLang="en-US" sz="1400" dirty="0">
-                <a:latin typeface="HY헤드라인M"/>
-                <a:ea typeface="HY헤드라인M"/>
-              </a:rPr>
-              <a:t>제작 경험</a:t>
-            </a:r>
-          </a:p>
-          <a:p>
-            <a:pPr algn="ctr">
-              <a:defRPr/>
-            </a:pPr>
-            <a:r>
-              <a:rPr lang="en-US" altLang="ko-KR" sz="1400" dirty="0">
-                <a:latin typeface="HY헤드라인M"/>
-                <a:ea typeface="HY헤드라인M"/>
-              </a:rPr>
-              <a:t>UNITY</a:t>
-            </a:r>
-            <a:r>
-              <a:rPr lang="ko-KR" altLang="en-US" sz="1400" dirty="0">
-                <a:latin typeface="HY헤드라인M"/>
-                <a:ea typeface="HY헤드라인M"/>
-              </a:rPr>
-              <a:t> 제작 경험</a:t>
-            </a:r>
-            <a:endParaRPr lang="en-US" altLang="ko-KR" sz="1400" dirty="0">
-              <a:latin typeface="HY헤드라인M"/>
-              <a:ea typeface="HY헤드라인M"/>
-            </a:endParaRPr>
-          </a:p>
-          <a:p>
-            <a:pPr algn="ctr">
-              <a:defRPr/>
-            </a:pPr>
-            <a:r>
-              <a:rPr lang="en-US" altLang="ko-KR" sz="1400" dirty="0">
-                <a:latin typeface="HY헤드라인M"/>
-                <a:ea typeface="HY헤드라인M"/>
-              </a:rPr>
-              <a:t>TCP/IP, IOCP </a:t>
-            </a:r>
-            <a:r>
-              <a:rPr lang="ko-KR" altLang="en-US" sz="1400" dirty="0">
-                <a:latin typeface="HY헤드라인M"/>
-                <a:ea typeface="HY헤드라인M"/>
-              </a:rPr>
-              <a:t>사용 경험</a:t>
+            <a:r>
+              <a:rPr kumimoji="0" lang="ko-KR" altLang="en-US" sz="2800" i="0" u="none" strike="noStrike" kern="1200" cap="none" spc="0" normalizeH="0" baseline="0" dirty="0">
+                <a:solidFill>
+                  <a:srgbClr val="000000"/>
+                </a:solidFill>
+                <a:latin typeface="HY견고딕" panose="02030600000101010101" pitchFamily="18" charset="-127"/>
+                <a:ea typeface="HY견고딕" panose="02030600000101010101" pitchFamily="18" charset="-127"/>
+                <a:cs typeface="맑은 고딕"/>
+              </a:rPr>
+              <a:t>· </a:t>
+            </a:r>
+            <a:r>
+              <a:rPr kumimoji="0" lang="en-US" altLang="ko-KR" sz="2800" i="0" u="none" strike="noStrike" kern="1200" cap="none" spc="0" normalizeH="0" baseline="0" dirty="0">
+                <a:solidFill>
+                  <a:srgbClr val="000000"/>
+                </a:solidFill>
+                <a:latin typeface="HY견고딕" panose="02030600000101010101" pitchFamily="18" charset="-127"/>
+                <a:ea typeface="HY견고딕" panose="02030600000101010101" pitchFamily="18" charset="-127"/>
+                <a:cs typeface="맑은 고딕"/>
+              </a:rPr>
+              <a:t>‘</a:t>
+            </a:r>
+            <a:r>
+              <a:rPr kumimoji="0" lang="ko-KR" altLang="en-US" sz="2800" i="0" u="none" strike="noStrike" kern="1200" cap="none" spc="0" normalizeH="0" baseline="0" dirty="0" err="1">
+                <a:solidFill>
+                  <a:srgbClr val="000000"/>
+                </a:solidFill>
+                <a:latin typeface="HY견고딕" panose="02030600000101010101" pitchFamily="18" charset="-127"/>
+                <a:ea typeface="HY견고딕" panose="02030600000101010101" pitchFamily="18" charset="-127"/>
+                <a:cs typeface="맑은 고딕"/>
+              </a:rPr>
+              <a:t>데드레커닝</a:t>
+            </a:r>
+            <a:r>
+              <a:rPr kumimoji="0" lang="en-US" altLang="ko-KR" sz="2800" i="0" u="none" strike="noStrike" kern="1200" cap="none" spc="0" normalizeH="0" baseline="0" dirty="0">
+                <a:solidFill>
+                  <a:srgbClr val="000000"/>
+                </a:solidFill>
+                <a:latin typeface="HY견고딕" panose="02030600000101010101" pitchFamily="18" charset="-127"/>
+                <a:ea typeface="HY견고딕" panose="02030600000101010101" pitchFamily="18" charset="-127"/>
+                <a:cs typeface="맑은 고딕"/>
+              </a:rPr>
+              <a:t>’</a:t>
+            </a:r>
+            <a:r>
+              <a:rPr kumimoji="0" lang="ko-KR" altLang="en-US" sz="2800" i="0" u="none" strike="noStrike" kern="1200" cap="none" spc="0" normalizeH="0" baseline="0" dirty="0">
+                <a:solidFill>
+                  <a:srgbClr val="000000"/>
+                </a:solidFill>
+                <a:latin typeface="HY견고딕" panose="02030600000101010101" pitchFamily="18" charset="-127"/>
+                <a:ea typeface="HY견고딕" panose="02030600000101010101" pitchFamily="18" charset="-127"/>
+                <a:cs typeface="맑은 고딕"/>
+              </a:rPr>
+              <a:t>기법을 적용한 이동</a:t>
             </a:r>
           </a:p>
         </p:txBody>
@@ -7464,7 +6716,7 @@
         <p:spPr>
           <a:xfrm>
             <a:off x="1347787" y="876597"/>
-            <a:ext cx="3605474" cy="707886"/>
+            <a:ext cx="4118435" cy="707886"/>
           </a:xfrm>
           <a:prstGeom prst="rect">
             <a:avLst/>
@@ -7485,7 +6737,7 @@
                 <a:latin typeface="HY헤드라인M"/>
                 <a:ea typeface="HY헤드라인M"/>
               </a:rPr>
-              <a:t>중점 연구 분야</a:t>
+              <a:t>개인별 준비 현황</a:t>
             </a:r>
           </a:p>
         </p:txBody>
@@ -7499,7 +6751,7 @@
         <p:spPr>
           <a:xfrm>
             <a:off x="8671112" y="443788"/>
-            <a:ext cx="2287806" cy="523220"/>
+            <a:ext cx="1922321" cy="523220"/>
           </a:xfrm>
           <a:prstGeom prst="rect">
             <a:avLst/>
@@ -7516,34 +6768,13 @@
               <a:defRPr/>
             </a:pPr>
             <a:r>
-              <a:rPr lang="en-US" altLang="ko-KR" sz="2800">
+              <a:rPr lang="en-US" altLang="ko-KR" sz="2800" dirty="0">
                 <a:latin typeface="HY헤드라인M"/>
                 <a:ea typeface="HY헤드라인M"/>
               </a:rPr>
               <a:t>The Island</a:t>
             </a:r>
-            <a:r>
-              <a:rPr lang="en-US" altLang="ko-KR" sz="1050">
-                <a:latin typeface="HY헤드라인M"/>
-                <a:ea typeface="HY헤드라인M"/>
-              </a:rPr>
-              <a:t>(</a:t>
-            </a:r>
-            <a:r>
-              <a:rPr lang="ko-KR" altLang="en-US" sz="1050">
-                <a:latin typeface="HY헤드라인M"/>
-                <a:ea typeface="HY헤드라인M"/>
-              </a:rPr>
-              <a:t>가제</a:t>
-            </a:r>
-            <a:r>
-              <a:rPr lang="en-US" altLang="ko-KR" sz="1050">
-                <a:latin typeface="HY헤드라인M"/>
-                <a:ea typeface="HY헤드라인M"/>
-              </a:rPr>
-              <a:t>)</a:t>
-            </a:r>
-            <a:endParaRPr lang="ko-KR" altLang="en-US" sz="2800">
+            <a:endParaRPr lang="ko-KR" altLang="en-US" sz="2800" dirty="0">
               <a:latin typeface="HY헤드라인M"/>
               <a:ea typeface="HY헤드라인M"/>
             </a:endParaRPr>
@@ -7604,7 +6835,7 @@
         <p:spPr>
           <a:xfrm>
             <a:off x="10207499" y="6283173"/>
-            <a:ext cx="636713" cy="369332"/>
+            <a:ext cx="809837" cy="369332"/>
           </a:xfrm>
           <a:prstGeom prst="rect">
             <a:avLst/>
@@ -7621,13 +6852,13 @@
               <a:defRPr/>
             </a:pPr>
             <a:r>
-              <a:rPr lang="en-US" altLang="ko-KR">
+              <a:rPr lang="en-US" altLang="ko-KR" dirty="0">
                 <a:latin typeface="HY헤드라인M"/>
                 <a:ea typeface="HY헤드라인M"/>
               </a:rPr>
-              <a:t>15/..</a:t>
-            </a:r>
-            <a:endParaRPr lang="ko-KR" altLang="en-US">
+              <a:t>15/18</a:t>
+            </a:r>
+            <a:endParaRPr lang="ko-KR" altLang="en-US" dirty="0">
               <a:latin typeface="HY헤드라인M"/>
               <a:ea typeface="HY헤드라인M"/>
             </a:endParaRPr>
@@ -7695,11 +6926,11 @@
               <a:defRPr/>
             </a:pPr>
             <a:r>
-              <a:rPr lang="ko-KR" altLang="en-US" sz="2000" dirty="0">
+              <a:rPr lang="ko-KR" altLang="en-US" sz="2000">
                 <a:latin typeface="HY견고딕"/>
                 <a:ea typeface="HY견고딕"/>
               </a:rPr>
-              <a:t>이동규</a:t>
+              <a:t>김하윤</a:t>
             </a:r>
           </a:p>
         </p:txBody>
@@ -7730,16 +6961,12 @@
               <a:defRPr/>
             </a:pPr>
             <a:r>
-              <a:rPr lang="ko-KR" altLang="en-US" sz="2000" dirty="0" err="1">
+              <a:rPr lang="ko-KR" altLang="en-US" sz="2000">
                 <a:latin typeface="HY견고딕"/>
                 <a:ea typeface="HY견고딕"/>
               </a:rPr>
-              <a:t>김하윤</a:t>
-            </a:r>
-            <a:endParaRPr lang="ko-KR" altLang="en-US" sz="2000" dirty="0">
-              <a:latin typeface="HY견고딕"/>
-              <a:ea typeface="HY견고딕"/>
-            </a:endParaRPr>
+              <a:t>이동규</a:t>
+            </a:r>
           </a:p>
         </p:txBody>
       </p:sp>
@@ -7930,14 +7157,14 @@
       </p:sp>
       <p:sp>
         <p:nvSpPr>
-          <p:cNvPr id="18" name="TextBox 17"/>
+          <p:cNvPr id="14" name="TextBox 13"/>
           <p:cNvSpPr txBox="1"/>
           <p:nvPr/>
         </p:nvSpPr>
         <p:spPr>
           <a:xfrm>
-            <a:off x="7874018" y="2803526"/>
-            <a:ext cx="2425664" cy="1477328"/>
+            <a:off x="5193669" y="2803526"/>
+            <a:ext cx="1917512" cy="2677656"/>
           </a:xfrm>
           <a:prstGeom prst="rect">
             <a:avLst/>
@@ -7954,61 +7181,191 @@
               <a:defRPr/>
             </a:pPr>
             <a:r>
-              <a:rPr lang="en-US" altLang="ko-KR" dirty="0">
-                <a:latin typeface="HY견고딕"/>
-                <a:ea typeface="HY견고딕"/>
-              </a:rPr>
-              <a:t>IOCP </a:t>
-            </a:r>
-            <a:r>
-              <a:rPr lang="ko-KR" altLang="en-US" dirty="0">
-                <a:latin typeface="HY견고딕"/>
-                <a:ea typeface="HY견고딕"/>
-              </a:rPr>
-              <a:t>다중 접속 서버</a:t>
+              <a:rPr lang="en-US" altLang="ko-KR" sz="1400" dirty="0">
+                <a:latin typeface="HY헤드라인M"/>
+                <a:ea typeface="HY헤드라인M"/>
+              </a:rPr>
+              <a:t>C/C++</a:t>
             </a:r>
           </a:p>
           <a:p>
             <a:pPr algn="ctr">
               <a:defRPr/>
             </a:pPr>
-            <a:endParaRPr lang="en-US" altLang="ko-KR" dirty="0">
-              <a:latin typeface="HY견고딕"/>
-              <a:ea typeface="HY견고딕"/>
-            </a:endParaRPr>
+            <a:r>
+              <a:rPr lang="en-US" altLang="ko-KR" sz="1400" dirty="0">
+                <a:latin typeface="HY헤드라인M"/>
+                <a:ea typeface="HY헤드라인M"/>
+              </a:rPr>
+              <a:t>WIN API</a:t>
+            </a:r>
           </a:p>
           <a:p>
             <a:pPr algn="ctr">
               <a:defRPr/>
             </a:pPr>
             <a:r>
-              <a:rPr lang="ko-KR" altLang="en-US" dirty="0">
-                <a:latin typeface="HY견고딕"/>
-                <a:ea typeface="HY견고딕"/>
-              </a:rPr>
-              <a:t>서버 프레임워크</a:t>
+              <a:rPr lang="ko-KR" altLang="en-US" sz="1400" dirty="0">
+                <a:latin typeface="HY헤드라인M"/>
+                <a:ea typeface="HY헤드라인M"/>
+              </a:rPr>
+              <a:t>자료구조</a:t>
+            </a:r>
+            <a:r>
+              <a:rPr lang="en-US" altLang="ko-KR" sz="1400" dirty="0">
+                <a:latin typeface="HY헤드라인M"/>
+                <a:ea typeface="HY헤드라인M"/>
+              </a:rPr>
+              <a:t>/</a:t>
+            </a:r>
+            <a:r>
+              <a:rPr lang="ko-KR" altLang="en-US" sz="1400" dirty="0">
+                <a:latin typeface="HY헤드라인M"/>
+                <a:ea typeface="HY헤드라인M"/>
+              </a:rPr>
+              <a:t>알고리즘</a:t>
             </a:r>
           </a:p>
           <a:p>
             <a:pPr algn="ctr">
               <a:defRPr/>
             </a:pPr>
-            <a:endParaRPr lang="ko-KR" altLang="en-US" dirty="0">
-              <a:latin typeface="HY견고딕"/>
-              <a:ea typeface="HY견고딕"/>
-            </a:endParaRPr>
+            <a:r>
+              <a:rPr lang="en-US" altLang="ko-KR" sz="1400" dirty="0">
+                <a:latin typeface="HY헤드라인M"/>
+                <a:ea typeface="HY헤드라인M"/>
+              </a:rPr>
+              <a:t>OpenGL</a:t>
+            </a:r>
           </a:p>
           <a:p>
             <a:pPr algn="ctr">
               <a:defRPr/>
             </a:pPr>
             <a:r>
-              <a:rPr lang="ko-KR" altLang="en-US" dirty="0">
-                <a:latin typeface="HY견고딕"/>
-                <a:ea typeface="HY견고딕"/>
-              </a:rPr>
-              <a:t>서버 최적화</a:t>
-            </a:r>
+              <a:rPr lang="en-US" altLang="ko-KR" sz="1400" dirty="0">
+                <a:latin typeface="HY헤드라인M"/>
+                <a:ea typeface="HY헤드라인M"/>
+              </a:rPr>
+              <a:t>STL</a:t>
+            </a:r>
+          </a:p>
+          <a:p>
+            <a:pPr algn="ctr">
+              <a:defRPr/>
+            </a:pPr>
+            <a:r>
+              <a:rPr lang="en-US" altLang="ko-KR" sz="1400" dirty="0">
+                <a:latin typeface="HY헤드라인M"/>
+                <a:ea typeface="HY헤드라인M"/>
+              </a:rPr>
+              <a:t>DirectX 12</a:t>
+            </a:r>
+          </a:p>
+          <a:p>
+            <a:pPr algn="ctr">
+              <a:defRPr/>
+            </a:pPr>
+            <a:endParaRPr lang="en-US" altLang="ko-KR" sz="1400" dirty="0">
+              <a:latin typeface="HY헤드라인M"/>
+              <a:ea typeface="HY헤드라인M"/>
+            </a:endParaRPr>
+          </a:p>
+          <a:p>
+            <a:pPr algn="ctr">
+              <a:defRPr/>
+            </a:pPr>
+            <a:r>
+              <a:rPr lang="en-US" altLang="ko-KR" sz="1400" dirty="0">
+                <a:latin typeface="HY헤드라인M"/>
+                <a:ea typeface="HY헤드라인M"/>
+              </a:rPr>
+              <a:t>TCP/IP </a:t>
+            </a:r>
+            <a:r>
+              <a:rPr lang="ko-KR" altLang="en-US" sz="1400" dirty="0">
+                <a:latin typeface="HY헤드라인M"/>
+                <a:ea typeface="HY헤드라인M"/>
+              </a:rPr>
+              <a:t>사용 경험</a:t>
+            </a:r>
+            <a:endParaRPr lang="en-US" altLang="ko-KR" sz="1400" dirty="0">
+              <a:latin typeface="HY헤드라인M"/>
+              <a:ea typeface="HY헤드라인M"/>
+            </a:endParaRPr>
+          </a:p>
+          <a:p>
+            <a:pPr algn="ctr">
+              <a:defRPr/>
+            </a:pPr>
+            <a:r>
+              <a:rPr lang="en-US" altLang="ko-KR" sz="1400" dirty="0">
+                <a:latin typeface="HY헤드라인M"/>
+                <a:ea typeface="HY헤드라인M"/>
+              </a:rPr>
+              <a:t>DirectX 2D </a:t>
+            </a:r>
+            <a:r>
+              <a:rPr lang="ko-KR" altLang="en-US" sz="1400" dirty="0">
+                <a:latin typeface="HY헤드라인M"/>
+                <a:ea typeface="HY헤드라인M"/>
+              </a:rPr>
+              <a:t>제작 경험</a:t>
+            </a:r>
+          </a:p>
+          <a:p>
+            <a:pPr algn="ctr">
+              <a:defRPr/>
+            </a:pPr>
+            <a:r>
+              <a:rPr lang="en-US" altLang="ko-KR" sz="1400" dirty="0">
+                <a:latin typeface="HY헤드라인M"/>
+                <a:ea typeface="HY헤드라인M"/>
+              </a:rPr>
+              <a:t>DirectX12 </a:t>
+            </a:r>
+            <a:r>
+              <a:rPr lang="ko-KR" altLang="en-US" sz="1400" dirty="0" err="1">
+                <a:latin typeface="HY헤드라인M"/>
+                <a:ea typeface="HY헤드라인M"/>
+              </a:rPr>
+              <a:t>피킹</a:t>
+            </a:r>
+            <a:r>
+              <a:rPr lang="ko-KR" altLang="en-US" sz="1400" dirty="0">
+                <a:latin typeface="HY헤드라인M"/>
+                <a:ea typeface="HY헤드라인M"/>
+              </a:rPr>
+              <a:t> 구현</a:t>
+            </a:r>
+          </a:p>
+          <a:p>
+            <a:pPr algn="ctr">
+              <a:defRPr/>
+            </a:pPr>
+            <a:r>
+              <a:rPr lang="en-US" altLang="ko-KR" sz="1400" dirty="0">
+                <a:latin typeface="HY헤드라인M"/>
+                <a:ea typeface="HY헤드라인M"/>
+              </a:rPr>
+              <a:t>UNITY</a:t>
+            </a:r>
+            <a:r>
+              <a:rPr lang="ko-KR" altLang="en-US" sz="1400" dirty="0">
+                <a:latin typeface="HY헤드라인M"/>
+                <a:ea typeface="HY헤드라인M"/>
+              </a:rPr>
+              <a:t> 제작 경험</a:t>
+            </a:r>
+          </a:p>
+          <a:p>
+            <a:pPr algn="ctr">
+              <a:defRPr/>
+            </a:pPr>
+            <a:endParaRPr lang="en-US" altLang="ko-KR" sz="1400" dirty="0">
+              <a:latin typeface="HY헤드라인M"/>
+              <a:ea typeface="HY헤드라인M"/>
+            </a:endParaRPr>
           </a:p>
         </p:txBody>
       </p:sp>
@@ -8070,7 +7427,7 @@
         </p:nvSpPr>
         <p:spPr>
           <a:xfrm>
-            <a:off x="7206556" y="2330110"/>
+            <a:off x="7319044" y="2332539"/>
             <a:ext cx="558443" cy="2913426"/>
           </a:xfrm>
           <a:prstGeom prst="rect">
@@ -8114,26 +7471,22 @@
       </p:sp>
       <p:sp>
         <p:nvSpPr>
-          <p:cNvPr id="19" name="TextBox 18"/>
+          <p:cNvPr id="21" name="TextBox 20"/>
           <p:cNvSpPr txBox="1"/>
           <p:nvPr/>
         </p:nvSpPr>
         <p:spPr>
           <a:xfrm>
-            <a:off x="2157866" y="2543112"/>
-            <a:ext cx="5048690" cy="2585323"/>
+            <a:off x="7880983" y="2841217"/>
+            <a:ext cx="2278382" cy="2224178"/>
           </a:xfrm>
           <a:prstGeom prst="rect">
             <a:avLst/>
           </a:prstGeom>
           <a:noFill/>
-          <a:ln w="12700">
-            <a:noFill/>
-            <a:prstDash val="sysDot"/>
-          </a:ln>
-        </p:spPr>
-        <p:txBody>
-          <a:bodyPr wrap="square">
+        </p:spPr>
+        <p:txBody>
+          <a:bodyPr wrap="none">
             <a:spAutoFit/>
           </a:bodyPr>
           <a:lstStyle/>
@@ -8142,143 +7495,85 @@
               <a:defRPr/>
             </a:pPr>
             <a:r>
-              <a:rPr lang="ko-KR" altLang="en-US" dirty="0">
-                <a:latin typeface="HY견고딕"/>
-                <a:ea typeface="HY견고딕"/>
-              </a:rPr>
-              <a:t>클라이언트 프레임워크</a:t>
-            </a:r>
-            <a:endParaRPr lang="en-US" altLang="ko-KR" dirty="0">
-              <a:latin typeface="HY견고딕"/>
-              <a:ea typeface="HY견고딕"/>
-            </a:endParaRPr>
+              <a:rPr lang="en-US" altLang="ko-KR" sz="1400">
+                <a:latin typeface="HY헤드라인M"/>
+                <a:ea typeface="HY헤드라인M"/>
+              </a:rPr>
+              <a:t>C/C++</a:t>
+            </a:r>
           </a:p>
           <a:p>
             <a:pPr algn="ctr">
               <a:defRPr/>
             </a:pPr>
-            <a:endParaRPr lang="en-US" altLang="ko-KR" dirty="0">
-              <a:latin typeface="HY견고딕"/>
-              <a:ea typeface="HY견고딕"/>
-            </a:endParaRPr>
+            <a:r>
+              <a:rPr lang="en-US" altLang="ko-KR" sz="1400">
+                <a:latin typeface="HY헤드라인M"/>
+                <a:ea typeface="HY헤드라인M"/>
+              </a:rPr>
+              <a:t>WIN API</a:t>
+            </a:r>
           </a:p>
           <a:p>
             <a:pPr algn="ctr">
               <a:defRPr/>
             </a:pPr>
             <a:r>
-              <a:rPr lang="ko-KR" altLang="en-US" dirty="0">
-                <a:latin typeface="HY견고딕"/>
-                <a:ea typeface="HY견고딕"/>
-              </a:rPr>
-              <a:t>애니메이션</a:t>
+              <a:rPr lang="ko-KR" altLang="en-US" sz="1400">
+                <a:latin typeface="HY헤드라인M"/>
+                <a:ea typeface="HY헤드라인M"/>
+              </a:rPr>
+              <a:t>자료구조</a:t>
+            </a:r>
+            <a:r>
+              <a:rPr lang="en-US" altLang="ko-KR" sz="1400">
+                <a:latin typeface="HY헤드라인M"/>
+                <a:ea typeface="HY헤드라인M"/>
+              </a:rPr>
+              <a:t>/</a:t>
+            </a:r>
+            <a:r>
+              <a:rPr lang="ko-KR" altLang="en-US" sz="1400">
+                <a:latin typeface="HY헤드라인M"/>
+                <a:ea typeface="HY헤드라인M"/>
+              </a:rPr>
+              <a:t>알고리즘</a:t>
             </a:r>
           </a:p>
           <a:p>
             <a:pPr algn="ctr">
               <a:defRPr/>
             </a:pPr>
-            <a:endParaRPr lang="en-US" altLang="ko-KR" dirty="0">
-              <a:latin typeface="HY견고딕"/>
-              <a:ea typeface="HY견고딕"/>
-            </a:endParaRPr>
+            <a:r>
+              <a:rPr lang="en-US" altLang="ko-KR" sz="1400">
+                <a:latin typeface="HY헤드라인M"/>
+                <a:ea typeface="HY헤드라인M"/>
+              </a:rPr>
+              <a:t>OpenGL</a:t>
+            </a:r>
           </a:p>
           <a:p>
             <a:pPr algn="ctr">
               <a:defRPr/>
             </a:pPr>
             <a:r>
-              <a:rPr lang="ko-KR" altLang="en-US" dirty="0">
-                <a:latin typeface="HY견고딕"/>
-                <a:ea typeface="HY견고딕"/>
-              </a:rPr>
-              <a:t>그림자 </a:t>
-            </a:r>
-            <a:r>
-              <a:rPr lang="en-US" altLang="ko-KR" dirty="0">
-                <a:latin typeface="HY견고딕"/>
-                <a:ea typeface="HY견고딕"/>
-              </a:rPr>
-              <a:t>/ </a:t>
-            </a:r>
-            <a:r>
-              <a:rPr lang="ko-KR" altLang="en-US" dirty="0" err="1">
-                <a:latin typeface="HY견고딕"/>
-                <a:ea typeface="HY견고딕"/>
-              </a:rPr>
-              <a:t>데칼</a:t>
-            </a:r>
-            <a:r>
-              <a:rPr lang="ko-KR" altLang="en-US" dirty="0">
-                <a:latin typeface="HY견고딕"/>
-                <a:ea typeface="HY견고딕"/>
-              </a:rPr>
-              <a:t> 이미지</a:t>
-            </a:r>
-            <a:endParaRPr lang="en-US" altLang="ko-KR" dirty="0">
-              <a:latin typeface="HY견고딕"/>
-              <a:ea typeface="HY견고딕"/>
-            </a:endParaRPr>
+              <a:rPr lang="en-US" altLang="ko-KR" sz="1400">
+                <a:latin typeface="HY헤드라인M"/>
+                <a:ea typeface="HY헤드라인M"/>
+              </a:rPr>
+              <a:t>STL</a:t>
+            </a:r>
           </a:p>
           <a:p>
             <a:pPr algn="ctr">
               <a:defRPr/>
             </a:pPr>
             <a:r>
-              <a:rPr lang="ko-KR" altLang="en-US" dirty="0" err="1">
-                <a:latin typeface="HY견고딕"/>
-                <a:ea typeface="HY견고딕"/>
-              </a:rPr>
-              <a:t>환경매핑</a:t>
-            </a:r>
-            <a:r>
-              <a:rPr lang="en-US" altLang="ko-KR" dirty="0">
-                <a:latin typeface="HY견고딕"/>
-                <a:ea typeface="HY견고딕"/>
-              </a:rPr>
-              <a:t>(</a:t>
-            </a:r>
-            <a:r>
-              <a:rPr lang="ko-KR" altLang="en-US" dirty="0">
-                <a:latin typeface="HY견고딕"/>
-                <a:ea typeface="HY견고딕"/>
-              </a:rPr>
-              <a:t>물</a:t>
-            </a:r>
-            <a:r>
-              <a:rPr lang="en-US" altLang="ko-KR" dirty="0">
-                <a:latin typeface="HY견고딕"/>
-                <a:ea typeface="HY견고딕"/>
-              </a:rPr>
-              <a:t>) / </a:t>
-            </a:r>
-            <a:r>
-              <a:rPr lang="ko-KR" altLang="en-US" dirty="0" err="1">
-                <a:latin typeface="HY견고딕"/>
-                <a:ea typeface="HY견고딕"/>
-              </a:rPr>
-              <a:t>범프매핑</a:t>
-            </a:r>
-            <a:r>
-              <a:rPr lang="en-US" altLang="ko-KR" dirty="0">
-                <a:latin typeface="HY견고딕"/>
-                <a:ea typeface="HY견고딕"/>
-              </a:rPr>
-              <a:t>(</a:t>
-            </a:r>
-            <a:r>
-              <a:rPr lang="ko-KR" altLang="en-US" dirty="0" err="1">
-                <a:latin typeface="HY견고딕"/>
-                <a:ea typeface="HY견고딕"/>
-              </a:rPr>
-              <a:t>노멀매핑</a:t>
-            </a:r>
-            <a:r>
-              <a:rPr lang="en-US" altLang="ko-KR" dirty="0">
-                <a:latin typeface="HY견고딕"/>
-                <a:ea typeface="HY견고딕"/>
-              </a:rPr>
-              <a:t>)</a:t>
+              <a:rPr lang="en-US" altLang="ko-KR" sz="1400">
+                <a:latin typeface="HY헤드라인M"/>
+                <a:ea typeface="HY헤드라인M"/>
+              </a:rPr>
+              <a:t>IOCP</a:t>
             </a:r>
           </a:p>
           <a:p>
@@ -8286,31 +7581,20 @@
               <a:defRPr/>
             </a:pPr>
             <a:r>
-              <a:rPr lang="ko-KR" altLang="en-US" dirty="0" err="1">
-                <a:latin typeface="HY견고딕"/>
-                <a:ea typeface="HY견고딕"/>
-              </a:rPr>
-              <a:t>쉐이더</a:t>
-            </a:r>
-            <a:r>
-              <a:rPr lang="ko-KR" altLang="en-US" dirty="0">
-                <a:latin typeface="HY견고딕"/>
-                <a:ea typeface="HY견고딕"/>
-              </a:rPr>
-              <a:t> 프로그래밍</a:t>
-            </a:r>
-            <a:endParaRPr lang="en-US" altLang="ko-KR" dirty="0">
-              <a:latin typeface="HY견고딕"/>
-              <a:ea typeface="HY견고딕"/>
-            </a:endParaRPr>
+              <a:rPr lang="en-US" altLang="ko-KR" sz="1400">
+                <a:latin typeface="HY헤드라인M"/>
+                <a:ea typeface="HY헤드라인M"/>
+              </a:rPr>
+              <a:t>Multi-Core Programming</a:t>
+            </a:r>
           </a:p>
           <a:p>
             <a:pPr algn="ctr">
               <a:defRPr/>
             </a:pPr>
-            <a:endParaRPr lang="en-US" altLang="ko-KR" dirty="0">
-              <a:latin typeface="HY견고딕"/>
-              <a:ea typeface="HY견고딕"/>
+            <a:endParaRPr lang="en-US" altLang="ko-KR" sz="1400">
+              <a:latin typeface="HY헤드라인M"/>
+              <a:ea typeface="HY헤드라인M"/>
             </a:endParaRPr>
           </a:p>
           <a:p>
@@ -8318,11 +7602,222 @@
               <a:defRPr/>
             </a:pPr>
             <a:r>
-              <a:rPr lang="ko-KR" altLang="en-US" dirty="0">
-                <a:latin typeface="HY견고딕"/>
-                <a:ea typeface="HY견고딕"/>
-              </a:rPr>
-              <a:t>하우징 컨텐츠</a:t>
+              <a:rPr lang="en-US" altLang="ko-KR" sz="1400">
+                <a:latin typeface="HY헤드라인M"/>
+                <a:ea typeface="HY헤드라인M"/>
+              </a:rPr>
+              <a:t>IOCP Server</a:t>
+            </a:r>
+            <a:r>
+              <a:rPr lang="ko-KR" altLang="en-US" sz="1400">
+                <a:latin typeface="HY헤드라인M"/>
+                <a:ea typeface="HY헤드라인M"/>
+              </a:rPr>
+              <a:t> 제작 경험</a:t>
+            </a:r>
+          </a:p>
+          <a:p>
+            <a:pPr algn="ctr">
+              <a:defRPr/>
+            </a:pPr>
+            <a:r>
+              <a:rPr lang="en-US" altLang="ko-KR" sz="1400">
+                <a:latin typeface="HY헤드라인M"/>
+                <a:ea typeface="HY헤드라인M"/>
+              </a:rPr>
+              <a:t>UNITY</a:t>
+            </a:r>
+            <a:r>
+              <a:rPr lang="ko-KR" altLang="en-US" sz="1400">
+                <a:latin typeface="HY헤드라인M"/>
+                <a:ea typeface="HY헤드라인M"/>
+              </a:rPr>
+              <a:t> 제작 경험</a:t>
+            </a:r>
+          </a:p>
+        </p:txBody>
+      </p:sp>
+      <p:sp>
+        <p:nvSpPr>
+          <p:cNvPr id="19" name="TextBox 18">
+            <a:extLst>
+              <a:ext uri="{FF2B5EF4-FFF2-40B4-BE49-F238E27FC236}">
+                <a16:creationId xmlns:a16="http://schemas.microsoft.com/office/drawing/2014/main" id="{7BC4A763-8396-43A1-9B10-BA4FAFE695A2}"/>
+              </a:ext>
+            </a:extLst>
+          </p:cNvPr>
+          <p:cNvSpPr txBox="1"/>
+          <p:nvPr/>
+        </p:nvSpPr>
+        <p:spPr>
+          <a:xfrm>
+            <a:off x="2218782" y="2803526"/>
+            <a:ext cx="1986441" cy="2246769"/>
+          </a:xfrm>
+          <a:prstGeom prst="rect">
+            <a:avLst/>
+          </a:prstGeom>
+          <a:noFill/>
+        </p:spPr>
+        <p:txBody>
+          <a:bodyPr wrap="none">
+            <a:spAutoFit/>
+          </a:bodyPr>
+          <a:lstStyle/>
+          <a:p>
+            <a:pPr algn="ctr">
+              <a:defRPr/>
+            </a:pPr>
+            <a:r>
+              <a:rPr lang="en-US" altLang="ko-KR" sz="1400" dirty="0">
+                <a:latin typeface="HY헤드라인M"/>
+                <a:ea typeface="HY헤드라인M"/>
+              </a:rPr>
+              <a:t>C/C++</a:t>
+            </a:r>
+          </a:p>
+          <a:p>
+            <a:pPr algn="ctr">
+              <a:defRPr/>
+            </a:pPr>
+            <a:r>
+              <a:rPr lang="en-US" altLang="ko-KR" sz="1400" dirty="0">
+                <a:latin typeface="HY헤드라인M"/>
+                <a:ea typeface="HY헤드라인M"/>
+              </a:rPr>
+              <a:t>WIN API</a:t>
+            </a:r>
+          </a:p>
+          <a:p>
+            <a:pPr algn="ctr">
+              <a:defRPr/>
+            </a:pPr>
+            <a:r>
+              <a:rPr lang="ko-KR" altLang="en-US" sz="1400" dirty="0">
+                <a:latin typeface="HY헤드라인M"/>
+                <a:ea typeface="HY헤드라인M"/>
+              </a:rPr>
+              <a:t>자료구조</a:t>
+            </a:r>
+            <a:r>
+              <a:rPr lang="en-US" altLang="ko-KR" sz="1400" dirty="0">
+                <a:latin typeface="HY헤드라인M"/>
+                <a:ea typeface="HY헤드라인M"/>
+              </a:rPr>
+              <a:t>/</a:t>
+            </a:r>
+            <a:r>
+              <a:rPr lang="ko-KR" altLang="en-US" sz="1400" dirty="0">
+                <a:latin typeface="HY헤드라인M"/>
+                <a:ea typeface="HY헤드라인M"/>
+              </a:rPr>
+              <a:t>알고리즘</a:t>
+            </a:r>
+          </a:p>
+          <a:p>
+            <a:pPr algn="ctr">
+              <a:defRPr/>
+            </a:pPr>
+            <a:r>
+              <a:rPr lang="en-US" altLang="ko-KR" sz="1400" dirty="0">
+                <a:latin typeface="HY헤드라인M"/>
+                <a:ea typeface="HY헤드라인M"/>
+              </a:rPr>
+              <a:t>OpenGL</a:t>
+            </a:r>
+          </a:p>
+          <a:p>
+            <a:pPr algn="ctr">
+              <a:defRPr/>
+            </a:pPr>
+            <a:r>
+              <a:rPr lang="en-US" altLang="ko-KR" sz="1400" dirty="0">
+                <a:latin typeface="HY헤드라인M"/>
+                <a:ea typeface="HY헤드라인M"/>
+              </a:rPr>
+              <a:t>STL</a:t>
+            </a:r>
+          </a:p>
+          <a:p>
+            <a:pPr algn="ctr">
+              <a:defRPr/>
+            </a:pPr>
+            <a:endParaRPr lang="en-US" altLang="ko-KR" sz="1400" dirty="0">
+              <a:latin typeface="HY헤드라인M"/>
+              <a:ea typeface="HY헤드라인M"/>
+            </a:endParaRPr>
+          </a:p>
+          <a:p>
+            <a:pPr algn="ctr">
+              <a:defRPr/>
+            </a:pPr>
+            <a:r>
+              <a:rPr lang="en-US" altLang="ko-KR" sz="1400" dirty="0">
+                <a:latin typeface="HY헤드라인M"/>
+                <a:ea typeface="HY헤드라인M"/>
+              </a:rPr>
+              <a:t>DirectX 11</a:t>
+            </a:r>
+          </a:p>
+          <a:p>
+            <a:pPr algn="ctr">
+              <a:defRPr/>
+            </a:pPr>
+            <a:r>
+              <a:rPr lang="en-US" altLang="ko-KR" sz="1400" dirty="0">
+                <a:latin typeface="HY헤드라인M"/>
+                <a:ea typeface="HY헤드라인M"/>
+              </a:rPr>
+              <a:t>DirectX 2D </a:t>
+            </a:r>
+            <a:r>
+              <a:rPr lang="ko-KR" altLang="en-US" sz="1400" dirty="0">
+                <a:latin typeface="HY헤드라인M"/>
+                <a:ea typeface="HY헤드라인M"/>
+              </a:rPr>
+              <a:t>제작 경험</a:t>
+            </a:r>
+          </a:p>
+          <a:p>
+            <a:pPr algn="ctr">
+              <a:defRPr/>
+            </a:pPr>
+            <a:r>
+              <a:rPr lang="en-US" altLang="ko-KR" sz="1400" dirty="0">
+                <a:latin typeface="HY헤드라인M"/>
+                <a:ea typeface="HY헤드라인M"/>
+              </a:rPr>
+              <a:t>UNITY</a:t>
+            </a:r>
+            <a:r>
+              <a:rPr lang="ko-KR" altLang="en-US" sz="1400" dirty="0">
+                <a:latin typeface="HY헤드라인M"/>
+                <a:ea typeface="HY헤드라인M"/>
+              </a:rPr>
+              <a:t> 제작 경험</a:t>
+            </a:r>
+            <a:endParaRPr lang="en-US" altLang="ko-KR" sz="1400" dirty="0">
+              <a:latin typeface="HY헤드라인M"/>
+              <a:ea typeface="HY헤드라인M"/>
+            </a:endParaRPr>
+          </a:p>
+          <a:p>
+            <a:pPr algn="ctr">
+              <a:defRPr/>
+            </a:pPr>
+            <a:r>
+              <a:rPr lang="en-US" altLang="ko-KR" sz="1400" dirty="0">
+                <a:latin typeface="HY헤드라인M"/>
+                <a:ea typeface="HY헤드라인M"/>
+              </a:rPr>
+              <a:t>TCP/IP, IOCP </a:t>
+            </a:r>
+            <a:r>
+              <a:rPr lang="ko-KR" altLang="en-US" sz="1400" dirty="0">
+                <a:latin typeface="HY헤드라인M"/>
+                <a:ea typeface="HY헤드라인M"/>
+              </a:rPr>
+              <a:t>사용 경험</a:t>
             </a:r>
           </a:p>
         </p:txBody>
@@ -8336,7 +7831,7 @@
     <mc:Choice Requires="p14">
       <p:transition/>
     </mc:Choice>
-    <mc:Fallback xmlns:dsp="http://schemas.microsoft.com/office/drawing/2008/diagram" xmlns:dgm="http://schemas.openxmlformats.org/drawingml/2006/diagram" xmlns:c="http://schemas.openxmlformats.org/drawingml/2006/chart" xmlns="">
+    <mc:Fallback xmlns="" xmlns:c="http://schemas.openxmlformats.org/drawingml/2006/chart" xmlns:dgm="http://schemas.openxmlformats.org/drawingml/2006/diagram" xmlns:dsp="http://schemas.microsoft.com/office/drawing/2008/diagram">
       <p:transition/>
     </mc:Fallback>
   </mc:AlternateContent>
@@ -8404,7 +7899,7 @@
         <p:spPr>
           <a:xfrm>
             <a:off x="1347787" y="876597"/>
-            <a:ext cx="4118435" cy="707886"/>
+            <a:ext cx="3605474" cy="707886"/>
           </a:xfrm>
           <a:prstGeom prst="rect">
             <a:avLst/>
@@ -8425,7 +7920,7 @@
                 <a:latin typeface="HY헤드라인M"/>
                 <a:ea typeface="HY헤드라인M"/>
               </a:rPr>
-              <a:t>구성원 역할 분담</a:t>
+              <a:t>중점 연구 분야</a:t>
             </a:r>
           </a:p>
         </p:txBody>
@@ -8439,7 +7934,7 @@
         <p:spPr>
           <a:xfrm>
             <a:off x="8671112" y="443788"/>
-            <a:ext cx="2287806" cy="523220"/>
+            <a:ext cx="1922321" cy="523220"/>
           </a:xfrm>
           <a:prstGeom prst="rect">
             <a:avLst/>
@@ -8456,34 +7951,13 @@
               <a:defRPr/>
             </a:pPr>
             <a:r>
-              <a:rPr lang="en-US" altLang="ko-KR" sz="2800">
+              <a:rPr lang="en-US" altLang="ko-KR" sz="2800" dirty="0">
                 <a:latin typeface="HY헤드라인M"/>
                 <a:ea typeface="HY헤드라인M"/>
               </a:rPr>
               <a:t>The Island</a:t>
             </a:r>
-            <a:r>
-              <a:rPr lang="en-US" altLang="ko-KR" sz="1050">
-                <a:latin typeface="HY헤드라인M"/>
-                <a:ea typeface="HY헤드라인M"/>
-              </a:rPr>
-              <a:t>(</a:t>
-            </a:r>
-            <a:r>
-              <a:rPr lang="ko-KR" altLang="en-US" sz="1050">
-                <a:latin typeface="HY헤드라인M"/>
-                <a:ea typeface="HY헤드라인M"/>
-              </a:rPr>
-              <a:t>가제</a:t>
-            </a:r>
-            <a:r>
-              <a:rPr lang="en-US" altLang="ko-KR" sz="1050">
-                <a:latin typeface="HY헤드라인M"/>
-                <a:ea typeface="HY헤드라인M"/>
-              </a:rPr>
-              <a:t>)</a:t>
-            </a:r>
-            <a:endParaRPr lang="ko-KR" altLang="en-US" sz="2800">
+            <a:endParaRPr lang="ko-KR" altLang="en-US" sz="2800" dirty="0">
               <a:latin typeface="HY헤드라인M"/>
               <a:ea typeface="HY헤드라인M"/>
             </a:endParaRPr>
@@ -8544,7 +8018,7 @@
         <p:spPr>
           <a:xfrm>
             <a:off x="10207499" y="6283173"/>
-            <a:ext cx="636713" cy="369332"/>
+            <a:ext cx="809837" cy="369332"/>
           </a:xfrm>
           <a:prstGeom prst="rect">
             <a:avLst/>
@@ -8561,13 +8035,13 @@
               <a:defRPr/>
             </a:pPr>
             <a:r>
-              <a:rPr lang="en-US" altLang="ko-KR">
+              <a:rPr lang="en-US" altLang="ko-KR" dirty="0">
                 <a:latin typeface="HY헤드라인M"/>
                 <a:ea typeface="HY헤드라인M"/>
               </a:rPr>
-              <a:t>16/..</a:t>
-            </a:r>
-            <a:endParaRPr lang="ko-KR" altLang="en-US">
+              <a:t>16/18</a:t>
+            </a:r>
+            <a:endParaRPr lang="ko-KR" altLang="en-US" dirty="0">
               <a:latin typeface="HY헤드라인M"/>
               <a:ea typeface="HY헤드라인M"/>
             </a:endParaRPr>
@@ -8611,24 +8085,131 @@
       </p:cxnSp>
       <p:sp>
         <p:nvSpPr>
-          <p:cNvPr id="8" name="타원 7"/>
+          <p:cNvPr id="8" name="TextBox 7"/>
+          <p:cNvSpPr txBox="1"/>
+          <p:nvPr/>
+        </p:nvSpPr>
+        <p:spPr>
+          <a:xfrm>
+            <a:off x="2729897" y="2143002"/>
+            <a:ext cx="954107" cy="400110"/>
+          </a:xfrm>
+          <a:prstGeom prst="rect">
+            <a:avLst/>
+          </a:prstGeom>
+          <a:noFill/>
+        </p:spPr>
+        <p:txBody>
+          <a:bodyPr wrap="none">
+            <a:spAutoFit/>
+          </a:bodyPr>
+          <a:lstStyle/>
+          <a:p>
+            <a:pPr algn="ctr">
+              <a:defRPr/>
+            </a:pPr>
+            <a:r>
+              <a:rPr lang="ko-KR" altLang="en-US" sz="2000" dirty="0">
+                <a:latin typeface="HY견고딕"/>
+                <a:ea typeface="HY견고딕"/>
+              </a:rPr>
+              <a:t>이동규</a:t>
+            </a:r>
+          </a:p>
+        </p:txBody>
+      </p:sp>
+      <p:sp>
+        <p:nvSpPr>
+          <p:cNvPr id="9" name="TextBox 8"/>
+          <p:cNvSpPr txBox="1"/>
+          <p:nvPr/>
+        </p:nvSpPr>
+        <p:spPr>
+          <a:xfrm>
+            <a:off x="5675370" y="2143002"/>
+            <a:ext cx="954107" cy="400110"/>
+          </a:xfrm>
+          <a:prstGeom prst="rect">
+            <a:avLst/>
+          </a:prstGeom>
+          <a:noFill/>
+        </p:spPr>
+        <p:txBody>
+          <a:bodyPr wrap="none">
+            <a:spAutoFit/>
+          </a:bodyPr>
+          <a:lstStyle/>
+          <a:p>
+            <a:pPr algn="ctr">
+              <a:defRPr/>
+            </a:pPr>
+            <a:r>
+              <a:rPr lang="ko-KR" altLang="en-US" sz="2000" dirty="0" err="1">
+                <a:latin typeface="HY견고딕"/>
+                <a:ea typeface="HY견고딕"/>
+              </a:rPr>
+              <a:t>김하윤</a:t>
+            </a:r>
+            <a:endParaRPr lang="ko-KR" altLang="en-US" sz="2000" dirty="0">
+              <a:latin typeface="HY견고딕"/>
+              <a:ea typeface="HY견고딕"/>
+            </a:endParaRPr>
+          </a:p>
+        </p:txBody>
+      </p:sp>
+      <p:sp>
+        <p:nvSpPr>
+          <p:cNvPr id="10" name="TextBox 9"/>
+          <p:cNvSpPr txBox="1"/>
+          <p:nvPr/>
+        </p:nvSpPr>
+        <p:spPr>
+          <a:xfrm>
+            <a:off x="8620843" y="2143002"/>
+            <a:ext cx="954107" cy="400110"/>
+          </a:xfrm>
+          <a:prstGeom prst="rect">
+            <a:avLst/>
+          </a:prstGeom>
+          <a:noFill/>
+        </p:spPr>
+        <p:txBody>
+          <a:bodyPr wrap="none">
+            <a:spAutoFit/>
+          </a:bodyPr>
+          <a:lstStyle/>
+          <a:p>
+            <a:pPr algn="ctr">
+              <a:defRPr/>
+            </a:pPr>
+            <a:r>
+              <a:rPr lang="ko-KR" altLang="en-US" sz="2000">
+                <a:latin typeface="HY견고딕"/>
+                <a:ea typeface="HY견고딕"/>
+              </a:rPr>
+              <a:t>이득유</a:t>
+            </a:r>
+          </a:p>
+        </p:txBody>
+      </p:sp>
+      <p:sp>
+        <p:nvSpPr>
+          <p:cNvPr id="15" name="사각형: 둥근 모서리 14"/>
           <p:cNvSpPr/>
           <p:nvPr/>
         </p:nvSpPr>
         <p:spPr>
           <a:xfrm>
-            <a:off x="2987039" y="3138554"/>
-            <a:ext cx="3108960" cy="3044386"/>
-          </a:xfrm>
-          <a:prstGeom prst="ellipse">
-            <a:avLst/>
-          </a:prstGeom>
-          <a:solidFill>
-            <a:schemeClr val="accent6">
-              <a:alpha val="50000"/>
-            </a:schemeClr>
-          </a:solidFill>
-          <a:ln w="22225">
+            <a:off x="1736738" y="1882588"/>
+            <a:ext cx="2940423" cy="3830032"/>
+          </a:xfrm>
+          <a:prstGeom prst="roundRect">
+            <a:avLst>
+              <a:gd name="adj" fmla="val 16667"/>
+            </a:avLst>
+          </a:prstGeom>
+          <a:noFill/>
+          <a:ln w="25400" cmpd="sng">
             <a:solidFill>
               <a:schemeClr val="tx1"/>
             </a:solidFill>
@@ -8663,24 +8244,22 @@
       </p:sp>
       <p:sp>
         <p:nvSpPr>
-          <p:cNvPr id="9" name="타원 8"/>
+          <p:cNvPr id="16" name="사각형: 둥근 모서리 15"/>
           <p:cNvSpPr/>
           <p:nvPr/>
         </p:nvSpPr>
         <p:spPr>
           <a:xfrm>
-            <a:off x="6095999" y="3138554"/>
-            <a:ext cx="3108960" cy="3044386"/>
-          </a:xfrm>
-          <a:prstGeom prst="ellipse">
-            <a:avLst/>
-          </a:prstGeom>
-          <a:solidFill>
-            <a:schemeClr val="accent1">
-              <a:alpha val="50000"/>
-            </a:schemeClr>
-          </a:solidFill>
-          <a:ln w="22225">
+            <a:off x="4682211" y="1882588"/>
+            <a:ext cx="2940423" cy="3830032"/>
+          </a:xfrm>
+          <a:prstGeom prst="roundRect">
+            <a:avLst>
+              <a:gd name="adj" fmla="val 16667"/>
+            </a:avLst>
+          </a:prstGeom>
+          <a:noFill/>
+          <a:ln w="25400" cmpd="sng">
             <a:solidFill>
               <a:schemeClr val="tx1"/>
             </a:solidFill>
@@ -8715,24 +8294,22 @@
       </p:sp>
       <p:sp>
         <p:nvSpPr>
-          <p:cNvPr id="10" name="타원 9"/>
+          <p:cNvPr id="17" name="사각형: 둥근 모서리 16"/>
           <p:cNvSpPr/>
           <p:nvPr/>
         </p:nvSpPr>
         <p:spPr>
           <a:xfrm>
-            <a:off x="4541519" y="1703749"/>
-            <a:ext cx="3108960" cy="3044386"/>
-          </a:xfrm>
-          <a:prstGeom prst="ellipse">
-            <a:avLst/>
-          </a:prstGeom>
-          <a:solidFill>
-            <a:srgbClr val="FF0000">
-              <a:alpha val="50000"/>
-            </a:srgbClr>
-          </a:solidFill>
-          <a:ln w="22225">
+            <a:off x="7627684" y="1882588"/>
+            <a:ext cx="2940423" cy="3830032"/>
+          </a:xfrm>
+          <a:prstGeom prst="roundRect">
+            <a:avLst>
+              <a:gd name="adj" fmla="val 16667"/>
+            </a:avLst>
+          </a:prstGeom>
+          <a:noFill/>
+          <a:ln w="25400" cmpd="sng">
             <a:solidFill>
               <a:schemeClr val="tx1"/>
             </a:solidFill>
@@ -8767,14 +8344,14 @@
       </p:sp>
       <p:sp>
         <p:nvSpPr>
-          <p:cNvPr id="12" name="TextBox 11"/>
+          <p:cNvPr id="18" name="TextBox 17"/>
           <p:cNvSpPr txBox="1"/>
           <p:nvPr/>
         </p:nvSpPr>
         <p:spPr>
           <a:xfrm>
-            <a:off x="2934528" y="4466795"/>
-            <a:ext cx="3213981" cy="923330"/>
+            <a:off x="7874018" y="2803526"/>
+            <a:ext cx="2425664" cy="1477328"/>
           </a:xfrm>
           <a:prstGeom prst="rect">
             <a:avLst/>
@@ -8782,7 +8359,7 @@
           <a:noFill/>
         </p:spPr>
         <p:txBody>
-          <a:bodyPr wrap="square">
+          <a:bodyPr wrap="none">
             <a:spAutoFit/>
           </a:bodyPr>
           <a:lstStyle/>
@@ -8791,12 +8368,24 @@
               <a:defRPr/>
             </a:pPr>
             <a:r>
+              <a:rPr lang="en-US" altLang="ko-KR" dirty="0">
+                <a:latin typeface="HY견고딕"/>
+                <a:ea typeface="HY견고딕"/>
+              </a:rPr>
+              <a:t>IOCP </a:t>
+            </a:r>
+            <a:r>
               <a:rPr lang="ko-KR" altLang="en-US" dirty="0">
                 <a:latin typeface="HY견고딕"/>
                 <a:ea typeface="HY견고딕"/>
               </a:rPr>
-              <a:t>프레임워크 제작</a:t>
-            </a:r>
+              <a:t>다중 접속 서버</a:t>
+            </a:r>
+          </a:p>
+          <a:p>
+            <a:pPr algn="ctr">
+              <a:defRPr/>
+            </a:pPr>
             <a:endParaRPr lang="en-US" altLang="ko-KR" dirty="0">
               <a:latin typeface="HY견고딕"/>
               <a:ea typeface="HY견고딕"/>
@@ -8811,261 +8400,7 @@
                 <a:latin typeface="HY견고딕"/>
                 <a:ea typeface="HY견고딕"/>
               </a:rPr>
-              <a:t>클라이언트</a:t>
-            </a:r>
-          </a:p>
-          <a:p>
-            <a:pPr algn="ctr">
-              <a:defRPr/>
-            </a:pPr>
-            <a:r>
-              <a:rPr lang="ko-KR" altLang="en-US" dirty="0">
-                <a:latin typeface="HY견고딕"/>
-                <a:ea typeface="HY견고딕"/>
-              </a:rPr>
-              <a:t>하우징 및 메인 컨텐츠 구현</a:t>
-            </a:r>
-          </a:p>
-        </p:txBody>
-      </p:sp>
-      <p:sp>
-        <p:nvSpPr>
-          <p:cNvPr id="13" name="TextBox 12"/>
-          <p:cNvSpPr txBox="1"/>
-          <p:nvPr/>
-        </p:nvSpPr>
-        <p:spPr>
-          <a:xfrm>
-            <a:off x="4709040" y="2163160"/>
-            <a:ext cx="2773917" cy="923330"/>
-          </a:xfrm>
-          <a:prstGeom prst="rect">
-            <a:avLst/>
-          </a:prstGeom>
-          <a:noFill/>
-        </p:spPr>
-        <p:txBody>
-          <a:bodyPr wrap="square">
-            <a:spAutoFit/>
-          </a:bodyPr>
-          <a:lstStyle/>
-          <a:p>
-            <a:pPr algn="ctr">
-              <a:defRPr/>
-            </a:pPr>
-            <a:r>
-              <a:rPr lang="ko-KR" altLang="en-US" dirty="0">
-                <a:latin typeface="HY견고딕"/>
-                <a:ea typeface="HY견고딕"/>
-              </a:rPr>
-              <a:t>클라이언트 </a:t>
-            </a:r>
-            <a:r>
-              <a:rPr lang="en-US" altLang="ko-KR" dirty="0">
-                <a:latin typeface="HY견고딕"/>
-                <a:ea typeface="HY견고딕"/>
-              </a:rPr>
-              <a:t>&amp; </a:t>
-            </a:r>
-            <a:r>
-              <a:rPr lang="ko-KR" altLang="en-US" dirty="0">
-                <a:latin typeface="HY견고딕"/>
-                <a:ea typeface="HY견고딕"/>
-              </a:rPr>
-              <a:t>서버</a:t>
-            </a:r>
-          </a:p>
-          <a:p>
-            <a:pPr algn="ctr">
-              <a:defRPr/>
-            </a:pPr>
-            <a:r>
-              <a:rPr lang="ko-KR" altLang="en-US" dirty="0">
-                <a:latin typeface="HY견고딕"/>
-                <a:ea typeface="HY견고딕"/>
-              </a:rPr>
-              <a:t>메인 프레임워크 제작</a:t>
-            </a:r>
-          </a:p>
-          <a:p>
-            <a:pPr algn="ctr">
-              <a:defRPr/>
-            </a:pPr>
-            <a:r>
-              <a:rPr lang="ko-KR" altLang="en-US" dirty="0">
-                <a:latin typeface="HY견고딕"/>
-                <a:ea typeface="HY견고딕"/>
-              </a:rPr>
-              <a:t>클라이언트 컨텐츠 구현</a:t>
-            </a:r>
-          </a:p>
-        </p:txBody>
-      </p:sp>
-      <p:sp>
-        <p:nvSpPr>
-          <p:cNvPr id="14" name="TextBox 13"/>
-          <p:cNvSpPr txBox="1"/>
-          <p:nvPr/>
-        </p:nvSpPr>
-        <p:spPr>
-          <a:xfrm>
-            <a:off x="4732979" y="3449680"/>
-            <a:ext cx="1160827" cy="923330"/>
-          </a:xfrm>
-          <a:prstGeom prst="rect">
-            <a:avLst/>
-          </a:prstGeom>
-          <a:noFill/>
-        </p:spPr>
-        <p:txBody>
-          <a:bodyPr wrap="square">
-            <a:spAutoFit/>
-          </a:bodyPr>
-          <a:lstStyle/>
-          <a:p>
-            <a:pPr lvl="0">
-              <a:defRPr/>
-            </a:pPr>
-            <a:r>
-              <a:rPr lang="ko-KR" altLang="en-US">
-                <a:latin typeface="HY견고딕"/>
-                <a:ea typeface="HY견고딕"/>
-              </a:rPr>
-              <a:t>쉐이더</a:t>
-            </a:r>
-            <a:r>
-              <a:rPr lang="en-US" altLang="ko-KR">
-                <a:latin typeface="HY견고딕"/>
-                <a:ea typeface="HY견고딕"/>
-              </a:rPr>
-              <a:t>,</a:t>
-            </a:r>
-          </a:p>
-          <a:p>
-            <a:pPr lvl="0">
-              <a:defRPr/>
-            </a:pPr>
-            <a:r>
-              <a:rPr lang="en-US" altLang="ko-KR">
-                <a:latin typeface="HY견고딕"/>
-                <a:ea typeface="HY견고딕"/>
-              </a:rPr>
-              <a:t>  </a:t>
-            </a:r>
-            <a:r>
-              <a:rPr lang="ko-KR" altLang="en-US">
-                <a:latin typeface="HY견고딕"/>
-                <a:ea typeface="HY견고딕"/>
-              </a:rPr>
-              <a:t>그림자</a:t>
-            </a:r>
-          </a:p>
-          <a:p>
-            <a:pPr lvl="0">
-              <a:defRPr/>
-            </a:pPr>
-            <a:r>
-              <a:rPr lang="en-US" altLang="ko-KR">
-                <a:latin typeface="HY견고딕"/>
-                <a:ea typeface="HY견고딕"/>
-              </a:rPr>
-              <a:t>     </a:t>
-            </a:r>
-            <a:r>
-              <a:rPr lang="ko-KR" altLang="en-US">
-                <a:latin typeface="HY견고딕"/>
-                <a:ea typeface="HY견고딕"/>
-              </a:rPr>
-              <a:t>등등</a:t>
-            </a:r>
-          </a:p>
-        </p:txBody>
-      </p:sp>
-      <p:sp>
-        <p:nvSpPr>
-          <p:cNvPr id="15" name="TextBox 14"/>
-          <p:cNvSpPr txBox="1"/>
-          <p:nvPr/>
-        </p:nvSpPr>
-        <p:spPr>
-          <a:xfrm>
-            <a:off x="6401271" y="3600840"/>
-            <a:ext cx="1279558" cy="646331"/>
-          </a:xfrm>
-          <a:prstGeom prst="rect">
-            <a:avLst/>
-          </a:prstGeom>
-          <a:noFill/>
-        </p:spPr>
-        <p:txBody>
-          <a:bodyPr wrap="square">
-            <a:spAutoFit/>
-          </a:bodyPr>
-          <a:lstStyle/>
-          <a:p>
-            <a:pPr lvl="0">
-              <a:defRPr/>
-            </a:pPr>
-            <a:r>
-              <a:rPr lang="ko-KR" altLang="en-US" dirty="0">
-                <a:latin typeface="HY견고딕"/>
-                <a:ea typeface="HY견고딕"/>
-              </a:rPr>
-              <a:t>서버 연결</a:t>
-            </a:r>
-          </a:p>
-          <a:p>
-            <a:pPr lvl="0">
-              <a:defRPr/>
-            </a:pPr>
-            <a:r>
-              <a:rPr lang="ko-KR" altLang="en-US" dirty="0">
-                <a:latin typeface="HY견고딕"/>
-                <a:ea typeface="HY견고딕"/>
-              </a:rPr>
-              <a:t> 등</a:t>
-            </a:r>
-          </a:p>
-        </p:txBody>
-      </p:sp>
-      <p:sp>
-        <p:nvSpPr>
-          <p:cNvPr id="16" name="TextBox 15"/>
-          <p:cNvSpPr txBox="1"/>
-          <p:nvPr/>
-        </p:nvSpPr>
-        <p:spPr>
-          <a:xfrm>
-            <a:off x="6148509" y="4660747"/>
-            <a:ext cx="3108960" cy="909472"/>
-          </a:xfrm>
-          <a:prstGeom prst="rect">
-            <a:avLst/>
-          </a:prstGeom>
-          <a:noFill/>
-        </p:spPr>
-        <p:txBody>
-          <a:bodyPr wrap="square">
-            <a:spAutoFit/>
-          </a:bodyPr>
-          <a:lstStyle/>
-          <a:p>
-            <a:pPr algn="ctr">
-              <a:defRPr/>
-            </a:pPr>
-            <a:r>
-              <a:rPr lang="en-US" altLang="ko-KR" dirty="0">
-                <a:latin typeface="HY견고딕"/>
-                <a:ea typeface="HY견고딕"/>
-              </a:rPr>
-              <a:t>IOCP </a:t>
-            </a:r>
-            <a:r>
-              <a:rPr lang="ko-KR" altLang="en-US" dirty="0">
-                <a:latin typeface="HY견고딕"/>
-                <a:ea typeface="HY견고딕"/>
-              </a:rPr>
-              <a:t>다중 접속 서버 구현</a:t>
+              <a:t>서버 프레임워크</a:t>
             </a:r>
           </a:p>
           <a:p>
@@ -9086,26 +8421,130 @@
                 <a:latin typeface="HY견고딕"/>
                 <a:ea typeface="HY견고딕"/>
               </a:rPr>
-              <a:t>서버 프레임워크 제작</a:t>
-            </a:r>
-          </a:p>
-        </p:txBody>
-      </p:sp>
-      <p:sp>
-        <p:nvSpPr>
-          <p:cNvPr id="17" name="TextBox 16"/>
+              <a:t>서버 최적화</a:t>
+            </a:r>
+          </a:p>
+        </p:txBody>
+      </p:sp>
+      <p:sp>
+        <p:nvSpPr>
+          <p:cNvPr id="29" name="직사각형 28"/>
+          <p:cNvSpPr/>
+          <p:nvPr/>
+        </p:nvSpPr>
+        <p:spPr>
+          <a:xfrm>
+            <a:off x="4371046" y="2332541"/>
+            <a:ext cx="558443" cy="2913424"/>
+          </a:xfrm>
+          <a:prstGeom prst="rect">
+            <a:avLst/>
+          </a:prstGeom>
+          <a:solidFill>
+            <a:schemeClr val="bg1"/>
+          </a:solidFill>
+          <a:ln>
+            <a:solidFill>
+              <a:schemeClr val="bg1"/>
+            </a:solidFill>
+          </a:ln>
+        </p:spPr>
+        <p:style>
+          <a:lnRef idx="2">
+            <a:schemeClr val="accent1">
+              <a:shade val="50000"/>
+            </a:schemeClr>
+          </a:lnRef>
+          <a:fillRef idx="1">
+            <a:schemeClr val="accent1"/>
+          </a:fillRef>
+          <a:effectRef idx="0">
+            <a:schemeClr val="accent1"/>
+          </a:effectRef>
+          <a:fontRef idx="minor">
+            <a:schemeClr val="lt1"/>
+          </a:fontRef>
+        </p:style>
+        <p:txBody>
+          <a:bodyPr anchor="ctr"/>
+          <a:lstStyle/>
+          <a:p>
+            <a:pPr algn="ctr">
+              <a:defRPr/>
+            </a:pPr>
+            <a:endParaRPr lang="ko-KR" altLang="en-US"/>
+          </a:p>
+        </p:txBody>
+      </p:sp>
+      <p:sp>
+        <p:nvSpPr>
+          <p:cNvPr id="30" name="직사각형 29"/>
+          <p:cNvSpPr/>
+          <p:nvPr/>
+        </p:nvSpPr>
+        <p:spPr>
+          <a:xfrm>
+            <a:off x="7206556" y="2330110"/>
+            <a:ext cx="558443" cy="2913426"/>
+          </a:xfrm>
+          <a:prstGeom prst="rect">
+            <a:avLst/>
+          </a:prstGeom>
+          <a:solidFill>
+            <a:schemeClr val="bg1"/>
+          </a:solidFill>
+          <a:ln>
+            <a:solidFill>
+              <a:schemeClr val="bg1"/>
+            </a:solidFill>
+          </a:ln>
+        </p:spPr>
+        <p:style>
+          <a:lnRef idx="2">
+            <a:schemeClr val="accent1">
+              <a:shade val="50000"/>
+            </a:schemeClr>
+          </a:lnRef>
+          <a:fillRef idx="1">
+            <a:schemeClr val="accent1"/>
+          </a:fillRef>
+          <a:effectRef idx="0">
+            <a:schemeClr val="accent1"/>
+          </a:effectRef>
+          <a:fontRef idx="minor">
+            <a:schemeClr val="lt1"/>
+          </a:fontRef>
+        </p:style>
+        <p:txBody>
+          <a:bodyPr anchor="ctr"/>
+          <a:lstStyle/>
+          <a:p>
+            <a:pPr algn="ctr">
+              <a:defRPr/>
+            </a:pPr>
+            <a:endParaRPr lang="ko-KR" altLang="en-US"/>
+          </a:p>
+        </p:txBody>
+      </p:sp>
+      <p:sp>
+        <p:nvSpPr>
+          <p:cNvPr id="19" name="TextBox 18"/>
           <p:cNvSpPr txBox="1"/>
           <p:nvPr/>
         </p:nvSpPr>
         <p:spPr>
           <a:xfrm>
-            <a:off x="3490578" y="3397616"/>
-            <a:ext cx="1292081" cy="400110"/>
+            <a:off x="2157866" y="2543112"/>
+            <a:ext cx="5048690" cy="2585323"/>
           </a:xfrm>
           <a:prstGeom prst="rect">
             <a:avLst/>
           </a:prstGeom>
           <a:noFill/>
+          <a:ln w="12700">
+            <a:noFill/>
+            <a:prstDash val="sysDot"/>
+          </a:ln>
         </p:spPr>
         <p:txBody>
           <a:bodyPr wrap="square">
@@ -9113,94 +8552,209 @@
           </a:bodyPr>
           <a:lstStyle/>
           <a:p>
-            <a:pPr lvl="0">
+            <a:pPr algn="ctr">
               <a:defRPr/>
             </a:pPr>
             <a:r>
-              <a:rPr lang="ko-KR" altLang="en-US" sz="2000" b="1" dirty="0">
-                <a:latin typeface="HY헤드라인M"/>
-                <a:ea typeface="HY헤드라인M"/>
-              </a:rPr>
-              <a:t>이동규</a:t>
-            </a:r>
-          </a:p>
-        </p:txBody>
-      </p:sp>
-      <p:sp>
-        <p:nvSpPr>
-          <p:cNvPr id="19" name="TextBox 18"/>
-          <p:cNvSpPr txBox="1"/>
-          <p:nvPr/>
-        </p:nvSpPr>
-        <p:spPr>
-          <a:xfrm>
-            <a:off x="5614288" y="1666074"/>
-            <a:ext cx="1292081" cy="400110"/>
-          </a:xfrm>
-          <a:prstGeom prst="rect">
-            <a:avLst/>
-          </a:prstGeom>
-          <a:noFill/>
-        </p:spPr>
-        <p:txBody>
-          <a:bodyPr wrap="square">
-            <a:spAutoFit/>
-          </a:bodyPr>
-          <a:lstStyle/>
-          <a:p>
-            <a:pPr lvl="0">
+              <a:rPr lang="ko-KR" altLang="en-US" dirty="0">
+                <a:latin typeface="HY견고딕"/>
+                <a:ea typeface="HY견고딕"/>
+              </a:rPr>
+              <a:t>클라이언트 프레임워크</a:t>
+            </a:r>
+            <a:endParaRPr lang="en-US" altLang="ko-KR" dirty="0">
+              <a:latin typeface="HY견고딕"/>
+              <a:ea typeface="HY견고딕"/>
+            </a:endParaRPr>
+          </a:p>
+          <a:p>
+            <a:pPr algn="ctr">
               <a:defRPr/>
             </a:pPr>
-            <a:r>
-              <a:rPr lang="ko-KR" altLang="en-US" sz="2000" b="1" dirty="0" err="1">
-                <a:latin typeface="HY헤드라인M"/>
-                <a:ea typeface="HY헤드라인M"/>
-              </a:rPr>
-              <a:t>김하윤</a:t>
-            </a:r>
-            <a:endParaRPr lang="ko-KR" altLang="en-US" sz="2000" b="1" dirty="0">
-              <a:latin typeface="HY헤드라인M"/>
-              <a:ea typeface="HY헤드라인M"/>
+            <a:endParaRPr lang="en-US" altLang="ko-KR" dirty="0">
+              <a:latin typeface="HY견고딕"/>
+              <a:ea typeface="HY견고딕"/>
             </a:endParaRPr>
           </a:p>
-        </p:txBody>
-      </p:sp>
-      <p:sp>
-        <p:nvSpPr>
-          <p:cNvPr id="20" name="TextBox 19"/>
-          <p:cNvSpPr txBox="1"/>
-          <p:nvPr/>
-        </p:nvSpPr>
-        <p:spPr>
-          <a:xfrm>
-            <a:off x="7702989" y="3425035"/>
-            <a:ext cx="1292081" cy="400110"/>
-          </a:xfrm>
-          <a:prstGeom prst="rect">
-            <a:avLst/>
-          </a:prstGeom>
-          <a:noFill/>
-        </p:spPr>
-        <p:txBody>
-          <a:bodyPr wrap="square">
-            <a:spAutoFit/>
-          </a:bodyPr>
-          <a:lstStyle/>
-          <a:p>
-            <a:pPr lvl="0">
+          <a:p>
+            <a:pPr algn="ctr">
               <a:defRPr/>
             </a:pPr>
             <a:r>
-              <a:rPr lang="ko-KR" altLang="en-US" sz="2000" b="1" dirty="0" err="1">
-                <a:latin typeface="HY헤드라인M"/>
-                <a:ea typeface="HY헤드라인M"/>
-              </a:rPr>
-              <a:t>이득유</a:t>
-            </a:r>
-            <a:endParaRPr lang="ko-KR" altLang="en-US" sz="2000" b="1" dirty="0">
-              <a:latin typeface="HY헤드라인M"/>
-              <a:ea typeface="HY헤드라인M"/>
+              <a:rPr lang="ko-KR" altLang="en-US" dirty="0">
+                <a:latin typeface="HY견고딕"/>
+                <a:ea typeface="HY견고딕"/>
+              </a:rPr>
+              <a:t>애니메이션</a:t>
+            </a:r>
+          </a:p>
+          <a:p>
+            <a:pPr algn="ctr">
+              <a:defRPr/>
+            </a:pPr>
+            <a:endParaRPr lang="en-US" altLang="ko-KR" dirty="0">
+              <a:latin typeface="HY견고딕"/>
+              <a:ea typeface="HY견고딕"/>
             </a:endParaRPr>
+          </a:p>
+          <a:p>
+            <a:pPr algn="ctr">
+              <a:defRPr/>
+            </a:pPr>
+            <a:r>
+              <a:rPr lang="ko-KR" altLang="en-US" dirty="0">
+                <a:latin typeface="HY견고딕"/>
+                <a:ea typeface="HY견고딕"/>
+              </a:rPr>
+              <a:t>그림자 </a:t>
+            </a:r>
+            <a:r>
+              <a:rPr lang="en-US" altLang="ko-KR" dirty="0">
+                <a:latin typeface="HY견고딕"/>
+                <a:ea typeface="HY견고딕"/>
+              </a:rPr>
+              <a:t>/ </a:t>
+            </a:r>
+            <a:r>
+              <a:rPr lang="ko-KR" altLang="en-US" dirty="0" err="1">
+                <a:latin typeface="HY견고딕"/>
+                <a:ea typeface="HY견고딕"/>
+              </a:rPr>
+              <a:t>데칼</a:t>
+            </a:r>
+            <a:r>
+              <a:rPr lang="ko-KR" altLang="en-US" dirty="0">
+                <a:latin typeface="HY견고딕"/>
+                <a:ea typeface="HY견고딕"/>
+              </a:rPr>
+              <a:t> 이미지</a:t>
+            </a:r>
+            <a:endParaRPr lang="en-US" altLang="ko-KR" dirty="0">
+              <a:latin typeface="HY견고딕"/>
+              <a:ea typeface="HY견고딕"/>
+            </a:endParaRPr>
+          </a:p>
+          <a:p>
+            <a:pPr algn="ctr">
+              <a:defRPr/>
+            </a:pPr>
+            <a:r>
+              <a:rPr lang="ko-KR" altLang="en-US" dirty="0" err="1">
+                <a:latin typeface="HY견고딕"/>
+                <a:ea typeface="HY견고딕"/>
+              </a:rPr>
+              <a:t>환경매핑</a:t>
+            </a:r>
+            <a:r>
+              <a:rPr lang="en-US" altLang="ko-KR" dirty="0">
+                <a:latin typeface="HY견고딕"/>
+                <a:ea typeface="HY견고딕"/>
+              </a:rPr>
+              <a:t>(</a:t>
+            </a:r>
+            <a:r>
+              <a:rPr lang="ko-KR" altLang="en-US" dirty="0">
+                <a:latin typeface="HY견고딕"/>
+                <a:ea typeface="HY견고딕"/>
+              </a:rPr>
+              <a:t>물</a:t>
+            </a:r>
+            <a:r>
+              <a:rPr lang="en-US" altLang="ko-KR" dirty="0">
+                <a:latin typeface="HY견고딕"/>
+                <a:ea typeface="HY견고딕"/>
+              </a:rPr>
+              <a:t>) / </a:t>
+            </a:r>
+            <a:r>
+              <a:rPr lang="ko-KR" altLang="en-US" dirty="0" err="1">
+                <a:latin typeface="HY견고딕"/>
+                <a:ea typeface="HY견고딕"/>
+              </a:rPr>
+              <a:t>범프매핑</a:t>
+            </a:r>
+            <a:r>
+              <a:rPr lang="en-US" altLang="ko-KR" dirty="0">
+                <a:latin typeface="HY견고딕"/>
+                <a:ea typeface="HY견고딕"/>
+              </a:rPr>
+              <a:t>(</a:t>
+            </a:r>
+            <a:r>
+              <a:rPr lang="ko-KR" altLang="en-US" dirty="0" err="1">
+                <a:latin typeface="HY견고딕"/>
+                <a:ea typeface="HY견고딕"/>
+              </a:rPr>
+              <a:t>노멀매핑</a:t>
+            </a:r>
+            <a:r>
+              <a:rPr lang="en-US" altLang="ko-KR" dirty="0">
+                <a:latin typeface="HY견고딕"/>
+                <a:ea typeface="HY견고딕"/>
+              </a:rPr>
+              <a:t>)</a:t>
+            </a:r>
+          </a:p>
+          <a:p>
+            <a:pPr algn="ctr">
+              <a:defRPr/>
+            </a:pPr>
+            <a:r>
+              <a:rPr lang="ko-KR" altLang="en-US" dirty="0" err="1">
+                <a:latin typeface="HY견고딕"/>
+                <a:ea typeface="HY견고딕"/>
+              </a:rPr>
+              <a:t>쉐이더</a:t>
+            </a:r>
+            <a:r>
+              <a:rPr lang="ko-KR" altLang="en-US" dirty="0">
+                <a:latin typeface="HY견고딕"/>
+                <a:ea typeface="HY견고딕"/>
+              </a:rPr>
+              <a:t> 프로그래밍 </a:t>
+            </a:r>
+            <a:r>
+              <a:rPr lang="en-US" altLang="ko-KR" dirty="0">
+                <a:latin typeface="HY견고딕"/>
+                <a:ea typeface="HY견고딕"/>
+              </a:rPr>
+              <a:t>( </a:t>
+            </a:r>
+            <a:r>
+              <a:rPr lang="ko-KR" altLang="en-US" dirty="0">
+                <a:latin typeface="HY견고딕"/>
+                <a:ea typeface="HY견고딕"/>
+              </a:rPr>
+              <a:t>날씨 </a:t>
+            </a:r>
+            <a:r>
+              <a:rPr lang="en-US" altLang="ko-KR" dirty="0">
+                <a:latin typeface="HY견고딕"/>
+                <a:ea typeface="HY견고딕"/>
+              </a:rPr>
+              <a:t>)</a:t>
+            </a:r>
+          </a:p>
+          <a:p>
+            <a:pPr algn="ctr">
+              <a:defRPr/>
+            </a:pPr>
+            <a:endParaRPr lang="en-US" altLang="ko-KR" dirty="0">
+              <a:latin typeface="HY견고딕"/>
+              <a:ea typeface="HY견고딕"/>
+            </a:endParaRPr>
+          </a:p>
+          <a:p>
+            <a:pPr algn="ctr">
+              <a:defRPr/>
+            </a:pPr>
+            <a:r>
+              <a:rPr lang="ko-KR" altLang="en-US" dirty="0">
+                <a:latin typeface="HY견고딕"/>
+                <a:ea typeface="HY견고딕"/>
+              </a:rPr>
+              <a:t>하우징 컨텐츠</a:t>
+            </a:r>
           </a:p>
         </p:txBody>
       </p:sp>
@@ -9213,7 +8767,7 @@
     <mc:Choice Requires="p14">
       <p:transition/>
     </mc:Choice>
-    <mc:Fallback xmlns:dsp="http://schemas.microsoft.com/office/drawing/2008/diagram" xmlns:dgm="http://schemas.openxmlformats.org/drawingml/2006/diagram" xmlns:c="http://schemas.openxmlformats.org/drawingml/2006/chart" xmlns="">
+    <mc:Fallback xmlns="" xmlns:c="http://schemas.openxmlformats.org/drawingml/2006/chart" xmlns:dgm="http://schemas.openxmlformats.org/drawingml/2006/diagram" xmlns:dsp="http://schemas.microsoft.com/office/drawing/2008/diagram">
       <p:transition/>
     </mc:Fallback>
   </mc:AlternateContent>
@@ -9239,16 +8793,8 @@
       </p:grpSpPr>
       <p:cxnSp>
         <p:nvCxnSpPr>
-          <p:cNvPr id="2" name="직선 연결선 1">
-            <a:extLst>
-              <a:ext uri="{FF2B5EF4-FFF2-40B4-BE49-F238E27FC236}">
-                <a16:creationId xmlns:a16="http://schemas.microsoft.com/office/drawing/2014/main" id="{F489D314-C637-4E9E-947D-448763FA3CE1}"/>
-              </a:ext>
-            </a:extLst>
-          </p:cNvPr>
-          <p:cNvCxnSpPr>
-            <a:cxnSpLocks/>
-          </p:cNvCxnSpPr>
+          <p:cNvPr id="2" name="직선 연결선 1"/>
+          <p:cNvCxnSpPr/>
           <p:nvPr/>
         </p:nvCxnSpPr>
         <p:spPr>
@@ -9282,20 +8828,14 @@
       </p:cxnSp>
       <p:sp>
         <p:nvSpPr>
-          <p:cNvPr id="3" name="TextBox 2">
-            <a:extLst>
-              <a:ext uri="{FF2B5EF4-FFF2-40B4-BE49-F238E27FC236}">
-                <a16:creationId xmlns:a16="http://schemas.microsoft.com/office/drawing/2014/main" id="{D5266936-5F5A-4942-B5DC-638A5ECB4501}"/>
-              </a:ext>
-            </a:extLst>
-          </p:cNvPr>
+          <p:cNvPr id="3" name="TextBox 2"/>
           <p:cNvSpPr txBox="1"/>
           <p:nvPr/>
         </p:nvSpPr>
         <p:spPr>
           <a:xfrm>
             <a:off x="1347787" y="876597"/>
-            <a:ext cx="2236510" cy="707886"/>
+            <a:ext cx="4118435" cy="707886"/>
           </a:xfrm>
           <a:prstGeom prst="rect">
             <a:avLst/>
@@ -9303,37 +8843,34 @@
           <a:noFill/>
         </p:spPr>
         <p:txBody>
-          <a:bodyPr wrap="none" rtlCol="0">
+          <a:bodyPr wrap="none">
             <a:spAutoFit/>
           </a:bodyPr>
           <a:lstStyle/>
           <a:p>
-            <a:r>
-              <a:rPr lang="ko-KR" altLang="en-US" sz="4000" dirty="0">
-                <a:latin typeface="HY헤드라인M" panose="02030600000101010101" pitchFamily="18" charset="-127"/>
-                <a:ea typeface="HY헤드라인M" panose="02030600000101010101" pitchFamily="18" charset="-127"/>
-              </a:rPr>
-              <a:t>개발일정</a:t>
-            </a:r>
-          </a:p>
-        </p:txBody>
-      </p:sp>
-      <p:sp>
-        <p:nvSpPr>
-          <p:cNvPr id="4" name="TextBox 3">
-            <a:extLst>
-              <a:ext uri="{FF2B5EF4-FFF2-40B4-BE49-F238E27FC236}">
-                <a16:creationId xmlns:a16="http://schemas.microsoft.com/office/drawing/2014/main" id="{BF07602F-6AE9-44B4-BE0F-55FE2EDFDD1C}"/>
-              </a:ext>
-            </a:extLst>
-          </p:cNvPr>
+            <a:pPr lvl="0">
+              <a:defRPr/>
+            </a:pPr>
+            <a:r>
+              <a:rPr lang="ko-KR" altLang="en-US" sz="4000">
+                <a:latin typeface="HY헤드라인M"/>
+                <a:ea typeface="HY헤드라인M"/>
+              </a:rPr>
+              <a:t>구성원 역할 분담</a:t>
+            </a:r>
+          </a:p>
+        </p:txBody>
+      </p:sp>
+      <p:sp>
+        <p:nvSpPr>
+          <p:cNvPr id="4" name="TextBox 3"/>
           <p:cNvSpPr txBox="1"/>
           <p:nvPr/>
         </p:nvSpPr>
         <p:spPr>
           <a:xfrm>
             <a:off x="8671112" y="443788"/>
-            <a:ext cx="2287806" cy="523220"/>
+            <a:ext cx="1922321" cy="523220"/>
           </a:xfrm>
           <a:prstGeom prst="rect">
             <a:avLst/>
@@ -9341,62 +8878,38 @@
           <a:noFill/>
         </p:spPr>
         <p:txBody>
-          <a:bodyPr wrap="none" rtlCol="0">
+          <a:bodyPr wrap="none">
             <a:spAutoFit/>
           </a:bodyPr>
           <a:lstStyle/>
           <a:p>
+            <a:pPr lvl="0">
+              <a:defRPr/>
+            </a:pPr>
             <a:r>
               <a:rPr lang="en-US" altLang="ko-KR" sz="2800" dirty="0">
-                <a:latin typeface="HY헤드라인M" panose="02030600000101010101" pitchFamily="18" charset="-127"/>
-                <a:ea typeface="HY헤드라인M" panose="02030600000101010101" pitchFamily="18" charset="-127"/>
+                <a:latin typeface="HY헤드라인M"/>
+                <a:ea typeface="HY헤드라인M"/>
               </a:rPr>
               <a:t>The Island</a:t>
             </a:r>
-            <a:r>
-              <a:rPr lang="en-US" altLang="ko-KR" sz="1050" dirty="0">
-                <a:latin typeface="HY헤드라인M" panose="02030600000101010101" pitchFamily="18" charset="-127"/>
-                <a:ea typeface="HY헤드라인M" panose="02030600000101010101" pitchFamily="18" charset="-127"/>
-              </a:rPr>
-              <a:t>(</a:t>
-            </a:r>
-            <a:r>
-              <a:rPr lang="ko-KR" altLang="en-US" sz="1050" dirty="0">
-                <a:latin typeface="HY헤드라인M" panose="02030600000101010101" pitchFamily="18" charset="-127"/>
-                <a:ea typeface="HY헤드라인M" panose="02030600000101010101" pitchFamily="18" charset="-127"/>
-              </a:rPr>
-              <a:t>가제</a:t>
-            </a:r>
-            <a:r>
-              <a:rPr lang="en-US" altLang="ko-KR" sz="1050" dirty="0">
-                <a:latin typeface="HY헤드라인M" panose="02030600000101010101" pitchFamily="18" charset="-127"/>
-                <a:ea typeface="HY헤드라인M" panose="02030600000101010101" pitchFamily="18" charset="-127"/>
-              </a:rPr>
-              <a:t>)</a:t>
-            </a:r>
             <a:endParaRPr lang="ko-KR" altLang="en-US" sz="2800" dirty="0">
-              <a:latin typeface="HY헤드라인M" panose="02030600000101010101" pitchFamily="18" charset="-127"/>
-              <a:ea typeface="HY헤드라인M" panose="02030600000101010101" pitchFamily="18" charset="-127"/>
+              <a:latin typeface="HY헤드라인M"/>
+              <a:ea typeface="HY헤드라인M"/>
             </a:endParaRPr>
           </a:p>
         </p:txBody>
       </p:sp>
       <p:sp>
         <p:nvSpPr>
-          <p:cNvPr id="5" name="TextBox 4">
-            <a:extLst>
-              <a:ext uri="{FF2B5EF4-FFF2-40B4-BE49-F238E27FC236}">
-                <a16:creationId xmlns:a16="http://schemas.microsoft.com/office/drawing/2014/main" id="{8B8A36FB-13F6-49E8-A86D-6CF420F297BC}"/>
-              </a:ext>
-            </a:extLst>
-          </p:cNvPr>
+          <p:cNvPr id="5" name="TextBox 4"/>
           <p:cNvSpPr txBox="1"/>
           <p:nvPr/>
         </p:nvSpPr>
         <p:spPr>
           <a:xfrm>
             <a:off x="1347787" y="59067"/>
-            <a:ext cx="1640193" cy="769441"/>
+            <a:ext cx="1382110" cy="769441"/>
           </a:xfrm>
           <a:prstGeom prst="rect">
             <a:avLst/>
@@ -9404,47 +8917,44 @@
           <a:noFill/>
         </p:spPr>
         <p:txBody>
-          <a:bodyPr wrap="none" rtlCol="0">
+          <a:bodyPr wrap="none">
             <a:spAutoFit/>
           </a:bodyPr>
           <a:lstStyle/>
           <a:p>
-            <a:r>
-              <a:rPr lang="en-US" altLang="ko-KR" sz="4400" dirty="0">
+            <a:pPr lvl="0">
+              <a:defRPr/>
+            </a:pPr>
+            <a:r>
+              <a:rPr lang="en-US" altLang="ko-KR" sz="4400">
                 <a:solidFill>
                   <a:schemeClr val="accent1"/>
                 </a:solidFill>
-                <a:latin typeface="HY헤드라인M" panose="02030600000101010101" pitchFamily="18" charset="-127"/>
-                <a:ea typeface="HY헤드라인M" panose="02030600000101010101" pitchFamily="18" charset="-127"/>
-              </a:rPr>
-              <a:t>WHEN</a:t>
-            </a:r>
-            <a:endParaRPr lang="ko-KR" altLang="en-US" sz="4400" dirty="0">
+                <a:latin typeface="HY헤드라인M"/>
+                <a:ea typeface="HY헤드라인M"/>
+              </a:rPr>
+              <a:t>HOW</a:t>
+            </a:r>
+            <a:endParaRPr lang="ko-KR" altLang="en-US" sz="4400">
               <a:solidFill>
                 <a:schemeClr val="accent1"/>
               </a:solidFill>
-              <a:latin typeface="HY헤드라인M" panose="02030600000101010101" pitchFamily="18" charset="-127"/>
-              <a:ea typeface="HY헤드라인M" panose="02030600000101010101" pitchFamily="18" charset="-127"/>
+              <a:latin typeface="HY헤드라인M"/>
+              <a:ea typeface="HY헤드라인M"/>
             </a:endParaRPr>
           </a:p>
         </p:txBody>
       </p:sp>
       <p:sp>
         <p:nvSpPr>
-          <p:cNvPr id="6" name="TextBox 5">
-            <a:extLst>
-              <a:ext uri="{FF2B5EF4-FFF2-40B4-BE49-F238E27FC236}">
-                <a16:creationId xmlns:a16="http://schemas.microsoft.com/office/drawing/2014/main" id="{30644E1A-CD8E-4E97-B44E-498BA04E0B37}"/>
-              </a:ext>
-            </a:extLst>
-          </p:cNvPr>
+          <p:cNvPr id="6" name="TextBox 5"/>
           <p:cNvSpPr txBox="1"/>
           <p:nvPr/>
         </p:nvSpPr>
         <p:spPr>
           <a:xfrm>
             <a:off x="10207499" y="6283173"/>
-            <a:ext cx="636713" cy="369332"/>
+            <a:ext cx="809837" cy="369332"/>
           </a:xfrm>
           <a:prstGeom prst="rect">
             <a:avLst/>
@@ -9452,37 +8962,32 @@
           <a:noFill/>
         </p:spPr>
         <p:txBody>
-          <a:bodyPr wrap="none" rtlCol="0">
+          <a:bodyPr wrap="none">
             <a:spAutoFit/>
           </a:bodyPr>
           <a:lstStyle/>
           <a:p>
+            <a:pPr lvl="0">
+              <a:defRPr/>
+            </a:pPr>
             <a:r>
               <a:rPr lang="en-US" altLang="ko-KR" dirty="0">
-                <a:latin typeface="HY헤드라인M" panose="02030600000101010101" pitchFamily="18" charset="-127"/>
-                <a:ea typeface="HY헤드라인M" panose="02030600000101010101" pitchFamily="18" charset="-127"/>
-              </a:rPr>
-              <a:t>17/..</a:t>
+                <a:latin typeface="HY헤드라인M"/>
+                <a:ea typeface="HY헤드라인M"/>
+              </a:rPr>
+              <a:t>17/18</a:t>
             </a:r>
             <a:endParaRPr lang="ko-KR" altLang="en-US" dirty="0">
-              <a:latin typeface="HY헤드라인M" panose="02030600000101010101" pitchFamily="18" charset="-127"/>
-              <a:ea typeface="HY헤드라인M" panose="02030600000101010101" pitchFamily="18" charset="-127"/>
+              <a:latin typeface="HY헤드라인M"/>
+              <a:ea typeface="HY헤드라인M"/>
             </a:endParaRPr>
           </a:p>
         </p:txBody>
       </p:sp>
       <p:cxnSp>
         <p:nvCxnSpPr>
-          <p:cNvPr id="7" name="직선 연결선 6">
-            <a:extLst>
-              <a:ext uri="{FF2B5EF4-FFF2-40B4-BE49-F238E27FC236}">
-                <a16:creationId xmlns:a16="http://schemas.microsoft.com/office/drawing/2014/main" id="{1213C020-10BD-47FA-8004-EF392DA9F117}"/>
-              </a:ext>
-            </a:extLst>
-          </p:cNvPr>
-          <p:cNvCxnSpPr>
-            <a:cxnSpLocks/>
-          </p:cNvCxnSpPr>
+          <p:cNvPr id="7" name="직선 연결선 6"/>
+          <p:cNvCxnSpPr/>
           <p:nvPr/>
         </p:nvCxnSpPr>
         <p:spPr>
@@ -9514,16 +9019,614 @@
           </a:fontRef>
         </p:style>
       </p:cxnSp>
+      <p:sp>
+        <p:nvSpPr>
+          <p:cNvPr id="8" name="타원 7"/>
+          <p:cNvSpPr/>
+          <p:nvPr/>
+        </p:nvSpPr>
+        <p:spPr>
+          <a:xfrm>
+            <a:off x="2987039" y="3138554"/>
+            <a:ext cx="3108960" cy="3044386"/>
+          </a:xfrm>
+          <a:prstGeom prst="ellipse">
+            <a:avLst/>
+          </a:prstGeom>
+          <a:solidFill>
+            <a:schemeClr val="accent6">
+              <a:alpha val="50000"/>
+            </a:schemeClr>
+          </a:solidFill>
+          <a:ln w="22225">
+            <a:solidFill>
+              <a:schemeClr val="tx1"/>
+            </a:solidFill>
+          </a:ln>
+        </p:spPr>
+        <p:style>
+          <a:lnRef idx="2">
+            <a:schemeClr val="accent1">
+              <a:shade val="50000"/>
+            </a:schemeClr>
+          </a:lnRef>
+          <a:fillRef idx="1">
+            <a:schemeClr val="accent1"/>
+          </a:fillRef>
+          <a:effectRef idx="0">
+            <a:schemeClr val="accent1"/>
+          </a:effectRef>
+          <a:fontRef idx="minor">
+            <a:schemeClr val="lt1"/>
+          </a:fontRef>
+        </p:style>
+        <p:txBody>
+          <a:bodyPr anchor="ctr"/>
+          <a:lstStyle/>
+          <a:p>
+            <a:pPr algn="ctr">
+              <a:defRPr/>
+            </a:pPr>
+            <a:endParaRPr lang="ko-KR" altLang="en-US"/>
+          </a:p>
+        </p:txBody>
+      </p:sp>
+      <p:sp>
+        <p:nvSpPr>
+          <p:cNvPr id="9" name="타원 8"/>
+          <p:cNvSpPr/>
+          <p:nvPr/>
+        </p:nvSpPr>
+        <p:spPr>
+          <a:xfrm>
+            <a:off x="6095999" y="3138554"/>
+            <a:ext cx="3108960" cy="3044386"/>
+          </a:xfrm>
+          <a:prstGeom prst="ellipse">
+            <a:avLst/>
+          </a:prstGeom>
+          <a:solidFill>
+            <a:schemeClr val="accent1">
+              <a:alpha val="50000"/>
+            </a:schemeClr>
+          </a:solidFill>
+          <a:ln w="22225">
+            <a:solidFill>
+              <a:schemeClr val="tx1"/>
+            </a:solidFill>
+          </a:ln>
+        </p:spPr>
+        <p:style>
+          <a:lnRef idx="2">
+            <a:schemeClr val="accent1">
+              <a:shade val="50000"/>
+            </a:schemeClr>
+          </a:lnRef>
+          <a:fillRef idx="1">
+            <a:schemeClr val="accent1"/>
+          </a:fillRef>
+          <a:effectRef idx="0">
+            <a:schemeClr val="accent1"/>
+          </a:effectRef>
+          <a:fontRef idx="minor">
+            <a:schemeClr val="lt1"/>
+          </a:fontRef>
+        </p:style>
+        <p:txBody>
+          <a:bodyPr anchor="ctr"/>
+          <a:lstStyle/>
+          <a:p>
+            <a:pPr algn="ctr">
+              <a:defRPr/>
+            </a:pPr>
+            <a:endParaRPr lang="ko-KR" altLang="en-US"/>
+          </a:p>
+        </p:txBody>
+      </p:sp>
+      <p:sp>
+        <p:nvSpPr>
+          <p:cNvPr id="10" name="타원 9"/>
+          <p:cNvSpPr/>
+          <p:nvPr/>
+        </p:nvSpPr>
+        <p:spPr>
+          <a:xfrm>
+            <a:off x="4541519" y="1703749"/>
+            <a:ext cx="3108960" cy="3044386"/>
+          </a:xfrm>
+          <a:prstGeom prst="ellipse">
+            <a:avLst/>
+          </a:prstGeom>
+          <a:solidFill>
+            <a:srgbClr val="FF0000">
+              <a:alpha val="50000"/>
+            </a:srgbClr>
+          </a:solidFill>
+          <a:ln w="22225">
+            <a:solidFill>
+              <a:schemeClr val="tx1"/>
+            </a:solidFill>
+          </a:ln>
+        </p:spPr>
+        <p:style>
+          <a:lnRef idx="2">
+            <a:schemeClr val="accent1">
+              <a:shade val="50000"/>
+            </a:schemeClr>
+          </a:lnRef>
+          <a:fillRef idx="1">
+            <a:schemeClr val="accent1"/>
+          </a:fillRef>
+          <a:effectRef idx="0">
+            <a:schemeClr val="accent1"/>
+          </a:effectRef>
+          <a:fontRef idx="minor">
+            <a:schemeClr val="lt1"/>
+          </a:fontRef>
+        </p:style>
+        <p:txBody>
+          <a:bodyPr anchor="ctr"/>
+          <a:lstStyle/>
+          <a:p>
+            <a:pPr algn="ctr">
+              <a:defRPr/>
+            </a:pPr>
+            <a:endParaRPr lang="ko-KR" altLang="en-US"/>
+          </a:p>
+        </p:txBody>
+      </p:sp>
+      <p:sp>
+        <p:nvSpPr>
+          <p:cNvPr id="12" name="TextBox 11"/>
+          <p:cNvSpPr txBox="1"/>
+          <p:nvPr/>
+        </p:nvSpPr>
+        <p:spPr>
+          <a:xfrm>
+            <a:off x="2934528" y="4466795"/>
+            <a:ext cx="3213981" cy="923330"/>
+          </a:xfrm>
+          <a:prstGeom prst="rect">
+            <a:avLst/>
+          </a:prstGeom>
+          <a:noFill/>
+        </p:spPr>
+        <p:txBody>
+          <a:bodyPr wrap="square">
+            <a:spAutoFit/>
+          </a:bodyPr>
+          <a:lstStyle/>
+          <a:p>
+            <a:pPr algn="ctr">
+              <a:defRPr/>
+            </a:pPr>
+            <a:r>
+              <a:rPr lang="ko-KR" altLang="en-US" dirty="0">
+                <a:latin typeface="HY견고딕"/>
+                <a:ea typeface="HY견고딕"/>
+              </a:rPr>
+              <a:t>프레임워크 제작</a:t>
+            </a:r>
+            <a:endParaRPr lang="en-US" altLang="ko-KR" dirty="0">
+              <a:latin typeface="HY견고딕"/>
+              <a:ea typeface="HY견고딕"/>
+            </a:endParaRPr>
+          </a:p>
+          <a:p>
+            <a:pPr algn="ctr">
+              <a:defRPr/>
+            </a:pPr>
+            <a:r>
+              <a:rPr lang="ko-KR" altLang="en-US" dirty="0">
+                <a:latin typeface="HY견고딕"/>
+                <a:ea typeface="HY견고딕"/>
+              </a:rPr>
+              <a:t>클라이언트</a:t>
+            </a:r>
+          </a:p>
+          <a:p>
+            <a:pPr algn="ctr">
+              <a:defRPr/>
+            </a:pPr>
+            <a:r>
+              <a:rPr lang="ko-KR" altLang="en-US" dirty="0">
+                <a:latin typeface="HY견고딕"/>
+                <a:ea typeface="HY견고딕"/>
+              </a:rPr>
+              <a:t>하우징 및 메인 컨텐츠 구현</a:t>
+            </a:r>
+          </a:p>
+        </p:txBody>
+      </p:sp>
+      <p:sp>
+        <p:nvSpPr>
+          <p:cNvPr id="13" name="TextBox 12"/>
+          <p:cNvSpPr txBox="1"/>
+          <p:nvPr/>
+        </p:nvSpPr>
+        <p:spPr>
+          <a:xfrm>
+            <a:off x="4709040" y="2163160"/>
+            <a:ext cx="2773917" cy="923330"/>
+          </a:xfrm>
+          <a:prstGeom prst="rect">
+            <a:avLst/>
+          </a:prstGeom>
+          <a:noFill/>
+        </p:spPr>
+        <p:txBody>
+          <a:bodyPr wrap="square">
+            <a:spAutoFit/>
+          </a:bodyPr>
+          <a:lstStyle/>
+          <a:p>
+            <a:pPr algn="ctr">
+              <a:defRPr/>
+            </a:pPr>
+            <a:r>
+              <a:rPr lang="ko-KR" altLang="en-US" dirty="0">
+                <a:latin typeface="HY견고딕"/>
+                <a:ea typeface="HY견고딕"/>
+              </a:rPr>
+              <a:t>클라이언트 </a:t>
+            </a:r>
+            <a:r>
+              <a:rPr lang="en-US" altLang="ko-KR" dirty="0">
+                <a:latin typeface="HY견고딕"/>
+                <a:ea typeface="HY견고딕"/>
+              </a:rPr>
+              <a:t>&amp; </a:t>
+            </a:r>
+            <a:r>
+              <a:rPr lang="ko-KR" altLang="en-US" dirty="0">
+                <a:latin typeface="HY견고딕"/>
+                <a:ea typeface="HY견고딕"/>
+              </a:rPr>
+              <a:t>서버</a:t>
+            </a:r>
+          </a:p>
+          <a:p>
+            <a:pPr algn="ctr">
+              <a:defRPr/>
+            </a:pPr>
+            <a:r>
+              <a:rPr lang="ko-KR" altLang="en-US" dirty="0">
+                <a:latin typeface="HY견고딕"/>
+                <a:ea typeface="HY견고딕"/>
+              </a:rPr>
+              <a:t>메인 프레임워크 제작</a:t>
+            </a:r>
+          </a:p>
+          <a:p>
+            <a:pPr algn="ctr">
+              <a:defRPr/>
+            </a:pPr>
+            <a:r>
+              <a:rPr lang="ko-KR" altLang="en-US" dirty="0">
+                <a:latin typeface="HY견고딕"/>
+                <a:ea typeface="HY견고딕"/>
+              </a:rPr>
+              <a:t>클라이언트 컨텐츠 구현</a:t>
+            </a:r>
+          </a:p>
+        </p:txBody>
+      </p:sp>
+      <p:sp>
+        <p:nvSpPr>
+          <p:cNvPr id="14" name="TextBox 13"/>
+          <p:cNvSpPr txBox="1"/>
+          <p:nvPr/>
+        </p:nvSpPr>
+        <p:spPr>
+          <a:xfrm>
+            <a:off x="4732979" y="3449680"/>
+            <a:ext cx="1160827" cy="923330"/>
+          </a:xfrm>
+          <a:prstGeom prst="rect">
+            <a:avLst/>
+          </a:prstGeom>
+          <a:noFill/>
+        </p:spPr>
+        <p:txBody>
+          <a:bodyPr wrap="square">
+            <a:spAutoFit/>
+          </a:bodyPr>
+          <a:lstStyle/>
+          <a:p>
+            <a:pPr lvl="0">
+              <a:defRPr/>
+            </a:pPr>
+            <a:r>
+              <a:rPr lang="ko-KR" altLang="en-US">
+                <a:latin typeface="HY견고딕"/>
+                <a:ea typeface="HY견고딕"/>
+              </a:rPr>
+              <a:t>쉐이더</a:t>
+            </a:r>
+            <a:r>
+              <a:rPr lang="en-US" altLang="ko-KR">
+                <a:latin typeface="HY견고딕"/>
+                <a:ea typeface="HY견고딕"/>
+              </a:rPr>
+              <a:t>,</a:t>
+            </a:r>
+          </a:p>
+          <a:p>
+            <a:pPr lvl="0">
+              <a:defRPr/>
+            </a:pPr>
+            <a:r>
+              <a:rPr lang="en-US" altLang="ko-KR">
+                <a:latin typeface="HY견고딕"/>
+                <a:ea typeface="HY견고딕"/>
+              </a:rPr>
+              <a:t>  </a:t>
+            </a:r>
+            <a:r>
+              <a:rPr lang="ko-KR" altLang="en-US">
+                <a:latin typeface="HY견고딕"/>
+                <a:ea typeface="HY견고딕"/>
+              </a:rPr>
+              <a:t>그림자</a:t>
+            </a:r>
+          </a:p>
+          <a:p>
+            <a:pPr lvl="0">
+              <a:defRPr/>
+            </a:pPr>
+            <a:r>
+              <a:rPr lang="en-US" altLang="ko-KR">
+                <a:latin typeface="HY견고딕"/>
+                <a:ea typeface="HY견고딕"/>
+              </a:rPr>
+              <a:t>     </a:t>
+            </a:r>
+            <a:r>
+              <a:rPr lang="ko-KR" altLang="en-US">
+                <a:latin typeface="HY견고딕"/>
+                <a:ea typeface="HY견고딕"/>
+              </a:rPr>
+              <a:t>등등</a:t>
+            </a:r>
+          </a:p>
+        </p:txBody>
+      </p:sp>
+      <p:sp>
+        <p:nvSpPr>
+          <p:cNvPr id="15" name="TextBox 14"/>
+          <p:cNvSpPr txBox="1"/>
+          <p:nvPr/>
+        </p:nvSpPr>
+        <p:spPr>
+          <a:xfrm>
+            <a:off x="6401271" y="3600840"/>
+            <a:ext cx="1279558" cy="646331"/>
+          </a:xfrm>
+          <a:prstGeom prst="rect">
+            <a:avLst/>
+          </a:prstGeom>
+          <a:noFill/>
+        </p:spPr>
+        <p:txBody>
+          <a:bodyPr wrap="square">
+            <a:spAutoFit/>
+          </a:bodyPr>
+          <a:lstStyle/>
+          <a:p>
+            <a:pPr lvl="0">
+              <a:defRPr/>
+            </a:pPr>
+            <a:r>
+              <a:rPr lang="ko-KR" altLang="en-US" dirty="0">
+                <a:latin typeface="HY견고딕"/>
+                <a:ea typeface="HY견고딕"/>
+              </a:rPr>
+              <a:t>서버 연결</a:t>
+            </a:r>
+          </a:p>
+          <a:p>
+            <a:pPr lvl="0">
+              <a:defRPr/>
+            </a:pPr>
+            <a:r>
+              <a:rPr lang="ko-KR" altLang="en-US" dirty="0">
+                <a:latin typeface="HY견고딕"/>
+                <a:ea typeface="HY견고딕"/>
+              </a:rPr>
+              <a:t> 등</a:t>
+            </a:r>
+          </a:p>
+        </p:txBody>
+      </p:sp>
+      <p:sp>
+        <p:nvSpPr>
+          <p:cNvPr id="16" name="TextBox 15"/>
+          <p:cNvSpPr txBox="1"/>
+          <p:nvPr/>
+        </p:nvSpPr>
+        <p:spPr>
+          <a:xfrm>
+            <a:off x="6148509" y="4660747"/>
+            <a:ext cx="3108960" cy="909472"/>
+          </a:xfrm>
+          <a:prstGeom prst="rect">
+            <a:avLst/>
+          </a:prstGeom>
+          <a:noFill/>
+        </p:spPr>
+        <p:txBody>
+          <a:bodyPr wrap="square">
+            <a:spAutoFit/>
+          </a:bodyPr>
+          <a:lstStyle/>
+          <a:p>
+            <a:pPr algn="ctr">
+              <a:defRPr/>
+            </a:pPr>
+            <a:r>
+              <a:rPr lang="en-US" altLang="ko-KR" dirty="0">
+                <a:latin typeface="HY견고딕"/>
+                <a:ea typeface="HY견고딕"/>
+              </a:rPr>
+              <a:t>IOCP </a:t>
+            </a:r>
+            <a:r>
+              <a:rPr lang="ko-KR" altLang="en-US" dirty="0">
+                <a:latin typeface="HY견고딕"/>
+                <a:ea typeface="HY견고딕"/>
+              </a:rPr>
+              <a:t>다중 접속 서버 구현</a:t>
+            </a:r>
+          </a:p>
+          <a:p>
+            <a:pPr algn="ctr">
+              <a:defRPr/>
+            </a:pPr>
+            <a:endParaRPr lang="ko-KR" altLang="en-US" dirty="0">
+              <a:latin typeface="HY견고딕"/>
+              <a:ea typeface="HY견고딕"/>
+            </a:endParaRPr>
+          </a:p>
+          <a:p>
+            <a:pPr algn="ctr">
+              <a:defRPr/>
+            </a:pPr>
+            <a:r>
+              <a:rPr lang="ko-KR" altLang="en-US" dirty="0">
+                <a:latin typeface="HY견고딕"/>
+                <a:ea typeface="HY견고딕"/>
+              </a:rPr>
+              <a:t>서버 프레임워크 제작</a:t>
+            </a:r>
+          </a:p>
+        </p:txBody>
+      </p:sp>
+      <p:sp>
+        <p:nvSpPr>
+          <p:cNvPr id="17" name="TextBox 16"/>
+          <p:cNvSpPr txBox="1"/>
+          <p:nvPr/>
+        </p:nvSpPr>
+        <p:spPr>
+          <a:xfrm>
+            <a:off x="3490578" y="3397616"/>
+            <a:ext cx="1292081" cy="400110"/>
+          </a:xfrm>
+          <a:prstGeom prst="rect">
+            <a:avLst/>
+          </a:prstGeom>
+          <a:noFill/>
+        </p:spPr>
+        <p:txBody>
+          <a:bodyPr wrap="square">
+            <a:spAutoFit/>
+          </a:bodyPr>
+          <a:lstStyle/>
+          <a:p>
+            <a:pPr lvl="0">
+              <a:defRPr/>
+            </a:pPr>
+            <a:r>
+              <a:rPr lang="ko-KR" altLang="en-US" sz="2000" b="1" dirty="0">
+                <a:latin typeface="HY헤드라인M"/>
+                <a:ea typeface="HY헤드라인M"/>
+              </a:rPr>
+              <a:t>이동규</a:t>
+            </a:r>
+          </a:p>
+        </p:txBody>
+      </p:sp>
+      <p:sp>
+        <p:nvSpPr>
+          <p:cNvPr id="19" name="TextBox 18"/>
+          <p:cNvSpPr txBox="1"/>
+          <p:nvPr/>
+        </p:nvSpPr>
+        <p:spPr>
+          <a:xfrm>
+            <a:off x="5614288" y="1666074"/>
+            <a:ext cx="1292081" cy="400110"/>
+          </a:xfrm>
+          <a:prstGeom prst="rect">
+            <a:avLst/>
+          </a:prstGeom>
+          <a:noFill/>
+        </p:spPr>
+        <p:txBody>
+          <a:bodyPr wrap="square">
+            <a:spAutoFit/>
+          </a:bodyPr>
+          <a:lstStyle/>
+          <a:p>
+            <a:pPr lvl="0">
+              <a:defRPr/>
+            </a:pPr>
+            <a:r>
+              <a:rPr lang="ko-KR" altLang="en-US" sz="2000" b="1" dirty="0" err="1">
+                <a:latin typeface="HY헤드라인M"/>
+                <a:ea typeface="HY헤드라인M"/>
+              </a:rPr>
+              <a:t>김하윤</a:t>
+            </a:r>
+            <a:endParaRPr lang="ko-KR" altLang="en-US" sz="2000" b="1" dirty="0">
+              <a:latin typeface="HY헤드라인M"/>
+              <a:ea typeface="HY헤드라인M"/>
+            </a:endParaRPr>
+          </a:p>
+        </p:txBody>
+      </p:sp>
+      <p:sp>
+        <p:nvSpPr>
+          <p:cNvPr id="20" name="TextBox 19"/>
+          <p:cNvSpPr txBox="1"/>
+          <p:nvPr/>
+        </p:nvSpPr>
+        <p:spPr>
+          <a:xfrm>
+            <a:off x="7702989" y="3425035"/>
+            <a:ext cx="1292081" cy="400110"/>
+          </a:xfrm>
+          <a:prstGeom prst="rect">
+            <a:avLst/>
+          </a:prstGeom>
+          <a:noFill/>
+        </p:spPr>
+        <p:txBody>
+          <a:bodyPr wrap="square">
+            <a:spAutoFit/>
+          </a:bodyPr>
+          <a:lstStyle/>
+          <a:p>
+            <a:pPr lvl="0">
+              <a:defRPr/>
+            </a:pPr>
+            <a:r>
+              <a:rPr lang="ko-KR" altLang="en-US" sz="2000" b="1" dirty="0" err="1">
+                <a:latin typeface="HY헤드라인M"/>
+                <a:ea typeface="HY헤드라인M"/>
+              </a:rPr>
+              <a:t>이득유</a:t>
+            </a:r>
+            <a:endParaRPr lang="ko-KR" altLang="en-US" sz="2000" b="1" dirty="0">
+              <a:latin typeface="HY헤드라인M"/>
+              <a:ea typeface="HY헤드라인M"/>
+            </a:endParaRPr>
+          </a:p>
+        </p:txBody>
+      </p:sp>
     </p:spTree>
-    <p:extLst>
-      <p:ext uri="{BB962C8B-B14F-4D97-AF65-F5344CB8AC3E}">
-        <p14:creationId xmlns:p14="http://schemas.microsoft.com/office/powerpoint/2010/main" val="819861720"/>
-      </p:ext>
-    </p:extLst>
   </p:cSld>
   <p:clrMapOvr>
     <a:masterClrMapping/>
   </p:clrMapOvr>
+  <mc:AlternateContent xmlns:mc="http://schemas.openxmlformats.org/markup-compatibility/2006" xmlns:p14="http://schemas.microsoft.com/office/powerpoint/2010/main">
+    <mc:Choice Requires="p14">
+      <p:transition/>
+    </mc:Choice>
+    <mc:Fallback xmlns="" xmlns:c="http://schemas.openxmlformats.org/drawingml/2006/chart" xmlns:dgm="http://schemas.openxmlformats.org/drawingml/2006/diagram" xmlns:dsp="http://schemas.microsoft.com/office/drawing/2008/diagram">
+      <p:transition/>
+    </mc:Fallback>
+  </mc:AlternateContent>
 </p:sld>
 </file>
 
@@ -9560,7 +9663,7 @@
         </p:nvCxnSpPr>
         <p:spPr>
           <a:xfrm>
-            <a:off x="1347787" y="2903804"/>
+            <a:off x="1347787" y="866775"/>
             <a:ext cx="9496425" cy="19645"/>
           </a:xfrm>
           <a:prstGeom prst="line">
@@ -9589,10 +9692,10 @@
       </p:cxnSp>
       <p:sp>
         <p:nvSpPr>
-          <p:cNvPr id="4" name="TextBox 3">
-            <a:extLst>
-              <a:ext uri="{FF2B5EF4-FFF2-40B4-BE49-F238E27FC236}">
-                <a16:creationId xmlns:a16="http://schemas.microsoft.com/office/drawing/2014/main" id="{BF07602F-6AE9-44B4-BE0F-55FE2EDFDD1C}"/>
+          <p:cNvPr id="3" name="TextBox 2">
+            <a:extLst>
+              <a:ext uri="{FF2B5EF4-FFF2-40B4-BE49-F238E27FC236}">
+                <a16:creationId xmlns:a16="http://schemas.microsoft.com/office/drawing/2014/main" id="{D5266936-5F5A-4942-B5DC-638A5ECB4501}"/>
               </a:ext>
             </a:extLst>
           </p:cNvPr>
@@ -9601,8 +9704,8 @@
         </p:nvSpPr>
         <p:spPr>
           <a:xfrm>
-            <a:off x="8671112" y="2480817"/>
-            <a:ext cx="2287806" cy="523220"/>
+            <a:off x="1347787" y="876597"/>
+            <a:ext cx="2236510" cy="707886"/>
           </a:xfrm>
           <a:prstGeom prst="rect">
             <a:avLst/>
@@ -9616,32 +9719,49 @@
           <a:lstStyle/>
           <a:p>
             <a:r>
+              <a:rPr lang="ko-KR" altLang="en-US" sz="4000" dirty="0">
+                <a:latin typeface="HY헤드라인M" panose="02030600000101010101" pitchFamily="18" charset="-127"/>
+                <a:ea typeface="HY헤드라인M" panose="02030600000101010101" pitchFamily="18" charset="-127"/>
+              </a:rPr>
+              <a:t>개발일정</a:t>
+            </a:r>
+          </a:p>
+        </p:txBody>
+      </p:sp>
+      <p:sp>
+        <p:nvSpPr>
+          <p:cNvPr id="4" name="TextBox 3">
+            <a:extLst>
+              <a:ext uri="{FF2B5EF4-FFF2-40B4-BE49-F238E27FC236}">
+                <a16:creationId xmlns:a16="http://schemas.microsoft.com/office/drawing/2014/main" id="{BF07602F-6AE9-44B4-BE0F-55FE2EDFDD1C}"/>
+              </a:ext>
+            </a:extLst>
+          </p:cNvPr>
+          <p:cNvSpPr txBox="1"/>
+          <p:nvPr/>
+        </p:nvSpPr>
+        <p:spPr>
+          <a:xfrm>
+            <a:off x="8671112" y="443788"/>
+            <a:ext cx="1922321" cy="523220"/>
+          </a:xfrm>
+          <a:prstGeom prst="rect">
+            <a:avLst/>
+          </a:prstGeom>
+          <a:noFill/>
+        </p:spPr>
+        <p:txBody>
+          <a:bodyPr wrap="none" rtlCol="0">
+            <a:spAutoFit/>
+          </a:bodyPr>
+          <a:lstStyle/>
+          <a:p>
+            <a:r>
               <a:rPr lang="en-US" altLang="ko-KR" sz="2800" dirty="0">
                 <a:latin typeface="HY헤드라인M" panose="02030600000101010101" pitchFamily="18" charset="-127"/>
                 <a:ea typeface="HY헤드라인M" panose="02030600000101010101" pitchFamily="18" charset="-127"/>
               </a:rPr>
               <a:t>The Island</a:t>
-            </a:r>
-            <a:r>
-              <a:rPr lang="en-US" altLang="ko-KR" sz="1050" dirty="0">
-                <a:latin typeface="HY헤드라인M" panose="02030600000101010101" pitchFamily="18" charset="-127"/>
-                <a:ea typeface="HY헤드라인M" panose="02030600000101010101" pitchFamily="18" charset="-127"/>
-              </a:rPr>
-              <a:t>(</a:t>
-            </a:r>
-            <a:r>
-              <a:rPr lang="ko-KR" altLang="en-US" sz="1050" dirty="0">
-                <a:latin typeface="HY헤드라인M" panose="02030600000101010101" pitchFamily="18" charset="-127"/>
-                <a:ea typeface="HY헤드라인M" panose="02030600000101010101" pitchFamily="18" charset="-127"/>
-              </a:rPr>
-              <a:t>가제</a:t>
-            </a:r>
-            <a:r>
-              <a:rPr lang="en-US" altLang="ko-KR" sz="1050" dirty="0">
-                <a:latin typeface="HY헤드라인M" panose="02030600000101010101" pitchFamily="18" charset="-127"/>
-                <a:ea typeface="HY헤드라인M" panose="02030600000101010101" pitchFamily="18" charset="-127"/>
-              </a:rPr>
-              <a:t>)</a:t>
             </a:r>
             <a:endParaRPr lang="ko-KR" altLang="en-US" sz="2800" dirty="0">
               <a:latin typeface="HY헤드라인M" panose="02030600000101010101" pitchFamily="18" charset="-127"/>
@@ -9664,8 +9784,8 @@
         </p:nvSpPr>
         <p:spPr>
           <a:xfrm>
-            <a:off x="5311169" y="2903804"/>
-            <a:ext cx="1569660" cy="769441"/>
+            <a:off x="1347787" y="59067"/>
+            <a:ext cx="1640193" cy="769441"/>
           </a:xfrm>
           <a:prstGeom prst="rect">
             <a:avLst/>
@@ -9686,7 +9806,7 @@
                 <a:latin typeface="HY헤드라인M" panose="02030600000101010101" pitchFamily="18" charset="-127"/>
                 <a:ea typeface="HY헤드라인M" panose="02030600000101010101" pitchFamily="18" charset="-127"/>
               </a:rPr>
-              <a:t>Q &amp; A</a:t>
+              <a:t>WHEN</a:t>
             </a:r>
             <a:endParaRPr lang="ko-KR" altLang="en-US" sz="4400" dirty="0">
               <a:solidFill>
@@ -9698,6 +9818,48 @@
           </a:p>
         </p:txBody>
       </p:sp>
+      <p:sp>
+        <p:nvSpPr>
+          <p:cNvPr id="6" name="TextBox 5">
+            <a:extLst>
+              <a:ext uri="{FF2B5EF4-FFF2-40B4-BE49-F238E27FC236}">
+                <a16:creationId xmlns:a16="http://schemas.microsoft.com/office/drawing/2014/main" id="{30644E1A-CD8E-4E97-B44E-498BA04E0B37}"/>
+              </a:ext>
+            </a:extLst>
+          </p:cNvPr>
+          <p:cNvSpPr txBox="1"/>
+          <p:nvPr/>
+        </p:nvSpPr>
+        <p:spPr>
+          <a:xfrm>
+            <a:off x="10207499" y="6283173"/>
+            <a:ext cx="809837" cy="369332"/>
+          </a:xfrm>
+          <a:prstGeom prst="rect">
+            <a:avLst/>
+          </a:prstGeom>
+          <a:noFill/>
+        </p:spPr>
+        <p:txBody>
+          <a:bodyPr wrap="none" rtlCol="0">
+            <a:spAutoFit/>
+          </a:bodyPr>
+          <a:lstStyle/>
+          <a:p>
+            <a:r>
+              <a:rPr lang="en-US" altLang="ko-KR" dirty="0">
+                <a:latin typeface="HY헤드라인M" panose="02030600000101010101" pitchFamily="18" charset="-127"/>
+                <a:ea typeface="HY헤드라인M" panose="02030600000101010101" pitchFamily="18" charset="-127"/>
+              </a:rPr>
+              <a:t>18/18</a:t>
+            </a:r>
+            <a:endParaRPr lang="ko-KR" altLang="en-US" dirty="0">
+              <a:latin typeface="HY헤드라인M" panose="02030600000101010101" pitchFamily="18" charset="-127"/>
+              <a:ea typeface="HY헤드라인M" panose="02030600000101010101" pitchFamily="18" charset="-127"/>
+            </a:endParaRPr>
+          </a:p>
+        </p:txBody>
+      </p:sp>
       <p:cxnSp>
         <p:nvCxnSpPr>
           <p:cNvPr id="7" name="직선 연결선 6">
@@ -9714,7 +9876,7 @@
         </p:nvCxnSpPr>
         <p:spPr>
           <a:xfrm>
-            <a:off x="1347787" y="3737611"/>
+            <a:off x="1347787" y="6263528"/>
             <a:ext cx="9496425" cy="19645"/>
           </a:xfrm>
           <a:prstGeom prst="line">
@@ -9744,7 +9906,7 @@
     </p:spTree>
     <p:extLst>
       <p:ext uri="{BB962C8B-B14F-4D97-AF65-F5344CB8AC3E}">
-        <p14:creationId xmlns:p14="http://schemas.microsoft.com/office/powerpoint/2010/main" val="2396139971"/>
+        <p14:creationId xmlns:p14="http://schemas.microsoft.com/office/powerpoint/2010/main" val="819861720"/>
       </p:ext>
     </p:extLst>
   </p:cSld>
@@ -9829,7 +9991,7 @@
         <p:spPr>
           <a:xfrm>
             <a:off x="8671112" y="2480817"/>
-            <a:ext cx="2287806" cy="523220"/>
+            <a:ext cx="1960793" cy="523220"/>
           </a:xfrm>
           <a:prstGeom prst="rect">
             <a:avLst/>
@@ -9848,27 +10010,6 @@
                 <a:ea typeface="HY헤드라인M" panose="02030600000101010101" pitchFamily="18" charset="-127"/>
               </a:rPr>
               <a:t>The Island</a:t>
-            </a:r>
-            <a:r>
-              <a:rPr lang="en-US" altLang="ko-KR" sz="1050" dirty="0">
-                <a:latin typeface="HY헤드라인M" panose="02030600000101010101" pitchFamily="18" charset="-127"/>
-                <a:ea typeface="HY헤드라인M" panose="02030600000101010101" pitchFamily="18" charset="-127"/>
-              </a:rPr>
-              <a:t>(</a:t>
-            </a:r>
-            <a:r>
-              <a:rPr lang="ko-KR" altLang="en-US" sz="1050" dirty="0">
-                <a:latin typeface="HY헤드라인M" panose="02030600000101010101" pitchFamily="18" charset="-127"/>
-                <a:ea typeface="HY헤드라인M" panose="02030600000101010101" pitchFamily="18" charset="-127"/>
-              </a:rPr>
-              <a:t>가제</a:t>
-            </a:r>
-            <a:r>
-              <a:rPr lang="en-US" altLang="ko-KR" sz="1050" dirty="0">
-                <a:latin typeface="HY헤드라인M" panose="02030600000101010101" pitchFamily="18" charset="-127"/>
-                <a:ea typeface="HY헤드라인M" panose="02030600000101010101" pitchFamily="18" charset="-127"/>
-              </a:rPr>
-              <a:t>)</a:t>
             </a:r>
             <a:endParaRPr lang="ko-KR" altLang="en-US" sz="2800" dirty="0">
               <a:latin typeface="HY헤드라인M" panose="02030600000101010101" pitchFamily="18" charset="-127"/>
@@ -9891,8 +10032,8 @@
         </p:nvSpPr>
         <p:spPr>
           <a:xfrm>
-            <a:off x="4442341" y="2903804"/>
-            <a:ext cx="3307316" cy="769441"/>
+            <a:off x="5311169" y="2903804"/>
+            <a:ext cx="1569660" cy="769441"/>
           </a:xfrm>
           <a:prstGeom prst="rect">
             <a:avLst/>
@@ -9913,7 +10054,7 @@
                 <a:latin typeface="HY헤드라인M" panose="02030600000101010101" pitchFamily="18" charset="-127"/>
                 <a:ea typeface="HY헤드라인M" panose="02030600000101010101" pitchFamily="18" charset="-127"/>
               </a:rPr>
-              <a:t>THANKS YOU</a:t>
+              <a:t>Q &amp; A</a:t>
             </a:r>
             <a:endParaRPr lang="ko-KR" altLang="en-US" sz="4400" dirty="0">
               <a:solidFill>
@@ -9971,7 +10112,7 @@
     </p:spTree>
     <p:extLst>
       <p:ext uri="{BB962C8B-B14F-4D97-AF65-F5344CB8AC3E}">
-        <p14:creationId xmlns:p14="http://schemas.microsoft.com/office/powerpoint/2010/main" val="130463107"/>
+        <p14:creationId xmlns:p14="http://schemas.microsoft.com/office/powerpoint/2010/main" val="2396139971"/>
       </p:ext>
     </p:extLst>
   </p:cSld>
@@ -10908,7 +11049,7 @@
         <p:spPr>
           <a:xfrm>
             <a:off x="8605142" y="871121"/>
-            <a:ext cx="2287806" cy="523220"/>
+            <a:ext cx="1922321" cy="523220"/>
           </a:xfrm>
           <a:prstGeom prst="rect">
             <a:avLst/>
@@ -10927,27 +11068,6 @@
                 <a:ea typeface="HY헤드라인M" panose="02030600000101010101" pitchFamily="18" charset="-127"/>
               </a:rPr>
               <a:t>The Island</a:t>
-            </a:r>
-            <a:r>
-              <a:rPr lang="en-US" altLang="ko-KR" sz="1050" dirty="0">
-                <a:latin typeface="HY헤드라인M" panose="02030600000101010101" pitchFamily="18" charset="-127"/>
-                <a:ea typeface="HY헤드라인M" panose="02030600000101010101" pitchFamily="18" charset="-127"/>
-              </a:rPr>
-              <a:t>(</a:t>
-            </a:r>
-            <a:r>
-              <a:rPr lang="ko-KR" altLang="en-US" sz="1050" dirty="0">
-                <a:latin typeface="HY헤드라인M" panose="02030600000101010101" pitchFamily="18" charset="-127"/>
-                <a:ea typeface="HY헤드라인M" panose="02030600000101010101" pitchFamily="18" charset="-127"/>
-              </a:rPr>
-              <a:t>가제</a:t>
-            </a:r>
-            <a:r>
-              <a:rPr lang="en-US" altLang="ko-KR" sz="1050" dirty="0">
-                <a:latin typeface="HY헤드라인M" panose="02030600000101010101" pitchFamily="18" charset="-127"/>
-                <a:ea typeface="HY헤드라인M" panose="02030600000101010101" pitchFamily="18" charset="-127"/>
-              </a:rPr>
-              <a:t>)</a:t>
             </a:r>
             <a:endParaRPr lang="ko-KR" altLang="en-US" sz="2800" dirty="0">
               <a:latin typeface="HY헤드라인M" panose="02030600000101010101" pitchFamily="18" charset="-127"/>
@@ -11003,6 +11123,212 @@
     <p:extLst>
       <p:ext uri="{BB962C8B-B14F-4D97-AF65-F5344CB8AC3E}">
         <p14:creationId xmlns:p14="http://schemas.microsoft.com/office/powerpoint/2010/main" val="1328715291"/>
+      </p:ext>
+    </p:extLst>
+  </p:cSld>
+  <p:clrMapOvr>
+    <a:masterClrMapping/>
+  </p:clrMapOvr>
+</p:sld>
+</file>
+
+<file path=ppt/slides/slide20.xml><?xml version="1.0" encoding="utf-8"?>
+<p:sld xmlns:a="http://schemas.openxmlformats.org/drawingml/2006/main" xmlns:r="http://schemas.openxmlformats.org/officeDocument/2006/relationships" xmlns:p="http://schemas.openxmlformats.org/presentationml/2006/main">
+  <p:cSld>
+    <p:spTree>
+      <p:nvGrpSpPr>
+        <p:cNvPr id="1" name=""/>
+        <p:cNvGrpSpPr/>
+        <p:nvPr/>
+      </p:nvGrpSpPr>
+      <p:grpSpPr>
+        <a:xfrm>
+          <a:off x="0" y="0"/>
+          <a:ext cx="0" cy="0"/>
+          <a:chOff x="0" y="0"/>
+          <a:chExt cx="0" cy="0"/>
+        </a:xfrm>
+      </p:grpSpPr>
+      <p:cxnSp>
+        <p:nvCxnSpPr>
+          <p:cNvPr id="2" name="직선 연결선 1">
+            <a:extLst>
+              <a:ext uri="{FF2B5EF4-FFF2-40B4-BE49-F238E27FC236}">
+                <a16:creationId xmlns:a16="http://schemas.microsoft.com/office/drawing/2014/main" id="{F489D314-C637-4E9E-947D-448763FA3CE1}"/>
+              </a:ext>
+            </a:extLst>
+          </p:cNvPr>
+          <p:cNvCxnSpPr>
+            <a:cxnSpLocks/>
+          </p:cNvCxnSpPr>
+          <p:nvPr/>
+        </p:nvCxnSpPr>
+        <p:spPr>
+          <a:xfrm>
+            <a:off x="1347787" y="2903804"/>
+            <a:ext cx="9496425" cy="19645"/>
+          </a:xfrm>
+          <a:prstGeom prst="line">
+            <a:avLst/>
+          </a:prstGeom>
+          <a:ln w="25400">
+            <a:solidFill>
+              <a:schemeClr val="tx1"/>
+            </a:solidFill>
+          </a:ln>
+        </p:spPr>
+        <p:style>
+          <a:lnRef idx="1">
+            <a:schemeClr val="accent1"/>
+          </a:lnRef>
+          <a:fillRef idx="0">
+            <a:schemeClr val="accent1"/>
+          </a:fillRef>
+          <a:effectRef idx="0">
+            <a:schemeClr val="accent1"/>
+          </a:effectRef>
+          <a:fontRef idx="minor">
+            <a:schemeClr val="tx1"/>
+          </a:fontRef>
+        </p:style>
+      </p:cxnSp>
+      <p:sp>
+        <p:nvSpPr>
+          <p:cNvPr id="4" name="TextBox 3">
+            <a:extLst>
+              <a:ext uri="{FF2B5EF4-FFF2-40B4-BE49-F238E27FC236}">
+                <a16:creationId xmlns:a16="http://schemas.microsoft.com/office/drawing/2014/main" id="{BF07602F-6AE9-44B4-BE0F-55FE2EDFDD1C}"/>
+              </a:ext>
+            </a:extLst>
+          </p:cNvPr>
+          <p:cNvSpPr txBox="1"/>
+          <p:nvPr/>
+        </p:nvSpPr>
+        <p:spPr>
+          <a:xfrm>
+            <a:off x="8671112" y="2480817"/>
+            <a:ext cx="1960793" cy="523220"/>
+          </a:xfrm>
+          <a:prstGeom prst="rect">
+            <a:avLst/>
+          </a:prstGeom>
+          <a:noFill/>
+        </p:spPr>
+        <p:txBody>
+          <a:bodyPr wrap="none" rtlCol="0">
+            <a:spAutoFit/>
+          </a:bodyPr>
+          <a:lstStyle/>
+          <a:p>
+            <a:r>
+              <a:rPr lang="en-US" altLang="ko-KR" sz="2800" dirty="0">
+                <a:latin typeface="HY헤드라인M" panose="02030600000101010101" pitchFamily="18" charset="-127"/>
+                <a:ea typeface="HY헤드라인M" panose="02030600000101010101" pitchFamily="18" charset="-127"/>
+              </a:rPr>
+              <a:t>The Island</a:t>
+            </a:r>
+            <a:endParaRPr lang="ko-KR" altLang="en-US" sz="2800" dirty="0">
+              <a:latin typeface="HY헤드라인M" panose="02030600000101010101" pitchFamily="18" charset="-127"/>
+              <a:ea typeface="HY헤드라인M" panose="02030600000101010101" pitchFamily="18" charset="-127"/>
+            </a:endParaRPr>
+          </a:p>
+        </p:txBody>
+      </p:sp>
+      <p:sp>
+        <p:nvSpPr>
+          <p:cNvPr id="5" name="TextBox 4">
+            <a:extLst>
+              <a:ext uri="{FF2B5EF4-FFF2-40B4-BE49-F238E27FC236}">
+                <a16:creationId xmlns:a16="http://schemas.microsoft.com/office/drawing/2014/main" id="{8B8A36FB-13F6-49E8-A86D-6CF420F297BC}"/>
+              </a:ext>
+            </a:extLst>
+          </p:cNvPr>
+          <p:cNvSpPr txBox="1"/>
+          <p:nvPr/>
+        </p:nvSpPr>
+        <p:spPr>
+          <a:xfrm>
+            <a:off x="4442341" y="2903804"/>
+            <a:ext cx="3307316" cy="769441"/>
+          </a:xfrm>
+          <a:prstGeom prst="rect">
+            <a:avLst/>
+          </a:prstGeom>
+          <a:noFill/>
+        </p:spPr>
+        <p:txBody>
+          <a:bodyPr wrap="none" rtlCol="0">
+            <a:spAutoFit/>
+          </a:bodyPr>
+          <a:lstStyle/>
+          <a:p>
+            <a:r>
+              <a:rPr lang="en-US" altLang="ko-KR" sz="4400" dirty="0">
+                <a:solidFill>
+                  <a:schemeClr val="accent1"/>
+                </a:solidFill>
+                <a:latin typeface="HY헤드라인M" panose="02030600000101010101" pitchFamily="18" charset="-127"/>
+                <a:ea typeface="HY헤드라인M" panose="02030600000101010101" pitchFamily="18" charset="-127"/>
+              </a:rPr>
+              <a:t>THANKS YOU</a:t>
+            </a:r>
+            <a:endParaRPr lang="ko-KR" altLang="en-US" sz="4400" dirty="0">
+              <a:solidFill>
+                <a:schemeClr val="accent1"/>
+              </a:solidFill>
+              <a:latin typeface="HY헤드라인M" panose="02030600000101010101" pitchFamily="18" charset="-127"/>
+              <a:ea typeface="HY헤드라인M" panose="02030600000101010101" pitchFamily="18" charset="-127"/>
+            </a:endParaRPr>
+          </a:p>
+        </p:txBody>
+      </p:sp>
+      <p:cxnSp>
+        <p:nvCxnSpPr>
+          <p:cNvPr id="7" name="직선 연결선 6">
+            <a:extLst>
+              <a:ext uri="{FF2B5EF4-FFF2-40B4-BE49-F238E27FC236}">
+                <a16:creationId xmlns:a16="http://schemas.microsoft.com/office/drawing/2014/main" id="{1213C020-10BD-47FA-8004-EF392DA9F117}"/>
+              </a:ext>
+            </a:extLst>
+          </p:cNvPr>
+          <p:cNvCxnSpPr>
+            <a:cxnSpLocks/>
+          </p:cNvCxnSpPr>
+          <p:nvPr/>
+        </p:nvCxnSpPr>
+        <p:spPr>
+          <a:xfrm>
+            <a:off x="1347787" y="3737611"/>
+            <a:ext cx="9496425" cy="19645"/>
+          </a:xfrm>
+          <a:prstGeom prst="line">
+            <a:avLst/>
+          </a:prstGeom>
+          <a:ln w="25400">
+            <a:solidFill>
+              <a:schemeClr val="tx1"/>
+            </a:solidFill>
+          </a:ln>
+        </p:spPr>
+        <p:style>
+          <a:lnRef idx="1">
+            <a:schemeClr val="accent1"/>
+          </a:lnRef>
+          <a:fillRef idx="0">
+            <a:schemeClr val="accent1"/>
+          </a:fillRef>
+          <a:effectRef idx="0">
+            <a:schemeClr val="accent1"/>
+          </a:effectRef>
+          <a:fontRef idx="minor">
+            <a:schemeClr val="tx1"/>
+          </a:fontRef>
+        </p:style>
+      </p:cxnSp>
+    </p:spTree>
+    <p:extLst>
+      <p:ext uri="{BB962C8B-B14F-4D97-AF65-F5344CB8AC3E}">
+        <p14:creationId xmlns:p14="http://schemas.microsoft.com/office/powerpoint/2010/main" val="130463107"/>
       </p:ext>
     </p:extLst>
   </p:cSld>
@@ -11125,7 +11451,7 @@
         <p:spPr>
           <a:xfrm>
             <a:off x="8671112" y="443788"/>
-            <a:ext cx="2287806" cy="523220"/>
+            <a:ext cx="1922321" cy="523220"/>
           </a:xfrm>
           <a:prstGeom prst="rect">
             <a:avLst/>
@@ -11144,27 +11470,6 @@
                 <a:ea typeface="HY헤드라인M" panose="02030600000101010101" pitchFamily="18" charset="-127"/>
               </a:rPr>
               <a:t>The Island</a:t>
-            </a:r>
-            <a:r>
-              <a:rPr lang="en-US" altLang="ko-KR" sz="1050" dirty="0">
-                <a:latin typeface="HY헤드라인M" panose="02030600000101010101" pitchFamily="18" charset="-127"/>
-                <a:ea typeface="HY헤드라인M" panose="02030600000101010101" pitchFamily="18" charset="-127"/>
-              </a:rPr>
-              <a:t>(</a:t>
-            </a:r>
-            <a:r>
-              <a:rPr lang="ko-KR" altLang="en-US" sz="1050" dirty="0">
-                <a:latin typeface="HY헤드라인M" panose="02030600000101010101" pitchFamily="18" charset="-127"/>
-                <a:ea typeface="HY헤드라인M" panose="02030600000101010101" pitchFamily="18" charset="-127"/>
-              </a:rPr>
-              <a:t>가제</a:t>
-            </a:r>
-            <a:r>
-              <a:rPr lang="en-US" altLang="ko-KR" sz="1050" dirty="0">
-                <a:latin typeface="HY헤드라인M" panose="02030600000101010101" pitchFamily="18" charset="-127"/>
-                <a:ea typeface="HY헤드라인M" panose="02030600000101010101" pitchFamily="18" charset="-127"/>
-              </a:rPr>
-              <a:t>)</a:t>
             </a:r>
             <a:endParaRPr lang="ko-KR" altLang="en-US" sz="2800" dirty="0">
               <a:latin typeface="HY헤드라인M" panose="02030600000101010101" pitchFamily="18" charset="-127"/>
@@ -11487,7 +11792,7 @@
         <p:spPr>
           <a:xfrm>
             <a:off x="10207499" y="6283173"/>
-            <a:ext cx="636713" cy="369332"/>
+            <a:ext cx="809837" cy="369332"/>
           </a:xfrm>
           <a:prstGeom prst="rect">
             <a:avLst/>
@@ -11505,7 +11810,7 @@
                 <a:latin typeface="HY헤드라인M" panose="02030600000101010101" pitchFamily="18" charset="-127"/>
                 <a:ea typeface="HY헤드라인M" panose="02030600000101010101" pitchFamily="18" charset="-127"/>
               </a:rPr>
-              <a:t>03/..</a:t>
+              <a:t>03/18</a:t>
             </a:r>
             <a:endParaRPr lang="ko-KR" altLang="en-US" dirty="0">
               <a:latin typeface="HY헤드라인M" panose="02030600000101010101" pitchFamily="18" charset="-127"/>
@@ -11640,7 +11945,7 @@
         <p:spPr>
           <a:xfrm>
             <a:off x="8671112" y="443788"/>
-            <a:ext cx="2287806" cy="523220"/>
+            <a:ext cx="1922321" cy="523220"/>
           </a:xfrm>
           <a:prstGeom prst="rect">
             <a:avLst/>
@@ -11659,27 +11964,6 @@
                 <a:ea typeface="HY헤드라인M" panose="02030600000101010101" pitchFamily="18" charset="-127"/>
               </a:rPr>
               <a:t>The Island</a:t>
-            </a:r>
-            <a:r>
-              <a:rPr lang="en-US" altLang="ko-KR" sz="1050" dirty="0">
-                <a:latin typeface="HY헤드라인M" panose="02030600000101010101" pitchFamily="18" charset="-127"/>
-                <a:ea typeface="HY헤드라인M" panose="02030600000101010101" pitchFamily="18" charset="-127"/>
-              </a:rPr>
-              <a:t>(</a:t>
-            </a:r>
-            <a:r>
-              <a:rPr lang="ko-KR" altLang="en-US" sz="1050" dirty="0">
-                <a:latin typeface="HY헤드라인M" panose="02030600000101010101" pitchFamily="18" charset="-127"/>
-                <a:ea typeface="HY헤드라인M" panose="02030600000101010101" pitchFamily="18" charset="-127"/>
-              </a:rPr>
-              <a:t>가제</a:t>
-            </a:r>
-            <a:r>
-              <a:rPr lang="en-US" altLang="ko-KR" sz="1050" dirty="0">
-                <a:latin typeface="HY헤드라인M" panose="02030600000101010101" pitchFamily="18" charset="-127"/>
-                <a:ea typeface="HY헤드라인M" panose="02030600000101010101" pitchFamily="18" charset="-127"/>
-              </a:rPr>
-              <a:t>)</a:t>
             </a:r>
             <a:endParaRPr lang="ko-KR" altLang="en-US" sz="2800" dirty="0">
               <a:latin typeface="HY헤드라인M" panose="02030600000101010101" pitchFamily="18" charset="-127"/>
@@ -11751,7 +12035,7 @@
         <p:spPr>
           <a:xfrm>
             <a:off x="10207499" y="6283173"/>
-            <a:ext cx="636713" cy="369332"/>
+            <a:ext cx="809837" cy="369332"/>
           </a:xfrm>
           <a:prstGeom prst="rect">
             <a:avLst/>
@@ -11769,7 +12053,7 @@
                 <a:latin typeface="HY헤드라인M" panose="02030600000101010101" pitchFamily="18" charset="-127"/>
                 <a:ea typeface="HY헤드라인M" panose="02030600000101010101" pitchFamily="18" charset="-127"/>
               </a:rPr>
-              <a:t>04/..</a:t>
+              <a:t>04/18</a:t>
             </a:r>
             <a:endParaRPr lang="ko-KR" altLang="en-US" dirty="0">
               <a:latin typeface="HY헤드라인M" panose="02030600000101010101" pitchFamily="18" charset="-127"/>
@@ -12146,7 +12430,7 @@
         <p:spPr>
           <a:xfrm>
             <a:off x="8671112" y="443788"/>
-            <a:ext cx="2287806" cy="523220"/>
+            <a:ext cx="1922321" cy="523220"/>
           </a:xfrm>
           <a:prstGeom prst="rect">
             <a:avLst/>
@@ -12165,27 +12449,6 @@
                 <a:ea typeface="HY헤드라인M" panose="02030600000101010101" pitchFamily="18" charset="-127"/>
               </a:rPr>
               <a:t>The Island</a:t>
-            </a:r>
-            <a:r>
-              <a:rPr lang="en-US" altLang="ko-KR" sz="1050" dirty="0">
-                <a:latin typeface="HY헤드라인M" panose="02030600000101010101" pitchFamily="18" charset="-127"/>
-                <a:ea typeface="HY헤드라인M" panose="02030600000101010101" pitchFamily="18" charset="-127"/>
-              </a:rPr>
-              <a:t>(</a:t>
-            </a:r>
-            <a:r>
-              <a:rPr lang="ko-KR" altLang="en-US" sz="1050" dirty="0">
-                <a:latin typeface="HY헤드라인M" panose="02030600000101010101" pitchFamily="18" charset="-127"/>
-                <a:ea typeface="HY헤드라인M" panose="02030600000101010101" pitchFamily="18" charset="-127"/>
-              </a:rPr>
-              <a:t>가제</a:t>
-            </a:r>
-            <a:r>
-              <a:rPr lang="en-US" altLang="ko-KR" sz="1050" dirty="0">
-                <a:latin typeface="HY헤드라인M" panose="02030600000101010101" pitchFamily="18" charset="-127"/>
-                <a:ea typeface="HY헤드라인M" panose="02030600000101010101" pitchFamily="18" charset="-127"/>
-              </a:rPr>
-              <a:t>)</a:t>
             </a:r>
             <a:endParaRPr lang="ko-KR" altLang="en-US" sz="2800" dirty="0">
               <a:latin typeface="HY헤드라인M" panose="02030600000101010101" pitchFamily="18" charset="-127"/>
@@ -12257,7 +12520,7 @@
         <p:spPr>
           <a:xfrm>
             <a:off x="10207499" y="6283173"/>
-            <a:ext cx="636713" cy="369332"/>
+            <a:ext cx="809837" cy="369332"/>
           </a:xfrm>
           <a:prstGeom prst="rect">
             <a:avLst/>
@@ -12275,7 +12538,7 @@
                 <a:latin typeface="HY헤드라인M" panose="02030600000101010101" pitchFamily="18" charset="-127"/>
                 <a:ea typeface="HY헤드라인M" panose="02030600000101010101" pitchFamily="18" charset="-127"/>
               </a:rPr>
-              <a:t>05/..</a:t>
+              <a:t>05/18</a:t>
             </a:r>
             <a:endParaRPr lang="ko-KR" altLang="en-US" dirty="0">
               <a:latin typeface="HY헤드라인M" panose="02030600000101010101" pitchFamily="18" charset="-127"/>
@@ -12946,7 +13209,7 @@
         <p:spPr>
           <a:xfrm>
             <a:off x="8671112" y="443788"/>
-            <a:ext cx="2287806" cy="523220"/>
+            <a:ext cx="1922321" cy="523220"/>
           </a:xfrm>
           <a:prstGeom prst="rect">
             <a:avLst/>
@@ -12965,27 +13228,6 @@
                 <a:ea typeface="HY헤드라인M" panose="02030600000101010101" pitchFamily="18" charset="-127"/>
               </a:rPr>
               <a:t>The Island</a:t>
-            </a:r>
-            <a:r>
-              <a:rPr lang="en-US" altLang="ko-KR" sz="1050" dirty="0">
-                <a:latin typeface="HY헤드라인M" panose="02030600000101010101" pitchFamily="18" charset="-127"/>
-                <a:ea typeface="HY헤드라인M" panose="02030600000101010101" pitchFamily="18" charset="-127"/>
-              </a:rPr>
-              <a:t>(</a:t>
-            </a:r>
-            <a:r>
-              <a:rPr lang="ko-KR" altLang="en-US" sz="1050" dirty="0">
-                <a:latin typeface="HY헤드라인M" panose="02030600000101010101" pitchFamily="18" charset="-127"/>
-                <a:ea typeface="HY헤드라인M" panose="02030600000101010101" pitchFamily="18" charset="-127"/>
-              </a:rPr>
-              <a:t>가제</a:t>
-            </a:r>
-            <a:r>
-              <a:rPr lang="en-US" altLang="ko-KR" sz="1050" dirty="0">
-                <a:latin typeface="HY헤드라인M" panose="02030600000101010101" pitchFamily="18" charset="-127"/>
-                <a:ea typeface="HY헤드라인M" panose="02030600000101010101" pitchFamily="18" charset="-127"/>
-              </a:rPr>
-              <a:t>)</a:t>
             </a:r>
             <a:endParaRPr lang="ko-KR" altLang="en-US" sz="2800" dirty="0">
               <a:latin typeface="HY헤드라인M" panose="02030600000101010101" pitchFamily="18" charset="-127"/>
@@ -13057,7 +13299,7 @@
         <p:spPr>
           <a:xfrm>
             <a:off x="10207499" y="6283173"/>
-            <a:ext cx="636713" cy="369332"/>
+            <a:ext cx="809837" cy="369332"/>
           </a:xfrm>
           <a:prstGeom prst="rect">
             <a:avLst/>
@@ -13075,7 +13317,7 @@
                 <a:latin typeface="HY헤드라인M" panose="02030600000101010101" pitchFamily="18" charset="-127"/>
                 <a:ea typeface="HY헤드라인M" panose="02030600000101010101" pitchFamily="18" charset="-127"/>
               </a:rPr>
-              <a:t>06/..</a:t>
+              <a:t>06/18</a:t>
             </a:r>
             <a:endParaRPr lang="ko-KR" altLang="en-US" dirty="0">
               <a:latin typeface="HY헤드라인M" panose="02030600000101010101" pitchFamily="18" charset="-127"/>
@@ -13178,7 +13420,7 @@
         <p:spPr>
           <a:xfrm>
             <a:off x="2002569" y="5380799"/>
-            <a:ext cx="8186857" cy="369332"/>
+            <a:ext cx="8186857" cy="646331"/>
           </a:xfrm>
           <a:prstGeom prst="rect">
             <a:avLst/>
@@ -13240,6 +13482,27 @@
               </a:rPr>
               <a:t>300x300m</a:t>
             </a:r>
+          </a:p>
+          <a:p>
+            <a:pPr algn="r"/>
+            <a:r>
+              <a:rPr lang="en-US" altLang="ko-KR" dirty="0">
+                <a:latin typeface="HY견고딕" panose="02030600000101010101" pitchFamily="18" charset="-127"/>
+                <a:ea typeface="HY견고딕" panose="02030600000101010101" pitchFamily="18" charset="-127"/>
+              </a:rPr>
+              <a:t>			1 : 100 </a:t>
+            </a:r>
+            <a:r>
+              <a:rPr lang="ko-KR" altLang="en-US" dirty="0">
+                <a:latin typeface="HY견고딕" panose="02030600000101010101" pitchFamily="18" charset="-127"/>
+                <a:ea typeface="HY견고딕" panose="02030600000101010101" pitchFamily="18" charset="-127"/>
+              </a:rPr>
+              <a:t>비율</a:t>
+            </a:r>
+            <a:endParaRPr lang="en-US" altLang="ko-KR" dirty="0">
+              <a:latin typeface="HY견고딕" panose="02030600000101010101" pitchFamily="18" charset="-127"/>
+              <a:ea typeface="HY견고딕" panose="02030600000101010101" pitchFamily="18" charset="-127"/>
+            </a:endParaRPr>
           </a:p>
         </p:txBody>
       </p:sp>
@@ -13408,7 +13671,7 @@
         <p:spPr>
           <a:xfrm>
             <a:off x="8671112" y="443788"/>
-            <a:ext cx="2287806" cy="523220"/>
+            <a:ext cx="1922321" cy="523220"/>
           </a:xfrm>
           <a:prstGeom prst="rect">
             <a:avLst/>
@@ -13427,27 +13690,6 @@
                 <a:ea typeface="HY헤드라인M" panose="02030600000101010101" pitchFamily="18" charset="-127"/>
               </a:rPr>
               <a:t>The Island</a:t>
-            </a:r>
-            <a:r>
-              <a:rPr lang="en-US" altLang="ko-KR" sz="1050" dirty="0">
-                <a:latin typeface="HY헤드라인M" panose="02030600000101010101" pitchFamily="18" charset="-127"/>
-                <a:ea typeface="HY헤드라인M" panose="02030600000101010101" pitchFamily="18" charset="-127"/>
-              </a:rPr>
-              <a:t>(</a:t>
-            </a:r>
-            <a:r>
-              <a:rPr lang="ko-KR" altLang="en-US" sz="1050" dirty="0">
-                <a:latin typeface="HY헤드라인M" panose="02030600000101010101" pitchFamily="18" charset="-127"/>
-                <a:ea typeface="HY헤드라인M" panose="02030600000101010101" pitchFamily="18" charset="-127"/>
-              </a:rPr>
-              <a:t>가제</a:t>
-            </a:r>
-            <a:r>
-              <a:rPr lang="en-US" altLang="ko-KR" sz="1050" dirty="0">
-                <a:latin typeface="HY헤드라인M" panose="02030600000101010101" pitchFamily="18" charset="-127"/>
-                <a:ea typeface="HY헤드라인M" panose="02030600000101010101" pitchFamily="18" charset="-127"/>
-              </a:rPr>
-              <a:t>)</a:t>
             </a:r>
             <a:endParaRPr lang="ko-KR" altLang="en-US" sz="2800" dirty="0">
               <a:latin typeface="HY헤드라인M" panose="02030600000101010101" pitchFamily="18" charset="-127"/>
@@ -13519,7 +13761,7 @@
         <p:spPr>
           <a:xfrm>
             <a:off x="10207499" y="6283173"/>
-            <a:ext cx="636713" cy="369332"/>
+            <a:ext cx="809837" cy="369332"/>
           </a:xfrm>
           <a:prstGeom prst="rect">
             <a:avLst/>
@@ -13537,7 +13779,7 @@
                 <a:latin typeface="HY헤드라인M" panose="02030600000101010101" pitchFamily="18" charset="-127"/>
                 <a:ea typeface="HY헤드라인M" panose="02030600000101010101" pitchFamily="18" charset="-127"/>
               </a:rPr>
-              <a:t>07/..</a:t>
+              <a:t>07/18</a:t>
             </a:r>
             <a:endParaRPr lang="ko-KR" altLang="en-US" dirty="0">
               <a:latin typeface="HY헤드라인M" panose="02030600000101010101" pitchFamily="18" charset="-127"/>
@@ -13716,7 +13958,21 @@
                 <a:latin typeface="HY견고딕" panose="02030600000101010101" pitchFamily="18" charset="-127"/>
                 <a:ea typeface="HY견고딕" panose="02030600000101010101" pitchFamily="18" charset="-127"/>
               </a:rPr>
-              <a:t>: 1.8m</a:t>
+              <a:t>: 1.8m (</a:t>
+            </a:r>
+            <a:r>
+              <a:rPr lang="ko-KR" altLang="en-US" dirty="0">
+                <a:latin typeface="HY견고딕" panose="02030600000101010101" pitchFamily="18" charset="-127"/>
+                <a:ea typeface="HY견고딕" panose="02030600000101010101" pitchFamily="18" charset="-127"/>
+              </a:rPr>
+              <a:t>높이 </a:t>
+            </a:r>
+            <a:r>
+              <a:rPr lang="en-US" altLang="ko-KR" dirty="0">
+                <a:latin typeface="HY견고딕" panose="02030600000101010101" pitchFamily="18" charset="-127"/>
+                <a:ea typeface="HY견고딕" panose="02030600000101010101" pitchFamily="18" charset="-127"/>
+              </a:rPr>
+              <a:t>: 180)</a:t>
             </a:r>
           </a:p>
           <a:p>
@@ -14087,7 +14343,7 @@
         <p:spPr>
           <a:xfrm>
             <a:off x="8671112" y="443788"/>
-            <a:ext cx="2287806" cy="523220"/>
+            <a:ext cx="1922321" cy="523220"/>
           </a:xfrm>
           <a:prstGeom prst="rect">
             <a:avLst/>
@@ -14106,27 +14362,6 @@
                 <a:ea typeface="HY헤드라인M" panose="02030600000101010101" pitchFamily="18" charset="-127"/>
               </a:rPr>
               <a:t>The Island</a:t>
-            </a:r>
-            <a:r>
-              <a:rPr lang="en-US" altLang="ko-KR" sz="1050" dirty="0">
-                <a:latin typeface="HY헤드라인M" panose="02030600000101010101" pitchFamily="18" charset="-127"/>
-                <a:ea typeface="HY헤드라인M" panose="02030600000101010101" pitchFamily="18" charset="-127"/>
-              </a:rPr>
-              <a:t>(</a:t>
-            </a:r>
-            <a:r>
-              <a:rPr lang="ko-KR" altLang="en-US" sz="1050" dirty="0">
-                <a:latin typeface="HY헤드라인M" panose="02030600000101010101" pitchFamily="18" charset="-127"/>
-                <a:ea typeface="HY헤드라인M" panose="02030600000101010101" pitchFamily="18" charset="-127"/>
-              </a:rPr>
-              <a:t>가제</a:t>
-            </a:r>
-            <a:r>
-              <a:rPr lang="en-US" altLang="ko-KR" sz="1050" dirty="0">
-                <a:latin typeface="HY헤드라인M" panose="02030600000101010101" pitchFamily="18" charset="-127"/>
-                <a:ea typeface="HY헤드라인M" panose="02030600000101010101" pitchFamily="18" charset="-127"/>
-              </a:rPr>
-              <a:t>)</a:t>
             </a:r>
             <a:endParaRPr lang="ko-KR" altLang="en-US" sz="2800" dirty="0">
               <a:latin typeface="HY헤드라인M" panose="02030600000101010101" pitchFamily="18" charset="-127"/>
@@ -14198,7 +14433,7 @@
         <p:spPr>
           <a:xfrm>
             <a:off x="10207499" y="6283173"/>
-            <a:ext cx="636713" cy="369332"/>
+            <a:ext cx="809837" cy="369332"/>
           </a:xfrm>
           <a:prstGeom prst="rect">
             <a:avLst/>
@@ -14216,7 +14451,7 @@
                 <a:latin typeface="HY헤드라인M" panose="02030600000101010101" pitchFamily="18" charset="-127"/>
                 <a:ea typeface="HY헤드라인M" panose="02030600000101010101" pitchFamily="18" charset="-127"/>
               </a:rPr>
-              <a:t>08/..</a:t>
+              <a:t>08/18</a:t>
             </a:r>
             <a:endParaRPr lang="ko-KR" altLang="en-US" dirty="0">
               <a:latin typeface="HY헤드라인M" panose="02030600000101010101" pitchFamily="18" charset="-127"/>
@@ -15448,7 +15683,7 @@
         <p:spPr>
           <a:xfrm>
             <a:off x="8671112" y="443788"/>
-            <a:ext cx="2287806" cy="523220"/>
+            <a:ext cx="1922321" cy="523220"/>
           </a:xfrm>
           <a:prstGeom prst="rect">
             <a:avLst/>
@@ -15467,27 +15702,6 @@
                 <a:ea typeface="HY헤드라인M" panose="02030600000101010101" pitchFamily="18" charset="-127"/>
               </a:rPr>
               <a:t>The Island</a:t>
-            </a:r>
-            <a:r>
-              <a:rPr lang="en-US" altLang="ko-KR" sz="1050" dirty="0">
-                <a:latin typeface="HY헤드라인M" panose="02030600000101010101" pitchFamily="18" charset="-127"/>
-                <a:ea typeface="HY헤드라인M" panose="02030600000101010101" pitchFamily="18" charset="-127"/>
-              </a:rPr>
-              <a:t>(</a:t>
-            </a:r>
-            <a:r>
-              <a:rPr lang="ko-KR" altLang="en-US" sz="1050" dirty="0">
-                <a:latin typeface="HY헤드라인M" panose="02030600000101010101" pitchFamily="18" charset="-127"/>
-                <a:ea typeface="HY헤드라인M" panose="02030600000101010101" pitchFamily="18" charset="-127"/>
-              </a:rPr>
-              <a:t>가제</a:t>
-            </a:r>
-            <a:r>
-              <a:rPr lang="en-US" altLang="ko-KR" sz="1050" dirty="0">
-                <a:latin typeface="HY헤드라인M" panose="02030600000101010101" pitchFamily="18" charset="-127"/>
-                <a:ea typeface="HY헤드라인M" panose="02030600000101010101" pitchFamily="18" charset="-127"/>
-              </a:rPr>
-              <a:t>)</a:t>
             </a:r>
             <a:endParaRPr lang="ko-KR" altLang="en-US" sz="2800" dirty="0">
               <a:latin typeface="HY헤드라인M" panose="02030600000101010101" pitchFamily="18" charset="-127"/>
@@ -15559,7 +15773,7 @@
         <p:spPr>
           <a:xfrm>
             <a:off x="10207499" y="6283173"/>
-            <a:ext cx="636713" cy="369332"/>
+            <a:ext cx="809837" cy="369332"/>
           </a:xfrm>
           <a:prstGeom prst="rect">
             <a:avLst/>
@@ -15577,7 +15791,7 @@
                 <a:latin typeface="HY헤드라인M" panose="02030600000101010101" pitchFamily="18" charset="-127"/>
                 <a:ea typeface="HY헤드라인M" panose="02030600000101010101" pitchFamily="18" charset="-127"/>
               </a:rPr>
-              <a:t>09/..</a:t>
+              <a:t>09/18</a:t>
             </a:r>
             <a:endParaRPr lang="ko-KR" altLang="en-US" dirty="0">
               <a:latin typeface="HY헤드라인M" panose="02030600000101010101" pitchFamily="18" charset="-127"/>

--- a/문서/졸업작품 게임 기획서 초안.pptx
+++ b/문서/졸업작품 게임 기획서 초안.pptx
@@ -236,7 +236,7 @@
               <a:pPr lvl="0">
                 <a:defRPr/>
               </a:pPr>
-              <a:t>2019-11-30</a:t>
+              <a:t>2019-12-02</a:t>
             </a:fld>
             <a:endParaRPr lang="ko-KR" altLang="en-US"/>
           </a:p>
@@ -668,7 +668,7 @@
           <a:p>
             <a:fld id="{733DF88E-EEC7-4590-8394-8F97695D91F0}" type="datetimeFigureOut">
               <a:rPr lang="ko-KR" altLang="en-US" smtClean="0"/>
-              <a:t>2019-11-30</a:t>
+              <a:t>2019-12-02</a:t>
             </a:fld>
             <a:endParaRPr lang="ko-KR" altLang="en-US"/>
           </a:p>
@@ -866,7 +866,7 @@
           <a:p>
             <a:fld id="{733DF88E-EEC7-4590-8394-8F97695D91F0}" type="datetimeFigureOut">
               <a:rPr lang="ko-KR" altLang="en-US" smtClean="0"/>
-              <a:t>2019-11-30</a:t>
+              <a:t>2019-12-02</a:t>
             </a:fld>
             <a:endParaRPr lang="ko-KR" altLang="en-US"/>
           </a:p>
@@ -1074,7 +1074,7 @@
           <a:p>
             <a:fld id="{733DF88E-EEC7-4590-8394-8F97695D91F0}" type="datetimeFigureOut">
               <a:rPr lang="ko-KR" altLang="en-US" smtClean="0"/>
-              <a:t>2019-11-30</a:t>
+              <a:t>2019-12-02</a:t>
             </a:fld>
             <a:endParaRPr lang="ko-KR" altLang="en-US"/>
           </a:p>
@@ -1272,7 +1272,7 @@
           <a:p>
             <a:fld id="{733DF88E-EEC7-4590-8394-8F97695D91F0}" type="datetimeFigureOut">
               <a:rPr lang="ko-KR" altLang="en-US" smtClean="0"/>
-              <a:t>2019-11-30</a:t>
+              <a:t>2019-12-02</a:t>
             </a:fld>
             <a:endParaRPr lang="ko-KR" altLang="en-US"/>
           </a:p>
@@ -1547,7 +1547,7 @@
           <a:p>
             <a:fld id="{733DF88E-EEC7-4590-8394-8F97695D91F0}" type="datetimeFigureOut">
               <a:rPr lang="ko-KR" altLang="en-US" smtClean="0"/>
-              <a:t>2019-11-30</a:t>
+              <a:t>2019-12-02</a:t>
             </a:fld>
             <a:endParaRPr lang="ko-KR" altLang="en-US"/>
           </a:p>
@@ -1812,7 +1812,7 @@
           <a:p>
             <a:fld id="{733DF88E-EEC7-4590-8394-8F97695D91F0}" type="datetimeFigureOut">
               <a:rPr lang="ko-KR" altLang="en-US" smtClean="0"/>
-              <a:t>2019-11-30</a:t>
+              <a:t>2019-12-02</a:t>
             </a:fld>
             <a:endParaRPr lang="ko-KR" altLang="en-US"/>
           </a:p>
@@ -2224,7 +2224,7 @@
           <a:p>
             <a:fld id="{733DF88E-EEC7-4590-8394-8F97695D91F0}" type="datetimeFigureOut">
               <a:rPr lang="ko-KR" altLang="en-US" smtClean="0"/>
-              <a:t>2019-11-30</a:t>
+              <a:t>2019-12-02</a:t>
             </a:fld>
             <a:endParaRPr lang="ko-KR" altLang="en-US"/>
           </a:p>
@@ -2365,7 +2365,7 @@
           <a:p>
             <a:fld id="{733DF88E-EEC7-4590-8394-8F97695D91F0}" type="datetimeFigureOut">
               <a:rPr lang="ko-KR" altLang="en-US" smtClean="0"/>
-              <a:t>2019-11-30</a:t>
+              <a:t>2019-12-02</a:t>
             </a:fld>
             <a:endParaRPr lang="ko-KR" altLang="en-US"/>
           </a:p>
@@ -2478,7 +2478,7 @@
           <a:p>
             <a:fld id="{733DF88E-EEC7-4590-8394-8F97695D91F0}" type="datetimeFigureOut">
               <a:rPr lang="ko-KR" altLang="en-US" smtClean="0"/>
-              <a:t>2019-11-30</a:t>
+              <a:t>2019-12-02</a:t>
             </a:fld>
             <a:endParaRPr lang="ko-KR" altLang="en-US"/>
           </a:p>
@@ -2789,7 +2789,7 @@
           <a:p>
             <a:fld id="{733DF88E-EEC7-4590-8394-8F97695D91F0}" type="datetimeFigureOut">
               <a:rPr lang="ko-KR" altLang="en-US" smtClean="0"/>
-              <a:t>2019-11-30</a:t>
+              <a:t>2019-12-02</a:t>
             </a:fld>
             <a:endParaRPr lang="ko-KR" altLang="en-US"/>
           </a:p>
@@ -3077,7 +3077,7 @@
           <a:p>
             <a:fld id="{733DF88E-EEC7-4590-8394-8F97695D91F0}" type="datetimeFigureOut">
               <a:rPr lang="ko-KR" altLang="en-US" smtClean="0"/>
-              <a:t>2019-11-30</a:t>
+              <a:t>2019-12-02</a:t>
             </a:fld>
             <a:endParaRPr lang="ko-KR" altLang="en-US"/>
           </a:p>
@@ -3318,7 +3318,7 @@
           <a:p>
             <a:fld id="{733DF88E-EEC7-4590-8394-8F97695D91F0}" type="datetimeFigureOut">
               <a:rPr lang="ko-KR" altLang="en-US" smtClean="0"/>
-              <a:t>2019-11-30</a:t>
+              <a:t>2019-12-02</a:t>
             </a:fld>
             <a:endParaRPr lang="ko-KR" altLang="en-US"/>
           </a:p>
@@ -9903,6 +9903,9716 @@
           </a:fontRef>
         </p:style>
       </p:cxnSp>
+      <p:graphicFrame>
+        <p:nvGraphicFramePr>
+          <p:cNvPr id="8" name="표 8">
+            <a:extLst>
+              <a:ext uri="{FF2B5EF4-FFF2-40B4-BE49-F238E27FC236}">
+                <a16:creationId xmlns:a16="http://schemas.microsoft.com/office/drawing/2014/main" id="{6F1ABF0D-E377-465C-91E7-106AAF778AE6}"/>
+              </a:ext>
+            </a:extLst>
+          </p:cNvPr>
+          <p:cNvGraphicFramePr>
+            <a:graphicFrameLocks noGrp="1"/>
+          </p:cNvGraphicFramePr>
+          <p:nvPr>
+            <p:extLst>
+              <p:ext uri="{D42A27DB-BD31-4B8C-83A1-F6EECF244321}">
+                <p14:modId xmlns:p14="http://schemas.microsoft.com/office/powerpoint/2010/main" val="804122472"/>
+              </p:ext>
+            </p:extLst>
+          </p:nvPr>
+        </p:nvGraphicFramePr>
+        <p:xfrm>
+          <a:off x="1060843" y="1711923"/>
+          <a:ext cx="10070312" cy="4192374"/>
+        </p:xfrm>
+        <a:graphic>
+          <a:graphicData uri="http://schemas.openxmlformats.org/drawingml/2006/table">
+            <a:tbl>
+              <a:tblPr firstRow="1" bandRow="1">
+                <a:tableStyleId>{073A0DAA-6AF3-43AB-8588-CEC1D06C72B9}</a:tableStyleId>
+              </a:tblPr>
+              <a:tblGrid>
+                <a:gridCol w="1581778">
+                  <a:extLst>
+                    <a:ext uri="{9D8B030D-6E8A-4147-A177-3AD203B41FA5}">
+                      <a16:colId xmlns:a16="http://schemas.microsoft.com/office/drawing/2014/main" val="561285257"/>
+                    </a:ext>
+                  </a:extLst>
+                </a:gridCol>
+                <a:gridCol w="237411">
+                  <a:extLst>
+                    <a:ext uri="{9D8B030D-6E8A-4147-A177-3AD203B41FA5}">
+                      <a16:colId xmlns:a16="http://schemas.microsoft.com/office/drawing/2014/main" val="3644517398"/>
+                    </a:ext>
+                  </a:extLst>
+                </a:gridCol>
+                <a:gridCol w="208280">
+                  <a:extLst>
+                    <a:ext uri="{9D8B030D-6E8A-4147-A177-3AD203B41FA5}">
+                      <a16:colId xmlns:a16="http://schemas.microsoft.com/office/drawing/2014/main" val="635097394"/>
+                    </a:ext>
+                  </a:extLst>
+                </a:gridCol>
+                <a:gridCol w="237411">
+                  <a:extLst>
+                    <a:ext uri="{9D8B030D-6E8A-4147-A177-3AD203B41FA5}">
+                      <a16:colId xmlns:a16="http://schemas.microsoft.com/office/drawing/2014/main" val="1173372316"/>
+                    </a:ext>
+                  </a:extLst>
+                </a:gridCol>
+                <a:gridCol w="237411">
+                  <a:extLst>
+                    <a:ext uri="{9D8B030D-6E8A-4147-A177-3AD203B41FA5}">
+                      <a16:colId xmlns:a16="http://schemas.microsoft.com/office/drawing/2014/main" val="2396903522"/>
+                    </a:ext>
+                  </a:extLst>
+                </a:gridCol>
+                <a:gridCol w="208280">
+                  <a:extLst>
+                    <a:ext uri="{9D8B030D-6E8A-4147-A177-3AD203B41FA5}">
+                      <a16:colId xmlns:a16="http://schemas.microsoft.com/office/drawing/2014/main" val="852608590"/>
+                    </a:ext>
+                  </a:extLst>
+                </a:gridCol>
+                <a:gridCol w="237411">
+                  <a:extLst>
+                    <a:ext uri="{9D8B030D-6E8A-4147-A177-3AD203B41FA5}">
+                      <a16:colId xmlns:a16="http://schemas.microsoft.com/office/drawing/2014/main" val="466871491"/>
+                    </a:ext>
+                  </a:extLst>
+                </a:gridCol>
+                <a:gridCol w="237411">
+                  <a:extLst>
+                    <a:ext uri="{9D8B030D-6E8A-4147-A177-3AD203B41FA5}">
+                      <a16:colId xmlns:a16="http://schemas.microsoft.com/office/drawing/2014/main" val="2720229515"/>
+                    </a:ext>
+                  </a:extLst>
+                </a:gridCol>
+                <a:gridCol w="266542">
+                  <a:extLst>
+                    <a:ext uri="{9D8B030D-6E8A-4147-A177-3AD203B41FA5}">
+                      <a16:colId xmlns:a16="http://schemas.microsoft.com/office/drawing/2014/main" val="3595459252"/>
+                    </a:ext>
+                  </a:extLst>
+                </a:gridCol>
+                <a:gridCol w="208280">
+                  <a:extLst>
+                    <a:ext uri="{9D8B030D-6E8A-4147-A177-3AD203B41FA5}">
+                      <a16:colId xmlns:a16="http://schemas.microsoft.com/office/drawing/2014/main" val="1410959458"/>
+                    </a:ext>
+                  </a:extLst>
+                </a:gridCol>
+                <a:gridCol w="237411">
+                  <a:extLst>
+                    <a:ext uri="{9D8B030D-6E8A-4147-A177-3AD203B41FA5}">
+                      <a16:colId xmlns:a16="http://schemas.microsoft.com/office/drawing/2014/main" val="1788443742"/>
+                    </a:ext>
+                  </a:extLst>
+                </a:gridCol>
+                <a:gridCol w="237411">
+                  <a:extLst>
+                    <a:ext uri="{9D8B030D-6E8A-4147-A177-3AD203B41FA5}">
+                      <a16:colId xmlns:a16="http://schemas.microsoft.com/office/drawing/2014/main" val="3571818742"/>
+                    </a:ext>
+                  </a:extLst>
+                </a:gridCol>
+                <a:gridCol w="266542">
+                  <a:extLst>
+                    <a:ext uri="{9D8B030D-6E8A-4147-A177-3AD203B41FA5}">
+                      <a16:colId xmlns:a16="http://schemas.microsoft.com/office/drawing/2014/main" val="2021275623"/>
+                    </a:ext>
+                  </a:extLst>
+                </a:gridCol>
+                <a:gridCol w="208280">
+                  <a:extLst>
+                    <a:ext uri="{9D8B030D-6E8A-4147-A177-3AD203B41FA5}">
+                      <a16:colId xmlns:a16="http://schemas.microsoft.com/office/drawing/2014/main" val="2085706945"/>
+                    </a:ext>
+                  </a:extLst>
+                </a:gridCol>
+                <a:gridCol w="237411">
+                  <a:extLst>
+                    <a:ext uri="{9D8B030D-6E8A-4147-A177-3AD203B41FA5}">
+                      <a16:colId xmlns:a16="http://schemas.microsoft.com/office/drawing/2014/main" val="3428328875"/>
+                    </a:ext>
+                  </a:extLst>
+                </a:gridCol>
+                <a:gridCol w="237411">
+                  <a:extLst>
+                    <a:ext uri="{9D8B030D-6E8A-4147-A177-3AD203B41FA5}">
+                      <a16:colId xmlns:a16="http://schemas.microsoft.com/office/drawing/2014/main" val="697694373"/>
+                    </a:ext>
+                  </a:extLst>
+                </a:gridCol>
+                <a:gridCol w="266542">
+                  <a:extLst>
+                    <a:ext uri="{9D8B030D-6E8A-4147-A177-3AD203B41FA5}">
+                      <a16:colId xmlns:a16="http://schemas.microsoft.com/office/drawing/2014/main" val="3758131835"/>
+                    </a:ext>
+                  </a:extLst>
+                </a:gridCol>
+                <a:gridCol w="208280">
+                  <a:extLst>
+                    <a:ext uri="{9D8B030D-6E8A-4147-A177-3AD203B41FA5}">
+                      <a16:colId xmlns:a16="http://schemas.microsoft.com/office/drawing/2014/main" val="1622781749"/>
+                    </a:ext>
+                  </a:extLst>
+                </a:gridCol>
+                <a:gridCol w="237411">
+                  <a:extLst>
+                    <a:ext uri="{9D8B030D-6E8A-4147-A177-3AD203B41FA5}">
+                      <a16:colId xmlns:a16="http://schemas.microsoft.com/office/drawing/2014/main" val="3359928151"/>
+                    </a:ext>
+                  </a:extLst>
+                </a:gridCol>
+                <a:gridCol w="237411">
+                  <a:extLst>
+                    <a:ext uri="{9D8B030D-6E8A-4147-A177-3AD203B41FA5}">
+                      <a16:colId xmlns:a16="http://schemas.microsoft.com/office/drawing/2014/main" val="3087717044"/>
+                    </a:ext>
+                  </a:extLst>
+                </a:gridCol>
+                <a:gridCol w="266542">
+                  <a:extLst>
+                    <a:ext uri="{9D8B030D-6E8A-4147-A177-3AD203B41FA5}">
+                      <a16:colId xmlns:a16="http://schemas.microsoft.com/office/drawing/2014/main" val="1721004168"/>
+                    </a:ext>
+                  </a:extLst>
+                </a:gridCol>
+                <a:gridCol w="208280">
+                  <a:extLst>
+                    <a:ext uri="{9D8B030D-6E8A-4147-A177-3AD203B41FA5}">
+                      <a16:colId xmlns:a16="http://schemas.microsoft.com/office/drawing/2014/main" val="1618156094"/>
+                    </a:ext>
+                  </a:extLst>
+                </a:gridCol>
+                <a:gridCol w="237411">
+                  <a:extLst>
+                    <a:ext uri="{9D8B030D-6E8A-4147-A177-3AD203B41FA5}">
+                      <a16:colId xmlns:a16="http://schemas.microsoft.com/office/drawing/2014/main" val="4158675799"/>
+                    </a:ext>
+                  </a:extLst>
+                </a:gridCol>
+                <a:gridCol w="237411">
+                  <a:extLst>
+                    <a:ext uri="{9D8B030D-6E8A-4147-A177-3AD203B41FA5}">
+                      <a16:colId xmlns:a16="http://schemas.microsoft.com/office/drawing/2014/main" val="2117525698"/>
+                    </a:ext>
+                  </a:extLst>
+                </a:gridCol>
+                <a:gridCol w="266542">
+                  <a:extLst>
+                    <a:ext uri="{9D8B030D-6E8A-4147-A177-3AD203B41FA5}">
+                      <a16:colId xmlns:a16="http://schemas.microsoft.com/office/drawing/2014/main" val="3323390971"/>
+                    </a:ext>
+                  </a:extLst>
+                </a:gridCol>
+                <a:gridCol w="208280">
+                  <a:extLst>
+                    <a:ext uri="{9D8B030D-6E8A-4147-A177-3AD203B41FA5}">
+                      <a16:colId xmlns:a16="http://schemas.microsoft.com/office/drawing/2014/main" val="1025663504"/>
+                    </a:ext>
+                  </a:extLst>
+                </a:gridCol>
+                <a:gridCol w="237411">
+                  <a:extLst>
+                    <a:ext uri="{9D8B030D-6E8A-4147-A177-3AD203B41FA5}">
+                      <a16:colId xmlns:a16="http://schemas.microsoft.com/office/drawing/2014/main" val="2219845383"/>
+                    </a:ext>
+                  </a:extLst>
+                </a:gridCol>
+                <a:gridCol w="237411">
+                  <a:extLst>
+                    <a:ext uri="{9D8B030D-6E8A-4147-A177-3AD203B41FA5}">
+                      <a16:colId xmlns:a16="http://schemas.microsoft.com/office/drawing/2014/main" val="194970081"/>
+                    </a:ext>
+                  </a:extLst>
+                </a:gridCol>
+                <a:gridCol w="266542">
+                  <a:extLst>
+                    <a:ext uri="{9D8B030D-6E8A-4147-A177-3AD203B41FA5}">
+                      <a16:colId xmlns:a16="http://schemas.microsoft.com/office/drawing/2014/main" val="1935171889"/>
+                    </a:ext>
+                  </a:extLst>
+                </a:gridCol>
+                <a:gridCol w="208280">
+                  <a:extLst>
+                    <a:ext uri="{9D8B030D-6E8A-4147-A177-3AD203B41FA5}">
+                      <a16:colId xmlns:a16="http://schemas.microsoft.com/office/drawing/2014/main" val="3242123684"/>
+                    </a:ext>
+                  </a:extLst>
+                </a:gridCol>
+                <a:gridCol w="237411">
+                  <a:extLst>
+                    <a:ext uri="{9D8B030D-6E8A-4147-A177-3AD203B41FA5}">
+                      <a16:colId xmlns:a16="http://schemas.microsoft.com/office/drawing/2014/main" val="1210057126"/>
+                    </a:ext>
+                  </a:extLst>
+                </a:gridCol>
+                <a:gridCol w="237411">
+                  <a:extLst>
+                    <a:ext uri="{9D8B030D-6E8A-4147-A177-3AD203B41FA5}">
+                      <a16:colId xmlns:a16="http://schemas.microsoft.com/office/drawing/2014/main" val="2799658736"/>
+                    </a:ext>
+                  </a:extLst>
+                </a:gridCol>
+                <a:gridCol w="266542">
+                  <a:extLst>
+                    <a:ext uri="{9D8B030D-6E8A-4147-A177-3AD203B41FA5}">
+                      <a16:colId xmlns:a16="http://schemas.microsoft.com/office/drawing/2014/main" val="2305439861"/>
+                    </a:ext>
+                  </a:extLst>
+                </a:gridCol>
+                <a:gridCol w="208280">
+                  <a:extLst>
+                    <a:ext uri="{9D8B030D-6E8A-4147-A177-3AD203B41FA5}">
+                      <a16:colId xmlns:a16="http://schemas.microsoft.com/office/drawing/2014/main" val="2673586579"/>
+                    </a:ext>
+                  </a:extLst>
+                </a:gridCol>
+                <a:gridCol w="237411">
+                  <a:extLst>
+                    <a:ext uri="{9D8B030D-6E8A-4147-A177-3AD203B41FA5}">
+                      <a16:colId xmlns:a16="http://schemas.microsoft.com/office/drawing/2014/main" val="347145198"/>
+                    </a:ext>
+                  </a:extLst>
+                </a:gridCol>
+                <a:gridCol w="237411">
+                  <a:extLst>
+                    <a:ext uri="{9D8B030D-6E8A-4147-A177-3AD203B41FA5}">
+                      <a16:colId xmlns:a16="http://schemas.microsoft.com/office/drawing/2014/main" val="3806155372"/>
+                    </a:ext>
+                  </a:extLst>
+                </a:gridCol>
+                <a:gridCol w="237411">
+                  <a:extLst>
+                    <a:ext uri="{9D8B030D-6E8A-4147-A177-3AD203B41FA5}">
+                      <a16:colId xmlns:a16="http://schemas.microsoft.com/office/drawing/2014/main" val="3996996359"/>
+                    </a:ext>
+                  </a:extLst>
+                </a:gridCol>
+              </a:tblGrid>
+              <a:tr h="351894">
+                <a:tc>
+                  <a:txBody>
+                    <a:bodyPr/>
+                    <a:lstStyle/>
+                    <a:p>
+                      <a:pPr algn="ctr" latinLnBrk="1"/>
+                      <a:r>
+                        <a:rPr lang="ko-KR" altLang="en-US" dirty="0"/>
+                        <a:t>항목</a:t>
+                      </a:r>
+                    </a:p>
+                  </a:txBody>
+                  <a:tcPr marL="0" marR="0" marT="0" marB="0"/>
+                </a:tc>
+                <a:tc gridSpan="4">
+                  <a:txBody>
+                    <a:bodyPr/>
+                    <a:lstStyle/>
+                    <a:p>
+                      <a:pPr algn="ctr" latinLnBrk="1"/>
+                      <a:r>
+                        <a:rPr lang="en-US" altLang="ko-KR" dirty="0"/>
+                        <a:t>12</a:t>
+                      </a:r>
+                      <a:r>
+                        <a:rPr lang="ko-KR" altLang="en-US" dirty="0"/>
+                        <a:t>월</a:t>
+                      </a:r>
+                    </a:p>
+                  </a:txBody>
+                  <a:tcPr marL="0" marR="0" marT="0" marB="0"/>
+                </a:tc>
+                <a:tc hMerge="1">
+                  <a:txBody>
+                    <a:bodyPr/>
+                    <a:lstStyle/>
+                    <a:p>
+                      <a:pPr latinLnBrk="1"/>
+                      <a:endParaRPr lang="ko-KR" altLang="en-US"/>
+                    </a:p>
+                  </a:txBody>
+                  <a:tcPr/>
+                </a:tc>
+                <a:tc hMerge="1">
+                  <a:txBody>
+                    <a:bodyPr/>
+                    <a:lstStyle/>
+                    <a:p>
+                      <a:pPr latinLnBrk="1"/>
+                      <a:endParaRPr lang="ko-KR" altLang="en-US"/>
+                    </a:p>
+                  </a:txBody>
+                  <a:tcPr/>
+                </a:tc>
+                <a:tc hMerge="1">
+                  <a:txBody>
+                    <a:bodyPr/>
+                    <a:lstStyle/>
+                    <a:p>
+                      <a:pPr latinLnBrk="1"/>
+                      <a:endParaRPr lang="ko-KR" altLang="en-US"/>
+                    </a:p>
+                  </a:txBody>
+                  <a:tcPr/>
+                </a:tc>
+                <a:tc gridSpan="4">
+                  <a:txBody>
+                    <a:bodyPr/>
+                    <a:lstStyle/>
+                    <a:p>
+                      <a:pPr algn="ctr" latinLnBrk="1"/>
+                      <a:r>
+                        <a:rPr lang="en-US" altLang="ko-KR" dirty="0"/>
+                        <a:t>1</a:t>
+                      </a:r>
+                      <a:r>
+                        <a:rPr lang="ko-KR" altLang="en-US" dirty="0"/>
+                        <a:t>월</a:t>
+                      </a:r>
+                    </a:p>
+                  </a:txBody>
+                  <a:tcPr marL="0" marR="0" marT="0" marB="0"/>
+                </a:tc>
+                <a:tc hMerge="1">
+                  <a:txBody>
+                    <a:bodyPr/>
+                    <a:lstStyle/>
+                    <a:p>
+                      <a:pPr latinLnBrk="1"/>
+                      <a:endParaRPr lang="ko-KR" altLang="en-US"/>
+                    </a:p>
+                  </a:txBody>
+                  <a:tcPr/>
+                </a:tc>
+                <a:tc hMerge="1">
+                  <a:txBody>
+                    <a:bodyPr/>
+                    <a:lstStyle/>
+                    <a:p>
+                      <a:pPr latinLnBrk="1"/>
+                      <a:endParaRPr lang="ko-KR" altLang="en-US"/>
+                    </a:p>
+                  </a:txBody>
+                  <a:tcPr/>
+                </a:tc>
+                <a:tc hMerge="1">
+                  <a:txBody>
+                    <a:bodyPr/>
+                    <a:lstStyle/>
+                    <a:p>
+                      <a:pPr latinLnBrk="1"/>
+                      <a:endParaRPr lang="ko-KR" altLang="en-US"/>
+                    </a:p>
+                  </a:txBody>
+                  <a:tcPr/>
+                </a:tc>
+                <a:tc gridSpan="4">
+                  <a:txBody>
+                    <a:bodyPr/>
+                    <a:lstStyle/>
+                    <a:p>
+                      <a:pPr algn="ctr" latinLnBrk="1"/>
+                      <a:r>
+                        <a:rPr lang="en-US" altLang="ko-KR" dirty="0"/>
+                        <a:t>2</a:t>
+                      </a:r>
+                      <a:r>
+                        <a:rPr lang="ko-KR" altLang="en-US" dirty="0"/>
+                        <a:t>월</a:t>
+                      </a:r>
+                    </a:p>
+                  </a:txBody>
+                  <a:tcPr marL="0" marR="0" marT="0" marB="0"/>
+                </a:tc>
+                <a:tc hMerge="1">
+                  <a:txBody>
+                    <a:bodyPr/>
+                    <a:lstStyle/>
+                    <a:p>
+                      <a:pPr latinLnBrk="1"/>
+                      <a:endParaRPr lang="ko-KR" altLang="en-US"/>
+                    </a:p>
+                  </a:txBody>
+                  <a:tcPr/>
+                </a:tc>
+                <a:tc hMerge="1">
+                  <a:txBody>
+                    <a:bodyPr/>
+                    <a:lstStyle/>
+                    <a:p>
+                      <a:pPr latinLnBrk="1"/>
+                      <a:endParaRPr lang="ko-KR" altLang="en-US"/>
+                    </a:p>
+                  </a:txBody>
+                  <a:tcPr/>
+                </a:tc>
+                <a:tc hMerge="1">
+                  <a:txBody>
+                    <a:bodyPr/>
+                    <a:lstStyle/>
+                    <a:p>
+                      <a:pPr latinLnBrk="1"/>
+                      <a:endParaRPr lang="ko-KR" altLang="en-US"/>
+                    </a:p>
+                  </a:txBody>
+                  <a:tcPr/>
+                </a:tc>
+                <a:tc gridSpan="4">
+                  <a:txBody>
+                    <a:bodyPr/>
+                    <a:lstStyle/>
+                    <a:p>
+                      <a:pPr algn="ctr" latinLnBrk="1"/>
+                      <a:r>
+                        <a:rPr lang="en-US" altLang="ko-KR" dirty="0"/>
+                        <a:t>3</a:t>
+                      </a:r>
+                      <a:r>
+                        <a:rPr lang="ko-KR" altLang="en-US" dirty="0"/>
+                        <a:t>월</a:t>
+                      </a:r>
+                    </a:p>
+                  </a:txBody>
+                  <a:tcPr marL="0" marR="0" marT="0" marB="0"/>
+                </a:tc>
+                <a:tc hMerge="1">
+                  <a:txBody>
+                    <a:bodyPr/>
+                    <a:lstStyle/>
+                    <a:p>
+                      <a:pPr latinLnBrk="1"/>
+                      <a:endParaRPr lang="ko-KR" altLang="en-US"/>
+                    </a:p>
+                  </a:txBody>
+                  <a:tcPr/>
+                </a:tc>
+                <a:tc hMerge="1">
+                  <a:txBody>
+                    <a:bodyPr/>
+                    <a:lstStyle/>
+                    <a:p>
+                      <a:pPr latinLnBrk="1"/>
+                      <a:endParaRPr lang="ko-KR" altLang="en-US"/>
+                    </a:p>
+                  </a:txBody>
+                  <a:tcPr/>
+                </a:tc>
+                <a:tc hMerge="1">
+                  <a:txBody>
+                    <a:bodyPr/>
+                    <a:lstStyle/>
+                    <a:p>
+                      <a:pPr latinLnBrk="1"/>
+                      <a:endParaRPr lang="ko-KR" altLang="en-US"/>
+                    </a:p>
+                  </a:txBody>
+                  <a:tcPr/>
+                </a:tc>
+                <a:tc gridSpan="4">
+                  <a:txBody>
+                    <a:bodyPr/>
+                    <a:lstStyle/>
+                    <a:p>
+                      <a:pPr algn="ctr" latinLnBrk="1"/>
+                      <a:r>
+                        <a:rPr lang="en-US" altLang="ko-KR" dirty="0"/>
+                        <a:t>4</a:t>
+                      </a:r>
+                      <a:r>
+                        <a:rPr lang="ko-KR" altLang="en-US" dirty="0"/>
+                        <a:t>월</a:t>
+                      </a:r>
+                    </a:p>
+                  </a:txBody>
+                  <a:tcPr marL="0" marR="0" marT="0" marB="0"/>
+                </a:tc>
+                <a:tc hMerge="1">
+                  <a:txBody>
+                    <a:bodyPr/>
+                    <a:lstStyle/>
+                    <a:p>
+                      <a:pPr latinLnBrk="1"/>
+                      <a:endParaRPr lang="ko-KR" altLang="en-US"/>
+                    </a:p>
+                  </a:txBody>
+                  <a:tcPr/>
+                </a:tc>
+                <a:tc hMerge="1">
+                  <a:txBody>
+                    <a:bodyPr/>
+                    <a:lstStyle/>
+                    <a:p>
+                      <a:pPr latinLnBrk="1"/>
+                      <a:endParaRPr lang="ko-KR" altLang="en-US"/>
+                    </a:p>
+                  </a:txBody>
+                  <a:tcPr/>
+                </a:tc>
+                <a:tc hMerge="1">
+                  <a:txBody>
+                    <a:bodyPr/>
+                    <a:lstStyle/>
+                    <a:p>
+                      <a:pPr latinLnBrk="1"/>
+                      <a:endParaRPr lang="ko-KR" altLang="en-US"/>
+                    </a:p>
+                  </a:txBody>
+                  <a:tcPr/>
+                </a:tc>
+                <a:tc gridSpan="4">
+                  <a:txBody>
+                    <a:bodyPr/>
+                    <a:lstStyle/>
+                    <a:p>
+                      <a:pPr algn="ctr" latinLnBrk="1"/>
+                      <a:r>
+                        <a:rPr lang="en-US" altLang="ko-KR" dirty="0"/>
+                        <a:t>5</a:t>
+                      </a:r>
+                      <a:r>
+                        <a:rPr lang="ko-KR" altLang="en-US" dirty="0"/>
+                        <a:t>월</a:t>
+                      </a:r>
+                    </a:p>
+                  </a:txBody>
+                  <a:tcPr marL="0" marR="0" marT="0" marB="0"/>
+                </a:tc>
+                <a:tc hMerge="1">
+                  <a:txBody>
+                    <a:bodyPr/>
+                    <a:lstStyle/>
+                    <a:p>
+                      <a:pPr latinLnBrk="1"/>
+                      <a:endParaRPr lang="ko-KR" altLang="en-US"/>
+                    </a:p>
+                  </a:txBody>
+                  <a:tcPr/>
+                </a:tc>
+                <a:tc hMerge="1">
+                  <a:txBody>
+                    <a:bodyPr/>
+                    <a:lstStyle/>
+                    <a:p>
+                      <a:pPr latinLnBrk="1"/>
+                      <a:endParaRPr lang="ko-KR" altLang="en-US"/>
+                    </a:p>
+                  </a:txBody>
+                  <a:tcPr/>
+                </a:tc>
+                <a:tc hMerge="1">
+                  <a:txBody>
+                    <a:bodyPr/>
+                    <a:lstStyle/>
+                    <a:p>
+                      <a:pPr latinLnBrk="1"/>
+                      <a:endParaRPr lang="ko-KR" altLang="en-US"/>
+                    </a:p>
+                  </a:txBody>
+                  <a:tcPr/>
+                </a:tc>
+                <a:tc gridSpan="4">
+                  <a:txBody>
+                    <a:bodyPr/>
+                    <a:lstStyle/>
+                    <a:p>
+                      <a:pPr algn="ctr" latinLnBrk="1"/>
+                      <a:r>
+                        <a:rPr lang="en-US" altLang="ko-KR" dirty="0"/>
+                        <a:t>6</a:t>
+                      </a:r>
+                      <a:r>
+                        <a:rPr lang="ko-KR" altLang="en-US" dirty="0"/>
+                        <a:t>월</a:t>
+                      </a:r>
+                    </a:p>
+                  </a:txBody>
+                  <a:tcPr marL="0" marR="0" marT="0" marB="0"/>
+                </a:tc>
+                <a:tc hMerge="1">
+                  <a:txBody>
+                    <a:bodyPr/>
+                    <a:lstStyle/>
+                    <a:p>
+                      <a:pPr latinLnBrk="1"/>
+                      <a:endParaRPr lang="ko-KR" altLang="en-US"/>
+                    </a:p>
+                  </a:txBody>
+                  <a:tcPr/>
+                </a:tc>
+                <a:tc hMerge="1">
+                  <a:txBody>
+                    <a:bodyPr/>
+                    <a:lstStyle/>
+                    <a:p>
+                      <a:pPr latinLnBrk="1"/>
+                      <a:endParaRPr lang="ko-KR" altLang="en-US"/>
+                    </a:p>
+                  </a:txBody>
+                  <a:tcPr/>
+                </a:tc>
+                <a:tc hMerge="1">
+                  <a:txBody>
+                    <a:bodyPr/>
+                    <a:lstStyle/>
+                    <a:p>
+                      <a:pPr latinLnBrk="1"/>
+                      <a:endParaRPr lang="ko-KR" altLang="en-US"/>
+                    </a:p>
+                  </a:txBody>
+                  <a:tcPr/>
+                </a:tc>
+                <a:tc gridSpan="4">
+                  <a:txBody>
+                    <a:bodyPr/>
+                    <a:lstStyle/>
+                    <a:p>
+                      <a:pPr algn="ctr" latinLnBrk="1"/>
+                      <a:r>
+                        <a:rPr lang="en-US" altLang="ko-KR" dirty="0"/>
+                        <a:t>7</a:t>
+                      </a:r>
+                      <a:r>
+                        <a:rPr lang="ko-KR" altLang="en-US" dirty="0"/>
+                        <a:t>월</a:t>
+                      </a:r>
+                    </a:p>
+                  </a:txBody>
+                  <a:tcPr marL="0" marR="0" marT="0" marB="0"/>
+                </a:tc>
+                <a:tc hMerge="1">
+                  <a:txBody>
+                    <a:bodyPr/>
+                    <a:lstStyle/>
+                    <a:p>
+                      <a:pPr latinLnBrk="1"/>
+                      <a:endParaRPr lang="ko-KR" altLang="en-US"/>
+                    </a:p>
+                  </a:txBody>
+                  <a:tcPr/>
+                </a:tc>
+                <a:tc hMerge="1">
+                  <a:txBody>
+                    <a:bodyPr/>
+                    <a:lstStyle/>
+                    <a:p>
+                      <a:pPr latinLnBrk="1"/>
+                      <a:endParaRPr lang="ko-KR" altLang="en-US"/>
+                    </a:p>
+                  </a:txBody>
+                  <a:tcPr/>
+                </a:tc>
+                <a:tc hMerge="1">
+                  <a:txBody>
+                    <a:bodyPr/>
+                    <a:lstStyle/>
+                    <a:p>
+                      <a:pPr latinLnBrk="1"/>
+                      <a:endParaRPr lang="ko-KR" altLang="en-US"/>
+                    </a:p>
+                  </a:txBody>
+                  <a:tcPr/>
+                </a:tc>
+                <a:tc gridSpan="4">
+                  <a:txBody>
+                    <a:bodyPr/>
+                    <a:lstStyle/>
+                    <a:p>
+                      <a:pPr algn="ctr" latinLnBrk="1"/>
+                      <a:r>
+                        <a:rPr lang="en-US" altLang="ko-KR" dirty="0"/>
+                        <a:t>8</a:t>
+                      </a:r>
+                      <a:r>
+                        <a:rPr lang="ko-KR" altLang="en-US" dirty="0"/>
+                        <a:t>월</a:t>
+                      </a:r>
+                    </a:p>
+                  </a:txBody>
+                  <a:tcPr marL="0" marR="0" marT="0" marB="0"/>
+                </a:tc>
+                <a:tc hMerge="1">
+                  <a:txBody>
+                    <a:bodyPr/>
+                    <a:lstStyle/>
+                    <a:p>
+                      <a:pPr latinLnBrk="1"/>
+                      <a:endParaRPr lang="ko-KR" altLang="en-US"/>
+                    </a:p>
+                  </a:txBody>
+                  <a:tcPr/>
+                </a:tc>
+                <a:tc hMerge="1">
+                  <a:txBody>
+                    <a:bodyPr/>
+                    <a:lstStyle/>
+                    <a:p>
+                      <a:pPr latinLnBrk="1"/>
+                      <a:endParaRPr lang="ko-KR" altLang="en-US"/>
+                    </a:p>
+                  </a:txBody>
+                  <a:tcPr/>
+                </a:tc>
+                <a:tc hMerge="1">
+                  <a:txBody>
+                    <a:bodyPr/>
+                    <a:lstStyle/>
+                    <a:p>
+                      <a:pPr latinLnBrk="1"/>
+                      <a:endParaRPr lang="ko-KR" altLang="en-US"/>
+                    </a:p>
+                  </a:txBody>
+                  <a:tcPr/>
+                </a:tc>
+                <a:extLst>
+                  <a:ext uri="{0D108BD9-81ED-4DB2-BD59-A6C34878D82A}">
+                    <a16:rowId xmlns:a16="http://schemas.microsoft.com/office/drawing/2014/main" val="1121721138"/>
+                  </a:ext>
+                </a:extLst>
+              </a:tr>
+              <a:tr h="0">
+                <a:tc>
+                  <a:txBody>
+                    <a:bodyPr/>
+                    <a:lstStyle/>
+                    <a:p>
+                      <a:pPr algn="ctr" latinLnBrk="1"/>
+                      <a:r>
+                        <a:rPr lang="ko-KR" altLang="en-US" sz="1000" dirty="0">
+                          <a:latin typeface="맑은 고딕" panose="020B0503020000020004" pitchFamily="50" charset="-127"/>
+                          <a:ea typeface="맑은 고딕" panose="020B0503020000020004" pitchFamily="50" charset="-127"/>
+                        </a:rPr>
+                        <a:t>레벨 디자인</a:t>
+                      </a:r>
+                    </a:p>
+                  </a:txBody>
+                  <a:tcPr marL="0" marR="0" marT="0" marB="0"/>
+                </a:tc>
+                <a:tc>
+                  <a:txBody>
+                    <a:bodyPr/>
+                    <a:lstStyle/>
+                    <a:p>
+                      <a:pPr latinLnBrk="1"/>
+                      <a:endParaRPr lang="ko-KR" altLang="en-US" sz="1200"/>
+                    </a:p>
+                  </a:txBody>
+                  <a:tcPr marL="0" marR="0" marT="0" marB="0"/>
+                </a:tc>
+                <a:tc>
+                  <a:txBody>
+                    <a:bodyPr/>
+                    <a:lstStyle/>
+                    <a:p>
+                      <a:pPr latinLnBrk="1"/>
+                      <a:endParaRPr lang="ko-KR" altLang="en-US" sz="1200" dirty="0"/>
+                    </a:p>
+                  </a:txBody>
+                  <a:tcPr marL="0" marR="0" marT="0" marB="0"/>
+                </a:tc>
+                <a:tc>
+                  <a:txBody>
+                    <a:bodyPr/>
+                    <a:lstStyle/>
+                    <a:p>
+                      <a:pPr latinLnBrk="1"/>
+                      <a:endParaRPr lang="ko-KR" altLang="en-US" sz="1200"/>
+                    </a:p>
+                  </a:txBody>
+                  <a:tcPr marL="0" marR="0" marT="0" marB="0"/>
+                </a:tc>
+                <a:tc>
+                  <a:txBody>
+                    <a:bodyPr/>
+                    <a:lstStyle/>
+                    <a:p>
+                      <a:pPr latinLnBrk="1"/>
+                      <a:endParaRPr lang="ko-KR" altLang="en-US" sz="1200"/>
+                    </a:p>
+                  </a:txBody>
+                  <a:tcPr marL="0" marR="0" marT="0" marB="0"/>
+                </a:tc>
+                <a:tc>
+                  <a:txBody>
+                    <a:bodyPr/>
+                    <a:lstStyle/>
+                    <a:p>
+                      <a:pPr latinLnBrk="1"/>
+                      <a:endParaRPr lang="ko-KR" altLang="en-US" sz="1200" dirty="0"/>
+                    </a:p>
+                  </a:txBody>
+                  <a:tcPr marL="0" marR="0" marT="0" marB="0"/>
+                </a:tc>
+                <a:tc>
+                  <a:txBody>
+                    <a:bodyPr/>
+                    <a:lstStyle/>
+                    <a:p>
+                      <a:pPr latinLnBrk="1"/>
+                      <a:endParaRPr lang="ko-KR" altLang="en-US" sz="1200" dirty="0"/>
+                    </a:p>
+                  </a:txBody>
+                  <a:tcPr marL="0" marR="0" marT="0" marB="0"/>
+                </a:tc>
+                <a:tc>
+                  <a:txBody>
+                    <a:bodyPr/>
+                    <a:lstStyle/>
+                    <a:p>
+                      <a:pPr latinLnBrk="1"/>
+                      <a:endParaRPr lang="ko-KR" altLang="en-US" sz="1200" dirty="0"/>
+                    </a:p>
+                  </a:txBody>
+                  <a:tcPr marL="0" marR="0" marT="0" marB="0"/>
+                </a:tc>
+                <a:tc>
+                  <a:txBody>
+                    <a:bodyPr/>
+                    <a:lstStyle/>
+                    <a:p>
+                      <a:pPr latinLnBrk="1"/>
+                      <a:endParaRPr lang="ko-KR" altLang="en-US" sz="1200" dirty="0"/>
+                    </a:p>
+                  </a:txBody>
+                  <a:tcPr marL="0" marR="0" marT="0" marB="0"/>
+                </a:tc>
+                <a:tc>
+                  <a:txBody>
+                    <a:bodyPr/>
+                    <a:lstStyle/>
+                    <a:p>
+                      <a:pPr latinLnBrk="1"/>
+                      <a:endParaRPr lang="ko-KR" altLang="en-US" sz="1200"/>
+                    </a:p>
+                  </a:txBody>
+                  <a:tcPr marL="0" marR="0" marT="0" marB="0"/>
+                </a:tc>
+                <a:tc>
+                  <a:txBody>
+                    <a:bodyPr/>
+                    <a:lstStyle/>
+                    <a:p>
+                      <a:pPr latinLnBrk="1"/>
+                      <a:endParaRPr lang="ko-KR" altLang="en-US" sz="1200"/>
+                    </a:p>
+                  </a:txBody>
+                  <a:tcPr marL="0" marR="0" marT="0" marB="0"/>
+                </a:tc>
+                <a:tc>
+                  <a:txBody>
+                    <a:bodyPr/>
+                    <a:lstStyle/>
+                    <a:p>
+                      <a:pPr latinLnBrk="1"/>
+                      <a:endParaRPr lang="ko-KR" altLang="en-US" sz="1200"/>
+                    </a:p>
+                  </a:txBody>
+                  <a:tcPr marL="0" marR="0" marT="0" marB="0"/>
+                </a:tc>
+                <a:tc>
+                  <a:txBody>
+                    <a:bodyPr/>
+                    <a:lstStyle/>
+                    <a:p>
+                      <a:pPr latinLnBrk="1"/>
+                      <a:endParaRPr lang="ko-KR" altLang="en-US" sz="1200"/>
+                    </a:p>
+                  </a:txBody>
+                  <a:tcPr marL="0" marR="0" marT="0" marB="0"/>
+                </a:tc>
+                <a:tc>
+                  <a:txBody>
+                    <a:bodyPr/>
+                    <a:lstStyle/>
+                    <a:p>
+                      <a:pPr latinLnBrk="1"/>
+                      <a:endParaRPr lang="ko-KR" altLang="en-US" sz="1200"/>
+                    </a:p>
+                  </a:txBody>
+                  <a:tcPr marL="0" marR="0" marT="0" marB="0"/>
+                </a:tc>
+                <a:tc>
+                  <a:txBody>
+                    <a:bodyPr/>
+                    <a:lstStyle/>
+                    <a:p>
+                      <a:pPr latinLnBrk="1"/>
+                      <a:endParaRPr lang="ko-KR" altLang="en-US" sz="1200"/>
+                    </a:p>
+                  </a:txBody>
+                  <a:tcPr marL="0" marR="0" marT="0" marB="0"/>
+                </a:tc>
+                <a:tc>
+                  <a:txBody>
+                    <a:bodyPr/>
+                    <a:lstStyle/>
+                    <a:p>
+                      <a:pPr latinLnBrk="1"/>
+                      <a:endParaRPr lang="ko-KR" altLang="en-US" sz="1200"/>
+                    </a:p>
+                  </a:txBody>
+                  <a:tcPr marL="0" marR="0" marT="0" marB="0"/>
+                </a:tc>
+                <a:tc>
+                  <a:txBody>
+                    <a:bodyPr/>
+                    <a:lstStyle/>
+                    <a:p>
+                      <a:pPr latinLnBrk="1"/>
+                      <a:endParaRPr lang="ko-KR" altLang="en-US" sz="1200"/>
+                    </a:p>
+                  </a:txBody>
+                  <a:tcPr marL="0" marR="0" marT="0" marB="0"/>
+                </a:tc>
+                <a:tc>
+                  <a:txBody>
+                    <a:bodyPr/>
+                    <a:lstStyle/>
+                    <a:p>
+                      <a:pPr latinLnBrk="1"/>
+                      <a:endParaRPr lang="ko-KR" altLang="en-US" sz="1200"/>
+                    </a:p>
+                  </a:txBody>
+                  <a:tcPr marL="0" marR="0" marT="0" marB="0"/>
+                </a:tc>
+                <a:tc>
+                  <a:txBody>
+                    <a:bodyPr/>
+                    <a:lstStyle/>
+                    <a:p>
+                      <a:pPr latinLnBrk="1"/>
+                      <a:endParaRPr lang="ko-KR" altLang="en-US" sz="1200"/>
+                    </a:p>
+                  </a:txBody>
+                  <a:tcPr marL="0" marR="0" marT="0" marB="0"/>
+                </a:tc>
+                <a:tc>
+                  <a:txBody>
+                    <a:bodyPr/>
+                    <a:lstStyle/>
+                    <a:p>
+                      <a:pPr latinLnBrk="1"/>
+                      <a:endParaRPr lang="ko-KR" altLang="en-US" sz="1200"/>
+                    </a:p>
+                  </a:txBody>
+                  <a:tcPr marL="0" marR="0" marT="0" marB="0"/>
+                </a:tc>
+                <a:tc>
+                  <a:txBody>
+                    <a:bodyPr/>
+                    <a:lstStyle/>
+                    <a:p>
+                      <a:pPr latinLnBrk="1"/>
+                      <a:endParaRPr lang="ko-KR" altLang="en-US" sz="1200"/>
+                    </a:p>
+                  </a:txBody>
+                  <a:tcPr marL="0" marR="0" marT="0" marB="0"/>
+                </a:tc>
+                <a:tc>
+                  <a:txBody>
+                    <a:bodyPr/>
+                    <a:lstStyle/>
+                    <a:p>
+                      <a:pPr latinLnBrk="1"/>
+                      <a:endParaRPr lang="ko-KR" altLang="en-US" sz="1200"/>
+                    </a:p>
+                  </a:txBody>
+                  <a:tcPr marL="0" marR="0" marT="0" marB="0"/>
+                </a:tc>
+                <a:tc>
+                  <a:txBody>
+                    <a:bodyPr/>
+                    <a:lstStyle/>
+                    <a:p>
+                      <a:pPr latinLnBrk="1"/>
+                      <a:endParaRPr lang="ko-KR" altLang="en-US" sz="1200"/>
+                    </a:p>
+                  </a:txBody>
+                  <a:tcPr marL="0" marR="0" marT="0" marB="0"/>
+                </a:tc>
+                <a:tc>
+                  <a:txBody>
+                    <a:bodyPr/>
+                    <a:lstStyle/>
+                    <a:p>
+                      <a:pPr latinLnBrk="1"/>
+                      <a:endParaRPr lang="ko-KR" altLang="en-US" sz="1200"/>
+                    </a:p>
+                  </a:txBody>
+                  <a:tcPr marL="0" marR="0" marT="0" marB="0"/>
+                </a:tc>
+                <a:tc>
+                  <a:txBody>
+                    <a:bodyPr/>
+                    <a:lstStyle/>
+                    <a:p>
+                      <a:pPr latinLnBrk="1"/>
+                      <a:endParaRPr lang="ko-KR" altLang="en-US" sz="1200"/>
+                    </a:p>
+                  </a:txBody>
+                  <a:tcPr marL="0" marR="0" marT="0" marB="0"/>
+                </a:tc>
+                <a:tc>
+                  <a:txBody>
+                    <a:bodyPr/>
+                    <a:lstStyle/>
+                    <a:p>
+                      <a:pPr latinLnBrk="1"/>
+                      <a:endParaRPr lang="ko-KR" altLang="en-US" sz="1200"/>
+                    </a:p>
+                  </a:txBody>
+                  <a:tcPr marL="0" marR="0" marT="0" marB="0"/>
+                </a:tc>
+                <a:tc>
+                  <a:txBody>
+                    <a:bodyPr/>
+                    <a:lstStyle/>
+                    <a:p>
+                      <a:pPr latinLnBrk="1"/>
+                      <a:endParaRPr lang="ko-KR" altLang="en-US" sz="1200"/>
+                    </a:p>
+                  </a:txBody>
+                  <a:tcPr marL="0" marR="0" marT="0" marB="0"/>
+                </a:tc>
+                <a:tc>
+                  <a:txBody>
+                    <a:bodyPr/>
+                    <a:lstStyle/>
+                    <a:p>
+                      <a:pPr latinLnBrk="1"/>
+                      <a:endParaRPr lang="ko-KR" altLang="en-US" sz="1200"/>
+                    </a:p>
+                  </a:txBody>
+                  <a:tcPr marL="0" marR="0" marT="0" marB="0"/>
+                </a:tc>
+                <a:tc>
+                  <a:txBody>
+                    <a:bodyPr/>
+                    <a:lstStyle/>
+                    <a:p>
+                      <a:pPr latinLnBrk="1"/>
+                      <a:endParaRPr lang="ko-KR" altLang="en-US" sz="1200"/>
+                    </a:p>
+                  </a:txBody>
+                  <a:tcPr marL="0" marR="0" marT="0" marB="0"/>
+                </a:tc>
+                <a:tc>
+                  <a:txBody>
+                    <a:bodyPr/>
+                    <a:lstStyle/>
+                    <a:p>
+                      <a:pPr latinLnBrk="1"/>
+                      <a:endParaRPr lang="ko-KR" altLang="en-US" sz="1200"/>
+                    </a:p>
+                  </a:txBody>
+                  <a:tcPr marL="0" marR="0" marT="0" marB="0"/>
+                </a:tc>
+                <a:tc>
+                  <a:txBody>
+                    <a:bodyPr/>
+                    <a:lstStyle/>
+                    <a:p>
+                      <a:pPr latinLnBrk="1"/>
+                      <a:endParaRPr lang="ko-KR" altLang="en-US" sz="1200" dirty="0"/>
+                    </a:p>
+                  </a:txBody>
+                  <a:tcPr marL="0" marR="0" marT="0" marB="0"/>
+                </a:tc>
+                <a:tc>
+                  <a:txBody>
+                    <a:bodyPr/>
+                    <a:lstStyle/>
+                    <a:p>
+                      <a:pPr latinLnBrk="1"/>
+                      <a:endParaRPr lang="ko-KR" altLang="en-US" sz="1200"/>
+                    </a:p>
+                  </a:txBody>
+                  <a:tcPr marL="0" marR="0" marT="0" marB="0"/>
+                </a:tc>
+                <a:tc>
+                  <a:txBody>
+                    <a:bodyPr/>
+                    <a:lstStyle/>
+                    <a:p>
+                      <a:pPr latinLnBrk="1"/>
+                      <a:endParaRPr lang="ko-KR" altLang="en-US" sz="1200"/>
+                    </a:p>
+                  </a:txBody>
+                  <a:tcPr marL="0" marR="0" marT="0" marB="0"/>
+                </a:tc>
+                <a:tc>
+                  <a:txBody>
+                    <a:bodyPr/>
+                    <a:lstStyle/>
+                    <a:p>
+                      <a:pPr latinLnBrk="1"/>
+                      <a:endParaRPr lang="ko-KR" altLang="en-US" sz="1200"/>
+                    </a:p>
+                  </a:txBody>
+                  <a:tcPr marL="0" marR="0" marT="0" marB="0"/>
+                </a:tc>
+                <a:tc>
+                  <a:txBody>
+                    <a:bodyPr/>
+                    <a:lstStyle/>
+                    <a:p>
+                      <a:pPr latinLnBrk="1"/>
+                      <a:endParaRPr lang="ko-KR" altLang="en-US" sz="1200"/>
+                    </a:p>
+                  </a:txBody>
+                  <a:tcPr marL="0" marR="0" marT="0" marB="0"/>
+                </a:tc>
+                <a:tc>
+                  <a:txBody>
+                    <a:bodyPr/>
+                    <a:lstStyle/>
+                    <a:p>
+                      <a:pPr latinLnBrk="1"/>
+                      <a:endParaRPr lang="ko-KR" altLang="en-US" sz="1200"/>
+                    </a:p>
+                  </a:txBody>
+                  <a:tcPr marL="0" marR="0" marT="0" marB="0"/>
+                </a:tc>
+                <a:tc>
+                  <a:txBody>
+                    <a:bodyPr/>
+                    <a:lstStyle/>
+                    <a:p>
+                      <a:pPr latinLnBrk="1"/>
+                      <a:endParaRPr lang="ko-KR" altLang="en-US" sz="1200"/>
+                    </a:p>
+                  </a:txBody>
+                  <a:tcPr marL="0" marR="0" marT="0" marB="0"/>
+                </a:tc>
+                <a:extLst>
+                  <a:ext uri="{0D108BD9-81ED-4DB2-BD59-A6C34878D82A}">
+                    <a16:rowId xmlns:a16="http://schemas.microsoft.com/office/drawing/2014/main" val="1244463788"/>
+                  </a:ext>
+                </a:extLst>
+              </a:tr>
+              <a:tr h="0">
+                <a:tc>
+                  <a:txBody>
+                    <a:bodyPr/>
+                    <a:lstStyle/>
+                    <a:p>
+                      <a:pPr marL="0" marR="0" lvl="0" indent="0" algn="ctr" defTabSz="914400" rtl="0" eaLnBrk="1" fontAlgn="auto" latinLnBrk="1" hangingPunct="1">
+                        <a:lnSpc>
+                          <a:spcPct val="100000"/>
+                        </a:lnSpc>
+                        <a:spcBef>
+                          <a:spcPts val="0"/>
+                        </a:spcBef>
+                        <a:spcAft>
+                          <a:spcPts val="0"/>
+                        </a:spcAft>
+                        <a:buClrTx/>
+                        <a:buSzTx/>
+                        <a:buFontTx/>
+                        <a:buNone/>
+                        <a:tabLst/>
+                        <a:defRPr/>
+                      </a:pPr>
+                      <a:r>
+                        <a:rPr lang="ko-KR" altLang="en-US" sz="1000" dirty="0">
+                          <a:latin typeface="맑은 고딕" panose="020B0503020000020004" pitchFamily="50" charset="-127"/>
+                          <a:ea typeface="+mn-ea"/>
+                        </a:rPr>
+                        <a:t>클라이언트 프레임워크</a:t>
+                      </a:r>
+                    </a:p>
+                  </a:txBody>
+                  <a:tcPr marL="0" marR="0" marT="0" marB="0"/>
+                </a:tc>
+                <a:tc>
+                  <a:txBody>
+                    <a:bodyPr/>
+                    <a:lstStyle/>
+                    <a:p>
+                      <a:pPr latinLnBrk="1"/>
+                      <a:endParaRPr lang="ko-KR" altLang="en-US" sz="1200"/>
+                    </a:p>
+                  </a:txBody>
+                  <a:tcPr marL="0" marR="0" marT="0" marB="0"/>
+                </a:tc>
+                <a:tc>
+                  <a:txBody>
+                    <a:bodyPr/>
+                    <a:lstStyle/>
+                    <a:p>
+                      <a:pPr latinLnBrk="1"/>
+                      <a:endParaRPr lang="ko-KR" altLang="en-US" sz="1200"/>
+                    </a:p>
+                  </a:txBody>
+                  <a:tcPr marL="0" marR="0" marT="0" marB="0"/>
+                </a:tc>
+                <a:tc>
+                  <a:txBody>
+                    <a:bodyPr/>
+                    <a:lstStyle/>
+                    <a:p>
+                      <a:pPr latinLnBrk="1"/>
+                      <a:endParaRPr lang="ko-KR" altLang="en-US" sz="1200"/>
+                    </a:p>
+                  </a:txBody>
+                  <a:tcPr marL="0" marR="0" marT="0" marB="0"/>
+                </a:tc>
+                <a:tc>
+                  <a:txBody>
+                    <a:bodyPr/>
+                    <a:lstStyle/>
+                    <a:p>
+                      <a:pPr latinLnBrk="1"/>
+                      <a:endParaRPr lang="ko-KR" altLang="en-US" sz="1200"/>
+                    </a:p>
+                  </a:txBody>
+                  <a:tcPr marL="0" marR="0" marT="0" marB="0"/>
+                </a:tc>
+                <a:tc>
+                  <a:txBody>
+                    <a:bodyPr/>
+                    <a:lstStyle/>
+                    <a:p>
+                      <a:pPr latinLnBrk="1"/>
+                      <a:endParaRPr lang="ko-KR" altLang="en-US" sz="1200" dirty="0"/>
+                    </a:p>
+                  </a:txBody>
+                  <a:tcPr marL="0" marR="0" marT="0" marB="0"/>
+                </a:tc>
+                <a:tc>
+                  <a:txBody>
+                    <a:bodyPr/>
+                    <a:lstStyle/>
+                    <a:p>
+                      <a:pPr latinLnBrk="1"/>
+                      <a:endParaRPr lang="ko-KR" altLang="en-US" sz="1200" dirty="0"/>
+                    </a:p>
+                  </a:txBody>
+                  <a:tcPr marL="0" marR="0" marT="0" marB="0"/>
+                </a:tc>
+                <a:tc>
+                  <a:txBody>
+                    <a:bodyPr/>
+                    <a:lstStyle/>
+                    <a:p>
+                      <a:pPr latinLnBrk="1"/>
+                      <a:endParaRPr lang="ko-KR" altLang="en-US" sz="1200" dirty="0"/>
+                    </a:p>
+                  </a:txBody>
+                  <a:tcPr marL="0" marR="0" marT="0" marB="0"/>
+                </a:tc>
+                <a:tc>
+                  <a:txBody>
+                    <a:bodyPr/>
+                    <a:lstStyle/>
+                    <a:p>
+                      <a:pPr latinLnBrk="1"/>
+                      <a:endParaRPr lang="ko-KR" altLang="en-US" sz="1200" dirty="0"/>
+                    </a:p>
+                  </a:txBody>
+                  <a:tcPr marL="0" marR="0" marT="0" marB="0"/>
+                </a:tc>
+                <a:tc>
+                  <a:txBody>
+                    <a:bodyPr/>
+                    <a:lstStyle/>
+                    <a:p>
+                      <a:pPr latinLnBrk="1"/>
+                      <a:endParaRPr lang="ko-KR" altLang="en-US" sz="1200"/>
+                    </a:p>
+                  </a:txBody>
+                  <a:tcPr marL="0" marR="0" marT="0" marB="0"/>
+                </a:tc>
+                <a:tc>
+                  <a:txBody>
+                    <a:bodyPr/>
+                    <a:lstStyle/>
+                    <a:p>
+                      <a:pPr latinLnBrk="1"/>
+                      <a:endParaRPr lang="ko-KR" altLang="en-US" sz="1200"/>
+                    </a:p>
+                  </a:txBody>
+                  <a:tcPr marL="0" marR="0" marT="0" marB="0"/>
+                </a:tc>
+                <a:tc>
+                  <a:txBody>
+                    <a:bodyPr/>
+                    <a:lstStyle/>
+                    <a:p>
+                      <a:pPr latinLnBrk="1"/>
+                      <a:endParaRPr lang="ko-KR" altLang="en-US" sz="1200"/>
+                    </a:p>
+                  </a:txBody>
+                  <a:tcPr marL="0" marR="0" marT="0" marB="0"/>
+                </a:tc>
+                <a:tc>
+                  <a:txBody>
+                    <a:bodyPr/>
+                    <a:lstStyle/>
+                    <a:p>
+                      <a:pPr latinLnBrk="1"/>
+                      <a:endParaRPr lang="ko-KR" altLang="en-US" sz="1200"/>
+                    </a:p>
+                  </a:txBody>
+                  <a:tcPr marL="0" marR="0" marT="0" marB="0"/>
+                </a:tc>
+                <a:tc>
+                  <a:txBody>
+                    <a:bodyPr/>
+                    <a:lstStyle/>
+                    <a:p>
+                      <a:pPr latinLnBrk="1"/>
+                      <a:endParaRPr lang="ko-KR" altLang="en-US" sz="1200"/>
+                    </a:p>
+                  </a:txBody>
+                  <a:tcPr marL="0" marR="0" marT="0" marB="0"/>
+                </a:tc>
+                <a:tc>
+                  <a:txBody>
+                    <a:bodyPr/>
+                    <a:lstStyle/>
+                    <a:p>
+                      <a:pPr latinLnBrk="1"/>
+                      <a:endParaRPr lang="ko-KR" altLang="en-US" sz="1200"/>
+                    </a:p>
+                  </a:txBody>
+                  <a:tcPr marL="0" marR="0" marT="0" marB="0"/>
+                </a:tc>
+                <a:tc>
+                  <a:txBody>
+                    <a:bodyPr/>
+                    <a:lstStyle/>
+                    <a:p>
+                      <a:pPr latinLnBrk="1"/>
+                      <a:endParaRPr lang="ko-KR" altLang="en-US" sz="1200"/>
+                    </a:p>
+                  </a:txBody>
+                  <a:tcPr marL="0" marR="0" marT="0" marB="0"/>
+                </a:tc>
+                <a:tc>
+                  <a:txBody>
+                    <a:bodyPr/>
+                    <a:lstStyle/>
+                    <a:p>
+                      <a:pPr latinLnBrk="1"/>
+                      <a:endParaRPr lang="ko-KR" altLang="en-US" sz="1200"/>
+                    </a:p>
+                  </a:txBody>
+                  <a:tcPr marL="0" marR="0" marT="0" marB="0"/>
+                </a:tc>
+                <a:tc>
+                  <a:txBody>
+                    <a:bodyPr/>
+                    <a:lstStyle/>
+                    <a:p>
+                      <a:pPr latinLnBrk="1"/>
+                      <a:endParaRPr lang="ko-KR" altLang="en-US" sz="1200"/>
+                    </a:p>
+                  </a:txBody>
+                  <a:tcPr marL="0" marR="0" marT="0" marB="0"/>
+                </a:tc>
+                <a:tc>
+                  <a:txBody>
+                    <a:bodyPr/>
+                    <a:lstStyle/>
+                    <a:p>
+                      <a:pPr latinLnBrk="1"/>
+                      <a:endParaRPr lang="ko-KR" altLang="en-US" sz="1200"/>
+                    </a:p>
+                  </a:txBody>
+                  <a:tcPr marL="0" marR="0" marT="0" marB="0"/>
+                </a:tc>
+                <a:tc>
+                  <a:txBody>
+                    <a:bodyPr/>
+                    <a:lstStyle/>
+                    <a:p>
+                      <a:pPr latinLnBrk="1"/>
+                      <a:endParaRPr lang="ko-KR" altLang="en-US" sz="1200"/>
+                    </a:p>
+                  </a:txBody>
+                  <a:tcPr marL="0" marR="0" marT="0" marB="0"/>
+                </a:tc>
+                <a:tc>
+                  <a:txBody>
+                    <a:bodyPr/>
+                    <a:lstStyle/>
+                    <a:p>
+                      <a:pPr latinLnBrk="1"/>
+                      <a:endParaRPr lang="ko-KR" altLang="en-US" sz="1200"/>
+                    </a:p>
+                  </a:txBody>
+                  <a:tcPr marL="0" marR="0" marT="0" marB="0"/>
+                </a:tc>
+                <a:tc>
+                  <a:txBody>
+                    <a:bodyPr/>
+                    <a:lstStyle/>
+                    <a:p>
+                      <a:pPr latinLnBrk="1"/>
+                      <a:endParaRPr lang="ko-KR" altLang="en-US" sz="1200"/>
+                    </a:p>
+                  </a:txBody>
+                  <a:tcPr marL="0" marR="0" marT="0" marB="0"/>
+                </a:tc>
+                <a:tc>
+                  <a:txBody>
+                    <a:bodyPr/>
+                    <a:lstStyle/>
+                    <a:p>
+                      <a:pPr latinLnBrk="1"/>
+                      <a:endParaRPr lang="ko-KR" altLang="en-US" sz="1200"/>
+                    </a:p>
+                  </a:txBody>
+                  <a:tcPr marL="0" marR="0" marT="0" marB="0"/>
+                </a:tc>
+                <a:tc>
+                  <a:txBody>
+                    <a:bodyPr/>
+                    <a:lstStyle/>
+                    <a:p>
+                      <a:pPr latinLnBrk="1"/>
+                      <a:endParaRPr lang="ko-KR" altLang="en-US" sz="1200"/>
+                    </a:p>
+                  </a:txBody>
+                  <a:tcPr marL="0" marR="0" marT="0" marB="0"/>
+                </a:tc>
+                <a:tc>
+                  <a:txBody>
+                    <a:bodyPr/>
+                    <a:lstStyle/>
+                    <a:p>
+                      <a:pPr latinLnBrk="1"/>
+                      <a:endParaRPr lang="ko-KR" altLang="en-US" sz="1200"/>
+                    </a:p>
+                  </a:txBody>
+                  <a:tcPr marL="0" marR="0" marT="0" marB="0"/>
+                </a:tc>
+                <a:tc>
+                  <a:txBody>
+                    <a:bodyPr/>
+                    <a:lstStyle/>
+                    <a:p>
+                      <a:pPr latinLnBrk="1"/>
+                      <a:endParaRPr lang="ko-KR" altLang="en-US" sz="1200"/>
+                    </a:p>
+                  </a:txBody>
+                  <a:tcPr marL="0" marR="0" marT="0" marB="0"/>
+                </a:tc>
+                <a:tc>
+                  <a:txBody>
+                    <a:bodyPr/>
+                    <a:lstStyle/>
+                    <a:p>
+                      <a:pPr latinLnBrk="1"/>
+                      <a:endParaRPr lang="ko-KR" altLang="en-US" sz="1200"/>
+                    </a:p>
+                  </a:txBody>
+                  <a:tcPr marL="0" marR="0" marT="0" marB="0"/>
+                </a:tc>
+                <a:tc>
+                  <a:txBody>
+                    <a:bodyPr/>
+                    <a:lstStyle/>
+                    <a:p>
+                      <a:pPr latinLnBrk="1"/>
+                      <a:endParaRPr lang="ko-KR" altLang="en-US" sz="1200"/>
+                    </a:p>
+                  </a:txBody>
+                  <a:tcPr marL="0" marR="0" marT="0" marB="0"/>
+                </a:tc>
+                <a:tc>
+                  <a:txBody>
+                    <a:bodyPr/>
+                    <a:lstStyle/>
+                    <a:p>
+                      <a:pPr latinLnBrk="1"/>
+                      <a:endParaRPr lang="ko-KR" altLang="en-US" sz="1200"/>
+                    </a:p>
+                  </a:txBody>
+                  <a:tcPr marL="0" marR="0" marT="0" marB="0"/>
+                </a:tc>
+                <a:tc>
+                  <a:txBody>
+                    <a:bodyPr/>
+                    <a:lstStyle/>
+                    <a:p>
+                      <a:pPr latinLnBrk="1"/>
+                      <a:endParaRPr lang="ko-KR" altLang="en-US" sz="1200"/>
+                    </a:p>
+                  </a:txBody>
+                  <a:tcPr marL="0" marR="0" marT="0" marB="0"/>
+                </a:tc>
+                <a:tc>
+                  <a:txBody>
+                    <a:bodyPr/>
+                    <a:lstStyle/>
+                    <a:p>
+                      <a:pPr latinLnBrk="1"/>
+                      <a:endParaRPr lang="ko-KR" altLang="en-US" sz="1200"/>
+                    </a:p>
+                  </a:txBody>
+                  <a:tcPr marL="0" marR="0" marT="0" marB="0"/>
+                </a:tc>
+                <a:tc>
+                  <a:txBody>
+                    <a:bodyPr/>
+                    <a:lstStyle/>
+                    <a:p>
+                      <a:pPr latinLnBrk="1"/>
+                      <a:endParaRPr lang="ko-KR" altLang="en-US" sz="1200"/>
+                    </a:p>
+                  </a:txBody>
+                  <a:tcPr marL="0" marR="0" marT="0" marB="0"/>
+                </a:tc>
+                <a:tc>
+                  <a:txBody>
+                    <a:bodyPr/>
+                    <a:lstStyle/>
+                    <a:p>
+                      <a:pPr latinLnBrk="1"/>
+                      <a:endParaRPr lang="ko-KR" altLang="en-US" sz="1200"/>
+                    </a:p>
+                  </a:txBody>
+                  <a:tcPr marL="0" marR="0" marT="0" marB="0"/>
+                </a:tc>
+                <a:tc>
+                  <a:txBody>
+                    <a:bodyPr/>
+                    <a:lstStyle/>
+                    <a:p>
+                      <a:pPr latinLnBrk="1"/>
+                      <a:endParaRPr lang="ko-KR" altLang="en-US" sz="1200" dirty="0"/>
+                    </a:p>
+                  </a:txBody>
+                  <a:tcPr marL="0" marR="0" marT="0" marB="0"/>
+                </a:tc>
+                <a:tc>
+                  <a:txBody>
+                    <a:bodyPr/>
+                    <a:lstStyle/>
+                    <a:p>
+                      <a:pPr latinLnBrk="1"/>
+                      <a:endParaRPr lang="ko-KR" altLang="en-US" sz="1200"/>
+                    </a:p>
+                  </a:txBody>
+                  <a:tcPr marL="0" marR="0" marT="0" marB="0"/>
+                </a:tc>
+                <a:tc>
+                  <a:txBody>
+                    <a:bodyPr/>
+                    <a:lstStyle/>
+                    <a:p>
+                      <a:pPr latinLnBrk="1"/>
+                      <a:endParaRPr lang="ko-KR" altLang="en-US" sz="1200"/>
+                    </a:p>
+                  </a:txBody>
+                  <a:tcPr marL="0" marR="0" marT="0" marB="0"/>
+                </a:tc>
+                <a:tc>
+                  <a:txBody>
+                    <a:bodyPr/>
+                    <a:lstStyle/>
+                    <a:p>
+                      <a:pPr latinLnBrk="1"/>
+                      <a:endParaRPr lang="ko-KR" altLang="en-US" sz="1200"/>
+                    </a:p>
+                  </a:txBody>
+                  <a:tcPr marL="0" marR="0" marT="0" marB="0"/>
+                </a:tc>
+                <a:extLst>
+                  <a:ext uri="{0D108BD9-81ED-4DB2-BD59-A6C34878D82A}">
+                    <a16:rowId xmlns:a16="http://schemas.microsoft.com/office/drawing/2014/main" val="1033695579"/>
+                  </a:ext>
+                </a:extLst>
+              </a:tr>
+              <a:tr h="0">
+                <a:tc>
+                  <a:txBody>
+                    <a:bodyPr/>
+                    <a:lstStyle/>
+                    <a:p>
+                      <a:pPr algn="ctr" latinLnBrk="1"/>
+                      <a:r>
+                        <a:rPr lang="ko-KR" altLang="en-US" sz="1000" dirty="0">
+                          <a:latin typeface="맑은 고딕" panose="020B0503020000020004" pitchFamily="50" charset="-127"/>
+                          <a:ea typeface="맑은 고딕" panose="020B0503020000020004" pitchFamily="50" charset="-127"/>
+                        </a:rPr>
+                        <a:t>캐릭터</a:t>
+                      </a:r>
+                    </a:p>
+                  </a:txBody>
+                  <a:tcPr marL="0" marR="0" marT="0" marB="0"/>
+                </a:tc>
+                <a:tc>
+                  <a:txBody>
+                    <a:bodyPr/>
+                    <a:lstStyle/>
+                    <a:p>
+                      <a:pPr latinLnBrk="1"/>
+                      <a:endParaRPr lang="ko-KR" altLang="en-US" sz="1200" dirty="0"/>
+                    </a:p>
+                  </a:txBody>
+                  <a:tcPr marL="0" marR="0" marT="0" marB="0"/>
+                </a:tc>
+                <a:tc>
+                  <a:txBody>
+                    <a:bodyPr/>
+                    <a:lstStyle/>
+                    <a:p>
+                      <a:pPr latinLnBrk="1"/>
+                      <a:endParaRPr lang="ko-KR" altLang="en-US" sz="1200" dirty="0"/>
+                    </a:p>
+                  </a:txBody>
+                  <a:tcPr marL="0" marR="0" marT="0" marB="0"/>
+                </a:tc>
+                <a:tc>
+                  <a:txBody>
+                    <a:bodyPr/>
+                    <a:lstStyle/>
+                    <a:p>
+                      <a:pPr latinLnBrk="1"/>
+                      <a:endParaRPr lang="ko-KR" altLang="en-US" sz="1200" dirty="0"/>
+                    </a:p>
+                  </a:txBody>
+                  <a:tcPr marL="0" marR="0" marT="0" marB="0"/>
+                </a:tc>
+                <a:tc>
+                  <a:txBody>
+                    <a:bodyPr/>
+                    <a:lstStyle/>
+                    <a:p>
+                      <a:pPr latinLnBrk="1"/>
+                      <a:endParaRPr lang="ko-KR" altLang="en-US" sz="1200" dirty="0"/>
+                    </a:p>
+                  </a:txBody>
+                  <a:tcPr marL="0" marR="0" marT="0" marB="0"/>
+                </a:tc>
+                <a:tc>
+                  <a:txBody>
+                    <a:bodyPr/>
+                    <a:lstStyle/>
+                    <a:p>
+                      <a:pPr latinLnBrk="1"/>
+                      <a:endParaRPr lang="ko-KR" altLang="en-US" sz="1200" dirty="0"/>
+                    </a:p>
+                  </a:txBody>
+                  <a:tcPr marL="0" marR="0" marT="0" marB="0"/>
+                </a:tc>
+                <a:tc>
+                  <a:txBody>
+                    <a:bodyPr/>
+                    <a:lstStyle/>
+                    <a:p>
+                      <a:pPr latinLnBrk="1"/>
+                      <a:endParaRPr lang="ko-KR" altLang="en-US" sz="1200" dirty="0"/>
+                    </a:p>
+                  </a:txBody>
+                  <a:tcPr marL="0" marR="0" marT="0" marB="0"/>
+                </a:tc>
+                <a:tc>
+                  <a:txBody>
+                    <a:bodyPr/>
+                    <a:lstStyle/>
+                    <a:p>
+                      <a:pPr latinLnBrk="1"/>
+                      <a:endParaRPr lang="ko-KR" altLang="en-US" sz="1200" dirty="0"/>
+                    </a:p>
+                  </a:txBody>
+                  <a:tcPr marL="0" marR="0" marT="0" marB="0"/>
+                </a:tc>
+                <a:tc>
+                  <a:txBody>
+                    <a:bodyPr/>
+                    <a:lstStyle/>
+                    <a:p>
+                      <a:pPr latinLnBrk="1"/>
+                      <a:endParaRPr lang="ko-KR" altLang="en-US" sz="1200" dirty="0"/>
+                    </a:p>
+                  </a:txBody>
+                  <a:tcPr marL="0" marR="0" marT="0" marB="0"/>
+                </a:tc>
+                <a:tc>
+                  <a:txBody>
+                    <a:bodyPr/>
+                    <a:lstStyle/>
+                    <a:p>
+                      <a:pPr latinLnBrk="1"/>
+                      <a:endParaRPr lang="ko-KR" altLang="en-US" sz="1200"/>
+                    </a:p>
+                  </a:txBody>
+                  <a:tcPr marL="0" marR="0" marT="0" marB="0"/>
+                </a:tc>
+                <a:tc>
+                  <a:txBody>
+                    <a:bodyPr/>
+                    <a:lstStyle/>
+                    <a:p>
+                      <a:pPr latinLnBrk="1"/>
+                      <a:endParaRPr lang="ko-KR" altLang="en-US" sz="1200" dirty="0"/>
+                    </a:p>
+                  </a:txBody>
+                  <a:tcPr marL="0" marR="0" marT="0" marB="0"/>
+                </a:tc>
+                <a:tc>
+                  <a:txBody>
+                    <a:bodyPr/>
+                    <a:lstStyle/>
+                    <a:p>
+                      <a:pPr latinLnBrk="1"/>
+                      <a:endParaRPr lang="ko-KR" altLang="en-US" sz="1200"/>
+                    </a:p>
+                  </a:txBody>
+                  <a:tcPr marL="0" marR="0" marT="0" marB="0"/>
+                </a:tc>
+                <a:tc>
+                  <a:txBody>
+                    <a:bodyPr/>
+                    <a:lstStyle/>
+                    <a:p>
+                      <a:pPr latinLnBrk="1"/>
+                      <a:endParaRPr lang="ko-KR" altLang="en-US" sz="1200"/>
+                    </a:p>
+                  </a:txBody>
+                  <a:tcPr marL="0" marR="0" marT="0" marB="0"/>
+                </a:tc>
+                <a:tc>
+                  <a:txBody>
+                    <a:bodyPr/>
+                    <a:lstStyle/>
+                    <a:p>
+                      <a:pPr latinLnBrk="1"/>
+                      <a:endParaRPr lang="ko-KR" altLang="en-US" sz="1200"/>
+                    </a:p>
+                  </a:txBody>
+                  <a:tcPr marL="0" marR="0" marT="0" marB="0"/>
+                </a:tc>
+                <a:tc>
+                  <a:txBody>
+                    <a:bodyPr/>
+                    <a:lstStyle/>
+                    <a:p>
+                      <a:pPr latinLnBrk="1"/>
+                      <a:endParaRPr lang="ko-KR" altLang="en-US" sz="1200"/>
+                    </a:p>
+                  </a:txBody>
+                  <a:tcPr marL="0" marR="0" marT="0" marB="0"/>
+                </a:tc>
+                <a:tc>
+                  <a:txBody>
+                    <a:bodyPr/>
+                    <a:lstStyle/>
+                    <a:p>
+                      <a:pPr latinLnBrk="1"/>
+                      <a:endParaRPr lang="ko-KR" altLang="en-US" sz="1200"/>
+                    </a:p>
+                  </a:txBody>
+                  <a:tcPr marL="0" marR="0" marT="0" marB="0"/>
+                </a:tc>
+                <a:tc>
+                  <a:txBody>
+                    <a:bodyPr/>
+                    <a:lstStyle/>
+                    <a:p>
+                      <a:pPr latinLnBrk="1"/>
+                      <a:endParaRPr lang="ko-KR" altLang="en-US" sz="1200"/>
+                    </a:p>
+                  </a:txBody>
+                  <a:tcPr marL="0" marR="0" marT="0" marB="0"/>
+                </a:tc>
+                <a:tc>
+                  <a:txBody>
+                    <a:bodyPr/>
+                    <a:lstStyle/>
+                    <a:p>
+                      <a:pPr latinLnBrk="1"/>
+                      <a:endParaRPr lang="ko-KR" altLang="en-US" sz="1200"/>
+                    </a:p>
+                  </a:txBody>
+                  <a:tcPr marL="0" marR="0" marT="0" marB="0"/>
+                </a:tc>
+                <a:tc>
+                  <a:txBody>
+                    <a:bodyPr/>
+                    <a:lstStyle/>
+                    <a:p>
+                      <a:pPr latinLnBrk="1"/>
+                      <a:endParaRPr lang="ko-KR" altLang="en-US" sz="1200"/>
+                    </a:p>
+                  </a:txBody>
+                  <a:tcPr marL="0" marR="0" marT="0" marB="0"/>
+                </a:tc>
+                <a:tc>
+                  <a:txBody>
+                    <a:bodyPr/>
+                    <a:lstStyle/>
+                    <a:p>
+                      <a:pPr latinLnBrk="1"/>
+                      <a:endParaRPr lang="ko-KR" altLang="en-US" sz="1200"/>
+                    </a:p>
+                  </a:txBody>
+                  <a:tcPr marL="0" marR="0" marT="0" marB="0"/>
+                </a:tc>
+                <a:tc>
+                  <a:txBody>
+                    <a:bodyPr/>
+                    <a:lstStyle/>
+                    <a:p>
+                      <a:pPr latinLnBrk="1"/>
+                      <a:endParaRPr lang="ko-KR" altLang="en-US" sz="1200"/>
+                    </a:p>
+                  </a:txBody>
+                  <a:tcPr marL="0" marR="0" marT="0" marB="0"/>
+                </a:tc>
+                <a:tc>
+                  <a:txBody>
+                    <a:bodyPr/>
+                    <a:lstStyle/>
+                    <a:p>
+                      <a:pPr latinLnBrk="1"/>
+                      <a:endParaRPr lang="ko-KR" altLang="en-US" sz="1200"/>
+                    </a:p>
+                  </a:txBody>
+                  <a:tcPr marL="0" marR="0" marT="0" marB="0"/>
+                </a:tc>
+                <a:tc>
+                  <a:txBody>
+                    <a:bodyPr/>
+                    <a:lstStyle/>
+                    <a:p>
+                      <a:pPr latinLnBrk="1"/>
+                      <a:endParaRPr lang="ko-KR" altLang="en-US" sz="1200"/>
+                    </a:p>
+                  </a:txBody>
+                  <a:tcPr marL="0" marR="0" marT="0" marB="0"/>
+                </a:tc>
+                <a:tc>
+                  <a:txBody>
+                    <a:bodyPr/>
+                    <a:lstStyle/>
+                    <a:p>
+                      <a:pPr latinLnBrk="1"/>
+                      <a:endParaRPr lang="ko-KR" altLang="en-US" sz="1200"/>
+                    </a:p>
+                  </a:txBody>
+                  <a:tcPr marL="0" marR="0" marT="0" marB="0"/>
+                </a:tc>
+                <a:tc>
+                  <a:txBody>
+                    <a:bodyPr/>
+                    <a:lstStyle/>
+                    <a:p>
+                      <a:pPr latinLnBrk="1"/>
+                      <a:endParaRPr lang="ko-KR" altLang="en-US" sz="1200" dirty="0"/>
+                    </a:p>
+                  </a:txBody>
+                  <a:tcPr marL="0" marR="0" marT="0" marB="0"/>
+                </a:tc>
+                <a:tc>
+                  <a:txBody>
+                    <a:bodyPr/>
+                    <a:lstStyle/>
+                    <a:p>
+                      <a:pPr latinLnBrk="1"/>
+                      <a:endParaRPr lang="ko-KR" altLang="en-US" sz="1200"/>
+                    </a:p>
+                  </a:txBody>
+                  <a:tcPr marL="0" marR="0" marT="0" marB="0"/>
+                </a:tc>
+                <a:tc>
+                  <a:txBody>
+                    <a:bodyPr/>
+                    <a:lstStyle/>
+                    <a:p>
+                      <a:pPr latinLnBrk="1"/>
+                      <a:endParaRPr lang="ko-KR" altLang="en-US" sz="1200"/>
+                    </a:p>
+                  </a:txBody>
+                  <a:tcPr marL="0" marR="0" marT="0" marB="0"/>
+                </a:tc>
+                <a:tc>
+                  <a:txBody>
+                    <a:bodyPr/>
+                    <a:lstStyle/>
+                    <a:p>
+                      <a:pPr latinLnBrk="1"/>
+                      <a:endParaRPr lang="ko-KR" altLang="en-US" sz="1200"/>
+                    </a:p>
+                  </a:txBody>
+                  <a:tcPr marL="0" marR="0" marT="0" marB="0"/>
+                </a:tc>
+                <a:tc>
+                  <a:txBody>
+                    <a:bodyPr/>
+                    <a:lstStyle/>
+                    <a:p>
+                      <a:pPr latinLnBrk="1"/>
+                      <a:endParaRPr lang="ko-KR" altLang="en-US" sz="1200"/>
+                    </a:p>
+                  </a:txBody>
+                  <a:tcPr marL="0" marR="0" marT="0" marB="0"/>
+                </a:tc>
+                <a:tc>
+                  <a:txBody>
+                    <a:bodyPr/>
+                    <a:lstStyle/>
+                    <a:p>
+                      <a:pPr latinLnBrk="1"/>
+                      <a:endParaRPr lang="ko-KR" altLang="en-US" sz="1200"/>
+                    </a:p>
+                  </a:txBody>
+                  <a:tcPr marL="0" marR="0" marT="0" marB="0"/>
+                </a:tc>
+                <a:tc>
+                  <a:txBody>
+                    <a:bodyPr/>
+                    <a:lstStyle/>
+                    <a:p>
+                      <a:pPr latinLnBrk="1"/>
+                      <a:endParaRPr lang="ko-KR" altLang="en-US" sz="1200"/>
+                    </a:p>
+                  </a:txBody>
+                  <a:tcPr marL="0" marR="0" marT="0" marB="0"/>
+                </a:tc>
+                <a:tc>
+                  <a:txBody>
+                    <a:bodyPr/>
+                    <a:lstStyle/>
+                    <a:p>
+                      <a:pPr latinLnBrk="1"/>
+                      <a:endParaRPr lang="ko-KR" altLang="en-US" sz="1200"/>
+                    </a:p>
+                  </a:txBody>
+                  <a:tcPr marL="0" marR="0" marT="0" marB="0"/>
+                </a:tc>
+                <a:tc>
+                  <a:txBody>
+                    <a:bodyPr/>
+                    <a:lstStyle/>
+                    <a:p>
+                      <a:pPr latinLnBrk="1"/>
+                      <a:endParaRPr lang="ko-KR" altLang="en-US" sz="1200"/>
+                    </a:p>
+                  </a:txBody>
+                  <a:tcPr marL="0" marR="0" marT="0" marB="0"/>
+                </a:tc>
+                <a:tc>
+                  <a:txBody>
+                    <a:bodyPr/>
+                    <a:lstStyle/>
+                    <a:p>
+                      <a:pPr latinLnBrk="1"/>
+                      <a:endParaRPr lang="ko-KR" altLang="en-US" sz="1200" dirty="0"/>
+                    </a:p>
+                  </a:txBody>
+                  <a:tcPr marL="0" marR="0" marT="0" marB="0"/>
+                </a:tc>
+                <a:tc>
+                  <a:txBody>
+                    <a:bodyPr/>
+                    <a:lstStyle/>
+                    <a:p>
+                      <a:pPr latinLnBrk="1"/>
+                      <a:endParaRPr lang="ko-KR" altLang="en-US" sz="1200" dirty="0"/>
+                    </a:p>
+                  </a:txBody>
+                  <a:tcPr marL="0" marR="0" marT="0" marB="0"/>
+                </a:tc>
+                <a:tc>
+                  <a:txBody>
+                    <a:bodyPr/>
+                    <a:lstStyle/>
+                    <a:p>
+                      <a:pPr latinLnBrk="1"/>
+                      <a:endParaRPr lang="ko-KR" altLang="en-US" sz="1200" dirty="0"/>
+                    </a:p>
+                  </a:txBody>
+                  <a:tcPr marL="0" marR="0" marT="0" marB="0"/>
+                </a:tc>
+                <a:tc>
+                  <a:txBody>
+                    <a:bodyPr/>
+                    <a:lstStyle/>
+                    <a:p>
+                      <a:pPr latinLnBrk="1"/>
+                      <a:endParaRPr lang="ko-KR" altLang="en-US" sz="1200" dirty="0"/>
+                    </a:p>
+                  </a:txBody>
+                  <a:tcPr marL="0" marR="0" marT="0" marB="0"/>
+                </a:tc>
+                <a:extLst>
+                  <a:ext uri="{0D108BD9-81ED-4DB2-BD59-A6C34878D82A}">
+                    <a16:rowId xmlns:a16="http://schemas.microsoft.com/office/drawing/2014/main" val="3302103430"/>
+                  </a:ext>
+                </a:extLst>
+              </a:tr>
+              <a:tr h="0">
+                <a:tc>
+                  <a:txBody>
+                    <a:bodyPr/>
+                    <a:lstStyle/>
+                    <a:p>
+                      <a:pPr algn="ctr" latinLnBrk="1"/>
+                      <a:r>
+                        <a:rPr lang="ko-KR" altLang="en-US" sz="1000" dirty="0">
+                          <a:latin typeface="맑은 고딕" panose="020B0503020000020004" pitchFamily="50" charset="-127"/>
+                          <a:ea typeface="맑은 고딕" panose="020B0503020000020004" pitchFamily="50" charset="-127"/>
+                        </a:rPr>
+                        <a:t>애니메이션</a:t>
+                      </a:r>
+                    </a:p>
+                  </a:txBody>
+                  <a:tcPr marL="0" marR="0" marT="0" marB="0"/>
+                </a:tc>
+                <a:tc>
+                  <a:txBody>
+                    <a:bodyPr/>
+                    <a:lstStyle/>
+                    <a:p>
+                      <a:pPr latinLnBrk="1"/>
+                      <a:endParaRPr lang="ko-KR" altLang="en-US" sz="1200" dirty="0"/>
+                    </a:p>
+                  </a:txBody>
+                  <a:tcPr marL="0" marR="0" marT="0" marB="0"/>
+                </a:tc>
+                <a:tc>
+                  <a:txBody>
+                    <a:bodyPr/>
+                    <a:lstStyle/>
+                    <a:p>
+                      <a:pPr latinLnBrk="1"/>
+                      <a:endParaRPr lang="ko-KR" altLang="en-US" sz="1200" dirty="0"/>
+                    </a:p>
+                  </a:txBody>
+                  <a:tcPr marL="0" marR="0" marT="0" marB="0"/>
+                </a:tc>
+                <a:tc>
+                  <a:txBody>
+                    <a:bodyPr/>
+                    <a:lstStyle/>
+                    <a:p>
+                      <a:pPr latinLnBrk="1"/>
+                      <a:endParaRPr lang="ko-KR" altLang="en-US" sz="1200" dirty="0"/>
+                    </a:p>
+                  </a:txBody>
+                  <a:tcPr marL="0" marR="0" marT="0" marB="0"/>
+                </a:tc>
+                <a:tc>
+                  <a:txBody>
+                    <a:bodyPr/>
+                    <a:lstStyle/>
+                    <a:p>
+                      <a:pPr latinLnBrk="1"/>
+                      <a:endParaRPr lang="ko-KR" altLang="en-US" sz="1200" dirty="0"/>
+                    </a:p>
+                  </a:txBody>
+                  <a:tcPr marL="0" marR="0" marT="0" marB="0"/>
+                </a:tc>
+                <a:tc>
+                  <a:txBody>
+                    <a:bodyPr/>
+                    <a:lstStyle/>
+                    <a:p>
+                      <a:pPr latinLnBrk="1"/>
+                      <a:endParaRPr lang="ko-KR" altLang="en-US" sz="1200" dirty="0"/>
+                    </a:p>
+                  </a:txBody>
+                  <a:tcPr marL="0" marR="0" marT="0" marB="0"/>
+                </a:tc>
+                <a:tc>
+                  <a:txBody>
+                    <a:bodyPr/>
+                    <a:lstStyle/>
+                    <a:p>
+                      <a:pPr latinLnBrk="1"/>
+                      <a:endParaRPr lang="ko-KR" altLang="en-US" sz="1200" dirty="0"/>
+                    </a:p>
+                  </a:txBody>
+                  <a:tcPr marL="0" marR="0" marT="0" marB="0"/>
+                </a:tc>
+                <a:tc>
+                  <a:txBody>
+                    <a:bodyPr/>
+                    <a:lstStyle/>
+                    <a:p>
+                      <a:pPr latinLnBrk="1"/>
+                      <a:endParaRPr lang="ko-KR" altLang="en-US" sz="1200" dirty="0"/>
+                    </a:p>
+                  </a:txBody>
+                  <a:tcPr marL="0" marR="0" marT="0" marB="0"/>
+                </a:tc>
+                <a:tc>
+                  <a:txBody>
+                    <a:bodyPr/>
+                    <a:lstStyle/>
+                    <a:p>
+                      <a:pPr latinLnBrk="1"/>
+                      <a:endParaRPr lang="ko-KR" altLang="en-US" sz="1200" dirty="0"/>
+                    </a:p>
+                  </a:txBody>
+                  <a:tcPr marL="0" marR="0" marT="0" marB="0"/>
+                </a:tc>
+                <a:tc>
+                  <a:txBody>
+                    <a:bodyPr/>
+                    <a:lstStyle/>
+                    <a:p>
+                      <a:pPr latinLnBrk="1"/>
+                      <a:endParaRPr lang="ko-KR" altLang="en-US" sz="1200"/>
+                    </a:p>
+                  </a:txBody>
+                  <a:tcPr marL="0" marR="0" marT="0" marB="0"/>
+                </a:tc>
+                <a:tc>
+                  <a:txBody>
+                    <a:bodyPr/>
+                    <a:lstStyle/>
+                    <a:p>
+                      <a:pPr latinLnBrk="1"/>
+                      <a:endParaRPr lang="ko-KR" altLang="en-US" sz="1200"/>
+                    </a:p>
+                  </a:txBody>
+                  <a:tcPr marL="0" marR="0" marT="0" marB="0"/>
+                </a:tc>
+                <a:tc>
+                  <a:txBody>
+                    <a:bodyPr/>
+                    <a:lstStyle/>
+                    <a:p>
+                      <a:pPr latinLnBrk="1"/>
+                      <a:endParaRPr lang="ko-KR" altLang="en-US" sz="1200"/>
+                    </a:p>
+                  </a:txBody>
+                  <a:tcPr marL="0" marR="0" marT="0" marB="0"/>
+                </a:tc>
+                <a:tc>
+                  <a:txBody>
+                    <a:bodyPr/>
+                    <a:lstStyle/>
+                    <a:p>
+                      <a:pPr latinLnBrk="1"/>
+                      <a:endParaRPr lang="ko-KR" altLang="en-US" sz="1200"/>
+                    </a:p>
+                  </a:txBody>
+                  <a:tcPr marL="0" marR="0" marT="0" marB="0"/>
+                </a:tc>
+                <a:tc>
+                  <a:txBody>
+                    <a:bodyPr/>
+                    <a:lstStyle/>
+                    <a:p>
+                      <a:pPr latinLnBrk="1"/>
+                      <a:endParaRPr lang="ko-KR" altLang="en-US" sz="1200"/>
+                    </a:p>
+                  </a:txBody>
+                  <a:tcPr marL="0" marR="0" marT="0" marB="0"/>
+                </a:tc>
+                <a:tc>
+                  <a:txBody>
+                    <a:bodyPr/>
+                    <a:lstStyle/>
+                    <a:p>
+                      <a:pPr latinLnBrk="1"/>
+                      <a:endParaRPr lang="ko-KR" altLang="en-US" sz="1200"/>
+                    </a:p>
+                  </a:txBody>
+                  <a:tcPr marL="0" marR="0" marT="0" marB="0"/>
+                </a:tc>
+                <a:tc>
+                  <a:txBody>
+                    <a:bodyPr/>
+                    <a:lstStyle/>
+                    <a:p>
+                      <a:pPr latinLnBrk="1"/>
+                      <a:endParaRPr lang="ko-KR" altLang="en-US" sz="1200"/>
+                    </a:p>
+                  </a:txBody>
+                  <a:tcPr marL="0" marR="0" marT="0" marB="0"/>
+                </a:tc>
+                <a:tc>
+                  <a:txBody>
+                    <a:bodyPr/>
+                    <a:lstStyle/>
+                    <a:p>
+                      <a:pPr latinLnBrk="1"/>
+                      <a:endParaRPr lang="ko-KR" altLang="en-US" sz="1200"/>
+                    </a:p>
+                  </a:txBody>
+                  <a:tcPr marL="0" marR="0" marT="0" marB="0"/>
+                </a:tc>
+                <a:tc>
+                  <a:txBody>
+                    <a:bodyPr/>
+                    <a:lstStyle/>
+                    <a:p>
+                      <a:pPr latinLnBrk="1"/>
+                      <a:endParaRPr lang="ko-KR" altLang="en-US" sz="1200"/>
+                    </a:p>
+                  </a:txBody>
+                  <a:tcPr marL="0" marR="0" marT="0" marB="0"/>
+                </a:tc>
+                <a:tc>
+                  <a:txBody>
+                    <a:bodyPr/>
+                    <a:lstStyle/>
+                    <a:p>
+                      <a:pPr latinLnBrk="1"/>
+                      <a:endParaRPr lang="ko-KR" altLang="en-US" sz="1200"/>
+                    </a:p>
+                  </a:txBody>
+                  <a:tcPr marL="0" marR="0" marT="0" marB="0"/>
+                </a:tc>
+                <a:tc>
+                  <a:txBody>
+                    <a:bodyPr/>
+                    <a:lstStyle/>
+                    <a:p>
+                      <a:pPr latinLnBrk="1"/>
+                      <a:endParaRPr lang="ko-KR" altLang="en-US" sz="1200"/>
+                    </a:p>
+                  </a:txBody>
+                  <a:tcPr marL="0" marR="0" marT="0" marB="0"/>
+                </a:tc>
+                <a:tc>
+                  <a:txBody>
+                    <a:bodyPr/>
+                    <a:lstStyle/>
+                    <a:p>
+                      <a:pPr latinLnBrk="1"/>
+                      <a:endParaRPr lang="ko-KR" altLang="en-US" sz="1200"/>
+                    </a:p>
+                  </a:txBody>
+                  <a:tcPr marL="0" marR="0" marT="0" marB="0"/>
+                </a:tc>
+                <a:tc>
+                  <a:txBody>
+                    <a:bodyPr/>
+                    <a:lstStyle/>
+                    <a:p>
+                      <a:pPr latinLnBrk="1"/>
+                      <a:endParaRPr lang="ko-KR" altLang="en-US" sz="1200"/>
+                    </a:p>
+                  </a:txBody>
+                  <a:tcPr marL="0" marR="0" marT="0" marB="0"/>
+                </a:tc>
+                <a:tc>
+                  <a:txBody>
+                    <a:bodyPr/>
+                    <a:lstStyle/>
+                    <a:p>
+                      <a:pPr latinLnBrk="1"/>
+                      <a:endParaRPr lang="ko-KR" altLang="en-US" sz="1200"/>
+                    </a:p>
+                  </a:txBody>
+                  <a:tcPr marL="0" marR="0" marT="0" marB="0"/>
+                </a:tc>
+                <a:tc>
+                  <a:txBody>
+                    <a:bodyPr/>
+                    <a:lstStyle/>
+                    <a:p>
+                      <a:pPr latinLnBrk="1"/>
+                      <a:endParaRPr lang="ko-KR" altLang="en-US" sz="1200"/>
+                    </a:p>
+                  </a:txBody>
+                  <a:tcPr marL="0" marR="0" marT="0" marB="0"/>
+                </a:tc>
+                <a:tc>
+                  <a:txBody>
+                    <a:bodyPr/>
+                    <a:lstStyle/>
+                    <a:p>
+                      <a:pPr latinLnBrk="1"/>
+                      <a:endParaRPr lang="ko-KR" altLang="en-US" sz="1200"/>
+                    </a:p>
+                  </a:txBody>
+                  <a:tcPr marL="0" marR="0" marT="0" marB="0"/>
+                </a:tc>
+                <a:tc>
+                  <a:txBody>
+                    <a:bodyPr/>
+                    <a:lstStyle/>
+                    <a:p>
+                      <a:pPr latinLnBrk="1"/>
+                      <a:endParaRPr lang="ko-KR" altLang="en-US" sz="1200"/>
+                    </a:p>
+                  </a:txBody>
+                  <a:tcPr marL="0" marR="0" marT="0" marB="0"/>
+                </a:tc>
+                <a:tc>
+                  <a:txBody>
+                    <a:bodyPr/>
+                    <a:lstStyle/>
+                    <a:p>
+                      <a:pPr latinLnBrk="1"/>
+                      <a:endParaRPr lang="ko-KR" altLang="en-US" sz="1200"/>
+                    </a:p>
+                  </a:txBody>
+                  <a:tcPr marL="0" marR="0" marT="0" marB="0"/>
+                </a:tc>
+                <a:tc>
+                  <a:txBody>
+                    <a:bodyPr/>
+                    <a:lstStyle/>
+                    <a:p>
+                      <a:pPr latinLnBrk="1"/>
+                      <a:endParaRPr lang="ko-KR" altLang="en-US" sz="1200"/>
+                    </a:p>
+                  </a:txBody>
+                  <a:tcPr marL="0" marR="0" marT="0" marB="0"/>
+                </a:tc>
+                <a:tc>
+                  <a:txBody>
+                    <a:bodyPr/>
+                    <a:lstStyle/>
+                    <a:p>
+                      <a:pPr latinLnBrk="1"/>
+                      <a:endParaRPr lang="ko-KR" altLang="en-US" sz="1200"/>
+                    </a:p>
+                  </a:txBody>
+                  <a:tcPr marL="0" marR="0" marT="0" marB="0"/>
+                </a:tc>
+                <a:tc>
+                  <a:txBody>
+                    <a:bodyPr/>
+                    <a:lstStyle/>
+                    <a:p>
+                      <a:pPr latinLnBrk="1"/>
+                      <a:endParaRPr lang="ko-KR" altLang="en-US" sz="1200"/>
+                    </a:p>
+                  </a:txBody>
+                  <a:tcPr marL="0" marR="0" marT="0" marB="0"/>
+                </a:tc>
+                <a:tc>
+                  <a:txBody>
+                    <a:bodyPr/>
+                    <a:lstStyle/>
+                    <a:p>
+                      <a:pPr latinLnBrk="1"/>
+                      <a:endParaRPr lang="ko-KR" altLang="en-US" sz="1200"/>
+                    </a:p>
+                  </a:txBody>
+                  <a:tcPr marL="0" marR="0" marT="0" marB="0"/>
+                </a:tc>
+                <a:tc>
+                  <a:txBody>
+                    <a:bodyPr/>
+                    <a:lstStyle/>
+                    <a:p>
+                      <a:pPr latinLnBrk="1"/>
+                      <a:endParaRPr lang="ko-KR" altLang="en-US" sz="1200"/>
+                    </a:p>
+                  </a:txBody>
+                  <a:tcPr marL="0" marR="0" marT="0" marB="0"/>
+                </a:tc>
+                <a:tc>
+                  <a:txBody>
+                    <a:bodyPr/>
+                    <a:lstStyle/>
+                    <a:p>
+                      <a:pPr latinLnBrk="1"/>
+                      <a:endParaRPr lang="ko-KR" altLang="en-US" sz="1200" dirty="0"/>
+                    </a:p>
+                  </a:txBody>
+                  <a:tcPr marL="0" marR="0" marT="0" marB="0"/>
+                </a:tc>
+                <a:tc>
+                  <a:txBody>
+                    <a:bodyPr/>
+                    <a:lstStyle/>
+                    <a:p>
+                      <a:pPr latinLnBrk="1"/>
+                      <a:endParaRPr lang="ko-KR" altLang="en-US" sz="1200" dirty="0"/>
+                    </a:p>
+                  </a:txBody>
+                  <a:tcPr marL="0" marR="0" marT="0" marB="0"/>
+                </a:tc>
+                <a:tc>
+                  <a:txBody>
+                    <a:bodyPr/>
+                    <a:lstStyle/>
+                    <a:p>
+                      <a:pPr latinLnBrk="1"/>
+                      <a:endParaRPr lang="ko-KR" altLang="en-US" sz="1200" dirty="0"/>
+                    </a:p>
+                  </a:txBody>
+                  <a:tcPr marL="0" marR="0" marT="0" marB="0"/>
+                </a:tc>
+                <a:tc>
+                  <a:txBody>
+                    <a:bodyPr/>
+                    <a:lstStyle/>
+                    <a:p>
+                      <a:pPr latinLnBrk="1"/>
+                      <a:endParaRPr lang="ko-KR" altLang="en-US" sz="1200" dirty="0"/>
+                    </a:p>
+                  </a:txBody>
+                  <a:tcPr marL="0" marR="0" marT="0" marB="0"/>
+                </a:tc>
+                <a:tc>
+                  <a:txBody>
+                    <a:bodyPr/>
+                    <a:lstStyle/>
+                    <a:p>
+                      <a:pPr latinLnBrk="1"/>
+                      <a:endParaRPr lang="ko-KR" altLang="en-US" sz="1200" dirty="0"/>
+                    </a:p>
+                  </a:txBody>
+                  <a:tcPr marL="0" marR="0" marT="0" marB="0"/>
+                </a:tc>
+                <a:extLst>
+                  <a:ext uri="{0D108BD9-81ED-4DB2-BD59-A6C34878D82A}">
+                    <a16:rowId xmlns:a16="http://schemas.microsoft.com/office/drawing/2014/main" val="2107037399"/>
+                  </a:ext>
+                </a:extLst>
+              </a:tr>
+              <a:tr h="0">
+                <a:tc>
+                  <a:txBody>
+                    <a:bodyPr/>
+                    <a:lstStyle/>
+                    <a:p>
+                      <a:pPr algn="ctr" latinLnBrk="1"/>
+                      <a:r>
+                        <a:rPr lang="ko-KR" altLang="en-US" sz="1000" dirty="0">
+                          <a:latin typeface="맑은 고딕" panose="020B0503020000020004" pitchFamily="50" charset="-127"/>
+                          <a:ea typeface="맑은 고딕" panose="020B0503020000020004" pitchFamily="50" charset="-127"/>
+                        </a:rPr>
+                        <a:t>환경요소 배치</a:t>
+                      </a:r>
+                    </a:p>
+                  </a:txBody>
+                  <a:tcPr marL="0" marR="0" marT="0" marB="0"/>
+                </a:tc>
+                <a:tc>
+                  <a:txBody>
+                    <a:bodyPr/>
+                    <a:lstStyle/>
+                    <a:p>
+                      <a:pPr latinLnBrk="1"/>
+                      <a:endParaRPr lang="ko-KR" altLang="en-US" sz="1200" dirty="0"/>
+                    </a:p>
+                  </a:txBody>
+                  <a:tcPr marL="0" marR="0" marT="0" marB="0"/>
+                </a:tc>
+                <a:tc>
+                  <a:txBody>
+                    <a:bodyPr/>
+                    <a:lstStyle/>
+                    <a:p>
+                      <a:pPr latinLnBrk="1"/>
+                      <a:endParaRPr lang="ko-KR" altLang="en-US" sz="1200" dirty="0"/>
+                    </a:p>
+                  </a:txBody>
+                  <a:tcPr marL="0" marR="0" marT="0" marB="0"/>
+                </a:tc>
+                <a:tc>
+                  <a:txBody>
+                    <a:bodyPr/>
+                    <a:lstStyle/>
+                    <a:p>
+                      <a:pPr latinLnBrk="1"/>
+                      <a:endParaRPr lang="ko-KR" altLang="en-US" sz="1200" dirty="0"/>
+                    </a:p>
+                  </a:txBody>
+                  <a:tcPr marL="0" marR="0" marT="0" marB="0"/>
+                </a:tc>
+                <a:tc>
+                  <a:txBody>
+                    <a:bodyPr/>
+                    <a:lstStyle/>
+                    <a:p>
+                      <a:pPr latinLnBrk="1"/>
+                      <a:endParaRPr lang="ko-KR" altLang="en-US" sz="1200" dirty="0"/>
+                    </a:p>
+                  </a:txBody>
+                  <a:tcPr marL="0" marR="0" marT="0" marB="0"/>
+                </a:tc>
+                <a:tc>
+                  <a:txBody>
+                    <a:bodyPr/>
+                    <a:lstStyle/>
+                    <a:p>
+                      <a:pPr latinLnBrk="1"/>
+                      <a:endParaRPr lang="ko-KR" altLang="en-US" sz="1200" dirty="0"/>
+                    </a:p>
+                  </a:txBody>
+                  <a:tcPr marL="0" marR="0" marT="0" marB="0"/>
+                </a:tc>
+                <a:tc>
+                  <a:txBody>
+                    <a:bodyPr/>
+                    <a:lstStyle/>
+                    <a:p>
+                      <a:pPr latinLnBrk="1"/>
+                      <a:endParaRPr lang="ko-KR" altLang="en-US" sz="1200" dirty="0"/>
+                    </a:p>
+                  </a:txBody>
+                  <a:tcPr marL="0" marR="0" marT="0" marB="0"/>
+                </a:tc>
+                <a:tc>
+                  <a:txBody>
+                    <a:bodyPr/>
+                    <a:lstStyle/>
+                    <a:p>
+                      <a:pPr latinLnBrk="1"/>
+                      <a:endParaRPr lang="ko-KR" altLang="en-US" sz="1200" dirty="0"/>
+                    </a:p>
+                  </a:txBody>
+                  <a:tcPr marL="0" marR="0" marT="0" marB="0"/>
+                </a:tc>
+                <a:tc>
+                  <a:txBody>
+                    <a:bodyPr/>
+                    <a:lstStyle/>
+                    <a:p>
+                      <a:pPr latinLnBrk="1"/>
+                      <a:endParaRPr lang="ko-KR" altLang="en-US" sz="1200" dirty="0"/>
+                    </a:p>
+                  </a:txBody>
+                  <a:tcPr marL="0" marR="0" marT="0" marB="0"/>
+                </a:tc>
+                <a:tc>
+                  <a:txBody>
+                    <a:bodyPr/>
+                    <a:lstStyle/>
+                    <a:p>
+                      <a:pPr latinLnBrk="1"/>
+                      <a:endParaRPr lang="ko-KR" altLang="en-US" sz="1200"/>
+                    </a:p>
+                  </a:txBody>
+                  <a:tcPr marL="0" marR="0" marT="0" marB="0"/>
+                </a:tc>
+                <a:tc>
+                  <a:txBody>
+                    <a:bodyPr/>
+                    <a:lstStyle/>
+                    <a:p>
+                      <a:pPr latinLnBrk="1"/>
+                      <a:endParaRPr lang="ko-KR" altLang="en-US" sz="1200"/>
+                    </a:p>
+                  </a:txBody>
+                  <a:tcPr marL="0" marR="0" marT="0" marB="0"/>
+                </a:tc>
+                <a:tc>
+                  <a:txBody>
+                    <a:bodyPr/>
+                    <a:lstStyle/>
+                    <a:p>
+                      <a:pPr latinLnBrk="1"/>
+                      <a:endParaRPr lang="ko-KR" altLang="en-US" sz="1200"/>
+                    </a:p>
+                  </a:txBody>
+                  <a:tcPr marL="0" marR="0" marT="0" marB="0"/>
+                </a:tc>
+                <a:tc>
+                  <a:txBody>
+                    <a:bodyPr/>
+                    <a:lstStyle/>
+                    <a:p>
+                      <a:pPr latinLnBrk="1"/>
+                      <a:endParaRPr lang="ko-KR" altLang="en-US" sz="1200"/>
+                    </a:p>
+                  </a:txBody>
+                  <a:tcPr marL="0" marR="0" marT="0" marB="0"/>
+                </a:tc>
+                <a:tc>
+                  <a:txBody>
+                    <a:bodyPr/>
+                    <a:lstStyle/>
+                    <a:p>
+                      <a:pPr latinLnBrk="1"/>
+                      <a:endParaRPr lang="ko-KR" altLang="en-US" sz="1200"/>
+                    </a:p>
+                  </a:txBody>
+                  <a:tcPr marL="0" marR="0" marT="0" marB="0"/>
+                </a:tc>
+                <a:tc>
+                  <a:txBody>
+                    <a:bodyPr/>
+                    <a:lstStyle/>
+                    <a:p>
+                      <a:pPr latinLnBrk="1"/>
+                      <a:endParaRPr lang="ko-KR" altLang="en-US" sz="1200"/>
+                    </a:p>
+                  </a:txBody>
+                  <a:tcPr marL="0" marR="0" marT="0" marB="0"/>
+                </a:tc>
+                <a:tc>
+                  <a:txBody>
+                    <a:bodyPr/>
+                    <a:lstStyle/>
+                    <a:p>
+                      <a:pPr latinLnBrk="1"/>
+                      <a:endParaRPr lang="ko-KR" altLang="en-US" sz="1200"/>
+                    </a:p>
+                  </a:txBody>
+                  <a:tcPr marL="0" marR="0" marT="0" marB="0"/>
+                </a:tc>
+                <a:tc>
+                  <a:txBody>
+                    <a:bodyPr/>
+                    <a:lstStyle/>
+                    <a:p>
+                      <a:pPr latinLnBrk="1"/>
+                      <a:endParaRPr lang="ko-KR" altLang="en-US" sz="1200"/>
+                    </a:p>
+                  </a:txBody>
+                  <a:tcPr marL="0" marR="0" marT="0" marB="0"/>
+                </a:tc>
+                <a:tc>
+                  <a:txBody>
+                    <a:bodyPr/>
+                    <a:lstStyle/>
+                    <a:p>
+                      <a:pPr latinLnBrk="1"/>
+                      <a:endParaRPr lang="ko-KR" altLang="en-US" sz="1200"/>
+                    </a:p>
+                  </a:txBody>
+                  <a:tcPr marL="0" marR="0" marT="0" marB="0"/>
+                </a:tc>
+                <a:tc>
+                  <a:txBody>
+                    <a:bodyPr/>
+                    <a:lstStyle/>
+                    <a:p>
+                      <a:pPr latinLnBrk="1"/>
+                      <a:endParaRPr lang="ko-KR" altLang="en-US" sz="1200"/>
+                    </a:p>
+                  </a:txBody>
+                  <a:tcPr marL="0" marR="0" marT="0" marB="0"/>
+                </a:tc>
+                <a:tc>
+                  <a:txBody>
+                    <a:bodyPr/>
+                    <a:lstStyle/>
+                    <a:p>
+                      <a:pPr latinLnBrk="1"/>
+                      <a:endParaRPr lang="ko-KR" altLang="en-US" sz="1200"/>
+                    </a:p>
+                  </a:txBody>
+                  <a:tcPr marL="0" marR="0" marT="0" marB="0"/>
+                </a:tc>
+                <a:tc>
+                  <a:txBody>
+                    <a:bodyPr/>
+                    <a:lstStyle/>
+                    <a:p>
+                      <a:pPr latinLnBrk="1"/>
+                      <a:endParaRPr lang="ko-KR" altLang="en-US" sz="1200"/>
+                    </a:p>
+                  </a:txBody>
+                  <a:tcPr marL="0" marR="0" marT="0" marB="0"/>
+                </a:tc>
+                <a:tc>
+                  <a:txBody>
+                    <a:bodyPr/>
+                    <a:lstStyle/>
+                    <a:p>
+                      <a:pPr latinLnBrk="1"/>
+                      <a:endParaRPr lang="ko-KR" altLang="en-US" sz="1200"/>
+                    </a:p>
+                  </a:txBody>
+                  <a:tcPr marL="0" marR="0" marT="0" marB="0"/>
+                </a:tc>
+                <a:tc>
+                  <a:txBody>
+                    <a:bodyPr/>
+                    <a:lstStyle/>
+                    <a:p>
+                      <a:pPr latinLnBrk="1"/>
+                      <a:endParaRPr lang="ko-KR" altLang="en-US" sz="1200"/>
+                    </a:p>
+                  </a:txBody>
+                  <a:tcPr marL="0" marR="0" marT="0" marB="0"/>
+                </a:tc>
+                <a:tc>
+                  <a:txBody>
+                    <a:bodyPr/>
+                    <a:lstStyle/>
+                    <a:p>
+                      <a:pPr latinLnBrk="1"/>
+                      <a:endParaRPr lang="ko-KR" altLang="en-US" sz="1200"/>
+                    </a:p>
+                  </a:txBody>
+                  <a:tcPr marL="0" marR="0" marT="0" marB="0"/>
+                </a:tc>
+                <a:tc>
+                  <a:txBody>
+                    <a:bodyPr/>
+                    <a:lstStyle/>
+                    <a:p>
+                      <a:pPr latinLnBrk="1"/>
+                      <a:endParaRPr lang="ko-KR" altLang="en-US" sz="1200"/>
+                    </a:p>
+                  </a:txBody>
+                  <a:tcPr marL="0" marR="0" marT="0" marB="0"/>
+                </a:tc>
+                <a:tc>
+                  <a:txBody>
+                    <a:bodyPr/>
+                    <a:lstStyle/>
+                    <a:p>
+                      <a:pPr latinLnBrk="1"/>
+                      <a:endParaRPr lang="ko-KR" altLang="en-US" sz="1200"/>
+                    </a:p>
+                  </a:txBody>
+                  <a:tcPr marL="0" marR="0" marT="0" marB="0"/>
+                </a:tc>
+                <a:tc>
+                  <a:txBody>
+                    <a:bodyPr/>
+                    <a:lstStyle/>
+                    <a:p>
+                      <a:pPr latinLnBrk="1"/>
+                      <a:endParaRPr lang="ko-KR" altLang="en-US" sz="1200"/>
+                    </a:p>
+                  </a:txBody>
+                  <a:tcPr marL="0" marR="0" marT="0" marB="0"/>
+                </a:tc>
+                <a:tc>
+                  <a:txBody>
+                    <a:bodyPr/>
+                    <a:lstStyle/>
+                    <a:p>
+                      <a:pPr latinLnBrk="1"/>
+                      <a:endParaRPr lang="ko-KR" altLang="en-US" sz="1200"/>
+                    </a:p>
+                  </a:txBody>
+                  <a:tcPr marL="0" marR="0" marT="0" marB="0"/>
+                </a:tc>
+                <a:tc>
+                  <a:txBody>
+                    <a:bodyPr/>
+                    <a:lstStyle/>
+                    <a:p>
+                      <a:pPr latinLnBrk="1"/>
+                      <a:endParaRPr lang="ko-KR" altLang="en-US" sz="1200"/>
+                    </a:p>
+                  </a:txBody>
+                  <a:tcPr marL="0" marR="0" marT="0" marB="0"/>
+                </a:tc>
+                <a:tc>
+                  <a:txBody>
+                    <a:bodyPr/>
+                    <a:lstStyle/>
+                    <a:p>
+                      <a:pPr latinLnBrk="1"/>
+                      <a:endParaRPr lang="ko-KR" altLang="en-US" sz="1200"/>
+                    </a:p>
+                  </a:txBody>
+                  <a:tcPr marL="0" marR="0" marT="0" marB="0"/>
+                </a:tc>
+                <a:tc>
+                  <a:txBody>
+                    <a:bodyPr/>
+                    <a:lstStyle/>
+                    <a:p>
+                      <a:pPr latinLnBrk="1"/>
+                      <a:endParaRPr lang="ko-KR" altLang="en-US" sz="1200"/>
+                    </a:p>
+                  </a:txBody>
+                  <a:tcPr marL="0" marR="0" marT="0" marB="0"/>
+                </a:tc>
+                <a:tc>
+                  <a:txBody>
+                    <a:bodyPr/>
+                    <a:lstStyle/>
+                    <a:p>
+                      <a:pPr latinLnBrk="1"/>
+                      <a:endParaRPr lang="ko-KR" altLang="en-US" sz="1200"/>
+                    </a:p>
+                  </a:txBody>
+                  <a:tcPr marL="0" marR="0" marT="0" marB="0"/>
+                </a:tc>
+                <a:tc>
+                  <a:txBody>
+                    <a:bodyPr/>
+                    <a:lstStyle/>
+                    <a:p>
+                      <a:pPr latinLnBrk="1"/>
+                      <a:endParaRPr lang="ko-KR" altLang="en-US" sz="1200" dirty="0"/>
+                    </a:p>
+                  </a:txBody>
+                  <a:tcPr marL="0" marR="0" marT="0" marB="0"/>
+                </a:tc>
+                <a:tc>
+                  <a:txBody>
+                    <a:bodyPr/>
+                    <a:lstStyle/>
+                    <a:p>
+                      <a:pPr latinLnBrk="1"/>
+                      <a:endParaRPr lang="ko-KR" altLang="en-US" sz="1200" dirty="0"/>
+                    </a:p>
+                  </a:txBody>
+                  <a:tcPr marL="0" marR="0" marT="0" marB="0"/>
+                </a:tc>
+                <a:tc>
+                  <a:txBody>
+                    <a:bodyPr/>
+                    <a:lstStyle/>
+                    <a:p>
+                      <a:pPr latinLnBrk="1"/>
+                      <a:endParaRPr lang="ko-KR" altLang="en-US" sz="1200" dirty="0"/>
+                    </a:p>
+                  </a:txBody>
+                  <a:tcPr marL="0" marR="0" marT="0" marB="0"/>
+                </a:tc>
+                <a:tc>
+                  <a:txBody>
+                    <a:bodyPr/>
+                    <a:lstStyle/>
+                    <a:p>
+                      <a:pPr latinLnBrk="1"/>
+                      <a:endParaRPr lang="ko-KR" altLang="en-US" sz="1200" dirty="0"/>
+                    </a:p>
+                  </a:txBody>
+                  <a:tcPr marL="0" marR="0" marT="0" marB="0"/>
+                </a:tc>
+                <a:tc>
+                  <a:txBody>
+                    <a:bodyPr/>
+                    <a:lstStyle/>
+                    <a:p>
+                      <a:pPr latinLnBrk="1"/>
+                      <a:endParaRPr lang="ko-KR" altLang="en-US" sz="1200" dirty="0"/>
+                    </a:p>
+                  </a:txBody>
+                  <a:tcPr marL="0" marR="0" marT="0" marB="0"/>
+                </a:tc>
+                <a:extLst>
+                  <a:ext uri="{0D108BD9-81ED-4DB2-BD59-A6C34878D82A}">
+                    <a16:rowId xmlns:a16="http://schemas.microsoft.com/office/drawing/2014/main" val="3644296373"/>
+                  </a:ext>
+                </a:extLst>
+              </a:tr>
+              <a:tr h="0">
+                <a:tc>
+                  <a:txBody>
+                    <a:bodyPr/>
+                    <a:lstStyle/>
+                    <a:p>
+                      <a:pPr algn="ctr" latinLnBrk="1"/>
+                      <a:r>
+                        <a:rPr lang="ko-KR" altLang="en-US" sz="1000" dirty="0">
+                          <a:latin typeface="맑은 고딕" panose="020B0503020000020004" pitchFamily="50" charset="-127"/>
+                          <a:ea typeface="맑은 고딕" panose="020B0503020000020004" pitchFamily="50" charset="-127"/>
+                        </a:rPr>
+                        <a:t>동물 구현</a:t>
+                      </a:r>
+                    </a:p>
+                  </a:txBody>
+                  <a:tcPr marL="0" marR="0" marT="0" marB="0"/>
+                </a:tc>
+                <a:tc>
+                  <a:txBody>
+                    <a:bodyPr/>
+                    <a:lstStyle/>
+                    <a:p>
+                      <a:pPr latinLnBrk="1"/>
+                      <a:endParaRPr lang="ko-KR" altLang="en-US" sz="1200" dirty="0"/>
+                    </a:p>
+                  </a:txBody>
+                  <a:tcPr marL="0" marR="0" marT="0" marB="0"/>
+                </a:tc>
+                <a:tc>
+                  <a:txBody>
+                    <a:bodyPr/>
+                    <a:lstStyle/>
+                    <a:p>
+                      <a:pPr latinLnBrk="1"/>
+                      <a:endParaRPr lang="ko-KR" altLang="en-US" sz="1200" dirty="0"/>
+                    </a:p>
+                  </a:txBody>
+                  <a:tcPr marL="0" marR="0" marT="0" marB="0"/>
+                </a:tc>
+                <a:tc>
+                  <a:txBody>
+                    <a:bodyPr/>
+                    <a:lstStyle/>
+                    <a:p>
+                      <a:pPr latinLnBrk="1"/>
+                      <a:endParaRPr lang="ko-KR" altLang="en-US" sz="1200" dirty="0"/>
+                    </a:p>
+                  </a:txBody>
+                  <a:tcPr marL="0" marR="0" marT="0" marB="0"/>
+                </a:tc>
+                <a:tc>
+                  <a:txBody>
+                    <a:bodyPr/>
+                    <a:lstStyle/>
+                    <a:p>
+                      <a:pPr latinLnBrk="1"/>
+                      <a:endParaRPr lang="ko-KR" altLang="en-US" sz="1200" dirty="0"/>
+                    </a:p>
+                  </a:txBody>
+                  <a:tcPr marL="0" marR="0" marT="0" marB="0"/>
+                </a:tc>
+                <a:tc>
+                  <a:txBody>
+                    <a:bodyPr/>
+                    <a:lstStyle/>
+                    <a:p>
+                      <a:pPr latinLnBrk="1"/>
+                      <a:endParaRPr lang="ko-KR" altLang="en-US" sz="1200" dirty="0"/>
+                    </a:p>
+                  </a:txBody>
+                  <a:tcPr marL="0" marR="0" marT="0" marB="0"/>
+                </a:tc>
+                <a:tc>
+                  <a:txBody>
+                    <a:bodyPr/>
+                    <a:lstStyle/>
+                    <a:p>
+                      <a:pPr latinLnBrk="1"/>
+                      <a:endParaRPr lang="ko-KR" altLang="en-US" sz="1200" dirty="0"/>
+                    </a:p>
+                  </a:txBody>
+                  <a:tcPr marL="0" marR="0" marT="0" marB="0"/>
+                </a:tc>
+                <a:tc>
+                  <a:txBody>
+                    <a:bodyPr/>
+                    <a:lstStyle/>
+                    <a:p>
+                      <a:pPr latinLnBrk="1"/>
+                      <a:endParaRPr lang="ko-KR" altLang="en-US" sz="1200" dirty="0"/>
+                    </a:p>
+                  </a:txBody>
+                  <a:tcPr marL="0" marR="0" marT="0" marB="0"/>
+                </a:tc>
+                <a:tc>
+                  <a:txBody>
+                    <a:bodyPr/>
+                    <a:lstStyle/>
+                    <a:p>
+                      <a:pPr latinLnBrk="1"/>
+                      <a:endParaRPr lang="ko-KR" altLang="en-US" sz="1200" dirty="0"/>
+                    </a:p>
+                  </a:txBody>
+                  <a:tcPr marL="0" marR="0" marT="0" marB="0"/>
+                </a:tc>
+                <a:tc>
+                  <a:txBody>
+                    <a:bodyPr/>
+                    <a:lstStyle/>
+                    <a:p>
+                      <a:pPr latinLnBrk="1"/>
+                      <a:endParaRPr lang="ko-KR" altLang="en-US" sz="1200"/>
+                    </a:p>
+                  </a:txBody>
+                  <a:tcPr marL="0" marR="0" marT="0" marB="0"/>
+                </a:tc>
+                <a:tc>
+                  <a:txBody>
+                    <a:bodyPr/>
+                    <a:lstStyle/>
+                    <a:p>
+                      <a:pPr latinLnBrk="1"/>
+                      <a:endParaRPr lang="ko-KR" altLang="en-US" sz="1200"/>
+                    </a:p>
+                  </a:txBody>
+                  <a:tcPr marL="0" marR="0" marT="0" marB="0"/>
+                </a:tc>
+                <a:tc>
+                  <a:txBody>
+                    <a:bodyPr/>
+                    <a:lstStyle/>
+                    <a:p>
+                      <a:pPr latinLnBrk="1"/>
+                      <a:endParaRPr lang="ko-KR" altLang="en-US" sz="1200"/>
+                    </a:p>
+                  </a:txBody>
+                  <a:tcPr marL="0" marR="0" marT="0" marB="0"/>
+                </a:tc>
+                <a:tc>
+                  <a:txBody>
+                    <a:bodyPr/>
+                    <a:lstStyle/>
+                    <a:p>
+                      <a:pPr latinLnBrk="1"/>
+                      <a:endParaRPr lang="ko-KR" altLang="en-US" sz="1200"/>
+                    </a:p>
+                  </a:txBody>
+                  <a:tcPr marL="0" marR="0" marT="0" marB="0"/>
+                </a:tc>
+                <a:tc>
+                  <a:txBody>
+                    <a:bodyPr/>
+                    <a:lstStyle/>
+                    <a:p>
+                      <a:pPr latinLnBrk="1"/>
+                      <a:endParaRPr lang="ko-KR" altLang="en-US" sz="1200"/>
+                    </a:p>
+                  </a:txBody>
+                  <a:tcPr marL="0" marR="0" marT="0" marB="0"/>
+                </a:tc>
+                <a:tc>
+                  <a:txBody>
+                    <a:bodyPr/>
+                    <a:lstStyle/>
+                    <a:p>
+                      <a:pPr latinLnBrk="1"/>
+                      <a:endParaRPr lang="ko-KR" altLang="en-US" sz="1200"/>
+                    </a:p>
+                  </a:txBody>
+                  <a:tcPr marL="0" marR="0" marT="0" marB="0"/>
+                </a:tc>
+                <a:tc>
+                  <a:txBody>
+                    <a:bodyPr/>
+                    <a:lstStyle/>
+                    <a:p>
+                      <a:pPr latinLnBrk="1"/>
+                      <a:endParaRPr lang="ko-KR" altLang="en-US" sz="1200"/>
+                    </a:p>
+                  </a:txBody>
+                  <a:tcPr marL="0" marR="0" marT="0" marB="0"/>
+                </a:tc>
+                <a:tc>
+                  <a:txBody>
+                    <a:bodyPr/>
+                    <a:lstStyle/>
+                    <a:p>
+                      <a:pPr latinLnBrk="1"/>
+                      <a:endParaRPr lang="ko-KR" altLang="en-US" sz="1200"/>
+                    </a:p>
+                  </a:txBody>
+                  <a:tcPr marL="0" marR="0" marT="0" marB="0"/>
+                </a:tc>
+                <a:tc>
+                  <a:txBody>
+                    <a:bodyPr/>
+                    <a:lstStyle/>
+                    <a:p>
+                      <a:pPr latinLnBrk="1"/>
+                      <a:endParaRPr lang="ko-KR" altLang="en-US" sz="1200"/>
+                    </a:p>
+                  </a:txBody>
+                  <a:tcPr marL="0" marR="0" marT="0" marB="0"/>
+                </a:tc>
+                <a:tc>
+                  <a:txBody>
+                    <a:bodyPr/>
+                    <a:lstStyle/>
+                    <a:p>
+                      <a:pPr latinLnBrk="1"/>
+                      <a:endParaRPr lang="ko-KR" altLang="en-US" sz="1200"/>
+                    </a:p>
+                  </a:txBody>
+                  <a:tcPr marL="0" marR="0" marT="0" marB="0"/>
+                </a:tc>
+                <a:tc>
+                  <a:txBody>
+                    <a:bodyPr/>
+                    <a:lstStyle/>
+                    <a:p>
+                      <a:pPr latinLnBrk="1"/>
+                      <a:endParaRPr lang="ko-KR" altLang="en-US" sz="1200"/>
+                    </a:p>
+                  </a:txBody>
+                  <a:tcPr marL="0" marR="0" marT="0" marB="0"/>
+                </a:tc>
+                <a:tc>
+                  <a:txBody>
+                    <a:bodyPr/>
+                    <a:lstStyle/>
+                    <a:p>
+                      <a:pPr latinLnBrk="1"/>
+                      <a:endParaRPr lang="ko-KR" altLang="en-US" sz="1200"/>
+                    </a:p>
+                  </a:txBody>
+                  <a:tcPr marL="0" marR="0" marT="0" marB="0"/>
+                </a:tc>
+                <a:tc>
+                  <a:txBody>
+                    <a:bodyPr/>
+                    <a:lstStyle/>
+                    <a:p>
+                      <a:pPr latinLnBrk="1"/>
+                      <a:endParaRPr lang="ko-KR" altLang="en-US" sz="1200"/>
+                    </a:p>
+                  </a:txBody>
+                  <a:tcPr marL="0" marR="0" marT="0" marB="0"/>
+                </a:tc>
+                <a:tc>
+                  <a:txBody>
+                    <a:bodyPr/>
+                    <a:lstStyle/>
+                    <a:p>
+                      <a:pPr latinLnBrk="1"/>
+                      <a:endParaRPr lang="ko-KR" altLang="en-US" sz="1200"/>
+                    </a:p>
+                  </a:txBody>
+                  <a:tcPr marL="0" marR="0" marT="0" marB="0"/>
+                </a:tc>
+                <a:tc>
+                  <a:txBody>
+                    <a:bodyPr/>
+                    <a:lstStyle/>
+                    <a:p>
+                      <a:pPr latinLnBrk="1"/>
+                      <a:endParaRPr lang="ko-KR" altLang="en-US" sz="1200"/>
+                    </a:p>
+                  </a:txBody>
+                  <a:tcPr marL="0" marR="0" marT="0" marB="0"/>
+                </a:tc>
+                <a:tc>
+                  <a:txBody>
+                    <a:bodyPr/>
+                    <a:lstStyle/>
+                    <a:p>
+                      <a:pPr latinLnBrk="1"/>
+                      <a:endParaRPr lang="ko-KR" altLang="en-US" sz="1200"/>
+                    </a:p>
+                  </a:txBody>
+                  <a:tcPr marL="0" marR="0" marT="0" marB="0"/>
+                </a:tc>
+                <a:tc>
+                  <a:txBody>
+                    <a:bodyPr/>
+                    <a:lstStyle/>
+                    <a:p>
+                      <a:pPr latinLnBrk="1"/>
+                      <a:endParaRPr lang="ko-KR" altLang="en-US" sz="1200"/>
+                    </a:p>
+                  </a:txBody>
+                  <a:tcPr marL="0" marR="0" marT="0" marB="0"/>
+                </a:tc>
+                <a:tc>
+                  <a:txBody>
+                    <a:bodyPr/>
+                    <a:lstStyle/>
+                    <a:p>
+                      <a:pPr latinLnBrk="1"/>
+                      <a:endParaRPr lang="ko-KR" altLang="en-US" sz="1200"/>
+                    </a:p>
+                  </a:txBody>
+                  <a:tcPr marL="0" marR="0" marT="0" marB="0"/>
+                </a:tc>
+                <a:tc>
+                  <a:txBody>
+                    <a:bodyPr/>
+                    <a:lstStyle/>
+                    <a:p>
+                      <a:pPr latinLnBrk="1"/>
+                      <a:endParaRPr lang="ko-KR" altLang="en-US" sz="1200"/>
+                    </a:p>
+                  </a:txBody>
+                  <a:tcPr marL="0" marR="0" marT="0" marB="0"/>
+                </a:tc>
+                <a:tc>
+                  <a:txBody>
+                    <a:bodyPr/>
+                    <a:lstStyle/>
+                    <a:p>
+                      <a:pPr latinLnBrk="1"/>
+                      <a:endParaRPr lang="ko-KR" altLang="en-US" sz="1200"/>
+                    </a:p>
+                  </a:txBody>
+                  <a:tcPr marL="0" marR="0" marT="0" marB="0"/>
+                </a:tc>
+                <a:tc>
+                  <a:txBody>
+                    <a:bodyPr/>
+                    <a:lstStyle/>
+                    <a:p>
+                      <a:pPr latinLnBrk="1"/>
+                      <a:endParaRPr lang="ko-KR" altLang="en-US" sz="1200"/>
+                    </a:p>
+                  </a:txBody>
+                  <a:tcPr marL="0" marR="0" marT="0" marB="0"/>
+                </a:tc>
+                <a:tc>
+                  <a:txBody>
+                    <a:bodyPr/>
+                    <a:lstStyle/>
+                    <a:p>
+                      <a:pPr latinLnBrk="1"/>
+                      <a:endParaRPr lang="ko-KR" altLang="en-US" sz="1200"/>
+                    </a:p>
+                  </a:txBody>
+                  <a:tcPr marL="0" marR="0" marT="0" marB="0"/>
+                </a:tc>
+                <a:tc>
+                  <a:txBody>
+                    <a:bodyPr/>
+                    <a:lstStyle/>
+                    <a:p>
+                      <a:pPr latinLnBrk="1"/>
+                      <a:endParaRPr lang="ko-KR" altLang="en-US" sz="1200"/>
+                    </a:p>
+                  </a:txBody>
+                  <a:tcPr marL="0" marR="0" marT="0" marB="0"/>
+                </a:tc>
+                <a:tc>
+                  <a:txBody>
+                    <a:bodyPr/>
+                    <a:lstStyle/>
+                    <a:p>
+                      <a:pPr latinLnBrk="1"/>
+                      <a:endParaRPr lang="ko-KR" altLang="en-US" sz="1200" dirty="0"/>
+                    </a:p>
+                  </a:txBody>
+                  <a:tcPr marL="0" marR="0" marT="0" marB="0"/>
+                </a:tc>
+                <a:tc>
+                  <a:txBody>
+                    <a:bodyPr/>
+                    <a:lstStyle/>
+                    <a:p>
+                      <a:pPr latinLnBrk="1"/>
+                      <a:endParaRPr lang="ko-KR" altLang="en-US" sz="1200" dirty="0"/>
+                    </a:p>
+                  </a:txBody>
+                  <a:tcPr marL="0" marR="0" marT="0" marB="0"/>
+                </a:tc>
+                <a:tc>
+                  <a:txBody>
+                    <a:bodyPr/>
+                    <a:lstStyle/>
+                    <a:p>
+                      <a:pPr latinLnBrk="1"/>
+                      <a:endParaRPr lang="ko-KR" altLang="en-US" sz="1200" dirty="0"/>
+                    </a:p>
+                  </a:txBody>
+                  <a:tcPr marL="0" marR="0" marT="0" marB="0"/>
+                </a:tc>
+                <a:tc>
+                  <a:txBody>
+                    <a:bodyPr/>
+                    <a:lstStyle/>
+                    <a:p>
+                      <a:pPr latinLnBrk="1"/>
+                      <a:endParaRPr lang="ko-KR" altLang="en-US" sz="1200" dirty="0"/>
+                    </a:p>
+                  </a:txBody>
+                  <a:tcPr marL="0" marR="0" marT="0" marB="0"/>
+                </a:tc>
+                <a:tc>
+                  <a:txBody>
+                    <a:bodyPr/>
+                    <a:lstStyle/>
+                    <a:p>
+                      <a:pPr latinLnBrk="1"/>
+                      <a:endParaRPr lang="ko-KR" altLang="en-US" sz="1200" dirty="0"/>
+                    </a:p>
+                  </a:txBody>
+                  <a:tcPr marL="0" marR="0" marT="0" marB="0"/>
+                </a:tc>
+                <a:extLst>
+                  <a:ext uri="{0D108BD9-81ED-4DB2-BD59-A6C34878D82A}">
+                    <a16:rowId xmlns:a16="http://schemas.microsoft.com/office/drawing/2014/main" val="2062468179"/>
+                  </a:ext>
+                </a:extLst>
+              </a:tr>
+              <a:tr h="0">
+                <a:tc>
+                  <a:txBody>
+                    <a:bodyPr/>
+                    <a:lstStyle/>
+                    <a:p>
+                      <a:pPr algn="ctr" latinLnBrk="1"/>
+                      <a:r>
+                        <a:rPr lang="ko-KR" altLang="en-US" sz="1000" dirty="0">
+                          <a:latin typeface="맑은 고딕" panose="020B0503020000020004" pitchFamily="50" charset="-127"/>
+                          <a:ea typeface="맑은 고딕" panose="020B0503020000020004" pitchFamily="50" charset="-127"/>
+                        </a:rPr>
+                        <a:t>레벨 디자인</a:t>
+                      </a:r>
+                    </a:p>
+                  </a:txBody>
+                  <a:tcPr marL="0" marR="0" marT="0" marB="0"/>
+                </a:tc>
+                <a:tc>
+                  <a:txBody>
+                    <a:bodyPr/>
+                    <a:lstStyle/>
+                    <a:p>
+                      <a:pPr latinLnBrk="1"/>
+                      <a:endParaRPr lang="ko-KR" altLang="en-US" sz="1200" dirty="0"/>
+                    </a:p>
+                  </a:txBody>
+                  <a:tcPr marL="0" marR="0" marT="0" marB="0"/>
+                </a:tc>
+                <a:tc>
+                  <a:txBody>
+                    <a:bodyPr/>
+                    <a:lstStyle/>
+                    <a:p>
+                      <a:pPr latinLnBrk="1"/>
+                      <a:endParaRPr lang="ko-KR" altLang="en-US" sz="1200" dirty="0"/>
+                    </a:p>
+                  </a:txBody>
+                  <a:tcPr marL="0" marR="0" marT="0" marB="0"/>
+                </a:tc>
+                <a:tc>
+                  <a:txBody>
+                    <a:bodyPr/>
+                    <a:lstStyle/>
+                    <a:p>
+                      <a:pPr latinLnBrk="1"/>
+                      <a:endParaRPr lang="ko-KR" altLang="en-US" sz="1200" dirty="0"/>
+                    </a:p>
+                  </a:txBody>
+                  <a:tcPr marL="0" marR="0" marT="0" marB="0"/>
+                </a:tc>
+                <a:tc>
+                  <a:txBody>
+                    <a:bodyPr/>
+                    <a:lstStyle/>
+                    <a:p>
+                      <a:pPr latinLnBrk="1"/>
+                      <a:endParaRPr lang="ko-KR" altLang="en-US" sz="1200" dirty="0"/>
+                    </a:p>
+                  </a:txBody>
+                  <a:tcPr marL="0" marR="0" marT="0" marB="0"/>
+                </a:tc>
+                <a:tc>
+                  <a:txBody>
+                    <a:bodyPr/>
+                    <a:lstStyle/>
+                    <a:p>
+                      <a:pPr latinLnBrk="1"/>
+                      <a:endParaRPr lang="ko-KR" altLang="en-US" sz="1200" dirty="0"/>
+                    </a:p>
+                  </a:txBody>
+                  <a:tcPr marL="0" marR="0" marT="0" marB="0"/>
+                </a:tc>
+                <a:tc>
+                  <a:txBody>
+                    <a:bodyPr/>
+                    <a:lstStyle/>
+                    <a:p>
+                      <a:pPr latinLnBrk="1"/>
+                      <a:endParaRPr lang="ko-KR" altLang="en-US" sz="1200" dirty="0"/>
+                    </a:p>
+                  </a:txBody>
+                  <a:tcPr marL="0" marR="0" marT="0" marB="0"/>
+                </a:tc>
+                <a:tc>
+                  <a:txBody>
+                    <a:bodyPr/>
+                    <a:lstStyle/>
+                    <a:p>
+                      <a:pPr latinLnBrk="1"/>
+                      <a:endParaRPr lang="ko-KR" altLang="en-US" sz="1200" dirty="0"/>
+                    </a:p>
+                  </a:txBody>
+                  <a:tcPr marL="0" marR="0" marT="0" marB="0"/>
+                </a:tc>
+                <a:tc>
+                  <a:txBody>
+                    <a:bodyPr/>
+                    <a:lstStyle/>
+                    <a:p>
+                      <a:pPr latinLnBrk="1"/>
+                      <a:endParaRPr lang="ko-KR" altLang="en-US" sz="1200" dirty="0"/>
+                    </a:p>
+                  </a:txBody>
+                  <a:tcPr marL="0" marR="0" marT="0" marB="0"/>
+                </a:tc>
+                <a:tc>
+                  <a:txBody>
+                    <a:bodyPr/>
+                    <a:lstStyle/>
+                    <a:p>
+                      <a:pPr latinLnBrk="1"/>
+                      <a:endParaRPr lang="ko-KR" altLang="en-US" sz="1200"/>
+                    </a:p>
+                  </a:txBody>
+                  <a:tcPr marL="0" marR="0" marT="0" marB="0"/>
+                </a:tc>
+                <a:tc>
+                  <a:txBody>
+                    <a:bodyPr/>
+                    <a:lstStyle/>
+                    <a:p>
+                      <a:pPr latinLnBrk="1"/>
+                      <a:endParaRPr lang="ko-KR" altLang="en-US" sz="1200"/>
+                    </a:p>
+                  </a:txBody>
+                  <a:tcPr marL="0" marR="0" marT="0" marB="0"/>
+                </a:tc>
+                <a:tc>
+                  <a:txBody>
+                    <a:bodyPr/>
+                    <a:lstStyle/>
+                    <a:p>
+                      <a:pPr latinLnBrk="1"/>
+                      <a:endParaRPr lang="ko-KR" altLang="en-US" sz="1200"/>
+                    </a:p>
+                  </a:txBody>
+                  <a:tcPr marL="0" marR="0" marT="0" marB="0"/>
+                </a:tc>
+                <a:tc>
+                  <a:txBody>
+                    <a:bodyPr/>
+                    <a:lstStyle/>
+                    <a:p>
+                      <a:pPr latinLnBrk="1"/>
+                      <a:endParaRPr lang="ko-KR" altLang="en-US" sz="1200"/>
+                    </a:p>
+                  </a:txBody>
+                  <a:tcPr marL="0" marR="0" marT="0" marB="0"/>
+                </a:tc>
+                <a:tc>
+                  <a:txBody>
+                    <a:bodyPr/>
+                    <a:lstStyle/>
+                    <a:p>
+                      <a:pPr latinLnBrk="1"/>
+                      <a:endParaRPr lang="ko-KR" altLang="en-US" sz="1200"/>
+                    </a:p>
+                  </a:txBody>
+                  <a:tcPr marL="0" marR="0" marT="0" marB="0"/>
+                </a:tc>
+                <a:tc>
+                  <a:txBody>
+                    <a:bodyPr/>
+                    <a:lstStyle/>
+                    <a:p>
+                      <a:pPr latinLnBrk="1"/>
+                      <a:endParaRPr lang="ko-KR" altLang="en-US" sz="1200"/>
+                    </a:p>
+                  </a:txBody>
+                  <a:tcPr marL="0" marR="0" marT="0" marB="0"/>
+                </a:tc>
+                <a:tc>
+                  <a:txBody>
+                    <a:bodyPr/>
+                    <a:lstStyle/>
+                    <a:p>
+                      <a:pPr latinLnBrk="1"/>
+                      <a:endParaRPr lang="ko-KR" altLang="en-US" sz="1200"/>
+                    </a:p>
+                  </a:txBody>
+                  <a:tcPr marL="0" marR="0" marT="0" marB="0"/>
+                </a:tc>
+                <a:tc>
+                  <a:txBody>
+                    <a:bodyPr/>
+                    <a:lstStyle/>
+                    <a:p>
+                      <a:pPr latinLnBrk="1"/>
+                      <a:endParaRPr lang="ko-KR" altLang="en-US" sz="1200"/>
+                    </a:p>
+                  </a:txBody>
+                  <a:tcPr marL="0" marR="0" marT="0" marB="0"/>
+                </a:tc>
+                <a:tc>
+                  <a:txBody>
+                    <a:bodyPr/>
+                    <a:lstStyle/>
+                    <a:p>
+                      <a:pPr latinLnBrk="1"/>
+                      <a:endParaRPr lang="ko-KR" altLang="en-US" sz="1200"/>
+                    </a:p>
+                  </a:txBody>
+                  <a:tcPr marL="0" marR="0" marT="0" marB="0"/>
+                </a:tc>
+                <a:tc>
+                  <a:txBody>
+                    <a:bodyPr/>
+                    <a:lstStyle/>
+                    <a:p>
+                      <a:pPr latinLnBrk="1"/>
+                      <a:endParaRPr lang="ko-KR" altLang="en-US" sz="1200"/>
+                    </a:p>
+                  </a:txBody>
+                  <a:tcPr marL="0" marR="0" marT="0" marB="0"/>
+                </a:tc>
+                <a:tc>
+                  <a:txBody>
+                    <a:bodyPr/>
+                    <a:lstStyle/>
+                    <a:p>
+                      <a:pPr latinLnBrk="1"/>
+                      <a:endParaRPr lang="ko-KR" altLang="en-US" sz="1200"/>
+                    </a:p>
+                  </a:txBody>
+                  <a:tcPr marL="0" marR="0" marT="0" marB="0"/>
+                </a:tc>
+                <a:tc>
+                  <a:txBody>
+                    <a:bodyPr/>
+                    <a:lstStyle/>
+                    <a:p>
+                      <a:pPr latinLnBrk="1"/>
+                      <a:endParaRPr lang="ko-KR" altLang="en-US" sz="1200"/>
+                    </a:p>
+                  </a:txBody>
+                  <a:tcPr marL="0" marR="0" marT="0" marB="0"/>
+                </a:tc>
+                <a:tc>
+                  <a:txBody>
+                    <a:bodyPr/>
+                    <a:lstStyle/>
+                    <a:p>
+                      <a:pPr latinLnBrk="1"/>
+                      <a:endParaRPr lang="ko-KR" altLang="en-US" sz="1200"/>
+                    </a:p>
+                  </a:txBody>
+                  <a:tcPr marL="0" marR="0" marT="0" marB="0"/>
+                </a:tc>
+                <a:tc>
+                  <a:txBody>
+                    <a:bodyPr/>
+                    <a:lstStyle/>
+                    <a:p>
+                      <a:pPr latinLnBrk="1"/>
+                      <a:endParaRPr lang="ko-KR" altLang="en-US" sz="1200"/>
+                    </a:p>
+                  </a:txBody>
+                  <a:tcPr marL="0" marR="0" marT="0" marB="0"/>
+                </a:tc>
+                <a:tc>
+                  <a:txBody>
+                    <a:bodyPr/>
+                    <a:lstStyle/>
+                    <a:p>
+                      <a:pPr latinLnBrk="1"/>
+                      <a:endParaRPr lang="ko-KR" altLang="en-US" sz="1200"/>
+                    </a:p>
+                  </a:txBody>
+                  <a:tcPr marL="0" marR="0" marT="0" marB="0"/>
+                </a:tc>
+                <a:tc>
+                  <a:txBody>
+                    <a:bodyPr/>
+                    <a:lstStyle/>
+                    <a:p>
+                      <a:pPr latinLnBrk="1"/>
+                      <a:endParaRPr lang="ko-KR" altLang="en-US" sz="1200"/>
+                    </a:p>
+                  </a:txBody>
+                  <a:tcPr marL="0" marR="0" marT="0" marB="0"/>
+                </a:tc>
+                <a:tc>
+                  <a:txBody>
+                    <a:bodyPr/>
+                    <a:lstStyle/>
+                    <a:p>
+                      <a:pPr latinLnBrk="1"/>
+                      <a:endParaRPr lang="ko-KR" altLang="en-US" sz="1200"/>
+                    </a:p>
+                  </a:txBody>
+                  <a:tcPr marL="0" marR="0" marT="0" marB="0"/>
+                </a:tc>
+                <a:tc>
+                  <a:txBody>
+                    <a:bodyPr/>
+                    <a:lstStyle/>
+                    <a:p>
+                      <a:pPr latinLnBrk="1"/>
+                      <a:endParaRPr lang="ko-KR" altLang="en-US" sz="1200"/>
+                    </a:p>
+                  </a:txBody>
+                  <a:tcPr marL="0" marR="0" marT="0" marB="0"/>
+                </a:tc>
+                <a:tc>
+                  <a:txBody>
+                    <a:bodyPr/>
+                    <a:lstStyle/>
+                    <a:p>
+                      <a:pPr latinLnBrk="1"/>
+                      <a:endParaRPr lang="ko-KR" altLang="en-US" sz="1200"/>
+                    </a:p>
+                  </a:txBody>
+                  <a:tcPr marL="0" marR="0" marT="0" marB="0"/>
+                </a:tc>
+                <a:tc>
+                  <a:txBody>
+                    <a:bodyPr/>
+                    <a:lstStyle/>
+                    <a:p>
+                      <a:pPr latinLnBrk="1"/>
+                      <a:endParaRPr lang="ko-KR" altLang="en-US" sz="1200"/>
+                    </a:p>
+                  </a:txBody>
+                  <a:tcPr marL="0" marR="0" marT="0" marB="0"/>
+                </a:tc>
+                <a:tc>
+                  <a:txBody>
+                    <a:bodyPr/>
+                    <a:lstStyle/>
+                    <a:p>
+                      <a:pPr latinLnBrk="1"/>
+                      <a:endParaRPr lang="ko-KR" altLang="en-US" sz="1200"/>
+                    </a:p>
+                  </a:txBody>
+                  <a:tcPr marL="0" marR="0" marT="0" marB="0"/>
+                </a:tc>
+                <a:tc>
+                  <a:txBody>
+                    <a:bodyPr/>
+                    <a:lstStyle/>
+                    <a:p>
+                      <a:pPr latinLnBrk="1"/>
+                      <a:endParaRPr lang="ko-KR" altLang="en-US" sz="1200"/>
+                    </a:p>
+                  </a:txBody>
+                  <a:tcPr marL="0" marR="0" marT="0" marB="0"/>
+                </a:tc>
+                <a:tc>
+                  <a:txBody>
+                    <a:bodyPr/>
+                    <a:lstStyle/>
+                    <a:p>
+                      <a:pPr latinLnBrk="1"/>
+                      <a:endParaRPr lang="ko-KR" altLang="en-US" sz="1200"/>
+                    </a:p>
+                  </a:txBody>
+                  <a:tcPr marL="0" marR="0" marT="0" marB="0"/>
+                </a:tc>
+                <a:tc>
+                  <a:txBody>
+                    <a:bodyPr/>
+                    <a:lstStyle/>
+                    <a:p>
+                      <a:pPr latinLnBrk="1"/>
+                      <a:endParaRPr lang="ko-KR" altLang="en-US" sz="1200" dirty="0"/>
+                    </a:p>
+                  </a:txBody>
+                  <a:tcPr marL="0" marR="0" marT="0" marB="0"/>
+                </a:tc>
+                <a:tc>
+                  <a:txBody>
+                    <a:bodyPr/>
+                    <a:lstStyle/>
+                    <a:p>
+                      <a:pPr latinLnBrk="1"/>
+                      <a:endParaRPr lang="ko-KR" altLang="en-US" sz="1200" dirty="0"/>
+                    </a:p>
+                  </a:txBody>
+                  <a:tcPr marL="0" marR="0" marT="0" marB="0"/>
+                </a:tc>
+                <a:tc>
+                  <a:txBody>
+                    <a:bodyPr/>
+                    <a:lstStyle/>
+                    <a:p>
+                      <a:pPr latinLnBrk="1"/>
+                      <a:endParaRPr lang="ko-KR" altLang="en-US" sz="1200" dirty="0"/>
+                    </a:p>
+                  </a:txBody>
+                  <a:tcPr marL="0" marR="0" marT="0" marB="0"/>
+                </a:tc>
+                <a:tc>
+                  <a:txBody>
+                    <a:bodyPr/>
+                    <a:lstStyle/>
+                    <a:p>
+                      <a:pPr latinLnBrk="1"/>
+                      <a:endParaRPr lang="ko-KR" altLang="en-US" sz="1200" dirty="0"/>
+                    </a:p>
+                  </a:txBody>
+                  <a:tcPr marL="0" marR="0" marT="0" marB="0"/>
+                </a:tc>
+                <a:tc>
+                  <a:txBody>
+                    <a:bodyPr/>
+                    <a:lstStyle/>
+                    <a:p>
+                      <a:pPr latinLnBrk="1"/>
+                      <a:endParaRPr lang="ko-KR" altLang="en-US" sz="1200" dirty="0"/>
+                    </a:p>
+                  </a:txBody>
+                  <a:tcPr marL="0" marR="0" marT="0" marB="0"/>
+                </a:tc>
+                <a:extLst>
+                  <a:ext uri="{0D108BD9-81ED-4DB2-BD59-A6C34878D82A}">
+                    <a16:rowId xmlns:a16="http://schemas.microsoft.com/office/drawing/2014/main" val="415375644"/>
+                  </a:ext>
+                </a:extLst>
+              </a:tr>
+              <a:tr h="0">
+                <a:tc>
+                  <a:txBody>
+                    <a:bodyPr/>
+                    <a:lstStyle/>
+                    <a:p>
+                      <a:pPr algn="ctr" latinLnBrk="1"/>
+                      <a:r>
+                        <a:rPr lang="ko-KR" altLang="en-US" sz="1000" dirty="0">
+                          <a:latin typeface="맑은 고딕" panose="020B0503020000020004" pitchFamily="50" charset="-127"/>
+                          <a:ea typeface="맑은 고딕" panose="020B0503020000020004" pitchFamily="50" charset="-127"/>
+                        </a:rPr>
+                        <a:t>서버 프레임워크</a:t>
+                      </a:r>
+                    </a:p>
+                  </a:txBody>
+                  <a:tcPr marL="0" marR="0" marT="0" marB="0"/>
+                </a:tc>
+                <a:tc>
+                  <a:txBody>
+                    <a:bodyPr/>
+                    <a:lstStyle/>
+                    <a:p>
+                      <a:pPr latinLnBrk="1"/>
+                      <a:endParaRPr lang="ko-KR" altLang="en-US" sz="1200"/>
+                    </a:p>
+                  </a:txBody>
+                  <a:tcPr marL="0" marR="0" marT="0" marB="0"/>
+                </a:tc>
+                <a:tc>
+                  <a:txBody>
+                    <a:bodyPr/>
+                    <a:lstStyle/>
+                    <a:p>
+                      <a:pPr latinLnBrk="1"/>
+                      <a:endParaRPr lang="ko-KR" altLang="en-US" sz="1200"/>
+                    </a:p>
+                  </a:txBody>
+                  <a:tcPr marL="0" marR="0" marT="0" marB="0"/>
+                </a:tc>
+                <a:tc>
+                  <a:txBody>
+                    <a:bodyPr/>
+                    <a:lstStyle/>
+                    <a:p>
+                      <a:pPr latinLnBrk="1"/>
+                      <a:endParaRPr lang="ko-KR" altLang="en-US" sz="1200"/>
+                    </a:p>
+                  </a:txBody>
+                  <a:tcPr marL="0" marR="0" marT="0" marB="0"/>
+                </a:tc>
+                <a:tc>
+                  <a:txBody>
+                    <a:bodyPr/>
+                    <a:lstStyle/>
+                    <a:p>
+                      <a:pPr latinLnBrk="1"/>
+                      <a:endParaRPr lang="ko-KR" altLang="en-US" sz="1200" dirty="0"/>
+                    </a:p>
+                  </a:txBody>
+                  <a:tcPr marL="0" marR="0" marT="0" marB="0"/>
+                </a:tc>
+                <a:tc>
+                  <a:txBody>
+                    <a:bodyPr/>
+                    <a:lstStyle/>
+                    <a:p>
+                      <a:pPr latinLnBrk="1"/>
+                      <a:endParaRPr lang="ko-KR" altLang="en-US" sz="1200"/>
+                    </a:p>
+                  </a:txBody>
+                  <a:tcPr marL="0" marR="0" marT="0" marB="0"/>
+                </a:tc>
+                <a:tc>
+                  <a:txBody>
+                    <a:bodyPr/>
+                    <a:lstStyle/>
+                    <a:p>
+                      <a:pPr latinLnBrk="1"/>
+                      <a:endParaRPr lang="ko-KR" altLang="en-US" sz="1200"/>
+                    </a:p>
+                  </a:txBody>
+                  <a:tcPr marL="0" marR="0" marT="0" marB="0"/>
+                </a:tc>
+                <a:tc>
+                  <a:txBody>
+                    <a:bodyPr/>
+                    <a:lstStyle/>
+                    <a:p>
+                      <a:pPr latinLnBrk="1"/>
+                      <a:endParaRPr lang="ko-KR" altLang="en-US" sz="1200"/>
+                    </a:p>
+                  </a:txBody>
+                  <a:tcPr marL="0" marR="0" marT="0" marB="0"/>
+                </a:tc>
+                <a:tc>
+                  <a:txBody>
+                    <a:bodyPr/>
+                    <a:lstStyle/>
+                    <a:p>
+                      <a:pPr latinLnBrk="1"/>
+                      <a:endParaRPr lang="ko-KR" altLang="en-US" sz="1200"/>
+                    </a:p>
+                  </a:txBody>
+                  <a:tcPr marL="0" marR="0" marT="0" marB="0"/>
+                </a:tc>
+                <a:tc>
+                  <a:txBody>
+                    <a:bodyPr/>
+                    <a:lstStyle/>
+                    <a:p>
+                      <a:pPr latinLnBrk="1"/>
+                      <a:endParaRPr lang="ko-KR" altLang="en-US" sz="1200" dirty="0"/>
+                    </a:p>
+                  </a:txBody>
+                  <a:tcPr marL="0" marR="0" marT="0" marB="0"/>
+                </a:tc>
+                <a:tc>
+                  <a:txBody>
+                    <a:bodyPr/>
+                    <a:lstStyle/>
+                    <a:p>
+                      <a:pPr latinLnBrk="1"/>
+                      <a:endParaRPr lang="ko-KR" altLang="en-US" sz="1200" dirty="0"/>
+                    </a:p>
+                  </a:txBody>
+                  <a:tcPr marL="0" marR="0" marT="0" marB="0"/>
+                </a:tc>
+                <a:tc>
+                  <a:txBody>
+                    <a:bodyPr/>
+                    <a:lstStyle/>
+                    <a:p>
+                      <a:pPr latinLnBrk="1"/>
+                      <a:endParaRPr lang="ko-KR" altLang="en-US" sz="1200" dirty="0"/>
+                    </a:p>
+                  </a:txBody>
+                  <a:tcPr marL="0" marR="0" marT="0" marB="0"/>
+                </a:tc>
+                <a:tc>
+                  <a:txBody>
+                    <a:bodyPr/>
+                    <a:lstStyle/>
+                    <a:p>
+                      <a:pPr latinLnBrk="1"/>
+                      <a:endParaRPr lang="ko-KR" altLang="en-US" sz="1200" dirty="0"/>
+                    </a:p>
+                  </a:txBody>
+                  <a:tcPr marL="0" marR="0" marT="0" marB="0"/>
+                </a:tc>
+                <a:tc>
+                  <a:txBody>
+                    <a:bodyPr/>
+                    <a:lstStyle/>
+                    <a:p>
+                      <a:pPr latinLnBrk="1"/>
+                      <a:endParaRPr lang="ko-KR" altLang="en-US" sz="1200"/>
+                    </a:p>
+                  </a:txBody>
+                  <a:tcPr marL="0" marR="0" marT="0" marB="0"/>
+                </a:tc>
+                <a:tc>
+                  <a:txBody>
+                    <a:bodyPr/>
+                    <a:lstStyle/>
+                    <a:p>
+                      <a:pPr latinLnBrk="1"/>
+                      <a:endParaRPr lang="ko-KR" altLang="en-US" sz="1200"/>
+                    </a:p>
+                  </a:txBody>
+                  <a:tcPr marL="0" marR="0" marT="0" marB="0"/>
+                </a:tc>
+                <a:tc>
+                  <a:txBody>
+                    <a:bodyPr/>
+                    <a:lstStyle/>
+                    <a:p>
+                      <a:pPr latinLnBrk="1"/>
+                      <a:endParaRPr lang="ko-KR" altLang="en-US" sz="1200"/>
+                    </a:p>
+                  </a:txBody>
+                  <a:tcPr marL="0" marR="0" marT="0" marB="0"/>
+                </a:tc>
+                <a:tc>
+                  <a:txBody>
+                    <a:bodyPr/>
+                    <a:lstStyle/>
+                    <a:p>
+                      <a:pPr latinLnBrk="1"/>
+                      <a:endParaRPr lang="ko-KR" altLang="en-US" sz="1200"/>
+                    </a:p>
+                  </a:txBody>
+                  <a:tcPr marL="0" marR="0" marT="0" marB="0"/>
+                </a:tc>
+                <a:tc>
+                  <a:txBody>
+                    <a:bodyPr/>
+                    <a:lstStyle/>
+                    <a:p>
+                      <a:pPr latinLnBrk="1"/>
+                      <a:endParaRPr lang="ko-KR" altLang="en-US" sz="1200"/>
+                    </a:p>
+                  </a:txBody>
+                  <a:tcPr marL="0" marR="0" marT="0" marB="0"/>
+                </a:tc>
+                <a:tc>
+                  <a:txBody>
+                    <a:bodyPr/>
+                    <a:lstStyle/>
+                    <a:p>
+                      <a:pPr latinLnBrk="1"/>
+                      <a:endParaRPr lang="ko-KR" altLang="en-US" sz="1200"/>
+                    </a:p>
+                  </a:txBody>
+                  <a:tcPr marL="0" marR="0" marT="0" marB="0"/>
+                </a:tc>
+                <a:tc>
+                  <a:txBody>
+                    <a:bodyPr/>
+                    <a:lstStyle/>
+                    <a:p>
+                      <a:pPr latinLnBrk="1"/>
+                      <a:endParaRPr lang="ko-KR" altLang="en-US" sz="1200"/>
+                    </a:p>
+                  </a:txBody>
+                  <a:tcPr marL="0" marR="0" marT="0" marB="0"/>
+                </a:tc>
+                <a:tc>
+                  <a:txBody>
+                    <a:bodyPr/>
+                    <a:lstStyle/>
+                    <a:p>
+                      <a:pPr latinLnBrk="1"/>
+                      <a:endParaRPr lang="ko-KR" altLang="en-US" sz="1200"/>
+                    </a:p>
+                  </a:txBody>
+                  <a:tcPr marL="0" marR="0" marT="0" marB="0"/>
+                </a:tc>
+                <a:tc>
+                  <a:txBody>
+                    <a:bodyPr/>
+                    <a:lstStyle/>
+                    <a:p>
+                      <a:pPr latinLnBrk="1"/>
+                      <a:endParaRPr lang="ko-KR" altLang="en-US" sz="1200"/>
+                    </a:p>
+                  </a:txBody>
+                  <a:tcPr marL="0" marR="0" marT="0" marB="0"/>
+                </a:tc>
+                <a:tc>
+                  <a:txBody>
+                    <a:bodyPr/>
+                    <a:lstStyle/>
+                    <a:p>
+                      <a:pPr latinLnBrk="1"/>
+                      <a:endParaRPr lang="ko-KR" altLang="en-US" sz="1200"/>
+                    </a:p>
+                  </a:txBody>
+                  <a:tcPr marL="0" marR="0" marT="0" marB="0"/>
+                </a:tc>
+                <a:tc>
+                  <a:txBody>
+                    <a:bodyPr/>
+                    <a:lstStyle/>
+                    <a:p>
+                      <a:pPr latinLnBrk="1"/>
+                      <a:endParaRPr lang="ko-KR" altLang="en-US" sz="1200"/>
+                    </a:p>
+                  </a:txBody>
+                  <a:tcPr marL="0" marR="0" marT="0" marB="0"/>
+                </a:tc>
+                <a:tc>
+                  <a:txBody>
+                    <a:bodyPr/>
+                    <a:lstStyle/>
+                    <a:p>
+                      <a:pPr latinLnBrk="1"/>
+                      <a:endParaRPr lang="ko-KR" altLang="en-US" sz="1200"/>
+                    </a:p>
+                  </a:txBody>
+                  <a:tcPr marL="0" marR="0" marT="0" marB="0"/>
+                </a:tc>
+                <a:tc>
+                  <a:txBody>
+                    <a:bodyPr/>
+                    <a:lstStyle/>
+                    <a:p>
+                      <a:pPr latinLnBrk="1"/>
+                      <a:endParaRPr lang="ko-KR" altLang="en-US" sz="1200"/>
+                    </a:p>
+                  </a:txBody>
+                  <a:tcPr marL="0" marR="0" marT="0" marB="0"/>
+                </a:tc>
+                <a:tc>
+                  <a:txBody>
+                    <a:bodyPr/>
+                    <a:lstStyle/>
+                    <a:p>
+                      <a:pPr latinLnBrk="1"/>
+                      <a:endParaRPr lang="ko-KR" altLang="en-US" sz="1200"/>
+                    </a:p>
+                  </a:txBody>
+                  <a:tcPr marL="0" marR="0" marT="0" marB="0"/>
+                </a:tc>
+                <a:tc>
+                  <a:txBody>
+                    <a:bodyPr/>
+                    <a:lstStyle/>
+                    <a:p>
+                      <a:pPr latinLnBrk="1"/>
+                      <a:endParaRPr lang="ko-KR" altLang="en-US" sz="1200"/>
+                    </a:p>
+                  </a:txBody>
+                  <a:tcPr marL="0" marR="0" marT="0" marB="0"/>
+                </a:tc>
+                <a:tc>
+                  <a:txBody>
+                    <a:bodyPr/>
+                    <a:lstStyle/>
+                    <a:p>
+                      <a:pPr latinLnBrk="1"/>
+                      <a:endParaRPr lang="ko-KR" altLang="en-US" sz="1200"/>
+                    </a:p>
+                  </a:txBody>
+                  <a:tcPr marL="0" marR="0" marT="0" marB="0"/>
+                </a:tc>
+                <a:tc>
+                  <a:txBody>
+                    <a:bodyPr/>
+                    <a:lstStyle/>
+                    <a:p>
+                      <a:pPr latinLnBrk="1"/>
+                      <a:endParaRPr lang="ko-KR" altLang="en-US" sz="1200"/>
+                    </a:p>
+                  </a:txBody>
+                  <a:tcPr marL="0" marR="0" marT="0" marB="0"/>
+                </a:tc>
+                <a:tc>
+                  <a:txBody>
+                    <a:bodyPr/>
+                    <a:lstStyle/>
+                    <a:p>
+                      <a:pPr latinLnBrk="1"/>
+                      <a:endParaRPr lang="ko-KR" altLang="en-US" sz="1200"/>
+                    </a:p>
+                  </a:txBody>
+                  <a:tcPr marL="0" marR="0" marT="0" marB="0"/>
+                </a:tc>
+                <a:tc>
+                  <a:txBody>
+                    <a:bodyPr/>
+                    <a:lstStyle/>
+                    <a:p>
+                      <a:pPr latinLnBrk="1"/>
+                      <a:endParaRPr lang="ko-KR" altLang="en-US" sz="1200"/>
+                    </a:p>
+                  </a:txBody>
+                  <a:tcPr marL="0" marR="0" marT="0" marB="0"/>
+                </a:tc>
+                <a:tc>
+                  <a:txBody>
+                    <a:bodyPr/>
+                    <a:lstStyle/>
+                    <a:p>
+                      <a:pPr latinLnBrk="1"/>
+                      <a:endParaRPr lang="ko-KR" altLang="en-US" sz="1200"/>
+                    </a:p>
+                  </a:txBody>
+                  <a:tcPr marL="0" marR="0" marT="0" marB="0"/>
+                </a:tc>
+                <a:tc>
+                  <a:txBody>
+                    <a:bodyPr/>
+                    <a:lstStyle/>
+                    <a:p>
+                      <a:pPr latinLnBrk="1"/>
+                      <a:endParaRPr lang="ko-KR" altLang="en-US" sz="1200"/>
+                    </a:p>
+                  </a:txBody>
+                  <a:tcPr marL="0" marR="0" marT="0" marB="0"/>
+                </a:tc>
+                <a:tc>
+                  <a:txBody>
+                    <a:bodyPr/>
+                    <a:lstStyle/>
+                    <a:p>
+                      <a:pPr latinLnBrk="1"/>
+                      <a:endParaRPr lang="ko-KR" altLang="en-US" sz="1200"/>
+                    </a:p>
+                  </a:txBody>
+                  <a:tcPr marL="0" marR="0" marT="0" marB="0"/>
+                </a:tc>
+                <a:tc>
+                  <a:txBody>
+                    <a:bodyPr/>
+                    <a:lstStyle/>
+                    <a:p>
+                      <a:pPr latinLnBrk="1"/>
+                      <a:endParaRPr lang="ko-KR" altLang="en-US" sz="1200"/>
+                    </a:p>
+                  </a:txBody>
+                  <a:tcPr marL="0" marR="0" marT="0" marB="0"/>
+                </a:tc>
+                <a:tc>
+                  <a:txBody>
+                    <a:bodyPr/>
+                    <a:lstStyle/>
+                    <a:p>
+                      <a:pPr latinLnBrk="1"/>
+                      <a:endParaRPr lang="ko-KR" altLang="en-US" sz="1200"/>
+                    </a:p>
+                  </a:txBody>
+                  <a:tcPr marL="0" marR="0" marT="0" marB="0"/>
+                </a:tc>
+                <a:extLst>
+                  <a:ext uri="{0D108BD9-81ED-4DB2-BD59-A6C34878D82A}">
+                    <a16:rowId xmlns:a16="http://schemas.microsoft.com/office/drawing/2014/main" val="1151812040"/>
+                  </a:ext>
+                </a:extLst>
+              </a:tr>
+              <a:tr h="0">
+                <a:tc>
+                  <a:txBody>
+                    <a:bodyPr/>
+                    <a:lstStyle/>
+                    <a:p>
+                      <a:pPr algn="ctr" latinLnBrk="1"/>
+                      <a:r>
+                        <a:rPr lang="ko-KR" altLang="en-US" sz="1000" dirty="0">
+                          <a:latin typeface="맑은 고딕" panose="020B0503020000020004" pitchFamily="50" charset="-127"/>
+                          <a:ea typeface="맑은 고딕" panose="020B0503020000020004" pitchFamily="50" charset="-127"/>
+                        </a:rPr>
+                        <a:t>그림자</a:t>
+                      </a:r>
+                      <a:r>
+                        <a:rPr lang="en-US" altLang="ko-KR" sz="1000" dirty="0">
+                          <a:latin typeface="맑은 고딕" panose="020B0503020000020004" pitchFamily="50" charset="-127"/>
+                          <a:ea typeface="맑은 고딕" panose="020B0503020000020004" pitchFamily="50" charset="-127"/>
+                        </a:rPr>
+                        <a:t>&amp;</a:t>
+                      </a:r>
+                      <a:r>
+                        <a:rPr lang="ko-KR" altLang="en-US" sz="1000" dirty="0">
+                          <a:latin typeface="맑은 고딕" panose="020B0503020000020004" pitchFamily="50" charset="-127"/>
+                          <a:ea typeface="맑은 고딕" panose="020B0503020000020004" pitchFamily="50" charset="-127"/>
+                        </a:rPr>
+                        <a:t>조명</a:t>
+                      </a:r>
+                    </a:p>
+                  </a:txBody>
+                  <a:tcPr marL="0" marR="0" marT="0" marB="0"/>
+                </a:tc>
+                <a:tc>
+                  <a:txBody>
+                    <a:bodyPr/>
+                    <a:lstStyle/>
+                    <a:p>
+                      <a:pPr latinLnBrk="1"/>
+                      <a:endParaRPr lang="ko-KR" altLang="en-US" sz="1200"/>
+                    </a:p>
+                  </a:txBody>
+                  <a:tcPr marL="0" marR="0" marT="0" marB="0"/>
+                </a:tc>
+                <a:tc>
+                  <a:txBody>
+                    <a:bodyPr/>
+                    <a:lstStyle/>
+                    <a:p>
+                      <a:pPr latinLnBrk="1"/>
+                      <a:endParaRPr lang="ko-KR" altLang="en-US" sz="1200" dirty="0"/>
+                    </a:p>
+                  </a:txBody>
+                  <a:tcPr marL="0" marR="0" marT="0" marB="0"/>
+                </a:tc>
+                <a:tc>
+                  <a:txBody>
+                    <a:bodyPr/>
+                    <a:lstStyle/>
+                    <a:p>
+                      <a:pPr latinLnBrk="1"/>
+                      <a:endParaRPr lang="ko-KR" altLang="en-US" sz="1200"/>
+                    </a:p>
+                  </a:txBody>
+                  <a:tcPr marL="0" marR="0" marT="0" marB="0"/>
+                </a:tc>
+                <a:tc>
+                  <a:txBody>
+                    <a:bodyPr/>
+                    <a:lstStyle/>
+                    <a:p>
+                      <a:pPr latinLnBrk="1"/>
+                      <a:endParaRPr lang="ko-KR" altLang="en-US" sz="1200" dirty="0"/>
+                    </a:p>
+                  </a:txBody>
+                  <a:tcPr marL="0" marR="0" marT="0" marB="0"/>
+                </a:tc>
+                <a:tc>
+                  <a:txBody>
+                    <a:bodyPr/>
+                    <a:lstStyle/>
+                    <a:p>
+                      <a:pPr latinLnBrk="1"/>
+                      <a:endParaRPr lang="ko-KR" altLang="en-US" sz="1200" dirty="0"/>
+                    </a:p>
+                  </a:txBody>
+                  <a:tcPr marL="0" marR="0" marT="0" marB="0"/>
+                </a:tc>
+                <a:tc>
+                  <a:txBody>
+                    <a:bodyPr/>
+                    <a:lstStyle/>
+                    <a:p>
+                      <a:pPr latinLnBrk="1"/>
+                      <a:endParaRPr lang="ko-KR" altLang="en-US" sz="1200"/>
+                    </a:p>
+                  </a:txBody>
+                  <a:tcPr marL="0" marR="0" marT="0" marB="0"/>
+                </a:tc>
+                <a:tc>
+                  <a:txBody>
+                    <a:bodyPr/>
+                    <a:lstStyle/>
+                    <a:p>
+                      <a:pPr latinLnBrk="1"/>
+                      <a:endParaRPr lang="ko-KR" altLang="en-US" sz="1200"/>
+                    </a:p>
+                  </a:txBody>
+                  <a:tcPr marL="0" marR="0" marT="0" marB="0"/>
+                </a:tc>
+                <a:tc>
+                  <a:txBody>
+                    <a:bodyPr/>
+                    <a:lstStyle/>
+                    <a:p>
+                      <a:pPr latinLnBrk="1"/>
+                      <a:endParaRPr lang="ko-KR" altLang="en-US" sz="1200"/>
+                    </a:p>
+                  </a:txBody>
+                  <a:tcPr marL="0" marR="0" marT="0" marB="0"/>
+                </a:tc>
+                <a:tc>
+                  <a:txBody>
+                    <a:bodyPr/>
+                    <a:lstStyle/>
+                    <a:p>
+                      <a:pPr latinLnBrk="1"/>
+                      <a:endParaRPr lang="ko-KR" altLang="en-US" sz="1200" dirty="0"/>
+                    </a:p>
+                  </a:txBody>
+                  <a:tcPr marL="0" marR="0" marT="0" marB="0"/>
+                </a:tc>
+                <a:tc>
+                  <a:txBody>
+                    <a:bodyPr/>
+                    <a:lstStyle/>
+                    <a:p>
+                      <a:pPr latinLnBrk="1"/>
+                      <a:endParaRPr lang="ko-KR" altLang="en-US" sz="1200" dirty="0"/>
+                    </a:p>
+                  </a:txBody>
+                  <a:tcPr marL="0" marR="0" marT="0" marB="0"/>
+                </a:tc>
+                <a:tc>
+                  <a:txBody>
+                    <a:bodyPr/>
+                    <a:lstStyle/>
+                    <a:p>
+                      <a:pPr latinLnBrk="1"/>
+                      <a:endParaRPr lang="ko-KR" altLang="en-US" sz="1200" dirty="0"/>
+                    </a:p>
+                  </a:txBody>
+                  <a:tcPr marL="0" marR="0" marT="0" marB="0"/>
+                </a:tc>
+                <a:tc>
+                  <a:txBody>
+                    <a:bodyPr/>
+                    <a:lstStyle/>
+                    <a:p>
+                      <a:pPr latinLnBrk="1"/>
+                      <a:endParaRPr lang="ko-KR" altLang="en-US" sz="1200" dirty="0"/>
+                    </a:p>
+                  </a:txBody>
+                  <a:tcPr marL="0" marR="0" marT="0" marB="0"/>
+                </a:tc>
+                <a:tc>
+                  <a:txBody>
+                    <a:bodyPr/>
+                    <a:lstStyle/>
+                    <a:p>
+                      <a:pPr latinLnBrk="1"/>
+                      <a:endParaRPr lang="ko-KR" altLang="en-US" sz="1200"/>
+                    </a:p>
+                  </a:txBody>
+                  <a:tcPr marL="0" marR="0" marT="0" marB="0"/>
+                </a:tc>
+                <a:tc>
+                  <a:txBody>
+                    <a:bodyPr/>
+                    <a:lstStyle/>
+                    <a:p>
+                      <a:pPr latinLnBrk="1"/>
+                      <a:endParaRPr lang="ko-KR" altLang="en-US" sz="1200"/>
+                    </a:p>
+                  </a:txBody>
+                  <a:tcPr marL="0" marR="0" marT="0" marB="0"/>
+                </a:tc>
+                <a:tc>
+                  <a:txBody>
+                    <a:bodyPr/>
+                    <a:lstStyle/>
+                    <a:p>
+                      <a:pPr latinLnBrk="1"/>
+                      <a:endParaRPr lang="ko-KR" altLang="en-US" sz="1200"/>
+                    </a:p>
+                  </a:txBody>
+                  <a:tcPr marL="0" marR="0" marT="0" marB="0"/>
+                </a:tc>
+                <a:tc>
+                  <a:txBody>
+                    <a:bodyPr/>
+                    <a:lstStyle/>
+                    <a:p>
+                      <a:pPr latinLnBrk="1"/>
+                      <a:endParaRPr lang="ko-KR" altLang="en-US" sz="1200"/>
+                    </a:p>
+                  </a:txBody>
+                  <a:tcPr marL="0" marR="0" marT="0" marB="0"/>
+                </a:tc>
+                <a:tc>
+                  <a:txBody>
+                    <a:bodyPr/>
+                    <a:lstStyle/>
+                    <a:p>
+                      <a:pPr latinLnBrk="1"/>
+                      <a:endParaRPr lang="ko-KR" altLang="en-US" sz="1200"/>
+                    </a:p>
+                  </a:txBody>
+                  <a:tcPr marL="0" marR="0" marT="0" marB="0"/>
+                </a:tc>
+                <a:tc>
+                  <a:txBody>
+                    <a:bodyPr/>
+                    <a:lstStyle/>
+                    <a:p>
+                      <a:pPr latinLnBrk="1"/>
+                      <a:endParaRPr lang="ko-KR" altLang="en-US" sz="1200"/>
+                    </a:p>
+                  </a:txBody>
+                  <a:tcPr marL="0" marR="0" marT="0" marB="0"/>
+                </a:tc>
+                <a:tc>
+                  <a:txBody>
+                    <a:bodyPr/>
+                    <a:lstStyle/>
+                    <a:p>
+                      <a:pPr latinLnBrk="1"/>
+                      <a:endParaRPr lang="ko-KR" altLang="en-US" sz="1200"/>
+                    </a:p>
+                  </a:txBody>
+                  <a:tcPr marL="0" marR="0" marT="0" marB="0"/>
+                </a:tc>
+                <a:tc>
+                  <a:txBody>
+                    <a:bodyPr/>
+                    <a:lstStyle/>
+                    <a:p>
+                      <a:pPr latinLnBrk="1"/>
+                      <a:endParaRPr lang="ko-KR" altLang="en-US" sz="1200"/>
+                    </a:p>
+                  </a:txBody>
+                  <a:tcPr marL="0" marR="0" marT="0" marB="0"/>
+                </a:tc>
+                <a:tc>
+                  <a:txBody>
+                    <a:bodyPr/>
+                    <a:lstStyle/>
+                    <a:p>
+                      <a:pPr latinLnBrk="1"/>
+                      <a:endParaRPr lang="ko-KR" altLang="en-US" sz="1200"/>
+                    </a:p>
+                  </a:txBody>
+                  <a:tcPr marL="0" marR="0" marT="0" marB="0"/>
+                </a:tc>
+                <a:tc>
+                  <a:txBody>
+                    <a:bodyPr/>
+                    <a:lstStyle/>
+                    <a:p>
+                      <a:pPr latinLnBrk="1"/>
+                      <a:endParaRPr lang="ko-KR" altLang="en-US" sz="1200"/>
+                    </a:p>
+                  </a:txBody>
+                  <a:tcPr marL="0" marR="0" marT="0" marB="0"/>
+                </a:tc>
+                <a:tc>
+                  <a:txBody>
+                    <a:bodyPr/>
+                    <a:lstStyle/>
+                    <a:p>
+                      <a:pPr latinLnBrk="1"/>
+                      <a:endParaRPr lang="ko-KR" altLang="en-US" sz="1200"/>
+                    </a:p>
+                  </a:txBody>
+                  <a:tcPr marL="0" marR="0" marT="0" marB="0"/>
+                </a:tc>
+                <a:tc>
+                  <a:txBody>
+                    <a:bodyPr/>
+                    <a:lstStyle/>
+                    <a:p>
+                      <a:pPr latinLnBrk="1"/>
+                      <a:endParaRPr lang="ko-KR" altLang="en-US" sz="1200"/>
+                    </a:p>
+                  </a:txBody>
+                  <a:tcPr marL="0" marR="0" marT="0" marB="0"/>
+                </a:tc>
+                <a:tc>
+                  <a:txBody>
+                    <a:bodyPr/>
+                    <a:lstStyle/>
+                    <a:p>
+                      <a:pPr latinLnBrk="1"/>
+                      <a:endParaRPr lang="ko-KR" altLang="en-US" sz="1200"/>
+                    </a:p>
+                  </a:txBody>
+                  <a:tcPr marL="0" marR="0" marT="0" marB="0"/>
+                </a:tc>
+                <a:tc>
+                  <a:txBody>
+                    <a:bodyPr/>
+                    <a:lstStyle/>
+                    <a:p>
+                      <a:pPr latinLnBrk="1"/>
+                      <a:endParaRPr lang="ko-KR" altLang="en-US" sz="1200" dirty="0"/>
+                    </a:p>
+                  </a:txBody>
+                  <a:tcPr marL="0" marR="0" marT="0" marB="0"/>
+                </a:tc>
+                <a:tc>
+                  <a:txBody>
+                    <a:bodyPr/>
+                    <a:lstStyle/>
+                    <a:p>
+                      <a:pPr latinLnBrk="1"/>
+                      <a:endParaRPr lang="ko-KR" altLang="en-US" sz="1200"/>
+                    </a:p>
+                  </a:txBody>
+                  <a:tcPr marL="0" marR="0" marT="0" marB="0"/>
+                </a:tc>
+                <a:tc>
+                  <a:txBody>
+                    <a:bodyPr/>
+                    <a:lstStyle/>
+                    <a:p>
+                      <a:pPr latinLnBrk="1"/>
+                      <a:endParaRPr lang="ko-KR" altLang="en-US" sz="1200"/>
+                    </a:p>
+                  </a:txBody>
+                  <a:tcPr marL="0" marR="0" marT="0" marB="0"/>
+                </a:tc>
+                <a:tc>
+                  <a:txBody>
+                    <a:bodyPr/>
+                    <a:lstStyle/>
+                    <a:p>
+                      <a:pPr latinLnBrk="1"/>
+                      <a:endParaRPr lang="ko-KR" altLang="en-US" sz="1200"/>
+                    </a:p>
+                  </a:txBody>
+                  <a:tcPr marL="0" marR="0" marT="0" marB="0"/>
+                </a:tc>
+                <a:tc>
+                  <a:txBody>
+                    <a:bodyPr/>
+                    <a:lstStyle/>
+                    <a:p>
+                      <a:pPr latinLnBrk="1"/>
+                      <a:endParaRPr lang="ko-KR" altLang="en-US" sz="1200"/>
+                    </a:p>
+                  </a:txBody>
+                  <a:tcPr marL="0" marR="0" marT="0" marB="0"/>
+                </a:tc>
+                <a:tc>
+                  <a:txBody>
+                    <a:bodyPr/>
+                    <a:lstStyle/>
+                    <a:p>
+                      <a:pPr latinLnBrk="1"/>
+                      <a:endParaRPr lang="ko-KR" altLang="en-US" sz="1200"/>
+                    </a:p>
+                  </a:txBody>
+                  <a:tcPr marL="0" marR="0" marT="0" marB="0"/>
+                </a:tc>
+                <a:tc>
+                  <a:txBody>
+                    <a:bodyPr/>
+                    <a:lstStyle/>
+                    <a:p>
+                      <a:pPr latinLnBrk="1"/>
+                      <a:endParaRPr lang="ko-KR" altLang="en-US" sz="1200"/>
+                    </a:p>
+                  </a:txBody>
+                  <a:tcPr marL="0" marR="0" marT="0" marB="0"/>
+                </a:tc>
+                <a:tc>
+                  <a:txBody>
+                    <a:bodyPr/>
+                    <a:lstStyle/>
+                    <a:p>
+                      <a:pPr latinLnBrk="1"/>
+                      <a:endParaRPr lang="ko-KR" altLang="en-US" sz="1200"/>
+                    </a:p>
+                  </a:txBody>
+                  <a:tcPr marL="0" marR="0" marT="0" marB="0"/>
+                </a:tc>
+                <a:tc>
+                  <a:txBody>
+                    <a:bodyPr/>
+                    <a:lstStyle/>
+                    <a:p>
+                      <a:pPr latinLnBrk="1"/>
+                      <a:endParaRPr lang="ko-KR" altLang="en-US" sz="1200"/>
+                    </a:p>
+                  </a:txBody>
+                  <a:tcPr marL="0" marR="0" marT="0" marB="0"/>
+                </a:tc>
+                <a:tc>
+                  <a:txBody>
+                    <a:bodyPr/>
+                    <a:lstStyle/>
+                    <a:p>
+                      <a:pPr latinLnBrk="1"/>
+                      <a:endParaRPr lang="ko-KR" altLang="en-US" sz="1200"/>
+                    </a:p>
+                  </a:txBody>
+                  <a:tcPr marL="0" marR="0" marT="0" marB="0"/>
+                </a:tc>
+                <a:tc>
+                  <a:txBody>
+                    <a:bodyPr/>
+                    <a:lstStyle/>
+                    <a:p>
+                      <a:pPr latinLnBrk="1"/>
+                      <a:endParaRPr lang="ko-KR" altLang="en-US" sz="1200"/>
+                    </a:p>
+                  </a:txBody>
+                  <a:tcPr marL="0" marR="0" marT="0" marB="0"/>
+                </a:tc>
+                <a:extLst>
+                  <a:ext uri="{0D108BD9-81ED-4DB2-BD59-A6C34878D82A}">
+                    <a16:rowId xmlns:a16="http://schemas.microsoft.com/office/drawing/2014/main" val="1309646309"/>
+                  </a:ext>
+                </a:extLst>
+              </a:tr>
+              <a:tr h="0">
+                <a:tc>
+                  <a:txBody>
+                    <a:bodyPr/>
+                    <a:lstStyle/>
+                    <a:p>
+                      <a:pPr algn="ctr" latinLnBrk="1"/>
+                      <a:r>
+                        <a:rPr lang="ko-KR" altLang="en-US" sz="1000" dirty="0" err="1">
+                          <a:latin typeface="맑은 고딕" panose="020B0503020000020004" pitchFamily="50" charset="-127"/>
+                          <a:ea typeface="맑은 고딕" panose="020B0503020000020004" pitchFamily="50" charset="-127"/>
+                        </a:rPr>
+                        <a:t>노멀</a:t>
+                      </a:r>
+                      <a:r>
+                        <a:rPr lang="ko-KR" altLang="en-US" sz="1000" dirty="0">
+                          <a:latin typeface="맑은 고딕" panose="020B0503020000020004" pitchFamily="50" charset="-127"/>
+                          <a:ea typeface="맑은 고딕" panose="020B0503020000020004" pitchFamily="50" charset="-127"/>
+                        </a:rPr>
+                        <a:t> 매핑</a:t>
+                      </a:r>
+                    </a:p>
+                  </a:txBody>
+                  <a:tcPr marL="0" marR="0" marT="0" marB="0"/>
+                </a:tc>
+                <a:tc>
+                  <a:txBody>
+                    <a:bodyPr/>
+                    <a:lstStyle/>
+                    <a:p>
+                      <a:pPr latinLnBrk="1"/>
+                      <a:endParaRPr lang="ko-KR" altLang="en-US" sz="1200" dirty="0"/>
+                    </a:p>
+                  </a:txBody>
+                  <a:tcPr marL="0" marR="0" marT="0" marB="0"/>
+                </a:tc>
+                <a:tc>
+                  <a:txBody>
+                    <a:bodyPr/>
+                    <a:lstStyle/>
+                    <a:p>
+                      <a:pPr latinLnBrk="1"/>
+                      <a:endParaRPr lang="ko-KR" altLang="en-US" sz="1200"/>
+                    </a:p>
+                  </a:txBody>
+                  <a:tcPr marL="0" marR="0" marT="0" marB="0"/>
+                </a:tc>
+                <a:tc>
+                  <a:txBody>
+                    <a:bodyPr/>
+                    <a:lstStyle/>
+                    <a:p>
+                      <a:pPr latinLnBrk="1"/>
+                      <a:endParaRPr lang="ko-KR" altLang="en-US" sz="1200"/>
+                    </a:p>
+                  </a:txBody>
+                  <a:tcPr marL="0" marR="0" marT="0" marB="0"/>
+                </a:tc>
+                <a:tc>
+                  <a:txBody>
+                    <a:bodyPr/>
+                    <a:lstStyle/>
+                    <a:p>
+                      <a:pPr latinLnBrk="1"/>
+                      <a:endParaRPr lang="ko-KR" altLang="en-US" sz="1200" dirty="0"/>
+                    </a:p>
+                  </a:txBody>
+                  <a:tcPr marL="0" marR="0" marT="0" marB="0"/>
+                </a:tc>
+                <a:tc>
+                  <a:txBody>
+                    <a:bodyPr/>
+                    <a:lstStyle/>
+                    <a:p>
+                      <a:pPr latinLnBrk="1"/>
+                      <a:endParaRPr lang="ko-KR" altLang="en-US" sz="1200"/>
+                    </a:p>
+                  </a:txBody>
+                  <a:tcPr marL="0" marR="0" marT="0" marB="0"/>
+                </a:tc>
+                <a:tc>
+                  <a:txBody>
+                    <a:bodyPr/>
+                    <a:lstStyle/>
+                    <a:p>
+                      <a:pPr latinLnBrk="1"/>
+                      <a:endParaRPr lang="ko-KR" altLang="en-US" sz="1200"/>
+                    </a:p>
+                  </a:txBody>
+                  <a:tcPr marL="0" marR="0" marT="0" marB="0"/>
+                </a:tc>
+                <a:tc>
+                  <a:txBody>
+                    <a:bodyPr/>
+                    <a:lstStyle/>
+                    <a:p>
+                      <a:pPr latinLnBrk="1"/>
+                      <a:endParaRPr lang="ko-KR" altLang="en-US" sz="1200"/>
+                    </a:p>
+                  </a:txBody>
+                  <a:tcPr marL="0" marR="0" marT="0" marB="0"/>
+                </a:tc>
+                <a:tc>
+                  <a:txBody>
+                    <a:bodyPr/>
+                    <a:lstStyle/>
+                    <a:p>
+                      <a:pPr latinLnBrk="1"/>
+                      <a:endParaRPr lang="ko-KR" altLang="en-US" sz="1200"/>
+                    </a:p>
+                  </a:txBody>
+                  <a:tcPr marL="0" marR="0" marT="0" marB="0"/>
+                </a:tc>
+                <a:tc>
+                  <a:txBody>
+                    <a:bodyPr/>
+                    <a:lstStyle/>
+                    <a:p>
+                      <a:pPr latinLnBrk="1"/>
+                      <a:endParaRPr lang="ko-KR" altLang="en-US" sz="1200"/>
+                    </a:p>
+                  </a:txBody>
+                  <a:tcPr marL="0" marR="0" marT="0" marB="0"/>
+                </a:tc>
+                <a:tc>
+                  <a:txBody>
+                    <a:bodyPr/>
+                    <a:lstStyle/>
+                    <a:p>
+                      <a:pPr latinLnBrk="1"/>
+                      <a:endParaRPr lang="ko-KR" altLang="en-US" sz="1200"/>
+                    </a:p>
+                  </a:txBody>
+                  <a:tcPr marL="0" marR="0" marT="0" marB="0"/>
+                </a:tc>
+                <a:tc>
+                  <a:txBody>
+                    <a:bodyPr/>
+                    <a:lstStyle/>
+                    <a:p>
+                      <a:pPr latinLnBrk="1"/>
+                      <a:endParaRPr lang="ko-KR" altLang="en-US" sz="1200"/>
+                    </a:p>
+                  </a:txBody>
+                  <a:tcPr marL="0" marR="0" marT="0" marB="0"/>
+                </a:tc>
+                <a:tc>
+                  <a:txBody>
+                    <a:bodyPr/>
+                    <a:lstStyle/>
+                    <a:p>
+                      <a:pPr latinLnBrk="1"/>
+                      <a:endParaRPr lang="ko-KR" altLang="en-US" sz="1200" dirty="0"/>
+                    </a:p>
+                  </a:txBody>
+                  <a:tcPr marL="0" marR="0" marT="0" marB="0"/>
+                </a:tc>
+                <a:tc>
+                  <a:txBody>
+                    <a:bodyPr/>
+                    <a:lstStyle/>
+                    <a:p>
+                      <a:pPr latinLnBrk="1"/>
+                      <a:endParaRPr lang="ko-KR" altLang="en-US" sz="1200" dirty="0"/>
+                    </a:p>
+                  </a:txBody>
+                  <a:tcPr marL="0" marR="0" marT="0" marB="0"/>
+                </a:tc>
+                <a:tc>
+                  <a:txBody>
+                    <a:bodyPr/>
+                    <a:lstStyle/>
+                    <a:p>
+                      <a:pPr latinLnBrk="1"/>
+                      <a:endParaRPr lang="ko-KR" altLang="en-US" sz="1200" dirty="0"/>
+                    </a:p>
+                  </a:txBody>
+                  <a:tcPr marL="0" marR="0" marT="0" marB="0"/>
+                </a:tc>
+                <a:tc>
+                  <a:txBody>
+                    <a:bodyPr/>
+                    <a:lstStyle/>
+                    <a:p>
+                      <a:pPr latinLnBrk="1"/>
+                      <a:endParaRPr lang="ko-KR" altLang="en-US" sz="1200" dirty="0"/>
+                    </a:p>
+                  </a:txBody>
+                  <a:tcPr marL="0" marR="0" marT="0" marB="0"/>
+                </a:tc>
+                <a:tc>
+                  <a:txBody>
+                    <a:bodyPr/>
+                    <a:lstStyle/>
+                    <a:p>
+                      <a:pPr latinLnBrk="1"/>
+                      <a:endParaRPr lang="ko-KR" altLang="en-US" sz="1200" dirty="0"/>
+                    </a:p>
+                  </a:txBody>
+                  <a:tcPr marL="0" marR="0" marT="0" marB="0"/>
+                </a:tc>
+                <a:tc>
+                  <a:txBody>
+                    <a:bodyPr/>
+                    <a:lstStyle/>
+                    <a:p>
+                      <a:pPr latinLnBrk="1"/>
+                      <a:endParaRPr lang="ko-KR" altLang="en-US" sz="1200" dirty="0"/>
+                    </a:p>
+                  </a:txBody>
+                  <a:tcPr marL="0" marR="0" marT="0" marB="0"/>
+                </a:tc>
+                <a:tc>
+                  <a:txBody>
+                    <a:bodyPr/>
+                    <a:lstStyle/>
+                    <a:p>
+                      <a:pPr latinLnBrk="1"/>
+                      <a:endParaRPr lang="ko-KR" altLang="en-US" sz="1200" dirty="0"/>
+                    </a:p>
+                  </a:txBody>
+                  <a:tcPr marL="0" marR="0" marT="0" marB="0"/>
+                </a:tc>
+                <a:tc>
+                  <a:txBody>
+                    <a:bodyPr/>
+                    <a:lstStyle/>
+                    <a:p>
+                      <a:pPr latinLnBrk="1"/>
+                      <a:endParaRPr lang="ko-KR" altLang="en-US" sz="1200" dirty="0"/>
+                    </a:p>
+                  </a:txBody>
+                  <a:tcPr marL="0" marR="0" marT="0" marB="0"/>
+                </a:tc>
+                <a:tc>
+                  <a:txBody>
+                    <a:bodyPr/>
+                    <a:lstStyle/>
+                    <a:p>
+                      <a:pPr latinLnBrk="1"/>
+                      <a:endParaRPr lang="ko-KR" altLang="en-US" sz="1200" dirty="0"/>
+                    </a:p>
+                  </a:txBody>
+                  <a:tcPr marL="0" marR="0" marT="0" marB="0"/>
+                </a:tc>
+                <a:tc>
+                  <a:txBody>
+                    <a:bodyPr/>
+                    <a:lstStyle/>
+                    <a:p>
+                      <a:pPr latinLnBrk="1"/>
+                      <a:endParaRPr lang="ko-KR" altLang="en-US" sz="1200"/>
+                    </a:p>
+                  </a:txBody>
+                  <a:tcPr marL="0" marR="0" marT="0" marB="0"/>
+                </a:tc>
+                <a:tc>
+                  <a:txBody>
+                    <a:bodyPr/>
+                    <a:lstStyle/>
+                    <a:p>
+                      <a:pPr latinLnBrk="1"/>
+                      <a:endParaRPr lang="ko-KR" altLang="en-US" sz="1200"/>
+                    </a:p>
+                  </a:txBody>
+                  <a:tcPr marL="0" marR="0" marT="0" marB="0"/>
+                </a:tc>
+                <a:tc>
+                  <a:txBody>
+                    <a:bodyPr/>
+                    <a:lstStyle/>
+                    <a:p>
+                      <a:pPr latinLnBrk="1"/>
+                      <a:endParaRPr lang="ko-KR" altLang="en-US" sz="1200"/>
+                    </a:p>
+                  </a:txBody>
+                  <a:tcPr marL="0" marR="0" marT="0" marB="0"/>
+                </a:tc>
+                <a:tc>
+                  <a:txBody>
+                    <a:bodyPr/>
+                    <a:lstStyle/>
+                    <a:p>
+                      <a:pPr latinLnBrk="1"/>
+                      <a:endParaRPr lang="ko-KR" altLang="en-US" sz="1200" dirty="0"/>
+                    </a:p>
+                  </a:txBody>
+                  <a:tcPr marL="0" marR="0" marT="0" marB="0"/>
+                </a:tc>
+                <a:tc>
+                  <a:txBody>
+                    <a:bodyPr/>
+                    <a:lstStyle/>
+                    <a:p>
+                      <a:pPr latinLnBrk="1"/>
+                      <a:endParaRPr lang="ko-KR" altLang="en-US" sz="1200"/>
+                    </a:p>
+                  </a:txBody>
+                  <a:tcPr marL="0" marR="0" marT="0" marB="0"/>
+                </a:tc>
+                <a:tc>
+                  <a:txBody>
+                    <a:bodyPr/>
+                    <a:lstStyle/>
+                    <a:p>
+                      <a:pPr latinLnBrk="1"/>
+                      <a:endParaRPr lang="ko-KR" altLang="en-US" sz="1200"/>
+                    </a:p>
+                  </a:txBody>
+                  <a:tcPr marL="0" marR="0" marT="0" marB="0"/>
+                </a:tc>
+                <a:tc>
+                  <a:txBody>
+                    <a:bodyPr/>
+                    <a:lstStyle/>
+                    <a:p>
+                      <a:pPr latinLnBrk="1"/>
+                      <a:endParaRPr lang="ko-KR" altLang="en-US" sz="1200"/>
+                    </a:p>
+                  </a:txBody>
+                  <a:tcPr marL="0" marR="0" marT="0" marB="0"/>
+                </a:tc>
+                <a:tc>
+                  <a:txBody>
+                    <a:bodyPr/>
+                    <a:lstStyle/>
+                    <a:p>
+                      <a:pPr latinLnBrk="1"/>
+                      <a:endParaRPr lang="ko-KR" altLang="en-US" sz="1200"/>
+                    </a:p>
+                  </a:txBody>
+                  <a:tcPr marL="0" marR="0" marT="0" marB="0"/>
+                </a:tc>
+                <a:tc>
+                  <a:txBody>
+                    <a:bodyPr/>
+                    <a:lstStyle/>
+                    <a:p>
+                      <a:pPr latinLnBrk="1"/>
+                      <a:endParaRPr lang="ko-KR" altLang="en-US" sz="1200"/>
+                    </a:p>
+                  </a:txBody>
+                  <a:tcPr marL="0" marR="0" marT="0" marB="0"/>
+                </a:tc>
+                <a:tc>
+                  <a:txBody>
+                    <a:bodyPr/>
+                    <a:lstStyle/>
+                    <a:p>
+                      <a:pPr latinLnBrk="1"/>
+                      <a:endParaRPr lang="ko-KR" altLang="en-US" sz="1200"/>
+                    </a:p>
+                  </a:txBody>
+                  <a:tcPr marL="0" marR="0" marT="0" marB="0"/>
+                </a:tc>
+                <a:tc>
+                  <a:txBody>
+                    <a:bodyPr/>
+                    <a:lstStyle/>
+                    <a:p>
+                      <a:pPr latinLnBrk="1"/>
+                      <a:endParaRPr lang="ko-KR" altLang="en-US" sz="1200"/>
+                    </a:p>
+                  </a:txBody>
+                  <a:tcPr marL="0" marR="0" marT="0" marB="0"/>
+                </a:tc>
+                <a:tc>
+                  <a:txBody>
+                    <a:bodyPr/>
+                    <a:lstStyle/>
+                    <a:p>
+                      <a:pPr latinLnBrk="1"/>
+                      <a:endParaRPr lang="ko-KR" altLang="en-US" sz="1200"/>
+                    </a:p>
+                  </a:txBody>
+                  <a:tcPr marL="0" marR="0" marT="0" marB="0"/>
+                </a:tc>
+                <a:tc>
+                  <a:txBody>
+                    <a:bodyPr/>
+                    <a:lstStyle/>
+                    <a:p>
+                      <a:pPr latinLnBrk="1"/>
+                      <a:endParaRPr lang="ko-KR" altLang="en-US" sz="1200" dirty="0"/>
+                    </a:p>
+                  </a:txBody>
+                  <a:tcPr marL="0" marR="0" marT="0" marB="0"/>
+                </a:tc>
+                <a:tc>
+                  <a:txBody>
+                    <a:bodyPr/>
+                    <a:lstStyle/>
+                    <a:p>
+                      <a:pPr latinLnBrk="1"/>
+                      <a:endParaRPr lang="ko-KR" altLang="en-US" sz="1200" dirty="0"/>
+                    </a:p>
+                  </a:txBody>
+                  <a:tcPr marL="0" marR="0" marT="0" marB="0"/>
+                </a:tc>
+                <a:tc>
+                  <a:txBody>
+                    <a:bodyPr/>
+                    <a:lstStyle/>
+                    <a:p>
+                      <a:pPr latinLnBrk="1"/>
+                      <a:endParaRPr lang="ko-KR" altLang="en-US" sz="1200" dirty="0"/>
+                    </a:p>
+                  </a:txBody>
+                  <a:tcPr marL="0" marR="0" marT="0" marB="0"/>
+                </a:tc>
+                <a:tc>
+                  <a:txBody>
+                    <a:bodyPr/>
+                    <a:lstStyle/>
+                    <a:p>
+                      <a:pPr latinLnBrk="1"/>
+                      <a:endParaRPr lang="ko-KR" altLang="en-US" sz="1200" dirty="0"/>
+                    </a:p>
+                  </a:txBody>
+                  <a:tcPr marL="0" marR="0" marT="0" marB="0"/>
+                </a:tc>
+                <a:extLst>
+                  <a:ext uri="{0D108BD9-81ED-4DB2-BD59-A6C34878D82A}">
+                    <a16:rowId xmlns:a16="http://schemas.microsoft.com/office/drawing/2014/main" val="993704656"/>
+                  </a:ext>
+                </a:extLst>
+              </a:tr>
+              <a:tr h="0">
+                <a:tc>
+                  <a:txBody>
+                    <a:bodyPr/>
+                    <a:lstStyle/>
+                    <a:p>
+                      <a:pPr algn="ctr" latinLnBrk="1"/>
+                      <a:r>
+                        <a:rPr lang="ko-KR" altLang="en-US" sz="1000" dirty="0">
+                          <a:latin typeface="맑은 고딕" panose="020B0503020000020004" pitchFamily="50" charset="-127"/>
+                          <a:ea typeface="맑은 고딕" panose="020B0503020000020004" pitchFamily="50" charset="-127"/>
+                        </a:rPr>
+                        <a:t>하우징</a:t>
+                      </a:r>
+                    </a:p>
+                  </a:txBody>
+                  <a:tcPr marL="0" marR="0" marT="0" marB="0"/>
+                </a:tc>
+                <a:tc>
+                  <a:txBody>
+                    <a:bodyPr/>
+                    <a:lstStyle/>
+                    <a:p>
+                      <a:pPr latinLnBrk="1"/>
+                      <a:endParaRPr lang="ko-KR" altLang="en-US" sz="1200"/>
+                    </a:p>
+                  </a:txBody>
+                  <a:tcPr marL="0" marR="0" marT="0" marB="0"/>
+                </a:tc>
+                <a:tc>
+                  <a:txBody>
+                    <a:bodyPr/>
+                    <a:lstStyle/>
+                    <a:p>
+                      <a:pPr latinLnBrk="1"/>
+                      <a:endParaRPr lang="ko-KR" altLang="en-US" sz="1200"/>
+                    </a:p>
+                  </a:txBody>
+                  <a:tcPr marL="0" marR="0" marT="0" marB="0"/>
+                </a:tc>
+                <a:tc>
+                  <a:txBody>
+                    <a:bodyPr/>
+                    <a:lstStyle/>
+                    <a:p>
+                      <a:pPr latinLnBrk="1"/>
+                      <a:endParaRPr lang="ko-KR" altLang="en-US" sz="1200"/>
+                    </a:p>
+                  </a:txBody>
+                  <a:tcPr marL="0" marR="0" marT="0" marB="0"/>
+                </a:tc>
+                <a:tc>
+                  <a:txBody>
+                    <a:bodyPr/>
+                    <a:lstStyle/>
+                    <a:p>
+                      <a:pPr latinLnBrk="1"/>
+                      <a:endParaRPr lang="ko-KR" altLang="en-US" sz="1200" dirty="0"/>
+                    </a:p>
+                  </a:txBody>
+                  <a:tcPr marL="0" marR="0" marT="0" marB="0"/>
+                </a:tc>
+                <a:tc>
+                  <a:txBody>
+                    <a:bodyPr/>
+                    <a:lstStyle/>
+                    <a:p>
+                      <a:pPr latinLnBrk="1"/>
+                      <a:endParaRPr lang="ko-KR" altLang="en-US" sz="1200"/>
+                    </a:p>
+                  </a:txBody>
+                  <a:tcPr marL="0" marR="0" marT="0" marB="0"/>
+                </a:tc>
+                <a:tc>
+                  <a:txBody>
+                    <a:bodyPr/>
+                    <a:lstStyle/>
+                    <a:p>
+                      <a:pPr latinLnBrk="1"/>
+                      <a:endParaRPr lang="ko-KR" altLang="en-US" sz="1200"/>
+                    </a:p>
+                  </a:txBody>
+                  <a:tcPr marL="0" marR="0" marT="0" marB="0"/>
+                </a:tc>
+                <a:tc>
+                  <a:txBody>
+                    <a:bodyPr/>
+                    <a:lstStyle/>
+                    <a:p>
+                      <a:pPr latinLnBrk="1"/>
+                      <a:endParaRPr lang="ko-KR" altLang="en-US" sz="1200"/>
+                    </a:p>
+                  </a:txBody>
+                  <a:tcPr marL="0" marR="0" marT="0" marB="0"/>
+                </a:tc>
+                <a:tc>
+                  <a:txBody>
+                    <a:bodyPr/>
+                    <a:lstStyle/>
+                    <a:p>
+                      <a:pPr latinLnBrk="1"/>
+                      <a:endParaRPr lang="ko-KR" altLang="en-US" sz="1200"/>
+                    </a:p>
+                  </a:txBody>
+                  <a:tcPr marL="0" marR="0" marT="0" marB="0"/>
+                </a:tc>
+                <a:tc>
+                  <a:txBody>
+                    <a:bodyPr/>
+                    <a:lstStyle/>
+                    <a:p>
+                      <a:pPr latinLnBrk="1"/>
+                      <a:endParaRPr lang="ko-KR" altLang="en-US" sz="1200"/>
+                    </a:p>
+                  </a:txBody>
+                  <a:tcPr marL="0" marR="0" marT="0" marB="0"/>
+                </a:tc>
+                <a:tc>
+                  <a:txBody>
+                    <a:bodyPr/>
+                    <a:lstStyle/>
+                    <a:p>
+                      <a:pPr latinLnBrk="1"/>
+                      <a:endParaRPr lang="ko-KR" altLang="en-US" sz="1200"/>
+                    </a:p>
+                  </a:txBody>
+                  <a:tcPr marL="0" marR="0" marT="0" marB="0"/>
+                </a:tc>
+                <a:tc>
+                  <a:txBody>
+                    <a:bodyPr/>
+                    <a:lstStyle/>
+                    <a:p>
+                      <a:pPr latinLnBrk="1"/>
+                      <a:endParaRPr lang="ko-KR" altLang="en-US" sz="1200"/>
+                    </a:p>
+                  </a:txBody>
+                  <a:tcPr marL="0" marR="0" marT="0" marB="0"/>
+                </a:tc>
+                <a:tc>
+                  <a:txBody>
+                    <a:bodyPr/>
+                    <a:lstStyle/>
+                    <a:p>
+                      <a:pPr latinLnBrk="1"/>
+                      <a:endParaRPr lang="ko-KR" altLang="en-US" sz="1200"/>
+                    </a:p>
+                  </a:txBody>
+                  <a:tcPr marL="0" marR="0" marT="0" marB="0"/>
+                </a:tc>
+                <a:tc>
+                  <a:txBody>
+                    <a:bodyPr/>
+                    <a:lstStyle/>
+                    <a:p>
+                      <a:pPr latinLnBrk="1"/>
+                      <a:endParaRPr lang="ko-KR" altLang="en-US" sz="1200" dirty="0"/>
+                    </a:p>
+                  </a:txBody>
+                  <a:tcPr marL="0" marR="0" marT="0" marB="0"/>
+                </a:tc>
+                <a:tc>
+                  <a:txBody>
+                    <a:bodyPr/>
+                    <a:lstStyle/>
+                    <a:p>
+                      <a:pPr latinLnBrk="1"/>
+                      <a:endParaRPr lang="ko-KR" altLang="en-US" sz="1200" dirty="0"/>
+                    </a:p>
+                  </a:txBody>
+                  <a:tcPr marL="0" marR="0" marT="0" marB="0"/>
+                </a:tc>
+                <a:tc>
+                  <a:txBody>
+                    <a:bodyPr/>
+                    <a:lstStyle/>
+                    <a:p>
+                      <a:pPr latinLnBrk="1"/>
+                      <a:endParaRPr lang="ko-KR" altLang="en-US" sz="1200" dirty="0"/>
+                    </a:p>
+                  </a:txBody>
+                  <a:tcPr marL="0" marR="0" marT="0" marB="0"/>
+                </a:tc>
+                <a:tc>
+                  <a:txBody>
+                    <a:bodyPr/>
+                    <a:lstStyle/>
+                    <a:p>
+                      <a:pPr latinLnBrk="1"/>
+                      <a:endParaRPr lang="ko-KR" altLang="en-US" sz="1200" dirty="0"/>
+                    </a:p>
+                  </a:txBody>
+                  <a:tcPr marL="0" marR="0" marT="0" marB="0"/>
+                </a:tc>
+                <a:tc>
+                  <a:txBody>
+                    <a:bodyPr/>
+                    <a:lstStyle/>
+                    <a:p>
+                      <a:pPr latinLnBrk="1"/>
+                      <a:endParaRPr lang="ko-KR" altLang="en-US" sz="1200" dirty="0"/>
+                    </a:p>
+                  </a:txBody>
+                  <a:tcPr marL="0" marR="0" marT="0" marB="0"/>
+                </a:tc>
+                <a:tc>
+                  <a:txBody>
+                    <a:bodyPr/>
+                    <a:lstStyle/>
+                    <a:p>
+                      <a:pPr latinLnBrk="1"/>
+                      <a:endParaRPr lang="ko-KR" altLang="en-US" sz="1200" dirty="0"/>
+                    </a:p>
+                  </a:txBody>
+                  <a:tcPr marL="0" marR="0" marT="0" marB="0"/>
+                </a:tc>
+                <a:tc>
+                  <a:txBody>
+                    <a:bodyPr/>
+                    <a:lstStyle/>
+                    <a:p>
+                      <a:pPr latinLnBrk="1"/>
+                      <a:endParaRPr lang="ko-KR" altLang="en-US" sz="1200" dirty="0"/>
+                    </a:p>
+                  </a:txBody>
+                  <a:tcPr marL="0" marR="0" marT="0" marB="0"/>
+                </a:tc>
+                <a:tc>
+                  <a:txBody>
+                    <a:bodyPr/>
+                    <a:lstStyle/>
+                    <a:p>
+                      <a:pPr latinLnBrk="1"/>
+                      <a:endParaRPr lang="ko-KR" altLang="en-US" sz="1200" dirty="0"/>
+                    </a:p>
+                  </a:txBody>
+                  <a:tcPr marL="0" marR="0" marT="0" marB="0"/>
+                </a:tc>
+                <a:tc>
+                  <a:txBody>
+                    <a:bodyPr/>
+                    <a:lstStyle/>
+                    <a:p>
+                      <a:pPr latinLnBrk="1"/>
+                      <a:endParaRPr lang="ko-KR" altLang="en-US" sz="1200"/>
+                    </a:p>
+                  </a:txBody>
+                  <a:tcPr marL="0" marR="0" marT="0" marB="0"/>
+                </a:tc>
+                <a:tc>
+                  <a:txBody>
+                    <a:bodyPr/>
+                    <a:lstStyle/>
+                    <a:p>
+                      <a:pPr latinLnBrk="1"/>
+                      <a:endParaRPr lang="ko-KR" altLang="en-US" sz="1200"/>
+                    </a:p>
+                  </a:txBody>
+                  <a:tcPr marL="0" marR="0" marT="0" marB="0"/>
+                </a:tc>
+                <a:tc>
+                  <a:txBody>
+                    <a:bodyPr/>
+                    <a:lstStyle/>
+                    <a:p>
+                      <a:pPr latinLnBrk="1"/>
+                      <a:endParaRPr lang="ko-KR" altLang="en-US" sz="1200"/>
+                    </a:p>
+                  </a:txBody>
+                  <a:tcPr marL="0" marR="0" marT="0" marB="0"/>
+                </a:tc>
+                <a:tc>
+                  <a:txBody>
+                    <a:bodyPr/>
+                    <a:lstStyle/>
+                    <a:p>
+                      <a:pPr latinLnBrk="1"/>
+                      <a:endParaRPr lang="ko-KR" altLang="en-US" sz="1200"/>
+                    </a:p>
+                  </a:txBody>
+                  <a:tcPr marL="0" marR="0" marT="0" marB="0"/>
+                </a:tc>
+                <a:tc>
+                  <a:txBody>
+                    <a:bodyPr/>
+                    <a:lstStyle/>
+                    <a:p>
+                      <a:pPr latinLnBrk="1"/>
+                      <a:endParaRPr lang="ko-KR" altLang="en-US" sz="1200"/>
+                    </a:p>
+                  </a:txBody>
+                  <a:tcPr marL="0" marR="0" marT="0" marB="0"/>
+                </a:tc>
+                <a:tc>
+                  <a:txBody>
+                    <a:bodyPr/>
+                    <a:lstStyle/>
+                    <a:p>
+                      <a:pPr latinLnBrk="1"/>
+                      <a:endParaRPr lang="ko-KR" altLang="en-US" sz="1200" dirty="0"/>
+                    </a:p>
+                  </a:txBody>
+                  <a:tcPr marL="0" marR="0" marT="0" marB="0"/>
+                </a:tc>
+                <a:tc>
+                  <a:txBody>
+                    <a:bodyPr/>
+                    <a:lstStyle/>
+                    <a:p>
+                      <a:pPr latinLnBrk="1"/>
+                      <a:endParaRPr lang="ko-KR" altLang="en-US" sz="1200"/>
+                    </a:p>
+                  </a:txBody>
+                  <a:tcPr marL="0" marR="0" marT="0" marB="0"/>
+                </a:tc>
+                <a:tc>
+                  <a:txBody>
+                    <a:bodyPr/>
+                    <a:lstStyle/>
+                    <a:p>
+                      <a:pPr latinLnBrk="1"/>
+                      <a:endParaRPr lang="ko-KR" altLang="en-US" sz="1200" dirty="0"/>
+                    </a:p>
+                  </a:txBody>
+                  <a:tcPr marL="0" marR="0" marT="0" marB="0"/>
+                </a:tc>
+                <a:tc>
+                  <a:txBody>
+                    <a:bodyPr/>
+                    <a:lstStyle/>
+                    <a:p>
+                      <a:pPr latinLnBrk="1"/>
+                      <a:endParaRPr lang="ko-KR" altLang="en-US" sz="1200"/>
+                    </a:p>
+                  </a:txBody>
+                  <a:tcPr marL="0" marR="0" marT="0" marB="0"/>
+                </a:tc>
+                <a:tc>
+                  <a:txBody>
+                    <a:bodyPr/>
+                    <a:lstStyle/>
+                    <a:p>
+                      <a:pPr latinLnBrk="1"/>
+                      <a:endParaRPr lang="ko-KR" altLang="en-US" sz="1200"/>
+                    </a:p>
+                  </a:txBody>
+                  <a:tcPr marL="0" marR="0" marT="0" marB="0"/>
+                </a:tc>
+                <a:tc>
+                  <a:txBody>
+                    <a:bodyPr/>
+                    <a:lstStyle/>
+                    <a:p>
+                      <a:pPr latinLnBrk="1"/>
+                      <a:endParaRPr lang="ko-KR" altLang="en-US" sz="1200"/>
+                    </a:p>
+                  </a:txBody>
+                  <a:tcPr marL="0" marR="0" marT="0" marB="0"/>
+                </a:tc>
+                <a:tc>
+                  <a:txBody>
+                    <a:bodyPr/>
+                    <a:lstStyle/>
+                    <a:p>
+                      <a:pPr latinLnBrk="1"/>
+                      <a:endParaRPr lang="ko-KR" altLang="en-US" sz="1200"/>
+                    </a:p>
+                  </a:txBody>
+                  <a:tcPr marL="0" marR="0" marT="0" marB="0"/>
+                </a:tc>
+                <a:tc>
+                  <a:txBody>
+                    <a:bodyPr/>
+                    <a:lstStyle/>
+                    <a:p>
+                      <a:pPr latinLnBrk="1"/>
+                      <a:endParaRPr lang="ko-KR" altLang="en-US" sz="1200" dirty="0"/>
+                    </a:p>
+                  </a:txBody>
+                  <a:tcPr marL="0" marR="0" marT="0" marB="0"/>
+                </a:tc>
+                <a:tc>
+                  <a:txBody>
+                    <a:bodyPr/>
+                    <a:lstStyle/>
+                    <a:p>
+                      <a:pPr latinLnBrk="1"/>
+                      <a:endParaRPr lang="ko-KR" altLang="en-US" sz="1200" dirty="0"/>
+                    </a:p>
+                  </a:txBody>
+                  <a:tcPr marL="0" marR="0" marT="0" marB="0"/>
+                </a:tc>
+                <a:tc>
+                  <a:txBody>
+                    <a:bodyPr/>
+                    <a:lstStyle/>
+                    <a:p>
+                      <a:pPr latinLnBrk="1"/>
+                      <a:endParaRPr lang="ko-KR" altLang="en-US" sz="1200" dirty="0"/>
+                    </a:p>
+                  </a:txBody>
+                  <a:tcPr marL="0" marR="0" marT="0" marB="0"/>
+                </a:tc>
+                <a:tc>
+                  <a:txBody>
+                    <a:bodyPr/>
+                    <a:lstStyle/>
+                    <a:p>
+                      <a:pPr latinLnBrk="1"/>
+                      <a:endParaRPr lang="ko-KR" altLang="en-US" sz="1200" dirty="0"/>
+                    </a:p>
+                  </a:txBody>
+                  <a:tcPr marL="0" marR="0" marT="0" marB="0"/>
+                </a:tc>
+                <a:extLst>
+                  <a:ext uri="{0D108BD9-81ED-4DB2-BD59-A6C34878D82A}">
+                    <a16:rowId xmlns:a16="http://schemas.microsoft.com/office/drawing/2014/main" val="2111796388"/>
+                  </a:ext>
+                </a:extLst>
+              </a:tr>
+              <a:tr h="0">
+                <a:tc>
+                  <a:txBody>
+                    <a:bodyPr/>
+                    <a:lstStyle/>
+                    <a:p>
+                      <a:pPr algn="ctr" latinLnBrk="1"/>
+                      <a:r>
+                        <a:rPr lang="ko-KR" altLang="en-US" sz="1000" dirty="0">
+                          <a:latin typeface="맑은 고딕" panose="020B0503020000020004" pitchFamily="50" charset="-127"/>
+                          <a:ea typeface="맑은 고딕" panose="020B0503020000020004" pitchFamily="50" charset="-127"/>
+                        </a:rPr>
+                        <a:t>충돌 처리</a:t>
+                      </a:r>
+                    </a:p>
+                  </a:txBody>
+                  <a:tcPr marL="0" marR="0" marT="0" marB="0"/>
+                </a:tc>
+                <a:tc>
+                  <a:txBody>
+                    <a:bodyPr/>
+                    <a:lstStyle/>
+                    <a:p>
+                      <a:pPr latinLnBrk="1"/>
+                      <a:endParaRPr lang="ko-KR" altLang="en-US" sz="1200" dirty="0"/>
+                    </a:p>
+                  </a:txBody>
+                  <a:tcPr marL="0" marR="0" marT="0" marB="0"/>
+                </a:tc>
+                <a:tc>
+                  <a:txBody>
+                    <a:bodyPr/>
+                    <a:lstStyle/>
+                    <a:p>
+                      <a:pPr latinLnBrk="1"/>
+                      <a:endParaRPr lang="ko-KR" altLang="en-US" sz="1200" dirty="0"/>
+                    </a:p>
+                  </a:txBody>
+                  <a:tcPr marL="0" marR="0" marT="0" marB="0"/>
+                </a:tc>
+                <a:tc>
+                  <a:txBody>
+                    <a:bodyPr/>
+                    <a:lstStyle/>
+                    <a:p>
+                      <a:pPr latinLnBrk="1"/>
+                      <a:endParaRPr lang="ko-KR" altLang="en-US" sz="1200"/>
+                    </a:p>
+                  </a:txBody>
+                  <a:tcPr marL="0" marR="0" marT="0" marB="0"/>
+                </a:tc>
+                <a:tc>
+                  <a:txBody>
+                    <a:bodyPr/>
+                    <a:lstStyle/>
+                    <a:p>
+                      <a:pPr latinLnBrk="1"/>
+                      <a:endParaRPr lang="ko-KR" altLang="en-US" sz="1200" dirty="0"/>
+                    </a:p>
+                  </a:txBody>
+                  <a:tcPr marL="0" marR="0" marT="0" marB="0"/>
+                </a:tc>
+                <a:tc>
+                  <a:txBody>
+                    <a:bodyPr/>
+                    <a:lstStyle/>
+                    <a:p>
+                      <a:pPr latinLnBrk="1"/>
+                      <a:endParaRPr lang="ko-KR" altLang="en-US" sz="1200"/>
+                    </a:p>
+                  </a:txBody>
+                  <a:tcPr marL="0" marR="0" marT="0" marB="0"/>
+                </a:tc>
+                <a:tc>
+                  <a:txBody>
+                    <a:bodyPr/>
+                    <a:lstStyle/>
+                    <a:p>
+                      <a:pPr latinLnBrk="1"/>
+                      <a:endParaRPr lang="ko-KR" altLang="en-US" sz="1200"/>
+                    </a:p>
+                  </a:txBody>
+                  <a:tcPr marL="0" marR="0" marT="0" marB="0"/>
+                </a:tc>
+                <a:tc>
+                  <a:txBody>
+                    <a:bodyPr/>
+                    <a:lstStyle/>
+                    <a:p>
+                      <a:pPr latinLnBrk="1"/>
+                      <a:endParaRPr lang="ko-KR" altLang="en-US" sz="1200"/>
+                    </a:p>
+                  </a:txBody>
+                  <a:tcPr marL="0" marR="0" marT="0" marB="0"/>
+                </a:tc>
+                <a:tc>
+                  <a:txBody>
+                    <a:bodyPr/>
+                    <a:lstStyle/>
+                    <a:p>
+                      <a:pPr latinLnBrk="1"/>
+                      <a:endParaRPr lang="ko-KR" altLang="en-US" sz="1200"/>
+                    </a:p>
+                  </a:txBody>
+                  <a:tcPr marL="0" marR="0" marT="0" marB="0"/>
+                </a:tc>
+                <a:tc>
+                  <a:txBody>
+                    <a:bodyPr/>
+                    <a:lstStyle/>
+                    <a:p>
+                      <a:pPr latinLnBrk="1"/>
+                      <a:endParaRPr lang="ko-KR" altLang="en-US" sz="1200"/>
+                    </a:p>
+                  </a:txBody>
+                  <a:tcPr marL="0" marR="0" marT="0" marB="0"/>
+                </a:tc>
+                <a:tc>
+                  <a:txBody>
+                    <a:bodyPr/>
+                    <a:lstStyle/>
+                    <a:p>
+                      <a:pPr latinLnBrk="1"/>
+                      <a:endParaRPr lang="ko-KR" altLang="en-US" sz="1200"/>
+                    </a:p>
+                  </a:txBody>
+                  <a:tcPr marL="0" marR="0" marT="0" marB="0"/>
+                </a:tc>
+                <a:tc>
+                  <a:txBody>
+                    <a:bodyPr/>
+                    <a:lstStyle/>
+                    <a:p>
+                      <a:pPr latinLnBrk="1"/>
+                      <a:endParaRPr lang="ko-KR" altLang="en-US" sz="1200"/>
+                    </a:p>
+                  </a:txBody>
+                  <a:tcPr marL="0" marR="0" marT="0" marB="0"/>
+                </a:tc>
+                <a:tc>
+                  <a:txBody>
+                    <a:bodyPr/>
+                    <a:lstStyle/>
+                    <a:p>
+                      <a:pPr latinLnBrk="1"/>
+                      <a:endParaRPr lang="ko-KR" altLang="en-US" sz="1200"/>
+                    </a:p>
+                  </a:txBody>
+                  <a:tcPr marL="0" marR="0" marT="0" marB="0"/>
+                </a:tc>
+                <a:tc>
+                  <a:txBody>
+                    <a:bodyPr/>
+                    <a:lstStyle/>
+                    <a:p>
+                      <a:pPr latinLnBrk="1"/>
+                      <a:endParaRPr lang="ko-KR" altLang="en-US" sz="1200"/>
+                    </a:p>
+                  </a:txBody>
+                  <a:tcPr marL="0" marR="0" marT="0" marB="0"/>
+                </a:tc>
+                <a:tc>
+                  <a:txBody>
+                    <a:bodyPr/>
+                    <a:lstStyle/>
+                    <a:p>
+                      <a:pPr latinLnBrk="1"/>
+                      <a:endParaRPr lang="ko-KR" altLang="en-US" sz="1200"/>
+                    </a:p>
+                  </a:txBody>
+                  <a:tcPr marL="0" marR="0" marT="0" marB="0"/>
+                </a:tc>
+                <a:tc>
+                  <a:txBody>
+                    <a:bodyPr/>
+                    <a:lstStyle/>
+                    <a:p>
+                      <a:pPr latinLnBrk="1"/>
+                      <a:endParaRPr lang="ko-KR" altLang="en-US" sz="1200"/>
+                    </a:p>
+                  </a:txBody>
+                  <a:tcPr marL="0" marR="0" marT="0" marB="0"/>
+                </a:tc>
+                <a:tc>
+                  <a:txBody>
+                    <a:bodyPr/>
+                    <a:lstStyle/>
+                    <a:p>
+                      <a:pPr latinLnBrk="1"/>
+                      <a:endParaRPr lang="ko-KR" altLang="en-US" sz="1200"/>
+                    </a:p>
+                  </a:txBody>
+                  <a:tcPr marL="0" marR="0" marT="0" marB="0"/>
+                </a:tc>
+                <a:tc>
+                  <a:txBody>
+                    <a:bodyPr/>
+                    <a:lstStyle/>
+                    <a:p>
+                      <a:pPr latinLnBrk="1"/>
+                      <a:endParaRPr lang="ko-KR" altLang="en-US" sz="1200" dirty="0"/>
+                    </a:p>
+                  </a:txBody>
+                  <a:tcPr marL="0" marR="0" marT="0" marB="0"/>
+                </a:tc>
+                <a:tc>
+                  <a:txBody>
+                    <a:bodyPr/>
+                    <a:lstStyle/>
+                    <a:p>
+                      <a:pPr latinLnBrk="1"/>
+                      <a:endParaRPr lang="ko-KR" altLang="en-US" sz="1200" dirty="0"/>
+                    </a:p>
+                  </a:txBody>
+                  <a:tcPr marL="0" marR="0" marT="0" marB="0"/>
+                </a:tc>
+                <a:tc>
+                  <a:txBody>
+                    <a:bodyPr/>
+                    <a:lstStyle/>
+                    <a:p>
+                      <a:pPr latinLnBrk="1"/>
+                      <a:endParaRPr lang="ko-KR" altLang="en-US" sz="1200" dirty="0"/>
+                    </a:p>
+                  </a:txBody>
+                  <a:tcPr marL="0" marR="0" marT="0" marB="0"/>
+                </a:tc>
+                <a:tc>
+                  <a:txBody>
+                    <a:bodyPr/>
+                    <a:lstStyle/>
+                    <a:p>
+                      <a:pPr latinLnBrk="1"/>
+                      <a:endParaRPr lang="ko-KR" altLang="en-US" sz="1200" dirty="0"/>
+                    </a:p>
+                  </a:txBody>
+                  <a:tcPr marL="0" marR="0" marT="0" marB="0"/>
+                </a:tc>
+                <a:tc>
+                  <a:txBody>
+                    <a:bodyPr/>
+                    <a:lstStyle/>
+                    <a:p>
+                      <a:pPr latinLnBrk="1"/>
+                      <a:endParaRPr lang="ko-KR" altLang="en-US" sz="1200"/>
+                    </a:p>
+                  </a:txBody>
+                  <a:tcPr marL="0" marR="0" marT="0" marB="0"/>
+                </a:tc>
+                <a:tc>
+                  <a:txBody>
+                    <a:bodyPr/>
+                    <a:lstStyle/>
+                    <a:p>
+                      <a:pPr latinLnBrk="1"/>
+                      <a:endParaRPr lang="ko-KR" altLang="en-US" sz="1200" dirty="0"/>
+                    </a:p>
+                  </a:txBody>
+                  <a:tcPr marL="0" marR="0" marT="0" marB="0"/>
+                </a:tc>
+                <a:tc>
+                  <a:txBody>
+                    <a:bodyPr/>
+                    <a:lstStyle/>
+                    <a:p>
+                      <a:pPr latinLnBrk="1"/>
+                      <a:endParaRPr lang="ko-KR" altLang="en-US" sz="1200"/>
+                    </a:p>
+                  </a:txBody>
+                  <a:tcPr marL="0" marR="0" marT="0" marB="0"/>
+                </a:tc>
+                <a:tc>
+                  <a:txBody>
+                    <a:bodyPr/>
+                    <a:lstStyle/>
+                    <a:p>
+                      <a:pPr latinLnBrk="1"/>
+                      <a:endParaRPr lang="ko-KR" altLang="en-US" sz="1200"/>
+                    </a:p>
+                  </a:txBody>
+                  <a:tcPr marL="0" marR="0" marT="0" marB="0"/>
+                </a:tc>
+                <a:tc>
+                  <a:txBody>
+                    <a:bodyPr/>
+                    <a:lstStyle/>
+                    <a:p>
+                      <a:pPr latinLnBrk="1"/>
+                      <a:endParaRPr lang="ko-KR" altLang="en-US" sz="1200"/>
+                    </a:p>
+                  </a:txBody>
+                  <a:tcPr marL="0" marR="0" marT="0" marB="0"/>
+                </a:tc>
+                <a:tc>
+                  <a:txBody>
+                    <a:bodyPr/>
+                    <a:lstStyle/>
+                    <a:p>
+                      <a:pPr latinLnBrk="1"/>
+                      <a:endParaRPr lang="ko-KR" altLang="en-US" sz="1200"/>
+                    </a:p>
+                  </a:txBody>
+                  <a:tcPr marL="0" marR="0" marT="0" marB="0"/>
+                </a:tc>
+                <a:tc>
+                  <a:txBody>
+                    <a:bodyPr/>
+                    <a:lstStyle/>
+                    <a:p>
+                      <a:pPr latinLnBrk="1"/>
+                      <a:endParaRPr lang="ko-KR" altLang="en-US" sz="1200"/>
+                    </a:p>
+                  </a:txBody>
+                  <a:tcPr marL="0" marR="0" marT="0" marB="0"/>
+                </a:tc>
+                <a:tc>
+                  <a:txBody>
+                    <a:bodyPr/>
+                    <a:lstStyle/>
+                    <a:p>
+                      <a:pPr latinLnBrk="1"/>
+                      <a:endParaRPr lang="ko-KR" altLang="en-US" sz="1200"/>
+                    </a:p>
+                  </a:txBody>
+                  <a:tcPr marL="0" marR="0" marT="0" marB="0"/>
+                </a:tc>
+                <a:tc>
+                  <a:txBody>
+                    <a:bodyPr/>
+                    <a:lstStyle/>
+                    <a:p>
+                      <a:pPr latinLnBrk="1"/>
+                      <a:endParaRPr lang="ko-KR" altLang="en-US" sz="1200"/>
+                    </a:p>
+                  </a:txBody>
+                  <a:tcPr marL="0" marR="0" marT="0" marB="0"/>
+                </a:tc>
+                <a:tc>
+                  <a:txBody>
+                    <a:bodyPr/>
+                    <a:lstStyle/>
+                    <a:p>
+                      <a:pPr latinLnBrk="1"/>
+                      <a:endParaRPr lang="ko-KR" altLang="en-US" sz="1200"/>
+                    </a:p>
+                  </a:txBody>
+                  <a:tcPr marL="0" marR="0" marT="0" marB="0"/>
+                </a:tc>
+                <a:tc>
+                  <a:txBody>
+                    <a:bodyPr/>
+                    <a:lstStyle/>
+                    <a:p>
+                      <a:pPr latinLnBrk="1"/>
+                      <a:endParaRPr lang="ko-KR" altLang="en-US" sz="1200"/>
+                    </a:p>
+                  </a:txBody>
+                  <a:tcPr marL="0" marR="0" marT="0" marB="0"/>
+                </a:tc>
+                <a:tc>
+                  <a:txBody>
+                    <a:bodyPr/>
+                    <a:lstStyle/>
+                    <a:p>
+                      <a:pPr latinLnBrk="1"/>
+                      <a:endParaRPr lang="ko-KR" altLang="en-US" sz="1200" dirty="0"/>
+                    </a:p>
+                  </a:txBody>
+                  <a:tcPr marL="0" marR="0" marT="0" marB="0"/>
+                </a:tc>
+                <a:tc>
+                  <a:txBody>
+                    <a:bodyPr/>
+                    <a:lstStyle/>
+                    <a:p>
+                      <a:pPr latinLnBrk="1"/>
+                      <a:endParaRPr lang="ko-KR" altLang="en-US" sz="1200" dirty="0"/>
+                    </a:p>
+                  </a:txBody>
+                  <a:tcPr marL="0" marR="0" marT="0" marB="0"/>
+                </a:tc>
+                <a:tc>
+                  <a:txBody>
+                    <a:bodyPr/>
+                    <a:lstStyle/>
+                    <a:p>
+                      <a:pPr latinLnBrk="1"/>
+                      <a:endParaRPr lang="ko-KR" altLang="en-US" sz="1200" dirty="0"/>
+                    </a:p>
+                  </a:txBody>
+                  <a:tcPr marL="0" marR="0" marT="0" marB="0"/>
+                </a:tc>
+                <a:tc>
+                  <a:txBody>
+                    <a:bodyPr/>
+                    <a:lstStyle/>
+                    <a:p>
+                      <a:pPr latinLnBrk="1"/>
+                      <a:endParaRPr lang="ko-KR" altLang="en-US" sz="1200"/>
+                    </a:p>
+                  </a:txBody>
+                  <a:tcPr marL="0" marR="0" marT="0" marB="0"/>
+                </a:tc>
+                <a:tc>
+                  <a:txBody>
+                    <a:bodyPr/>
+                    <a:lstStyle/>
+                    <a:p>
+                      <a:pPr latinLnBrk="1"/>
+                      <a:endParaRPr lang="ko-KR" altLang="en-US" sz="1200" dirty="0"/>
+                    </a:p>
+                  </a:txBody>
+                  <a:tcPr marL="0" marR="0" marT="0" marB="0"/>
+                </a:tc>
+                <a:extLst>
+                  <a:ext uri="{0D108BD9-81ED-4DB2-BD59-A6C34878D82A}">
+                    <a16:rowId xmlns:a16="http://schemas.microsoft.com/office/drawing/2014/main" val="682495035"/>
+                  </a:ext>
+                </a:extLst>
+              </a:tr>
+              <a:tr h="0">
+                <a:tc>
+                  <a:txBody>
+                    <a:bodyPr/>
+                    <a:lstStyle/>
+                    <a:p>
+                      <a:pPr algn="ctr" latinLnBrk="1"/>
+                      <a:r>
+                        <a:rPr lang="ko-KR" altLang="en-US" sz="1000" dirty="0" err="1">
+                          <a:latin typeface="맑은 고딕" panose="020B0503020000020004" pitchFamily="50" charset="-127"/>
+                          <a:ea typeface="맑은 고딕" panose="020B0503020000020004" pitchFamily="50" charset="-127"/>
+                        </a:rPr>
+                        <a:t>데드</a:t>
+                      </a:r>
+                      <a:r>
+                        <a:rPr lang="ko-KR" altLang="en-US" sz="1000" dirty="0">
+                          <a:latin typeface="맑은 고딕" panose="020B0503020000020004" pitchFamily="50" charset="-127"/>
+                          <a:ea typeface="맑은 고딕" panose="020B0503020000020004" pitchFamily="50" charset="-127"/>
+                        </a:rPr>
+                        <a:t> </a:t>
+                      </a:r>
+                      <a:r>
+                        <a:rPr lang="ko-KR" altLang="en-US" sz="1000" dirty="0" err="1">
+                          <a:latin typeface="맑은 고딕" panose="020B0503020000020004" pitchFamily="50" charset="-127"/>
+                          <a:ea typeface="맑은 고딕" panose="020B0503020000020004" pitchFamily="50" charset="-127"/>
+                        </a:rPr>
+                        <a:t>레커닝</a:t>
+                      </a:r>
+                      <a:r>
+                        <a:rPr lang="ko-KR" altLang="en-US" sz="1000" dirty="0">
+                          <a:latin typeface="맑은 고딕" panose="020B0503020000020004" pitchFamily="50" charset="-127"/>
+                          <a:ea typeface="맑은 고딕" panose="020B0503020000020004" pitchFamily="50" charset="-127"/>
+                        </a:rPr>
+                        <a:t> 구현</a:t>
+                      </a:r>
+                    </a:p>
+                  </a:txBody>
+                  <a:tcPr marL="0" marR="0" marT="0" marB="0"/>
+                </a:tc>
+                <a:tc>
+                  <a:txBody>
+                    <a:bodyPr/>
+                    <a:lstStyle/>
+                    <a:p>
+                      <a:pPr latinLnBrk="1"/>
+                      <a:endParaRPr lang="ko-KR" altLang="en-US" sz="1200"/>
+                    </a:p>
+                  </a:txBody>
+                  <a:tcPr marL="0" marR="0" marT="0" marB="0"/>
+                </a:tc>
+                <a:tc>
+                  <a:txBody>
+                    <a:bodyPr/>
+                    <a:lstStyle/>
+                    <a:p>
+                      <a:pPr latinLnBrk="1"/>
+                      <a:endParaRPr lang="ko-KR" altLang="en-US" sz="1200" dirty="0"/>
+                    </a:p>
+                  </a:txBody>
+                  <a:tcPr marL="0" marR="0" marT="0" marB="0"/>
+                </a:tc>
+                <a:tc>
+                  <a:txBody>
+                    <a:bodyPr/>
+                    <a:lstStyle/>
+                    <a:p>
+                      <a:pPr latinLnBrk="1"/>
+                      <a:endParaRPr lang="ko-KR" altLang="en-US" sz="1200"/>
+                    </a:p>
+                  </a:txBody>
+                  <a:tcPr marL="0" marR="0" marT="0" marB="0"/>
+                </a:tc>
+                <a:tc>
+                  <a:txBody>
+                    <a:bodyPr/>
+                    <a:lstStyle/>
+                    <a:p>
+                      <a:pPr latinLnBrk="1"/>
+                      <a:endParaRPr lang="ko-KR" altLang="en-US" sz="1200" dirty="0"/>
+                    </a:p>
+                  </a:txBody>
+                  <a:tcPr marL="0" marR="0" marT="0" marB="0"/>
+                </a:tc>
+                <a:tc>
+                  <a:txBody>
+                    <a:bodyPr/>
+                    <a:lstStyle/>
+                    <a:p>
+                      <a:pPr latinLnBrk="1"/>
+                      <a:endParaRPr lang="ko-KR" altLang="en-US" sz="1200"/>
+                    </a:p>
+                  </a:txBody>
+                  <a:tcPr marL="0" marR="0" marT="0" marB="0"/>
+                </a:tc>
+                <a:tc>
+                  <a:txBody>
+                    <a:bodyPr/>
+                    <a:lstStyle/>
+                    <a:p>
+                      <a:pPr latinLnBrk="1"/>
+                      <a:endParaRPr lang="ko-KR" altLang="en-US" sz="1200"/>
+                    </a:p>
+                  </a:txBody>
+                  <a:tcPr marL="0" marR="0" marT="0" marB="0"/>
+                </a:tc>
+                <a:tc>
+                  <a:txBody>
+                    <a:bodyPr/>
+                    <a:lstStyle/>
+                    <a:p>
+                      <a:pPr latinLnBrk="1"/>
+                      <a:endParaRPr lang="ko-KR" altLang="en-US" sz="1200"/>
+                    </a:p>
+                  </a:txBody>
+                  <a:tcPr marL="0" marR="0" marT="0" marB="0"/>
+                </a:tc>
+                <a:tc>
+                  <a:txBody>
+                    <a:bodyPr/>
+                    <a:lstStyle/>
+                    <a:p>
+                      <a:pPr latinLnBrk="1"/>
+                      <a:endParaRPr lang="ko-KR" altLang="en-US" sz="1200"/>
+                    </a:p>
+                  </a:txBody>
+                  <a:tcPr marL="0" marR="0" marT="0" marB="0"/>
+                </a:tc>
+                <a:tc>
+                  <a:txBody>
+                    <a:bodyPr/>
+                    <a:lstStyle/>
+                    <a:p>
+                      <a:pPr latinLnBrk="1"/>
+                      <a:endParaRPr lang="ko-KR" altLang="en-US" sz="1200"/>
+                    </a:p>
+                  </a:txBody>
+                  <a:tcPr marL="0" marR="0" marT="0" marB="0"/>
+                </a:tc>
+                <a:tc>
+                  <a:txBody>
+                    <a:bodyPr/>
+                    <a:lstStyle/>
+                    <a:p>
+                      <a:pPr latinLnBrk="1"/>
+                      <a:endParaRPr lang="ko-KR" altLang="en-US" sz="1200"/>
+                    </a:p>
+                  </a:txBody>
+                  <a:tcPr marL="0" marR="0" marT="0" marB="0"/>
+                </a:tc>
+                <a:tc>
+                  <a:txBody>
+                    <a:bodyPr/>
+                    <a:lstStyle/>
+                    <a:p>
+                      <a:pPr latinLnBrk="1"/>
+                      <a:endParaRPr lang="ko-KR" altLang="en-US" sz="1200"/>
+                    </a:p>
+                  </a:txBody>
+                  <a:tcPr marL="0" marR="0" marT="0" marB="0"/>
+                </a:tc>
+                <a:tc>
+                  <a:txBody>
+                    <a:bodyPr/>
+                    <a:lstStyle/>
+                    <a:p>
+                      <a:pPr latinLnBrk="1"/>
+                      <a:endParaRPr lang="ko-KR" altLang="en-US" sz="1200"/>
+                    </a:p>
+                  </a:txBody>
+                  <a:tcPr marL="0" marR="0" marT="0" marB="0"/>
+                </a:tc>
+                <a:tc>
+                  <a:txBody>
+                    <a:bodyPr/>
+                    <a:lstStyle/>
+                    <a:p>
+                      <a:pPr latinLnBrk="1"/>
+                      <a:endParaRPr lang="ko-KR" altLang="en-US" sz="1200"/>
+                    </a:p>
+                  </a:txBody>
+                  <a:tcPr marL="0" marR="0" marT="0" marB="0"/>
+                </a:tc>
+                <a:tc>
+                  <a:txBody>
+                    <a:bodyPr/>
+                    <a:lstStyle/>
+                    <a:p>
+                      <a:pPr latinLnBrk="1"/>
+                      <a:endParaRPr lang="ko-KR" altLang="en-US" sz="1200"/>
+                    </a:p>
+                  </a:txBody>
+                  <a:tcPr marL="0" marR="0" marT="0" marB="0"/>
+                </a:tc>
+                <a:tc>
+                  <a:txBody>
+                    <a:bodyPr/>
+                    <a:lstStyle/>
+                    <a:p>
+                      <a:pPr latinLnBrk="1"/>
+                      <a:endParaRPr lang="ko-KR" altLang="en-US" sz="1200"/>
+                    </a:p>
+                  </a:txBody>
+                  <a:tcPr marL="0" marR="0" marT="0" marB="0"/>
+                </a:tc>
+                <a:tc>
+                  <a:txBody>
+                    <a:bodyPr/>
+                    <a:lstStyle/>
+                    <a:p>
+                      <a:pPr latinLnBrk="1"/>
+                      <a:endParaRPr lang="ko-KR" altLang="en-US" sz="1200"/>
+                    </a:p>
+                  </a:txBody>
+                  <a:tcPr marL="0" marR="0" marT="0" marB="0"/>
+                </a:tc>
+                <a:tc>
+                  <a:txBody>
+                    <a:bodyPr/>
+                    <a:lstStyle/>
+                    <a:p>
+                      <a:pPr latinLnBrk="1"/>
+                      <a:endParaRPr lang="ko-KR" altLang="en-US" sz="1200" dirty="0"/>
+                    </a:p>
+                  </a:txBody>
+                  <a:tcPr marL="0" marR="0" marT="0" marB="0"/>
+                </a:tc>
+                <a:tc>
+                  <a:txBody>
+                    <a:bodyPr/>
+                    <a:lstStyle/>
+                    <a:p>
+                      <a:pPr latinLnBrk="1"/>
+                      <a:endParaRPr lang="ko-KR" altLang="en-US" sz="1200" dirty="0"/>
+                    </a:p>
+                  </a:txBody>
+                  <a:tcPr marL="0" marR="0" marT="0" marB="0"/>
+                </a:tc>
+                <a:tc>
+                  <a:txBody>
+                    <a:bodyPr/>
+                    <a:lstStyle/>
+                    <a:p>
+                      <a:pPr latinLnBrk="1"/>
+                      <a:endParaRPr lang="ko-KR" altLang="en-US" sz="1200" dirty="0"/>
+                    </a:p>
+                  </a:txBody>
+                  <a:tcPr marL="0" marR="0" marT="0" marB="0"/>
+                </a:tc>
+                <a:tc>
+                  <a:txBody>
+                    <a:bodyPr/>
+                    <a:lstStyle/>
+                    <a:p>
+                      <a:pPr latinLnBrk="1"/>
+                      <a:endParaRPr lang="ko-KR" altLang="en-US" sz="1200" dirty="0"/>
+                    </a:p>
+                  </a:txBody>
+                  <a:tcPr marL="0" marR="0" marT="0" marB="0"/>
+                </a:tc>
+                <a:tc>
+                  <a:txBody>
+                    <a:bodyPr/>
+                    <a:lstStyle/>
+                    <a:p>
+                      <a:pPr latinLnBrk="1"/>
+                      <a:endParaRPr lang="ko-KR" altLang="en-US" sz="1200"/>
+                    </a:p>
+                  </a:txBody>
+                  <a:tcPr marL="0" marR="0" marT="0" marB="0"/>
+                </a:tc>
+                <a:tc>
+                  <a:txBody>
+                    <a:bodyPr/>
+                    <a:lstStyle/>
+                    <a:p>
+                      <a:pPr latinLnBrk="1"/>
+                      <a:endParaRPr lang="ko-KR" altLang="en-US" sz="1200" dirty="0"/>
+                    </a:p>
+                  </a:txBody>
+                  <a:tcPr marL="0" marR="0" marT="0" marB="0"/>
+                </a:tc>
+                <a:tc>
+                  <a:txBody>
+                    <a:bodyPr/>
+                    <a:lstStyle/>
+                    <a:p>
+                      <a:pPr latinLnBrk="1"/>
+                      <a:endParaRPr lang="ko-KR" altLang="en-US" sz="1200"/>
+                    </a:p>
+                  </a:txBody>
+                  <a:tcPr marL="0" marR="0" marT="0" marB="0"/>
+                </a:tc>
+                <a:tc>
+                  <a:txBody>
+                    <a:bodyPr/>
+                    <a:lstStyle/>
+                    <a:p>
+                      <a:pPr latinLnBrk="1"/>
+                      <a:endParaRPr lang="ko-KR" altLang="en-US" sz="1200"/>
+                    </a:p>
+                  </a:txBody>
+                  <a:tcPr marL="0" marR="0" marT="0" marB="0"/>
+                </a:tc>
+                <a:tc>
+                  <a:txBody>
+                    <a:bodyPr/>
+                    <a:lstStyle/>
+                    <a:p>
+                      <a:pPr latinLnBrk="1"/>
+                      <a:endParaRPr lang="ko-KR" altLang="en-US" sz="1200"/>
+                    </a:p>
+                  </a:txBody>
+                  <a:tcPr marL="0" marR="0" marT="0" marB="0"/>
+                </a:tc>
+                <a:tc>
+                  <a:txBody>
+                    <a:bodyPr/>
+                    <a:lstStyle/>
+                    <a:p>
+                      <a:pPr latinLnBrk="1"/>
+                      <a:endParaRPr lang="ko-KR" altLang="en-US" sz="1200"/>
+                    </a:p>
+                  </a:txBody>
+                  <a:tcPr marL="0" marR="0" marT="0" marB="0"/>
+                </a:tc>
+                <a:tc>
+                  <a:txBody>
+                    <a:bodyPr/>
+                    <a:lstStyle/>
+                    <a:p>
+                      <a:pPr latinLnBrk="1"/>
+                      <a:endParaRPr lang="ko-KR" altLang="en-US" sz="1200"/>
+                    </a:p>
+                  </a:txBody>
+                  <a:tcPr marL="0" marR="0" marT="0" marB="0"/>
+                </a:tc>
+                <a:tc>
+                  <a:txBody>
+                    <a:bodyPr/>
+                    <a:lstStyle/>
+                    <a:p>
+                      <a:pPr latinLnBrk="1"/>
+                      <a:endParaRPr lang="ko-KR" altLang="en-US" sz="1200"/>
+                    </a:p>
+                  </a:txBody>
+                  <a:tcPr marL="0" marR="0" marT="0" marB="0"/>
+                </a:tc>
+                <a:tc>
+                  <a:txBody>
+                    <a:bodyPr/>
+                    <a:lstStyle/>
+                    <a:p>
+                      <a:pPr latinLnBrk="1"/>
+                      <a:endParaRPr lang="ko-KR" altLang="en-US" sz="1200"/>
+                    </a:p>
+                  </a:txBody>
+                  <a:tcPr marL="0" marR="0" marT="0" marB="0"/>
+                </a:tc>
+                <a:tc>
+                  <a:txBody>
+                    <a:bodyPr/>
+                    <a:lstStyle/>
+                    <a:p>
+                      <a:pPr latinLnBrk="1"/>
+                      <a:endParaRPr lang="ko-KR" altLang="en-US" sz="1200"/>
+                    </a:p>
+                  </a:txBody>
+                  <a:tcPr marL="0" marR="0" marT="0" marB="0"/>
+                </a:tc>
+                <a:tc>
+                  <a:txBody>
+                    <a:bodyPr/>
+                    <a:lstStyle/>
+                    <a:p>
+                      <a:pPr latinLnBrk="1"/>
+                      <a:endParaRPr lang="ko-KR" altLang="en-US" sz="1200"/>
+                    </a:p>
+                  </a:txBody>
+                  <a:tcPr marL="0" marR="0" marT="0" marB="0"/>
+                </a:tc>
+                <a:tc>
+                  <a:txBody>
+                    <a:bodyPr/>
+                    <a:lstStyle/>
+                    <a:p>
+                      <a:pPr latinLnBrk="1"/>
+                      <a:endParaRPr lang="ko-KR" altLang="en-US" sz="1200" dirty="0"/>
+                    </a:p>
+                  </a:txBody>
+                  <a:tcPr marL="0" marR="0" marT="0" marB="0"/>
+                </a:tc>
+                <a:tc>
+                  <a:txBody>
+                    <a:bodyPr/>
+                    <a:lstStyle/>
+                    <a:p>
+                      <a:pPr latinLnBrk="1"/>
+                      <a:endParaRPr lang="ko-KR" altLang="en-US" sz="1200" dirty="0"/>
+                    </a:p>
+                  </a:txBody>
+                  <a:tcPr marL="0" marR="0" marT="0" marB="0"/>
+                </a:tc>
+                <a:tc>
+                  <a:txBody>
+                    <a:bodyPr/>
+                    <a:lstStyle/>
+                    <a:p>
+                      <a:pPr latinLnBrk="1"/>
+                      <a:endParaRPr lang="ko-KR" altLang="en-US" sz="1200" dirty="0"/>
+                    </a:p>
+                  </a:txBody>
+                  <a:tcPr marL="0" marR="0" marT="0" marB="0"/>
+                </a:tc>
+                <a:tc>
+                  <a:txBody>
+                    <a:bodyPr/>
+                    <a:lstStyle/>
+                    <a:p>
+                      <a:pPr latinLnBrk="1"/>
+                      <a:endParaRPr lang="ko-KR" altLang="en-US" sz="1200"/>
+                    </a:p>
+                  </a:txBody>
+                  <a:tcPr marL="0" marR="0" marT="0" marB="0"/>
+                </a:tc>
+                <a:tc>
+                  <a:txBody>
+                    <a:bodyPr/>
+                    <a:lstStyle/>
+                    <a:p>
+                      <a:pPr latinLnBrk="1"/>
+                      <a:endParaRPr lang="ko-KR" altLang="en-US" sz="1200" dirty="0"/>
+                    </a:p>
+                  </a:txBody>
+                  <a:tcPr marL="0" marR="0" marT="0" marB="0"/>
+                </a:tc>
+                <a:extLst>
+                  <a:ext uri="{0D108BD9-81ED-4DB2-BD59-A6C34878D82A}">
+                    <a16:rowId xmlns:a16="http://schemas.microsoft.com/office/drawing/2014/main" val="208150330"/>
+                  </a:ext>
+                </a:extLst>
+              </a:tr>
+              <a:tr h="0">
+                <a:tc>
+                  <a:txBody>
+                    <a:bodyPr/>
+                    <a:lstStyle/>
+                    <a:p>
+                      <a:pPr algn="ctr" latinLnBrk="1"/>
+                      <a:r>
+                        <a:rPr lang="ko-KR" altLang="en-US" sz="1000" dirty="0">
+                          <a:latin typeface="맑은 고딕" panose="020B0503020000020004" pitchFamily="50" charset="-127"/>
+                          <a:ea typeface="맑은 고딕" panose="020B0503020000020004" pitchFamily="50" charset="-127"/>
+                        </a:rPr>
+                        <a:t>물 표현</a:t>
+                      </a:r>
+                    </a:p>
+                  </a:txBody>
+                  <a:tcPr marL="0" marR="0" marT="0" marB="0"/>
+                </a:tc>
+                <a:tc>
+                  <a:txBody>
+                    <a:bodyPr/>
+                    <a:lstStyle/>
+                    <a:p>
+                      <a:pPr latinLnBrk="1"/>
+                      <a:endParaRPr lang="ko-KR" altLang="en-US" sz="1200"/>
+                    </a:p>
+                  </a:txBody>
+                  <a:tcPr marL="0" marR="0" marT="0" marB="0"/>
+                </a:tc>
+                <a:tc>
+                  <a:txBody>
+                    <a:bodyPr/>
+                    <a:lstStyle/>
+                    <a:p>
+                      <a:pPr latinLnBrk="1"/>
+                      <a:endParaRPr lang="ko-KR" altLang="en-US" sz="1200"/>
+                    </a:p>
+                  </a:txBody>
+                  <a:tcPr marL="0" marR="0" marT="0" marB="0"/>
+                </a:tc>
+                <a:tc>
+                  <a:txBody>
+                    <a:bodyPr/>
+                    <a:lstStyle/>
+                    <a:p>
+                      <a:pPr latinLnBrk="1"/>
+                      <a:endParaRPr lang="ko-KR" altLang="en-US" sz="1200"/>
+                    </a:p>
+                  </a:txBody>
+                  <a:tcPr marL="0" marR="0" marT="0" marB="0"/>
+                </a:tc>
+                <a:tc>
+                  <a:txBody>
+                    <a:bodyPr/>
+                    <a:lstStyle/>
+                    <a:p>
+                      <a:pPr latinLnBrk="1"/>
+                      <a:endParaRPr lang="ko-KR" altLang="en-US" sz="1200"/>
+                    </a:p>
+                  </a:txBody>
+                  <a:tcPr marL="0" marR="0" marT="0" marB="0"/>
+                </a:tc>
+                <a:tc>
+                  <a:txBody>
+                    <a:bodyPr/>
+                    <a:lstStyle/>
+                    <a:p>
+                      <a:pPr latinLnBrk="1"/>
+                      <a:endParaRPr lang="ko-KR" altLang="en-US" sz="1200"/>
+                    </a:p>
+                  </a:txBody>
+                  <a:tcPr marL="0" marR="0" marT="0" marB="0"/>
+                </a:tc>
+                <a:tc>
+                  <a:txBody>
+                    <a:bodyPr/>
+                    <a:lstStyle/>
+                    <a:p>
+                      <a:pPr latinLnBrk="1"/>
+                      <a:endParaRPr lang="ko-KR" altLang="en-US" sz="1200"/>
+                    </a:p>
+                  </a:txBody>
+                  <a:tcPr marL="0" marR="0" marT="0" marB="0"/>
+                </a:tc>
+                <a:tc>
+                  <a:txBody>
+                    <a:bodyPr/>
+                    <a:lstStyle/>
+                    <a:p>
+                      <a:pPr latinLnBrk="1"/>
+                      <a:endParaRPr lang="ko-KR" altLang="en-US" sz="1200"/>
+                    </a:p>
+                  </a:txBody>
+                  <a:tcPr marL="0" marR="0" marT="0" marB="0"/>
+                </a:tc>
+                <a:tc>
+                  <a:txBody>
+                    <a:bodyPr/>
+                    <a:lstStyle/>
+                    <a:p>
+                      <a:pPr latinLnBrk="1"/>
+                      <a:endParaRPr lang="ko-KR" altLang="en-US" sz="1200" dirty="0"/>
+                    </a:p>
+                  </a:txBody>
+                  <a:tcPr marL="0" marR="0" marT="0" marB="0"/>
+                </a:tc>
+                <a:tc>
+                  <a:txBody>
+                    <a:bodyPr/>
+                    <a:lstStyle/>
+                    <a:p>
+                      <a:pPr latinLnBrk="1"/>
+                      <a:endParaRPr lang="ko-KR" altLang="en-US" sz="1200"/>
+                    </a:p>
+                  </a:txBody>
+                  <a:tcPr marL="0" marR="0" marT="0" marB="0"/>
+                </a:tc>
+                <a:tc>
+                  <a:txBody>
+                    <a:bodyPr/>
+                    <a:lstStyle/>
+                    <a:p>
+                      <a:pPr latinLnBrk="1"/>
+                      <a:endParaRPr lang="ko-KR" altLang="en-US" sz="1200"/>
+                    </a:p>
+                  </a:txBody>
+                  <a:tcPr marL="0" marR="0" marT="0" marB="0"/>
+                </a:tc>
+                <a:tc>
+                  <a:txBody>
+                    <a:bodyPr/>
+                    <a:lstStyle/>
+                    <a:p>
+                      <a:pPr latinLnBrk="1"/>
+                      <a:endParaRPr lang="ko-KR" altLang="en-US" sz="1200"/>
+                    </a:p>
+                  </a:txBody>
+                  <a:tcPr marL="0" marR="0" marT="0" marB="0"/>
+                </a:tc>
+                <a:tc>
+                  <a:txBody>
+                    <a:bodyPr/>
+                    <a:lstStyle/>
+                    <a:p>
+                      <a:pPr latinLnBrk="1"/>
+                      <a:endParaRPr lang="ko-KR" altLang="en-US" sz="1200"/>
+                    </a:p>
+                  </a:txBody>
+                  <a:tcPr marL="0" marR="0" marT="0" marB="0"/>
+                </a:tc>
+                <a:tc>
+                  <a:txBody>
+                    <a:bodyPr/>
+                    <a:lstStyle/>
+                    <a:p>
+                      <a:pPr latinLnBrk="1"/>
+                      <a:endParaRPr lang="ko-KR" altLang="en-US" sz="1200"/>
+                    </a:p>
+                  </a:txBody>
+                  <a:tcPr marL="0" marR="0" marT="0" marB="0"/>
+                </a:tc>
+                <a:tc>
+                  <a:txBody>
+                    <a:bodyPr/>
+                    <a:lstStyle/>
+                    <a:p>
+                      <a:pPr latinLnBrk="1"/>
+                      <a:endParaRPr lang="ko-KR" altLang="en-US" sz="1200"/>
+                    </a:p>
+                  </a:txBody>
+                  <a:tcPr marL="0" marR="0" marT="0" marB="0"/>
+                </a:tc>
+                <a:tc>
+                  <a:txBody>
+                    <a:bodyPr/>
+                    <a:lstStyle/>
+                    <a:p>
+                      <a:pPr latinLnBrk="1"/>
+                      <a:endParaRPr lang="ko-KR" altLang="en-US" sz="1200"/>
+                    </a:p>
+                  </a:txBody>
+                  <a:tcPr marL="0" marR="0" marT="0" marB="0"/>
+                </a:tc>
+                <a:tc>
+                  <a:txBody>
+                    <a:bodyPr/>
+                    <a:lstStyle/>
+                    <a:p>
+                      <a:pPr latinLnBrk="1"/>
+                      <a:endParaRPr lang="ko-KR" altLang="en-US" sz="1200"/>
+                    </a:p>
+                  </a:txBody>
+                  <a:tcPr marL="0" marR="0" marT="0" marB="0"/>
+                </a:tc>
+                <a:tc>
+                  <a:txBody>
+                    <a:bodyPr/>
+                    <a:lstStyle/>
+                    <a:p>
+                      <a:pPr latinLnBrk="1"/>
+                      <a:endParaRPr lang="ko-KR" altLang="en-US" sz="1200" dirty="0"/>
+                    </a:p>
+                  </a:txBody>
+                  <a:tcPr marL="0" marR="0" marT="0" marB="0"/>
+                </a:tc>
+                <a:tc>
+                  <a:txBody>
+                    <a:bodyPr/>
+                    <a:lstStyle/>
+                    <a:p>
+                      <a:pPr latinLnBrk="1"/>
+                      <a:endParaRPr lang="ko-KR" altLang="en-US" sz="1200" dirty="0"/>
+                    </a:p>
+                  </a:txBody>
+                  <a:tcPr marL="0" marR="0" marT="0" marB="0"/>
+                </a:tc>
+                <a:tc>
+                  <a:txBody>
+                    <a:bodyPr/>
+                    <a:lstStyle/>
+                    <a:p>
+                      <a:pPr latinLnBrk="1"/>
+                      <a:endParaRPr lang="ko-KR" altLang="en-US" sz="1200" dirty="0"/>
+                    </a:p>
+                  </a:txBody>
+                  <a:tcPr marL="0" marR="0" marT="0" marB="0"/>
+                </a:tc>
+                <a:tc>
+                  <a:txBody>
+                    <a:bodyPr/>
+                    <a:lstStyle/>
+                    <a:p>
+                      <a:pPr latinLnBrk="1"/>
+                      <a:endParaRPr lang="ko-KR" altLang="en-US" sz="1200" dirty="0"/>
+                    </a:p>
+                  </a:txBody>
+                  <a:tcPr marL="0" marR="0" marT="0" marB="0"/>
+                </a:tc>
+                <a:tc>
+                  <a:txBody>
+                    <a:bodyPr/>
+                    <a:lstStyle/>
+                    <a:p>
+                      <a:pPr latinLnBrk="1"/>
+                      <a:endParaRPr lang="ko-KR" altLang="en-US" sz="1200"/>
+                    </a:p>
+                  </a:txBody>
+                  <a:tcPr marL="0" marR="0" marT="0" marB="0"/>
+                </a:tc>
+                <a:tc>
+                  <a:txBody>
+                    <a:bodyPr/>
+                    <a:lstStyle/>
+                    <a:p>
+                      <a:pPr latinLnBrk="1"/>
+                      <a:endParaRPr lang="ko-KR" altLang="en-US" sz="1200" dirty="0"/>
+                    </a:p>
+                  </a:txBody>
+                  <a:tcPr marL="0" marR="0" marT="0" marB="0"/>
+                </a:tc>
+                <a:tc>
+                  <a:txBody>
+                    <a:bodyPr/>
+                    <a:lstStyle/>
+                    <a:p>
+                      <a:pPr latinLnBrk="1"/>
+                      <a:endParaRPr lang="ko-KR" altLang="en-US" sz="1200"/>
+                    </a:p>
+                  </a:txBody>
+                  <a:tcPr marL="0" marR="0" marT="0" marB="0"/>
+                </a:tc>
+                <a:tc>
+                  <a:txBody>
+                    <a:bodyPr/>
+                    <a:lstStyle/>
+                    <a:p>
+                      <a:pPr latinLnBrk="1"/>
+                      <a:endParaRPr lang="ko-KR" altLang="en-US" sz="1200"/>
+                    </a:p>
+                  </a:txBody>
+                  <a:tcPr marL="0" marR="0" marT="0" marB="0"/>
+                </a:tc>
+                <a:tc>
+                  <a:txBody>
+                    <a:bodyPr/>
+                    <a:lstStyle/>
+                    <a:p>
+                      <a:pPr latinLnBrk="1"/>
+                      <a:endParaRPr lang="ko-KR" altLang="en-US" sz="1200"/>
+                    </a:p>
+                  </a:txBody>
+                  <a:tcPr marL="0" marR="0" marT="0" marB="0"/>
+                </a:tc>
+                <a:tc>
+                  <a:txBody>
+                    <a:bodyPr/>
+                    <a:lstStyle/>
+                    <a:p>
+                      <a:pPr latinLnBrk="1"/>
+                      <a:endParaRPr lang="ko-KR" altLang="en-US" sz="1200"/>
+                    </a:p>
+                  </a:txBody>
+                  <a:tcPr marL="0" marR="0" marT="0" marB="0"/>
+                </a:tc>
+                <a:tc>
+                  <a:txBody>
+                    <a:bodyPr/>
+                    <a:lstStyle/>
+                    <a:p>
+                      <a:pPr latinLnBrk="1"/>
+                      <a:endParaRPr lang="ko-KR" altLang="en-US" sz="1200"/>
+                    </a:p>
+                  </a:txBody>
+                  <a:tcPr marL="0" marR="0" marT="0" marB="0"/>
+                </a:tc>
+                <a:tc>
+                  <a:txBody>
+                    <a:bodyPr/>
+                    <a:lstStyle/>
+                    <a:p>
+                      <a:pPr latinLnBrk="1"/>
+                      <a:endParaRPr lang="ko-KR" altLang="en-US" sz="1200"/>
+                    </a:p>
+                  </a:txBody>
+                  <a:tcPr marL="0" marR="0" marT="0" marB="0"/>
+                </a:tc>
+                <a:tc>
+                  <a:txBody>
+                    <a:bodyPr/>
+                    <a:lstStyle/>
+                    <a:p>
+                      <a:pPr latinLnBrk="1"/>
+                      <a:endParaRPr lang="ko-KR" altLang="en-US" sz="1200"/>
+                    </a:p>
+                  </a:txBody>
+                  <a:tcPr marL="0" marR="0" marT="0" marB="0"/>
+                </a:tc>
+                <a:tc>
+                  <a:txBody>
+                    <a:bodyPr/>
+                    <a:lstStyle/>
+                    <a:p>
+                      <a:pPr latinLnBrk="1"/>
+                      <a:endParaRPr lang="ko-KR" altLang="en-US" sz="1200"/>
+                    </a:p>
+                  </a:txBody>
+                  <a:tcPr marL="0" marR="0" marT="0" marB="0"/>
+                </a:tc>
+                <a:tc>
+                  <a:txBody>
+                    <a:bodyPr/>
+                    <a:lstStyle/>
+                    <a:p>
+                      <a:pPr latinLnBrk="1"/>
+                      <a:endParaRPr lang="ko-KR" altLang="en-US" sz="1200"/>
+                    </a:p>
+                  </a:txBody>
+                  <a:tcPr marL="0" marR="0" marT="0" marB="0"/>
+                </a:tc>
+                <a:tc>
+                  <a:txBody>
+                    <a:bodyPr/>
+                    <a:lstStyle/>
+                    <a:p>
+                      <a:pPr latinLnBrk="1"/>
+                      <a:endParaRPr lang="ko-KR" altLang="en-US" sz="1200"/>
+                    </a:p>
+                  </a:txBody>
+                  <a:tcPr marL="0" marR="0" marT="0" marB="0"/>
+                </a:tc>
+                <a:tc>
+                  <a:txBody>
+                    <a:bodyPr/>
+                    <a:lstStyle/>
+                    <a:p>
+                      <a:pPr latinLnBrk="1"/>
+                      <a:endParaRPr lang="ko-KR" altLang="en-US" sz="1200" dirty="0"/>
+                    </a:p>
+                  </a:txBody>
+                  <a:tcPr marL="0" marR="0" marT="0" marB="0"/>
+                </a:tc>
+                <a:tc>
+                  <a:txBody>
+                    <a:bodyPr/>
+                    <a:lstStyle/>
+                    <a:p>
+                      <a:pPr latinLnBrk="1"/>
+                      <a:endParaRPr lang="ko-KR" altLang="en-US" sz="1200" dirty="0"/>
+                    </a:p>
+                  </a:txBody>
+                  <a:tcPr marL="0" marR="0" marT="0" marB="0"/>
+                </a:tc>
+                <a:tc>
+                  <a:txBody>
+                    <a:bodyPr/>
+                    <a:lstStyle/>
+                    <a:p>
+                      <a:pPr latinLnBrk="1"/>
+                      <a:endParaRPr lang="ko-KR" altLang="en-US" sz="1200" dirty="0"/>
+                    </a:p>
+                  </a:txBody>
+                  <a:tcPr marL="0" marR="0" marT="0" marB="0"/>
+                </a:tc>
+                <a:tc>
+                  <a:txBody>
+                    <a:bodyPr/>
+                    <a:lstStyle/>
+                    <a:p>
+                      <a:pPr latinLnBrk="1"/>
+                      <a:endParaRPr lang="ko-KR" altLang="en-US" sz="1200"/>
+                    </a:p>
+                  </a:txBody>
+                  <a:tcPr marL="0" marR="0" marT="0" marB="0"/>
+                </a:tc>
+                <a:extLst>
+                  <a:ext uri="{0D108BD9-81ED-4DB2-BD59-A6C34878D82A}">
+                    <a16:rowId xmlns:a16="http://schemas.microsoft.com/office/drawing/2014/main" val="1266104748"/>
+                  </a:ext>
+                </a:extLst>
+              </a:tr>
+              <a:tr h="0">
+                <a:tc>
+                  <a:txBody>
+                    <a:bodyPr/>
+                    <a:lstStyle/>
+                    <a:p>
+                      <a:pPr algn="ctr" latinLnBrk="1"/>
+                      <a:r>
+                        <a:rPr lang="ko-KR" altLang="en-US" sz="1000" dirty="0" err="1">
+                          <a:latin typeface="맑은 고딕" panose="020B0503020000020004" pitchFamily="50" charset="-127"/>
+                          <a:ea typeface="맑은 고딕" panose="020B0503020000020004" pitchFamily="50" charset="-127"/>
+                        </a:rPr>
+                        <a:t>데칼</a:t>
+                      </a:r>
+                      <a:r>
+                        <a:rPr lang="ko-KR" altLang="en-US" sz="1000" dirty="0">
+                          <a:latin typeface="맑은 고딕" panose="020B0503020000020004" pitchFamily="50" charset="-127"/>
+                          <a:ea typeface="맑은 고딕" panose="020B0503020000020004" pitchFamily="50" charset="-127"/>
+                        </a:rPr>
+                        <a:t> 이미지</a:t>
+                      </a:r>
+                    </a:p>
+                  </a:txBody>
+                  <a:tcPr marL="0" marR="0" marT="0" marB="0"/>
+                </a:tc>
+                <a:tc>
+                  <a:txBody>
+                    <a:bodyPr/>
+                    <a:lstStyle/>
+                    <a:p>
+                      <a:pPr latinLnBrk="1"/>
+                      <a:endParaRPr lang="ko-KR" altLang="en-US" sz="1200" dirty="0"/>
+                    </a:p>
+                  </a:txBody>
+                  <a:tcPr marL="0" marR="0" marT="0" marB="0"/>
+                </a:tc>
+                <a:tc>
+                  <a:txBody>
+                    <a:bodyPr/>
+                    <a:lstStyle/>
+                    <a:p>
+                      <a:pPr latinLnBrk="1"/>
+                      <a:endParaRPr lang="ko-KR" altLang="en-US" sz="1200" dirty="0"/>
+                    </a:p>
+                  </a:txBody>
+                  <a:tcPr marL="0" marR="0" marT="0" marB="0"/>
+                </a:tc>
+                <a:tc>
+                  <a:txBody>
+                    <a:bodyPr/>
+                    <a:lstStyle/>
+                    <a:p>
+                      <a:pPr latinLnBrk="1"/>
+                      <a:endParaRPr lang="ko-KR" altLang="en-US" sz="1200"/>
+                    </a:p>
+                  </a:txBody>
+                  <a:tcPr marL="0" marR="0" marT="0" marB="0"/>
+                </a:tc>
+                <a:tc>
+                  <a:txBody>
+                    <a:bodyPr/>
+                    <a:lstStyle/>
+                    <a:p>
+                      <a:pPr latinLnBrk="1"/>
+                      <a:endParaRPr lang="ko-KR" altLang="en-US" sz="1200" dirty="0"/>
+                    </a:p>
+                  </a:txBody>
+                  <a:tcPr marL="0" marR="0" marT="0" marB="0"/>
+                </a:tc>
+                <a:tc>
+                  <a:txBody>
+                    <a:bodyPr/>
+                    <a:lstStyle/>
+                    <a:p>
+                      <a:pPr latinLnBrk="1"/>
+                      <a:endParaRPr lang="ko-KR" altLang="en-US" sz="1200"/>
+                    </a:p>
+                  </a:txBody>
+                  <a:tcPr marL="0" marR="0" marT="0" marB="0"/>
+                </a:tc>
+                <a:tc>
+                  <a:txBody>
+                    <a:bodyPr/>
+                    <a:lstStyle/>
+                    <a:p>
+                      <a:pPr latinLnBrk="1"/>
+                      <a:endParaRPr lang="ko-KR" altLang="en-US" sz="1200"/>
+                    </a:p>
+                  </a:txBody>
+                  <a:tcPr marL="0" marR="0" marT="0" marB="0"/>
+                </a:tc>
+                <a:tc>
+                  <a:txBody>
+                    <a:bodyPr/>
+                    <a:lstStyle/>
+                    <a:p>
+                      <a:pPr latinLnBrk="1"/>
+                      <a:endParaRPr lang="ko-KR" altLang="en-US" sz="1200"/>
+                    </a:p>
+                  </a:txBody>
+                  <a:tcPr marL="0" marR="0" marT="0" marB="0"/>
+                </a:tc>
+                <a:tc>
+                  <a:txBody>
+                    <a:bodyPr/>
+                    <a:lstStyle/>
+                    <a:p>
+                      <a:pPr latinLnBrk="1"/>
+                      <a:endParaRPr lang="ko-KR" altLang="en-US" sz="1200"/>
+                    </a:p>
+                  </a:txBody>
+                  <a:tcPr marL="0" marR="0" marT="0" marB="0"/>
+                </a:tc>
+                <a:tc>
+                  <a:txBody>
+                    <a:bodyPr/>
+                    <a:lstStyle/>
+                    <a:p>
+                      <a:pPr latinLnBrk="1"/>
+                      <a:endParaRPr lang="ko-KR" altLang="en-US" sz="1200"/>
+                    </a:p>
+                  </a:txBody>
+                  <a:tcPr marL="0" marR="0" marT="0" marB="0"/>
+                </a:tc>
+                <a:tc>
+                  <a:txBody>
+                    <a:bodyPr/>
+                    <a:lstStyle/>
+                    <a:p>
+                      <a:pPr latinLnBrk="1"/>
+                      <a:endParaRPr lang="ko-KR" altLang="en-US" sz="1200"/>
+                    </a:p>
+                  </a:txBody>
+                  <a:tcPr marL="0" marR="0" marT="0" marB="0"/>
+                </a:tc>
+                <a:tc>
+                  <a:txBody>
+                    <a:bodyPr/>
+                    <a:lstStyle/>
+                    <a:p>
+                      <a:pPr latinLnBrk="1"/>
+                      <a:endParaRPr lang="ko-KR" altLang="en-US" sz="1200" dirty="0"/>
+                    </a:p>
+                  </a:txBody>
+                  <a:tcPr marL="0" marR="0" marT="0" marB="0"/>
+                </a:tc>
+                <a:tc>
+                  <a:txBody>
+                    <a:bodyPr/>
+                    <a:lstStyle/>
+                    <a:p>
+                      <a:pPr latinLnBrk="1"/>
+                      <a:endParaRPr lang="ko-KR" altLang="en-US" sz="1200"/>
+                    </a:p>
+                  </a:txBody>
+                  <a:tcPr marL="0" marR="0" marT="0" marB="0"/>
+                </a:tc>
+                <a:tc>
+                  <a:txBody>
+                    <a:bodyPr/>
+                    <a:lstStyle/>
+                    <a:p>
+                      <a:pPr latinLnBrk="1"/>
+                      <a:endParaRPr lang="ko-KR" altLang="en-US" sz="1200"/>
+                    </a:p>
+                  </a:txBody>
+                  <a:tcPr marL="0" marR="0" marT="0" marB="0"/>
+                </a:tc>
+                <a:tc>
+                  <a:txBody>
+                    <a:bodyPr/>
+                    <a:lstStyle/>
+                    <a:p>
+                      <a:pPr latinLnBrk="1"/>
+                      <a:endParaRPr lang="ko-KR" altLang="en-US" sz="1200"/>
+                    </a:p>
+                  </a:txBody>
+                  <a:tcPr marL="0" marR="0" marT="0" marB="0"/>
+                </a:tc>
+                <a:tc>
+                  <a:txBody>
+                    <a:bodyPr/>
+                    <a:lstStyle/>
+                    <a:p>
+                      <a:pPr latinLnBrk="1"/>
+                      <a:endParaRPr lang="ko-KR" altLang="en-US" sz="1200"/>
+                    </a:p>
+                  </a:txBody>
+                  <a:tcPr marL="0" marR="0" marT="0" marB="0"/>
+                </a:tc>
+                <a:tc>
+                  <a:txBody>
+                    <a:bodyPr/>
+                    <a:lstStyle/>
+                    <a:p>
+                      <a:pPr latinLnBrk="1"/>
+                      <a:endParaRPr lang="ko-KR" altLang="en-US" sz="1200"/>
+                    </a:p>
+                  </a:txBody>
+                  <a:tcPr marL="0" marR="0" marT="0" marB="0"/>
+                </a:tc>
+                <a:tc>
+                  <a:txBody>
+                    <a:bodyPr/>
+                    <a:lstStyle/>
+                    <a:p>
+                      <a:pPr latinLnBrk="1"/>
+                      <a:endParaRPr lang="ko-KR" altLang="en-US" sz="1200"/>
+                    </a:p>
+                  </a:txBody>
+                  <a:tcPr marL="0" marR="0" marT="0" marB="0"/>
+                </a:tc>
+                <a:tc>
+                  <a:txBody>
+                    <a:bodyPr/>
+                    <a:lstStyle/>
+                    <a:p>
+                      <a:pPr latinLnBrk="1"/>
+                      <a:endParaRPr lang="ko-KR" altLang="en-US" sz="1200"/>
+                    </a:p>
+                  </a:txBody>
+                  <a:tcPr marL="0" marR="0" marT="0" marB="0"/>
+                </a:tc>
+                <a:tc>
+                  <a:txBody>
+                    <a:bodyPr/>
+                    <a:lstStyle/>
+                    <a:p>
+                      <a:pPr latinLnBrk="1"/>
+                      <a:endParaRPr lang="ko-KR" altLang="en-US" sz="1200"/>
+                    </a:p>
+                  </a:txBody>
+                  <a:tcPr marL="0" marR="0" marT="0" marB="0"/>
+                </a:tc>
+                <a:tc>
+                  <a:txBody>
+                    <a:bodyPr/>
+                    <a:lstStyle/>
+                    <a:p>
+                      <a:pPr latinLnBrk="1"/>
+                      <a:endParaRPr lang="ko-KR" altLang="en-US" sz="1200" dirty="0"/>
+                    </a:p>
+                  </a:txBody>
+                  <a:tcPr marL="0" marR="0" marT="0" marB="0"/>
+                </a:tc>
+                <a:tc>
+                  <a:txBody>
+                    <a:bodyPr/>
+                    <a:lstStyle/>
+                    <a:p>
+                      <a:pPr latinLnBrk="1"/>
+                      <a:endParaRPr lang="ko-KR" altLang="en-US" sz="1200" dirty="0"/>
+                    </a:p>
+                  </a:txBody>
+                  <a:tcPr marL="0" marR="0" marT="0" marB="0"/>
+                </a:tc>
+                <a:tc>
+                  <a:txBody>
+                    <a:bodyPr/>
+                    <a:lstStyle/>
+                    <a:p>
+                      <a:pPr latinLnBrk="1"/>
+                      <a:endParaRPr lang="ko-KR" altLang="en-US" sz="1200"/>
+                    </a:p>
+                  </a:txBody>
+                  <a:tcPr marL="0" marR="0" marT="0" marB="0"/>
+                </a:tc>
+                <a:tc>
+                  <a:txBody>
+                    <a:bodyPr/>
+                    <a:lstStyle/>
+                    <a:p>
+                      <a:pPr latinLnBrk="1"/>
+                      <a:endParaRPr lang="ko-KR" altLang="en-US" sz="1200"/>
+                    </a:p>
+                  </a:txBody>
+                  <a:tcPr marL="0" marR="0" marT="0" marB="0"/>
+                </a:tc>
+                <a:tc>
+                  <a:txBody>
+                    <a:bodyPr/>
+                    <a:lstStyle/>
+                    <a:p>
+                      <a:pPr latinLnBrk="1"/>
+                      <a:endParaRPr lang="ko-KR" altLang="en-US" sz="1200"/>
+                    </a:p>
+                  </a:txBody>
+                  <a:tcPr marL="0" marR="0" marT="0" marB="0"/>
+                </a:tc>
+                <a:tc>
+                  <a:txBody>
+                    <a:bodyPr/>
+                    <a:lstStyle/>
+                    <a:p>
+                      <a:pPr latinLnBrk="1"/>
+                      <a:endParaRPr lang="ko-KR" altLang="en-US" sz="1200" dirty="0"/>
+                    </a:p>
+                  </a:txBody>
+                  <a:tcPr marL="0" marR="0" marT="0" marB="0"/>
+                </a:tc>
+                <a:tc>
+                  <a:txBody>
+                    <a:bodyPr/>
+                    <a:lstStyle/>
+                    <a:p>
+                      <a:pPr latinLnBrk="1"/>
+                      <a:endParaRPr lang="ko-KR" altLang="en-US" sz="1200" dirty="0"/>
+                    </a:p>
+                  </a:txBody>
+                  <a:tcPr marL="0" marR="0" marT="0" marB="0"/>
+                </a:tc>
+                <a:tc>
+                  <a:txBody>
+                    <a:bodyPr/>
+                    <a:lstStyle/>
+                    <a:p>
+                      <a:pPr latinLnBrk="1"/>
+                      <a:endParaRPr lang="ko-KR" altLang="en-US" sz="1200" dirty="0"/>
+                    </a:p>
+                  </a:txBody>
+                  <a:tcPr marL="0" marR="0" marT="0" marB="0"/>
+                </a:tc>
+                <a:tc>
+                  <a:txBody>
+                    <a:bodyPr/>
+                    <a:lstStyle/>
+                    <a:p>
+                      <a:pPr latinLnBrk="1"/>
+                      <a:endParaRPr lang="ko-KR" altLang="en-US" sz="1200" dirty="0"/>
+                    </a:p>
+                  </a:txBody>
+                  <a:tcPr marL="0" marR="0" marT="0" marB="0"/>
+                </a:tc>
+                <a:tc>
+                  <a:txBody>
+                    <a:bodyPr/>
+                    <a:lstStyle/>
+                    <a:p>
+                      <a:pPr latinLnBrk="1"/>
+                      <a:endParaRPr lang="ko-KR" altLang="en-US" sz="1200" dirty="0"/>
+                    </a:p>
+                  </a:txBody>
+                  <a:tcPr marL="0" marR="0" marT="0" marB="0"/>
+                </a:tc>
+                <a:tc>
+                  <a:txBody>
+                    <a:bodyPr/>
+                    <a:lstStyle/>
+                    <a:p>
+                      <a:pPr latinLnBrk="1"/>
+                      <a:endParaRPr lang="ko-KR" altLang="en-US" sz="1200" dirty="0"/>
+                    </a:p>
+                  </a:txBody>
+                  <a:tcPr marL="0" marR="0" marT="0" marB="0"/>
+                </a:tc>
+                <a:tc>
+                  <a:txBody>
+                    <a:bodyPr/>
+                    <a:lstStyle/>
+                    <a:p>
+                      <a:pPr latinLnBrk="1"/>
+                      <a:endParaRPr lang="ko-KR" altLang="en-US" sz="1200" dirty="0"/>
+                    </a:p>
+                  </a:txBody>
+                  <a:tcPr marL="0" marR="0" marT="0" marB="0"/>
+                </a:tc>
+                <a:tc>
+                  <a:txBody>
+                    <a:bodyPr/>
+                    <a:lstStyle/>
+                    <a:p>
+                      <a:pPr latinLnBrk="1"/>
+                      <a:endParaRPr lang="ko-KR" altLang="en-US" sz="1200" dirty="0"/>
+                    </a:p>
+                  </a:txBody>
+                  <a:tcPr marL="0" marR="0" marT="0" marB="0"/>
+                </a:tc>
+                <a:tc>
+                  <a:txBody>
+                    <a:bodyPr/>
+                    <a:lstStyle/>
+                    <a:p>
+                      <a:pPr latinLnBrk="1"/>
+                      <a:endParaRPr lang="ko-KR" altLang="en-US" sz="1200" dirty="0"/>
+                    </a:p>
+                  </a:txBody>
+                  <a:tcPr marL="0" marR="0" marT="0" marB="0"/>
+                </a:tc>
+                <a:tc>
+                  <a:txBody>
+                    <a:bodyPr/>
+                    <a:lstStyle/>
+                    <a:p>
+                      <a:pPr latinLnBrk="1"/>
+                      <a:endParaRPr lang="ko-KR" altLang="en-US" sz="1200" dirty="0"/>
+                    </a:p>
+                  </a:txBody>
+                  <a:tcPr marL="0" marR="0" marT="0" marB="0"/>
+                </a:tc>
+                <a:tc>
+                  <a:txBody>
+                    <a:bodyPr/>
+                    <a:lstStyle/>
+                    <a:p>
+                      <a:pPr latinLnBrk="1"/>
+                      <a:endParaRPr lang="ko-KR" altLang="en-US" sz="1200" dirty="0"/>
+                    </a:p>
+                  </a:txBody>
+                  <a:tcPr marL="0" marR="0" marT="0" marB="0"/>
+                </a:tc>
+                <a:tc>
+                  <a:txBody>
+                    <a:bodyPr/>
+                    <a:lstStyle/>
+                    <a:p>
+                      <a:pPr latinLnBrk="1"/>
+                      <a:endParaRPr lang="ko-KR" altLang="en-US" sz="1200" dirty="0"/>
+                    </a:p>
+                  </a:txBody>
+                  <a:tcPr marL="0" marR="0" marT="0" marB="0"/>
+                </a:tc>
+                <a:extLst>
+                  <a:ext uri="{0D108BD9-81ED-4DB2-BD59-A6C34878D82A}">
+                    <a16:rowId xmlns:a16="http://schemas.microsoft.com/office/drawing/2014/main" val="3574688963"/>
+                  </a:ext>
+                </a:extLst>
+              </a:tr>
+              <a:tr h="0">
+                <a:tc>
+                  <a:txBody>
+                    <a:bodyPr/>
+                    <a:lstStyle/>
+                    <a:p>
+                      <a:pPr algn="ctr" latinLnBrk="1"/>
+                      <a:r>
+                        <a:rPr lang="ko-KR" altLang="en-US" sz="1000" dirty="0">
+                          <a:latin typeface="맑은 고딕" panose="020B0503020000020004" pitchFamily="50" charset="-127"/>
+                          <a:ea typeface="맑은 고딕" panose="020B0503020000020004" pitchFamily="50" charset="-127"/>
+                        </a:rPr>
+                        <a:t>날씨 구현</a:t>
+                      </a:r>
+                    </a:p>
+                  </a:txBody>
+                  <a:tcPr marL="0" marR="0" marT="0" marB="0"/>
+                </a:tc>
+                <a:tc>
+                  <a:txBody>
+                    <a:bodyPr/>
+                    <a:lstStyle/>
+                    <a:p>
+                      <a:pPr latinLnBrk="1"/>
+                      <a:endParaRPr lang="ko-KR" altLang="en-US" sz="1200" dirty="0"/>
+                    </a:p>
+                  </a:txBody>
+                  <a:tcPr marL="0" marR="0" marT="0" marB="0"/>
+                </a:tc>
+                <a:tc>
+                  <a:txBody>
+                    <a:bodyPr/>
+                    <a:lstStyle/>
+                    <a:p>
+                      <a:pPr latinLnBrk="1"/>
+                      <a:endParaRPr lang="ko-KR" altLang="en-US" sz="1200"/>
+                    </a:p>
+                  </a:txBody>
+                  <a:tcPr marL="0" marR="0" marT="0" marB="0"/>
+                </a:tc>
+                <a:tc>
+                  <a:txBody>
+                    <a:bodyPr/>
+                    <a:lstStyle/>
+                    <a:p>
+                      <a:pPr latinLnBrk="1"/>
+                      <a:endParaRPr lang="ko-KR" altLang="en-US" sz="1200"/>
+                    </a:p>
+                  </a:txBody>
+                  <a:tcPr marL="0" marR="0" marT="0" marB="0"/>
+                </a:tc>
+                <a:tc>
+                  <a:txBody>
+                    <a:bodyPr/>
+                    <a:lstStyle/>
+                    <a:p>
+                      <a:pPr latinLnBrk="1"/>
+                      <a:endParaRPr lang="ko-KR" altLang="en-US" sz="1200" dirty="0"/>
+                    </a:p>
+                  </a:txBody>
+                  <a:tcPr marL="0" marR="0" marT="0" marB="0"/>
+                </a:tc>
+                <a:tc>
+                  <a:txBody>
+                    <a:bodyPr/>
+                    <a:lstStyle/>
+                    <a:p>
+                      <a:pPr latinLnBrk="1"/>
+                      <a:endParaRPr lang="ko-KR" altLang="en-US" sz="1200"/>
+                    </a:p>
+                  </a:txBody>
+                  <a:tcPr marL="0" marR="0" marT="0" marB="0"/>
+                </a:tc>
+                <a:tc>
+                  <a:txBody>
+                    <a:bodyPr/>
+                    <a:lstStyle/>
+                    <a:p>
+                      <a:pPr latinLnBrk="1"/>
+                      <a:endParaRPr lang="ko-KR" altLang="en-US" sz="1200"/>
+                    </a:p>
+                  </a:txBody>
+                  <a:tcPr marL="0" marR="0" marT="0" marB="0"/>
+                </a:tc>
+                <a:tc>
+                  <a:txBody>
+                    <a:bodyPr/>
+                    <a:lstStyle/>
+                    <a:p>
+                      <a:pPr latinLnBrk="1"/>
+                      <a:endParaRPr lang="ko-KR" altLang="en-US" sz="1200"/>
+                    </a:p>
+                  </a:txBody>
+                  <a:tcPr marL="0" marR="0" marT="0" marB="0"/>
+                </a:tc>
+                <a:tc>
+                  <a:txBody>
+                    <a:bodyPr/>
+                    <a:lstStyle/>
+                    <a:p>
+                      <a:pPr latinLnBrk="1"/>
+                      <a:endParaRPr lang="ko-KR" altLang="en-US" sz="1200"/>
+                    </a:p>
+                  </a:txBody>
+                  <a:tcPr marL="0" marR="0" marT="0" marB="0"/>
+                </a:tc>
+                <a:tc>
+                  <a:txBody>
+                    <a:bodyPr/>
+                    <a:lstStyle/>
+                    <a:p>
+                      <a:pPr latinLnBrk="1"/>
+                      <a:endParaRPr lang="ko-KR" altLang="en-US" sz="1200"/>
+                    </a:p>
+                  </a:txBody>
+                  <a:tcPr marL="0" marR="0" marT="0" marB="0"/>
+                </a:tc>
+                <a:tc>
+                  <a:txBody>
+                    <a:bodyPr/>
+                    <a:lstStyle/>
+                    <a:p>
+                      <a:pPr latinLnBrk="1"/>
+                      <a:endParaRPr lang="ko-KR" altLang="en-US" sz="1200"/>
+                    </a:p>
+                  </a:txBody>
+                  <a:tcPr marL="0" marR="0" marT="0" marB="0"/>
+                </a:tc>
+                <a:tc>
+                  <a:txBody>
+                    <a:bodyPr/>
+                    <a:lstStyle/>
+                    <a:p>
+                      <a:pPr latinLnBrk="1"/>
+                      <a:endParaRPr lang="ko-KR" altLang="en-US" sz="1200" dirty="0"/>
+                    </a:p>
+                  </a:txBody>
+                  <a:tcPr marL="0" marR="0" marT="0" marB="0"/>
+                </a:tc>
+                <a:tc>
+                  <a:txBody>
+                    <a:bodyPr/>
+                    <a:lstStyle/>
+                    <a:p>
+                      <a:pPr latinLnBrk="1"/>
+                      <a:endParaRPr lang="ko-KR" altLang="en-US" sz="1200"/>
+                    </a:p>
+                  </a:txBody>
+                  <a:tcPr marL="0" marR="0" marT="0" marB="0"/>
+                </a:tc>
+                <a:tc>
+                  <a:txBody>
+                    <a:bodyPr/>
+                    <a:lstStyle/>
+                    <a:p>
+                      <a:pPr latinLnBrk="1"/>
+                      <a:endParaRPr lang="ko-KR" altLang="en-US" sz="1200"/>
+                    </a:p>
+                  </a:txBody>
+                  <a:tcPr marL="0" marR="0" marT="0" marB="0"/>
+                </a:tc>
+                <a:tc>
+                  <a:txBody>
+                    <a:bodyPr/>
+                    <a:lstStyle/>
+                    <a:p>
+                      <a:pPr latinLnBrk="1"/>
+                      <a:endParaRPr lang="ko-KR" altLang="en-US" sz="1200"/>
+                    </a:p>
+                  </a:txBody>
+                  <a:tcPr marL="0" marR="0" marT="0" marB="0"/>
+                </a:tc>
+                <a:tc>
+                  <a:txBody>
+                    <a:bodyPr/>
+                    <a:lstStyle/>
+                    <a:p>
+                      <a:pPr latinLnBrk="1"/>
+                      <a:endParaRPr lang="ko-KR" altLang="en-US" sz="1200"/>
+                    </a:p>
+                  </a:txBody>
+                  <a:tcPr marL="0" marR="0" marT="0" marB="0"/>
+                </a:tc>
+                <a:tc>
+                  <a:txBody>
+                    <a:bodyPr/>
+                    <a:lstStyle/>
+                    <a:p>
+                      <a:pPr latinLnBrk="1"/>
+                      <a:endParaRPr lang="ko-KR" altLang="en-US" sz="1200"/>
+                    </a:p>
+                  </a:txBody>
+                  <a:tcPr marL="0" marR="0" marT="0" marB="0"/>
+                </a:tc>
+                <a:tc>
+                  <a:txBody>
+                    <a:bodyPr/>
+                    <a:lstStyle/>
+                    <a:p>
+                      <a:pPr latinLnBrk="1"/>
+                      <a:endParaRPr lang="ko-KR" altLang="en-US" sz="1200"/>
+                    </a:p>
+                  </a:txBody>
+                  <a:tcPr marL="0" marR="0" marT="0" marB="0"/>
+                </a:tc>
+                <a:tc>
+                  <a:txBody>
+                    <a:bodyPr/>
+                    <a:lstStyle/>
+                    <a:p>
+                      <a:pPr latinLnBrk="1"/>
+                      <a:endParaRPr lang="ko-KR" altLang="en-US" sz="1200"/>
+                    </a:p>
+                  </a:txBody>
+                  <a:tcPr marL="0" marR="0" marT="0" marB="0"/>
+                </a:tc>
+                <a:tc>
+                  <a:txBody>
+                    <a:bodyPr/>
+                    <a:lstStyle/>
+                    <a:p>
+                      <a:pPr latinLnBrk="1"/>
+                      <a:endParaRPr lang="ko-KR" altLang="en-US" sz="1200"/>
+                    </a:p>
+                  </a:txBody>
+                  <a:tcPr marL="0" marR="0" marT="0" marB="0"/>
+                </a:tc>
+                <a:tc>
+                  <a:txBody>
+                    <a:bodyPr/>
+                    <a:lstStyle/>
+                    <a:p>
+                      <a:pPr latinLnBrk="1"/>
+                      <a:endParaRPr lang="ko-KR" altLang="en-US" sz="1200" dirty="0"/>
+                    </a:p>
+                  </a:txBody>
+                  <a:tcPr marL="0" marR="0" marT="0" marB="0"/>
+                </a:tc>
+                <a:tc>
+                  <a:txBody>
+                    <a:bodyPr/>
+                    <a:lstStyle/>
+                    <a:p>
+                      <a:pPr latinLnBrk="1"/>
+                      <a:endParaRPr lang="ko-KR" altLang="en-US" sz="1200" dirty="0"/>
+                    </a:p>
+                  </a:txBody>
+                  <a:tcPr marL="0" marR="0" marT="0" marB="0"/>
+                </a:tc>
+                <a:tc>
+                  <a:txBody>
+                    <a:bodyPr/>
+                    <a:lstStyle/>
+                    <a:p>
+                      <a:pPr latinLnBrk="1"/>
+                      <a:endParaRPr lang="ko-KR" altLang="en-US" sz="1200"/>
+                    </a:p>
+                  </a:txBody>
+                  <a:tcPr marL="0" marR="0" marT="0" marB="0"/>
+                </a:tc>
+                <a:tc>
+                  <a:txBody>
+                    <a:bodyPr/>
+                    <a:lstStyle/>
+                    <a:p>
+                      <a:pPr latinLnBrk="1"/>
+                      <a:endParaRPr lang="ko-KR" altLang="en-US" sz="1200"/>
+                    </a:p>
+                  </a:txBody>
+                  <a:tcPr marL="0" marR="0" marT="0" marB="0"/>
+                </a:tc>
+                <a:tc>
+                  <a:txBody>
+                    <a:bodyPr/>
+                    <a:lstStyle/>
+                    <a:p>
+                      <a:pPr latinLnBrk="1"/>
+                      <a:endParaRPr lang="ko-KR" altLang="en-US" sz="1200"/>
+                    </a:p>
+                  </a:txBody>
+                  <a:tcPr marL="0" marR="0" marT="0" marB="0"/>
+                </a:tc>
+                <a:tc>
+                  <a:txBody>
+                    <a:bodyPr/>
+                    <a:lstStyle/>
+                    <a:p>
+                      <a:pPr latinLnBrk="1"/>
+                      <a:endParaRPr lang="ko-KR" altLang="en-US" sz="1200" dirty="0"/>
+                    </a:p>
+                  </a:txBody>
+                  <a:tcPr marL="0" marR="0" marT="0" marB="0"/>
+                </a:tc>
+                <a:tc>
+                  <a:txBody>
+                    <a:bodyPr/>
+                    <a:lstStyle/>
+                    <a:p>
+                      <a:pPr latinLnBrk="1"/>
+                      <a:endParaRPr lang="ko-KR" altLang="en-US" sz="1200" dirty="0"/>
+                    </a:p>
+                  </a:txBody>
+                  <a:tcPr marL="0" marR="0" marT="0" marB="0"/>
+                </a:tc>
+                <a:tc>
+                  <a:txBody>
+                    <a:bodyPr/>
+                    <a:lstStyle/>
+                    <a:p>
+                      <a:pPr latinLnBrk="1"/>
+                      <a:endParaRPr lang="ko-KR" altLang="en-US" sz="1200" dirty="0"/>
+                    </a:p>
+                  </a:txBody>
+                  <a:tcPr marL="0" marR="0" marT="0" marB="0"/>
+                </a:tc>
+                <a:tc>
+                  <a:txBody>
+                    <a:bodyPr/>
+                    <a:lstStyle/>
+                    <a:p>
+                      <a:pPr latinLnBrk="1"/>
+                      <a:endParaRPr lang="ko-KR" altLang="en-US" sz="1200" dirty="0"/>
+                    </a:p>
+                  </a:txBody>
+                  <a:tcPr marL="0" marR="0" marT="0" marB="0"/>
+                </a:tc>
+                <a:tc>
+                  <a:txBody>
+                    <a:bodyPr/>
+                    <a:lstStyle/>
+                    <a:p>
+                      <a:pPr latinLnBrk="1"/>
+                      <a:endParaRPr lang="ko-KR" altLang="en-US" sz="1200" dirty="0"/>
+                    </a:p>
+                  </a:txBody>
+                  <a:tcPr marL="0" marR="0" marT="0" marB="0"/>
+                </a:tc>
+                <a:tc>
+                  <a:txBody>
+                    <a:bodyPr/>
+                    <a:lstStyle/>
+                    <a:p>
+                      <a:pPr latinLnBrk="1"/>
+                      <a:endParaRPr lang="ko-KR" altLang="en-US" sz="1200" dirty="0"/>
+                    </a:p>
+                  </a:txBody>
+                  <a:tcPr marL="0" marR="0" marT="0" marB="0"/>
+                </a:tc>
+                <a:tc>
+                  <a:txBody>
+                    <a:bodyPr/>
+                    <a:lstStyle/>
+                    <a:p>
+                      <a:pPr latinLnBrk="1"/>
+                      <a:endParaRPr lang="ko-KR" altLang="en-US" sz="1200" dirty="0"/>
+                    </a:p>
+                  </a:txBody>
+                  <a:tcPr marL="0" marR="0" marT="0" marB="0"/>
+                </a:tc>
+                <a:tc>
+                  <a:txBody>
+                    <a:bodyPr/>
+                    <a:lstStyle/>
+                    <a:p>
+                      <a:pPr latinLnBrk="1"/>
+                      <a:endParaRPr lang="ko-KR" altLang="en-US" sz="1200" dirty="0"/>
+                    </a:p>
+                  </a:txBody>
+                  <a:tcPr marL="0" marR="0" marT="0" marB="0"/>
+                </a:tc>
+                <a:tc>
+                  <a:txBody>
+                    <a:bodyPr/>
+                    <a:lstStyle/>
+                    <a:p>
+                      <a:pPr latinLnBrk="1"/>
+                      <a:endParaRPr lang="ko-KR" altLang="en-US" sz="1200" dirty="0"/>
+                    </a:p>
+                  </a:txBody>
+                  <a:tcPr marL="0" marR="0" marT="0" marB="0"/>
+                </a:tc>
+                <a:tc>
+                  <a:txBody>
+                    <a:bodyPr/>
+                    <a:lstStyle/>
+                    <a:p>
+                      <a:pPr latinLnBrk="1"/>
+                      <a:endParaRPr lang="ko-KR" altLang="en-US" sz="1200" dirty="0"/>
+                    </a:p>
+                  </a:txBody>
+                  <a:tcPr marL="0" marR="0" marT="0" marB="0"/>
+                </a:tc>
+                <a:tc>
+                  <a:txBody>
+                    <a:bodyPr/>
+                    <a:lstStyle/>
+                    <a:p>
+                      <a:pPr latinLnBrk="1"/>
+                      <a:endParaRPr lang="ko-KR" altLang="en-US" sz="1200" dirty="0"/>
+                    </a:p>
+                  </a:txBody>
+                  <a:tcPr marL="0" marR="0" marT="0" marB="0"/>
+                </a:tc>
+                <a:tc>
+                  <a:txBody>
+                    <a:bodyPr/>
+                    <a:lstStyle/>
+                    <a:p>
+                      <a:pPr latinLnBrk="1"/>
+                      <a:endParaRPr lang="ko-KR" altLang="en-US" sz="1200" dirty="0"/>
+                    </a:p>
+                  </a:txBody>
+                  <a:tcPr marL="0" marR="0" marT="0" marB="0"/>
+                </a:tc>
+                <a:extLst>
+                  <a:ext uri="{0D108BD9-81ED-4DB2-BD59-A6C34878D82A}">
+                    <a16:rowId xmlns:a16="http://schemas.microsoft.com/office/drawing/2014/main" val="2773223887"/>
+                  </a:ext>
+                </a:extLst>
+              </a:tr>
+              <a:tr h="0">
+                <a:tc>
+                  <a:txBody>
+                    <a:bodyPr/>
+                    <a:lstStyle/>
+                    <a:p>
+                      <a:pPr algn="ctr" latinLnBrk="1"/>
+                      <a:r>
+                        <a:rPr lang="ko-KR" altLang="en-US" sz="1000" dirty="0">
+                          <a:latin typeface="맑은 고딕" panose="020B0503020000020004" pitchFamily="50" charset="-127"/>
+                          <a:ea typeface="맑은 고딕" panose="020B0503020000020004" pitchFamily="50" charset="-127"/>
+                        </a:rPr>
+                        <a:t>세부 레벨 디자인</a:t>
+                      </a:r>
+                    </a:p>
+                  </a:txBody>
+                  <a:tcPr marL="0" marR="0" marT="0" marB="0"/>
+                </a:tc>
+                <a:tc>
+                  <a:txBody>
+                    <a:bodyPr/>
+                    <a:lstStyle/>
+                    <a:p>
+                      <a:pPr latinLnBrk="1"/>
+                      <a:endParaRPr lang="ko-KR" altLang="en-US" sz="1200" dirty="0"/>
+                    </a:p>
+                  </a:txBody>
+                  <a:tcPr marL="0" marR="0" marT="0" marB="0"/>
+                </a:tc>
+                <a:tc>
+                  <a:txBody>
+                    <a:bodyPr/>
+                    <a:lstStyle/>
+                    <a:p>
+                      <a:pPr latinLnBrk="1"/>
+                      <a:endParaRPr lang="ko-KR" altLang="en-US" sz="1200"/>
+                    </a:p>
+                  </a:txBody>
+                  <a:tcPr marL="0" marR="0" marT="0" marB="0"/>
+                </a:tc>
+                <a:tc>
+                  <a:txBody>
+                    <a:bodyPr/>
+                    <a:lstStyle/>
+                    <a:p>
+                      <a:pPr latinLnBrk="1"/>
+                      <a:endParaRPr lang="ko-KR" altLang="en-US" sz="1200"/>
+                    </a:p>
+                  </a:txBody>
+                  <a:tcPr marL="0" marR="0" marT="0" marB="0"/>
+                </a:tc>
+                <a:tc>
+                  <a:txBody>
+                    <a:bodyPr/>
+                    <a:lstStyle/>
+                    <a:p>
+                      <a:pPr latinLnBrk="1"/>
+                      <a:endParaRPr lang="ko-KR" altLang="en-US" sz="1200" dirty="0"/>
+                    </a:p>
+                  </a:txBody>
+                  <a:tcPr marL="0" marR="0" marT="0" marB="0"/>
+                </a:tc>
+                <a:tc>
+                  <a:txBody>
+                    <a:bodyPr/>
+                    <a:lstStyle/>
+                    <a:p>
+                      <a:pPr latinLnBrk="1"/>
+                      <a:endParaRPr lang="ko-KR" altLang="en-US" sz="1200"/>
+                    </a:p>
+                  </a:txBody>
+                  <a:tcPr marL="0" marR="0" marT="0" marB="0"/>
+                </a:tc>
+                <a:tc>
+                  <a:txBody>
+                    <a:bodyPr/>
+                    <a:lstStyle/>
+                    <a:p>
+                      <a:pPr latinLnBrk="1"/>
+                      <a:endParaRPr lang="ko-KR" altLang="en-US" sz="1200"/>
+                    </a:p>
+                  </a:txBody>
+                  <a:tcPr marL="0" marR="0" marT="0" marB="0"/>
+                </a:tc>
+                <a:tc>
+                  <a:txBody>
+                    <a:bodyPr/>
+                    <a:lstStyle/>
+                    <a:p>
+                      <a:pPr latinLnBrk="1"/>
+                      <a:endParaRPr lang="ko-KR" altLang="en-US" sz="1200"/>
+                    </a:p>
+                  </a:txBody>
+                  <a:tcPr marL="0" marR="0" marT="0" marB="0"/>
+                </a:tc>
+                <a:tc>
+                  <a:txBody>
+                    <a:bodyPr/>
+                    <a:lstStyle/>
+                    <a:p>
+                      <a:pPr latinLnBrk="1"/>
+                      <a:endParaRPr lang="ko-KR" altLang="en-US" sz="1200"/>
+                    </a:p>
+                  </a:txBody>
+                  <a:tcPr marL="0" marR="0" marT="0" marB="0"/>
+                </a:tc>
+                <a:tc>
+                  <a:txBody>
+                    <a:bodyPr/>
+                    <a:lstStyle/>
+                    <a:p>
+                      <a:pPr latinLnBrk="1"/>
+                      <a:endParaRPr lang="ko-KR" altLang="en-US" sz="1200"/>
+                    </a:p>
+                  </a:txBody>
+                  <a:tcPr marL="0" marR="0" marT="0" marB="0"/>
+                </a:tc>
+                <a:tc>
+                  <a:txBody>
+                    <a:bodyPr/>
+                    <a:lstStyle/>
+                    <a:p>
+                      <a:pPr latinLnBrk="1"/>
+                      <a:endParaRPr lang="ko-KR" altLang="en-US" sz="1200"/>
+                    </a:p>
+                  </a:txBody>
+                  <a:tcPr marL="0" marR="0" marT="0" marB="0"/>
+                </a:tc>
+                <a:tc>
+                  <a:txBody>
+                    <a:bodyPr/>
+                    <a:lstStyle/>
+                    <a:p>
+                      <a:pPr latinLnBrk="1"/>
+                      <a:endParaRPr lang="ko-KR" altLang="en-US" sz="1200" dirty="0"/>
+                    </a:p>
+                  </a:txBody>
+                  <a:tcPr marL="0" marR="0" marT="0" marB="0"/>
+                </a:tc>
+                <a:tc>
+                  <a:txBody>
+                    <a:bodyPr/>
+                    <a:lstStyle/>
+                    <a:p>
+                      <a:pPr latinLnBrk="1"/>
+                      <a:endParaRPr lang="ko-KR" altLang="en-US" sz="1200"/>
+                    </a:p>
+                  </a:txBody>
+                  <a:tcPr marL="0" marR="0" marT="0" marB="0"/>
+                </a:tc>
+                <a:tc>
+                  <a:txBody>
+                    <a:bodyPr/>
+                    <a:lstStyle/>
+                    <a:p>
+                      <a:pPr latinLnBrk="1"/>
+                      <a:endParaRPr lang="ko-KR" altLang="en-US" sz="1200"/>
+                    </a:p>
+                  </a:txBody>
+                  <a:tcPr marL="0" marR="0" marT="0" marB="0"/>
+                </a:tc>
+                <a:tc>
+                  <a:txBody>
+                    <a:bodyPr/>
+                    <a:lstStyle/>
+                    <a:p>
+                      <a:pPr latinLnBrk="1"/>
+                      <a:endParaRPr lang="ko-KR" altLang="en-US" sz="1200"/>
+                    </a:p>
+                  </a:txBody>
+                  <a:tcPr marL="0" marR="0" marT="0" marB="0"/>
+                </a:tc>
+                <a:tc>
+                  <a:txBody>
+                    <a:bodyPr/>
+                    <a:lstStyle/>
+                    <a:p>
+                      <a:pPr latinLnBrk="1"/>
+                      <a:endParaRPr lang="ko-KR" altLang="en-US" sz="1200"/>
+                    </a:p>
+                  </a:txBody>
+                  <a:tcPr marL="0" marR="0" marT="0" marB="0"/>
+                </a:tc>
+                <a:tc>
+                  <a:txBody>
+                    <a:bodyPr/>
+                    <a:lstStyle/>
+                    <a:p>
+                      <a:pPr latinLnBrk="1"/>
+                      <a:endParaRPr lang="ko-KR" altLang="en-US" sz="1200"/>
+                    </a:p>
+                  </a:txBody>
+                  <a:tcPr marL="0" marR="0" marT="0" marB="0"/>
+                </a:tc>
+                <a:tc>
+                  <a:txBody>
+                    <a:bodyPr/>
+                    <a:lstStyle/>
+                    <a:p>
+                      <a:pPr latinLnBrk="1"/>
+                      <a:endParaRPr lang="ko-KR" altLang="en-US" sz="1200"/>
+                    </a:p>
+                  </a:txBody>
+                  <a:tcPr marL="0" marR="0" marT="0" marB="0"/>
+                </a:tc>
+                <a:tc>
+                  <a:txBody>
+                    <a:bodyPr/>
+                    <a:lstStyle/>
+                    <a:p>
+                      <a:pPr latinLnBrk="1"/>
+                      <a:endParaRPr lang="ko-KR" altLang="en-US" sz="1200"/>
+                    </a:p>
+                  </a:txBody>
+                  <a:tcPr marL="0" marR="0" marT="0" marB="0"/>
+                </a:tc>
+                <a:tc>
+                  <a:txBody>
+                    <a:bodyPr/>
+                    <a:lstStyle/>
+                    <a:p>
+                      <a:pPr latinLnBrk="1"/>
+                      <a:endParaRPr lang="ko-KR" altLang="en-US" sz="1200"/>
+                    </a:p>
+                  </a:txBody>
+                  <a:tcPr marL="0" marR="0" marT="0" marB="0"/>
+                </a:tc>
+                <a:tc>
+                  <a:txBody>
+                    <a:bodyPr/>
+                    <a:lstStyle/>
+                    <a:p>
+                      <a:pPr latinLnBrk="1"/>
+                      <a:endParaRPr lang="ko-KR" altLang="en-US" sz="1200" dirty="0"/>
+                    </a:p>
+                  </a:txBody>
+                  <a:tcPr marL="0" marR="0" marT="0" marB="0"/>
+                </a:tc>
+                <a:tc>
+                  <a:txBody>
+                    <a:bodyPr/>
+                    <a:lstStyle/>
+                    <a:p>
+                      <a:pPr latinLnBrk="1"/>
+                      <a:endParaRPr lang="ko-KR" altLang="en-US" sz="1200" dirty="0"/>
+                    </a:p>
+                  </a:txBody>
+                  <a:tcPr marL="0" marR="0" marT="0" marB="0"/>
+                </a:tc>
+                <a:tc>
+                  <a:txBody>
+                    <a:bodyPr/>
+                    <a:lstStyle/>
+                    <a:p>
+                      <a:pPr latinLnBrk="1"/>
+                      <a:endParaRPr lang="ko-KR" altLang="en-US" sz="1200"/>
+                    </a:p>
+                  </a:txBody>
+                  <a:tcPr marL="0" marR="0" marT="0" marB="0"/>
+                </a:tc>
+                <a:tc>
+                  <a:txBody>
+                    <a:bodyPr/>
+                    <a:lstStyle/>
+                    <a:p>
+                      <a:pPr latinLnBrk="1"/>
+                      <a:endParaRPr lang="ko-KR" altLang="en-US" sz="1200"/>
+                    </a:p>
+                  </a:txBody>
+                  <a:tcPr marL="0" marR="0" marT="0" marB="0"/>
+                </a:tc>
+                <a:tc>
+                  <a:txBody>
+                    <a:bodyPr/>
+                    <a:lstStyle/>
+                    <a:p>
+                      <a:pPr latinLnBrk="1"/>
+                      <a:endParaRPr lang="ko-KR" altLang="en-US" sz="1200"/>
+                    </a:p>
+                  </a:txBody>
+                  <a:tcPr marL="0" marR="0" marT="0" marB="0"/>
+                </a:tc>
+                <a:tc>
+                  <a:txBody>
+                    <a:bodyPr/>
+                    <a:lstStyle/>
+                    <a:p>
+                      <a:pPr latinLnBrk="1"/>
+                      <a:endParaRPr lang="ko-KR" altLang="en-US" sz="1200" dirty="0"/>
+                    </a:p>
+                  </a:txBody>
+                  <a:tcPr marL="0" marR="0" marT="0" marB="0"/>
+                </a:tc>
+                <a:tc>
+                  <a:txBody>
+                    <a:bodyPr/>
+                    <a:lstStyle/>
+                    <a:p>
+                      <a:pPr latinLnBrk="1"/>
+                      <a:endParaRPr lang="ko-KR" altLang="en-US" sz="1200" dirty="0"/>
+                    </a:p>
+                  </a:txBody>
+                  <a:tcPr marL="0" marR="0" marT="0" marB="0"/>
+                </a:tc>
+                <a:tc>
+                  <a:txBody>
+                    <a:bodyPr/>
+                    <a:lstStyle/>
+                    <a:p>
+                      <a:pPr latinLnBrk="1"/>
+                      <a:endParaRPr lang="ko-KR" altLang="en-US" sz="1200" dirty="0"/>
+                    </a:p>
+                  </a:txBody>
+                  <a:tcPr marL="0" marR="0" marT="0" marB="0"/>
+                </a:tc>
+                <a:tc>
+                  <a:txBody>
+                    <a:bodyPr/>
+                    <a:lstStyle/>
+                    <a:p>
+                      <a:pPr latinLnBrk="1"/>
+                      <a:endParaRPr lang="ko-KR" altLang="en-US" sz="1200" dirty="0"/>
+                    </a:p>
+                  </a:txBody>
+                  <a:tcPr marL="0" marR="0" marT="0" marB="0"/>
+                </a:tc>
+                <a:tc>
+                  <a:txBody>
+                    <a:bodyPr/>
+                    <a:lstStyle/>
+                    <a:p>
+                      <a:pPr latinLnBrk="1"/>
+                      <a:endParaRPr lang="ko-KR" altLang="en-US" sz="1200" dirty="0"/>
+                    </a:p>
+                  </a:txBody>
+                  <a:tcPr marL="0" marR="0" marT="0" marB="0"/>
+                </a:tc>
+                <a:tc>
+                  <a:txBody>
+                    <a:bodyPr/>
+                    <a:lstStyle/>
+                    <a:p>
+                      <a:pPr latinLnBrk="1"/>
+                      <a:endParaRPr lang="ko-KR" altLang="en-US" sz="1200" dirty="0"/>
+                    </a:p>
+                  </a:txBody>
+                  <a:tcPr marL="0" marR="0" marT="0" marB="0"/>
+                </a:tc>
+                <a:tc>
+                  <a:txBody>
+                    <a:bodyPr/>
+                    <a:lstStyle/>
+                    <a:p>
+                      <a:pPr latinLnBrk="1"/>
+                      <a:endParaRPr lang="ko-KR" altLang="en-US" sz="1200" dirty="0"/>
+                    </a:p>
+                  </a:txBody>
+                  <a:tcPr marL="0" marR="0" marT="0" marB="0"/>
+                </a:tc>
+                <a:tc>
+                  <a:txBody>
+                    <a:bodyPr/>
+                    <a:lstStyle/>
+                    <a:p>
+                      <a:pPr latinLnBrk="1"/>
+                      <a:endParaRPr lang="ko-KR" altLang="en-US" sz="1200" dirty="0"/>
+                    </a:p>
+                  </a:txBody>
+                  <a:tcPr marL="0" marR="0" marT="0" marB="0"/>
+                </a:tc>
+                <a:tc>
+                  <a:txBody>
+                    <a:bodyPr/>
+                    <a:lstStyle/>
+                    <a:p>
+                      <a:pPr latinLnBrk="1"/>
+                      <a:endParaRPr lang="ko-KR" altLang="en-US" sz="1200" dirty="0"/>
+                    </a:p>
+                  </a:txBody>
+                  <a:tcPr marL="0" marR="0" marT="0" marB="0"/>
+                </a:tc>
+                <a:tc>
+                  <a:txBody>
+                    <a:bodyPr/>
+                    <a:lstStyle/>
+                    <a:p>
+                      <a:pPr latinLnBrk="1"/>
+                      <a:endParaRPr lang="ko-KR" altLang="en-US" sz="1200" dirty="0"/>
+                    </a:p>
+                  </a:txBody>
+                  <a:tcPr marL="0" marR="0" marT="0" marB="0"/>
+                </a:tc>
+                <a:tc>
+                  <a:txBody>
+                    <a:bodyPr/>
+                    <a:lstStyle/>
+                    <a:p>
+                      <a:pPr latinLnBrk="1"/>
+                      <a:endParaRPr lang="ko-KR" altLang="en-US" sz="1200" dirty="0"/>
+                    </a:p>
+                  </a:txBody>
+                  <a:tcPr marL="0" marR="0" marT="0" marB="0"/>
+                </a:tc>
+                <a:tc>
+                  <a:txBody>
+                    <a:bodyPr/>
+                    <a:lstStyle/>
+                    <a:p>
+                      <a:pPr latinLnBrk="1"/>
+                      <a:endParaRPr lang="ko-KR" altLang="en-US" sz="1200" dirty="0"/>
+                    </a:p>
+                  </a:txBody>
+                  <a:tcPr marL="0" marR="0" marT="0" marB="0"/>
+                </a:tc>
+                <a:extLst>
+                  <a:ext uri="{0D108BD9-81ED-4DB2-BD59-A6C34878D82A}">
+                    <a16:rowId xmlns:a16="http://schemas.microsoft.com/office/drawing/2014/main" val="4196247413"/>
+                  </a:ext>
+                </a:extLst>
+              </a:tr>
+              <a:tr h="0">
+                <a:tc>
+                  <a:txBody>
+                    <a:bodyPr/>
+                    <a:lstStyle/>
+                    <a:p>
+                      <a:pPr algn="ctr" latinLnBrk="1"/>
+                      <a:r>
+                        <a:rPr lang="ko-KR" altLang="en-US" sz="1000" dirty="0">
+                          <a:latin typeface="맑은 고딕" panose="020B0503020000020004" pitchFamily="50" charset="-127"/>
+                          <a:ea typeface="맑은 고딕" panose="020B0503020000020004" pitchFamily="50" charset="-127"/>
+                        </a:rPr>
+                        <a:t>동물 </a:t>
+                      </a:r>
+                      <a:r>
+                        <a:rPr lang="en-US" altLang="ko-KR" sz="1000" dirty="0">
+                          <a:latin typeface="맑은 고딕" panose="020B0503020000020004" pitchFamily="50" charset="-127"/>
+                          <a:ea typeface="맑은 고딕" panose="020B0503020000020004" pitchFamily="50" charset="-127"/>
+                        </a:rPr>
+                        <a:t>A.I </a:t>
+                      </a:r>
+                      <a:r>
+                        <a:rPr lang="ko-KR" altLang="en-US" sz="1000" dirty="0">
+                          <a:latin typeface="맑은 고딕" panose="020B0503020000020004" pitchFamily="50" charset="-127"/>
+                          <a:ea typeface="맑은 고딕" panose="020B0503020000020004" pitchFamily="50" charset="-127"/>
+                        </a:rPr>
+                        <a:t>구현</a:t>
+                      </a:r>
+                    </a:p>
+                  </a:txBody>
+                  <a:tcPr marL="0" marR="0" marT="0" marB="0"/>
+                </a:tc>
+                <a:tc>
+                  <a:txBody>
+                    <a:bodyPr/>
+                    <a:lstStyle/>
+                    <a:p>
+                      <a:pPr latinLnBrk="1"/>
+                      <a:endParaRPr lang="ko-KR" altLang="en-US" sz="1200" dirty="0"/>
+                    </a:p>
+                  </a:txBody>
+                  <a:tcPr marL="0" marR="0" marT="0" marB="0"/>
+                </a:tc>
+                <a:tc>
+                  <a:txBody>
+                    <a:bodyPr/>
+                    <a:lstStyle/>
+                    <a:p>
+                      <a:pPr latinLnBrk="1"/>
+                      <a:endParaRPr lang="ko-KR" altLang="en-US" sz="1200"/>
+                    </a:p>
+                  </a:txBody>
+                  <a:tcPr marL="0" marR="0" marT="0" marB="0"/>
+                </a:tc>
+                <a:tc>
+                  <a:txBody>
+                    <a:bodyPr/>
+                    <a:lstStyle/>
+                    <a:p>
+                      <a:pPr latinLnBrk="1"/>
+                      <a:endParaRPr lang="ko-KR" altLang="en-US" sz="1200"/>
+                    </a:p>
+                  </a:txBody>
+                  <a:tcPr marL="0" marR="0" marT="0" marB="0"/>
+                </a:tc>
+                <a:tc>
+                  <a:txBody>
+                    <a:bodyPr/>
+                    <a:lstStyle/>
+                    <a:p>
+                      <a:pPr latinLnBrk="1"/>
+                      <a:endParaRPr lang="ko-KR" altLang="en-US" sz="1200" dirty="0"/>
+                    </a:p>
+                  </a:txBody>
+                  <a:tcPr marL="0" marR="0" marT="0" marB="0"/>
+                </a:tc>
+                <a:tc>
+                  <a:txBody>
+                    <a:bodyPr/>
+                    <a:lstStyle/>
+                    <a:p>
+                      <a:pPr latinLnBrk="1"/>
+                      <a:endParaRPr lang="ko-KR" altLang="en-US" sz="1200"/>
+                    </a:p>
+                  </a:txBody>
+                  <a:tcPr marL="0" marR="0" marT="0" marB="0"/>
+                </a:tc>
+                <a:tc>
+                  <a:txBody>
+                    <a:bodyPr/>
+                    <a:lstStyle/>
+                    <a:p>
+                      <a:pPr latinLnBrk="1"/>
+                      <a:endParaRPr lang="ko-KR" altLang="en-US" sz="1200"/>
+                    </a:p>
+                  </a:txBody>
+                  <a:tcPr marL="0" marR="0" marT="0" marB="0"/>
+                </a:tc>
+                <a:tc>
+                  <a:txBody>
+                    <a:bodyPr/>
+                    <a:lstStyle/>
+                    <a:p>
+                      <a:pPr latinLnBrk="1"/>
+                      <a:endParaRPr lang="ko-KR" altLang="en-US" sz="1200"/>
+                    </a:p>
+                  </a:txBody>
+                  <a:tcPr marL="0" marR="0" marT="0" marB="0"/>
+                </a:tc>
+                <a:tc>
+                  <a:txBody>
+                    <a:bodyPr/>
+                    <a:lstStyle/>
+                    <a:p>
+                      <a:pPr latinLnBrk="1"/>
+                      <a:endParaRPr lang="ko-KR" altLang="en-US" sz="1200"/>
+                    </a:p>
+                  </a:txBody>
+                  <a:tcPr marL="0" marR="0" marT="0" marB="0"/>
+                </a:tc>
+                <a:tc>
+                  <a:txBody>
+                    <a:bodyPr/>
+                    <a:lstStyle/>
+                    <a:p>
+                      <a:pPr latinLnBrk="1"/>
+                      <a:endParaRPr lang="ko-KR" altLang="en-US" sz="1200"/>
+                    </a:p>
+                  </a:txBody>
+                  <a:tcPr marL="0" marR="0" marT="0" marB="0"/>
+                </a:tc>
+                <a:tc>
+                  <a:txBody>
+                    <a:bodyPr/>
+                    <a:lstStyle/>
+                    <a:p>
+                      <a:pPr latinLnBrk="1"/>
+                      <a:endParaRPr lang="ko-KR" altLang="en-US" sz="1200"/>
+                    </a:p>
+                  </a:txBody>
+                  <a:tcPr marL="0" marR="0" marT="0" marB="0"/>
+                </a:tc>
+                <a:tc>
+                  <a:txBody>
+                    <a:bodyPr/>
+                    <a:lstStyle/>
+                    <a:p>
+                      <a:pPr latinLnBrk="1"/>
+                      <a:endParaRPr lang="ko-KR" altLang="en-US" sz="1200" dirty="0"/>
+                    </a:p>
+                  </a:txBody>
+                  <a:tcPr marL="0" marR="0" marT="0" marB="0"/>
+                </a:tc>
+                <a:tc>
+                  <a:txBody>
+                    <a:bodyPr/>
+                    <a:lstStyle/>
+                    <a:p>
+                      <a:pPr latinLnBrk="1"/>
+                      <a:endParaRPr lang="ko-KR" altLang="en-US" sz="1200"/>
+                    </a:p>
+                  </a:txBody>
+                  <a:tcPr marL="0" marR="0" marT="0" marB="0"/>
+                </a:tc>
+                <a:tc>
+                  <a:txBody>
+                    <a:bodyPr/>
+                    <a:lstStyle/>
+                    <a:p>
+                      <a:pPr latinLnBrk="1"/>
+                      <a:endParaRPr lang="ko-KR" altLang="en-US" sz="1200"/>
+                    </a:p>
+                  </a:txBody>
+                  <a:tcPr marL="0" marR="0" marT="0" marB="0"/>
+                </a:tc>
+                <a:tc>
+                  <a:txBody>
+                    <a:bodyPr/>
+                    <a:lstStyle/>
+                    <a:p>
+                      <a:pPr latinLnBrk="1"/>
+                      <a:endParaRPr lang="ko-KR" altLang="en-US" sz="1200"/>
+                    </a:p>
+                  </a:txBody>
+                  <a:tcPr marL="0" marR="0" marT="0" marB="0"/>
+                </a:tc>
+                <a:tc>
+                  <a:txBody>
+                    <a:bodyPr/>
+                    <a:lstStyle/>
+                    <a:p>
+                      <a:pPr latinLnBrk="1"/>
+                      <a:endParaRPr lang="ko-KR" altLang="en-US" sz="1200"/>
+                    </a:p>
+                  </a:txBody>
+                  <a:tcPr marL="0" marR="0" marT="0" marB="0"/>
+                </a:tc>
+                <a:tc>
+                  <a:txBody>
+                    <a:bodyPr/>
+                    <a:lstStyle/>
+                    <a:p>
+                      <a:pPr latinLnBrk="1"/>
+                      <a:endParaRPr lang="ko-KR" altLang="en-US" sz="1200"/>
+                    </a:p>
+                  </a:txBody>
+                  <a:tcPr marL="0" marR="0" marT="0" marB="0"/>
+                </a:tc>
+                <a:tc>
+                  <a:txBody>
+                    <a:bodyPr/>
+                    <a:lstStyle/>
+                    <a:p>
+                      <a:pPr latinLnBrk="1"/>
+                      <a:endParaRPr lang="ko-KR" altLang="en-US" sz="1200"/>
+                    </a:p>
+                  </a:txBody>
+                  <a:tcPr marL="0" marR="0" marT="0" marB="0"/>
+                </a:tc>
+                <a:tc>
+                  <a:txBody>
+                    <a:bodyPr/>
+                    <a:lstStyle/>
+                    <a:p>
+                      <a:pPr latinLnBrk="1"/>
+                      <a:endParaRPr lang="ko-KR" altLang="en-US" sz="1200"/>
+                    </a:p>
+                  </a:txBody>
+                  <a:tcPr marL="0" marR="0" marT="0" marB="0"/>
+                </a:tc>
+                <a:tc>
+                  <a:txBody>
+                    <a:bodyPr/>
+                    <a:lstStyle/>
+                    <a:p>
+                      <a:pPr latinLnBrk="1"/>
+                      <a:endParaRPr lang="ko-KR" altLang="en-US" sz="1200"/>
+                    </a:p>
+                  </a:txBody>
+                  <a:tcPr marL="0" marR="0" marT="0" marB="0"/>
+                </a:tc>
+                <a:tc>
+                  <a:txBody>
+                    <a:bodyPr/>
+                    <a:lstStyle/>
+                    <a:p>
+                      <a:pPr latinLnBrk="1"/>
+                      <a:endParaRPr lang="ko-KR" altLang="en-US" sz="1200" dirty="0"/>
+                    </a:p>
+                  </a:txBody>
+                  <a:tcPr marL="0" marR="0" marT="0" marB="0"/>
+                </a:tc>
+                <a:tc>
+                  <a:txBody>
+                    <a:bodyPr/>
+                    <a:lstStyle/>
+                    <a:p>
+                      <a:pPr latinLnBrk="1"/>
+                      <a:endParaRPr lang="ko-KR" altLang="en-US" sz="1200" dirty="0"/>
+                    </a:p>
+                  </a:txBody>
+                  <a:tcPr marL="0" marR="0" marT="0" marB="0"/>
+                </a:tc>
+                <a:tc>
+                  <a:txBody>
+                    <a:bodyPr/>
+                    <a:lstStyle/>
+                    <a:p>
+                      <a:pPr latinLnBrk="1"/>
+                      <a:endParaRPr lang="ko-KR" altLang="en-US" sz="1200"/>
+                    </a:p>
+                  </a:txBody>
+                  <a:tcPr marL="0" marR="0" marT="0" marB="0"/>
+                </a:tc>
+                <a:tc>
+                  <a:txBody>
+                    <a:bodyPr/>
+                    <a:lstStyle/>
+                    <a:p>
+                      <a:pPr latinLnBrk="1"/>
+                      <a:endParaRPr lang="ko-KR" altLang="en-US" sz="1200"/>
+                    </a:p>
+                  </a:txBody>
+                  <a:tcPr marL="0" marR="0" marT="0" marB="0"/>
+                </a:tc>
+                <a:tc>
+                  <a:txBody>
+                    <a:bodyPr/>
+                    <a:lstStyle/>
+                    <a:p>
+                      <a:pPr latinLnBrk="1"/>
+                      <a:endParaRPr lang="ko-KR" altLang="en-US" sz="1200"/>
+                    </a:p>
+                  </a:txBody>
+                  <a:tcPr marL="0" marR="0" marT="0" marB="0"/>
+                </a:tc>
+                <a:tc>
+                  <a:txBody>
+                    <a:bodyPr/>
+                    <a:lstStyle/>
+                    <a:p>
+                      <a:pPr latinLnBrk="1"/>
+                      <a:endParaRPr lang="ko-KR" altLang="en-US" sz="1200" dirty="0"/>
+                    </a:p>
+                  </a:txBody>
+                  <a:tcPr marL="0" marR="0" marT="0" marB="0"/>
+                </a:tc>
+                <a:tc>
+                  <a:txBody>
+                    <a:bodyPr/>
+                    <a:lstStyle/>
+                    <a:p>
+                      <a:pPr latinLnBrk="1"/>
+                      <a:endParaRPr lang="ko-KR" altLang="en-US" sz="1200" dirty="0"/>
+                    </a:p>
+                  </a:txBody>
+                  <a:tcPr marL="0" marR="0" marT="0" marB="0"/>
+                </a:tc>
+                <a:tc>
+                  <a:txBody>
+                    <a:bodyPr/>
+                    <a:lstStyle/>
+                    <a:p>
+                      <a:pPr latinLnBrk="1"/>
+                      <a:endParaRPr lang="ko-KR" altLang="en-US" sz="1200" dirty="0"/>
+                    </a:p>
+                  </a:txBody>
+                  <a:tcPr marL="0" marR="0" marT="0" marB="0"/>
+                </a:tc>
+                <a:tc>
+                  <a:txBody>
+                    <a:bodyPr/>
+                    <a:lstStyle/>
+                    <a:p>
+                      <a:pPr latinLnBrk="1"/>
+                      <a:endParaRPr lang="ko-KR" altLang="en-US" sz="1200" dirty="0"/>
+                    </a:p>
+                  </a:txBody>
+                  <a:tcPr marL="0" marR="0" marT="0" marB="0"/>
+                </a:tc>
+                <a:tc>
+                  <a:txBody>
+                    <a:bodyPr/>
+                    <a:lstStyle/>
+                    <a:p>
+                      <a:pPr latinLnBrk="1"/>
+                      <a:endParaRPr lang="ko-KR" altLang="en-US" sz="1200" dirty="0"/>
+                    </a:p>
+                  </a:txBody>
+                  <a:tcPr marL="0" marR="0" marT="0" marB="0"/>
+                </a:tc>
+                <a:tc>
+                  <a:txBody>
+                    <a:bodyPr/>
+                    <a:lstStyle/>
+                    <a:p>
+                      <a:pPr latinLnBrk="1"/>
+                      <a:endParaRPr lang="ko-KR" altLang="en-US" sz="1200" dirty="0"/>
+                    </a:p>
+                  </a:txBody>
+                  <a:tcPr marL="0" marR="0" marT="0" marB="0"/>
+                </a:tc>
+                <a:tc>
+                  <a:txBody>
+                    <a:bodyPr/>
+                    <a:lstStyle/>
+                    <a:p>
+                      <a:pPr latinLnBrk="1"/>
+                      <a:endParaRPr lang="ko-KR" altLang="en-US" sz="1200" dirty="0"/>
+                    </a:p>
+                  </a:txBody>
+                  <a:tcPr marL="0" marR="0" marT="0" marB="0"/>
+                </a:tc>
+                <a:tc>
+                  <a:txBody>
+                    <a:bodyPr/>
+                    <a:lstStyle/>
+                    <a:p>
+                      <a:pPr latinLnBrk="1"/>
+                      <a:endParaRPr lang="ko-KR" altLang="en-US" sz="1200" dirty="0"/>
+                    </a:p>
+                  </a:txBody>
+                  <a:tcPr marL="0" marR="0" marT="0" marB="0"/>
+                </a:tc>
+                <a:tc>
+                  <a:txBody>
+                    <a:bodyPr/>
+                    <a:lstStyle/>
+                    <a:p>
+                      <a:pPr latinLnBrk="1"/>
+                      <a:endParaRPr lang="ko-KR" altLang="en-US" sz="1200" dirty="0"/>
+                    </a:p>
+                  </a:txBody>
+                  <a:tcPr marL="0" marR="0" marT="0" marB="0"/>
+                </a:tc>
+                <a:tc>
+                  <a:txBody>
+                    <a:bodyPr/>
+                    <a:lstStyle/>
+                    <a:p>
+                      <a:pPr latinLnBrk="1"/>
+                      <a:endParaRPr lang="ko-KR" altLang="en-US" sz="1200" dirty="0"/>
+                    </a:p>
+                  </a:txBody>
+                  <a:tcPr marL="0" marR="0" marT="0" marB="0"/>
+                </a:tc>
+                <a:tc>
+                  <a:txBody>
+                    <a:bodyPr/>
+                    <a:lstStyle/>
+                    <a:p>
+                      <a:pPr latinLnBrk="1"/>
+                      <a:endParaRPr lang="ko-KR" altLang="en-US" sz="1200" dirty="0"/>
+                    </a:p>
+                  </a:txBody>
+                  <a:tcPr marL="0" marR="0" marT="0" marB="0"/>
+                </a:tc>
+                <a:tc>
+                  <a:txBody>
+                    <a:bodyPr/>
+                    <a:lstStyle/>
+                    <a:p>
+                      <a:pPr latinLnBrk="1"/>
+                      <a:endParaRPr lang="ko-KR" altLang="en-US" sz="1200" dirty="0"/>
+                    </a:p>
+                  </a:txBody>
+                  <a:tcPr marL="0" marR="0" marT="0" marB="0"/>
+                </a:tc>
+                <a:extLst>
+                  <a:ext uri="{0D108BD9-81ED-4DB2-BD59-A6C34878D82A}">
+                    <a16:rowId xmlns:a16="http://schemas.microsoft.com/office/drawing/2014/main" val="2659978703"/>
+                  </a:ext>
+                </a:extLst>
+              </a:tr>
+              <a:tr h="0">
+                <a:tc>
+                  <a:txBody>
+                    <a:bodyPr/>
+                    <a:lstStyle/>
+                    <a:p>
+                      <a:pPr algn="ctr" latinLnBrk="1"/>
+                      <a:r>
+                        <a:rPr lang="en-US" altLang="ko-KR" sz="1000" dirty="0">
+                          <a:latin typeface="맑은 고딕" panose="020B0503020000020004" pitchFamily="50" charset="-127"/>
+                          <a:ea typeface="맑은 고딕" panose="020B0503020000020004" pitchFamily="50" charset="-127"/>
+                        </a:rPr>
+                        <a:t>UI</a:t>
+                      </a:r>
+                      <a:endParaRPr lang="ko-KR" altLang="en-US" sz="1000" dirty="0">
+                        <a:latin typeface="맑은 고딕" panose="020B0503020000020004" pitchFamily="50" charset="-127"/>
+                        <a:ea typeface="맑은 고딕" panose="020B0503020000020004" pitchFamily="50" charset="-127"/>
+                      </a:endParaRPr>
+                    </a:p>
+                  </a:txBody>
+                  <a:tcPr marL="0" marR="0" marT="0" marB="0"/>
+                </a:tc>
+                <a:tc>
+                  <a:txBody>
+                    <a:bodyPr/>
+                    <a:lstStyle/>
+                    <a:p>
+                      <a:pPr latinLnBrk="1"/>
+                      <a:endParaRPr lang="ko-KR" altLang="en-US" sz="1200" dirty="0"/>
+                    </a:p>
+                  </a:txBody>
+                  <a:tcPr marL="0" marR="0" marT="0" marB="0"/>
+                </a:tc>
+                <a:tc>
+                  <a:txBody>
+                    <a:bodyPr/>
+                    <a:lstStyle/>
+                    <a:p>
+                      <a:pPr latinLnBrk="1"/>
+                      <a:endParaRPr lang="ko-KR" altLang="en-US" sz="1200"/>
+                    </a:p>
+                  </a:txBody>
+                  <a:tcPr marL="0" marR="0" marT="0" marB="0"/>
+                </a:tc>
+                <a:tc>
+                  <a:txBody>
+                    <a:bodyPr/>
+                    <a:lstStyle/>
+                    <a:p>
+                      <a:pPr latinLnBrk="1"/>
+                      <a:endParaRPr lang="ko-KR" altLang="en-US" sz="1200"/>
+                    </a:p>
+                  </a:txBody>
+                  <a:tcPr marL="0" marR="0" marT="0" marB="0"/>
+                </a:tc>
+                <a:tc>
+                  <a:txBody>
+                    <a:bodyPr/>
+                    <a:lstStyle/>
+                    <a:p>
+                      <a:pPr latinLnBrk="1"/>
+                      <a:endParaRPr lang="ko-KR" altLang="en-US" sz="1200" dirty="0"/>
+                    </a:p>
+                  </a:txBody>
+                  <a:tcPr marL="0" marR="0" marT="0" marB="0"/>
+                </a:tc>
+                <a:tc>
+                  <a:txBody>
+                    <a:bodyPr/>
+                    <a:lstStyle/>
+                    <a:p>
+                      <a:pPr latinLnBrk="1"/>
+                      <a:endParaRPr lang="ko-KR" altLang="en-US" sz="1200" dirty="0"/>
+                    </a:p>
+                  </a:txBody>
+                  <a:tcPr marL="0" marR="0" marT="0" marB="0"/>
+                </a:tc>
+                <a:tc>
+                  <a:txBody>
+                    <a:bodyPr/>
+                    <a:lstStyle/>
+                    <a:p>
+                      <a:pPr latinLnBrk="1"/>
+                      <a:endParaRPr lang="ko-KR" altLang="en-US" sz="1200"/>
+                    </a:p>
+                  </a:txBody>
+                  <a:tcPr marL="0" marR="0" marT="0" marB="0"/>
+                </a:tc>
+                <a:tc>
+                  <a:txBody>
+                    <a:bodyPr/>
+                    <a:lstStyle/>
+                    <a:p>
+                      <a:pPr latinLnBrk="1"/>
+                      <a:endParaRPr lang="ko-KR" altLang="en-US" sz="1200"/>
+                    </a:p>
+                  </a:txBody>
+                  <a:tcPr marL="0" marR="0" marT="0" marB="0"/>
+                </a:tc>
+                <a:tc>
+                  <a:txBody>
+                    <a:bodyPr/>
+                    <a:lstStyle/>
+                    <a:p>
+                      <a:pPr latinLnBrk="1"/>
+                      <a:endParaRPr lang="ko-KR" altLang="en-US" sz="1200"/>
+                    </a:p>
+                  </a:txBody>
+                  <a:tcPr marL="0" marR="0" marT="0" marB="0"/>
+                </a:tc>
+                <a:tc>
+                  <a:txBody>
+                    <a:bodyPr/>
+                    <a:lstStyle/>
+                    <a:p>
+                      <a:pPr latinLnBrk="1"/>
+                      <a:endParaRPr lang="ko-KR" altLang="en-US" sz="1200"/>
+                    </a:p>
+                  </a:txBody>
+                  <a:tcPr marL="0" marR="0" marT="0" marB="0"/>
+                </a:tc>
+                <a:tc>
+                  <a:txBody>
+                    <a:bodyPr/>
+                    <a:lstStyle/>
+                    <a:p>
+                      <a:pPr latinLnBrk="1"/>
+                      <a:endParaRPr lang="ko-KR" altLang="en-US" sz="1200"/>
+                    </a:p>
+                  </a:txBody>
+                  <a:tcPr marL="0" marR="0" marT="0" marB="0"/>
+                </a:tc>
+                <a:tc>
+                  <a:txBody>
+                    <a:bodyPr/>
+                    <a:lstStyle/>
+                    <a:p>
+                      <a:pPr latinLnBrk="1"/>
+                      <a:endParaRPr lang="ko-KR" altLang="en-US" sz="1200" dirty="0"/>
+                    </a:p>
+                  </a:txBody>
+                  <a:tcPr marL="0" marR="0" marT="0" marB="0"/>
+                </a:tc>
+                <a:tc>
+                  <a:txBody>
+                    <a:bodyPr/>
+                    <a:lstStyle/>
+                    <a:p>
+                      <a:pPr latinLnBrk="1"/>
+                      <a:endParaRPr lang="ko-KR" altLang="en-US" sz="1200"/>
+                    </a:p>
+                  </a:txBody>
+                  <a:tcPr marL="0" marR="0" marT="0" marB="0"/>
+                </a:tc>
+                <a:tc>
+                  <a:txBody>
+                    <a:bodyPr/>
+                    <a:lstStyle/>
+                    <a:p>
+                      <a:pPr latinLnBrk="1"/>
+                      <a:endParaRPr lang="ko-KR" altLang="en-US" sz="1200"/>
+                    </a:p>
+                  </a:txBody>
+                  <a:tcPr marL="0" marR="0" marT="0" marB="0"/>
+                </a:tc>
+                <a:tc>
+                  <a:txBody>
+                    <a:bodyPr/>
+                    <a:lstStyle/>
+                    <a:p>
+                      <a:pPr latinLnBrk="1"/>
+                      <a:endParaRPr lang="ko-KR" altLang="en-US" sz="1200"/>
+                    </a:p>
+                  </a:txBody>
+                  <a:tcPr marL="0" marR="0" marT="0" marB="0"/>
+                </a:tc>
+                <a:tc>
+                  <a:txBody>
+                    <a:bodyPr/>
+                    <a:lstStyle/>
+                    <a:p>
+                      <a:pPr latinLnBrk="1"/>
+                      <a:endParaRPr lang="ko-KR" altLang="en-US" sz="1200"/>
+                    </a:p>
+                  </a:txBody>
+                  <a:tcPr marL="0" marR="0" marT="0" marB="0"/>
+                </a:tc>
+                <a:tc>
+                  <a:txBody>
+                    <a:bodyPr/>
+                    <a:lstStyle/>
+                    <a:p>
+                      <a:pPr latinLnBrk="1"/>
+                      <a:endParaRPr lang="ko-KR" altLang="en-US" sz="1200"/>
+                    </a:p>
+                  </a:txBody>
+                  <a:tcPr marL="0" marR="0" marT="0" marB="0"/>
+                </a:tc>
+                <a:tc>
+                  <a:txBody>
+                    <a:bodyPr/>
+                    <a:lstStyle/>
+                    <a:p>
+                      <a:pPr latinLnBrk="1"/>
+                      <a:endParaRPr lang="ko-KR" altLang="en-US" sz="1200"/>
+                    </a:p>
+                  </a:txBody>
+                  <a:tcPr marL="0" marR="0" marT="0" marB="0"/>
+                </a:tc>
+                <a:tc>
+                  <a:txBody>
+                    <a:bodyPr/>
+                    <a:lstStyle/>
+                    <a:p>
+                      <a:pPr latinLnBrk="1"/>
+                      <a:endParaRPr lang="ko-KR" altLang="en-US" sz="1200"/>
+                    </a:p>
+                  </a:txBody>
+                  <a:tcPr marL="0" marR="0" marT="0" marB="0"/>
+                </a:tc>
+                <a:tc>
+                  <a:txBody>
+                    <a:bodyPr/>
+                    <a:lstStyle/>
+                    <a:p>
+                      <a:pPr latinLnBrk="1"/>
+                      <a:endParaRPr lang="ko-KR" altLang="en-US" sz="1200"/>
+                    </a:p>
+                  </a:txBody>
+                  <a:tcPr marL="0" marR="0" marT="0" marB="0"/>
+                </a:tc>
+                <a:tc>
+                  <a:txBody>
+                    <a:bodyPr/>
+                    <a:lstStyle/>
+                    <a:p>
+                      <a:pPr latinLnBrk="1"/>
+                      <a:endParaRPr lang="ko-KR" altLang="en-US" sz="1200" dirty="0"/>
+                    </a:p>
+                  </a:txBody>
+                  <a:tcPr marL="0" marR="0" marT="0" marB="0"/>
+                </a:tc>
+                <a:tc>
+                  <a:txBody>
+                    <a:bodyPr/>
+                    <a:lstStyle/>
+                    <a:p>
+                      <a:pPr latinLnBrk="1"/>
+                      <a:endParaRPr lang="ko-KR" altLang="en-US" sz="1200" dirty="0"/>
+                    </a:p>
+                  </a:txBody>
+                  <a:tcPr marL="0" marR="0" marT="0" marB="0"/>
+                </a:tc>
+                <a:tc>
+                  <a:txBody>
+                    <a:bodyPr/>
+                    <a:lstStyle/>
+                    <a:p>
+                      <a:pPr latinLnBrk="1"/>
+                      <a:endParaRPr lang="ko-KR" altLang="en-US" sz="1200"/>
+                    </a:p>
+                  </a:txBody>
+                  <a:tcPr marL="0" marR="0" marT="0" marB="0"/>
+                </a:tc>
+                <a:tc>
+                  <a:txBody>
+                    <a:bodyPr/>
+                    <a:lstStyle/>
+                    <a:p>
+                      <a:pPr latinLnBrk="1"/>
+                      <a:endParaRPr lang="ko-KR" altLang="en-US" sz="1200"/>
+                    </a:p>
+                  </a:txBody>
+                  <a:tcPr marL="0" marR="0" marT="0" marB="0"/>
+                </a:tc>
+                <a:tc>
+                  <a:txBody>
+                    <a:bodyPr/>
+                    <a:lstStyle/>
+                    <a:p>
+                      <a:pPr latinLnBrk="1"/>
+                      <a:endParaRPr lang="ko-KR" altLang="en-US" sz="1200"/>
+                    </a:p>
+                  </a:txBody>
+                  <a:tcPr marL="0" marR="0" marT="0" marB="0"/>
+                </a:tc>
+                <a:tc>
+                  <a:txBody>
+                    <a:bodyPr/>
+                    <a:lstStyle/>
+                    <a:p>
+                      <a:pPr latinLnBrk="1"/>
+                      <a:endParaRPr lang="ko-KR" altLang="en-US" sz="1200" dirty="0"/>
+                    </a:p>
+                  </a:txBody>
+                  <a:tcPr marL="0" marR="0" marT="0" marB="0"/>
+                </a:tc>
+                <a:tc>
+                  <a:txBody>
+                    <a:bodyPr/>
+                    <a:lstStyle/>
+                    <a:p>
+                      <a:pPr latinLnBrk="1"/>
+                      <a:endParaRPr lang="ko-KR" altLang="en-US" sz="1200" dirty="0"/>
+                    </a:p>
+                  </a:txBody>
+                  <a:tcPr marL="0" marR="0" marT="0" marB="0"/>
+                </a:tc>
+                <a:tc>
+                  <a:txBody>
+                    <a:bodyPr/>
+                    <a:lstStyle/>
+                    <a:p>
+                      <a:pPr latinLnBrk="1"/>
+                      <a:endParaRPr lang="ko-KR" altLang="en-US" sz="1200" dirty="0"/>
+                    </a:p>
+                  </a:txBody>
+                  <a:tcPr marL="0" marR="0" marT="0" marB="0"/>
+                </a:tc>
+                <a:tc>
+                  <a:txBody>
+                    <a:bodyPr/>
+                    <a:lstStyle/>
+                    <a:p>
+                      <a:pPr latinLnBrk="1"/>
+                      <a:endParaRPr lang="ko-KR" altLang="en-US" sz="1200" dirty="0"/>
+                    </a:p>
+                  </a:txBody>
+                  <a:tcPr marL="0" marR="0" marT="0" marB="0"/>
+                </a:tc>
+                <a:tc>
+                  <a:txBody>
+                    <a:bodyPr/>
+                    <a:lstStyle/>
+                    <a:p>
+                      <a:pPr latinLnBrk="1"/>
+                      <a:endParaRPr lang="ko-KR" altLang="en-US" sz="1200" dirty="0"/>
+                    </a:p>
+                  </a:txBody>
+                  <a:tcPr marL="0" marR="0" marT="0" marB="0"/>
+                </a:tc>
+                <a:tc>
+                  <a:txBody>
+                    <a:bodyPr/>
+                    <a:lstStyle/>
+                    <a:p>
+                      <a:pPr latinLnBrk="1"/>
+                      <a:endParaRPr lang="ko-KR" altLang="en-US" sz="1200" dirty="0"/>
+                    </a:p>
+                  </a:txBody>
+                  <a:tcPr marL="0" marR="0" marT="0" marB="0"/>
+                </a:tc>
+                <a:tc>
+                  <a:txBody>
+                    <a:bodyPr/>
+                    <a:lstStyle/>
+                    <a:p>
+                      <a:pPr latinLnBrk="1"/>
+                      <a:endParaRPr lang="ko-KR" altLang="en-US" sz="1200" dirty="0"/>
+                    </a:p>
+                  </a:txBody>
+                  <a:tcPr marL="0" marR="0" marT="0" marB="0"/>
+                </a:tc>
+                <a:tc>
+                  <a:txBody>
+                    <a:bodyPr/>
+                    <a:lstStyle/>
+                    <a:p>
+                      <a:pPr latinLnBrk="1"/>
+                      <a:endParaRPr lang="ko-KR" altLang="en-US" sz="1200" dirty="0"/>
+                    </a:p>
+                  </a:txBody>
+                  <a:tcPr marL="0" marR="0" marT="0" marB="0"/>
+                </a:tc>
+                <a:tc>
+                  <a:txBody>
+                    <a:bodyPr/>
+                    <a:lstStyle/>
+                    <a:p>
+                      <a:pPr latinLnBrk="1"/>
+                      <a:endParaRPr lang="ko-KR" altLang="en-US" sz="1200" dirty="0"/>
+                    </a:p>
+                  </a:txBody>
+                  <a:tcPr marL="0" marR="0" marT="0" marB="0"/>
+                </a:tc>
+                <a:tc>
+                  <a:txBody>
+                    <a:bodyPr/>
+                    <a:lstStyle/>
+                    <a:p>
+                      <a:pPr latinLnBrk="1"/>
+                      <a:endParaRPr lang="ko-KR" altLang="en-US" sz="1200" dirty="0"/>
+                    </a:p>
+                  </a:txBody>
+                  <a:tcPr marL="0" marR="0" marT="0" marB="0"/>
+                </a:tc>
+                <a:tc>
+                  <a:txBody>
+                    <a:bodyPr/>
+                    <a:lstStyle/>
+                    <a:p>
+                      <a:pPr latinLnBrk="1"/>
+                      <a:endParaRPr lang="ko-KR" altLang="en-US" sz="1200" dirty="0"/>
+                    </a:p>
+                  </a:txBody>
+                  <a:tcPr marL="0" marR="0" marT="0" marB="0"/>
+                </a:tc>
+                <a:tc>
+                  <a:txBody>
+                    <a:bodyPr/>
+                    <a:lstStyle/>
+                    <a:p>
+                      <a:pPr latinLnBrk="1"/>
+                      <a:endParaRPr lang="ko-KR" altLang="en-US" sz="1200" dirty="0"/>
+                    </a:p>
+                  </a:txBody>
+                  <a:tcPr marL="0" marR="0" marT="0" marB="0"/>
+                </a:tc>
+                <a:extLst>
+                  <a:ext uri="{0D108BD9-81ED-4DB2-BD59-A6C34878D82A}">
+                    <a16:rowId xmlns:a16="http://schemas.microsoft.com/office/drawing/2014/main" val="1991589359"/>
+                  </a:ext>
+                </a:extLst>
+              </a:tr>
+              <a:tr h="0">
+                <a:tc>
+                  <a:txBody>
+                    <a:bodyPr/>
+                    <a:lstStyle/>
+                    <a:p>
+                      <a:pPr algn="ctr" latinLnBrk="1"/>
+                      <a:r>
+                        <a:rPr lang="ko-KR" altLang="en-US" sz="1000">
+                          <a:latin typeface="맑은 고딕" panose="020B0503020000020004" pitchFamily="50" charset="-127"/>
+                          <a:ea typeface="맑은 고딕" panose="020B0503020000020004" pitchFamily="50" charset="-127"/>
+                        </a:rPr>
+                        <a:t>서버 최적화</a:t>
+                      </a:r>
+                      <a:endParaRPr lang="ko-KR" altLang="en-US" sz="1000" dirty="0">
+                        <a:latin typeface="맑은 고딕" panose="020B0503020000020004" pitchFamily="50" charset="-127"/>
+                        <a:ea typeface="맑은 고딕" panose="020B0503020000020004" pitchFamily="50" charset="-127"/>
+                      </a:endParaRPr>
+                    </a:p>
+                  </a:txBody>
+                  <a:tcPr marL="0" marR="0" marT="0" marB="0"/>
+                </a:tc>
+                <a:tc>
+                  <a:txBody>
+                    <a:bodyPr/>
+                    <a:lstStyle/>
+                    <a:p>
+                      <a:pPr latinLnBrk="1"/>
+                      <a:endParaRPr lang="ko-KR" altLang="en-US" sz="1200" dirty="0"/>
+                    </a:p>
+                  </a:txBody>
+                  <a:tcPr marL="0" marR="0" marT="0" marB="0"/>
+                </a:tc>
+                <a:tc>
+                  <a:txBody>
+                    <a:bodyPr/>
+                    <a:lstStyle/>
+                    <a:p>
+                      <a:pPr latinLnBrk="1"/>
+                      <a:endParaRPr lang="ko-KR" altLang="en-US" sz="1200"/>
+                    </a:p>
+                  </a:txBody>
+                  <a:tcPr marL="0" marR="0" marT="0" marB="0"/>
+                </a:tc>
+                <a:tc>
+                  <a:txBody>
+                    <a:bodyPr/>
+                    <a:lstStyle/>
+                    <a:p>
+                      <a:pPr latinLnBrk="1"/>
+                      <a:endParaRPr lang="ko-KR" altLang="en-US" sz="1200"/>
+                    </a:p>
+                  </a:txBody>
+                  <a:tcPr marL="0" marR="0" marT="0" marB="0"/>
+                </a:tc>
+                <a:tc>
+                  <a:txBody>
+                    <a:bodyPr/>
+                    <a:lstStyle/>
+                    <a:p>
+                      <a:pPr latinLnBrk="1"/>
+                      <a:endParaRPr lang="ko-KR" altLang="en-US" sz="1200" dirty="0"/>
+                    </a:p>
+                  </a:txBody>
+                  <a:tcPr marL="0" marR="0" marT="0" marB="0"/>
+                </a:tc>
+                <a:tc>
+                  <a:txBody>
+                    <a:bodyPr/>
+                    <a:lstStyle/>
+                    <a:p>
+                      <a:pPr latinLnBrk="1"/>
+                      <a:endParaRPr lang="ko-KR" altLang="en-US" sz="1200" dirty="0"/>
+                    </a:p>
+                  </a:txBody>
+                  <a:tcPr marL="0" marR="0" marT="0" marB="0"/>
+                </a:tc>
+                <a:tc>
+                  <a:txBody>
+                    <a:bodyPr/>
+                    <a:lstStyle/>
+                    <a:p>
+                      <a:pPr latinLnBrk="1"/>
+                      <a:endParaRPr lang="ko-KR" altLang="en-US" sz="1200"/>
+                    </a:p>
+                  </a:txBody>
+                  <a:tcPr marL="0" marR="0" marT="0" marB="0"/>
+                </a:tc>
+                <a:tc>
+                  <a:txBody>
+                    <a:bodyPr/>
+                    <a:lstStyle/>
+                    <a:p>
+                      <a:pPr latinLnBrk="1"/>
+                      <a:endParaRPr lang="ko-KR" altLang="en-US" sz="1200"/>
+                    </a:p>
+                  </a:txBody>
+                  <a:tcPr marL="0" marR="0" marT="0" marB="0"/>
+                </a:tc>
+                <a:tc>
+                  <a:txBody>
+                    <a:bodyPr/>
+                    <a:lstStyle/>
+                    <a:p>
+                      <a:pPr latinLnBrk="1"/>
+                      <a:endParaRPr lang="ko-KR" altLang="en-US" sz="1200"/>
+                    </a:p>
+                  </a:txBody>
+                  <a:tcPr marL="0" marR="0" marT="0" marB="0"/>
+                </a:tc>
+                <a:tc>
+                  <a:txBody>
+                    <a:bodyPr/>
+                    <a:lstStyle/>
+                    <a:p>
+                      <a:pPr latinLnBrk="1"/>
+                      <a:endParaRPr lang="ko-KR" altLang="en-US" sz="1200"/>
+                    </a:p>
+                  </a:txBody>
+                  <a:tcPr marL="0" marR="0" marT="0" marB="0"/>
+                </a:tc>
+                <a:tc>
+                  <a:txBody>
+                    <a:bodyPr/>
+                    <a:lstStyle/>
+                    <a:p>
+                      <a:pPr latinLnBrk="1"/>
+                      <a:endParaRPr lang="ko-KR" altLang="en-US" sz="1200"/>
+                    </a:p>
+                  </a:txBody>
+                  <a:tcPr marL="0" marR="0" marT="0" marB="0"/>
+                </a:tc>
+                <a:tc>
+                  <a:txBody>
+                    <a:bodyPr/>
+                    <a:lstStyle/>
+                    <a:p>
+                      <a:pPr latinLnBrk="1"/>
+                      <a:endParaRPr lang="ko-KR" altLang="en-US" sz="1200" dirty="0"/>
+                    </a:p>
+                  </a:txBody>
+                  <a:tcPr marL="0" marR="0" marT="0" marB="0"/>
+                </a:tc>
+                <a:tc>
+                  <a:txBody>
+                    <a:bodyPr/>
+                    <a:lstStyle/>
+                    <a:p>
+                      <a:pPr latinLnBrk="1"/>
+                      <a:endParaRPr lang="ko-KR" altLang="en-US" sz="1200"/>
+                    </a:p>
+                  </a:txBody>
+                  <a:tcPr marL="0" marR="0" marT="0" marB="0"/>
+                </a:tc>
+                <a:tc>
+                  <a:txBody>
+                    <a:bodyPr/>
+                    <a:lstStyle/>
+                    <a:p>
+                      <a:pPr latinLnBrk="1"/>
+                      <a:endParaRPr lang="ko-KR" altLang="en-US" sz="1200"/>
+                    </a:p>
+                  </a:txBody>
+                  <a:tcPr marL="0" marR="0" marT="0" marB="0"/>
+                </a:tc>
+                <a:tc>
+                  <a:txBody>
+                    <a:bodyPr/>
+                    <a:lstStyle/>
+                    <a:p>
+                      <a:pPr latinLnBrk="1"/>
+                      <a:endParaRPr lang="ko-KR" altLang="en-US" sz="1200"/>
+                    </a:p>
+                  </a:txBody>
+                  <a:tcPr marL="0" marR="0" marT="0" marB="0"/>
+                </a:tc>
+                <a:tc>
+                  <a:txBody>
+                    <a:bodyPr/>
+                    <a:lstStyle/>
+                    <a:p>
+                      <a:pPr latinLnBrk="1"/>
+                      <a:endParaRPr lang="ko-KR" altLang="en-US" sz="1200"/>
+                    </a:p>
+                  </a:txBody>
+                  <a:tcPr marL="0" marR="0" marT="0" marB="0"/>
+                </a:tc>
+                <a:tc>
+                  <a:txBody>
+                    <a:bodyPr/>
+                    <a:lstStyle/>
+                    <a:p>
+                      <a:pPr latinLnBrk="1"/>
+                      <a:endParaRPr lang="ko-KR" altLang="en-US" sz="1200"/>
+                    </a:p>
+                  </a:txBody>
+                  <a:tcPr marL="0" marR="0" marT="0" marB="0"/>
+                </a:tc>
+                <a:tc>
+                  <a:txBody>
+                    <a:bodyPr/>
+                    <a:lstStyle/>
+                    <a:p>
+                      <a:pPr latinLnBrk="1"/>
+                      <a:endParaRPr lang="ko-KR" altLang="en-US" sz="1200"/>
+                    </a:p>
+                  </a:txBody>
+                  <a:tcPr marL="0" marR="0" marT="0" marB="0"/>
+                </a:tc>
+                <a:tc>
+                  <a:txBody>
+                    <a:bodyPr/>
+                    <a:lstStyle/>
+                    <a:p>
+                      <a:pPr latinLnBrk="1"/>
+                      <a:endParaRPr lang="ko-KR" altLang="en-US" sz="1200"/>
+                    </a:p>
+                  </a:txBody>
+                  <a:tcPr marL="0" marR="0" marT="0" marB="0"/>
+                </a:tc>
+                <a:tc>
+                  <a:txBody>
+                    <a:bodyPr/>
+                    <a:lstStyle/>
+                    <a:p>
+                      <a:pPr latinLnBrk="1"/>
+                      <a:endParaRPr lang="ko-KR" altLang="en-US" sz="1200"/>
+                    </a:p>
+                  </a:txBody>
+                  <a:tcPr marL="0" marR="0" marT="0" marB="0"/>
+                </a:tc>
+                <a:tc>
+                  <a:txBody>
+                    <a:bodyPr/>
+                    <a:lstStyle/>
+                    <a:p>
+                      <a:pPr latinLnBrk="1"/>
+                      <a:endParaRPr lang="ko-KR" altLang="en-US" sz="1200" dirty="0"/>
+                    </a:p>
+                  </a:txBody>
+                  <a:tcPr marL="0" marR="0" marT="0" marB="0"/>
+                </a:tc>
+                <a:tc>
+                  <a:txBody>
+                    <a:bodyPr/>
+                    <a:lstStyle/>
+                    <a:p>
+                      <a:pPr latinLnBrk="1"/>
+                      <a:endParaRPr lang="ko-KR" altLang="en-US" sz="1200" dirty="0"/>
+                    </a:p>
+                  </a:txBody>
+                  <a:tcPr marL="0" marR="0" marT="0" marB="0"/>
+                </a:tc>
+                <a:tc>
+                  <a:txBody>
+                    <a:bodyPr/>
+                    <a:lstStyle/>
+                    <a:p>
+                      <a:pPr latinLnBrk="1"/>
+                      <a:endParaRPr lang="ko-KR" altLang="en-US" sz="1200"/>
+                    </a:p>
+                  </a:txBody>
+                  <a:tcPr marL="0" marR="0" marT="0" marB="0"/>
+                </a:tc>
+                <a:tc>
+                  <a:txBody>
+                    <a:bodyPr/>
+                    <a:lstStyle/>
+                    <a:p>
+                      <a:pPr latinLnBrk="1"/>
+                      <a:endParaRPr lang="ko-KR" altLang="en-US" sz="1200"/>
+                    </a:p>
+                  </a:txBody>
+                  <a:tcPr marL="0" marR="0" marT="0" marB="0"/>
+                </a:tc>
+                <a:tc>
+                  <a:txBody>
+                    <a:bodyPr/>
+                    <a:lstStyle/>
+                    <a:p>
+                      <a:pPr latinLnBrk="1"/>
+                      <a:endParaRPr lang="ko-KR" altLang="en-US" sz="1200"/>
+                    </a:p>
+                  </a:txBody>
+                  <a:tcPr marL="0" marR="0" marT="0" marB="0"/>
+                </a:tc>
+                <a:tc>
+                  <a:txBody>
+                    <a:bodyPr/>
+                    <a:lstStyle/>
+                    <a:p>
+                      <a:pPr latinLnBrk="1"/>
+                      <a:endParaRPr lang="ko-KR" altLang="en-US" sz="1200" dirty="0"/>
+                    </a:p>
+                  </a:txBody>
+                  <a:tcPr marL="0" marR="0" marT="0" marB="0"/>
+                </a:tc>
+                <a:tc>
+                  <a:txBody>
+                    <a:bodyPr/>
+                    <a:lstStyle/>
+                    <a:p>
+                      <a:pPr latinLnBrk="1"/>
+                      <a:endParaRPr lang="ko-KR" altLang="en-US" sz="1200" dirty="0"/>
+                    </a:p>
+                  </a:txBody>
+                  <a:tcPr marL="0" marR="0" marT="0" marB="0"/>
+                </a:tc>
+                <a:tc>
+                  <a:txBody>
+                    <a:bodyPr/>
+                    <a:lstStyle/>
+                    <a:p>
+                      <a:pPr latinLnBrk="1"/>
+                      <a:endParaRPr lang="ko-KR" altLang="en-US" sz="1200" dirty="0"/>
+                    </a:p>
+                  </a:txBody>
+                  <a:tcPr marL="0" marR="0" marT="0" marB="0"/>
+                </a:tc>
+                <a:tc>
+                  <a:txBody>
+                    <a:bodyPr/>
+                    <a:lstStyle/>
+                    <a:p>
+                      <a:pPr latinLnBrk="1"/>
+                      <a:endParaRPr lang="ko-KR" altLang="en-US" sz="1200" dirty="0"/>
+                    </a:p>
+                  </a:txBody>
+                  <a:tcPr marL="0" marR="0" marT="0" marB="0"/>
+                </a:tc>
+                <a:tc>
+                  <a:txBody>
+                    <a:bodyPr/>
+                    <a:lstStyle/>
+                    <a:p>
+                      <a:pPr latinLnBrk="1"/>
+                      <a:endParaRPr lang="ko-KR" altLang="en-US" sz="1200" dirty="0"/>
+                    </a:p>
+                  </a:txBody>
+                  <a:tcPr marL="0" marR="0" marT="0" marB="0"/>
+                </a:tc>
+                <a:tc>
+                  <a:txBody>
+                    <a:bodyPr/>
+                    <a:lstStyle/>
+                    <a:p>
+                      <a:pPr latinLnBrk="1"/>
+                      <a:endParaRPr lang="ko-KR" altLang="en-US" sz="1200" dirty="0"/>
+                    </a:p>
+                  </a:txBody>
+                  <a:tcPr marL="0" marR="0" marT="0" marB="0"/>
+                </a:tc>
+                <a:tc>
+                  <a:txBody>
+                    <a:bodyPr/>
+                    <a:lstStyle/>
+                    <a:p>
+                      <a:pPr latinLnBrk="1"/>
+                      <a:endParaRPr lang="ko-KR" altLang="en-US" sz="1200" dirty="0"/>
+                    </a:p>
+                  </a:txBody>
+                  <a:tcPr marL="0" marR="0" marT="0" marB="0"/>
+                </a:tc>
+                <a:tc>
+                  <a:txBody>
+                    <a:bodyPr/>
+                    <a:lstStyle/>
+                    <a:p>
+                      <a:pPr latinLnBrk="1"/>
+                      <a:endParaRPr lang="ko-KR" altLang="en-US" sz="1200" dirty="0"/>
+                    </a:p>
+                  </a:txBody>
+                  <a:tcPr marL="0" marR="0" marT="0" marB="0"/>
+                </a:tc>
+                <a:tc>
+                  <a:txBody>
+                    <a:bodyPr/>
+                    <a:lstStyle/>
+                    <a:p>
+                      <a:pPr latinLnBrk="1"/>
+                      <a:endParaRPr lang="ko-KR" altLang="en-US" sz="1200" dirty="0"/>
+                    </a:p>
+                  </a:txBody>
+                  <a:tcPr marL="0" marR="0" marT="0" marB="0"/>
+                </a:tc>
+                <a:tc>
+                  <a:txBody>
+                    <a:bodyPr/>
+                    <a:lstStyle/>
+                    <a:p>
+                      <a:pPr latinLnBrk="1"/>
+                      <a:endParaRPr lang="ko-KR" altLang="en-US" sz="1200" dirty="0"/>
+                    </a:p>
+                  </a:txBody>
+                  <a:tcPr marL="0" marR="0" marT="0" marB="0"/>
+                </a:tc>
+                <a:tc>
+                  <a:txBody>
+                    <a:bodyPr/>
+                    <a:lstStyle/>
+                    <a:p>
+                      <a:pPr latinLnBrk="1"/>
+                      <a:endParaRPr lang="ko-KR" altLang="en-US" sz="1200" dirty="0"/>
+                    </a:p>
+                  </a:txBody>
+                  <a:tcPr marL="0" marR="0" marT="0" marB="0"/>
+                </a:tc>
+                <a:tc>
+                  <a:txBody>
+                    <a:bodyPr/>
+                    <a:lstStyle/>
+                    <a:p>
+                      <a:pPr latinLnBrk="1"/>
+                      <a:endParaRPr lang="ko-KR" altLang="en-US" sz="1200" dirty="0"/>
+                    </a:p>
+                  </a:txBody>
+                  <a:tcPr marL="0" marR="0" marT="0" marB="0"/>
+                </a:tc>
+                <a:extLst>
+                  <a:ext uri="{0D108BD9-81ED-4DB2-BD59-A6C34878D82A}">
+                    <a16:rowId xmlns:a16="http://schemas.microsoft.com/office/drawing/2014/main" val="4118201666"/>
+                  </a:ext>
+                </a:extLst>
+              </a:tr>
+              <a:tr h="0">
+                <a:tc>
+                  <a:txBody>
+                    <a:bodyPr/>
+                    <a:lstStyle/>
+                    <a:p>
+                      <a:pPr algn="ctr" latinLnBrk="1"/>
+                      <a:r>
+                        <a:rPr lang="ko-KR" altLang="en-US" sz="1000" dirty="0" err="1">
+                          <a:latin typeface="맑은 고딕" panose="020B0503020000020004" pitchFamily="50" charset="-127"/>
+                          <a:ea typeface="맑은 고딕" panose="020B0503020000020004" pitchFamily="50" charset="-127"/>
+                        </a:rPr>
+                        <a:t>디버킹</a:t>
+                      </a:r>
+                      <a:r>
+                        <a:rPr lang="en-US" altLang="ko-KR" sz="1000" dirty="0">
+                          <a:latin typeface="맑은 고딕" panose="020B0503020000020004" pitchFamily="50" charset="-127"/>
+                          <a:ea typeface="맑은 고딕" panose="020B0503020000020004" pitchFamily="50" charset="-127"/>
+                        </a:rPr>
+                        <a:t> </a:t>
+                      </a:r>
+                      <a:r>
+                        <a:rPr lang="ko-KR" altLang="en-US" sz="1000" dirty="0">
+                          <a:latin typeface="맑은 고딕" panose="020B0503020000020004" pitchFamily="50" charset="-127"/>
+                          <a:ea typeface="맑은 고딕" panose="020B0503020000020004" pitchFamily="50" charset="-127"/>
+                        </a:rPr>
+                        <a:t>및</a:t>
+                      </a:r>
+                      <a:r>
+                        <a:rPr lang="en-US" altLang="ko-KR" sz="1000" dirty="0">
+                          <a:latin typeface="맑은 고딕" panose="020B0503020000020004" pitchFamily="50" charset="-127"/>
+                          <a:ea typeface="맑은 고딕" panose="020B0503020000020004" pitchFamily="50" charset="-127"/>
+                        </a:rPr>
+                        <a:t> </a:t>
+                      </a:r>
+                      <a:r>
+                        <a:rPr lang="ko-KR" altLang="en-US" sz="1000" dirty="0">
+                          <a:latin typeface="맑은 고딕" panose="020B0503020000020004" pitchFamily="50" charset="-127"/>
+                          <a:ea typeface="맑은 고딕" panose="020B0503020000020004" pitchFamily="50" charset="-127"/>
+                        </a:rPr>
+                        <a:t>테스트</a:t>
+                      </a:r>
+                    </a:p>
+                  </a:txBody>
+                  <a:tcPr marL="0" marR="0" marT="0" marB="0"/>
+                </a:tc>
+                <a:tc>
+                  <a:txBody>
+                    <a:bodyPr/>
+                    <a:lstStyle/>
+                    <a:p>
+                      <a:pPr latinLnBrk="1"/>
+                      <a:endParaRPr lang="ko-KR" altLang="en-US" sz="1200" dirty="0"/>
+                    </a:p>
+                  </a:txBody>
+                  <a:tcPr marL="0" marR="0" marT="0" marB="0"/>
+                </a:tc>
+                <a:tc>
+                  <a:txBody>
+                    <a:bodyPr/>
+                    <a:lstStyle/>
+                    <a:p>
+                      <a:pPr latinLnBrk="1"/>
+                      <a:endParaRPr lang="ko-KR" altLang="en-US" sz="1200"/>
+                    </a:p>
+                  </a:txBody>
+                  <a:tcPr marL="0" marR="0" marT="0" marB="0"/>
+                </a:tc>
+                <a:tc>
+                  <a:txBody>
+                    <a:bodyPr/>
+                    <a:lstStyle/>
+                    <a:p>
+                      <a:pPr latinLnBrk="1"/>
+                      <a:endParaRPr lang="ko-KR" altLang="en-US" sz="1200"/>
+                    </a:p>
+                  </a:txBody>
+                  <a:tcPr marL="0" marR="0" marT="0" marB="0"/>
+                </a:tc>
+                <a:tc>
+                  <a:txBody>
+                    <a:bodyPr/>
+                    <a:lstStyle/>
+                    <a:p>
+                      <a:pPr latinLnBrk="1"/>
+                      <a:endParaRPr lang="ko-KR" altLang="en-US" sz="1200" dirty="0"/>
+                    </a:p>
+                  </a:txBody>
+                  <a:tcPr marL="0" marR="0" marT="0" marB="0"/>
+                </a:tc>
+                <a:tc>
+                  <a:txBody>
+                    <a:bodyPr/>
+                    <a:lstStyle/>
+                    <a:p>
+                      <a:pPr latinLnBrk="1"/>
+                      <a:endParaRPr lang="ko-KR" altLang="en-US" sz="1200"/>
+                    </a:p>
+                  </a:txBody>
+                  <a:tcPr marL="0" marR="0" marT="0" marB="0"/>
+                </a:tc>
+                <a:tc>
+                  <a:txBody>
+                    <a:bodyPr/>
+                    <a:lstStyle/>
+                    <a:p>
+                      <a:pPr latinLnBrk="1"/>
+                      <a:endParaRPr lang="ko-KR" altLang="en-US" sz="1200"/>
+                    </a:p>
+                  </a:txBody>
+                  <a:tcPr marL="0" marR="0" marT="0" marB="0"/>
+                </a:tc>
+                <a:tc>
+                  <a:txBody>
+                    <a:bodyPr/>
+                    <a:lstStyle/>
+                    <a:p>
+                      <a:pPr latinLnBrk="1"/>
+                      <a:endParaRPr lang="ko-KR" altLang="en-US" sz="1200"/>
+                    </a:p>
+                  </a:txBody>
+                  <a:tcPr marL="0" marR="0" marT="0" marB="0"/>
+                </a:tc>
+                <a:tc>
+                  <a:txBody>
+                    <a:bodyPr/>
+                    <a:lstStyle/>
+                    <a:p>
+                      <a:pPr latinLnBrk="1"/>
+                      <a:endParaRPr lang="ko-KR" altLang="en-US" sz="1200"/>
+                    </a:p>
+                  </a:txBody>
+                  <a:tcPr marL="0" marR="0" marT="0" marB="0"/>
+                </a:tc>
+                <a:tc>
+                  <a:txBody>
+                    <a:bodyPr/>
+                    <a:lstStyle/>
+                    <a:p>
+                      <a:pPr latinLnBrk="1"/>
+                      <a:endParaRPr lang="ko-KR" altLang="en-US" sz="1200"/>
+                    </a:p>
+                  </a:txBody>
+                  <a:tcPr marL="0" marR="0" marT="0" marB="0"/>
+                </a:tc>
+                <a:tc>
+                  <a:txBody>
+                    <a:bodyPr/>
+                    <a:lstStyle/>
+                    <a:p>
+                      <a:pPr latinLnBrk="1"/>
+                      <a:endParaRPr lang="ko-KR" altLang="en-US" sz="1200"/>
+                    </a:p>
+                  </a:txBody>
+                  <a:tcPr marL="0" marR="0" marT="0" marB="0"/>
+                </a:tc>
+                <a:tc>
+                  <a:txBody>
+                    <a:bodyPr/>
+                    <a:lstStyle/>
+                    <a:p>
+                      <a:pPr latinLnBrk="1"/>
+                      <a:endParaRPr lang="ko-KR" altLang="en-US" sz="1200" dirty="0"/>
+                    </a:p>
+                  </a:txBody>
+                  <a:tcPr marL="0" marR="0" marT="0" marB="0"/>
+                </a:tc>
+                <a:tc>
+                  <a:txBody>
+                    <a:bodyPr/>
+                    <a:lstStyle/>
+                    <a:p>
+                      <a:pPr latinLnBrk="1"/>
+                      <a:endParaRPr lang="ko-KR" altLang="en-US" sz="1200"/>
+                    </a:p>
+                  </a:txBody>
+                  <a:tcPr marL="0" marR="0" marT="0" marB="0"/>
+                </a:tc>
+                <a:tc>
+                  <a:txBody>
+                    <a:bodyPr/>
+                    <a:lstStyle/>
+                    <a:p>
+                      <a:pPr latinLnBrk="1"/>
+                      <a:endParaRPr lang="ko-KR" altLang="en-US" sz="1200" dirty="0"/>
+                    </a:p>
+                  </a:txBody>
+                  <a:tcPr marL="0" marR="0" marT="0" marB="0"/>
+                </a:tc>
+                <a:tc>
+                  <a:txBody>
+                    <a:bodyPr/>
+                    <a:lstStyle/>
+                    <a:p>
+                      <a:pPr latinLnBrk="1"/>
+                      <a:endParaRPr lang="ko-KR" altLang="en-US" sz="1200"/>
+                    </a:p>
+                  </a:txBody>
+                  <a:tcPr marL="0" marR="0" marT="0" marB="0"/>
+                </a:tc>
+                <a:tc>
+                  <a:txBody>
+                    <a:bodyPr/>
+                    <a:lstStyle/>
+                    <a:p>
+                      <a:pPr latinLnBrk="1"/>
+                      <a:endParaRPr lang="ko-KR" altLang="en-US" sz="1200"/>
+                    </a:p>
+                  </a:txBody>
+                  <a:tcPr marL="0" marR="0" marT="0" marB="0"/>
+                </a:tc>
+                <a:tc>
+                  <a:txBody>
+                    <a:bodyPr/>
+                    <a:lstStyle/>
+                    <a:p>
+                      <a:pPr latinLnBrk="1"/>
+                      <a:endParaRPr lang="ko-KR" altLang="en-US" sz="1200"/>
+                    </a:p>
+                  </a:txBody>
+                  <a:tcPr marL="0" marR="0" marT="0" marB="0"/>
+                </a:tc>
+                <a:tc>
+                  <a:txBody>
+                    <a:bodyPr/>
+                    <a:lstStyle/>
+                    <a:p>
+                      <a:pPr latinLnBrk="1"/>
+                      <a:endParaRPr lang="ko-KR" altLang="en-US" sz="1200"/>
+                    </a:p>
+                  </a:txBody>
+                  <a:tcPr marL="0" marR="0" marT="0" marB="0"/>
+                </a:tc>
+                <a:tc>
+                  <a:txBody>
+                    <a:bodyPr/>
+                    <a:lstStyle/>
+                    <a:p>
+                      <a:pPr latinLnBrk="1"/>
+                      <a:endParaRPr lang="ko-KR" altLang="en-US" sz="1200"/>
+                    </a:p>
+                  </a:txBody>
+                  <a:tcPr marL="0" marR="0" marT="0" marB="0"/>
+                </a:tc>
+                <a:tc>
+                  <a:txBody>
+                    <a:bodyPr/>
+                    <a:lstStyle/>
+                    <a:p>
+                      <a:pPr latinLnBrk="1"/>
+                      <a:endParaRPr lang="ko-KR" altLang="en-US" sz="1200"/>
+                    </a:p>
+                  </a:txBody>
+                  <a:tcPr marL="0" marR="0" marT="0" marB="0"/>
+                </a:tc>
+                <a:tc>
+                  <a:txBody>
+                    <a:bodyPr/>
+                    <a:lstStyle/>
+                    <a:p>
+                      <a:pPr latinLnBrk="1"/>
+                      <a:endParaRPr lang="ko-KR" altLang="en-US" sz="1200" dirty="0"/>
+                    </a:p>
+                  </a:txBody>
+                  <a:tcPr marL="0" marR="0" marT="0" marB="0"/>
+                </a:tc>
+                <a:tc>
+                  <a:txBody>
+                    <a:bodyPr/>
+                    <a:lstStyle/>
+                    <a:p>
+                      <a:pPr latinLnBrk="1"/>
+                      <a:endParaRPr lang="ko-KR" altLang="en-US" sz="1200" dirty="0"/>
+                    </a:p>
+                  </a:txBody>
+                  <a:tcPr marL="0" marR="0" marT="0" marB="0"/>
+                </a:tc>
+                <a:tc>
+                  <a:txBody>
+                    <a:bodyPr/>
+                    <a:lstStyle/>
+                    <a:p>
+                      <a:pPr latinLnBrk="1"/>
+                      <a:endParaRPr lang="ko-KR" altLang="en-US" sz="1200"/>
+                    </a:p>
+                  </a:txBody>
+                  <a:tcPr marL="0" marR="0" marT="0" marB="0"/>
+                </a:tc>
+                <a:tc>
+                  <a:txBody>
+                    <a:bodyPr/>
+                    <a:lstStyle/>
+                    <a:p>
+                      <a:pPr latinLnBrk="1"/>
+                      <a:endParaRPr lang="ko-KR" altLang="en-US" sz="1200"/>
+                    </a:p>
+                  </a:txBody>
+                  <a:tcPr marL="0" marR="0" marT="0" marB="0"/>
+                </a:tc>
+                <a:tc>
+                  <a:txBody>
+                    <a:bodyPr/>
+                    <a:lstStyle/>
+                    <a:p>
+                      <a:pPr latinLnBrk="1"/>
+                      <a:endParaRPr lang="ko-KR" altLang="en-US" sz="1200"/>
+                    </a:p>
+                  </a:txBody>
+                  <a:tcPr marL="0" marR="0" marT="0" marB="0"/>
+                </a:tc>
+                <a:tc>
+                  <a:txBody>
+                    <a:bodyPr/>
+                    <a:lstStyle/>
+                    <a:p>
+                      <a:pPr latinLnBrk="1"/>
+                      <a:endParaRPr lang="ko-KR" altLang="en-US" sz="1200" dirty="0"/>
+                    </a:p>
+                  </a:txBody>
+                  <a:tcPr marL="0" marR="0" marT="0" marB="0"/>
+                </a:tc>
+                <a:tc>
+                  <a:txBody>
+                    <a:bodyPr/>
+                    <a:lstStyle/>
+                    <a:p>
+                      <a:pPr latinLnBrk="1"/>
+                      <a:endParaRPr lang="ko-KR" altLang="en-US" sz="1200" dirty="0"/>
+                    </a:p>
+                  </a:txBody>
+                  <a:tcPr marL="0" marR="0" marT="0" marB="0"/>
+                </a:tc>
+                <a:tc>
+                  <a:txBody>
+                    <a:bodyPr/>
+                    <a:lstStyle/>
+                    <a:p>
+                      <a:pPr latinLnBrk="1"/>
+                      <a:endParaRPr lang="ko-KR" altLang="en-US" sz="1200" dirty="0"/>
+                    </a:p>
+                  </a:txBody>
+                  <a:tcPr marL="0" marR="0" marT="0" marB="0"/>
+                </a:tc>
+                <a:tc>
+                  <a:txBody>
+                    <a:bodyPr/>
+                    <a:lstStyle/>
+                    <a:p>
+                      <a:pPr latinLnBrk="1"/>
+                      <a:endParaRPr lang="ko-KR" altLang="en-US" sz="1200" dirty="0"/>
+                    </a:p>
+                  </a:txBody>
+                  <a:tcPr marL="0" marR="0" marT="0" marB="0"/>
+                </a:tc>
+                <a:tc>
+                  <a:txBody>
+                    <a:bodyPr/>
+                    <a:lstStyle/>
+                    <a:p>
+                      <a:pPr latinLnBrk="1"/>
+                      <a:endParaRPr lang="ko-KR" altLang="en-US" sz="1200" dirty="0"/>
+                    </a:p>
+                  </a:txBody>
+                  <a:tcPr marL="0" marR="0" marT="0" marB="0"/>
+                </a:tc>
+                <a:tc>
+                  <a:txBody>
+                    <a:bodyPr/>
+                    <a:lstStyle/>
+                    <a:p>
+                      <a:pPr latinLnBrk="1"/>
+                      <a:endParaRPr lang="ko-KR" altLang="en-US" sz="1200" dirty="0"/>
+                    </a:p>
+                  </a:txBody>
+                  <a:tcPr marL="0" marR="0" marT="0" marB="0"/>
+                </a:tc>
+                <a:tc>
+                  <a:txBody>
+                    <a:bodyPr/>
+                    <a:lstStyle/>
+                    <a:p>
+                      <a:pPr latinLnBrk="1"/>
+                      <a:endParaRPr lang="ko-KR" altLang="en-US" sz="1200" dirty="0"/>
+                    </a:p>
+                  </a:txBody>
+                  <a:tcPr marL="0" marR="0" marT="0" marB="0"/>
+                </a:tc>
+                <a:tc>
+                  <a:txBody>
+                    <a:bodyPr/>
+                    <a:lstStyle/>
+                    <a:p>
+                      <a:pPr latinLnBrk="1"/>
+                      <a:endParaRPr lang="ko-KR" altLang="en-US" sz="1200" dirty="0"/>
+                    </a:p>
+                  </a:txBody>
+                  <a:tcPr marL="0" marR="0" marT="0" marB="0"/>
+                </a:tc>
+                <a:tc>
+                  <a:txBody>
+                    <a:bodyPr/>
+                    <a:lstStyle/>
+                    <a:p>
+                      <a:pPr latinLnBrk="1"/>
+                      <a:endParaRPr lang="ko-KR" altLang="en-US" sz="1200" dirty="0"/>
+                    </a:p>
+                  </a:txBody>
+                  <a:tcPr marL="0" marR="0" marT="0" marB="0"/>
+                </a:tc>
+                <a:tc>
+                  <a:txBody>
+                    <a:bodyPr/>
+                    <a:lstStyle/>
+                    <a:p>
+                      <a:pPr latinLnBrk="1"/>
+                      <a:endParaRPr lang="ko-KR" altLang="en-US" sz="1200" dirty="0"/>
+                    </a:p>
+                  </a:txBody>
+                  <a:tcPr marL="0" marR="0" marT="0" marB="0"/>
+                </a:tc>
+                <a:tc>
+                  <a:txBody>
+                    <a:bodyPr/>
+                    <a:lstStyle/>
+                    <a:p>
+                      <a:pPr latinLnBrk="1"/>
+                      <a:endParaRPr lang="ko-KR" altLang="en-US" sz="1200" dirty="0"/>
+                    </a:p>
+                  </a:txBody>
+                  <a:tcPr marL="0" marR="0" marT="0" marB="0"/>
+                </a:tc>
+                <a:tc>
+                  <a:txBody>
+                    <a:bodyPr/>
+                    <a:lstStyle/>
+                    <a:p>
+                      <a:pPr latinLnBrk="1"/>
+                      <a:endParaRPr lang="ko-KR" altLang="en-US" sz="1200" dirty="0"/>
+                    </a:p>
+                  </a:txBody>
+                  <a:tcPr marL="0" marR="0" marT="0" marB="0"/>
+                </a:tc>
+                <a:extLst>
+                  <a:ext uri="{0D108BD9-81ED-4DB2-BD59-A6C34878D82A}">
+                    <a16:rowId xmlns:a16="http://schemas.microsoft.com/office/drawing/2014/main" val="415870061"/>
+                  </a:ext>
+                </a:extLst>
+              </a:tr>
+            </a:tbl>
+          </a:graphicData>
+        </a:graphic>
+      </p:graphicFrame>
     </p:spTree>
     <p:extLst>
       <p:ext uri="{BB962C8B-B14F-4D97-AF65-F5344CB8AC3E}">
